--- a/presentation.pptx
+++ b/presentation.pptx
@@ -7,25 +7,35 @@
     <p:sldMasterId id="2147483663" r:id="rId3"/>
   </p:sldMasterIdLst>
   <p:notesMasterIdLst>
-    <p:notesMasterId r:id="rId17"/>
+    <p:notesMasterId r:id="rId27"/>
   </p:notesMasterIdLst>
   <p:handoutMasterIdLst>
-    <p:handoutMasterId r:id="rId18"/>
+    <p:handoutMasterId r:id="rId28"/>
   </p:handoutMasterIdLst>
   <p:sldIdLst>
     <p:sldId id="270" r:id="rId4"/>
     <p:sldId id="257" r:id="rId5"/>
-    <p:sldId id="258" r:id="rId6"/>
-    <p:sldId id="260" r:id="rId7"/>
-    <p:sldId id="261" r:id="rId8"/>
-    <p:sldId id="262" r:id="rId9"/>
-    <p:sldId id="263" r:id="rId10"/>
-    <p:sldId id="264" r:id="rId11"/>
-    <p:sldId id="265" r:id="rId12"/>
-    <p:sldId id="266" r:id="rId13"/>
-    <p:sldId id="267" r:id="rId14"/>
-    <p:sldId id="268" r:id="rId15"/>
-    <p:sldId id="269" r:id="rId16"/>
+    <p:sldId id="271" r:id="rId6"/>
+    <p:sldId id="272" r:id="rId7"/>
+    <p:sldId id="273" r:id="rId8"/>
+    <p:sldId id="274" r:id="rId9"/>
+    <p:sldId id="275" r:id="rId10"/>
+    <p:sldId id="276" r:id="rId11"/>
+    <p:sldId id="277" r:id="rId12"/>
+    <p:sldId id="278" r:id="rId13"/>
+    <p:sldId id="279" r:id="rId14"/>
+    <p:sldId id="280" r:id="rId15"/>
+    <p:sldId id="281" r:id="rId16"/>
+    <p:sldId id="284" r:id="rId17"/>
+    <p:sldId id="282" r:id="rId18"/>
+    <p:sldId id="283" r:id="rId19"/>
+    <p:sldId id="285" r:id="rId20"/>
+    <p:sldId id="286" r:id="rId21"/>
+    <p:sldId id="287" r:id="rId22"/>
+    <p:sldId id="288" r:id="rId23"/>
+    <p:sldId id="268" r:id="rId24"/>
+    <p:sldId id="290" r:id="rId25"/>
+    <p:sldId id="289" r:id="rId26"/>
   </p:sldIdLst>
   <p:sldSz cx="9144000" cy="5143500" type="screen16x9"/>
   <p:notesSz cx="6858000" cy="9144000"/>
@@ -228,7 +238,7 @@
           <a:p>
             <a:fld id="{3FDC14FC-A894-4869-A797-1EC82735D106}" type="datetimeFigureOut">
               <a:rPr lang="en-US" smtClean="0"/>
-              <a:t>10/3/2019</a:t>
+              <a:t>10/12/2019</a:t>
             </a:fld>
             <a:endParaRPr lang="en-US"/>
           </a:p>
@@ -393,7 +403,7 @@
           <a:p>
             <a:fld id="{B4F99C05-63F9-4248-8E20-3ACD9DF9DE7F}" type="datetimeFigureOut">
               <a:rPr lang="en-US" smtClean="0"/>
-              <a:t>10/3/2019</a:t>
+              <a:t>10/12/2019</a:t>
             </a:fld>
             <a:endParaRPr lang="en-US"/>
           </a:p>
@@ -660,6 +670,467 @@
 </p:notesMaster>
 </file>
 
+<file path=ppt/notesSlides/notesSlide1.xml><?xml version="1.0" encoding="utf-8"?>
+<p:notes xmlns:a="http://schemas.openxmlformats.org/drawingml/2006/main" xmlns:r="http://schemas.openxmlformats.org/officeDocument/2006/relationships" xmlns:p="http://schemas.openxmlformats.org/presentationml/2006/main">
+  <p:cSld>
+    <p:spTree>
+      <p:nvGrpSpPr>
+        <p:cNvPr id="1" name=""/>
+        <p:cNvGrpSpPr/>
+        <p:nvPr/>
+      </p:nvGrpSpPr>
+      <p:grpSpPr>
+        <a:xfrm>
+          <a:off x="0" y="0"/>
+          <a:ext cx="0" cy="0"/>
+          <a:chOff x="0" y="0"/>
+          <a:chExt cx="0" cy="0"/>
+        </a:xfrm>
+      </p:grpSpPr>
+      <p:sp>
+        <p:nvSpPr>
+          <p:cNvPr id="2" name="Образ слайда 1"/>
+          <p:cNvSpPr>
+            <a:spLocks noGrp="1" noRot="1" noChangeAspect="1"/>
+          </p:cNvSpPr>
+          <p:nvPr>
+            <p:ph type="sldImg"/>
+          </p:nvPr>
+        </p:nvSpPr>
+        <p:spPr/>
+      </p:sp>
+      <p:sp>
+        <p:nvSpPr>
+          <p:cNvPr id="3" name="Заметки 2"/>
+          <p:cNvSpPr>
+            <a:spLocks noGrp="1"/>
+          </p:cNvSpPr>
+          <p:nvPr>
+            <p:ph type="body" idx="1"/>
+          </p:nvPr>
+        </p:nvSpPr>
+        <p:spPr/>
+        <p:txBody>
+          <a:bodyPr/>
+          <a:lstStyle/>
+          <a:p>
+            <a:pPr marL="228600" indent="-228600">
+              <a:buAutoNum type="arabicPeriod"/>
+            </a:pPr>
+            <a:r>
+              <a:rPr lang="en-US" baseline="0" dirty="0" smtClean="0"/>
+              <a:t>Wrapper (binding) to cross platform lib (GTK+, </a:t>
+            </a:r>
+            <a:r>
+              <a:rPr lang="en-US" baseline="0" dirty="0" err="1" smtClean="0"/>
+              <a:t>Qt</a:t>
+            </a:r>
+            <a:r>
+              <a:rPr lang="en-US" baseline="0" dirty="0" smtClean="0"/>
+              <a:t>, …)</a:t>
+            </a:r>
+          </a:p>
+          <a:p>
+            <a:pPr marL="228600" indent="-228600">
+              <a:buAutoNum type="arabicPeriod"/>
+            </a:pPr>
+            <a:r>
+              <a:rPr lang="en-US" dirty="0" smtClean="0"/>
+              <a:t>Native</a:t>
+            </a:r>
+            <a:r>
+              <a:rPr lang="en-US" baseline="0" dirty="0" smtClean="0"/>
+              <a:t> </a:t>
+            </a:r>
+            <a:r>
+              <a:rPr lang="en-US" baseline="0" dirty="0" err="1" smtClean="0"/>
+              <a:t>.Net</a:t>
+            </a:r>
+            <a:r>
+              <a:rPr lang="en-US" baseline="0" dirty="0" smtClean="0"/>
+              <a:t> lib (Avalonia, </a:t>
+            </a:r>
+            <a:r>
+              <a:rPr lang="en-US" baseline="0" dirty="0" err="1" smtClean="0"/>
+              <a:t>Eto.Forms</a:t>
+            </a:r>
+            <a:r>
+              <a:rPr lang="en-US" baseline="0" dirty="0" smtClean="0"/>
+              <a:t>, …)</a:t>
+            </a:r>
+          </a:p>
+          <a:p>
+            <a:pPr marL="228600" indent="-228600">
+              <a:buAutoNum type="arabicPeriod"/>
+            </a:pPr>
+            <a:r>
+              <a:rPr lang="en-US" baseline="0" dirty="0" smtClean="0"/>
+              <a:t>HTML/CSS-based render (CEF, Electron, </a:t>
+            </a:r>
+            <a:r>
+              <a:rPr lang="en-US" baseline="0" dirty="0" err="1" smtClean="0"/>
+              <a:t>Sciter</a:t>
+            </a:r>
+            <a:r>
+              <a:rPr lang="en-US" baseline="0" dirty="0" smtClean="0"/>
+              <a:t>, …) </a:t>
+            </a:r>
+            <a:endParaRPr lang="ru-RU" dirty="0"/>
+          </a:p>
+        </p:txBody>
+      </p:sp>
+      <p:sp>
+        <p:nvSpPr>
+          <p:cNvPr id="4" name="Номер слайда 3"/>
+          <p:cNvSpPr>
+            <a:spLocks noGrp="1"/>
+          </p:cNvSpPr>
+          <p:nvPr>
+            <p:ph type="sldNum" sz="quarter" idx="10"/>
+          </p:nvPr>
+        </p:nvSpPr>
+        <p:spPr/>
+        <p:txBody>
+          <a:bodyPr/>
+          <a:lstStyle/>
+          <a:p>
+            <a:fld id="{A874FABB-6DBE-47C4-B626-20167906F475}" type="slidenum">
+              <a:rPr lang="en-US" smtClean="0"/>
+              <a:t>4</a:t>
+            </a:fld>
+            <a:endParaRPr lang="en-US"/>
+          </a:p>
+        </p:txBody>
+      </p:sp>
+    </p:spTree>
+    <p:extLst>
+      <p:ext uri="{BB962C8B-B14F-4D97-AF65-F5344CB8AC3E}">
+        <p14:creationId xmlns:p14="http://schemas.microsoft.com/office/powerpoint/2010/main" val="2851591837"/>
+      </p:ext>
+    </p:extLst>
+  </p:cSld>
+  <p:clrMapOvr>
+    <a:masterClrMapping/>
+  </p:clrMapOvr>
+</p:notes>
+</file>
+
+<file path=ppt/notesSlides/notesSlide2.xml><?xml version="1.0" encoding="utf-8"?>
+<p:notes xmlns:a="http://schemas.openxmlformats.org/drawingml/2006/main" xmlns:r="http://schemas.openxmlformats.org/officeDocument/2006/relationships" xmlns:p="http://schemas.openxmlformats.org/presentationml/2006/main">
+  <p:cSld>
+    <p:spTree>
+      <p:nvGrpSpPr>
+        <p:cNvPr id="1" name=""/>
+        <p:cNvGrpSpPr/>
+        <p:nvPr/>
+      </p:nvGrpSpPr>
+      <p:grpSpPr>
+        <a:xfrm>
+          <a:off x="0" y="0"/>
+          <a:ext cx="0" cy="0"/>
+          <a:chOff x="0" y="0"/>
+          <a:chExt cx="0" cy="0"/>
+        </a:xfrm>
+      </p:grpSpPr>
+      <p:sp>
+        <p:nvSpPr>
+          <p:cNvPr id="2" name="Образ слайда 1"/>
+          <p:cNvSpPr>
+            <a:spLocks noGrp="1" noRot="1" noChangeAspect="1"/>
+          </p:cNvSpPr>
+          <p:nvPr>
+            <p:ph type="sldImg"/>
+          </p:nvPr>
+        </p:nvSpPr>
+        <p:spPr/>
+      </p:sp>
+      <p:sp>
+        <p:nvSpPr>
+          <p:cNvPr id="3" name="Заметки 2"/>
+          <p:cNvSpPr>
+            <a:spLocks noGrp="1"/>
+          </p:cNvSpPr>
+          <p:nvPr>
+            <p:ph type="body" idx="1"/>
+          </p:nvPr>
+        </p:nvSpPr>
+        <p:spPr/>
+        <p:txBody>
+          <a:bodyPr/>
+          <a:lstStyle/>
+          <a:p>
+            <a:endParaRPr lang="ru-RU" dirty="0"/>
+          </a:p>
+        </p:txBody>
+      </p:sp>
+      <p:sp>
+        <p:nvSpPr>
+          <p:cNvPr id="4" name="Номер слайда 3"/>
+          <p:cNvSpPr>
+            <a:spLocks noGrp="1"/>
+          </p:cNvSpPr>
+          <p:nvPr>
+            <p:ph type="sldNum" sz="quarter" idx="10"/>
+          </p:nvPr>
+        </p:nvSpPr>
+        <p:spPr/>
+        <p:txBody>
+          <a:bodyPr/>
+          <a:lstStyle/>
+          <a:p>
+            <a:fld id="{A874FABB-6DBE-47C4-B626-20167906F475}" type="slidenum">
+              <a:rPr lang="en-US" smtClean="0"/>
+              <a:t>5</a:t>
+            </a:fld>
+            <a:endParaRPr lang="en-US"/>
+          </a:p>
+        </p:txBody>
+      </p:sp>
+    </p:spTree>
+    <p:extLst>
+      <p:ext uri="{BB962C8B-B14F-4D97-AF65-F5344CB8AC3E}">
+        <p14:creationId xmlns:p14="http://schemas.microsoft.com/office/powerpoint/2010/main" val="709578995"/>
+      </p:ext>
+    </p:extLst>
+  </p:cSld>
+  <p:clrMapOvr>
+    <a:masterClrMapping/>
+  </p:clrMapOvr>
+</p:notes>
+</file>
+
+<file path=ppt/notesSlides/notesSlide3.xml><?xml version="1.0" encoding="utf-8"?>
+<p:notes xmlns:a="http://schemas.openxmlformats.org/drawingml/2006/main" xmlns:r="http://schemas.openxmlformats.org/officeDocument/2006/relationships" xmlns:p="http://schemas.openxmlformats.org/presentationml/2006/main">
+  <p:cSld>
+    <p:spTree>
+      <p:nvGrpSpPr>
+        <p:cNvPr id="1" name=""/>
+        <p:cNvGrpSpPr/>
+        <p:nvPr/>
+      </p:nvGrpSpPr>
+      <p:grpSpPr>
+        <a:xfrm>
+          <a:off x="0" y="0"/>
+          <a:ext cx="0" cy="0"/>
+          <a:chOff x="0" y="0"/>
+          <a:chExt cx="0" cy="0"/>
+        </a:xfrm>
+      </p:grpSpPr>
+      <p:sp>
+        <p:nvSpPr>
+          <p:cNvPr id="2" name="Образ слайда 1"/>
+          <p:cNvSpPr>
+            <a:spLocks noGrp="1" noRot="1" noChangeAspect="1"/>
+          </p:cNvSpPr>
+          <p:nvPr>
+            <p:ph type="sldImg"/>
+          </p:nvPr>
+        </p:nvSpPr>
+        <p:spPr/>
+      </p:sp>
+      <p:sp>
+        <p:nvSpPr>
+          <p:cNvPr id="3" name="Заметки 2"/>
+          <p:cNvSpPr>
+            <a:spLocks noGrp="1"/>
+          </p:cNvSpPr>
+          <p:nvPr>
+            <p:ph type="body" idx="1"/>
+          </p:nvPr>
+        </p:nvSpPr>
+        <p:spPr/>
+        <p:txBody>
+          <a:bodyPr/>
+          <a:lstStyle/>
+          <a:p>
+            <a:pPr marL="171450" indent="-171450">
+              <a:buFontTx/>
+              <a:buChar char="-"/>
+            </a:pPr>
+            <a:r>
+              <a:rPr lang="en-US" dirty="0" smtClean="0"/>
+              <a:t>GTK+</a:t>
+            </a:r>
+          </a:p>
+          <a:p>
+            <a:pPr marL="171450" indent="-171450">
+              <a:buFontTx/>
+              <a:buChar char="-"/>
+            </a:pPr>
+            <a:r>
+              <a:rPr lang="en-US" dirty="0" err="1" smtClean="0"/>
+              <a:t>Qt</a:t>
+            </a:r>
+            <a:endParaRPr lang="en-US" dirty="0" smtClean="0"/>
+          </a:p>
+          <a:p>
+            <a:pPr marL="171450" indent="-171450">
+              <a:buFontTx/>
+              <a:buChar char="-"/>
+            </a:pPr>
+            <a:r>
+              <a:rPr lang="en-US" dirty="0" err="1" smtClean="0"/>
+              <a:t>wxWidgets</a:t>
+            </a:r>
+            <a:endParaRPr lang="en-US" dirty="0" smtClean="0"/>
+          </a:p>
+          <a:p>
+            <a:pPr marL="171450" indent="-171450">
+              <a:buFontTx/>
+              <a:buChar char="-"/>
+            </a:pPr>
+            <a:r>
+              <a:rPr lang="en-US" dirty="0" smtClean="0"/>
+              <a:t>Swing</a:t>
+            </a:r>
+          </a:p>
+          <a:p>
+            <a:pPr marL="171450" indent="-171450">
+              <a:buFontTx/>
+              <a:buChar char="-"/>
+            </a:pPr>
+            <a:r>
+              <a:rPr lang="en-US" dirty="0" smtClean="0"/>
+              <a:t>SWT</a:t>
+            </a:r>
+          </a:p>
+          <a:p>
+            <a:pPr marL="171450" indent="-171450">
+              <a:buFontTx/>
+              <a:buChar char="-"/>
+            </a:pPr>
+            <a:endParaRPr lang="ru-RU" dirty="0"/>
+          </a:p>
+        </p:txBody>
+      </p:sp>
+      <p:sp>
+        <p:nvSpPr>
+          <p:cNvPr id="4" name="Номер слайда 3"/>
+          <p:cNvSpPr>
+            <a:spLocks noGrp="1"/>
+          </p:cNvSpPr>
+          <p:nvPr>
+            <p:ph type="sldNum" sz="quarter" idx="10"/>
+          </p:nvPr>
+        </p:nvSpPr>
+        <p:spPr/>
+        <p:txBody>
+          <a:bodyPr/>
+          <a:lstStyle/>
+          <a:p>
+            <a:fld id="{A874FABB-6DBE-47C4-B626-20167906F475}" type="slidenum">
+              <a:rPr lang="en-US" smtClean="0"/>
+              <a:t>6</a:t>
+            </a:fld>
+            <a:endParaRPr lang="en-US"/>
+          </a:p>
+        </p:txBody>
+      </p:sp>
+    </p:spTree>
+    <p:extLst>
+      <p:ext uri="{BB962C8B-B14F-4D97-AF65-F5344CB8AC3E}">
+        <p14:creationId xmlns:p14="http://schemas.microsoft.com/office/powerpoint/2010/main" val="4265055325"/>
+      </p:ext>
+    </p:extLst>
+  </p:cSld>
+  <p:clrMapOvr>
+    <a:masterClrMapping/>
+  </p:clrMapOvr>
+</p:notes>
+</file>
+
+<file path=ppt/notesSlides/notesSlide4.xml><?xml version="1.0" encoding="utf-8"?>
+<p:notes xmlns:a="http://schemas.openxmlformats.org/drawingml/2006/main" xmlns:r="http://schemas.openxmlformats.org/officeDocument/2006/relationships" xmlns:p="http://schemas.openxmlformats.org/presentationml/2006/main">
+  <p:cSld>
+    <p:spTree>
+      <p:nvGrpSpPr>
+        <p:cNvPr id="1" name=""/>
+        <p:cNvGrpSpPr/>
+        <p:nvPr/>
+      </p:nvGrpSpPr>
+      <p:grpSpPr>
+        <a:xfrm>
+          <a:off x="0" y="0"/>
+          <a:ext cx="0" cy="0"/>
+          <a:chOff x="0" y="0"/>
+          <a:chExt cx="0" cy="0"/>
+        </a:xfrm>
+      </p:grpSpPr>
+      <p:sp>
+        <p:nvSpPr>
+          <p:cNvPr id="2" name="Образ слайда 1"/>
+          <p:cNvSpPr>
+            <a:spLocks noGrp="1" noRot="1" noChangeAspect="1"/>
+          </p:cNvSpPr>
+          <p:nvPr>
+            <p:ph type="sldImg"/>
+          </p:nvPr>
+        </p:nvSpPr>
+        <p:spPr/>
+      </p:sp>
+      <p:sp>
+        <p:nvSpPr>
+          <p:cNvPr id="3" name="Заметки 2"/>
+          <p:cNvSpPr>
+            <a:spLocks noGrp="1"/>
+          </p:cNvSpPr>
+          <p:nvPr>
+            <p:ph type="body" idx="1"/>
+          </p:nvPr>
+        </p:nvSpPr>
+        <p:spPr/>
+        <p:txBody>
+          <a:bodyPr/>
+          <a:lstStyle/>
+          <a:p>
+            <a:r>
+              <a:rPr lang="en-US" dirty="0" err="1" smtClean="0"/>
+              <a:t>Qt</a:t>
+            </a:r>
+            <a:r>
+              <a:rPr lang="en-US" dirty="0" smtClean="0"/>
+              <a:t> Sharp?</a:t>
+            </a:r>
+            <a:endParaRPr lang="ru-RU" dirty="0"/>
+          </a:p>
+        </p:txBody>
+      </p:sp>
+      <p:sp>
+        <p:nvSpPr>
+          <p:cNvPr id="4" name="Номер слайда 3"/>
+          <p:cNvSpPr>
+            <a:spLocks noGrp="1"/>
+          </p:cNvSpPr>
+          <p:nvPr>
+            <p:ph type="sldNum" sz="quarter" idx="10"/>
+          </p:nvPr>
+        </p:nvSpPr>
+        <p:spPr/>
+        <p:txBody>
+          <a:bodyPr/>
+          <a:lstStyle/>
+          <a:p>
+            <a:fld id="{A874FABB-6DBE-47C4-B626-20167906F475}" type="slidenum">
+              <a:rPr lang="en-US" smtClean="0"/>
+              <a:t>10</a:t>
+            </a:fld>
+            <a:endParaRPr lang="en-US"/>
+          </a:p>
+        </p:txBody>
+      </p:sp>
+    </p:spTree>
+    <p:extLst>
+      <p:ext uri="{BB962C8B-B14F-4D97-AF65-F5344CB8AC3E}">
+        <p14:creationId xmlns:p14="http://schemas.microsoft.com/office/powerpoint/2010/main" val="4251630677"/>
+      </p:ext>
+    </p:extLst>
+  </p:cSld>
+  <p:clrMapOvr>
+    <a:masterClrMapping/>
+  </p:clrMapOvr>
+</p:notes>
+</file>
+
 <file path=ppt/slideLayouts/slideLayout1.xml><?xml version="1.0" encoding="utf-8"?>
 <p:sldLayout xmlns:a="http://schemas.openxmlformats.org/drawingml/2006/main" xmlns:r="http://schemas.openxmlformats.org/officeDocument/2006/relationships" xmlns:p="http://schemas.openxmlformats.org/presentationml/2006/main" preserve="1" userDrawn="1">
   <p:cSld name="Cover">
@@ -6595,7 +7066,7 @@
           </a:ln>
           <a:extLst>
             <a:ext uri="{C572A759-6A51-4108-AA02-DFA0A04FC94B}">
-              <ma14:wrappingTextBoxFlag xmlns:ma14="http://schemas.microsoft.com/office/mac/drawingml/2011/main" xmlns="" val="1"/>
+              <ma14:wrappingTextBoxFlag xmlns="" xmlns:ma14="http://schemas.microsoft.com/office/mac/drawingml/2011/main" val="1"/>
             </a:ext>
           </a:extLst>
         </p:spPr>
@@ -15399,13 +15870,7 @@
       </p:grpSpPr>
       <p:sp>
         <p:nvSpPr>
-          <p:cNvPr id="3" name="Title 2">
-            <a:extLst>
-              <a:ext uri="{FF2B5EF4-FFF2-40B4-BE49-F238E27FC236}">
-                <a16:creationId xmlns:a16="http://schemas.microsoft.com/office/drawing/2014/main" id="{D3362E7D-0D9F-4238-B604-2CFC87ACD634}"/>
-              </a:ext>
-            </a:extLst>
-          </p:cNvPr>
+          <p:cNvPr id="2" name="Заголовок 1"/>
           <p:cNvSpPr>
             <a:spLocks noGrp="1"/>
           </p:cNvSpPr>
@@ -15418,14 +15883,18 @@
           <a:bodyPr/>
           <a:lstStyle/>
           <a:p>
-            <a:endParaRPr lang="en-US"/>
+            <a:r>
+              <a:rPr lang="en-US" dirty="0" err="1" smtClean="0"/>
+              <a:t>Qml.Net</a:t>
+            </a:r>
+            <a:endParaRPr lang="ru-RU" dirty="0"/>
           </a:p>
         </p:txBody>
       </p:sp>
     </p:spTree>
     <p:extLst>
       <p:ext uri="{BB962C8B-B14F-4D97-AF65-F5344CB8AC3E}">
-        <p14:creationId xmlns:p14="http://schemas.microsoft.com/office/powerpoint/2010/main" val="3387644096"/>
+        <p14:creationId xmlns:p14="http://schemas.microsoft.com/office/powerpoint/2010/main" val="3633928373"/>
       </p:ext>
     </p:extLst>
   </p:cSld>
@@ -15454,13 +15923,7 @@
       </p:grpSpPr>
       <p:sp>
         <p:nvSpPr>
-          <p:cNvPr id="2" name="Title 1">
-            <a:extLst>
-              <a:ext uri="{FF2B5EF4-FFF2-40B4-BE49-F238E27FC236}">
-                <a16:creationId xmlns:a16="http://schemas.microsoft.com/office/drawing/2014/main" id="{B100DCF6-B142-4509-8B6C-16DF1907BA0F}"/>
-              </a:ext>
-            </a:extLst>
-          </p:cNvPr>
+          <p:cNvPr id="3" name="Заголовок 2"/>
           <p:cNvSpPr>
             <a:spLocks noGrp="1"/>
           </p:cNvSpPr>
@@ -15473,107 +15936,30 @@
           <a:bodyPr/>
           <a:lstStyle/>
           <a:p>
-            <a:endParaRPr lang="en-US"/>
-          </a:p>
-        </p:txBody>
-      </p:sp>
-      <p:sp>
-        <p:nvSpPr>
-          <p:cNvPr id="3" name="Picture Placeholder 2">
-            <a:extLst>
-              <a:ext uri="{FF2B5EF4-FFF2-40B4-BE49-F238E27FC236}">
-                <a16:creationId xmlns:a16="http://schemas.microsoft.com/office/drawing/2014/main" id="{A493581F-CBA0-4EC4-AF18-5198BC5F5D18}"/>
-              </a:ext>
-            </a:extLst>
-          </p:cNvPr>
-          <p:cNvSpPr>
-            <a:spLocks noGrp="1"/>
-          </p:cNvSpPr>
-          <p:nvPr>
-            <p:ph type="pic" sz="quarter" idx="11"/>
-          </p:nvPr>
-        </p:nvSpPr>
-        <p:spPr/>
-      </p:sp>
-      <p:sp>
-        <p:nvSpPr>
-          <p:cNvPr id="4" name="Text Placeholder 3">
-            <a:extLst>
-              <a:ext uri="{FF2B5EF4-FFF2-40B4-BE49-F238E27FC236}">
-                <a16:creationId xmlns:a16="http://schemas.microsoft.com/office/drawing/2014/main" id="{494DC188-A8EA-4925-BA04-692BBA913B15}"/>
-              </a:ext>
-            </a:extLst>
-          </p:cNvPr>
-          <p:cNvSpPr>
-            <a:spLocks noGrp="1"/>
-          </p:cNvSpPr>
-          <p:nvPr>
-            <p:ph type="body" sz="quarter" idx="12"/>
-          </p:nvPr>
-        </p:nvSpPr>
-        <p:spPr/>
-        <p:txBody>
-          <a:bodyPr/>
-          <a:lstStyle/>
-          <a:p>
-            <a:endParaRPr lang="en-US"/>
-          </a:p>
-        </p:txBody>
-      </p:sp>
-      <p:sp>
-        <p:nvSpPr>
-          <p:cNvPr id="5" name="Content Placeholder 4">
-            <a:extLst>
-              <a:ext uri="{FF2B5EF4-FFF2-40B4-BE49-F238E27FC236}">
-                <a16:creationId xmlns:a16="http://schemas.microsoft.com/office/drawing/2014/main" id="{F26EF6AC-7E4A-4B49-A397-73ABDA127F2C}"/>
-              </a:ext>
-            </a:extLst>
-          </p:cNvPr>
-          <p:cNvSpPr>
-            <a:spLocks noGrp="1"/>
-          </p:cNvSpPr>
-          <p:nvPr>
-            <p:ph sz="quarter" idx="10"/>
-          </p:nvPr>
-        </p:nvSpPr>
-        <p:spPr/>
-        <p:txBody>
-          <a:bodyPr/>
-          <a:lstStyle/>
-          <a:p>
-            <a:endParaRPr lang="en-US"/>
-          </a:p>
-        </p:txBody>
-      </p:sp>
-      <p:sp>
-        <p:nvSpPr>
-          <p:cNvPr id="6" name="Text Placeholder 5">
-            <a:extLst>
-              <a:ext uri="{FF2B5EF4-FFF2-40B4-BE49-F238E27FC236}">
-                <a16:creationId xmlns:a16="http://schemas.microsoft.com/office/drawing/2014/main" id="{A92B7575-B558-4253-846F-86C9F104EB44}"/>
-              </a:ext>
-            </a:extLst>
-          </p:cNvPr>
-          <p:cNvSpPr>
-            <a:spLocks noGrp="1"/>
-          </p:cNvSpPr>
-          <p:nvPr>
-            <p:ph type="body" sz="quarter" idx="13"/>
-          </p:nvPr>
-        </p:nvSpPr>
-        <p:spPr/>
-        <p:txBody>
-          <a:bodyPr/>
-          <a:lstStyle/>
-          <a:p>
-            <a:endParaRPr lang="en-US"/>
+            <a:r>
+              <a:rPr lang="en-US" dirty="0"/>
+              <a:t>Native </a:t>
+            </a:r>
+            <a:r>
+              <a:rPr lang="en-US" dirty="0" err="1"/>
+              <a:t>.Net</a:t>
+            </a:r>
+            <a:r>
+              <a:rPr lang="en-US" dirty="0"/>
+              <a:t> </a:t>
+            </a:r>
+            <a:r>
+              <a:rPr lang="en-US" dirty="0" smtClean="0"/>
+              <a:t>libs</a:t>
+            </a:r>
+            <a:endParaRPr lang="ru-RU" dirty="0"/>
           </a:p>
         </p:txBody>
       </p:sp>
     </p:spTree>
     <p:extLst>
       <p:ext uri="{BB962C8B-B14F-4D97-AF65-F5344CB8AC3E}">
-        <p14:creationId xmlns:p14="http://schemas.microsoft.com/office/powerpoint/2010/main" val="3573495367"/>
+        <p14:creationId xmlns:p14="http://schemas.microsoft.com/office/powerpoint/2010/main" val="186989479"/>
       </p:ext>
     </p:extLst>
   </p:cSld>
@@ -15602,13 +15988,7 @@
       </p:grpSpPr>
       <p:sp>
         <p:nvSpPr>
-          <p:cNvPr id="7" name="Title 6">
-            <a:extLst>
-              <a:ext uri="{FF2B5EF4-FFF2-40B4-BE49-F238E27FC236}">
-                <a16:creationId xmlns:a16="http://schemas.microsoft.com/office/drawing/2014/main" id="{3E0D6084-A18D-4C97-B4B5-7554ADD1DE4D}"/>
-              </a:ext>
-            </a:extLst>
-          </p:cNvPr>
+          <p:cNvPr id="3" name="Заголовок 2"/>
           <p:cNvSpPr>
             <a:spLocks noGrp="1"/>
           </p:cNvSpPr>
@@ -15621,14 +16001,18 @@
           <a:bodyPr/>
           <a:lstStyle/>
           <a:p>
-            <a:endParaRPr lang="en-US"/>
+            <a:r>
+              <a:rPr lang="en-US" dirty="0" smtClean="0"/>
+              <a:t>What is it?</a:t>
+            </a:r>
+            <a:endParaRPr lang="ru-RU" dirty="0"/>
           </a:p>
         </p:txBody>
       </p:sp>
     </p:spTree>
     <p:extLst>
       <p:ext uri="{BB962C8B-B14F-4D97-AF65-F5344CB8AC3E}">
-        <p14:creationId xmlns:p14="http://schemas.microsoft.com/office/powerpoint/2010/main" val="1798980938"/>
+        <p14:creationId xmlns:p14="http://schemas.microsoft.com/office/powerpoint/2010/main" val="609591635"/>
       </p:ext>
     </p:extLst>
   </p:cSld>
@@ -15657,13 +16041,7 @@
       </p:grpSpPr>
       <p:sp>
         <p:nvSpPr>
-          <p:cNvPr id="2" name="Title 1">
-            <a:extLst>
-              <a:ext uri="{FF2B5EF4-FFF2-40B4-BE49-F238E27FC236}">
-                <a16:creationId xmlns:a16="http://schemas.microsoft.com/office/drawing/2014/main" id="{1A2F23A1-1526-43AD-9775-6834247246AA}"/>
-              </a:ext>
-            </a:extLst>
-          </p:cNvPr>
+          <p:cNvPr id="2" name="Заголовок 1"/>
           <p:cNvSpPr>
             <a:spLocks noGrp="1"/>
           </p:cNvSpPr>
@@ -15676,14 +16054,336 @@
           <a:bodyPr/>
           <a:lstStyle/>
           <a:p>
-            <a:endParaRPr lang="en-US"/>
+            <a:r>
+              <a:rPr lang="en-US" dirty="0" smtClean="0"/>
+              <a:t>Avalonia</a:t>
+            </a:r>
+            <a:endParaRPr lang="ru-RU" dirty="0"/>
           </a:p>
         </p:txBody>
       </p:sp>
     </p:spTree>
     <p:extLst>
       <p:ext uri="{BB962C8B-B14F-4D97-AF65-F5344CB8AC3E}">
-        <p14:creationId xmlns:p14="http://schemas.microsoft.com/office/powerpoint/2010/main" val="3511356394"/>
+        <p14:creationId xmlns:p14="http://schemas.microsoft.com/office/powerpoint/2010/main" val="3009376098"/>
+      </p:ext>
+    </p:extLst>
+  </p:cSld>
+  <p:clrMapOvr>
+    <a:masterClrMapping/>
+  </p:clrMapOvr>
+</p:sld>
+</file>
+
+<file path=ppt/slides/slide14.xml><?xml version="1.0" encoding="utf-8"?>
+<p:sld xmlns:a="http://schemas.openxmlformats.org/drawingml/2006/main" xmlns:r="http://schemas.openxmlformats.org/officeDocument/2006/relationships" xmlns:p="http://schemas.openxmlformats.org/presentationml/2006/main">
+  <p:cSld>
+    <p:spTree>
+      <p:nvGrpSpPr>
+        <p:cNvPr id="1" name=""/>
+        <p:cNvGrpSpPr/>
+        <p:nvPr/>
+      </p:nvGrpSpPr>
+      <p:grpSpPr>
+        <a:xfrm>
+          <a:off x="0" y="0"/>
+          <a:ext cx="0" cy="0"/>
+          <a:chOff x="0" y="0"/>
+          <a:chExt cx="0" cy="0"/>
+        </a:xfrm>
+      </p:grpSpPr>
+      <p:sp>
+        <p:nvSpPr>
+          <p:cNvPr id="2" name="Заголовок 1"/>
+          <p:cNvSpPr>
+            <a:spLocks noGrp="1"/>
+          </p:cNvSpPr>
+          <p:nvPr>
+            <p:ph type="title"/>
+          </p:nvPr>
+        </p:nvSpPr>
+        <p:spPr/>
+        <p:txBody>
+          <a:bodyPr/>
+          <a:lstStyle/>
+          <a:p>
+            <a:r>
+              <a:rPr lang="en-US" dirty="0" err="1" smtClean="0"/>
+              <a:t>Eto.Forms</a:t>
+            </a:r>
+            <a:endParaRPr lang="ru-RU" dirty="0"/>
+          </a:p>
+        </p:txBody>
+      </p:sp>
+    </p:spTree>
+    <p:extLst>
+      <p:ext uri="{BB962C8B-B14F-4D97-AF65-F5344CB8AC3E}">
+        <p14:creationId xmlns:p14="http://schemas.microsoft.com/office/powerpoint/2010/main" val="1058019614"/>
+      </p:ext>
+    </p:extLst>
+  </p:cSld>
+  <p:clrMapOvr>
+    <a:masterClrMapping/>
+  </p:clrMapOvr>
+</p:sld>
+</file>
+
+<file path=ppt/slides/slide15.xml><?xml version="1.0" encoding="utf-8"?>
+<p:sld xmlns:a="http://schemas.openxmlformats.org/drawingml/2006/main" xmlns:r="http://schemas.openxmlformats.org/officeDocument/2006/relationships" xmlns:p="http://schemas.openxmlformats.org/presentationml/2006/main">
+  <p:cSld>
+    <p:spTree>
+      <p:nvGrpSpPr>
+        <p:cNvPr id="1" name=""/>
+        <p:cNvGrpSpPr/>
+        <p:nvPr/>
+      </p:nvGrpSpPr>
+      <p:grpSpPr>
+        <a:xfrm>
+          <a:off x="0" y="0"/>
+          <a:ext cx="0" cy="0"/>
+          <a:chOff x="0" y="0"/>
+          <a:chExt cx="0" cy="0"/>
+        </a:xfrm>
+      </p:grpSpPr>
+      <p:sp>
+        <p:nvSpPr>
+          <p:cNvPr id="3" name="Заголовок 2"/>
+          <p:cNvSpPr>
+            <a:spLocks noGrp="1"/>
+          </p:cNvSpPr>
+          <p:nvPr>
+            <p:ph type="title"/>
+          </p:nvPr>
+        </p:nvSpPr>
+        <p:spPr/>
+        <p:txBody>
+          <a:bodyPr/>
+          <a:lstStyle/>
+          <a:p>
+            <a:r>
+              <a:rPr lang="en-US" dirty="0" smtClean="0"/>
+              <a:t>HTML/CSS-based frameworks</a:t>
+            </a:r>
+            <a:endParaRPr lang="ru-RU" dirty="0"/>
+          </a:p>
+        </p:txBody>
+      </p:sp>
+    </p:spTree>
+    <p:extLst>
+      <p:ext uri="{BB962C8B-B14F-4D97-AF65-F5344CB8AC3E}">
+        <p14:creationId xmlns:p14="http://schemas.microsoft.com/office/powerpoint/2010/main" val="1456736141"/>
+      </p:ext>
+    </p:extLst>
+  </p:cSld>
+  <p:clrMapOvr>
+    <a:masterClrMapping/>
+  </p:clrMapOvr>
+</p:sld>
+</file>
+
+<file path=ppt/slides/slide16.xml><?xml version="1.0" encoding="utf-8"?>
+<p:sld xmlns:a="http://schemas.openxmlformats.org/drawingml/2006/main" xmlns:r="http://schemas.openxmlformats.org/officeDocument/2006/relationships" xmlns:p="http://schemas.openxmlformats.org/presentationml/2006/main">
+  <p:cSld>
+    <p:spTree>
+      <p:nvGrpSpPr>
+        <p:cNvPr id="1" name=""/>
+        <p:cNvGrpSpPr/>
+        <p:nvPr/>
+      </p:nvGrpSpPr>
+      <p:grpSpPr>
+        <a:xfrm>
+          <a:off x="0" y="0"/>
+          <a:ext cx="0" cy="0"/>
+          <a:chOff x="0" y="0"/>
+          <a:chExt cx="0" cy="0"/>
+        </a:xfrm>
+      </p:grpSpPr>
+      <p:sp>
+        <p:nvSpPr>
+          <p:cNvPr id="3" name="Заголовок 2"/>
+          <p:cNvSpPr>
+            <a:spLocks noGrp="1"/>
+          </p:cNvSpPr>
+          <p:nvPr>
+            <p:ph type="title"/>
+          </p:nvPr>
+        </p:nvSpPr>
+        <p:spPr/>
+        <p:txBody>
+          <a:bodyPr/>
+          <a:lstStyle/>
+          <a:p>
+            <a:r>
+              <a:rPr lang="en-US" dirty="0" smtClean="0"/>
+              <a:t>What is it?</a:t>
+            </a:r>
+            <a:endParaRPr lang="ru-RU" dirty="0"/>
+          </a:p>
+        </p:txBody>
+      </p:sp>
+    </p:spTree>
+    <p:extLst>
+      <p:ext uri="{BB962C8B-B14F-4D97-AF65-F5344CB8AC3E}">
+        <p14:creationId xmlns:p14="http://schemas.microsoft.com/office/powerpoint/2010/main" val="3509164491"/>
+      </p:ext>
+    </p:extLst>
+  </p:cSld>
+  <p:clrMapOvr>
+    <a:masterClrMapping/>
+  </p:clrMapOvr>
+</p:sld>
+</file>
+
+<file path=ppt/slides/slide17.xml><?xml version="1.0" encoding="utf-8"?>
+<p:sld xmlns:a="http://schemas.openxmlformats.org/drawingml/2006/main" xmlns:r="http://schemas.openxmlformats.org/officeDocument/2006/relationships" xmlns:p="http://schemas.openxmlformats.org/presentationml/2006/main">
+  <p:cSld>
+    <p:spTree>
+      <p:nvGrpSpPr>
+        <p:cNvPr id="1" name=""/>
+        <p:cNvGrpSpPr/>
+        <p:nvPr/>
+      </p:nvGrpSpPr>
+      <p:grpSpPr>
+        <a:xfrm>
+          <a:off x="0" y="0"/>
+          <a:ext cx="0" cy="0"/>
+          <a:chOff x="0" y="0"/>
+          <a:chExt cx="0" cy="0"/>
+        </a:xfrm>
+      </p:grpSpPr>
+      <p:sp>
+        <p:nvSpPr>
+          <p:cNvPr id="2" name="Заголовок 1"/>
+          <p:cNvSpPr>
+            <a:spLocks noGrp="1"/>
+          </p:cNvSpPr>
+          <p:nvPr>
+            <p:ph type="title"/>
+          </p:nvPr>
+        </p:nvSpPr>
+        <p:spPr/>
+        <p:txBody>
+          <a:bodyPr/>
+          <a:lstStyle/>
+          <a:p>
+            <a:r>
+              <a:rPr lang="en-US" dirty="0" smtClean="0"/>
+              <a:t>Electron</a:t>
+            </a:r>
+            <a:endParaRPr lang="ru-RU" dirty="0"/>
+          </a:p>
+        </p:txBody>
+      </p:sp>
+    </p:spTree>
+    <p:extLst>
+      <p:ext uri="{BB962C8B-B14F-4D97-AF65-F5344CB8AC3E}">
+        <p14:creationId xmlns:p14="http://schemas.microsoft.com/office/powerpoint/2010/main" val="3635802564"/>
+      </p:ext>
+    </p:extLst>
+  </p:cSld>
+  <p:clrMapOvr>
+    <a:masterClrMapping/>
+  </p:clrMapOvr>
+</p:sld>
+</file>
+
+<file path=ppt/slides/slide18.xml><?xml version="1.0" encoding="utf-8"?>
+<p:sld xmlns:a="http://schemas.openxmlformats.org/drawingml/2006/main" xmlns:r="http://schemas.openxmlformats.org/officeDocument/2006/relationships" xmlns:p="http://schemas.openxmlformats.org/presentationml/2006/main">
+  <p:cSld>
+    <p:spTree>
+      <p:nvGrpSpPr>
+        <p:cNvPr id="1" name=""/>
+        <p:cNvGrpSpPr/>
+        <p:nvPr/>
+      </p:nvGrpSpPr>
+      <p:grpSpPr>
+        <a:xfrm>
+          <a:off x="0" y="0"/>
+          <a:ext cx="0" cy="0"/>
+          <a:chOff x="0" y="0"/>
+          <a:chExt cx="0" cy="0"/>
+        </a:xfrm>
+      </p:grpSpPr>
+      <p:sp>
+        <p:nvSpPr>
+          <p:cNvPr id="2" name="Заголовок 1"/>
+          <p:cNvSpPr>
+            <a:spLocks noGrp="1"/>
+          </p:cNvSpPr>
+          <p:nvPr>
+            <p:ph type="title"/>
+          </p:nvPr>
+        </p:nvSpPr>
+        <p:spPr/>
+        <p:txBody>
+          <a:bodyPr/>
+          <a:lstStyle/>
+          <a:p>
+            <a:r>
+              <a:rPr lang="en-US" dirty="0" smtClean="0"/>
+              <a:t>Electron.net</a:t>
+            </a:r>
+            <a:endParaRPr lang="ru-RU" dirty="0"/>
+          </a:p>
+        </p:txBody>
+      </p:sp>
+    </p:spTree>
+    <p:extLst>
+      <p:ext uri="{BB962C8B-B14F-4D97-AF65-F5344CB8AC3E}">
+        <p14:creationId xmlns:p14="http://schemas.microsoft.com/office/powerpoint/2010/main" val="2718629126"/>
+      </p:ext>
+    </p:extLst>
+  </p:cSld>
+  <p:clrMapOvr>
+    <a:masterClrMapping/>
+  </p:clrMapOvr>
+</p:sld>
+</file>
+
+<file path=ppt/slides/slide19.xml><?xml version="1.0" encoding="utf-8"?>
+<p:sld xmlns:a="http://schemas.openxmlformats.org/drawingml/2006/main" xmlns:r="http://schemas.openxmlformats.org/officeDocument/2006/relationships" xmlns:p="http://schemas.openxmlformats.org/presentationml/2006/main">
+  <p:cSld>
+    <p:spTree>
+      <p:nvGrpSpPr>
+        <p:cNvPr id="1" name=""/>
+        <p:cNvGrpSpPr/>
+        <p:nvPr/>
+      </p:nvGrpSpPr>
+      <p:grpSpPr>
+        <a:xfrm>
+          <a:off x="0" y="0"/>
+          <a:ext cx="0" cy="0"/>
+          <a:chOff x="0" y="0"/>
+          <a:chExt cx="0" cy="0"/>
+        </a:xfrm>
+      </p:grpSpPr>
+      <p:sp>
+        <p:nvSpPr>
+          <p:cNvPr id="2" name="Заголовок 1"/>
+          <p:cNvSpPr>
+            <a:spLocks noGrp="1"/>
+          </p:cNvSpPr>
+          <p:nvPr>
+            <p:ph type="title"/>
+          </p:nvPr>
+        </p:nvSpPr>
+        <p:spPr/>
+        <p:txBody>
+          <a:bodyPr/>
+          <a:lstStyle/>
+          <a:p>
+            <a:r>
+              <a:rPr lang="en-US" dirty="0" err="1" smtClean="0"/>
+              <a:t>Sciter</a:t>
+            </a:r>
+            <a:endParaRPr lang="ru-RU" dirty="0"/>
+          </a:p>
+        </p:txBody>
+      </p:sp>
+    </p:spTree>
+    <p:extLst>
+      <p:ext uri="{BB962C8B-B14F-4D97-AF65-F5344CB8AC3E}">
+        <p14:creationId xmlns:p14="http://schemas.microsoft.com/office/powerpoint/2010/main" val="1096656507"/>
       </p:ext>
     </p:extLst>
   </p:cSld>
@@ -15823,6 +16523,220 @@
 </p:sld>
 </file>
 
+<file path=ppt/slides/slide20.xml><?xml version="1.0" encoding="utf-8"?>
+<p:sld xmlns:a="http://schemas.openxmlformats.org/drawingml/2006/main" xmlns:r="http://schemas.openxmlformats.org/officeDocument/2006/relationships" xmlns:p="http://schemas.openxmlformats.org/presentationml/2006/main">
+  <p:cSld>
+    <p:spTree>
+      <p:nvGrpSpPr>
+        <p:cNvPr id="1" name=""/>
+        <p:cNvGrpSpPr/>
+        <p:nvPr/>
+      </p:nvGrpSpPr>
+      <p:grpSpPr>
+        <a:xfrm>
+          <a:off x="0" y="0"/>
+          <a:ext cx="0" cy="0"/>
+          <a:chOff x="0" y="0"/>
+          <a:chExt cx="0" cy="0"/>
+        </a:xfrm>
+      </p:grpSpPr>
+      <p:sp>
+        <p:nvSpPr>
+          <p:cNvPr id="2" name="Заголовок 1"/>
+          <p:cNvSpPr>
+            <a:spLocks noGrp="1"/>
+          </p:cNvSpPr>
+          <p:nvPr>
+            <p:ph type="title"/>
+          </p:nvPr>
+        </p:nvSpPr>
+        <p:spPr/>
+        <p:txBody>
+          <a:bodyPr/>
+          <a:lstStyle/>
+          <a:p>
+            <a:r>
+              <a:rPr lang="en-US" dirty="0" err="1"/>
+              <a:t>SciterSharp</a:t>
+            </a:r>
+            <a:endParaRPr lang="ru-RU" dirty="0"/>
+          </a:p>
+        </p:txBody>
+      </p:sp>
+    </p:spTree>
+    <p:extLst>
+      <p:ext uri="{BB962C8B-B14F-4D97-AF65-F5344CB8AC3E}">
+        <p14:creationId xmlns:p14="http://schemas.microsoft.com/office/powerpoint/2010/main" val="2270255873"/>
+      </p:ext>
+    </p:extLst>
+  </p:cSld>
+  <p:clrMapOvr>
+    <a:masterClrMapping/>
+  </p:clrMapOvr>
+</p:sld>
+</file>
+
+<file path=ppt/slides/slide21.xml><?xml version="1.0" encoding="utf-8"?>
+<p:sld xmlns:a="http://schemas.openxmlformats.org/drawingml/2006/main" xmlns:r="http://schemas.openxmlformats.org/officeDocument/2006/relationships" xmlns:p="http://schemas.openxmlformats.org/presentationml/2006/main">
+  <p:cSld>
+    <p:spTree>
+      <p:nvGrpSpPr>
+        <p:cNvPr id="1" name=""/>
+        <p:cNvGrpSpPr/>
+        <p:nvPr/>
+      </p:nvGrpSpPr>
+      <p:grpSpPr>
+        <a:xfrm>
+          <a:off x="0" y="0"/>
+          <a:ext cx="0" cy="0"/>
+          <a:chOff x="0" y="0"/>
+          <a:chExt cx="0" cy="0"/>
+        </a:xfrm>
+      </p:grpSpPr>
+      <p:sp>
+        <p:nvSpPr>
+          <p:cNvPr id="7" name="Title 6">
+            <a:extLst>
+              <a:ext uri="{FF2B5EF4-FFF2-40B4-BE49-F238E27FC236}">
+                <a16:creationId xmlns:a16="http://schemas.microsoft.com/office/drawing/2014/main" id="{3E0D6084-A18D-4C97-B4B5-7554ADD1DE4D}"/>
+              </a:ext>
+            </a:extLst>
+          </p:cNvPr>
+          <p:cNvSpPr>
+            <a:spLocks noGrp="1"/>
+          </p:cNvSpPr>
+          <p:nvPr>
+            <p:ph type="title"/>
+          </p:nvPr>
+        </p:nvSpPr>
+        <p:spPr/>
+        <p:txBody>
+          <a:bodyPr/>
+          <a:lstStyle/>
+          <a:p>
+            <a:r>
+              <a:rPr lang="en-US" dirty="0"/>
+              <a:t>Conclusions</a:t>
+            </a:r>
+            <a:endParaRPr lang="en-US" dirty="0"/>
+          </a:p>
+        </p:txBody>
+      </p:sp>
+    </p:spTree>
+    <p:extLst>
+      <p:ext uri="{BB962C8B-B14F-4D97-AF65-F5344CB8AC3E}">
+        <p14:creationId xmlns:p14="http://schemas.microsoft.com/office/powerpoint/2010/main" val="1798980938"/>
+      </p:ext>
+    </p:extLst>
+  </p:cSld>
+  <p:clrMapOvr>
+    <a:masterClrMapping/>
+  </p:clrMapOvr>
+</p:sld>
+</file>
+
+<file path=ppt/slides/slide22.xml><?xml version="1.0" encoding="utf-8"?>
+<p:sld xmlns:a="http://schemas.openxmlformats.org/drawingml/2006/main" xmlns:r="http://schemas.openxmlformats.org/officeDocument/2006/relationships" xmlns:p="http://schemas.openxmlformats.org/presentationml/2006/main">
+  <p:cSld>
+    <p:spTree>
+      <p:nvGrpSpPr>
+        <p:cNvPr id="1" name=""/>
+        <p:cNvGrpSpPr/>
+        <p:nvPr/>
+      </p:nvGrpSpPr>
+      <p:grpSpPr>
+        <a:xfrm>
+          <a:off x="0" y="0"/>
+          <a:ext cx="0" cy="0"/>
+          <a:chOff x="0" y="0"/>
+          <a:chExt cx="0" cy="0"/>
+        </a:xfrm>
+      </p:grpSpPr>
+      <p:sp>
+        <p:nvSpPr>
+          <p:cNvPr id="3" name="Заголовок 2"/>
+          <p:cNvSpPr>
+            <a:spLocks noGrp="1"/>
+          </p:cNvSpPr>
+          <p:nvPr>
+            <p:ph type="title"/>
+          </p:nvPr>
+        </p:nvSpPr>
+        <p:spPr/>
+        <p:txBody>
+          <a:bodyPr/>
+          <a:lstStyle/>
+          <a:p>
+            <a:endParaRPr lang="ru-RU" dirty="0"/>
+          </a:p>
+        </p:txBody>
+      </p:sp>
+    </p:spTree>
+    <p:extLst>
+      <p:ext uri="{BB962C8B-B14F-4D97-AF65-F5344CB8AC3E}">
+        <p14:creationId xmlns:p14="http://schemas.microsoft.com/office/powerpoint/2010/main" val="3878214965"/>
+      </p:ext>
+    </p:extLst>
+  </p:cSld>
+  <p:clrMapOvr>
+    <a:masterClrMapping/>
+  </p:clrMapOvr>
+</p:sld>
+</file>
+
+<file path=ppt/slides/slide23.xml><?xml version="1.0" encoding="utf-8"?>
+<p:sld xmlns:a="http://schemas.openxmlformats.org/drawingml/2006/main" xmlns:r="http://schemas.openxmlformats.org/officeDocument/2006/relationships" xmlns:p="http://schemas.openxmlformats.org/presentationml/2006/main">
+  <p:cSld>
+    <p:spTree>
+      <p:nvGrpSpPr>
+        <p:cNvPr id="1" name=""/>
+        <p:cNvGrpSpPr/>
+        <p:nvPr/>
+      </p:nvGrpSpPr>
+      <p:grpSpPr>
+        <a:xfrm>
+          <a:off x="0" y="0"/>
+          <a:ext cx="0" cy="0"/>
+          <a:chOff x="0" y="0"/>
+          <a:chExt cx="0" cy="0"/>
+        </a:xfrm>
+      </p:grpSpPr>
+      <p:sp>
+        <p:nvSpPr>
+          <p:cNvPr id="3" name="Заголовок 2"/>
+          <p:cNvSpPr>
+            <a:spLocks noGrp="1"/>
+          </p:cNvSpPr>
+          <p:nvPr>
+            <p:ph type="title"/>
+          </p:nvPr>
+        </p:nvSpPr>
+        <p:spPr/>
+        <p:txBody>
+          <a:bodyPr/>
+          <a:lstStyle/>
+          <a:p>
+            <a:r>
+              <a:rPr lang="en-US" dirty="0" smtClean="0"/>
+              <a:t>Your Questions…</a:t>
+            </a:r>
+            <a:endParaRPr lang="ru-RU" dirty="0"/>
+          </a:p>
+        </p:txBody>
+      </p:sp>
+    </p:spTree>
+    <p:extLst>
+      <p:ext uri="{BB962C8B-B14F-4D97-AF65-F5344CB8AC3E}">
+        <p14:creationId xmlns:p14="http://schemas.microsoft.com/office/powerpoint/2010/main" val="863776754"/>
+      </p:ext>
+    </p:extLst>
+  </p:cSld>
+  <p:clrMapOvr>
+    <a:masterClrMapping/>
+  </p:clrMapOvr>
+</p:sld>
+</file>
+
 <file path=ppt/slides/slide3.xml><?xml version="1.0" encoding="utf-8"?>
 <p:sld xmlns:a="http://schemas.openxmlformats.org/drawingml/2006/main" xmlns:r="http://schemas.openxmlformats.org/officeDocument/2006/relationships" xmlns:p="http://schemas.openxmlformats.org/presentationml/2006/main">
   <p:cSld>
@@ -15842,13 +16756,7 @@
       </p:grpSpPr>
       <p:sp>
         <p:nvSpPr>
-          <p:cNvPr id="2" name="Title 1">
-            <a:extLst>
-              <a:ext uri="{FF2B5EF4-FFF2-40B4-BE49-F238E27FC236}">
-                <a16:creationId xmlns:a16="http://schemas.microsoft.com/office/drawing/2014/main" id="{99EE11B7-6A70-4CA7-81FD-96B2D818A642}"/>
-              </a:ext>
-            </a:extLst>
-          </p:cNvPr>
+          <p:cNvPr id="6" name="Заголовок 5"/>
           <p:cNvSpPr>
             <a:spLocks noGrp="1"/>
           </p:cNvSpPr>
@@ -15861,114 +16769,18 @@
           <a:bodyPr/>
           <a:lstStyle/>
           <a:p>
-            <a:endParaRPr lang="en-US"/>
-          </a:p>
-        </p:txBody>
-      </p:sp>
-      <p:sp>
-        <p:nvSpPr>
-          <p:cNvPr id="3" name="Content Placeholder 2">
-            <a:extLst>
-              <a:ext uri="{FF2B5EF4-FFF2-40B4-BE49-F238E27FC236}">
-                <a16:creationId xmlns:a16="http://schemas.microsoft.com/office/drawing/2014/main" id="{3D9DE10E-D022-4B20-A227-FDCB24BF166F}"/>
-              </a:ext>
-            </a:extLst>
-          </p:cNvPr>
-          <p:cNvSpPr>
-            <a:spLocks noGrp="1"/>
-          </p:cNvSpPr>
-          <p:nvPr>
-            <p:ph sz="quarter" idx="10"/>
-          </p:nvPr>
-        </p:nvSpPr>
-        <p:spPr/>
-        <p:txBody>
-          <a:bodyPr/>
-          <a:lstStyle/>
-          <a:p>
-            <a:endParaRPr lang="en-US"/>
-          </a:p>
-        </p:txBody>
-      </p:sp>
-      <p:sp>
-        <p:nvSpPr>
-          <p:cNvPr id="4" name="Text Placeholder 3">
-            <a:extLst>
-              <a:ext uri="{FF2B5EF4-FFF2-40B4-BE49-F238E27FC236}">
-                <a16:creationId xmlns:a16="http://schemas.microsoft.com/office/drawing/2014/main" id="{3EF15AD2-50F4-4271-88B4-6ABEEAC141A2}"/>
-              </a:ext>
-            </a:extLst>
-          </p:cNvPr>
-          <p:cNvSpPr>
-            <a:spLocks noGrp="1"/>
-          </p:cNvSpPr>
-          <p:nvPr>
-            <p:ph type="body" sz="quarter" idx="11"/>
-          </p:nvPr>
-        </p:nvSpPr>
-        <p:spPr/>
-        <p:txBody>
-          <a:bodyPr/>
-          <a:lstStyle/>
-          <a:p>
-            <a:endParaRPr lang="en-US"/>
-          </a:p>
-        </p:txBody>
-      </p:sp>
-      <p:sp>
-        <p:nvSpPr>
-          <p:cNvPr id="5" name="Content Placeholder 4">
-            <a:extLst>
-              <a:ext uri="{FF2B5EF4-FFF2-40B4-BE49-F238E27FC236}">
-                <a16:creationId xmlns:a16="http://schemas.microsoft.com/office/drawing/2014/main" id="{F6536987-9267-49CB-8D9B-16CF5A8E61A6}"/>
-              </a:ext>
-            </a:extLst>
-          </p:cNvPr>
-          <p:cNvSpPr>
-            <a:spLocks noGrp="1"/>
-          </p:cNvSpPr>
-          <p:nvPr>
-            <p:ph sz="quarter" idx="12"/>
-          </p:nvPr>
-        </p:nvSpPr>
-        <p:spPr/>
-        <p:txBody>
-          <a:bodyPr/>
-          <a:lstStyle/>
-          <a:p>
-            <a:endParaRPr lang="en-US"/>
-          </a:p>
-        </p:txBody>
-      </p:sp>
-      <p:sp>
-        <p:nvSpPr>
-          <p:cNvPr id="6" name="Text Placeholder 5">
-            <a:extLst>
-              <a:ext uri="{FF2B5EF4-FFF2-40B4-BE49-F238E27FC236}">
-                <a16:creationId xmlns:a16="http://schemas.microsoft.com/office/drawing/2014/main" id="{95860774-9867-4884-94D9-F9743456B822}"/>
-              </a:ext>
-            </a:extLst>
-          </p:cNvPr>
-          <p:cNvSpPr>
-            <a:spLocks noGrp="1"/>
-          </p:cNvSpPr>
-          <p:nvPr>
-            <p:ph type="body" sz="quarter" idx="13"/>
-          </p:nvPr>
-        </p:nvSpPr>
-        <p:spPr/>
-        <p:txBody>
-          <a:bodyPr/>
-          <a:lstStyle/>
-          <a:p>
-            <a:endParaRPr lang="en-US"/>
+            <a:r>
+              <a:rPr lang="en-US" dirty="0" smtClean="0"/>
+              <a:t>Agenda</a:t>
+            </a:r>
+            <a:endParaRPr lang="ru-RU" dirty="0"/>
           </a:p>
         </p:txBody>
       </p:sp>
     </p:spTree>
     <p:extLst>
       <p:ext uri="{BB962C8B-B14F-4D97-AF65-F5344CB8AC3E}">
-        <p14:creationId xmlns:p14="http://schemas.microsoft.com/office/powerpoint/2010/main" val="2006766614"/>
+        <p14:creationId xmlns:p14="http://schemas.microsoft.com/office/powerpoint/2010/main" val="51419615"/>
       </p:ext>
     </p:extLst>
   </p:cSld>
@@ -15997,13 +16809,7 @@
       </p:grpSpPr>
       <p:sp>
         <p:nvSpPr>
-          <p:cNvPr id="2" name="Title 1">
-            <a:extLst>
-              <a:ext uri="{FF2B5EF4-FFF2-40B4-BE49-F238E27FC236}">
-                <a16:creationId xmlns:a16="http://schemas.microsoft.com/office/drawing/2014/main" id="{68941973-22F3-42B3-B9B6-CD433CDA00AA}"/>
-              </a:ext>
-            </a:extLst>
-          </p:cNvPr>
+          <p:cNvPr id="2" name="Заголовок 1"/>
           <p:cNvSpPr>
             <a:spLocks noGrp="1"/>
           </p:cNvSpPr>
@@ -16016,114 +16822,18 @@
           <a:bodyPr/>
           <a:lstStyle/>
           <a:p>
-            <a:endParaRPr lang="en-US"/>
-          </a:p>
-        </p:txBody>
-      </p:sp>
-      <p:sp>
-        <p:nvSpPr>
-          <p:cNvPr id="3" name="Content Placeholder 2">
-            <a:extLst>
-              <a:ext uri="{FF2B5EF4-FFF2-40B4-BE49-F238E27FC236}">
-                <a16:creationId xmlns:a16="http://schemas.microsoft.com/office/drawing/2014/main" id="{B676504C-A091-4B25-8C23-6DB4BF3AE1D4}"/>
-              </a:ext>
-            </a:extLst>
-          </p:cNvPr>
-          <p:cNvSpPr>
-            <a:spLocks noGrp="1"/>
-          </p:cNvSpPr>
-          <p:nvPr>
-            <p:ph sz="quarter" idx="10"/>
-          </p:nvPr>
-        </p:nvSpPr>
-        <p:spPr/>
-        <p:txBody>
-          <a:bodyPr/>
-          <a:lstStyle/>
-          <a:p>
-            <a:endParaRPr lang="en-US"/>
-          </a:p>
-        </p:txBody>
-      </p:sp>
-      <p:sp>
-        <p:nvSpPr>
-          <p:cNvPr id="4" name="Text Placeholder 3">
-            <a:extLst>
-              <a:ext uri="{FF2B5EF4-FFF2-40B4-BE49-F238E27FC236}">
-                <a16:creationId xmlns:a16="http://schemas.microsoft.com/office/drawing/2014/main" id="{910DB39C-689F-44B6-938B-37B93E8978C0}"/>
-              </a:ext>
-            </a:extLst>
-          </p:cNvPr>
-          <p:cNvSpPr>
-            <a:spLocks noGrp="1"/>
-          </p:cNvSpPr>
-          <p:nvPr>
-            <p:ph type="body" sz="quarter" idx="11"/>
-          </p:nvPr>
-        </p:nvSpPr>
-        <p:spPr/>
-        <p:txBody>
-          <a:bodyPr/>
-          <a:lstStyle/>
-          <a:p>
-            <a:endParaRPr lang="en-US" dirty="0"/>
-          </a:p>
-        </p:txBody>
-      </p:sp>
-      <p:sp>
-        <p:nvSpPr>
-          <p:cNvPr id="5" name="Content Placeholder 4">
-            <a:extLst>
-              <a:ext uri="{FF2B5EF4-FFF2-40B4-BE49-F238E27FC236}">
-                <a16:creationId xmlns:a16="http://schemas.microsoft.com/office/drawing/2014/main" id="{271057DD-A047-41EB-B616-E4F256E3575D}"/>
-              </a:ext>
-            </a:extLst>
-          </p:cNvPr>
-          <p:cNvSpPr>
-            <a:spLocks noGrp="1"/>
-          </p:cNvSpPr>
-          <p:nvPr>
-            <p:ph sz="quarter" idx="12"/>
-          </p:nvPr>
-        </p:nvSpPr>
-        <p:spPr/>
-        <p:txBody>
-          <a:bodyPr/>
-          <a:lstStyle/>
-          <a:p>
-            <a:endParaRPr lang="en-US"/>
-          </a:p>
-        </p:txBody>
-      </p:sp>
-      <p:sp>
-        <p:nvSpPr>
-          <p:cNvPr id="6" name="Text Placeholder 5">
-            <a:extLst>
-              <a:ext uri="{FF2B5EF4-FFF2-40B4-BE49-F238E27FC236}">
-                <a16:creationId xmlns:a16="http://schemas.microsoft.com/office/drawing/2014/main" id="{A01EBDD0-DFA4-43AC-BBBD-36D930C4EBAD}"/>
-              </a:ext>
-            </a:extLst>
-          </p:cNvPr>
-          <p:cNvSpPr>
-            <a:spLocks noGrp="1"/>
-          </p:cNvSpPr>
-          <p:nvPr>
-            <p:ph type="body" sz="quarter" idx="13"/>
-          </p:nvPr>
-        </p:nvSpPr>
-        <p:spPr/>
-        <p:txBody>
-          <a:bodyPr/>
-          <a:lstStyle/>
-          <a:p>
-            <a:endParaRPr lang="en-US"/>
+            <a:r>
+              <a:rPr lang="en-US" dirty="0" smtClean="0"/>
+              <a:t>Types of GUI libs</a:t>
+            </a:r>
+            <a:endParaRPr lang="ru-RU" dirty="0"/>
           </a:p>
         </p:txBody>
       </p:sp>
     </p:spTree>
     <p:extLst>
       <p:ext uri="{BB962C8B-B14F-4D97-AF65-F5344CB8AC3E}">
-        <p14:creationId xmlns:p14="http://schemas.microsoft.com/office/powerpoint/2010/main" val="4041824451"/>
+        <p14:creationId xmlns:p14="http://schemas.microsoft.com/office/powerpoint/2010/main" val="2188833011"/>
       </p:ext>
     </p:extLst>
   </p:cSld>
@@ -16152,18 +16862,12 @@
       </p:grpSpPr>
       <p:sp>
         <p:nvSpPr>
-          <p:cNvPr id="7" name="Content Placeholder 6">
-            <a:extLst>
-              <a:ext uri="{FF2B5EF4-FFF2-40B4-BE49-F238E27FC236}">
-                <a16:creationId xmlns:a16="http://schemas.microsoft.com/office/drawing/2014/main" id="{711744B7-F3DA-4C7D-AF8C-8D2498B41B0A}"/>
-              </a:ext>
-            </a:extLst>
-          </p:cNvPr>
+          <p:cNvPr id="2" name="Заголовок 1"/>
           <p:cNvSpPr>
             <a:spLocks noGrp="1"/>
           </p:cNvSpPr>
           <p:nvPr>
-            <p:ph sz="quarter" idx="12"/>
+            <p:ph type="title"/>
           </p:nvPr>
         </p:nvSpPr>
         <p:spPr/>
@@ -16171,82 +16875,26 @@
           <a:bodyPr/>
           <a:lstStyle/>
           <a:p>
-            <a:endParaRPr lang="en-US"/>
-          </a:p>
-        </p:txBody>
-      </p:sp>
-      <p:sp>
-        <p:nvSpPr>
-          <p:cNvPr id="8" name="Text Placeholder 7">
-            <a:extLst>
-              <a:ext uri="{FF2B5EF4-FFF2-40B4-BE49-F238E27FC236}">
-                <a16:creationId xmlns:a16="http://schemas.microsoft.com/office/drawing/2014/main" id="{AB48A2D4-2F77-44B6-9A3A-0B3A3148EB93}"/>
-              </a:ext>
-            </a:extLst>
-          </p:cNvPr>
-          <p:cNvSpPr>
-            <a:spLocks noGrp="1"/>
-          </p:cNvSpPr>
-          <p:nvPr>
-            <p:ph type="body" sz="quarter" idx="13"/>
-          </p:nvPr>
-        </p:nvSpPr>
-        <p:spPr/>
-        <p:txBody>
-          <a:bodyPr/>
-          <a:lstStyle/>
-          <a:p>
-            <a:endParaRPr lang="en-US"/>
-          </a:p>
-        </p:txBody>
-      </p:sp>
-      <p:sp>
-        <p:nvSpPr>
-          <p:cNvPr id="9" name="Picture Placeholder 8">
-            <a:extLst>
-              <a:ext uri="{FF2B5EF4-FFF2-40B4-BE49-F238E27FC236}">
-                <a16:creationId xmlns:a16="http://schemas.microsoft.com/office/drawing/2014/main" id="{70E144EC-E61D-45A1-BB5D-E3BFEC15FBE8}"/>
-              </a:ext>
-            </a:extLst>
-          </p:cNvPr>
-          <p:cNvSpPr>
-            <a:spLocks noGrp="1"/>
-          </p:cNvSpPr>
-          <p:nvPr>
-            <p:ph type="pic" sz="quarter" idx="14"/>
-          </p:nvPr>
-        </p:nvSpPr>
-        <p:spPr/>
-      </p:sp>
-      <p:sp>
-        <p:nvSpPr>
-          <p:cNvPr id="10" name="Text Placeholder 9">
-            <a:extLst>
-              <a:ext uri="{FF2B5EF4-FFF2-40B4-BE49-F238E27FC236}">
-                <a16:creationId xmlns:a16="http://schemas.microsoft.com/office/drawing/2014/main" id="{5B48E760-E78F-474B-A3C7-9BF28A537A5D}"/>
-              </a:ext>
-            </a:extLst>
-          </p:cNvPr>
-          <p:cNvSpPr>
-            <a:spLocks noGrp="1"/>
-          </p:cNvSpPr>
-          <p:nvPr>
-            <p:ph type="body" sz="quarter" idx="15"/>
-          </p:nvPr>
-        </p:nvSpPr>
-        <p:spPr/>
-        <p:txBody>
-          <a:bodyPr/>
-          <a:lstStyle/>
-          <a:p>
-            <a:endParaRPr lang="en-US"/>
+            <a:r>
+              <a:rPr lang="en-US" dirty="0" smtClean="0"/>
+              <a:t>bindings </a:t>
+            </a:r>
+            <a:r>
+              <a:rPr lang="en-US" dirty="0"/>
+              <a:t>to cross platform </a:t>
+            </a:r>
+            <a:r>
+              <a:rPr lang="en-US" dirty="0" smtClean="0"/>
+              <a:t>libs</a:t>
+            </a:r>
+            <a:endParaRPr lang="ru-RU" dirty="0"/>
           </a:p>
         </p:txBody>
       </p:sp>
     </p:spTree>
     <p:extLst>
       <p:ext uri="{BB962C8B-B14F-4D97-AF65-F5344CB8AC3E}">
-        <p14:creationId xmlns:p14="http://schemas.microsoft.com/office/powerpoint/2010/main" val="3052919976"/>
+        <p14:creationId xmlns:p14="http://schemas.microsoft.com/office/powerpoint/2010/main" val="262443413"/>
       </p:ext>
     </p:extLst>
   </p:cSld>
@@ -16275,13 +16923,7 @@
       </p:grpSpPr>
       <p:sp>
         <p:nvSpPr>
-          <p:cNvPr id="6" name="Title 5">
-            <a:extLst>
-              <a:ext uri="{FF2B5EF4-FFF2-40B4-BE49-F238E27FC236}">
-                <a16:creationId xmlns:a16="http://schemas.microsoft.com/office/drawing/2014/main" id="{039A05CA-F35A-4415-8BD4-701C9CFFC08F}"/>
-              </a:ext>
-            </a:extLst>
-          </p:cNvPr>
+          <p:cNvPr id="3" name="Заголовок 2"/>
           <p:cNvSpPr>
             <a:spLocks noGrp="1"/>
           </p:cNvSpPr>
@@ -16294,39 +16936,26 @@
           <a:bodyPr/>
           <a:lstStyle/>
           <a:p>
-            <a:endParaRPr lang="en-US"/>
-          </a:p>
-        </p:txBody>
-      </p:sp>
-      <p:sp>
-        <p:nvSpPr>
-          <p:cNvPr id="7" name="Content Placeholder 6">
-            <a:extLst>
-              <a:ext uri="{FF2B5EF4-FFF2-40B4-BE49-F238E27FC236}">
-                <a16:creationId xmlns:a16="http://schemas.microsoft.com/office/drawing/2014/main" id="{2006F1CA-F7C7-4285-BC43-6C49520478A5}"/>
-              </a:ext>
-            </a:extLst>
-          </p:cNvPr>
-          <p:cNvSpPr>
-            <a:spLocks noGrp="1"/>
-          </p:cNvSpPr>
-          <p:nvPr>
-            <p:ph sz="quarter" idx="10"/>
-          </p:nvPr>
-        </p:nvSpPr>
-        <p:spPr/>
-        <p:txBody>
-          <a:bodyPr/>
-          <a:lstStyle/>
-          <a:p>
-            <a:endParaRPr lang="en-US"/>
+            <a:r>
+              <a:rPr lang="en-US" dirty="0"/>
+              <a:t>Popular </a:t>
+            </a:r>
+            <a:r>
+              <a:rPr lang="en-US" dirty="0" smtClean="0"/>
+              <a:t>Cross-platform </a:t>
+            </a:r>
+            <a:r>
+              <a:rPr lang="en-US" dirty="0"/>
+              <a:t>GUI libraries</a:t>
+            </a:r>
+            <a:endParaRPr lang="ru-RU" dirty="0"/>
           </a:p>
         </p:txBody>
       </p:sp>
     </p:spTree>
     <p:extLst>
       <p:ext uri="{BB962C8B-B14F-4D97-AF65-F5344CB8AC3E}">
-        <p14:creationId xmlns:p14="http://schemas.microsoft.com/office/powerpoint/2010/main" val="3373798190"/>
+        <p14:creationId xmlns:p14="http://schemas.microsoft.com/office/powerpoint/2010/main" val="3220400109"/>
       </p:ext>
     </p:extLst>
   </p:cSld>
@@ -16355,18 +16984,12 @@
       </p:grpSpPr>
       <p:sp>
         <p:nvSpPr>
-          <p:cNvPr id="7" name="Content Placeholder 6">
-            <a:extLst>
-              <a:ext uri="{FF2B5EF4-FFF2-40B4-BE49-F238E27FC236}">
-                <a16:creationId xmlns:a16="http://schemas.microsoft.com/office/drawing/2014/main" id="{2D494517-F42B-4F0E-807B-62CA0BB9CB1F}"/>
-              </a:ext>
-            </a:extLst>
-          </p:cNvPr>
+          <p:cNvPr id="2" name="Заголовок 1"/>
           <p:cNvSpPr>
             <a:spLocks noGrp="1"/>
           </p:cNvSpPr>
           <p:nvPr>
-            <p:ph sz="quarter" idx="16"/>
+            <p:ph type="title"/>
           </p:nvPr>
         </p:nvSpPr>
         <p:spPr/>
@@ -16374,139 +16997,18 @@
           <a:bodyPr/>
           <a:lstStyle/>
           <a:p>
-            <a:endParaRPr lang="en-US"/>
-          </a:p>
-        </p:txBody>
-      </p:sp>
-      <p:sp>
-        <p:nvSpPr>
-          <p:cNvPr id="5" name="Text Placeholder 4">
-            <a:extLst>
-              <a:ext uri="{FF2B5EF4-FFF2-40B4-BE49-F238E27FC236}">
-                <a16:creationId xmlns:a16="http://schemas.microsoft.com/office/drawing/2014/main" id="{687B50FC-91DE-46B2-ACA5-7FDC429C7340}"/>
-              </a:ext>
-            </a:extLst>
-          </p:cNvPr>
-          <p:cNvSpPr>
-            <a:spLocks noGrp="1"/>
-          </p:cNvSpPr>
-          <p:nvPr>
-            <p:ph type="body" sz="quarter" idx="11"/>
-          </p:nvPr>
-        </p:nvSpPr>
-        <p:spPr/>
-        <p:txBody>
-          <a:bodyPr/>
-          <a:lstStyle/>
-          <a:p>
-            <a:endParaRPr lang="en-US"/>
-          </a:p>
-        </p:txBody>
-      </p:sp>
-      <p:sp>
-        <p:nvSpPr>
-          <p:cNvPr id="4" name="Text Placeholder 3">
-            <a:extLst>
-              <a:ext uri="{FF2B5EF4-FFF2-40B4-BE49-F238E27FC236}">
-                <a16:creationId xmlns:a16="http://schemas.microsoft.com/office/drawing/2014/main" id="{3A5A3691-DAD2-45AC-887B-2C858A41404C}"/>
-              </a:ext>
-            </a:extLst>
-          </p:cNvPr>
-          <p:cNvSpPr>
-            <a:spLocks noGrp="1"/>
-          </p:cNvSpPr>
-          <p:nvPr>
-            <p:ph type="body" sz="quarter" idx="10"/>
-          </p:nvPr>
-        </p:nvSpPr>
-        <p:spPr/>
-        <p:txBody>
-          <a:bodyPr/>
-          <a:lstStyle/>
-          <a:p>
-            <a:endParaRPr lang="en-US"/>
-          </a:p>
-        </p:txBody>
-      </p:sp>
-      <p:sp>
-        <p:nvSpPr>
-          <p:cNvPr id="6" name="Text Placeholder 5">
-            <a:extLst>
-              <a:ext uri="{FF2B5EF4-FFF2-40B4-BE49-F238E27FC236}">
-                <a16:creationId xmlns:a16="http://schemas.microsoft.com/office/drawing/2014/main" id="{2E64EE40-AEA3-4F7C-9425-5E722765A601}"/>
-              </a:ext>
-            </a:extLst>
-          </p:cNvPr>
-          <p:cNvSpPr>
-            <a:spLocks noGrp="1"/>
-          </p:cNvSpPr>
-          <p:nvPr>
-            <p:ph type="body" sz="quarter" idx="12"/>
-          </p:nvPr>
-        </p:nvSpPr>
-        <p:spPr/>
-        <p:txBody>
-          <a:bodyPr/>
-          <a:lstStyle/>
-          <a:p>
-            <a:endParaRPr lang="en-US"/>
-          </a:p>
-        </p:txBody>
-      </p:sp>
-      <p:sp>
-        <p:nvSpPr>
-          <p:cNvPr id="8" name="Content Placeholder 7">
-            <a:extLst>
-              <a:ext uri="{FF2B5EF4-FFF2-40B4-BE49-F238E27FC236}">
-                <a16:creationId xmlns:a16="http://schemas.microsoft.com/office/drawing/2014/main" id="{4EC9AECC-ADC5-49E8-A16E-E43A56BEC3F3}"/>
-              </a:ext>
-            </a:extLst>
-          </p:cNvPr>
-          <p:cNvSpPr>
-            <a:spLocks noGrp="1"/>
-          </p:cNvSpPr>
-          <p:nvPr>
-            <p:ph sz="quarter" idx="17"/>
-          </p:nvPr>
-        </p:nvSpPr>
-        <p:spPr/>
-        <p:txBody>
-          <a:bodyPr/>
-          <a:lstStyle/>
-          <a:p>
-            <a:endParaRPr lang="en-US"/>
-          </a:p>
-        </p:txBody>
-      </p:sp>
-      <p:sp>
-        <p:nvSpPr>
-          <p:cNvPr id="9" name="Content Placeholder 8">
-            <a:extLst>
-              <a:ext uri="{FF2B5EF4-FFF2-40B4-BE49-F238E27FC236}">
-                <a16:creationId xmlns:a16="http://schemas.microsoft.com/office/drawing/2014/main" id="{7BCD89D7-6514-4C0A-AF98-D064C901113F}"/>
-              </a:ext>
-            </a:extLst>
-          </p:cNvPr>
-          <p:cNvSpPr>
-            <a:spLocks noGrp="1"/>
-          </p:cNvSpPr>
-          <p:nvPr>
-            <p:ph sz="quarter" idx="18"/>
-          </p:nvPr>
-        </p:nvSpPr>
-        <p:spPr/>
-        <p:txBody>
-          <a:bodyPr/>
-          <a:lstStyle/>
-          <a:p>
-            <a:endParaRPr lang="en-US"/>
+            <a:r>
+              <a:rPr lang="en-US" dirty="0" smtClean="0"/>
+              <a:t>GTK+</a:t>
+            </a:r>
+            <a:endParaRPr lang="ru-RU" dirty="0"/>
           </a:p>
         </p:txBody>
       </p:sp>
     </p:spTree>
     <p:extLst>
       <p:ext uri="{BB962C8B-B14F-4D97-AF65-F5344CB8AC3E}">
-        <p14:creationId xmlns:p14="http://schemas.microsoft.com/office/powerpoint/2010/main" val="3907029327"/>
+        <p14:creationId xmlns:p14="http://schemas.microsoft.com/office/powerpoint/2010/main" val="2695960159"/>
       </p:ext>
     </p:extLst>
   </p:cSld>
@@ -16535,18 +17037,12 @@
       </p:grpSpPr>
       <p:sp>
         <p:nvSpPr>
-          <p:cNvPr id="2" name="Content Placeholder 1">
-            <a:extLst>
-              <a:ext uri="{FF2B5EF4-FFF2-40B4-BE49-F238E27FC236}">
-                <a16:creationId xmlns:a16="http://schemas.microsoft.com/office/drawing/2014/main" id="{09B24864-1C86-4192-AAED-42A2F180A8B0}"/>
-              </a:ext>
-            </a:extLst>
-          </p:cNvPr>
+          <p:cNvPr id="2" name="Заголовок 1"/>
           <p:cNvSpPr>
             <a:spLocks noGrp="1"/>
           </p:cNvSpPr>
           <p:nvPr>
-            <p:ph sz="quarter" idx="16"/>
+            <p:ph type="title"/>
           </p:nvPr>
         </p:nvSpPr>
         <p:spPr/>
@@ -16554,139 +17050,18 @@
           <a:bodyPr/>
           <a:lstStyle/>
           <a:p>
-            <a:endParaRPr lang="en-US"/>
-          </a:p>
-        </p:txBody>
-      </p:sp>
-      <p:sp>
-        <p:nvSpPr>
-          <p:cNvPr id="3" name="Text Placeholder 2">
-            <a:extLst>
-              <a:ext uri="{FF2B5EF4-FFF2-40B4-BE49-F238E27FC236}">
-                <a16:creationId xmlns:a16="http://schemas.microsoft.com/office/drawing/2014/main" id="{A2A3992F-6894-4053-B066-53BB02863B74}"/>
-              </a:ext>
-            </a:extLst>
-          </p:cNvPr>
-          <p:cNvSpPr>
-            <a:spLocks noGrp="1"/>
-          </p:cNvSpPr>
-          <p:nvPr>
-            <p:ph type="body" sz="quarter" idx="11"/>
-          </p:nvPr>
-        </p:nvSpPr>
-        <p:spPr/>
-        <p:txBody>
-          <a:bodyPr/>
-          <a:lstStyle/>
-          <a:p>
-            <a:endParaRPr lang="en-US"/>
-          </a:p>
-        </p:txBody>
-      </p:sp>
-      <p:sp>
-        <p:nvSpPr>
-          <p:cNvPr id="4" name="Text Placeholder 3">
-            <a:extLst>
-              <a:ext uri="{FF2B5EF4-FFF2-40B4-BE49-F238E27FC236}">
-                <a16:creationId xmlns:a16="http://schemas.microsoft.com/office/drawing/2014/main" id="{BB602739-D122-4F88-A78B-0708996348E0}"/>
-              </a:ext>
-            </a:extLst>
-          </p:cNvPr>
-          <p:cNvSpPr>
-            <a:spLocks noGrp="1"/>
-          </p:cNvSpPr>
-          <p:nvPr>
-            <p:ph type="body" sz="quarter" idx="10"/>
-          </p:nvPr>
-        </p:nvSpPr>
-        <p:spPr/>
-        <p:txBody>
-          <a:bodyPr/>
-          <a:lstStyle/>
-          <a:p>
-            <a:endParaRPr lang="en-US"/>
-          </a:p>
-        </p:txBody>
-      </p:sp>
-      <p:sp>
-        <p:nvSpPr>
-          <p:cNvPr id="5" name="Text Placeholder 4">
-            <a:extLst>
-              <a:ext uri="{FF2B5EF4-FFF2-40B4-BE49-F238E27FC236}">
-                <a16:creationId xmlns:a16="http://schemas.microsoft.com/office/drawing/2014/main" id="{09AD7DCF-E630-4CC4-B47C-D1AD17C62EA8}"/>
-              </a:ext>
-            </a:extLst>
-          </p:cNvPr>
-          <p:cNvSpPr>
-            <a:spLocks noGrp="1"/>
-          </p:cNvSpPr>
-          <p:nvPr>
-            <p:ph type="body" sz="quarter" idx="12"/>
-          </p:nvPr>
-        </p:nvSpPr>
-        <p:spPr/>
-        <p:txBody>
-          <a:bodyPr/>
-          <a:lstStyle/>
-          <a:p>
-            <a:endParaRPr lang="en-US"/>
-          </a:p>
-        </p:txBody>
-      </p:sp>
-      <p:sp>
-        <p:nvSpPr>
-          <p:cNvPr id="6" name="Content Placeholder 5">
-            <a:extLst>
-              <a:ext uri="{FF2B5EF4-FFF2-40B4-BE49-F238E27FC236}">
-                <a16:creationId xmlns:a16="http://schemas.microsoft.com/office/drawing/2014/main" id="{E73D19FB-5C47-4595-9199-A398F4D87696}"/>
-              </a:ext>
-            </a:extLst>
-          </p:cNvPr>
-          <p:cNvSpPr>
-            <a:spLocks noGrp="1"/>
-          </p:cNvSpPr>
-          <p:nvPr>
-            <p:ph sz="quarter" idx="17"/>
-          </p:nvPr>
-        </p:nvSpPr>
-        <p:spPr/>
-        <p:txBody>
-          <a:bodyPr/>
-          <a:lstStyle/>
-          <a:p>
-            <a:endParaRPr lang="en-US"/>
-          </a:p>
-        </p:txBody>
-      </p:sp>
-      <p:sp>
-        <p:nvSpPr>
-          <p:cNvPr id="7" name="Content Placeholder 6">
-            <a:extLst>
-              <a:ext uri="{FF2B5EF4-FFF2-40B4-BE49-F238E27FC236}">
-                <a16:creationId xmlns:a16="http://schemas.microsoft.com/office/drawing/2014/main" id="{A2E3D1A6-84B8-4DDF-993C-A645A3B3A239}"/>
-              </a:ext>
-            </a:extLst>
-          </p:cNvPr>
-          <p:cNvSpPr>
-            <a:spLocks noGrp="1"/>
-          </p:cNvSpPr>
-          <p:nvPr>
-            <p:ph sz="quarter" idx="18"/>
-          </p:nvPr>
-        </p:nvSpPr>
-        <p:spPr/>
-        <p:txBody>
-          <a:bodyPr/>
-          <a:lstStyle/>
-          <a:p>
-            <a:endParaRPr lang="en-US"/>
+            <a:r>
+              <a:rPr lang="en-US" dirty="0" smtClean="0"/>
+              <a:t>GTK#</a:t>
+            </a:r>
+            <a:endParaRPr lang="ru-RU" dirty="0"/>
           </a:p>
         </p:txBody>
       </p:sp>
     </p:spTree>
     <p:extLst>
       <p:ext uri="{BB962C8B-B14F-4D97-AF65-F5344CB8AC3E}">
-        <p14:creationId xmlns:p14="http://schemas.microsoft.com/office/powerpoint/2010/main" val="3192811625"/>
+        <p14:creationId xmlns:p14="http://schemas.microsoft.com/office/powerpoint/2010/main" val="389671003"/>
       </p:ext>
     </p:extLst>
   </p:cSld>
@@ -16715,18 +17090,12 @@
       </p:grpSpPr>
       <p:sp>
         <p:nvSpPr>
-          <p:cNvPr id="8" name="Text Placeholder 7">
-            <a:extLst>
-              <a:ext uri="{FF2B5EF4-FFF2-40B4-BE49-F238E27FC236}">
-                <a16:creationId xmlns:a16="http://schemas.microsoft.com/office/drawing/2014/main" id="{067DBE8A-EB42-4335-A2A5-3ACDF58A0ED9}"/>
-              </a:ext>
-            </a:extLst>
-          </p:cNvPr>
+          <p:cNvPr id="2" name="Заголовок 1"/>
           <p:cNvSpPr>
             <a:spLocks noGrp="1"/>
           </p:cNvSpPr>
           <p:nvPr>
-            <p:ph type="body" sz="quarter" idx="10"/>
+            <p:ph type="title"/>
           </p:nvPr>
         </p:nvSpPr>
         <p:spPr/>
@@ -16734,14 +17103,26 @@
           <a:bodyPr/>
           <a:lstStyle/>
           <a:p>
-            <a:endParaRPr lang="en-US"/>
+            <a:r>
+              <a:rPr lang="en-US" dirty="0" err="1" smtClean="0"/>
+              <a:t>Qt</a:t>
+            </a:r>
+            <a:r>
+              <a:rPr lang="en-US" dirty="0" smtClean="0"/>
+              <a:t>/</a:t>
+            </a:r>
+            <a:r>
+              <a:rPr lang="en-US" dirty="0" err="1" smtClean="0"/>
+              <a:t>Qml</a:t>
+            </a:r>
+            <a:endParaRPr lang="ru-RU" dirty="0"/>
           </a:p>
         </p:txBody>
       </p:sp>
     </p:spTree>
     <p:extLst>
       <p:ext uri="{BB962C8B-B14F-4D97-AF65-F5344CB8AC3E}">
-        <p14:creationId xmlns:p14="http://schemas.microsoft.com/office/powerpoint/2010/main" val="817044571"/>
+        <p14:creationId xmlns:p14="http://schemas.microsoft.com/office/powerpoint/2010/main" val="3287680912"/>
       </p:ext>
     </p:extLst>
   </p:cSld>

--- a/presentation.pptx
+++ b/presentation.pptx
@@ -156,6 +156,3730 @@
 </p:presentation>
 </file>
 
+<file path=ppt/diagrams/colors1.xml><?xml version="1.0" encoding="utf-8"?>
+<dgm:colorsDef xmlns:dgm="http://schemas.openxmlformats.org/drawingml/2006/diagram" xmlns:a="http://schemas.openxmlformats.org/drawingml/2006/main" uniqueId="urn:microsoft.com/office/officeart/2005/8/colors/colorful3">
+  <dgm:title val=""/>
+  <dgm:desc val=""/>
+  <dgm:catLst>
+    <dgm:cat type="colorful" pri="10300"/>
+  </dgm:catLst>
+  <dgm:styleLbl name="node0">
+    <dgm:fillClrLst meth="repeat">
+      <a:schemeClr val="accent2"/>
+    </dgm:fillClrLst>
+    <dgm:linClrLst meth="repeat">
+      <a:schemeClr val="lt1"/>
+    </dgm:linClrLst>
+    <dgm:effectClrLst/>
+    <dgm:txLinClrLst/>
+    <dgm:txFillClrLst/>
+    <dgm:txEffectClrLst/>
+  </dgm:styleLbl>
+  <dgm:styleLbl name="node1">
+    <dgm:fillClrLst>
+      <a:schemeClr val="accent3"/>
+      <a:schemeClr val="accent4"/>
+    </dgm:fillClrLst>
+    <dgm:linClrLst meth="repeat">
+      <a:schemeClr val="lt1"/>
+    </dgm:linClrLst>
+    <dgm:effectClrLst/>
+    <dgm:txLinClrLst/>
+    <dgm:txFillClrLst/>
+    <dgm:txEffectClrLst/>
+  </dgm:styleLbl>
+  <dgm:styleLbl name="alignNode1">
+    <dgm:fillClrLst>
+      <a:schemeClr val="accent3"/>
+      <a:schemeClr val="accent4"/>
+    </dgm:fillClrLst>
+    <dgm:linClrLst>
+      <a:schemeClr val="accent3"/>
+      <a:schemeClr val="accent4"/>
+    </dgm:linClrLst>
+    <dgm:effectClrLst/>
+    <dgm:txLinClrLst/>
+    <dgm:txFillClrLst/>
+    <dgm:txEffectClrLst/>
+  </dgm:styleLbl>
+  <dgm:styleLbl name="lnNode1">
+    <dgm:fillClrLst>
+      <a:schemeClr val="accent3"/>
+      <a:schemeClr val="accent4"/>
+    </dgm:fillClrLst>
+    <dgm:linClrLst meth="repeat">
+      <a:schemeClr val="lt1"/>
+    </dgm:linClrLst>
+    <dgm:effectClrLst/>
+    <dgm:txLinClrLst/>
+    <dgm:txFillClrLst/>
+    <dgm:txEffectClrLst/>
+  </dgm:styleLbl>
+  <dgm:styleLbl name="vennNode1">
+    <dgm:fillClrLst>
+      <a:schemeClr val="accent3">
+        <a:alpha val="50000"/>
+      </a:schemeClr>
+      <a:schemeClr val="accent4">
+        <a:alpha val="50000"/>
+      </a:schemeClr>
+    </dgm:fillClrLst>
+    <dgm:linClrLst meth="repeat">
+      <a:schemeClr val="lt1"/>
+    </dgm:linClrLst>
+    <dgm:effectClrLst/>
+    <dgm:txLinClrLst/>
+    <dgm:txFillClrLst/>
+    <dgm:txEffectClrLst/>
+  </dgm:styleLbl>
+  <dgm:styleLbl name="node2">
+    <dgm:fillClrLst>
+      <a:schemeClr val="accent4"/>
+    </dgm:fillClrLst>
+    <dgm:linClrLst meth="repeat">
+      <a:schemeClr val="lt1"/>
+    </dgm:linClrLst>
+    <dgm:effectClrLst/>
+    <dgm:txLinClrLst/>
+    <dgm:txFillClrLst/>
+    <dgm:txEffectClrLst/>
+  </dgm:styleLbl>
+  <dgm:styleLbl name="node3">
+    <dgm:fillClrLst>
+      <a:schemeClr val="accent5"/>
+    </dgm:fillClrLst>
+    <dgm:linClrLst meth="repeat">
+      <a:schemeClr val="lt1"/>
+    </dgm:linClrLst>
+    <dgm:effectClrLst/>
+    <dgm:txLinClrLst/>
+    <dgm:txFillClrLst/>
+    <dgm:txEffectClrLst/>
+  </dgm:styleLbl>
+  <dgm:styleLbl name="node4">
+    <dgm:fillClrLst>
+      <a:schemeClr val="accent6"/>
+    </dgm:fillClrLst>
+    <dgm:linClrLst meth="repeat">
+      <a:schemeClr val="lt1"/>
+    </dgm:linClrLst>
+    <dgm:effectClrLst/>
+    <dgm:txLinClrLst/>
+    <dgm:txFillClrLst/>
+    <dgm:txEffectClrLst/>
+  </dgm:styleLbl>
+  <dgm:styleLbl name="fgImgPlace1">
+    <dgm:fillClrLst>
+      <a:schemeClr val="accent3">
+        <a:tint val="50000"/>
+      </a:schemeClr>
+      <a:schemeClr val="accent4">
+        <a:tint val="50000"/>
+      </a:schemeClr>
+    </dgm:fillClrLst>
+    <dgm:linClrLst meth="repeat">
+      <a:schemeClr val="lt1"/>
+    </dgm:linClrLst>
+    <dgm:effectClrLst/>
+    <dgm:txLinClrLst/>
+    <dgm:txFillClrLst meth="repeat">
+      <a:schemeClr val="lt1"/>
+    </dgm:txFillClrLst>
+    <dgm:txEffectClrLst/>
+  </dgm:styleLbl>
+  <dgm:styleLbl name="alignImgPlace1">
+    <dgm:fillClrLst>
+      <a:schemeClr val="accent3">
+        <a:tint val="50000"/>
+      </a:schemeClr>
+      <a:schemeClr val="accent4">
+        <a:tint val="20000"/>
+      </a:schemeClr>
+    </dgm:fillClrLst>
+    <dgm:linClrLst meth="repeat">
+      <a:schemeClr val="lt1"/>
+    </dgm:linClrLst>
+    <dgm:effectClrLst/>
+    <dgm:txLinClrLst/>
+    <dgm:txFillClrLst meth="repeat">
+      <a:schemeClr val="lt1"/>
+    </dgm:txFillClrLst>
+    <dgm:txEffectClrLst/>
+  </dgm:styleLbl>
+  <dgm:styleLbl name="bgImgPlace1">
+    <dgm:fillClrLst>
+      <a:schemeClr val="accent3">
+        <a:tint val="50000"/>
+      </a:schemeClr>
+      <a:schemeClr val="accent4">
+        <a:tint val="20000"/>
+      </a:schemeClr>
+    </dgm:fillClrLst>
+    <dgm:linClrLst meth="repeat">
+      <a:schemeClr val="lt1"/>
+    </dgm:linClrLst>
+    <dgm:effectClrLst/>
+    <dgm:txLinClrLst/>
+    <dgm:txFillClrLst meth="repeat">
+      <a:schemeClr val="lt1"/>
+    </dgm:txFillClrLst>
+    <dgm:txEffectClrLst/>
+  </dgm:styleLbl>
+  <dgm:styleLbl name="sibTrans2D1">
+    <dgm:fillClrLst>
+      <a:schemeClr val="accent3"/>
+      <a:schemeClr val="accent4"/>
+    </dgm:fillClrLst>
+    <dgm:linClrLst meth="repeat">
+      <a:schemeClr val="lt1"/>
+    </dgm:linClrLst>
+    <dgm:effectClrLst/>
+    <dgm:txLinClrLst/>
+    <dgm:txFillClrLst/>
+    <dgm:txEffectClrLst/>
+  </dgm:styleLbl>
+  <dgm:styleLbl name="fgSibTrans2D1">
+    <dgm:fillClrLst>
+      <a:schemeClr val="accent3"/>
+      <a:schemeClr val="accent4"/>
+    </dgm:fillClrLst>
+    <dgm:linClrLst meth="repeat">
+      <a:schemeClr val="lt1"/>
+    </dgm:linClrLst>
+    <dgm:effectClrLst/>
+    <dgm:txLinClrLst/>
+    <dgm:txFillClrLst meth="repeat">
+      <a:schemeClr val="lt1"/>
+    </dgm:txFillClrLst>
+    <dgm:txEffectClrLst/>
+  </dgm:styleLbl>
+  <dgm:styleLbl name="bgSibTrans2D1">
+    <dgm:fillClrLst>
+      <a:schemeClr val="accent3"/>
+      <a:schemeClr val="accent4"/>
+    </dgm:fillClrLst>
+    <dgm:linClrLst meth="repeat">
+      <a:schemeClr val="lt1"/>
+    </dgm:linClrLst>
+    <dgm:effectClrLst/>
+    <dgm:txLinClrLst/>
+    <dgm:txFillClrLst meth="repeat">
+      <a:schemeClr val="lt1"/>
+    </dgm:txFillClrLst>
+    <dgm:txEffectClrLst/>
+  </dgm:styleLbl>
+  <dgm:styleLbl name="sibTrans1D1">
+    <dgm:fillClrLst/>
+    <dgm:linClrLst>
+      <a:schemeClr val="accent3"/>
+      <a:schemeClr val="accent4"/>
+    </dgm:linClrLst>
+    <dgm:effectClrLst/>
+    <dgm:txLinClrLst/>
+    <dgm:txFillClrLst meth="repeat">
+      <a:schemeClr val="tx1"/>
+    </dgm:txFillClrLst>
+    <dgm:txEffectClrLst/>
+  </dgm:styleLbl>
+  <dgm:styleLbl name="callout">
+    <dgm:fillClrLst meth="repeat">
+      <a:schemeClr val="accent3"/>
+    </dgm:fillClrLst>
+    <dgm:linClrLst meth="repeat">
+      <a:schemeClr val="accent3">
+        <a:tint val="50000"/>
+      </a:schemeClr>
+    </dgm:linClrLst>
+    <dgm:effectClrLst/>
+    <dgm:txLinClrLst/>
+    <dgm:txFillClrLst meth="repeat">
+      <a:schemeClr val="tx1"/>
+    </dgm:txFillClrLst>
+    <dgm:txEffectClrLst/>
+  </dgm:styleLbl>
+  <dgm:styleLbl name="asst0">
+    <dgm:fillClrLst meth="repeat">
+      <a:schemeClr val="accent3"/>
+    </dgm:fillClrLst>
+    <dgm:linClrLst meth="repeat">
+      <a:schemeClr val="lt1">
+        <a:shade val="80000"/>
+      </a:schemeClr>
+    </dgm:linClrLst>
+    <dgm:effectClrLst/>
+    <dgm:txLinClrLst/>
+    <dgm:txFillClrLst/>
+    <dgm:txEffectClrLst/>
+  </dgm:styleLbl>
+  <dgm:styleLbl name="asst1">
+    <dgm:fillClrLst meth="repeat">
+      <a:schemeClr val="accent4"/>
+    </dgm:fillClrLst>
+    <dgm:linClrLst meth="repeat">
+      <a:schemeClr val="lt1">
+        <a:shade val="80000"/>
+      </a:schemeClr>
+    </dgm:linClrLst>
+    <dgm:effectClrLst/>
+    <dgm:txLinClrLst/>
+    <dgm:txFillClrLst/>
+    <dgm:txEffectClrLst/>
+  </dgm:styleLbl>
+  <dgm:styleLbl name="asst2">
+    <dgm:fillClrLst>
+      <a:schemeClr val="accent5"/>
+    </dgm:fillClrLst>
+    <dgm:linClrLst meth="repeat">
+      <a:schemeClr val="lt1"/>
+    </dgm:linClrLst>
+    <dgm:effectClrLst/>
+    <dgm:txLinClrLst/>
+    <dgm:txFillClrLst/>
+    <dgm:txEffectClrLst/>
+  </dgm:styleLbl>
+  <dgm:styleLbl name="asst3">
+    <dgm:fillClrLst>
+      <a:schemeClr val="accent6"/>
+    </dgm:fillClrLst>
+    <dgm:linClrLst meth="repeat">
+      <a:schemeClr val="lt1"/>
+    </dgm:linClrLst>
+    <dgm:effectClrLst/>
+    <dgm:txLinClrLst/>
+    <dgm:txFillClrLst/>
+    <dgm:txEffectClrLst/>
+  </dgm:styleLbl>
+  <dgm:styleLbl name="asst4">
+    <dgm:fillClrLst>
+      <a:schemeClr val="accent1"/>
+    </dgm:fillClrLst>
+    <dgm:linClrLst meth="repeat">
+      <a:schemeClr val="lt1"/>
+    </dgm:linClrLst>
+    <dgm:effectClrLst/>
+    <dgm:txLinClrLst/>
+    <dgm:txFillClrLst/>
+    <dgm:txEffectClrLst/>
+  </dgm:styleLbl>
+  <dgm:styleLbl name="parChTrans2D1">
+    <dgm:fillClrLst meth="repeat">
+      <a:schemeClr val="accent2"/>
+    </dgm:fillClrLst>
+    <dgm:linClrLst meth="repeat">
+      <a:schemeClr val="lt1"/>
+    </dgm:linClrLst>
+    <dgm:effectClrLst/>
+    <dgm:txLinClrLst/>
+    <dgm:txFillClrLst meth="repeat">
+      <a:schemeClr val="lt1"/>
+    </dgm:txFillClrLst>
+    <dgm:txEffectClrLst/>
+  </dgm:styleLbl>
+  <dgm:styleLbl name="parChTrans2D2">
+    <dgm:fillClrLst meth="repeat">
+      <a:schemeClr val="accent3"/>
+    </dgm:fillClrLst>
+    <dgm:linClrLst meth="repeat">
+      <a:schemeClr val="lt1"/>
+    </dgm:linClrLst>
+    <dgm:effectClrLst/>
+    <dgm:txLinClrLst/>
+    <dgm:txFillClrLst/>
+    <dgm:txEffectClrLst/>
+  </dgm:styleLbl>
+  <dgm:styleLbl name="parChTrans2D3">
+    <dgm:fillClrLst meth="repeat">
+      <a:schemeClr val="accent4"/>
+    </dgm:fillClrLst>
+    <dgm:linClrLst meth="repeat">
+      <a:schemeClr val="lt1"/>
+    </dgm:linClrLst>
+    <dgm:effectClrLst/>
+    <dgm:txLinClrLst/>
+    <dgm:txFillClrLst/>
+    <dgm:txEffectClrLst/>
+  </dgm:styleLbl>
+  <dgm:styleLbl name="parChTrans2D4">
+    <dgm:fillClrLst meth="repeat">
+      <a:schemeClr val="accent5"/>
+    </dgm:fillClrLst>
+    <dgm:linClrLst meth="repeat">
+      <a:schemeClr val="lt1"/>
+    </dgm:linClrLst>
+    <dgm:effectClrLst/>
+    <dgm:txLinClrLst/>
+    <dgm:txFillClrLst meth="repeat">
+      <a:schemeClr val="lt1"/>
+    </dgm:txFillClrLst>
+    <dgm:txEffectClrLst/>
+  </dgm:styleLbl>
+  <dgm:styleLbl name="parChTrans1D1">
+    <dgm:fillClrLst meth="repeat">
+      <a:schemeClr val="accent3"/>
+    </dgm:fillClrLst>
+    <dgm:linClrLst meth="repeat">
+      <a:schemeClr val="accent3"/>
+    </dgm:linClrLst>
+    <dgm:effectClrLst/>
+    <dgm:txLinClrLst/>
+    <dgm:txFillClrLst meth="repeat">
+      <a:schemeClr val="tx1"/>
+    </dgm:txFillClrLst>
+    <dgm:txEffectClrLst/>
+  </dgm:styleLbl>
+  <dgm:styleLbl name="parChTrans1D2">
+    <dgm:fillClrLst meth="repeat">
+      <a:schemeClr val="accent2">
+        <a:tint val="90000"/>
+      </a:schemeClr>
+    </dgm:fillClrLst>
+    <dgm:linClrLst meth="repeat">
+      <a:schemeClr val="accent4"/>
+    </dgm:linClrLst>
+    <dgm:effectClrLst/>
+    <dgm:txLinClrLst/>
+    <dgm:txFillClrLst meth="repeat">
+      <a:schemeClr val="tx1"/>
+    </dgm:txFillClrLst>
+    <dgm:txEffectClrLst/>
+  </dgm:styleLbl>
+  <dgm:styleLbl name="parChTrans1D3">
+    <dgm:fillClrLst meth="repeat">
+      <a:schemeClr val="accent2">
+        <a:tint val="70000"/>
+      </a:schemeClr>
+    </dgm:fillClrLst>
+    <dgm:linClrLst meth="repeat">
+      <a:schemeClr val="accent5"/>
+    </dgm:linClrLst>
+    <dgm:effectClrLst/>
+    <dgm:txLinClrLst/>
+    <dgm:txFillClrLst meth="repeat">
+      <a:schemeClr val="tx1"/>
+    </dgm:txFillClrLst>
+    <dgm:txEffectClrLst/>
+  </dgm:styleLbl>
+  <dgm:styleLbl name="parChTrans1D4">
+    <dgm:fillClrLst meth="repeat">
+      <a:schemeClr val="accent6">
+        <a:tint val="50000"/>
+      </a:schemeClr>
+    </dgm:fillClrLst>
+    <dgm:linClrLst meth="repeat">
+      <a:schemeClr val="accent6"/>
+    </dgm:linClrLst>
+    <dgm:effectClrLst/>
+    <dgm:txLinClrLst/>
+    <dgm:txFillClrLst meth="repeat">
+      <a:schemeClr val="tx1"/>
+    </dgm:txFillClrLst>
+    <dgm:txEffectClrLst/>
+  </dgm:styleLbl>
+  <dgm:styleLbl name="fgAcc1">
+    <dgm:fillClrLst meth="repeat">
+      <a:schemeClr val="lt1">
+        <a:alpha val="90000"/>
+      </a:schemeClr>
+    </dgm:fillClrLst>
+    <dgm:linClrLst>
+      <a:schemeClr val="accent3"/>
+      <a:schemeClr val="accent4"/>
+    </dgm:linClrLst>
+    <dgm:effectClrLst/>
+    <dgm:txLinClrLst/>
+    <dgm:txFillClrLst meth="repeat">
+      <a:schemeClr val="dk1"/>
+    </dgm:txFillClrLst>
+    <dgm:txEffectClrLst/>
+  </dgm:styleLbl>
+  <dgm:styleLbl name="conFgAcc1">
+    <dgm:fillClrLst meth="repeat">
+      <a:schemeClr val="lt1">
+        <a:alpha val="90000"/>
+      </a:schemeClr>
+    </dgm:fillClrLst>
+    <dgm:linClrLst>
+      <a:schemeClr val="accent3"/>
+      <a:schemeClr val="accent4"/>
+    </dgm:linClrLst>
+    <dgm:effectClrLst/>
+    <dgm:txLinClrLst/>
+    <dgm:txFillClrLst meth="repeat">
+      <a:schemeClr val="dk1"/>
+    </dgm:txFillClrLst>
+    <dgm:txEffectClrLst/>
+  </dgm:styleLbl>
+  <dgm:styleLbl name="alignAcc1">
+    <dgm:fillClrLst meth="repeat">
+      <a:schemeClr val="lt1">
+        <a:alpha val="90000"/>
+      </a:schemeClr>
+    </dgm:fillClrLst>
+    <dgm:linClrLst>
+      <a:schemeClr val="accent3"/>
+      <a:schemeClr val="accent4"/>
+    </dgm:linClrLst>
+    <dgm:effectClrLst/>
+    <dgm:txLinClrLst/>
+    <dgm:txFillClrLst meth="repeat">
+      <a:schemeClr val="dk1"/>
+    </dgm:txFillClrLst>
+    <dgm:txEffectClrLst/>
+  </dgm:styleLbl>
+  <dgm:styleLbl name="trAlignAcc1">
+    <dgm:fillClrLst meth="repeat">
+      <a:schemeClr val="lt1">
+        <a:alpha val="40000"/>
+      </a:schemeClr>
+    </dgm:fillClrLst>
+    <dgm:linClrLst meth="repeat">
+      <a:schemeClr val="accent2"/>
+    </dgm:linClrLst>
+    <dgm:effectClrLst/>
+    <dgm:txLinClrLst/>
+    <dgm:txFillClrLst meth="repeat">
+      <a:schemeClr val="dk1"/>
+    </dgm:txFillClrLst>
+    <dgm:txEffectClrLst/>
+  </dgm:styleLbl>
+  <dgm:styleLbl name="bgAcc1">
+    <dgm:fillClrLst meth="repeat">
+      <a:schemeClr val="lt1">
+        <a:alpha val="90000"/>
+      </a:schemeClr>
+    </dgm:fillClrLst>
+    <dgm:linClrLst>
+      <a:schemeClr val="accent3"/>
+      <a:schemeClr val="accent4"/>
+    </dgm:linClrLst>
+    <dgm:effectClrLst/>
+    <dgm:txLinClrLst/>
+    <dgm:txFillClrLst meth="repeat">
+      <a:schemeClr val="dk1"/>
+    </dgm:txFillClrLst>
+    <dgm:txEffectClrLst/>
+  </dgm:styleLbl>
+  <dgm:styleLbl name="solidFgAcc1">
+    <dgm:fillClrLst meth="repeat">
+      <a:schemeClr val="lt1"/>
+    </dgm:fillClrLst>
+    <dgm:linClrLst>
+      <a:schemeClr val="accent3"/>
+      <a:schemeClr val="accent4"/>
+    </dgm:linClrLst>
+    <dgm:effectClrLst/>
+    <dgm:txLinClrLst/>
+    <dgm:txFillClrLst meth="repeat">
+      <a:schemeClr val="dk1"/>
+    </dgm:txFillClrLst>
+    <dgm:txEffectClrLst/>
+  </dgm:styleLbl>
+  <dgm:styleLbl name="solidAlignAcc1">
+    <dgm:fillClrLst meth="repeat">
+      <a:schemeClr val="lt1"/>
+    </dgm:fillClrLst>
+    <dgm:linClrLst>
+      <a:schemeClr val="accent3"/>
+      <a:schemeClr val="accent4"/>
+    </dgm:linClrLst>
+    <dgm:effectClrLst/>
+    <dgm:txLinClrLst/>
+    <dgm:txFillClrLst meth="repeat">
+      <a:schemeClr val="dk1"/>
+    </dgm:txFillClrLst>
+    <dgm:txEffectClrLst/>
+  </dgm:styleLbl>
+  <dgm:styleLbl name="solidBgAcc1">
+    <dgm:fillClrLst meth="repeat">
+      <a:schemeClr val="lt1"/>
+    </dgm:fillClrLst>
+    <dgm:linClrLst>
+      <a:schemeClr val="accent3"/>
+      <a:schemeClr val="accent4"/>
+    </dgm:linClrLst>
+    <dgm:effectClrLst/>
+    <dgm:txLinClrLst/>
+    <dgm:txFillClrLst meth="repeat">
+      <a:schemeClr val="dk1"/>
+    </dgm:txFillClrLst>
+    <dgm:txEffectClrLst/>
+  </dgm:styleLbl>
+  <dgm:styleLbl name="fgAccFollowNode1">
+    <dgm:fillClrLst>
+      <a:schemeClr val="accent3">
+        <a:tint val="40000"/>
+        <a:alpha val="90000"/>
+      </a:schemeClr>
+      <a:schemeClr val="accent4">
+        <a:tint val="40000"/>
+        <a:alpha val="90000"/>
+      </a:schemeClr>
+    </dgm:fillClrLst>
+    <dgm:linClrLst>
+      <a:schemeClr val="accent3">
+        <a:tint val="40000"/>
+        <a:alpha val="90000"/>
+      </a:schemeClr>
+      <a:schemeClr val="accent4">
+        <a:tint val="40000"/>
+        <a:alpha val="90000"/>
+      </a:schemeClr>
+    </dgm:linClrLst>
+    <dgm:effectClrLst/>
+    <dgm:txLinClrLst/>
+    <dgm:txFillClrLst meth="repeat">
+      <a:schemeClr val="dk1"/>
+    </dgm:txFillClrLst>
+    <dgm:txEffectClrLst/>
+  </dgm:styleLbl>
+  <dgm:styleLbl name="alignAccFollowNode1">
+    <dgm:fillClrLst>
+      <a:schemeClr val="accent3">
+        <a:tint val="40000"/>
+        <a:alpha val="90000"/>
+      </a:schemeClr>
+      <a:schemeClr val="accent4">
+        <a:tint val="40000"/>
+        <a:alpha val="90000"/>
+      </a:schemeClr>
+    </dgm:fillClrLst>
+    <dgm:linClrLst>
+      <a:schemeClr val="accent3">
+        <a:tint val="40000"/>
+        <a:alpha val="90000"/>
+      </a:schemeClr>
+      <a:schemeClr val="accent4">
+        <a:tint val="40000"/>
+        <a:alpha val="90000"/>
+      </a:schemeClr>
+    </dgm:linClrLst>
+    <dgm:effectClrLst/>
+    <dgm:txLinClrLst/>
+    <dgm:txFillClrLst meth="repeat">
+      <a:schemeClr val="dk1"/>
+    </dgm:txFillClrLst>
+    <dgm:txEffectClrLst/>
+  </dgm:styleLbl>
+  <dgm:styleLbl name="bgAccFollowNode1">
+    <dgm:fillClrLst>
+      <a:schemeClr val="accent3">
+        <a:tint val="40000"/>
+        <a:alpha val="90000"/>
+      </a:schemeClr>
+      <a:schemeClr val="accent4">
+        <a:tint val="40000"/>
+        <a:alpha val="90000"/>
+      </a:schemeClr>
+    </dgm:fillClrLst>
+    <dgm:linClrLst>
+      <a:schemeClr val="accent3">
+        <a:tint val="40000"/>
+        <a:alpha val="90000"/>
+      </a:schemeClr>
+      <a:schemeClr val="accent4">
+        <a:tint val="40000"/>
+        <a:alpha val="90000"/>
+      </a:schemeClr>
+    </dgm:linClrLst>
+    <dgm:effectClrLst/>
+    <dgm:txLinClrLst/>
+    <dgm:txFillClrLst meth="repeat">
+      <a:schemeClr val="dk1"/>
+    </dgm:txFillClrLst>
+    <dgm:txEffectClrLst/>
+  </dgm:styleLbl>
+  <dgm:styleLbl name="fgAcc0">
+    <dgm:fillClrLst meth="repeat">
+      <a:schemeClr val="lt1">
+        <a:alpha val="90000"/>
+      </a:schemeClr>
+    </dgm:fillClrLst>
+    <dgm:linClrLst>
+      <a:schemeClr val="accent2"/>
+    </dgm:linClrLst>
+    <dgm:effectClrLst/>
+    <dgm:txLinClrLst/>
+    <dgm:txFillClrLst meth="repeat">
+      <a:schemeClr val="dk1"/>
+    </dgm:txFillClrLst>
+    <dgm:txEffectClrLst/>
+  </dgm:styleLbl>
+  <dgm:styleLbl name="fgAcc2">
+    <dgm:fillClrLst meth="repeat">
+      <a:schemeClr val="lt1">
+        <a:alpha val="90000"/>
+      </a:schemeClr>
+    </dgm:fillClrLst>
+    <dgm:linClrLst>
+      <a:schemeClr val="accent4"/>
+    </dgm:linClrLst>
+    <dgm:effectClrLst/>
+    <dgm:txLinClrLst/>
+    <dgm:txFillClrLst meth="repeat">
+      <a:schemeClr val="dk1"/>
+    </dgm:txFillClrLst>
+    <dgm:txEffectClrLst/>
+  </dgm:styleLbl>
+  <dgm:styleLbl name="fgAcc3">
+    <dgm:fillClrLst meth="repeat">
+      <a:schemeClr val="lt1">
+        <a:alpha val="90000"/>
+      </a:schemeClr>
+    </dgm:fillClrLst>
+    <dgm:linClrLst>
+      <a:schemeClr val="accent5"/>
+    </dgm:linClrLst>
+    <dgm:effectClrLst/>
+    <dgm:txLinClrLst/>
+    <dgm:txFillClrLst meth="repeat">
+      <a:schemeClr val="dk1"/>
+    </dgm:txFillClrLst>
+    <dgm:txEffectClrLst/>
+  </dgm:styleLbl>
+  <dgm:styleLbl name="fgAcc4">
+    <dgm:fillClrLst meth="repeat">
+      <a:schemeClr val="lt1">
+        <a:alpha val="90000"/>
+      </a:schemeClr>
+    </dgm:fillClrLst>
+    <dgm:linClrLst>
+      <a:schemeClr val="accent6"/>
+    </dgm:linClrLst>
+    <dgm:effectClrLst/>
+    <dgm:txLinClrLst/>
+    <dgm:txFillClrLst meth="repeat">
+      <a:schemeClr val="dk1"/>
+    </dgm:txFillClrLst>
+    <dgm:txEffectClrLst/>
+  </dgm:styleLbl>
+  <dgm:styleLbl name="bgShp">
+    <dgm:fillClrLst meth="repeat">
+      <a:schemeClr val="accent3">
+        <a:tint val="40000"/>
+      </a:schemeClr>
+    </dgm:fillClrLst>
+    <dgm:linClrLst meth="repeat">
+      <a:schemeClr val="dk1"/>
+    </dgm:linClrLst>
+    <dgm:effectClrLst/>
+    <dgm:txLinClrLst/>
+    <dgm:txFillClrLst meth="repeat">
+      <a:schemeClr val="dk1"/>
+    </dgm:txFillClrLst>
+    <dgm:txEffectClrLst/>
+  </dgm:styleLbl>
+  <dgm:styleLbl name="dkBgShp">
+    <dgm:fillClrLst meth="repeat">
+      <a:schemeClr val="accent3">
+        <a:shade val="90000"/>
+      </a:schemeClr>
+    </dgm:fillClrLst>
+    <dgm:linClrLst meth="repeat">
+      <a:schemeClr val="dk1"/>
+    </dgm:linClrLst>
+    <dgm:effectClrLst/>
+    <dgm:txLinClrLst/>
+    <dgm:txFillClrLst meth="repeat">
+      <a:schemeClr val="lt1"/>
+    </dgm:txFillClrLst>
+    <dgm:txEffectClrLst/>
+  </dgm:styleLbl>
+  <dgm:styleLbl name="trBgShp">
+    <dgm:fillClrLst meth="repeat">
+      <a:schemeClr val="accent2">
+        <a:tint val="50000"/>
+        <a:alpha val="40000"/>
+      </a:schemeClr>
+    </dgm:fillClrLst>
+    <dgm:linClrLst meth="repeat">
+      <a:schemeClr val="accent3"/>
+    </dgm:linClrLst>
+    <dgm:effectClrLst/>
+    <dgm:txLinClrLst/>
+    <dgm:txFillClrLst meth="repeat">
+      <a:schemeClr val="lt1"/>
+    </dgm:txFillClrLst>
+    <dgm:txEffectClrLst/>
+  </dgm:styleLbl>
+  <dgm:styleLbl name="fgShp">
+    <dgm:fillClrLst meth="repeat">
+      <a:schemeClr val="accent3">
+        <a:tint val="40000"/>
+      </a:schemeClr>
+    </dgm:fillClrLst>
+    <dgm:linClrLst meth="repeat">
+      <a:schemeClr val="lt1"/>
+    </dgm:linClrLst>
+    <dgm:effectClrLst/>
+    <dgm:txLinClrLst/>
+    <dgm:txFillClrLst meth="repeat">
+      <a:schemeClr val="dk1"/>
+    </dgm:txFillClrLst>
+    <dgm:txEffectClrLst/>
+  </dgm:styleLbl>
+  <dgm:styleLbl name="revTx">
+    <dgm:fillClrLst meth="repeat">
+      <a:schemeClr val="lt1">
+        <a:alpha val="0"/>
+      </a:schemeClr>
+    </dgm:fillClrLst>
+    <dgm:linClrLst meth="repeat">
+      <a:schemeClr val="dk1">
+        <a:alpha val="0"/>
+      </a:schemeClr>
+    </dgm:linClrLst>
+    <dgm:effectClrLst/>
+    <dgm:txLinClrLst/>
+    <dgm:txFillClrLst meth="repeat">
+      <a:schemeClr val="tx1"/>
+    </dgm:txFillClrLst>
+    <dgm:txEffectClrLst/>
+  </dgm:styleLbl>
+</dgm:colorsDef>
+</file>
+
+<file path=ppt/diagrams/data1.xml><?xml version="1.0" encoding="utf-8"?>
+<dgm:dataModel xmlns:dgm="http://schemas.openxmlformats.org/drawingml/2006/diagram" xmlns:a="http://schemas.openxmlformats.org/drawingml/2006/main">
+  <dgm:ptLst>
+    <dgm:pt modelId="{0B9BF487-A8C8-474E-B7A8-67651B0EF015}" type="doc">
+      <dgm:prSet loTypeId="urn:microsoft.com/office/officeart/2005/8/layout/lProcess2" loCatId="list" qsTypeId="urn:microsoft.com/office/officeart/2005/8/quickstyle/simple3" qsCatId="simple" csTypeId="urn:microsoft.com/office/officeart/2005/8/colors/colorful3" csCatId="colorful" phldr="1"/>
+      <dgm:spPr/>
+      <dgm:t>
+        <a:bodyPr/>
+        <a:lstStyle/>
+        <a:p>
+          <a:endParaRPr lang="ru-RU"/>
+        </a:p>
+      </dgm:t>
+    </dgm:pt>
+    <dgm:pt modelId="{5D86F55A-1508-43CA-BADB-671F11798484}">
+      <dgm:prSet/>
+      <dgm:spPr/>
+      <dgm:t>
+        <a:bodyPr/>
+        <a:lstStyle/>
+        <a:p>
+          <a:pPr rtl="0"/>
+          <a:r>
+            <a:rPr lang="en-US" dirty="0" smtClean="0"/>
+            <a:t>Wrapper (binding) to cross platform lib</a:t>
+          </a:r>
+          <a:endParaRPr lang="ru-RU" dirty="0"/>
+        </a:p>
+      </dgm:t>
+    </dgm:pt>
+    <dgm:pt modelId="{1F75225B-A66A-430D-BC0F-2E96D0441A56}" type="parTrans" cxnId="{2FC9F3AC-A24F-421F-8112-DFF0AB6B46A5}">
+      <dgm:prSet/>
+      <dgm:spPr/>
+      <dgm:t>
+        <a:bodyPr/>
+        <a:lstStyle/>
+        <a:p>
+          <a:endParaRPr lang="ru-RU"/>
+        </a:p>
+      </dgm:t>
+    </dgm:pt>
+    <dgm:pt modelId="{62E409F9-B4C0-44B6-BD7A-E89E427B0F4D}" type="sibTrans" cxnId="{2FC9F3AC-A24F-421F-8112-DFF0AB6B46A5}">
+      <dgm:prSet/>
+      <dgm:spPr/>
+      <dgm:t>
+        <a:bodyPr/>
+        <a:lstStyle/>
+        <a:p>
+          <a:endParaRPr lang="ru-RU"/>
+        </a:p>
+      </dgm:t>
+    </dgm:pt>
+    <dgm:pt modelId="{C5DC55F5-9233-44A0-95BF-4380ECE11DDC}">
+      <dgm:prSet/>
+      <dgm:spPr/>
+      <dgm:t>
+        <a:bodyPr/>
+        <a:lstStyle/>
+        <a:p>
+          <a:pPr rtl="0"/>
+          <a:r>
+            <a:rPr lang="ru-RU" dirty="0" smtClean="0"/>
+            <a:t>«</a:t>
+          </a:r>
+          <a:r>
+            <a:rPr lang="en-US" dirty="0" smtClean="0"/>
+            <a:t>Native</a:t>
+          </a:r>
+          <a:r>
+            <a:rPr lang="ru-RU" dirty="0" smtClean="0"/>
+            <a:t>»</a:t>
+          </a:r>
+          <a:r>
+            <a:rPr lang="en-US" dirty="0" smtClean="0"/>
+            <a:t> </a:t>
+          </a:r>
+          <a:r>
+            <a:rPr lang="en-US" dirty="0" err="1" smtClean="0"/>
+            <a:t>.Net</a:t>
+          </a:r>
+          <a:r>
+            <a:rPr lang="en-US" dirty="0" smtClean="0"/>
+            <a:t> lib</a:t>
+          </a:r>
+          <a:endParaRPr lang="ru-RU" dirty="0"/>
+        </a:p>
+      </dgm:t>
+    </dgm:pt>
+    <dgm:pt modelId="{76EA0871-5DD4-4FAE-83AC-CF6895B55D5A}" type="parTrans" cxnId="{BC6DE340-EBC6-41ED-8663-84B2317E8C5B}">
+      <dgm:prSet/>
+      <dgm:spPr/>
+      <dgm:t>
+        <a:bodyPr/>
+        <a:lstStyle/>
+        <a:p>
+          <a:endParaRPr lang="ru-RU"/>
+        </a:p>
+      </dgm:t>
+    </dgm:pt>
+    <dgm:pt modelId="{04FC8717-7BC8-468C-B6C7-2B12D609B150}" type="sibTrans" cxnId="{BC6DE340-EBC6-41ED-8663-84B2317E8C5B}">
+      <dgm:prSet/>
+      <dgm:spPr/>
+      <dgm:t>
+        <a:bodyPr/>
+        <a:lstStyle/>
+        <a:p>
+          <a:endParaRPr lang="ru-RU"/>
+        </a:p>
+      </dgm:t>
+    </dgm:pt>
+    <dgm:pt modelId="{4FF7DDA8-7FD5-454E-A36F-4FD3A7D7C890}">
+      <dgm:prSet/>
+      <dgm:spPr/>
+      <dgm:t>
+        <a:bodyPr/>
+        <a:lstStyle/>
+        <a:p>
+          <a:pPr rtl="0"/>
+          <a:r>
+            <a:rPr lang="en-US" dirty="0" smtClean="0"/>
+            <a:t>HTML/CSS-based render</a:t>
+          </a:r>
+          <a:endParaRPr lang="ru-RU" dirty="0"/>
+        </a:p>
+      </dgm:t>
+    </dgm:pt>
+    <dgm:pt modelId="{B6DD0628-79EE-426D-87EE-41715C2C5DF8}" type="parTrans" cxnId="{607BBF0B-8D20-4366-B6E8-D0709DFBF4CE}">
+      <dgm:prSet/>
+      <dgm:spPr/>
+      <dgm:t>
+        <a:bodyPr/>
+        <a:lstStyle/>
+        <a:p>
+          <a:endParaRPr lang="ru-RU"/>
+        </a:p>
+      </dgm:t>
+    </dgm:pt>
+    <dgm:pt modelId="{F2525FFE-1AC4-4216-B780-A88473088F4A}" type="sibTrans" cxnId="{607BBF0B-8D20-4366-B6E8-D0709DFBF4CE}">
+      <dgm:prSet/>
+      <dgm:spPr/>
+      <dgm:t>
+        <a:bodyPr/>
+        <a:lstStyle/>
+        <a:p>
+          <a:endParaRPr lang="ru-RU"/>
+        </a:p>
+      </dgm:t>
+    </dgm:pt>
+    <dgm:pt modelId="{0E4DAF0B-AA80-4E20-A6E9-7A4DDC02735A}">
+      <dgm:prSet/>
+      <dgm:spPr/>
+      <dgm:t>
+        <a:bodyPr/>
+        <a:lstStyle/>
+        <a:p>
+          <a:pPr rtl="0"/>
+          <a:r>
+            <a:rPr lang="en-US" dirty="0" smtClean="0"/>
+            <a:t>GTK#</a:t>
+          </a:r>
+          <a:endParaRPr lang="ru-RU" dirty="0"/>
+        </a:p>
+      </dgm:t>
+    </dgm:pt>
+    <dgm:pt modelId="{28E2FD47-3A6C-44E3-87BF-F68C581FB6C3}" type="parTrans" cxnId="{0007C9DB-6402-4C33-A1EA-7995E17AECFC}">
+      <dgm:prSet/>
+      <dgm:spPr/>
+      <dgm:t>
+        <a:bodyPr/>
+        <a:lstStyle/>
+        <a:p>
+          <a:endParaRPr lang="ru-RU"/>
+        </a:p>
+      </dgm:t>
+    </dgm:pt>
+    <dgm:pt modelId="{73ED20BB-0353-44DD-9CD3-0BF58D284CE5}" type="sibTrans" cxnId="{0007C9DB-6402-4C33-A1EA-7995E17AECFC}">
+      <dgm:prSet/>
+      <dgm:spPr/>
+      <dgm:t>
+        <a:bodyPr/>
+        <a:lstStyle/>
+        <a:p>
+          <a:endParaRPr lang="ru-RU"/>
+        </a:p>
+      </dgm:t>
+    </dgm:pt>
+    <dgm:pt modelId="{501FE740-43A1-4C25-84E9-B13817B02402}">
+      <dgm:prSet/>
+      <dgm:spPr/>
+      <dgm:t>
+        <a:bodyPr/>
+        <a:lstStyle/>
+        <a:p>
+          <a:pPr rtl="0"/>
+          <a:r>
+            <a:rPr lang="en-US" dirty="0" err="1" smtClean="0"/>
+            <a:t>QtSharp</a:t>
+          </a:r>
+          <a:endParaRPr lang="ru-RU" dirty="0"/>
+        </a:p>
+      </dgm:t>
+    </dgm:pt>
+    <dgm:pt modelId="{562A18EE-18CB-4B99-B881-5AD1A0BA2CB4}" type="parTrans" cxnId="{1EC75BF5-3EDB-4C94-A47B-0873F5496C5E}">
+      <dgm:prSet/>
+      <dgm:spPr/>
+      <dgm:t>
+        <a:bodyPr/>
+        <a:lstStyle/>
+        <a:p>
+          <a:endParaRPr lang="ru-RU"/>
+        </a:p>
+      </dgm:t>
+    </dgm:pt>
+    <dgm:pt modelId="{45652AEA-2367-41E7-80B0-4A8BA7DB1513}" type="sibTrans" cxnId="{1EC75BF5-3EDB-4C94-A47B-0873F5496C5E}">
+      <dgm:prSet/>
+      <dgm:spPr/>
+      <dgm:t>
+        <a:bodyPr/>
+        <a:lstStyle/>
+        <a:p>
+          <a:endParaRPr lang="ru-RU"/>
+        </a:p>
+      </dgm:t>
+    </dgm:pt>
+    <dgm:pt modelId="{1BD27A93-79BD-4525-B442-A9E15C13FF02}">
+      <dgm:prSet/>
+      <dgm:spPr/>
+      <dgm:t>
+        <a:bodyPr/>
+        <a:lstStyle/>
+        <a:p>
+          <a:pPr rtl="0"/>
+          <a:r>
+            <a:rPr lang="en-US" dirty="0" smtClean="0"/>
+            <a:t>Avalonia</a:t>
+          </a:r>
+          <a:endParaRPr lang="ru-RU" dirty="0"/>
+        </a:p>
+      </dgm:t>
+    </dgm:pt>
+    <dgm:pt modelId="{FACDE096-BC83-4664-8317-16CB76F0BBFB}" type="parTrans" cxnId="{F4305E6B-D992-4EA7-B4AF-210D7933C78C}">
+      <dgm:prSet/>
+      <dgm:spPr/>
+      <dgm:t>
+        <a:bodyPr/>
+        <a:lstStyle/>
+        <a:p>
+          <a:endParaRPr lang="ru-RU"/>
+        </a:p>
+      </dgm:t>
+    </dgm:pt>
+    <dgm:pt modelId="{2BB23AB8-EFC1-4236-9BAC-0CD464BBE997}" type="sibTrans" cxnId="{F4305E6B-D992-4EA7-B4AF-210D7933C78C}">
+      <dgm:prSet/>
+      <dgm:spPr/>
+      <dgm:t>
+        <a:bodyPr/>
+        <a:lstStyle/>
+        <a:p>
+          <a:endParaRPr lang="ru-RU"/>
+        </a:p>
+      </dgm:t>
+    </dgm:pt>
+    <dgm:pt modelId="{C00B50FB-2FF4-4AEC-91CD-24967E9DE6C4}">
+      <dgm:prSet/>
+      <dgm:spPr/>
+      <dgm:t>
+        <a:bodyPr/>
+        <a:lstStyle/>
+        <a:p>
+          <a:pPr rtl="0"/>
+          <a:r>
+            <a:rPr lang="en-US" dirty="0" err="1" smtClean="0"/>
+            <a:t>Eto.Forms</a:t>
+          </a:r>
+          <a:endParaRPr lang="ru-RU" dirty="0"/>
+        </a:p>
+      </dgm:t>
+    </dgm:pt>
+    <dgm:pt modelId="{ADF246BD-E912-42E6-A310-FB886EA7E631}" type="parTrans" cxnId="{B4D2061C-B200-4CE9-A6B8-7E76B16785AB}">
+      <dgm:prSet/>
+      <dgm:spPr/>
+      <dgm:t>
+        <a:bodyPr/>
+        <a:lstStyle/>
+        <a:p>
+          <a:endParaRPr lang="ru-RU"/>
+        </a:p>
+      </dgm:t>
+    </dgm:pt>
+    <dgm:pt modelId="{D30F4151-A0B1-4229-A334-14D6D28CC2A3}" type="sibTrans" cxnId="{B4D2061C-B200-4CE9-A6B8-7E76B16785AB}">
+      <dgm:prSet/>
+      <dgm:spPr/>
+      <dgm:t>
+        <a:bodyPr/>
+        <a:lstStyle/>
+        <a:p>
+          <a:endParaRPr lang="ru-RU"/>
+        </a:p>
+      </dgm:t>
+    </dgm:pt>
+    <dgm:pt modelId="{7BB925E4-15F6-4DDD-9E1B-48BDF0F6663B}">
+      <dgm:prSet/>
+      <dgm:spPr/>
+      <dgm:t>
+        <a:bodyPr/>
+        <a:lstStyle/>
+        <a:p>
+          <a:pPr rtl="0"/>
+          <a:r>
+            <a:rPr lang="en-US" dirty="0" smtClean="0"/>
+            <a:t>CEF</a:t>
+          </a:r>
+          <a:endParaRPr lang="ru-RU" dirty="0"/>
+        </a:p>
+      </dgm:t>
+    </dgm:pt>
+    <dgm:pt modelId="{974670F0-13BD-4F97-9DD0-5C12DD376EAD}" type="parTrans" cxnId="{D1FB87B1-FCE4-4370-87A0-D12010E1FA5F}">
+      <dgm:prSet/>
+      <dgm:spPr/>
+      <dgm:t>
+        <a:bodyPr/>
+        <a:lstStyle/>
+        <a:p>
+          <a:endParaRPr lang="ru-RU"/>
+        </a:p>
+      </dgm:t>
+    </dgm:pt>
+    <dgm:pt modelId="{7D85CD95-9529-4FFF-AA7B-E70EF0243270}" type="sibTrans" cxnId="{D1FB87B1-FCE4-4370-87A0-D12010E1FA5F}">
+      <dgm:prSet/>
+      <dgm:spPr/>
+      <dgm:t>
+        <a:bodyPr/>
+        <a:lstStyle/>
+        <a:p>
+          <a:endParaRPr lang="ru-RU"/>
+        </a:p>
+      </dgm:t>
+    </dgm:pt>
+    <dgm:pt modelId="{CBA38333-46D7-4D22-95BE-74F7E76E14CC}">
+      <dgm:prSet/>
+      <dgm:spPr/>
+      <dgm:t>
+        <a:bodyPr/>
+        <a:lstStyle/>
+        <a:p>
+          <a:pPr rtl="0"/>
+          <a:r>
+            <a:rPr lang="en-US" dirty="0" smtClean="0"/>
+            <a:t>Electron</a:t>
+          </a:r>
+          <a:endParaRPr lang="ru-RU" dirty="0"/>
+        </a:p>
+      </dgm:t>
+    </dgm:pt>
+    <dgm:pt modelId="{AE78E543-9DEF-4B44-9B7C-60796EC34ED7}" type="parTrans" cxnId="{A2C03C8D-C4CD-43C8-90C1-B690869875DF}">
+      <dgm:prSet/>
+      <dgm:spPr/>
+      <dgm:t>
+        <a:bodyPr/>
+        <a:lstStyle/>
+        <a:p>
+          <a:endParaRPr lang="ru-RU"/>
+        </a:p>
+      </dgm:t>
+    </dgm:pt>
+    <dgm:pt modelId="{1C65AE18-7F7C-4C02-A882-10680004633C}" type="sibTrans" cxnId="{A2C03C8D-C4CD-43C8-90C1-B690869875DF}">
+      <dgm:prSet/>
+      <dgm:spPr/>
+      <dgm:t>
+        <a:bodyPr/>
+        <a:lstStyle/>
+        <a:p>
+          <a:endParaRPr lang="ru-RU"/>
+        </a:p>
+      </dgm:t>
+    </dgm:pt>
+    <dgm:pt modelId="{34F6A30E-3479-4CF4-A1AD-95E6CEF89169}">
+      <dgm:prSet/>
+      <dgm:spPr/>
+      <dgm:t>
+        <a:bodyPr/>
+        <a:lstStyle/>
+        <a:p>
+          <a:pPr rtl="0"/>
+          <a:r>
+            <a:rPr lang="en-US" smtClean="0"/>
+            <a:t>Sciter</a:t>
+          </a:r>
+          <a:endParaRPr lang="ru-RU" dirty="0"/>
+        </a:p>
+      </dgm:t>
+    </dgm:pt>
+    <dgm:pt modelId="{E5FD206A-45EF-444B-A724-3FE2AF91FD02}" type="parTrans" cxnId="{5EC452B1-D1BC-41D2-810E-58D196B8D09E}">
+      <dgm:prSet/>
+      <dgm:spPr/>
+      <dgm:t>
+        <a:bodyPr/>
+        <a:lstStyle/>
+        <a:p>
+          <a:endParaRPr lang="ru-RU"/>
+        </a:p>
+      </dgm:t>
+    </dgm:pt>
+    <dgm:pt modelId="{66B6DBCD-5703-41D7-BE58-F361D095D1B5}" type="sibTrans" cxnId="{5EC452B1-D1BC-41D2-810E-58D196B8D09E}">
+      <dgm:prSet/>
+      <dgm:spPr/>
+      <dgm:t>
+        <a:bodyPr/>
+        <a:lstStyle/>
+        <a:p>
+          <a:endParaRPr lang="ru-RU"/>
+        </a:p>
+      </dgm:t>
+    </dgm:pt>
+    <dgm:pt modelId="{8EA06CCA-1EBF-475D-9BB7-4D85D7F8AA68}" type="pres">
+      <dgm:prSet presAssocID="{0B9BF487-A8C8-474E-B7A8-67651B0EF015}" presName="theList" presStyleCnt="0">
+        <dgm:presLayoutVars>
+          <dgm:dir/>
+          <dgm:animLvl val="lvl"/>
+          <dgm:resizeHandles val="exact"/>
+        </dgm:presLayoutVars>
+      </dgm:prSet>
+      <dgm:spPr/>
+    </dgm:pt>
+    <dgm:pt modelId="{BFCBEAEA-F9E9-46C4-A4A6-5541CB128EE6}" type="pres">
+      <dgm:prSet presAssocID="{5D86F55A-1508-43CA-BADB-671F11798484}" presName="compNode" presStyleCnt="0"/>
+      <dgm:spPr/>
+    </dgm:pt>
+    <dgm:pt modelId="{F3789138-80AB-47F5-A6C4-8F4454E89E1A}" type="pres">
+      <dgm:prSet presAssocID="{5D86F55A-1508-43CA-BADB-671F11798484}" presName="aNode" presStyleLbl="bgShp" presStyleIdx="0" presStyleCnt="3"/>
+      <dgm:spPr/>
+    </dgm:pt>
+    <dgm:pt modelId="{B490B958-CD9C-4D99-83B8-F225BCCACAEE}" type="pres">
+      <dgm:prSet presAssocID="{5D86F55A-1508-43CA-BADB-671F11798484}" presName="textNode" presStyleLbl="bgShp" presStyleIdx="0" presStyleCnt="3"/>
+      <dgm:spPr/>
+    </dgm:pt>
+    <dgm:pt modelId="{E8D85EFE-8CBF-4FA3-8C2B-F901E1E62BBF}" type="pres">
+      <dgm:prSet presAssocID="{5D86F55A-1508-43CA-BADB-671F11798484}" presName="compChildNode" presStyleCnt="0"/>
+      <dgm:spPr/>
+    </dgm:pt>
+    <dgm:pt modelId="{3A72E66C-90D6-440C-A703-227666379CEA}" type="pres">
+      <dgm:prSet presAssocID="{5D86F55A-1508-43CA-BADB-671F11798484}" presName="theInnerList" presStyleCnt="0"/>
+      <dgm:spPr/>
+    </dgm:pt>
+    <dgm:pt modelId="{11FFC30F-F1DF-415F-ADA2-495380681218}" type="pres">
+      <dgm:prSet presAssocID="{0E4DAF0B-AA80-4E20-A6E9-7A4DDC02735A}" presName="childNode" presStyleLbl="node1" presStyleIdx="0" presStyleCnt="7">
+        <dgm:presLayoutVars>
+          <dgm:bulletEnabled val="1"/>
+        </dgm:presLayoutVars>
+      </dgm:prSet>
+      <dgm:spPr/>
+    </dgm:pt>
+    <dgm:pt modelId="{9E519A8A-3CD2-4E8A-A4ED-835DE5F2FA09}" type="pres">
+      <dgm:prSet presAssocID="{0E4DAF0B-AA80-4E20-A6E9-7A4DDC02735A}" presName="aSpace2" presStyleCnt="0"/>
+      <dgm:spPr/>
+    </dgm:pt>
+    <dgm:pt modelId="{4214E177-889D-496F-A797-71502CDA0256}" type="pres">
+      <dgm:prSet presAssocID="{501FE740-43A1-4C25-84E9-B13817B02402}" presName="childNode" presStyleLbl="node1" presStyleIdx="1" presStyleCnt="7">
+        <dgm:presLayoutVars>
+          <dgm:bulletEnabled val="1"/>
+        </dgm:presLayoutVars>
+      </dgm:prSet>
+      <dgm:spPr/>
+    </dgm:pt>
+    <dgm:pt modelId="{B53F5545-894C-43AE-9893-84AA5FE288C3}" type="pres">
+      <dgm:prSet presAssocID="{5D86F55A-1508-43CA-BADB-671F11798484}" presName="aSpace" presStyleCnt="0"/>
+      <dgm:spPr/>
+    </dgm:pt>
+    <dgm:pt modelId="{DDA56CD2-9FF8-4890-A504-AED27C1DB0F0}" type="pres">
+      <dgm:prSet presAssocID="{C5DC55F5-9233-44A0-95BF-4380ECE11DDC}" presName="compNode" presStyleCnt="0"/>
+      <dgm:spPr/>
+    </dgm:pt>
+    <dgm:pt modelId="{2A9C4B20-C401-454D-956F-E017344164BB}" type="pres">
+      <dgm:prSet presAssocID="{C5DC55F5-9233-44A0-95BF-4380ECE11DDC}" presName="aNode" presStyleLbl="bgShp" presStyleIdx="1" presStyleCnt="3"/>
+      <dgm:spPr/>
+      <dgm:t>
+        <a:bodyPr/>
+        <a:lstStyle/>
+        <a:p>
+          <a:endParaRPr lang="ru-RU"/>
+        </a:p>
+      </dgm:t>
+    </dgm:pt>
+    <dgm:pt modelId="{9CA37F98-1684-4A6C-8085-0CECD8A6A643}" type="pres">
+      <dgm:prSet presAssocID="{C5DC55F5-9233-44A0-95BF-4380ECE11DDC}" presName="textNode" presStyleLbl="bgShp" presStyleIdx="1" presStyleCnt="3"/>
+      <dgm:spPr/>
+      <dgm:t>
+        <a:bodyPr/>
+        <a:lstStyle/>
+        <a:p>
+          <a:endParaRPr lang="ru-RU"/>
+        </a:p>
+      </dgm:t>
+    </dgm:pt>
+    <dgm:pt modelId="{D18EA7F2-A875-4C78-8193-FF85EDB7ABA7}" type="pres">
+      <dgm:prSet presAssocID="{C5DC55F5-9233-44A0-95BF-4380ECE11DDC}" presName="compChildNode" presStyleCnt="0"/>
+      <dgm:spPr/>
+    </dgm:pt>
+    <dgm:pt modelId="{E4FCE6A1-4521-4225-8243-15EE02158EBE}" type="pres">
+      <dgm:prSet presAssocID="{C5DC55F5-9233-44A0-95BF-4380ECE11DDC}" presName="theInnerList" presStyleCnt="0"/>
+      <dgm:spPr/>
+    </dgm:pt>
+    <dgm:pt modelId="{A24824F3-0FE3-4974-A5B5-2A3016C21913}" type="pres">
+      <dgm:prSet presAssocID="{1BD27A93-79BD-4525-B442-A9E15C13FF02}" presName="childNode" presStyleLbl="node1" presStyleIdx="2" presStyleCnt="7">
+        <dgm:presLayoutVars>
+          <dgm:bulletEnabled val="1"/>
+        </dgm:presLayoutVars>
+      </dgm:prSet>
+      <dgm:spPr/>
+    </dgm:pt>
+    <dgm:pt modelId="{CA12ECE9-B9BC-474C-AFA4-002285D23DEE}" type="pres">
+      <dgm:prSet presAssocID="{1BD27A93-79BD-4525-B442-A9E15C13FF02}" presName="aSpace2" presStyleCnt="0"/>
+      <dgm:spPr/>
+    </dgm:pt>
+    <dgm:pt modelId="{2B3C0B48-3E20-4E41-86B8-5C0C374ADBFE}" type="pres">
+      <dgm:prSet presAssocID="{C00B50FB-2FF4-4AEC-91CD-24967E9DE6C4}" presName="childNode" presStyleLbl="node1" presStyleIdx="3" presStyleCnt="7">
+        <dgm:presLayoutVars>
+          <dgm:bulletEnabled val="1"/>
+        </dgm:presLayoutVars>
+      </dgm:prSet>
+      <dgm:spPr/>
+    </dgm:pt>
+    <dgm:pt modelId="{762D985B-1544-43E9-959C-097CB371DF7B}" type="pres">
+      <dgm:prSet presAssocID="{C5DC55F5-9233-44A0-95BF-4380ECE11DDC}" presName="aSpace" presStyleCnt="0"/>
+      <dgm:spPr/>
+    </dgm:pt>
+    <dgm:pt modelId="{CD6CAF14-5CB1-4D4F-BFD5-FF9973BE97B1}" type="pres">
+      <dgm:prSet presAssocID="{4FF7DDA8-7FD5-454E-A36F-4FD3A7D7C890}" presName="compNode" presStyleCnt="0"/>
+      <dgm:spPr/>
+    </dgm:pt>
+    <dgm:pt modelId="{259F6827-923B-46D9-B8A3-15FA33F5891A}" type="pres">
+      <dgm:prSet presAssocID="{4FF7DDA8-7FD5-454E-A36F-4FD3A7D7C890}" presName="aNode" presStyleLbl="bgShp" presStyleIdx="2" presStyleCnt="3"/>
+      <dgm:spPr/>
+    </dgm:pt>
+    <dgm:pt modelId="{DA2E1E8A-50D3-4750-8079-5A61266FAEB4}" type="pres">
+      <dgm:prSet presAssocID="{4FF7DDA8-7FD5-454E-A36F-4FD3A7D7C890}" presName="textNode" presStyleLbl="bgShp" presStyleIdx="2" presStyleCnt="3"/>
+      <dgm:spPr/>
+    </dgm:pt>
+    <dgm:pt modelId="{9D6B3BBD-C436-466C-A423-5DB177D463ED}" type="pres">
+      <dgm:prSet presAssocID="{4FF7DDA8-7FD5-454E-A36F-4FD3A7D7C890}" presName="compChildNode" presStyleCnt="0"/>
+      <dgm:spPr/>
+    </dgm:pt>
+    <dgm:pt modelId="{9F3722C2-D05F-42ED-B7F7-2299EB0AA281}" type="pres">
+      <dgm:prSet presAssocID="{4FF7DDA8-7FD5-454E-A36F-4FD3A7D7C890}" presName="theInnerList" presStyleCnt="0"/>
+      <dgm:spPr/>
+    </dgm:pt>
+    <dgm:pt modelId="{D47DADFC-4944-4BCF-ABF7-D4CD710231E9}" type="pres">
+      <dgm:prSet presAssocID="{7BB925E4-15F6-4DDD-9E1B-48BDF0F6663B}" presName="childNode" presStyleLbl="node1" presStyleIdx="4" presStyleCnt="7">
+        <dgm:presLayoutVars>
+          <dgm:bulletEnabled val="1"/>
+        </dgm:presLayoutVars>
+      </dgm:prSet>
+      <dgm:spPr/>
+      <dgm:t>
+        <a:bodyPr/>
+        <a:lstStyle/>
+        <a:p>
+          <a:endParaRPr lang="ru-RU"/>
+        </a:p>
+      </dgm:t>
+    </dgm:pt>
+    <dgm:pt modelId="{C88C4B86-D22D-47E3-8D90-BB714A4CC5C0}" type="pres">
+      <dgm:prSet presAssocID="{7BB925E4-15F6-4DDD-9E1B-48BDF0F6663B}" presName="aSpace2" presStyleCnt="0"/>
+      <dgm:spPr/>
+    </dgm:pt>
+    <dgm:pt modelId="{BA4C0D9A-A243-4B82-8D2D-E1EB1A725FAF}" type="pres">
+      <dgm:prSet presAssocID="{CBA38333-46D7-4D22-95BE-74F7E76E14CC}" presName="childNode" presStyleLbl="node1" presStyleIdx="5" presStyleCnt="7">
+        <dgm:presLayoutVars>
+          <dgm:bulletEnabled val="1"/>
+        </dgm:presLayoutVars>
+      </dgm:prSet>
+      <dgm:spPr/>
+    </dgm:pt>
+    <dgm:pt modelId="{30707E93-12BF-4EAE-83A1-F2E9092737A1}" type="pres">
+      <dgm:prSet presAssocID="{CBA38333-46D7-4D22-95BE-74F7E76E14CC}" presName="aSpace2" presStyleCnt="0"/>
+      <dgm:spPr/>
+    </dgm:pt>
+    <dgm:pt modelId="{EA6E47CD-3FAB-4CB4-AA5D-D7C422681E75}" type="pres">
+      <dgm:prSet presAssocID="{34F6A30E-3479-4CF4-A1AD-95E6CEF89169}" presName="childNode" presStyleLbl="node1" presStyleIdx="6" presStyleCnt="7">
+        <dgm:presLayoutVars>
+          <dgm:bulletEnabled val="1"/>
+        </dgm:presLayoutVars>
+      </dgm:prSet>
+      <dgm:spPr/>
+      <dgm:t>
+        <a:bodyPr/>
+        <a:lstStyle/>
+        <a:p>
+          <a:endParaRPr lang="ru-RU"/>
+        </a:p>
+      </dgm:t>
+    </dgm:pt>
+  </dgm:ptLst>
+  <dgm:cxnLst>
+    <dgm:cxn modelId="{0DC12562-6137-40B9-8538-689A006CD0FE}" type="presOf" srcId="{5D86F55A-1508-43CA-BADB-671F11798484}" destId="{F3789138-80AB-47F5-A6C4-8F4454E89E1A}" srcOrd="0" destOrd="0" presId="urn:microsoft.com/office/officeart/2005/8/layout/lProcess2"/>
+    <dgm:cxn modelId="{2FC9F3AC-A24F-421F-8112-DFF0AB6B46A5}" srcId="{0B9BF487-A8C8-474E-B7A8-67651B0EF015}" destId="{5D86F55A-1508-43CA-BADB-671F11798484}" srcOrd="0" destOrd="0" parTransId="{1F75225B-A66A-430D-BC0F-2E96D0441A56}" sibTransId="{62E409F9-B4C0-44B6-BD7A-E89E427B0F4D}"/>
+    <dgm:cxn modelId="{607BBF0B-8D20-4366-B6E8-D0709DFBF4CE}" srcId="{0B9BF487-A8C8-474E-B7A8-67651B0EF015}" destId="{4FF7DDA8-7FD5-454E-A36F-4FD3A7D7C890}" srcOrd="2" destOrd="0" parTransId="{B6DD0628-79EE-426D-87EE-41715C2C5DF8}" sibTransId="{F2525FFE-1AC4-4216-B780-A88473088F4A}"/>
+    <dgm:cxn modelId="{F4305E6B-D992-4EA7-B4AF-210D7933C78C}" srcId="{C5DC55F5-9233-44A0-95BF-4380ECE11DDC}" destId="{1BD27A93-79BD-4525-B442-A9E15C13FF02}" srcOrd="0" destOrd="0" parTransId="{FACDE096-BC83-4664-8317-16CB76F0BBFB}" sibTransId="{2BB23AB8-EFC1-4236-9BAC-0CD464BBE997}"/>
+    <dgm:cxn modelId="{DB98C942-C3F9-4CA9-B11B-96937583DEA5}" type="presOf" srcId="{5D86F55A-1508-43CA-BADB-671F11798484}" destId="{B490B958-CD9C-4D99-83B8-F225BCCACAEE}" srcOrd="1" destOrd="0" presId="urn:microsoft.com/office/officeart/2005/8/layout/lProcess2"/>
+    <dgm:cxn modelId="{D1FB87B1-FCE4-4370-87A0-D12010E1FA5F}" srcId="{4FF7DDA8-7FD5-454E-A36F-4FD3A7D7C890}" destId="{7BB925E4-15F6-4DDD-9E1B-48BDF0F6663B}" srcOrd="0" destOrd="0" parTransId="{974670F0-13BD-4F97-9DD0-5C12DD376EAD}" sibTransId="{7D85CD95-9529-4FFF-AA7B-E70EF0243270}"/>
+    <dgm:cxn modelId="{7BFCDEDF-8297-4ED9-8E54-FE37B3EF1033}" type="presOf" srcId="{0E4DAF0B-AA80-4E20-A6E9-7A4DDC02735A}" destId="{11FFC30F-F1DF-415F-ADA2-495380681218}" srcOrd="0" destOrd="0" presId="urn:microsoft.com/office/officeart/2005/8/layout/lProcess2"/>
+    <dgm:cxn modelId="{9AF611D1-2A5F-4EDD-A94A-3AB3BA5F07C8}" type="presOf" srcId="{501FE740-43A1-4C25-84E9-B13817B02402}" destId="{4214E177-889D-496F-A797-71502CDA0256}" srcOrd="0" destOrd="0" presId="urn:microsoft.com/office/officeart/2005/8/layout/lProcess2"/>
+    <dgm:cxn modelId="{1EC75BF5-3EDB-4C94-A47B-0873F5496C5E}" srcId="{5D86F55A-1508-43CA-BADB-671F11798484}" destId="{501FE740-43A1-4C25-84E9-B13817B02402}" srcOrd="1" destOrd="0" parTransId="{562A18EE-18CB-4B99-B881-5AD1A0BA2CB4}" sibTransId="{45652AEA-2367-41E7-80B0-4A8BA7DB1513}"/>
+    <dgm:cxn modelId="{68B07983-5795-4F56-A26F-56B3DC1D63EA}" type="presOf" srcId="{C5DC55F5-9233-44A0-95BF-4380ECE11DDC}" destId="{2A9C4B20-C401-454D-956F-E017344164BB}" srcOrd="0" destOrd="0" presId="urn:microsoft.com/office/officeart/2005/8/layout/lProcess2"/>
+    <dgm:cxn modelId="{EDAAB3CF-240F-4F32-9E21-DC55A593254E}" type="presOf" srcId="{1BD27A93-79BD-4525-B442-A9E15C13FF02}" destId="{A24824F3-0FE3-4974-A5B5-2A3016C21913}" srcOrd="0" destOrd="0" presId="urn:microsoft.com/office/officeart/2005/8/layout/lProcess2"/>
+    <dgm:cxn modelId="{5EC452B1-D1BC-41D2-810E-58D196B8D09E}" srcId="{4FF7DDA8-7FD5-454E-A36F-4FD3A7D7C890}" destId="{34F6A30E-3479-4CF4-A1AD-95E6CEF89169}" srcOrd="2" destOrd="0" parTransId="{E5FD206A-45EF-444B-A724-3FE2AF91FD02}" sibTransId="{66B6DBCD-5703-41D7-BE58-F361D095D1B5}"/>
+    <dgm:cxn modelId="{E905AA43-9956-4172-B146-7527E3541714}" type="presOf" srcId="{C00B50FB-2FF4-4AEC-91CD-24967E9DE6C4}" destId="{2B3C0B48-3E20-4E41-86B8-5C0C374ADBFE}" srcOrd="0" destOrd="0" presId="urn:microsoft.com/office/officeart/2005/8/layout/lProcess2"/>
+    <dgm:cxn modelId="{7BB13088-146C-4520-89AC-05FF600090D0}" type="presOf" srcId="{34F6A30E-3479-4CF4-A1AD-95E6CEF89169}" destId="{EA6E47CD-3FAB-4CB4-AA5D-D7C422681E75}" srcOrd="0" destOrd="0" presId="urn:microsoft.com/office/officeart/2005/8/layout/lProcess2"/>
+    <dgm:cxn modelId="{0007C9DB-6402-4C33-A1EA-7995E17AECFC}" srcId="{5D86F55A-1508-43CA-BADB-671F11798484}" destId="{0E4DAF0B-AA80-4E20-A6E9-7A4DDC02735A}" srcOrd="0" destOrd="0" parTransId="{28E2FD47-3A6C-44E3-87BF-F68C581FB6C3}" sibTransId="{73ED20BB-0353-44DD-9CD3-0BF58D284CE5}"/>
+    <dgm:cxn modelId="{90672B31-958C-48DC-80CB-A484D25B45AB}" type="presOf" srcId="{4FF7DDA8-7FD5-454E-A36F-4FD3A7D7C890}" destId="{259F6827-923B-46D9-B8A3-15FA33F5891A}" srcOrd="0" destOrd="0" presId="urn:microsoft.com/office/officeart/2005/8/layout/lProcess2"/>
+    <dgm:cxn modelId="{A2C03C8D-C4CD-43C8-90C1-B690869875DF}" srcId="{4FF7DDA8-7FD5-454E-A36F-4FD3A7D7C890}" destId="{CBA38333-46D7-4D22-95BE-74F7E76E14CC}" srcOrd="1" destOrd="0" parTransId="{AE78E543-9DEF-4B44-9B7C-60796EC34ED7}" sibTransId="{1C65AE18-7F7C-4C02-A882-10680004633C}"/>
+    <dgm:cxn modelId="{844D03DB-1BF5-4B7E-B2A1-376A94C51FAF}" type="presOf" srcId="{4FF7DDA8-7FD5-454E-A36F-4FD3A7D7C890}" destId="{DA2E1E8A-50D3-4750-8079-5A61266FAEB4}" srcOrd="1" destOrd="0" presId="urn:microsoft.com/office/officeart/2005/8/layout/lProcess2"/>
+    <dgm:cxn modelId="{BC6DE340-EBC6-41ED-8663-84B2317E8C5B}" srcId="{0B9BF487-A8C8-474E-B7A8-67651B0EF015}" destId="{C5DC55F5-9233-44A0-95BF-4380ECE11DDC}" srcOrd="1" destOrd="0" parTransId="{76EA0871-5DD4-4FAE-83AC-CF6895B55D5A}" sibTransId="{04FC8717-7BC8-468C-B6C7-2B12D609B150}"/>
+    <dgm:cxn modelId="{418D5FC1-9130-4BAF-B0BD-9E47348C664B}" type="presOf" srcId="{0B9BF487-A8C8-474E-B7A8-67651B0EF015}" destId="{8EA06CCA-1EBF-475D-9BB7-4D85D7F8AA68}" srcOrd="0" destOrd="0" presId="urn:microsoft.com/office/officeart/2005/8/layout/lProcess2"/>
+    <dgm:cxn modelId="{4E8493F6-3671-4A0B-A43D-64C83503FB39}" type="presOf" srcId="{C5DC55F5-9233-44A0-95BF-4380ECE11DDC}" destId="{9CA37F98-1684-4A6C-8085-0CECD8A6A643}" srcOrd="1" destOrd="0" presId="urn:microsoft.com/office/officeart/2005/8/layout/lProcess2"/>
+    <dgm:cxn modelId="{B4D2061C-B200-4CE9-A6B8-7E76B16785AB}" srcId="{C5DC55F5-9233-44A0-95BF-4380ECE11DDC}" destId="{C00B50FB-2FF4-4AEC-91CD-24967E9DE6C4}" srcOrd="1" destOrd="0" parTransId="{ADF246BD-E912-42E6-A310-FB886EA7E631}" sibTransId="{D30F4151-A0B1-4229-A334-14D6D28CC2A3}"/>
+    <dgm:cxn modelId="{7744222B-F8B8-4C25-9354-6282BC07CB82}" type="presOf" srcId="{CBA38333-46D7-4D22-95BE-74F7E76E14CC}" destId="{BA4C0D9A-A243-4B82-8D2D-E1EB1A725FAF}" srcOrd="0" destOrd="0" presId="urn:microsoft.com/office/officeart/2005/8/layout/lProcess2"/>
+    <dgm:cxn modelId="{8572BD8F-2313-499E-AC5B-BB17CBAE9BA1}" type="presOf" srcId="{7BB925E4-15F6-4DDD-9E1B-48BDF0F6663B}" destId="{D47DADFC-4944-4BCF-ABF7-D4CD710231E9}" srcOrd="0" destOrd="0" presId="urn:microsoft.com/office/officeart/2005/8/layout/lProcess2"/>
+    <dgm:cxn modelId="{424E6AFC-5360-4542-8C45-8D799ED23A22}" type="presParOf" srcId="{8EA06CCA-1EBF-475D-9BB7-4D85D7F8AA68}" destId="{BFCBEAEA-F9E9-46C4-A4A6-5541CB128EE6}" srcOrd="0" destOrd="0" presId="urn:microsoft.com/office/officeart/2005/8/layout/lProcess2"/>
+    <dgm:cxn modelId="{CF5337B5-04D0-44B2-AFAF-5E91C0BC3D4C}" type="presParOf" srcId="{BFCBEAEA-F9E9-46C4-A4A6-5541CB128EE6}" destId="{F3789138-80AB-47F5-A6C4-8F4454E89E1A}" srcOrd="0" destOrd="0" presId="urn:microsoft.com/office/officeart/2005/8/layout/lProcess2"/>
+    <dgm:cxn modelId="{7514BA81-FF95-4F23-B9A4-D46829593679}" type="presParOf" srcId="{BFCBEAEA-F9E9-46C4-A4A6-5541CB128EE6}" destId="{B490B958-CD9C-4D99-83B8-F225BCCACAEE}" srcOrd="1" destOrd="0" presId="urn:microsoft.com/office/officeart/2005/8/layout/lProcess2"/>
+    <dgm:cxn modelId="{065A3501-C978-49DE-B3C8-0C255B1720B2}" type="presParOf" srcId="{BFCBEAEA-F9E9-46C4-A4A6-5541CB128EE6}" destId="{E8D85EFE-8CBF-4FA3-8C2B-F901E1E62BBF}" srcOrd="2" destOrd="0" presId="urn:microsoft.com/office/officeart/2005/8/layout/lProcess2"/>
+    <dgm:cxn modelId="{223C8C2B-C827-4E1F-B752-04A7EA4381CF}" type="presParOf" srcId="{E8D85EFE-8CBF-4FA3-8C2B-F901E1E62BBF}" destId="{3A72E66C-90D6-440C-A703-227666379CEA}" srcOrd="0" destOrd="0" presId="urn:microsoft.com/office/officeart/2005/8/layout/lProcess2"/>
+    <dgm:cxn modelId="{FFCD4E1A-9E25-458B-8B3F-8376D82140BF}" type="presParOf" srcId="{3A72E66C-90D6-440C-A703-227666379CEA}" destId="{11FFC30F-F1DF-415F-ADA2-495380681218}" srcOrd="0" destOrd="0" presId="urn:microsoft.com/office/officeart/2005/8/layout/lProcess2"/>
+    <dgm:cxn modelId="{FF66C849-48F2-4BD0-8072-56CDB28B4640}" type="presParOf" srcId="{3A72E66C-90D6-440C-A703-227666379CEA}" destId="{9E519A8A-3CD2-4E8A-A4ED-835DE5F2FA09}" srcOrd="1" destOrd="0" presId="urn:microsoft.com/office/officeart/2005/8/layout/lProcess2"/>
+    <dgm:cxn modelId="{537D416E-44D5-4FA8-A067-796F11E814E8}" type="presParOf" srcId="{3A72E66C-90D6-440C-A703-227666379CEA}" destId="{4214E177-889D-496F-A797-71502CDA0256}" srcOrd="2" destOrd="0" presId="urn:microsoft.com/office/officeart/2005/8/layout/lProcess2"/>
+    <dgm:cxn modelId="{2035A3A0-5B94-4B59-9E53-3901DF08D94F}" type="presParOf" srcId="{8EA06CCA-1EBF-475D-9BB7-4D85D7F8AA68}" destId="{B53F5545-894C-43AE-9893-84AA5FE288C3}" srcOrd="1" destOrd="0" presId="urn:microsoft.com/office/officeart/2005/8/layout/lProcess2"/>
+    <dgm:cxn modelId="{13A6B2A0-F67D-410A-8EC3-61B557E52919}" type="presParOf" srcId="{8EA06CCA-1EBF-475D-9BB7-4D85D7F8AA68}" destId="{DDA56CD2-9FF8-4890-A504-AED27C1DB0F0}" srcOrd="2" destOrd="0" presId="urn:microsoft.com/office/officeart/2005/8/layout/lProcess2"/>
+    <dgm:cxn modelId="{B4E79739-4BEA-4A0F-8D03-33516F04EE91}" type="presParOf" srcId="{DDA56CD2-9FF8-4890-A504-AED27C1DB0F0}" destId="{2A9C4B20-C401-454D-956F-E017344164BB}" srcOrd="0" destOrd="0" presId="urn:microsoft.com/office/officeart/2005/8/layout/lProcess2"/>
+    <dgm:cxn modelId="{03BAF214-12B3-48B8-9663-1527FA1264A9}" type="presParOf" srcId="{DDA56CD2-9FF8-4890-A504-AED27C1DB0F0}" destId="{9CA37F98-1684-4A6C-8085-0CECD8A6A643}" srcOrd="1" destOrd="0" presId="urn:microsoft.com/office/officeart/2005/8/layout/lProcess2"/>
+    <dgm:cxn modelId="{DEF1B96A-DB40-46A2-9BF2-FCD8E6DD5659}" type="presParOf" srcId="{DDA56CD2-9FF8-4890-A504-AED27C1DB0F0}" destId="{D18EA7F2-A875-4C78-8193-FF85EDB7ABA7}" srcOrd="2" destOrd="0" presId="urn:microsoft.com/office/officeart/2005/8/layout/lProcess2"/>
+    <dgm:cxn modelId="{9FA4FFFA-9527-463F-9B3E-26C2F7AB08CB}" type="presParOf" srcId="{D18EA7F2-A875-4C78-8193-FF85EDB7ABA7}" destId="{E4FCE6A1-4521-4225-8243-15EE02158EBE}" srcOrd="0" destOrd="0" presId="urn:microsoft.com/office/officeart/2005/8/layout/lProcess2"/>
+    <dgm:cxn modelId="{EE8074DD-075F-4A72-B8E0-7F78A668FF76}" type="presParOf" srcId="{E4FCE6A1-4521-4225-8243-15EE02158EBE}" destId="{A24824F3-0FE3-4974-A5B5-2A3016C21913}" srcOrd="0" destOrd="0" presId="urn:microsoft.com/office/officeart/2005/8/layout/lProcess2"/>
+    <dgm:cxn modelId="{21A5837C-97F0-4710-8E42-11AD50891B38}" type="presParOf" srcId="{E4FCE6A1-4521-4225-8243-15EE02158EBE}" destId="{CA12ECE9-B9BC-474C-AFA4-002285D23DEE}" srcOrd="1" destOrd="0" presId="urn:microsoft.com/office/officeart/2005/8/layout/lProcess2"/>
+    <dgm:cxn modelId="{411AC28A-54CA-4D8C-9A90-645516460676}" type="presParOf" srcId="{E4FCE6A1-4521-4225-8243-15EE02158EBE}" destId="{2B3C0B48-3E20-4E41-86B8-5C0C374ADBFE}" srcOrd="2" destOrd="0" presId="urn:microsoft.com/office/officeart/2005/8/layout/lProcess2"/>
+    <dgm:cxn modelId="{6B6AFA88-CCA0-456C-8AA9-B91FF7EA7815}" type="presParOf" srcId="{8EA06CCA-1EBF-475D-9BB7-4D85D7F8AA68}" destId="{762D985B-1544-43E9-959C-097CB371DF7B}" srcOrd="3" destOrd="0" presId="urn:microsoft.com/office/officeart/2005/8/layout/lProcess2"/>
+    <dgm:cxn modelId="{82B809BE-B5C6-42AE-883D-0E2580A55108}" type="presParOf" srcId="{8EA06CCA-1EBF-475D-9BB7-4D85D7F8AA68}" destId="{CD6CAF14-5CB1-4D4F-BFD5-FF9973BE97B1}" srcOrd="4" destOrd="0" presId="urn:microsoft.com/office/officeart/2005/8/layout/lProcess2"/>
+    <dgm:cxn modelId="{90D84CA3-54CA-425F-8D07-669517290B85}" type="presParOf" srcId="{CD6CAF14-5CB1-4D4F-BFD5-FF9973BE97B1}" destId="{259F6827-923B-46D9-B8A3-15FA33F5891A}" srcOrd="0" destOrd="0" presId="urn:microsoft.com/office/officeart/2005/8/layout/lProcess2"/>
+    <dgm:cxn modelId="{FBE1925F-A8FB-4F4D-B00D-E519924C25DE}" type="presParOf" srcId="{CD6CAF14-5CB1-4D4F-BFD5-FF9973BE97B1}" destId="{DA2E1E8A-50D3-4750-8079-5A61266FAEB4}" srcOrd="1" destOrd="0" presId="urn:microsoft.com/office/officeart/2005/8/layout/lProcess2"/>
+    <dgm:cxn modelId="{F2209F2D-7487-49A1-9081-13C810A87466}" type="presParOf" srcId="{CD6CAF14-5CB1-4D4F-BFD5-FF9973BE97B1}" destId="{9D6B3BBD-C436-466C-A423-5DB177D463ED}" srcOrd="2" destOrd="0" presId="urn:microsoft.com/office/officeart/2005/8/layout/lProcess2"/>
+    <dgm:cxn modelId="{CE501D79-355A-409D-8D01-A22E23E5CDF2}" type="presParOf" srcId="{9D6B3BBD-C436-466C-A423-5DB177D463ED}" destId="{9F3722C2-D05F-42ED-B7F7-2299EB0AA281}" srcOrd="0" destOrd="0" presId="urn:microsoft.com/office/officeart/2005/8/layout/lProcess2"/>
+    <dgm:cxn modelId="{7E920DCF-59D0-4933-94AB-92EFDC34AF95}" type="presParOf" srcId="{9F3722C2-D05F-42ED-B7F7-2299EB0AA281}" destId="{D47DADFC-4944-4BCF-ABF7-D4CD710231E9}" srcOrd="0" destOrd="0" presId="urn:microsoft.com/office/officeart/2005/8/layout/lProcess2"/>
+    <dgm:cxn modelId="{E3F51C07-D1EB-4E8F-9B33-B7909726F008}" type="presParOf" srcId="{9F3722C2-D05F-42ED-B7F7-2299EB0AA281}" destId="{C88C4B86-D22D-47E3-8D90-BB714A4CC5C0}" srcOrd="1" destOrd="0" presId="urn:microsoft.com/office/officeart/2005/8/layout/lProcess2"/>
+    <dgm:cxn modelId="{3D0883C8-3C1F-419E-91F1-BFFC1C61FFEE}" type="presParOf" srcId="{9F3722C2-D05F-42ED-B7F7-2299EB0AA281}" destId="{BA4C0D9A-A243-4B82-8D2D-E1EB1A725FAF}" srcOrd="2" destOrd="0" presId="urn:microsoft.com/office/officeart/2005/8/layout/lProcess2"/>
+    <dgm:cxn modelId="{B19BE3A3-66EB-458E-9BF3-6A924E564842}" type="presParOf" srcId="{9F3722C2-D05F-42ED-B7F7-2299EB0AA281}" destId="{30707E93-12BF-4EAE-83A1-F2E9092737A1}" srcOrd="3" destOrd="0" presId="urn:microsoft.com/office/officeart/2005/8/layout/lProcess2"/>
+    <dgm:cxn modelId="{1212F0F2-0E3F-43BF-8BE7-A9FDB247D1C8}" type="presParOf" srcId="{9F3722C2-D05F-42ED-B7F7-2299EB0AA281}" destId="{EA6E47CD-3FAB-4CB4-AA5D-D7C422681E75}" srcOrd="4" destOrd="0" presId="urn:microsoft.com/office/officeart/2005/8/layout/lProcess2"/>
+  </dgm:cxnLst>
+  <dgm:bg/>
+  <dgm:whole/>
+  <dgm:extLst>
+    <a:ext uri="http://schemas.microsoft.com/office/drawing/2008/diagram">
+      <dsp:dataModelExt xmlns:dsp="http://schemas.microsoft.com/office/drawing/2008/diagram" relId="rId7" minVer="http://schemas.openxmlformats.org/drawingml/2006/diagram"/>
+    </a:ext>
+  </dgm:extLst>
+</dgm:dataModel>
+</file>
+
+<file path=ppt/diagrams/drawing1.xml><?xml version="1.0" encoding="utf-8"?>
+<dsp:drawing xmlns:dgm="http://schemas.openxmlformats.org/drawingml/2006/diagram" xmlns:dsp="http://schemas.microsoft.com/office/drawing/2008/diagram" xmlns:a="http://schemas.openxmlformats.org/drawingml/2006/main">
+  <dsp:spTree>
+    <dsp:nvGrpSpPr>
+      <dsp:cNvPr id="0" name=""/>
+      <dsp:cNvGrpSpPr/>
+    </dsp:nvGrpSpPr>
+    <dsp:grpSpPr/>
+    <dsp:sp modelId="{F3789138-80AB-47F5-A6C4-8F4454E89E1A}">
+      <dsp:nvSpPr>
+        <dsp:cNvPr id="0" name=""/>
+        <dsp:cNvSpPr/>
+      </dsp:nvSpPr>
+      <dsp:spPr>
+        <a:xfrm>
+          <a:off x="996" y="0"/>
+          <a:ext cx="2589798" cy="3874577"/>
+        </a:xfrm>
+        <a:prstGeom prst="roundRect">
+          <a:avLst>
+            <a:gd name="adj" fmla="val 10000"/>
+          </a:avLst>
+        </a:prstGeom>
+        <a:solidFill>
+          <a:schemeClr val="accent3">
+            <a:tint val="40000"/>
+            <a:hueOff val="0"/>
+            <a:satOff val="0"/>
+            <a:lumOff val="0"/>
+            <a:alphaOff val="0"/>
+          </a:schemeClr>
+        </a:solidFill>
+        <a:ln>
+          <a:noFill/>
+        </a:ln>
+        <a:effectLst/>
+      </dsp:spPr>
+      <dsp:style>
+        <a:lnRef idx="0">
+          <a:scrgbClr r="0" g="0" b="0"/>
+        </a:lnRef>
+        <a:fillRef idx="1">
+          <a:scrgbClr r="0" g="0" b="0"/>
+        </a:fillRef>
+        <a:effectRef idx="1">
+          <a:scrgbClr r="0" g="0" b="0"/>
+        </a:effectRef>
+        <a:fontRef idx="minor"/>
+      </dsp:style>
+      <dsp:txBody>
+        <a:bodyPr spcFirstLastPara="0" vert="horz" wrap="square" lIns="87630" tIns="87630" rIns="87630" bIns="87630" numCol="1" spcCol="1270" anchor="ctr" anchorCtr="0">
+          <a:noAutofit/>
+        </a:bodyPr>
+        <a:lstStyle/>
+        <a:p>
+          <a:pPr lvl="0" algn="ctr" defTabSz="1022350" rtl="0">
+            <a:lnSpc>
+              <a:spcPct val="90000"/>
+            </a:lnSpc>
+            <a:spcBef>
+              <a:spcPct val="0"/>
+            </a:spcBef>
+            <a:spcAft>
+              <a:spcPct val="35000"/>
+            </a:spcAft>
+          </a:pPr>
+          <a:r>
+            <a:rPr lang="en-US" sz="2300" kern="1200" dirty="0" smtClean="0"/>
+            <a:t>Wrapper (binding) to cross platform lib</a:t>
+          </a:r>
+          <a:endParaRPr lang="ru-RU" sz="2300" kern="1200" dirty="0"/>
+        </a:p>
+      </dsp:txBody>
+      <dsp:txXfrm>
+        <a:off x="996" y="0"/>
+        <a:ext cx="2589798" cy="1162373"/>
+      </dsp:txXfrm>
+    </dsp:sp>
+    <dsp:sp modelId="{11FFC30F-F1DF-415F-ADA2-495380681218}">
+      <dsp:nvSpPr>
+        <dsp:cNvPr id="0" name=""/>
+        <dsp:cNvSpPr/>
+      </dsp:nvSpPr>
+      <dsp:spPr>
+        <a:xfrm>
+          <a:off x="259975" y="1163508"/>
+          <a:ext cx="2071838" cy="1168237"/>
+        </a:xfrm>
+        <a:prstGeom prst="roundRect">
+          <a:avLst>
+            <a:gd name="adj" fmla="val 10000"/>
+          </a:avLst>
+        </a:prstGeom>
+        <a:gradFill rotWithShape="0">
+          <a:gsLst>
+            <a:gs pos="0">
+              <a:schemeClr val="accent3">
+                <a:hueOff val="0"/>
+                <a:satOff val="0"/>
+                <a:lumOff val="0"/>
+                <a:alphaOff val="0"/>
+                <a:lumMod val="110000"/>
+                <a:satMod val="105000"/>
+                <a:tint val="67000"/>
+              </a:schemeClr>
+            </a:gs>
+            <a:gs pos="50000">
+              <a:schemeClr val="accent3">
+                <a:hueOff val="0"/>
+                <a:satOff val="0"/>
+                <a:lumOff val="0"/>
+                <a:alphaOff val="0"/>
+                <a:lumMod val="105000"/>
+                <a:satMod val="103000"/>
+                <a:tint val="73000"/>
+              </a:schemeClr>
+            </a:gs>
+            <a:gs pos="100000">
+              <a:schemeClr val="accent3">
+                <a:hueOff val="0"/>
+                <a:satOff val="0"/>
+                <a:lumOff val="0"/>
+                <a:alphaOff val="0"/>
+                <a:lumMod val="105000"/>
+                <a:satMod val="109000"/>
+                <a:tint val="81000"/>
+              </a:schemeClr>
+            </a:gs>
+          </a:gsLst>
+          <a:lin ang="5400000" scaled="0"/>
+        </a:gradFill>
+        <a:ln>
+          <a:noFill/>
+        </a:ln>
+        <a:effectLst/>
+        <a:scene3d>
+          <a:camera prst="orthographicFront"/>
+          <a:lightRig rig="flat" dir="t"/>
+        </a:scene3d>
+        <a:sp3d prstMaterial="dkEdge">
+          <a:bevelT w="8200" h="38100"/>
+        </a:sp3d>
+      </dsp:spPr>
+      <dsp:style>
+        <a:lnRef idx="0">
+          <a:scrgbClr r="0" g="0" b="0"/>
+        </a:lnRef>
+        <a:fillRef idx="2">
+          <a:scrgbClr r="0" g="0" b="0"/>
+        </a:fillRef>
+        <a:effectRef idx="1">
+          <a:scrgbClr r="0" g="0" b="0"/>
+        </a:effectRef>
+        <a:fontRef idx="minor">
+          <a:schemeClr val="dk1"/>
+        </a:fontRef>
+      </dsp:style>
+      <dsp:txBody>
+        <a:bodyPr spcFirstLastPara="0" vert="horz" wrap="square" lIns="88900" tIns="66675" rIns="88900" bIns="66675" numCol="1" spcCol="1270" anchor="ctr" anchorCtr="0">
+          <a:noAutofit/>
+        </a:bodyPr>
+        <a:lstStyle/>
+        <a:p>
+          <a:pPr lvl="0" algn="ctr" defTabSz="1555750" rtl="0">
+            <a:lnSpc>
+              <a:spcPct val="90000"/>
+            </a:lnSpc>
+            <a:spcBef>
+              <a:spcPct val="0"/>
+            </a:spcBef>
+            <a:spcAft>
+              <a:spcPct val="35000"/>
+            </a:spcAft>
+          </a:pPr>
+          <a:r>
+            <a:rPr lang="en-US" sz="3500" kern="1200" dirty="0" smtClean="0"/>
+            <a:t>GTK#</a:t>
+          </a:r>
+          <a:endParaRPr lang="ru-RU" sz="3500" kern="1200" dirty="0"/>
+        </a:p>
+      </dsp:txBody>
+      <dsp:txXfrm>
+        <a:off x="294191" y="1197724"/>
+        <a:ext cx="2003406" cy="1099805"/>
+      </dsp:txXfrm>
+    </dsp:sp>
+    <dsp:sp modelId="{4214E177-889D-496F-A797-71502CDA0256}">
+      <dsp:nvSpPr>
+        <dsp:cNvPr id="0" name=""/>
+        <dsp:cNvSpPr/>
+      </dsp:nvSpPr>
+      <dsp:spPr>
+        <a:xfrm>
+          <a:off x="259975" y="2511475"/>
+          <a:ext cx="2071838" cy="1168237"/>
+        </a:xfrm>
+        <a:prstGeom prst="roundRect">
+          <a:avLst>
+            <a:gd name="adj" fmla="val 10000"/>
+          </a:avLst>
+        </a:prstGeom>
+        <a:gradFill rotWithShape="0">
+          <a:gsLst>
+            <a:gs pos="0">
+              <a:schemeClr val="accent3">
+                <a:hueOff val="564365"/>
+                <a:satOff val="579"/>
+                <a:lumOff val="752"/>
+                <a:alphaOff val="0"/>
+                <a:lumMod val="110000"/>
+                <a:satMod val="105000"/>
+                <a:tint val="67000"/>
+              </a:schemeClr>
+            </a:gs>
+            <a:gs pos="50000">
+              <a:schemeClr val="accent3">
+                <a:hueOff val="564365"/>
+                <a:satOff val="579"/>
+                <a:lumOff val="752"/>
+                <a:alphaOff val="0"/>
+                <a:lumMod val="105000"/>
+                <a:satMod val="103000"/>
+                <a:tint val="73000"/>
+              </a:schemeClr>
+            </a:gs>
+            <a:gs pos="100000">
+              <a:schemeClr val="accent3">
+                <a:hueOff val="564365"/>
+                <a:satOff val="579"/>
+                <a:lumOff val="752"/>
+                <a:alphaOff val="0"/>
+                <a:lumMod val="105000"/>
+                <a:satMod val="109000"/>
+                <a:tint val="81000"/>
+              </a:schemeClr>
+            </a:gs>
+          </a:gsLst>
+          <a:lin ang="5400000" scaled="0"/>
+        </a:gradFill>
+        <a:ln>
+          <a:noFill/>
+        </a:ln>
+        <a:effectLst/>
+        <a:scene3d>
+          <a:camera prst="orthographicFront"/>
+          <a:lightRig rig="flat" dir="t"/>
+        </a:scene3d>
+        <a:sp3d prstMaterial="dkEdge">
+          <a:bevelT w="8200" h="38100"/>
+        </a:sp3d>
+      </dsp:spPr>
+      <dsp:style>
+        <a:lnRef idx="0">
+          <a:scrgbClr r="0" g="0" b="0"/>
+        </a:lnRef>
+        <a:fillRef idx="2">
+          <a:scrgbClr r="0" g="0" b="0"/>
+        </a:fillRef>
+        <a:effectRef idx="1">
+          <a:scrgbClr r="0" g="0" b="0"/>
+        </a:effectRef>
+        <a:fontRef idx="minor">
+          <a:schemeClr val="dk1"/>
+        </a:fontRef>
+      </dsp:style>
+      <dsp:txBody>
+        <a:bodyPr spcFirstLastPara="0" vert="horz" wrap="square" lIns="88900" tIns="66675" rIns="88900" bIns="66675" numCol="1" spcCol="1270" anchor="ctr" anchorCtr="0">
+          <a:noAutofit/>
+        </a:bodyPr>
+        <a:lstStyle/>
+        <a:p>
+          <a:pPr lvl="0" algn="ctr" defTabSz="1555750" rtl="0">
+            <a:lnSpc>
+              <a:spcPct val="90000"/>
+            </a:lnSpc>
+            <a:spcBef>
+              <a:spcPct val="0"/>
+            </a:spcBef>
+            <a:spcAft>
+              <a:spcPct val="35000"/>
+            </a:spcAft>
+          </a:pPr>
+          <a:r>
+            <a:rPr lang="en-US" sz="3500" kern="1200" dirty="0" err="1" smtClean="0"/>
+            <a:t>QtSharp</a:t>
+          </a:r>
+          <a:endParaRPr lang="ru-RU" sz="3500" kern="1200" dirty="0"/>
+        </a:p>
+      </dsp:txBody>
+      <dsp:txXfrm>
+        <a:off x="294191" y="2545691"/>
+        <a:ext cx="2003406" cy="1099805"/>
+      </dsp:txXfrm>
+    </dsp:sp>
+    <dsp:sp modelId="{2A9C4B20-C401-454D-956F-E017344164BB}">
+      <dsp:nvSpPr>
+        <dsp:cNvPr id="0" name=""/>
+        <dsp:cNvSpPr/>
+      </dsp:nvSpPr>
+      <dsp:spPr>
+        <a:xfrm>
+          <a:off x="2785029" y="0"/>
+          <a:ext cx="2589798" cy="3874577"/>
+        </a:xfrm>
+        <a:prstGeom prst="roundRect">
+          <a:avLst>
+            <a:gd name="adj" fmla="val 10000"/>
+          </a:avLst>
+        </a:prstGeom>
+        <a:solidFill>
+          <a:schemeClr val="accent3">
+            <a:tint val="40000"/>
+            <a:hueOff val="0"/>
+            <a:satOff val="0"/>
+            <a:lumOff val="0"/>
+            <a:alphaOff val="0"/>
+          </a:schemeClr>
+        </a:solidFill>
+        <a:ln>
+          <a:noFill/>
+        </a:ln>
+        <a:effectLst/>
+      </dsp:spPr>
+      <dsp:style>
+        <a:lnRef idx="0">
+          <a:scrgbClr r="0" g="0" b="0"/>
+        </a:lnRef>
+        <a:fillRef idx="1">
+          <a:scrgbClr r="0" g="0" b="0"/>
+        </a:fillRef>
+        <a:effectRef idx="1">
+          <a:scrgbClr r="0" g="0" b="0"/>
+        </a:effectRef>
+        <a:fontRef idx="minor"/>
+      </dsp:style>
+      <dsp:txBody>
+        <a:bodyPr spcFirstLastPara="0" vert="horz" wrap="square" lIns="87630" tIns="87630" rIns="87630" bIns="87630" numCol="1" spcCol="1270" anchor="ctr" anchorCtr="0">
+          <a:noAutofit/>
+        </a:bodyPr>
+        <a:lstStyle/>
+        <a:p>
+          <a:pPr lvl="0" algn="ctr" defTabSz="1022350" rtl="0">
+            <a:lnSpc>
+              <a:spcPct val="90000"/>
+            </a:lnSpc>
+            <a:spcBef>
+              <a:spcPct val="0"/>
+            </a:spcBef>
+            <a:spcAft>
+              <a:spcPct val="35000"/>
+            </a:spcAft>
+          </a:pPr>
+          <a:r>
+            <a:rPr lang="ru-RU" sz="2300" kern="1200" dirty="0" smtClean="0"/>
+            <a:t>«</a:t>
+          </a:r>
+          <a:r>
+            <a:rPr lang="en-US" sz="2300" kern="1200" dirty="0" smtClean="0"/>
+            <a:t>Native</a:t>
+          </a:r>
+          <a:r>
+            <a:rPr lang="ru-RU" sz="2300" kern="1200" dirty="0" smtClean="0"/>
+            <a:t>»</a:t>
+          </a:r>
+          <a:r>
+            <a:rPr lang="en-US" sz="2300" kern="1200" dirty="0" smtClean="0"/>
+            <a:t> </a:t>
+          </a:r>
+          <a:r>
+            <a:rPr lang="en-US" sz="2300" kern="1200" dirty="0" err="1" smtClean="0"/>
+            <a:t>.Net</a:t>
+          </a:r>
+          <a:r>
+            <a:rPr lang="en-US" sz="2300" kern="1200" dirty="0" smtClean="0"/>
+            <a:t> lib</a:t>
+          </a:r>
+          <a:endParaRPr lang="ru-RU" sz="2300" kern="1200" dirty="0"/>
+        </a:p>
+      </dsp:txBody>
+      <dsp:txXfrm>
+        <a:off x="2785029" y="0"/>
+        <a:ext cx="2589798" cy="1162373"/>
+      </dsp:txXfrm>
+    </dsp:sp>
+    <dsp:sp modelId="{A24824F3-0FE3-4974-A5B5-2A3016C21913}">
+      <dsp:nvSpPr>
+        <dsp:cNvPr id="0" name=""/>
+        <dsp:cNvSpPr/>
+      </dsp:nvSpPr>
+      <dsp:spPr>
+        <a:xfrm>
+          <a:off x="3044009" y="1163508"/>
+          <a:ext cx="2071838" cy="1168237"/>
+        </a:xfrm>
+        <a:prstGeom prst="roundRect">
+          <a:avLst>
+            <a:gd name="adj" fmla="val 10000"/>
+          </a:avLst>
+        </a:prstGeom>
+        <a:gradFill rotWithShape="0">
+          <a:gsLst>
+            <a:gs pos="0">
+              <a:schemeClr val="accent3">
+                <a:hueOff val="1128729"/>
+                <a:satOff val="1158"/>
+                <a:lumOff val="1503"/>
+                <a:alphaOff val="0"/>
+                <a:lumMod val="110000"/>
+                <a:satMod val="105000"/>
+                <a:tint val="67000"/>
+              </a:schemeClr>
+            </a:gs>
+            <a:gs pos="50000">
+              <a:schemeClr val="accent3">
+                <a:hueOff val="1128729"/>
+                <a:satOff val="1158"/>
+                <a:lumOff val="1503"/>
+                <a:alphaOff val="0"/>
+                <a:lumMod val="105000"/>
+                <a:satMod val="103000"/>
+                <a:tint val="73000"/>
+              </a:schemeClr>
+            </a:gs>
+            <a:gs pos="100000">
+              <a:schemeClr val="accent3">
+                <a:hueOff val="1128729"/>
+                <a:satOff val="1158"/>
+                <a:lumOff val="1503"/>
+                <a:alphaOff val="0"/>
+                <a:lumMod val="105000"/>
+                <a:satMod val="109000"/>
+                <a:tint val="81000"/>
+              </a:schemeClr>
+            </a:gs>
+          </a:gsLst>
+          <a:lin ang="5400000" scaled="0"/>
+        </a:gradFill>
+        <a:ln>
+          <a:noFill/>
+        </a:ln>
+        <a:effectLst/>
+        <a:scene3d>
+          <a:camera prst="orthographicFront"/>
+          <a:lightRig rig="flat" dir="t"/>
+        </a:scene3d>
+        <a:sp3d prstMaterial="dkEdge">
+          <a:bevelT w="8200" h="38100"/>
+        </a:sp3d>
+      </dsp:spPr>
+      <dsp:style>
+        <a:lnRef idx="0">
+          <a:scrgbClr r="0" g="0" b="0"/>
+        </a:lnRef>
+        <a:fillRef idx="2">
+          <a:scrgbClr r="0" g="0" b="0"/>
+        </a:fillRef>
+        <a:effectRef idx="1">
+          <a:scrgbClr r="0" g="0" b="0"/>
+        </a:effectRef>
+        <a:fontRef idx="minor">
+          <a:schemeClr val="dk1"/>
+        </a:fontRef>
+      </dsp:style>
+      <dsp:txBody>
+        <a:bodyPr spcFirstLastPara="0" vert="horz" wrap="square" lIns="88900" tIns="66675" rIns="88900" bIns="66675" numCol="1" spcCol="1270" anchor="ctr" anchorCtr="0">
+          <a:noAutofit/>
+        </a:bodyPr>
+        <a:lstStyle/>
+        <a:p>
+          <a:pPr lvl="0" algn="ctr" defTabSz="1555750" rtl="0">
+            <a:lnSpc>
+              <a:spcPct val="90000"/>
+            </a:lnSpc>
+            <a:spcBef>
+              <a:spcPct val="0"/>
+            </a:spcBef>
+            <a:spcAft>
+              <a:spcPct val="35000"/>
+            </a:spcAft>
+          </a:pPr>
+          <a:r>
+            <a:rPr lang="en-US" sz="3500" kern="1200" dirty="0" smtClean="0"/>
+            <a:t>Avalonia</a:t>
+          </a:r>
+          <a:endParaRPr lang="ru-RU" sz="3500" kern="1200" dirty="0"/>
+        </a:p>
+      </dsp:txBody>
+      <dsp:txXfrm>
+        <a:off x="3078225" y="1197724"/>
+        <a:ext cx="2003406" cy="1099805"/>
+      </dsp:txXfrm>
+    </dsp:sp>
+    <dsp:sp modelId="{2B3C0B48-3E20-4E41-86B8-5C0C374ADBFE}">
+      <dsp:nvSpPr>
+        <dsp:cNvPr id="0" name=""/>
+        <dsp:cNvSpPr/>
+      </dsp:nvSpPr>
+      <dsp:spPr>
+        <a:xfrm>
+          <a:off x="3044009" y="2511475"/>
+          <a:ext cx="2071838" cy="1168237"/>
+        </a:xfrm>
+        <a:prstGeom prst="roundRect">
+          <a:avLst>
+            <a:gd name="adj" fmla="val 10000"/>
+          </a:avLst>
+        </a:prstGeom>
+        <a:gradFill rotWithShape="0">
+          <a:gsLst>
+            <a:gs pos="0">
+              <a:schemeClr val="accent3">
+                <a:hueOff val="1693094"/>
+                <a:satOff val="1737"/>
+                <a:lumOff val="2255"/>
+                <a:alphaOff val="0"/>
+                <a:lumMod val="110000"/>
+                <a:satMod val="105000"/>
+                <a:tint val="67000"/>
+              </a:schemeClr>
+            </a:gs>
+            <a:gs pos="50000">
+              <a:schemeClr val="accent3">
+                <a:hueOff val="1693094"/>
+                <a:satOff val="1737"/>
+                <a:lumOff val="2255"/>
+                <a:alphaOff val="0"/>
+                <a:lumMod val="105000"/>
+                <a:satMod val="103000"/>
+                <a:tint val="73000"/>
+              </a:schemeClr>
+            </a:gs>
+            <a:gs pos="100000">
+              <a:schemeClr val="accent3">
+                <a:hueOff val="1693094"/>
+                <a:satOff val="1737"/>
+                <a:lumOff val="2255"/>
+                <a:alphaOff val="0"/>
+                <a:lumMod val="105000"/>
+                <a:satMod val="109000"/>
+                <a:tint val="81000"/>
+              </a:schemeClr>
+            </a:gs>
+          </a:gsLst>
+          <a:lin ang="5400000" scaled="0"/>
+        </a:gradFill>
+        <a:ln>
+          <a:noFill/>
+        </a:ln>
+        <a:effectLst/>
+        <a:scene3d>
+          <a:camera prst="orthographicFront"/>
+          <a:lightRig rig="flat" dir="t"/>
+        </a:scene3d>
+        <a:sp3d prstMaterial="dkEdge">
+          <a:bevelT w="8200" h="38100"/>
+        </a:sp3d>
+      </dsp:spPr>
+      <dsp:style>
+        <a:lnRef idx="0">
+          <a:scrgbClr r="0" g="0" b="0"/>
+        </a:lnRef>
+        <a:fillRef idx="2">
+          <a:scrgbClr r="0" g="0" b="0"/>
+        </a:fillRef>
+        <a:effectRef idx="1">
+          <a:scrgbClr r="0" g="0" b="0"/>
+        </a:effectRef>
+        <a:fontRef idx="minor">
+          <a:schemeClr val="dk1"/>
+        </a:fontRef>
+      </dsp:style>
+      <dsp:txBody>
+        <a:bodyPr spcFirstLastPara="0" vert="horz" wrap="square" lIns="88900" tIns="66675" rIns="88900" bIns="66675" numCol="1" spcCol="1270" anchor="ctr" anchorCtr="0">
+          <a:noAutofit/>
+        </a:bodyPr>
+        <a:lstStyle/>
+        <a:p>
+          <a:pPr lvl="0" algn="ctr" defTabSz="1555750" rtl="0">
+            <a:lnSpc>
+              <a:spcPct val="90000"/>
+            </a:lnSpc>
+            <a:spcBef>
+              <a:spcPct val="0"/>
+            </a:spcBef>
+            <a:spcAft>
+              <a:spcPct val="35000"/>
+            </a:spcAft>
+          </a:pPr>
+          <a:r>
+            <a:rPr lang="en-US" sz="3500" kern="1200" dirty="0" err="1" smtClean="0"/>
+            <a:t>Eto.Forms</a:t>
+          </a:r>
+          <a:endParaRPr lang="ru-RU" sz="3500" kern="1200" dirty="0"/>
+        </a:p>
+      </dsp:txBody>
+      <dsp:txXfrm>
+        <a:off x="3078225" y="2545691"/>
+        <a:ext cx="2003406" cy="1099805"/>
+      </dsp:txXfrm>
+    </dsp:sp>
+    <dsp:sp modelId="{259F6827-923B-46D9-B8A3-15FA33F5891A}">
+      <dsp:nvSpPr>
+        <dsp:cNvPr id="0" name=""/>
+        <dsp:cNvSpPr/>
+      </dsp:nvSpPr>
+      <dsp:spPr>
+        <a:xfrm>
+          <a:off x="5569063" y="0"/>
+          <a:ext cx="2589798" cy="3874577"/>
+        </a:xfrm>
+        <a:prstGeom prst="roundRect">
+          <a:avLst>
+            <a:gd name="adj" fmla="val 10000"/>
+          </a:avLst>
+        </a:prstGeom>
+        <a:solidFill>
+          <a:schemeClr val="accent3">
+            <a:tint val="40000"/>
+            <a:hueOff val="0"/>
+            <a:satOff val="0"/>
+            <a:lumOff val="0"/>
+            <a:alphaOff val="0"/>
+          </a:schemeClr>
+        </a:solidFill>
+        <a:ln>
+          <a:noFill/>
+        </a:ln>
+        <a:effectLst/>
+      </dsp:spPr>
+      <dsp:style>
+        <a:lnRef idx="0">
+          <a:scrgbClr r="0" g="0" b="0"/>
+        </a:lnRef>
+        <a:fillRef idx="1">
+          <a:scrgbClr r="0" g="0" b="0"/>
+        </a:fillRef>
+        <a:effectRef idx="1">
+          <a:scrgbClr r="0" g="0" b="0"/>
+        </a:effectRef>
+        <a:fontRef idx="minor"/>
+      </dsp:style>
+      <dsp:txBody>
+        <a:bodyPr spcFirstLastPara="0" vert="horz" wrap="square" lIns="87630" tIns="87630" rIns="87630" bIns="87630" numCol="1" spcCol="1270" anchor="ctr" anchorCtr="0">
+          <a:noAutofit/>
+        </a:bodyPr>
+        <a:lstStyle/>
+        <a:p>
+          <a:pPr lvl="0" algn="ctr" defTabSz="1022350" rtl="0">
+            <a:lnSpc>
+              <a:spcPct val="90000"/>
+            </a:lnSpc>
+            <a:spcBef>
+              <a:spcPct val="0"/>
+            </a:spcBef>
+            <a:spcAft>
+              <a:spcPct val="35000"/>
+            </a:spcAft>
+          </a:pPr>
+          <a:r>
+            <a:rPr lang="en-US" sz="2300" kern="1200" dirty="0" smtClean="0"/>
+            <a:t>HTML/CSS-based render</a:t>
+          </a:r>
+          <a:endParaRPr lang="ru-RU" sz="2300" kern="1200" dirty="0"/>
+        </a:p>
+      </dsp:txBody>
+      <dsp:txXfrm>
+        <a:off x="5569063" y="0"/>
+        <a:ext cx="2589798" cy="1162373"/>
+      </dsp:txXfrm>
+    </dsp:sp>
+    <dsp:sp modelId="{D47DADFC-4944-4BCF-ABF7-D4CD710231E9}">
+      <dsp:nvSpPr>
+        <dsp:cNvPr id="0" name=""/>
+        <dsp:cNvSpPr/>
+      </dsp:nvSpPr>
+      <dsp:spPr>
+        <a:xfrm>
+          <a:off x="5828043" y="1162704"/>
+          <a:ext cx="2071838" cy="761199"/>
+        </a:xfrm>
+        <a:prstGeom prst="roundRect">
+          <a:avLst>
+            <a:gd name="adj" fmla="val 10000"/>
+          </a:avLst>
+        </a:prstGeom>
+        <a:gradFill rotWithShape="0">
+          <a:gsLst>
+            <a:gs pos="0">
+              <a:schemeClr val="accent3">
+                <a:hueOff val="2257458"/>
+                <a:satOff val="2316"/>
+                <a:lumOff val="3007"/>
+                <a:alphaOff val="0"/>
+                <a:lumMod val="110000"/>
+                <a:satMod val="105000"/>
+                <a:tint val="67000"/>
+              </a:schemeClr>
+            </a:gs>
+            <a:gs pos="50000">
+              <a:schemeClr val="accent3">
+                <a:hueOff val="2257458"/>
+                <a:satOff val="2316"/>
+                <a:lumOff val="3007"/>
+                <a:alphaOff val="0"/>
+                <a:lumMod val="105000"/>
+                <a:satMod val="103000"/>
+                <a:tint val="73000"/>
+              </a:schemeClr>
+            </a:gs>
+            <a:gs pos="100000">
+              <a:schemeClr val="accent3">
+                <a:hueOff val="2257458"/>
+                <a:satOff val="2316"/>
+                <a:lumOff val="3007"/>
+                <a:alphaOff val="0"/>
+                <a:lumMod val="105000"/>
+                <a:satMod val="109000"/>
+                <a:tint val="81000"/>
+              </a:schemeClr>
+            </a:gs>
+          </a:gsLst>
+          <a:lin ang="5400000" scaled="0"/>
+        </a:gradFill>
+        <a:ln>
+          <a:noFill/>
+        </a:ln>
+        <a:effectLst/>
+        <a:scene3d>
+          <a:camera prst="orthographicFront"/>
+          <a:lightRig rig="flat" dir="t"/>
+        </a:scene3d>
+        <a:sp3d prstMaterial="dkEdge">
+          <a:bevelT w="8200" h="38100"/>
+        </a:sp3d>
+      </dsp:spPr>
+      <dsp:style>
+        <a:lnRef idx="0">
+          <a:scrgbClr r="0" g="0" b="0"/>
+        </a:lnRef>
+        <a:fillRef idx="2">
+          <a:scrgbClr r="0" g="0" b="0"/>
+        </a:fillRef>
+        <a:effectRef idx="1">
+          <a:scrgbClr r="0" g="0" b="0"/>
+        </a:effectRef>
+        <a:fontRef idx="minor">
+          <a:schemeClr val="dk1"/>
+        </a:fontRef>
+      </dsp:style>
+      <dsp:txBody>
+        <a:bodyPr spcFirstLastPara="0" vert="horz" wrap="square" lIns="88900" tIns="66675" rIns="88900" bIns="66675" numCol="1" spcCol="1270" anchor="ctr" anchorCtr="0">
+          <a:noAutofit/>
+        </a:bodyPr>
+        <a:lstStyle/>
+        <a:p>
+          <a:pPr lvl="0" algn="ctr" defTabSz="1555750" rtl="0">
+            <a:lnSpc>
+              <a:spcPct val="90000"/>
+            </a:lnSpc>
+            <a:spcBef>
+              <a:spcPct val="0"/>
+            </a:spcBef>
+            <a:spcAft>
+              <a:spcPct val="35000"/>
+            </a:spcAft>
+          </a:pPr>
+          <a:r>
+            <a:rPr lang="en-US" sz="3500" kern="1200" dirty="0" smtClean="0"/>
+            <a:t>CEF</a:t>
+          </a:r>
+          <a:endParaRPr lang="ru-RU" sz="3500" kern="1200" dirty="0"/>
+        </a:p>
+      </dsp:txBody>
+      <dsp:txXfrm>
+        <a:off x="5850338" y="1184999"/>
+        <a:ext cx="2027248" cy="716609"/>
+      </dsp:txXfrm>
+    </dsp:sp>
+    <dsp:sp modelId="{BA4C0D9A-A243-4B82-8D2D-E1EB1A725FAF}">
+      <dsp:nvSpPr>
+        <dsp:cNvPr id="0" name=""/>
+        <dsp:cNvSpPr/>
+      </dsp:nvSpPr>
+      <dsp:spPr>
+        <a:xfrm>
+          <a:off x="5828043" y="2041011"/>
+          <a:ext cx="2071838" cy="761199"/>
+        </a:xfrm>
+        <a:prstGeom prst="roundRect">
+          <a:avLst>
+            <a:gd name="adj" fmla="val 10000"/>
+          </a:avLst>
+        </a:prstGeom>
+        <a:gradFill rotWithShape="0">
+          <a:gsLst>
+            <a:gs pos="0">
+              <a:schemeClr val="accent3">
+                <a:hueOff val="2821823"/>
+                <a:satOff val="2895"/>
+                <a:lumOff val="3758"/>
+                <a:alphaOff val="0"/>
+                <a:lumMod val="110000"/>
+                <a:satMod val="105000"/>
+                <a:tint val="67000"/>
+              </a:schemeClr>
+            </a:gs>
+            <a:gs pos="50000">
+              <a:schemeClr val="accent3">
+                <a:hueOff val="2821823"/>
+                <a:satOff val="2895"/>
+                <a:lumOff val="3758"/>
+                <a:alphaOff val="0"/>
+                <a:lumMod val="105000"/>
+                <a:satMod val="103000"/>
+                <a:tint val="73000"/>
+              </a:schemeClr>
+            </a:gs>
+            <a:gs pos="100000">
+              <a:schemeClr val="accent3">
+                <a:hueOff val="2821823"/>
+                <a:satOff val="2895"/>
+                <a:lumOff val="3758"/>
+                <a:alphaOff val="0"/>
+                <a:lumMod val="105000"/>
+                <a:satMod val="109000"/>
+                <a:tint val="81000"/>
+              </a:schemeClr>
+            </a:gs>
+          </a:gsLst>
+          <a:lin ang="5400000" scaled="0"/>
+        </a:gradFill>
+        <a:ln>
+          <a:noFill/>
+        </a:ln>
+        <a:effectLst/>
+        <a:scene3d>
+          <a:camera prst="orthographicFront"/>
+          <a:lightRig rig="flat" dir="t"/>
+        </a:scene3d>
+        <a:sp3d prstMaterial="dkEdge">
+          <a:bevelT w="8200" h="38100"/>
+        </a:sp3d>
+      </dsp:spPr>
+      <dsp:style>
+        <a:lnRef idx="0">
+          <a:scrgbClr r="0" g="0" b="0"/>
+        </a:lnRef>
+        <a:fillRef idx="2">
+          <a:scrgbClr r="0" g="0" b="0"/>
+        </a:fillRef>
+        <a:effectRef idx="1">
+          <a:scrgbClr r="0" g="0" b="0"/>
+        </a:effectRef>
+        <a:fontRef idx="minor">
+          <a:schemeClr val="dk1"/>
+        </a:fontRef>
+      </dsp:style>
+      <dsp:txBody>
+        <a:bodyPr spcFirstLastPara="0" vert="horz" wrap="square" lIns="88900" tIns="66675" rIns="88900" bIns="66675" numCol="1" spcCol="1270" anchor="ctr" anchorCtr="0">
+          <a:noAutofit/>
+        </a:bodyPr>
+        <a:lstStyle/>
+        <a:p>
+          <a:pPr lvl="0" algn="ctr" defTabSz="1555750" rtl="0">
+            <a:lnSpc>
+              <a:spcPct val="90000"/>
+            </a:lnSpc>
+            <a:spcBef>
+              <a:spcPct val="0"/>
+            </a:spcBef>
+            <a:spcAft>
+              <a:spcPct val="35000"/>
+            </a:spcAft>
+          </a:pPr>
+          <a:r>
+            <a:rPr lang="en-US" sz="3500" kern="1200" dirty="0" smtClean="0"/>
+            <a:t>Electron</a:t>
+          </a:r>
+          <a:endParaRPr lang="ru-RU" sz="3500" kern="1200" dirty="0"/>
+        </a:p>
+      </dsp:txBody>
+      <dsp:txXfrm>
+        <a:off x="5850338" y="2063306"/>
+        <a:ext cx="2027248" cy="716609"/>
+      </dsp:txXfrm>
+    </dsp:sp>
+    <dsp:sp modelId="{EA6E47CD-3FAB-4CB4-AA5D-D7C422681E75}">
+      <dsp:nvSpPr>
+        <dsp:cNvPr id="0" name=""/>
+        <dsp:cNvSpPr/>
+      </dsp:nvSpPr>
+      <dsp:spPr>
+        <a:xfrm>
+          <a:off x="5828043" y="2919317"/>
+          <a:ext cx="2071838" cy="761199"/>
+        </a:xfrm>
+        <a:prstGeom prst="roundRect">
+          <a:avLst>
+            <a:gd name="adj" fmla="val 10000"/>
+          </a:avLst>
+        </a:prstGeom>
+        <a:gradFill rotWithShape="0">
+          <a:gsLst>
+            <a:gs pos="0">
+              <a:schemeClr val="accent3">
+                <a:hueOff val="3386187"/>
+                <a:satOff val="3474"/>
+                <a:lumOff val="4510"/>
+                <a:alphaOff val="0"/>
+                <a:lumMod val="110000"/>
+                <a:satMod val="105000"/>
+                <a:tint val="67000"/>
+              </a:schemeClr>
+            </a:gs>
+            <a:gs pos="50000">
+              <a:schemeClr val="accent3">
+                <a:hueOff val="3386187"/>
+                <a:satOff val="3474"/>
+                <a:lumOff val="4510"/>
+                <a:alphaOff val="0"/>
+                <a:lumMod val="105000"/>
+                <a:satMod val="103000"/>
+                <a:tint val="73000"/>
+              </a:schemeClr>
+            </a:gs>
+            <a:gs pos="100000">
+              <a:schemeClr val="accent3">
+                <a:hueOff val="3386187"/>
+                <a:satOff val="3474"/>
+                <a:lumOff val="4510"/>
+                <a:alphaOff val="0"/>
+                <a:lumMod val="105000"/>
+                <a:satMod val="109000"/>
+                <a:tint val="81000"/>
+              </a:schemeClr>
+            </a:gs>
+          </a:gsLst>
+          <a:lin ang="5400000" scaled="0"/>
+        </a:gradFill>
+        <a:ln>
+          <a:noFill/>
+        </a:ln>
+        <a:effectLst/>
+        <a:scene3d>
+          <a:camera prst="orthographicFront"/>
+          <a:lightRig rig="flat" dir="t"/>
+        </a:scene3d>
+        <a:sp3d prstMaterial="dkEdge">
+          <a:bevelT w="8200" h="38100"/>
+        </a:sp3d>
+      </dsp:spPr>
+      <dsp:style>
+        <a:lnRef idx="0">
+          <a:scrgbClr r="0" g="0" b="0"/>
+        </a:lnRef>
+        <a:fillRef idx="2">
+          <a:scrgbClr r="0" g="0" b="0"/>
+        </a:fillRef>
+        <a:effectRef idx="1">
+          <a:scrgbClr r="0" g="0" b="0"/>
+        </a:effectRef>
+        <a:fontRef idx="minor">
+          <a:schemeClr val="dk1"/>
+        </a:fontRef>
+      </dsp:style>
+      <dsp:txBody>
+        <a:bodyPr spcFirstLastPara="0" vert="horz" wrap="square" lIns="88900" tIns="66675" rIns="88900" bIns="66675" numCol="1" spcCol="1270" anchor="ctr" anchorCtr="0">
+          <a:noAutofit/>
+        </a:bodyPr>
+        <a:lstStyle/>
+        <a:p>
+          <a:pPr lvl="0" algn="ctr" defTabSz="1555750" rtl="0">
+            <a:lnSpc>
+              <a:spcPct val="90000"/>
+            </a:lnSpc>
+            <a:spcBef>
+              <a:spcPct val="0"/>
+            </a:spcBef>
+            <a:spcAft>
+              <a:spcPct val="35000"/>
+            </a:spcAft>
+          </a:pPr>
+          <a:r>
+            <a:rPr lang="en-US" sz="3500" kern="1200" smtClean="0"/>
+            <a:t>Sciter</a:t>
+          </a:r>
+          <a:endParaRPr lang="ru-RU" sz="3500" kern="1200" dirty="0"/>
+        </a:p>
+      </dsp:txBody>
+      <dsp:txXfrm>
+        <a:off x="5850338" y="2941612"/>
+        <a:ext cx="2027248" cy="716609"/>
+      </dsp:txXfrm>
+    </dsp:sp>
+  </dsp:spTree>
+</dsp:drawing>
+</file>
+
+<file path=ppt/diagrams/layout1.xml><?xml version="1.0" encoding="utf-8"?>
+<dgm:layoutDef xmlns:dgm="http://schemas.openxmlformats.org/drawingml/2006/diagram" xmlns:a="http://schemas.openxmlformats.org/drawingml/2006/main" uniqueId="urn:microsoft.com/office/officeart/2005/8/layout/lProcess2">
+  <dgm:title val=""/>
+  <dgm:desc val=""/>
+  <dgm:catLst>
+    <dgm:cat type="list" pri="10000"/>
+    <dgm:cat type="relationship" pri="13000"/>
+  </dgm:catLst>
+  <dgm:sampData>
+    <dgm:dataModel>
+      <dgm:ptLst>
+        <dgm:pt modelId="0" type="doc"/>
+        <dgm:pt modelId="1">
+          <dgm:prSet phldr="1"/>
+        </dgm:pt>
+        <dgm:pt modelId="11">
+          <dgm:prSet phldr="1"/>
+        </dgm:pt>
+        <dgm:pt modelId="12">
+          <dgm:prSet phldr="1"/>
+        </dgm:pt>
+        <dgm:pt modelId="2">
+          <dgm:prSet phldr="1"/>
+        </dgm:pt>
+        <dgm:pt modelId="21">
+          <dgm:prSet phldr="1"/>
+        </dgm:pt>
+        <dgm:pt modelId="22">
+          <dgm:prSet phldr="1"/>
+        </dgm:pt>
+        <dgm:pt modelId="3">
+          <dgm:prSet phldr="1"/>
+        </dgm:pt>
+        <dgm:pt modelId="31">
+          <dgm:prSet phldr="1"/>
+        </dgm:pt>
+        <dgm:pt modelId="32">
+          <dgm:prSet phldr="1"/>
+        </dgm:pt>
+      </dgm:ptLst>
+      <dgm:cxnLst>
+        <dgm:cxn modelId="4" srcId="0" destId="1" srcOrd="0" destOrd="0"/>
+        <dgm:cxn modelId="5" srcId="0" destId="2" srcOrd="1" destOrd="0"/>
+        <dgm:cxn modelId="13" srcId="1" destId="11" srcOrd="0" destOrd="0"/>
+        <dgm:cxn modelId="14" srcId="1" destId="12" srcOrd="0" destOrd="0"/>
+        <dgm:cxn modelId="23" srcId="2" destId="21" srcOrd="0" destOrd="0"/>
+        <dgm:cxn modelId="24" srcId="2" destId="22" srcOrd="0" destOrd="0"/>
+        <dgm:cxn modelId="33" srcId="3" destId="31" srcOrd="0" destOrd="0"/>
+        <dgm:cxn modelId="34" srcId="3" destId="32" srcOrd="0" destOrd="0"/>
+      </dgm:cxnLst>
+      <dgm:bg/>
+      <dgm:whole/>
+    </dgm:dataModel>
+  </dgm:sampData>
+  <dgm:styleData useDef="1">
+    <dgm:dataModel>
+      <dgm:ptLst/>
+      <dgm:bg/>
+      <dgm:whole/>
+    </dgm:dataModel>
+  </dgm:styleData>
+  <dgm:clrData useDef="1">
+    <dgm:dataModel>
+      <dgm:ptLst/>
+      <dgm:bg/>
+      <dgm:whole/>
+    </dgm:dataModel>
+  </dgm:clrData>
+  <dgm:layoutNode name="theList">
+    <dgm:varLst>
+      <dgm:dir/>
+      <dgm:animLvl val="lvl"/>
+      <dgm:resizeHandles val="exact"/>
+    </dgm:varLst>
+    <dgm:choose name="Name0">
+      <dgm:if name="Name1" func="var" arg="dir" op="equ" val="norm">
+        <dgm:alg type="lin"/>
+      </dgm:if>
+      <dgm:else name="Name2">
+        <dgm:alg type="lin">
+          <dgm:param type="linDir" val="fromR"/>
+        </dgm:alg>
+      </dgm:else>
+    </dgm:choose>
+    <dgm:shape xmlns:r="http://schemas.openxmlformats.org/officeDocument/2006/relationships" r:blip="">
+      <dgm:adjLst/>
+    </dgm:shape>
+    <dgm:presOf/>
+    <dgm:constrLst>
+      <dgm:constr type="w" for="ch" forName="compNode" refType="w"/>
+      <dgm:constr type="h" for="ch" forName="compNode" refType="h"/>
+      <dgm:constr type="w" for="ch" forName="aSpace" refType="w" fact="0.075"/>
+      <dgm:constr type="h" for="des" forName="aSpace2" refType="h" fact="0.1"/>
+      <dgm:constr type="primFontSz" for="des" forName="textNode" op="equ"/>
+      <dgm:constr type="primFontSz" for="des" forName="childNode" op="equ"/>
+    </dgm:constrLst>
+    <dgm:ruleLst/>
+    <dgm:forEach name="aNodeForEach" axis="ch" ptType="node">
+      <dgm:layoutNode name="compNode">
+        <dgm:alg type="composite"/>
+        <dgm:shape xmlns:r="http://schemas.openxmlformats.org/officeDocument/2006/relationships" r:blip="">
+          <dgm:adjLst/>
+        </dgm:shape>
+        <dgm:presOf/>
+        <dgm:constrLst>
+          <dgm:constr type="w" for="ch" forName="aNode" refType="w"/>
+          <dgm:constr type="h" for="ch" forName="aNode" refType="h"/>
+          <dgm:constr type="w" for="ch" forName="textNode" refType="w"/>
+          <dgm:constr type="h" for="ch" forName="textNode" refType="h" fact="0.3"/>
+          <dgm:constr type="ctrX" for="ch" forName="textNode" refType="w" fact="0.5"/>
+          <dgm:constr type="w" for="ch" forName="compChildNode" refType="w" fact="0.8"/>
+          <dgm:constr type="h" for="ch" forName="compChildNode" refType="h" fact="0.65"/>
+          <dgm:constr type="t" for="ch" forName="compChildNode" refType="h" fact="0.3"/>
+          <dgm:constr type="ctrX" for="ch" forName="compChildNode" refType="w" fact="0.5"/>
+        </dgm:constrLst>
+        <dgm:ruleLst/>
+        <dgm:layoutNode name="aNode" styleLbl="bgShp">
+          <dgm:alg type="sp"/>
+          <dgm:shape xmlns:r="http://schemas.openxmlformats.org/officeDocument/2006/relationships" type="roundRect" r:blip="">
+            <dgm:adjLst>
+              <dgm:adj idx="1" val="0.1"/>
+            </dgm:adjLst>
+          </dgm:shape>
+          <dgm:presOf axis="self"/>
+          <dgm:constrLst/>
+          <dgm:ruleLst/>
+        </dgm:layoutNode>
+        <dgm:layoutNode name="textNode" styleLbl="bgShp">
+          <dgm:alg type="tx"/>
+          <dgm:shape xmlns:r="http://schemas.openxmlformats.org/officeDocument/2006/relationships" type="rect" r:blip="" hideGeom="1">
+            <dgm:adjLst>
+              <dgm:adj idx="1" val="0.1"/>
+            </dgm:adjLst>
+          </dgm:shape>
+          <dgm:presOf axis="self"/>
+          <dgm:constrLst>
+            <dgm:constr type="primFontSz" val="65"/>
+            <dgm:constr type="lMarg" refType="primFontSz" fact="0.3"/>
+            <dgm:constr type="rMarg" refType="primFontSz" fact="0.3"/>
+            <dgm:constr type="tMarg" refType="primFontSz" fact="0.3"/>
+            <dgm:constr type="bMarg" refType="primFontSz" fact="0.3"/>
+          </dgm:constrLst>
+          <dgm:ruleLst>
+            <dgm:rule type="primFontSz" val="5" fact="NaN" max="NaN"/>
+          </dgm:ruleLst>
+        </dgm:layoutNode>
+        <dgm:layoutNode name="compChildNode">
+          <dgm:alg type="composite"/>
+          <dgm:shape xmlns:r="http://schemas.openxmlformats.org/officeDocument/2006/relationships" r:blip="">
+            <dgm:adjLst/>
+          </dgm:shape>
+          <dgm:presOf/>
+          <dgm:constrLst>
+            <dgm:constr type="w" for="des" forName="childNode" refType="w"/>
+            <dgm:constr type="h" for="des" forName="childNode" refType="h"/>
+          </dgm:constrLst>
+          <dgm:ruleLst/>
+          <dgm:layoutNode name="theInnerList">
+            <dgm:alg type="lin">
+              <dgm:param type="linDir" val="fromT"/>
+            </dgm:alg>
+            <dgm:shape xmlns:r="http://schemas.openxmlformats.org/officeDocument/2006/relationships" r:blip="">
+              <dgm:adjLst/>
+            </dgm:shape>
+            <dgm:presOf/>
+            <dgm:constrLst/>
+            <dgm:ruleLst/>
+            <dgm:forEach name="childNodeForEach" axis="ch" ptType="node">
+              <dgm:layoutNode name="childNode" styleLbl="node1">
+                <dgm:varLst>
+                  <dgm:bulletEnabled val="1"/>
+                </dgm:varLst>
+                <dgm:alg type="tx"/>
+                <dgm:shape xmlns:r="http://schemas.openxmlformats.org/officeDocument/2006/relationships" type="roundRect" r:blip="">
+                  <dgm:adjLst>
+                    <dgm:adj idx="1" val="0.1"/>
+                  </dgm:adjLst>
+                </dgm:shape>
+                <dgm:presOf axis="desOrSelf" ptType="node"/>
+                <dgm:constrLst>
+                  <dgm:constr type="primFontSz" val="65"/>
+                  <dgm:constr type="tMarg" refType="primFontSz" fact="0.15"/>
+                  <dgm:constr type="bMarg" refType="primFontSz" fact="0.15"/>
+                  <dgm:constr type="lMarg" refType="primFontSz" fact="0.2"/>
+                  <dgm:constr type="rMarg" refType="primFontSz" fact="0.2"/>
+                </dgm:constrLst>
+                <dgm:ruleLst>
+                  <dgm:rule type="primFontSz" val="5" fact="NaN" max="NaN"/>
+                </dgm:ruleLst>
+              </dgm:layoutNode>
+              <dgm:choose name="Name3">
+                <dgm:if name="Name4" axis="self" ptType="node" func="revPos" op="equ" val="1"/>
+                <dgm:else name="Name5">
+                  <dgm:layoutNode name="aSpace2">
+                    <dgm:alg type="sp"/>
+                    <dgm:shape xmlns:r="http://schemas.openxmlformats.org/officeDocument/2006/relationships" r:blip="">
+                      <dgm:adjLst/>
+                    </dgm:shape>
+                    <dgm:presOf/>
+                    <dgm:constrLst/>
+                    <dgm:ruleLst/>
+                  </dgm:layoutNode>
+                </dgm:else>
+              </dgm:choose>
+            </dgm:forEach>
+          </dgm:layoutNode>
+        </dgm:layoutNode>
+      </dgm:layoutNode>
+      <dgm:choose name="Name6">
+        <dgm:if name="Name7" axis="self" ptType="node" func="revPos" op="equ" val="1"/>
+        <dgm:else name="Name8">
+          <dgm:layoutNode name="aSpace">
+            <dgm:alg type="sp"/>
+            <dgm:shape xmlns:r="http://schemas.openxmlformats.org/officeDocument/2006/relationships" r:blip="">
+              <dgm:adjLst/>
+            </dgm:shape>
+            <dgm:presOf/>
+            <dgm:constrLst/>
+            <dgm:ruleLst/>
+          </dgm:layoutNode>
+        </dgm:else>
+      </dgm:choose>
+    </dgm:forEach>
+  </dgm:layoutNode>
+</dgm:layoutDef>
+</file>
+
+<file path=ppt/diagrams/quickStyle1.xml><?xml version="1.0" encoding="utf-8"?>
+<dgm:styleDef xmlns:dgm="http://schemas.openxmlformats.org/drawingml/2006/diagram" xmlns:a="http://schemas.openxmlformats.org/drawingml/2006/main" uniqueId="urn:microsoft.com/office/officeart/2005/8/quickstyle/simple3">
+  <dgm:title val=""/>
+  <dgm:desc val=""/>
+  <dgm:catLst>
+    <dgm:cat type="simple" pri="10300"/>
+  </dgm:catLst>
+  <dgm:scene3d>
+    <a:camera prst="orthographicFront"/>
+    <a:lightRig rig="threePt" dir="t"/>
+  </dgm:scene3d>
+  <dgm:styleLbl name="node0">
+    <dgm:scene3d>
+      <a:camera prst="orthographicFront"/>
+      <a:lightRig rig="flat" dir="t"/>
+    </dgm:scene3d>
+    <dgm:sp3d prstMaterial="dkEdge">
+      <a:bevelT w="8200" h="38100"/>
+    </dgm:sp3d>
+    <dgm:txPr/>
+    <dgm:style>
+      <a:lnRef idx="0">
+        <a:scrgbClr r="0" g="0" b="0"/>
+      </a:lnRef>
+      <a:fillRef idx="2">
+        <a:scrgbClr r="0" g="0" b="0"/>
+      </a:fillRef>
+      <a:effectRef idx="1">
+        <a:scrgbClr r="0" g="0" b="0"/>
+      </a:effectRef>
+      <a:fontRef idx="minor">
+        <a:schemeClr val="dk1"/>
+      </a:fontRef>
+    </dgm:style>
+  </dgm:styleLbl>
+  <dgm:styleLbl name="lnNode1">
+    <dgm:scene3d>
+      <a:camera prst="orthographicFront"/>
+      <a:lightRig rig="flat" dir="t"/>
+    </dgm:scene3d>
+    <dgm:sp3d prstMaterial="dkEdge">
+      <a:bevelT w="8200" h="38100"/>
+    </dgm:sp3d>
+    <dgm:txPr/>
+    <dgm:style>
+      <a:lnRef idx="1">
+        <a:scrgbClr r="0" g="0" b="0"/>
+      </a:lnRef>
+      <a:fillRef idx="2">
+        <a:scrgbClr r="0" g="0" b="0"/>
+      </a:fillRef>
+      <a:effectRef idx="0">
+        <a:scrgbClr r="0" g="0" b="0"/>
+      </a:effectRef>
+      <a:fontRef idx="minor">
+        <a:schemeClr val="dk1"/>
+      </a:fontRef>
+    </dgm:style>
+  </dgm:styleLbl>
+  <dgm:styleLbl name="vennNode1">
+    <dgm:scene3d>
+      <a:camera prst="orthographicFront"/>
+      <a:lightRig rig="flat" dir="t"/>
+    </dgm:scene3d>
+    <dgm:sp3d prstMaterial="dkEdge">
+      <a:bevelT w="8200" h="38100"/>
+    </dgm:sp3d>
+    <dgm:txPr/>
+    <dgm:style>
+      <a:lnRef idx="0">
+        <a:scrgbClr r="0" g="0" b="0"/>
+      </a:lnRef>
+      <a:fillRef idx="2">
+        <a:scrgbClr r="0" g="0" b="0"/>
+      </a:fillRef>
+      <a:effectRef idx="0">
+        <a:scrgbClr r="0" g="0" b="0"/>
+      </a:effectRef>
+      <a:fontRef idx="minor">
+        <a:schemeClr val="tx1"/>
+      </a:fontRef>
+    </dgm:style>
+  </dgm:styleLbl>
+  <dgm:styleLbl name="alignNode1">
+    <dgm:scene3d>
+      <a:camera prst="orthographicFront"/>
+      <a:lightRig rig="threePt" dir="t"/>
+    </dgm:scene3d>
+    <dgm:sp3d/>
+    <dgm:txPr/>
+    <dgm:style>
+      <a:lnRef idx="1">
+        <a:scrgbClr r="0" g="0" b="0"/>
+      </a:lnRef>
+      <a:fillRef idx="2">
+        <a:scrgbClr r="0" g="0" b="0"/>
+      </a:fillRef>
+      <a:effectRef idx="1">
+        <a:scrgbClr r="0" g="0" b="0"/>
+      </a:effectRef>
+      <a:fontRef idx="minor">
+        <a:schemeClr val="dk1"/>
+      </a:fontRef>
+    </dgm:style>
+  </dgm:styleLbl>
+  <dgm:styleLbl name="node1">
+    <dgm:scene3d>
+      <a:camera prst="orthographicFront"/>
+      <a:lightRig rig="flat" dir="t"/>
+    </dgm:scene3d>
+    <dgm:sp3d prstMaterial="dkEdge">
+      <a:bevelT w="8200" h="38100"/>
+    </dgm:sp3d>
+    <dgm:txPr/>
+    <dgm:style>
+      <a:lnRef idx="0">
+        <a:scrgbClr r="0" g="0" b="0"/>
+      </a:lnRef>
+      <a:fillRef idx="2">
+        <a:scrgbClr r="0" g="0" b="0"/>
+      </a:fillRef>
+      <a:effectRef idx="1">
+        <a:scrgbClr r="0" g="0" b="0"/>
+      </a:effectRef>
+      <a:fontRef idx="minor">
+        <a:schemeClr val="dk1"/>
+      </a:fontRef>
+    </dgm:style>
+  </dgm:styleLbl>
+  <dgm:styleLbl name="node2">
+    <dgm:scene3d>
+      <a:camera prst="orthographicFront"/>
+      <a:lightRig rig="flat" dir="t"/>
+    </dgm:scene3d>
+    <dgm:sp3d prstMaterial="dkEdge">
+      <a:bevelT w="8200" h="38100"/>
+    </dgm:sp3d>
+    <dgm:txPr/>
+    <dgm:style>
+      <a:lnRef idx="0">
+        <a:scrgbClr r="0" g="0" b="0"/>
+      </a:lnRef>
+      <a:fillRef idx="2">
+        <a:scrgbClr r="0" g="0" b="0"/>
+      </a:fillRef>
+      <a:effectRef idx="1">
+        <a:scrgbClr r="0" g="0" b="0"/>
+      </a:effectRef>
+      <a:fontRef idx="minor">
+        <a:schemeClr val="dk1"/>
+      </a:fontRef>
+    </dgm:style>
+  </dgm:styleLbl>
+  <dgm:styleLbl name="node3">
+    <dgm:scene3d>
+      <a:camera prst="orthographicFront"/>
+      <a:lightRig rig="flat" dir="t"/>
+    </dgm:scene3d>
+    <dgm:sp3d prstMaterial="dkEdge">
+      <a:bevelT w="8200" h="38100"/>
+    </dgm:sp3d>
+    <dgm:txPr/>
+    <dgm:style>
+      <a:lnRef idx="0">
+        <a:scrgbClr r="0" g="0" b="0"/>
+      </a:lnRef>
+      <a:fillRef idx="2">
+        <a:scrgbClr r="0" g="0" b="0"/>
+      </a:fillRef>
+      <a:effectRef idx="1">
+        <a:scrgbClr r="0" g="0" b="0"/>
+      </a:effectRef>
+      <a:fontRef idx="minor">
+        <a:schemeClr val="dk1"/>
+      </a:fontRef>
+    </dgm:style>
+  </dgm:styleLbl>
+  <dgm:styleLbl name="node4">
+    <dgm:scene3d>
+      <a:camera prst="orthographicFront"/>
+      <a:lightRig rig="flat" dir="t"/>
+    </dgm:scene3d>
+    <dgm:sp3d prstMaterial="dkEdge">
+      <a:bevelT w="8200" h="38100"/>
+    </dgm:sp3d>
+    <dgm:txPr/>
+    <dgm:style>
+      <a:lnRef idx="0">
+        <a:scrgbClr r="0" g="0" b="0"/>
+      </a:lnRef>
+      <a:fillRef idx="2">
+        <a:scrgbClr r="0" g="0" b="0"/>
+      </a:fillRef>
+      <a:effectRef idx="1">
+        <a:scrgbClr r="0" g="0" b="0"/>
+      </a:effectRef>
+      <a:fontRef idx="minor">
+        <a:schemeClr val="dk1"/>
+      </a:fontRef>
+    </dgm:style>
+  </dgm:styleLbl>
+  <dgm:styleLbl name="fgImgPlace1">
+    <dgm:scene3d>
+      <a:camera prst="orthographicFront"/>
+      <a:lightRig rig="threePt" dir="t"/>
+    </dgm:scene3d>
+    <dgm:sp3d/>
+    <dgm:txPr/>
+    <dgm:style>
+      <a:lnRef idx="1">
+        <a:scrgbClr r="0" g="0" b="0"/>
+      </a:lnRef>
+      <a:fillRef idx="1">
+        <a:scrgbClr r="0" g="0" b="0"/>
+      </a:fillRef>
+      <a:effectRef idx="1">
+        <a:scrgbClr r="0" g="0" b="0"/>
+      </a:effectRef>
+      <a:fontRef idx="minor"/>
+    </dgm:style>
+  </dgm:styleLbl>
+  <dgm:styleLbl name="alignImgPlace1">
+    <dgm:scene3d>
+      <a:camera prst="orthographicFront"/>
+      <a:lightRig rig="threePt" dir="t"/>
+    </dgm:scene3d>
+    <dgm:sp3d/>
+    <dgm:txPr/>
+    <dgm:style>
+      <a:lnRef idx="1">
+        <a:scrgbClr r="0" g="0" b="0"/>
+      </a:lnRef>
+      <a:fillRef idx="1">
+        <a:scrgbClr r="0" g="0" b="0"/>
+      </a:fillRef>
+      <a:effectRef idx="1">
+        <a:scrgbClr r="0" g="0" b="0"/>
+      </a:effectRef>
+      <a:fontRef idx="minor"/>
+    </dgm:style>
+  </dgm:styleLbl>
+  <dgm:styleLbl name="bgImgPlace1">
+    <dgm:scene3d>
+      <a:camera prst="orthographicFront"/>
+      <a:lightRig rig="threePt" dir="t"/>
+    </dgm:scene3d>
+    <dgm:sp3d/>
+    <dgm:txPr/>
+    <dgm:style>
+      <a:lnRef idx="1">
+        <a:scrgbClr r="0" g="0" b="0"/>
+      </a:lnRef>
+      <a:fillRef idx="1">
+        <a:scrgbClr r="0" g="0" b="0"/>
+      </a:fillRef>
+      <a:effectRef idx="1">
+        <a:scrgbClr r="0" g="0" b="0"/>
+      </a:effectRef>
+      <a:fontRef idx="minor"/>
+    </dgm:style>
+  </dgm:styleLbl>
+  <dgm:styleLbl name="sibTrans2D1">
+    <dgm:scene3d>
+      <a:camera prst="orthographicFront"/>
+      <a:lightRig rig="threePt" dir="t"/>
+    </dgm:scene3d>
+    <dgm:sp3d/>
+    <dgm:txPr/>
+    <dgm:style>
+      <a:lnRef idx="0">
+        <a:scrgbClr r="0" g="0" b="0"/>
+      </a:lnRef>
+      <a:fillRef idx="2">
+        <a:scrgbClr r="0" g="0" b="0"/>
+      </a:fillRef>
+      <a:effectRef idx="1">
+        <a:scrgbClr r="0" g="0" b="0"/>
+      </a:effectRef>
+      <a:fontRef idx="minor">
+        <a:schemeClr val="dk1"/>
+      </a:fontRef>
+    </dgm:style>
+  </dgm:styleLbl>
+  <dgm:styleLbl name="fgSibTrans2D1">
+    <dgm:scene3d>
+      <a:camera prst="orthographicFront"/>
+      <a:lightRig rig="threePt" dir="t"/>
+    </dgm:scene3d>
+    <dgm:sp3d/>
+    <dgm:txPr/>
+    <dgm:style>
+      <a:lnRef idx="0">
+        <a:scrgbClr r="0" g="0" b="0"/>
+      </a:lnRef>
+      <a:fillRef idx="2">
+        <a:scrgbClr r="0" g="0" b="0"/>
+      </a:fillRef>
+      <a:effectRef idx="1">
+        <a:scrgbClr r="0" g="0" b="0"/>
+      </a:effectRef>
+      <a:fontRef idx="minor">
+        <a:schemeClr val="dk1"/>
+      </a:fontRef>
+    </dgm:style>
+  </dgm:styleLbl>
+  <dgm:styleLbl name="bgSibTrans2D1">
+    <dgm:scene3d>
+      <a:camera prst="orthographicFront"/>
+      <a:lightRig rig="threePt" dir="t"/>
+    </dgm:scene3d>
+    <dgm:sp3d/>
+    <dgm:txPr/>
+    <dgm:style>
+      <a:lnRef idx="0">
+        <a:scrgbClr r="0" g="0" b="0"/>
+      </a:lnRef>
+      <a:fillRef idx="2">
+        <a:scrgbClr r="0" g="0" b="0"/>
+      </a:fillRef>
+      <a:effectRef idx="1">
+        <a:scrgbClr r="0" g="0" b="0"/>
+      </a:effectRef>
+      <a:fontRef idx="minor">
+        <a:schemeClr val="dk1"/>
+      </a:fontRef>
+    </dgm:style>
+  </dgm:styleLbl>
+  <dgm:styleLbl name="sibTrans1D1">
+    <dgm:scene3d>
+      <a:camera prst="orthographicFront"/>
+      <a:lightRig rig="threePt" dir="t"/>
+    </dgm:scene3d>
+    <dgm:sp3d/>
+    <dgm:txPr/>
+    <dgm:style>
+      <a:lnRef idx="1">
+        <a:scrgbClr r="0" g="0" b="0"/>
+      </a:lnRef>
+      <a:fillRef idx="0">
+        <a:scrgbClr r="0" g="0" b="0"/>
+      </a:fillRef>
+      <a:effectRef idx="0">
+        <a:scrgbClr r="0" g="0" b="0"/>
+      </a:effectRef>
+      <a:fontRef idx="minor"/>
+    </dgm:style>
+  </dgm:styleLbl>
+  <dgm:styleLbl name="callout">
+    <dgm:scene3d>
+      <a:camera prst="orthographicFront"/>
+      <a:lightRig rig="threePt" dir="t"/>
+    </dgm:scene3d>
+    <dgm:sp3d/>
+    <dgm:txPr/>
+    <dgm:style>
+      <a:lnRef idx="1">
+        <a:scrgbClr r="0" g="0" b="0"/>
+      </a:lnRef>
+      <a:fillRef idx="2">
+        <a:scrgbClr r="0" g="0" b="0"/>
+      </a:fillRef>
+      <a:effectRef idx="1">
+        <a:scrgbClr r="0" g="0" b="0"/>
+      </a:effectRef>
+      <a:fontRef idx="minor"/>
+    </dgm:style>
+  </dgm:styleLbl>
+  <dgm:styleLbl name="asst0">
+    <dgm:scene3d>
+      <a:camera prst="orthographicFront"/>
+      <a:lightRig rig="flat" dir="t"/>
+    </dgm:scene3d>
+    <dgm:sp3d prstMaterial="dkEdge">
+      <a:bevelT w="8200" h="38100"/>
+    </dgm:sp3d>
+    <dgm:txPr/>
+    <dgm:style>
+      <a:lnRef idx="0">
+        <a:scrgbClr r="0" g="0" b="0"/>
+      </a:lnRef>
+      <a:fillRef idx="2">
+        <a:scrgbClr r="0" g="0" b="0"/>
+      </a:fillRef>
+      <a:effectRef idx="1">
+        <a:scrgbClr r="0" g="0" b="0"/>
+      </a:effectRef>
+      <a:fontRef idx="minor">
+        <a:schemeClr val="dk1"/>
+      </a:fontRef>
+    </dgm:style>
+  </dgm:styleLbl>
+  <dgm:styleLbl name="asst1">
+    <dgm:scene3d>
+      <a:camera prst="orthographicFront"/>
+      <a:lightRig rig="flat" dir="t"/>
+    </dgm:scene3d>
+    <dgm:sp3d prstMaterial="dkEdge">
+      <a:bevelT w="8200" h="38100"/>
+    </dgm:sp3d>
+    <dgm:txPr/>
+    <dgm:style>
+      <a:lnRef idx="0">
+        <a:scrgbClr r="0" g="0" b="0"/>
+      </a:lnRef>
+      <a:fillRef idx="2">
+        <a:scrgbClr r="0" g="0" b="0"/>
+      </a:fillRef>
+      <a:effectRef idx="1">
+        <a:scrgbClr r="0" g="0" b="0"/>
+      </a:effectRef>
+      <a:fontRef idx="minor">
+        <a:schemeClr val="dk1"/>
+      </a:fontRef>
+    </dgm:style>
+  </dgm:styleLbl>
+  <dgm:styleLbl name="asst2">
+    <dgm:scene3d>
+      <a:camera prst="orthographicFront"/>
+      <a:lightRig rig="flat" dir="t"/>
+    </dgm:scene3d>
+    <dgm:sp3d prstMaterial="dkEdge">
+      <a:bevelT w="8200" h="38100"/>
+    </dgm:sp3d>
+    <dgm:txPr/>
+    <dgm:style>
+      <a:lnRef idx="0">
+        <a:scrgbClr r="0" g="0" b="0"/>
+      </a:lnRef>
+      <a:fillRef idx="2">
+        <a:scrgbClr r="0" g="0" b="0"/>
+      </a:fillRef>
+      <a:effectRef idx="1">
+        <a:scrgbClr r="0" g="0" b="0"/>
+      </a:effectRef>
+      <a:fontRef idx="minor">
+        <a:schemeClr val="dk1"/>
+      </a:fontRef>
+    </dgm:style>
+  </dgm:styleLbl>
+  <dgm:styleLbl name="asst3">
+    <dgm:scene3d>
+      <a:camera prst="orthographicFront"/>
+      <a:lightRig rig="flat" dir="t"/>
+    </dgm:scene3d>
+    <dgm:sp3d prstMaterial="dkEdge">
+      <a:bevelT w="8200" h="38100"/>
+    </dgm:sp3d>
+    <dgm:txPr/>
+    <dgm:style>
+      <a:lnRef idx="0">
+        <a:scrgbClr r="0" g="0" b="0"/>
+      </a:lnRef>
+      <a:fillRef idx="2">
+        <a:scrgbClr r="0" g="0" b="0"/>
+      </a:fillRef>
+      <a:effectRef idx="1">
+        <a:scrgbClr r="0" g="0" b="0"/>
+      </a:effectRef>
+      <a:fontRef idx="minor">
+        <a:schemeClr val="dk1"/>
+      </a:fontRef>
+    </dgm:style>
+  </dgm:styleLbl>
+  <dgm:styleLbl name="asst4">
+    <dgm:scene3d>
+      <a:camera prst="orthographicFront"/>
+      <a:lightRig rig="flat" dir="t"/>
+    </dgm:scene3d>
+    <dgm:sp3d prstMaterial="dkEdge">
+      <a:bevelT w="8200" h="38100"/>
+    </dgm:sp3d>
+    <dgm:txPr/>
+    <dgm:style>
+      <a:lnRef idx="0">
+        <a:scrgbClr r="0" g="0" b="0"/>
+      </a:lnRef>
+      <a:fillRef idx="2">
+        <a:scrgbClr r="0" g="0" b="0"/>
+      </a:fillRef>
+      <a:effectRef idx="1">
+        <a:scrgbClr r="0" g="0" b="0"/>
+      </a:effectRef>
+      <a:fontRef idx="minor">
+        <a:schemeClr val="dk1"/>
+      </a:fontRef>
+    </dgm:style>
+  </dgm:styleLbl>
+  <dgm:styleLbl name="parChTrans2D1">
+    <dgm:scene3d>
+      <a:camera prst="orthographicFront"/>
+      <a:lightRig rig="threePt" dir="t"/>
+    </dgm:scene3d>
+    <dgm:sp3d/>
+    <dgm:txPr/>
+    <dgm:style>
+      <a:lnRef idx="1">
+        <a:scrgbClr r="0" g="0" b="0"/>
+      </a:lnRef>
+      <a:fillRef idx="2">
+        <a:scrgbClr r="0" g="0" b="0"/>
+      </a:fillRef>
+      <a:effectRef idx="1">
+        <a:scrgbClr r="0" g="0" b="0"/>
+      </a:effectRef>
+      <a:fontRef idx="minor">
+        <a:schemeClr val="dk1"/>
+      </a:fontRef>
+    </dgm:style>
+  </dgm:styleLbl>
+  <dgm:styleLbl name="parChTrans2D2">
+    <dgm:scene3d>
+      <a:camera prst="orthographicFront"/>
+      <a:lightRig rig="threePt" dir="t"/>
+    </dgm:scene3d>
+    <dgm:sp3d/>
+    <dgm:txPr/>
+    <dgm:style>
+      <a:lnRef idx="1">
+        <a:scrgbClr r="0" g="0" b="0"/>
+      </a:lnRef>
+      <a:fillRef idx="2">
+        <a:scrgbClr r="0" g="0" b="0"/>
+      </a:fillRef>
+      <a:effectRef idx="1">
+        <a:scrgbClr r="0" g="0" b="0"/>
+      </a:effectRef>
+      <a:fontRef idx="minor">
+        <a:schemeClr val="dk1"/>
+      </a:fontRef>
+    </dgm:style>
+  </dgm:styleLbl>
+  <dgm:styleLbl name="parChTrans2D3">
+    <dgm:scene3d>
+      <a:camera prst="orthographicFront"/>
+      <a:lightRig rig="threePt" dir="t"/>
+    </dgm:scene3d>
+    <dgm:sp3d/>
+    <dgm:txPr/>
+    <dgm:style>
+      <a:lnRef idx="1">
+        <a:scrgbClr r="0" g="0" b="0"/>
+      </a:lnRef>
+      <a:fillRef idx="2">
+        <a:scrgbClr r="0" g="0" b="0"/>
+      </a:fillRef>
+      <a:effectRef idx="1">
+        <a:scrgbClr r="0" g="0" b="0"/>
+      </a:effectRef>
+      <a:fontRef idx="minor">
+        <a:schemeClr val="dk1"/>
+      </a:fontRef>
+    </dgm:style>
+  </dgm:styleLbl>
+  <dgm:styleLbl name="parChTrans2D4">
+    <dgm:scene3d>
+      <a:camera prst="orthographicFront"/>
+      <a:lightRig rig="threePt" dir="t"/>
+    </dgm:scene3d>
+    <dgm:sp3d/>
+    <dgm:txPr/>
+    <dgm:style>
+      <a:lnRef idx="1">
+        <a:scrgbClr r="0" g="0" b="0"/>
+      </a:lnRef>
+      <a:fillRef idx="2">
+        <a:scrgbClr r="0" g="0" b="0"/>
+      </a:fillRef>
+      <a:effectRef idx="1">
+        <a:scrgbClr r="0" g="0" b="0"/>
+      </a:effectRef>
+      <a:fontRef idx="minor">
+        <a:schemeClr val="dk1"/>
+      </a:fontRef>
+    </dgm:style>
+  </dgm:styleLbl>
+  <dgm:styleLbl name="parChTrans1D1">
+    <dgm:scene3d>
+      <a:camera prst="orthographicFront"/>
+      <a:lightRig rig="threePt" dir="t"/>
+    </dgm:scene3d>
+    <dgm:sp3d/>
+    <dgm:txPr/>
+    <dgm:style>
+      <a:lnRef idx="2">
+        <a:scrgbClr r="0" g="0" b="0"/>
+      </a:lnRef>
+      <a:fillRef idx="0">
+        <a:scrgbClr r="0" g="0" b="0"/>
+      </a:fillRef>
+      <a:effectRef idx="0">
+        <a:scrgbClr r="0" g="0" b="0"/>
+      </a:effectRef>
+      <a:fontRef idx="minor"/>
+    </dgm:style>
+  </dgm:styleLbl>
+  <dgm:styleLbl name="parChTrans1D2">
+    <dgm:scene3d>
+      <a:camera prst="orthographicFront"/>
+      <a:lightRig rig="threePt" dir="t"/>
+    </dgm:scene3d>
+    <dgm:sp3d/>
+    <dgm:txPr/>
+    <dgm:style>
+      <a:lnRef idx="2">
+        <a:scrgbClr r="0" g="0" b="0"/>
+      </a:lnRef>
+      <a:fillRef idx="0">
+        <a:scrgbClr r="0" g="0" b="0"/>
+      </a:fillRef>
+      <a:effectRef idx="0">
+        <a:scrgbClr r="0" g="0" b="0"/>
+      </a:effectRef>
+      <a:fontRef idx="minor"/>
+    </dgm:style>
+  </dgm:styleLbl>
+  <dgm:styleLbl name="parChTrans1D3">
+    <dgm:scene3d>
+      <a:camera prst="orthographicFront"/>
+      <a:lightRig rig="threePt" dir="t"/>
+    </dgm:scene3d>
+    <dgm:sp3d/>
+    <dgm:txPr/>
+    <dgm:style>
+      <a:lnRef idx="2">
+        <a:scrgbClr r="0" g="0" b="0"/>
+      </a:lnRef>
+      <a:fillRef idx="0">
+        <a:scrgbClr r="0" g="0" b="0"/>
+      </a:fillRef>
+      <a:effectRef idx="0">
+        <a:scrgbClr r="0" g="0" b="0"/>
+      </a:effectRef>
+      <a:fontRef idx="minor"/>
+    </dgm:style>
+  </dgm:styleLbl>
+  <dgm:styleLbl name="parChTrans1D4">
+    <dgm:scene3d>
+      <a:camera prst="orthographicFront"/>
+      <a:lightRig rig="threePt" dir="t"/>
+    </dgm:scene3d>
+    <dgm:sp3d/>
+    <dgm:txPr/>
+    <dgm:style>
+      <a:lnRef idx="2">
+        <a:scrgbClr r="0" g="0" b="0"/>
+      </a:lnRef>
+      <a:fillRef idx="0">
+        <a:scrgbClr r="0" g="0" b="0"/>
+      </a:fillRef>
+      <a:effectRef idx="0">
+        <a:scrgbClr r="0" g="0" b="0"/>
+      </a:effectRef>
+      <a:fontRef idx="minor"/>
+    </dgm:style>
+  </dgm:styleLbl>
+  <dgm:styleLbl name="fgAcc1">
+    <dgm:scene3d>
+      <a:camera prst="orthographicFront"/>
+      <a:lightRig rig="threePt" dir="t"/>
+    </dgm:scene3d>
+    <dgm:sp3d/>
+    <dgm:txPr/>
+    <dgm:style>
+      <a:lnRef idx="1">
+        <a:scrgbClr r="0" g="0" b="0"/>
+      </a:lnRef>
+      <a:fillRef idx="1">
+        <a:scrgbClr r="0" g="0" b="0"/>
+      </a:fillRef>
+      <a:effectRef idx="0">
+        <a:scrgbClr r="0" g="0" b="0"/>
+      </a:effectRef>
+      <a:fontRef idx="minor"/>
+    </dgm:style>
+  </dgm:styleLbl>
+  <dgm:styleLbl name="conFgAcc1">
+    <dgm:scene3d>
+      <a:camera prst="orthographicFront"/>
+      <a:lightRig rig="threePt" dir="t"/>
+    </dgm:scene3d>
+    <dgm:sp3d/>
+    <dgm:txPr/>
+    <dgm:style>
+      <a:lnRef idx="1">
+        <a:scrgbClr r="0" g="0" b="0"/>
+      </a:lnRef>
+      <a:fillRef idx="1">
+        <a:scrgbClr r="0" g="0" b="0"/>
+      </a:fillRef>
+      <a:effectRef idx="0">
+        <a:scrgbClr r="0" g="0" b="0"/>
+      </a:effectRef>
+      <a:fontRef idx="minor"/>
+    </dgm:style>
+  </dgm:styleLbl>
+  <dgm:styleLbl name="alignAcc1">
+    <dgm:scene3d>
+      <a:camera prst="orthographicFront"/>
+      <a:lightRig rig="threePt" dir="t"/>
+    </dgm:scene3d>
+    <dgm:sp3d/>
+    <dgm:txPr/>
+    <dgm:style>
+      <a:lnRef idx="1">
+        <a:scrgbClr r="0" g="0" b="0"/>
+      </a:lnRef>
+      <a:fillRef idx="1">
+        <a:scrgbClr r="0" g="0" b="0"/>
+      </a:fillRef>
+      <a:effectRef idx="0">
+        <a:scrgbClr r="0" g="0" b="0"/>
+      </a:effectRef>
+      <a:fontRef idx="minor"/>
+    </dgm:style>
+  </dgm:styleLbl>
+  <dgm:styleLbl name="trAlignAcc1">
+    <dgm:scene3d>
+      <a:camera prst="orthographicFront"/>
+      <a:lightRig rig="threePt" dir="t"/>
+    </dgm:scene3d>
+    <dgm:sp3d/>
+    <dgm:txPr/>
+    <dgm:style>
+      <a:lnRef idx="1">
+        <a:scrgbClr r="0" g="0" b="0"/>
+      </a:lnRef>
+      <a:fillRef idx="1">
+        <a:scrgbClr r="0" g="0" b="0"/>
+      </a:fillRef>
+      <a:effectRef idx="0">
+        <a:scrgbClr r="0" g="0" b="0"/>
+      </a:effectRef>
+      <a:fontRef idx="minor"/>
+    </dgm:style>
+  </dgm:styleLbl>
+  <dgm:styleLbl name="bgAcc1">
+    <dgm:scene3d>
+      <a:camera prst="orthographicFront"/>
+      <a:lightRig rig="threePt" dir="t"/>
+    </dgm:scene3d>
+    <dgm:sp3d/>
+    <dgm:txPr/>
+    <dgm:style>
+      <a:lnRef idx="1">
+        <a:scrgbClr r="0" g="0" b="0"/>
+      </a:lnRef>
+      <a:fillRef idx="1">
+        <a:scrgbClr r="0" g="0" b="0"/>
+      </a:fillRef>
+      <a:effectRef idx="0">
+        <a:scrgbClr r="0" g="0" b="0"/>
+      </a:effectRef>
+      <a:fontRef idx="minor"/>
+    </dgm:style>
+  </dgm:styleLbl>
+  <dgm:styleLbl name="solidFgAcc1">
+    <dgm:scene3d>
+      <a:camera prst="orthographicFront"/>
+      <a:lightRig rig="threePt" dir="t"/>
+    </dgm:scene3d>
+    <dgm:sp3d/>
+    <dgm:txPr/>
+    <dgm:style>
+      <a:lnRef idx="1">
+        <a:scrgbClr r="0" g="0" b="0"/>
+      </a:lnRef>
+      <a:fillRef idx="2">
+        <a:scrgbClr r="0" g="0" b="0"/>
+      </a:fillRef>
+      <a:effectRef idx="0">
+        <a:scrgbClr r="0" g="0" b="0"/>
+      </a:effectRef>
+      <a:fontRef idx="minor"/>
+    </dgm:style>
+  </dgm:styleLbl>
+  <dgm:styleLbl name="solidAlignAcc1">
+    <dgm:scene3d>
+      <a:camera prst="orthographicFront"/>
+      <a:lightRig rig="threePt" dir="t"/>
+    </dgm:scene3d>
+    <dgm:sp3d/>
+    <dgm:txPr/>
+    <dgm:style>
+      <a:lnRef idx="1">
+        <a:scrgbClr r="0" g="0" b="0"/>
+      </a:lnRef>
+      <a:fillRef idx="1">
+        <a:scrgbClr r="0" g="0" b="0"/>
+      </a:fillRef>
+      <a:effectRef idx="0">
+        <a:scrgbClr r="0" g="0" b="0"/>
+      </a:effectRef>
+      <a:fontRef idx="minor"/>
+    </dgm:style>
+  </dgm:styleLbl>
+  <dgm:styleLbl name="solidBgAcc1">
+    <dgm:scene3d>
+      <a:camera prst="orthographicFront"/>
+      <a:lightRig rig="threePt" dir="t"/>
+    </dgm:scene3d>
+    <dgm:sp3d/>
+    <dgm:txPr/>
+    <dgm:style>
+      <a:lnRef idx="1">
+        <a:scrgbClr r="0" g="0" b="0"/>
+      </a:lnRef>
+      <a:fillRef idx="1">
+        <a:scrgbClr r="0" g="0" b="0"/>
+      </a:fillRef>
+      <a:effectRef idx="0">
+        <a:scrgbClr r="0" g="0" b="0"/>
+      </a:effectRef>
+      <a:fontRef idx="minor"/>
+    </dgm:style>
+  </dgm:styleLbl>
+  <dgm:styleLbl name="fgAccFollowNode1">
+    <dgm:scene3d>
+      <a:camera prst="orthographicFront"/>
+      <a:lightRig rig="threePt" dir="t"/>
+    </dgm:scene3d>
+    <dgm:sp3d/>
+    <dgm:txPr/>
+    <dgm:style>
+      <a:lnRef idx="1">
+        <a:scrgbClr r="0" g="0" b="0"/>
+      </a:lnRef>
+      <a:fillRef idx="1">
+        <a:scrgbClr r="0" g="0" b="0"/>
+      </a:fillRef>
+      <a:effectRef idx="0">
+        <a:scrgbClr r="0" g="0" b="0"/>
+      </a:effectRef>
+      <a:fontRef idx="minor"/>
+    </dgm:style>
+  </dgm:styleLbl>
+  <dgm:styleLbl name="alignAccFollowNode1">
+    <dgm:scene3d>
+      <a:camera prst="orthographicFront"/>
+      <a:lightRig rig="threePt" dir="t"/>
+    </dgm:scene3d>
+    <dgm:sp3d/>
+    <dgm:txPr/>
+    <dgm:style>
+      <a:lnRef idx="1">
+        <a:scrgbClr r="0" g="0" b="0"/>
+      </a:lnRef>
+      <a:fillRef idx="1">
+        <a:scrgbClr r="0" g="0" b="0"/>
+      </a:fillRef>
+      <a:effectRef idx="0">
+        <a:scrgbClr r="0" g="0" b="0"/>
+      </a:effectRef>
+      <a:fontRef idx="minor"/>
+    </dgm:style>
+  </dgm:styleLbl>
+  <dgm:styleLbl name="bgAccFollowNode1">
+    <dgm:scene3d>
+      <a:camera prst="orthographicFront"/>
+      <a:lightRig rig="threePt" dir="t"/>
+    </dgm:scene3d>
+    <dgm:sp3d/>
+    <dgm:txPr/>
+    <dgm:style>
+      <a:lnRef idx="1">
+        <a:scrgbClr r="0" g="0" b="0"/>
+      </a:lnRef>
+      <a:fillRef idx="1">
+        <a:scrgbClr r="0" g="0" b="0"/>
+      </a:fillRef>
+      <a:effectRef idx="0">
+        <a:scrgbClr r="0" g="0" b="0"/>
+      </a:effectRef>
+      <a:fontRef idx="minor"/>
+    </dgm:style>
+  </dgm:styleLbl>
+  <dgm:styleLbl name="fgAcc0">
+    <dgm:scene3d>
+      <a:camera prst="orthographicFront"/>
+      <a:lightRig rig="threePt" dir="t"/>
+    </dgm:scene3d>
+    <dgm:sp3d/>
+    <dgm:txPr/>
+    <dgm:style>
+      <a:lnRef idx="1">
+        <a:scrgbClr r="0" g="0" b="0"/>
+      </a:lnRef>
+      <a:fillRef idx="1">
+        <a:scrgbClr r="0" g="0" b="0"/>
+      </a:fillRef>
+      <a:effectRef idx="0">
+        <a:scrgbClr r="0" g="0" b="0"/>
+      </a:effectRef>
+      <a:fontRef idx="minor"/>
+    </dgm:style>
+  </dgm:styleLbl>
+  <dgm:styleLbl name="fgAcc2">
+    <dgm:scene3d>
+      <a:camera prst="orthographicFront"/>
+      <a:lightRig rig="threePt" dir="t"/>
+    </dgm:scene3d>
+    <dgm:sp3d/>
+    <dgm:txPr/>
+    <dgm:style>
+      <a:lnRef idx="1">
+        <a:scrgbClr r="0" g="0" b="0"/>
+      </a:lnRef>
+      <a:fillRef idx="1">
+        <a:scrgbClr r="0" g="0" b="0"/>
+      </a:fillRef>
+      <a:effectRef idx="0">
+        <a:scrgbClr r="0" g="0" b="0"/>
+      </a:effectRef>
+      <a:fontRef idx="minor"/>
+    </dgm:style>
+  </dgm:styleLbl>
+  <dgm:styleLbl name="fgAcc3">
+    <dgm:scene3d>
+      <a:camera prst="orthographicFront"/>
+      <a:lightRig rig="threePt" dir="t"/>
+    </dgm:scene3d>
+    <dgm:sp3d/>
+    <dgm:txPr/>
+    <dgm:style>
+      <a:lnRef idx="1">
+        <a:scrgbClr r="0" g="0" b="0"/>
+      </a:lnRef>
+      <a:fillRef idx="1">
+        <a:scrgbClr r="0" g="0" b="0"/>
+      </a:fillRef>
+      <a:effectRef idx="0">
+        <a:scrgbClr r="0" g="0" b="0"/>
+      </a:effectRef>
+      <a:fontRef idx="minor"/>
+    </dgm:style>
+  </dgm:styleLbl>
+  <dgm:styleLbl name="fgAcc4">
+    <dgm:scene3d>
+      <a:camera prst="orthographicFront"/>
+      <a:lightRig rig="threePt" dir="t"/>
+    </dgm:scene3d>
+    <dgm:sp3d/>
+    <dgm:txPr/>
+    <dgm:style>
+      <a:lnRef idx="1">
+        <a:scrgbClr r="0" g="0" b="0"/>
+      </a:lnRef>
+      <a:fillRef idx="1">
+        <a:scrgbClr r="0" g="0" b="0"/>
+      </a:fillRef>
+      <a:effectRef idx="0">
+        <a:scrgbClr r="0" g="0" b="0"/>
+      </a:effectRef>
+      <a:fontRef idx="minor"/>
+    </dgm:style>
+  </dgm:styleLbl>
+  <dgm:styleLbl name="bgShp">
+    <dgm:scene3d>
+      <a:camera prst="orthographicFront"/>
+      <a:lightRig rig="threePt" dir="t"/>
+    </dgm:scene3d>
+    <dgm:sp3d/>
+    <dgm:txPr/>
+    <dgm:style>
+      <a:lnRef idx="0">
+        <a:scrgbClr r="0" g="0" b="0"/>
+      </a:lnRef>
+      <a:fillRef idx="1">
+        <a:scrgbClr r="0" g="0" b="0"/>
+      </a:fillRef>
+      <a:effectRef idx="1">
+        <a:scrgbClr r="0" g="0" b="0"/>
+      </a:effectRef>
+      <a:fontRef idx="minor"/>
+    </dgm:style>
+  </dgm:styleLbl>
+  <dgm:styleLbl name="dkBgShp">
+    <dgm:scene3d>
+      <a:camera prst="orthographicFront"/>
+      <a:lightRig rig="threePt" dir="t"/>
+    </dgm:scene3d>
+    <dgm:sp3d/>
+    <dgm:txPr/>
+    <dgm:style>
+      <a:lnRef idx="0">
+        <a:scrgbClr r="0" g="0" b="0"/>
+      </a:lnRef>
+      <a:fillRef idx="1">
+        <a:scrgbClr r="0" g="0" b="0"/>
+      </a:fillRef>
+      <a:effectRef idx="1">
+        <a:scrgbClr r="0" g="0" b="0"/>
+      </a:effectRef>
+      <a:fontRef idx="minor"/>
+    </dgm:style>
+  </dgm:styleLbl>
+  <dgm:styleLbl name="trBgShp">
+    <dgm:scene3d>
+      <a:camera prst="orthographicFront"/>
+      <a:lightRig rig="threePt" dir="t"/>
+    </dgm:scene3d>
+    <dgm:sp3d/>
+    <dgm:txPr/>
+    <dgm:style>
+      <a:lnRef idx="0">
+        <a:scrgbClr r="0" g="0" b="0"/>
+      </a:lnRef>
+      <a:fillRef idx="1">
+        <a:scrgbClr r="0" g="0" b="0"/>
+      </a:fillRef>
+      <a:effectRef idx="0">
+        <a:scrgbClr r="0" g="0" b="0"/>
+      </a:effectRef>
+      <a:fontRef idx="minor"/>
+    </dgm:style>
+  </dgm:styleLbl>
+  <dgm:styleLbl name="fgShp">
+    <dgm:scene3d>
+      <a:camera prst="orthographicFront"/>
+      <a:lightRig rig="flat" dir="t"/>
+    </dgm:scene3d>
+    <dgm:sp3d prstMaterial="dkEdge">
+      <a:bevelT w="8200" h="38100"/>
+    </dgm:sp3d>
+    <dgm:txPr/>
+    <dgm:style>
+      <a:lnRef idx="1">
+        <a:scrgbClr r="0" g="0" b="0"/>
+      </a:lnRef>
+      <a:fillRef idx="2">
+        <a:scrgbClr r="0" g="0" b="0"/>
+      </a:fillRef>
+      <a:effectRef idx="1">
+        <a:scrgbClr r="0" g="0" b="0"/>
+      </a:effectRef>
+      <a:fontRef idx="minor"/>
+    </dgm:style>
+  </dgm:styleLbl>
+  <dgm:styleLbl name="revTx">
+    <dgm:scene3d>
+      <a:camera prst="orthographicFront"/>
+      <a:lightRig rig="threePt" dir="t"/>
+    </dgm:scene3d>
+    <dgm:sp3d/>
+    <dgm:txPr/>
+    <dgm:style>
+      <a:lnRef idx="0">
+        <a:scrgbClr r="0" g="0" b="0"/>
+      </a:lnRef>
+      <a:fillRef idx="0">
+        <a:scrgbClr r="0" g="0" b="0"/>
+      </a:fillRef>
+      <a:effectRef idx="0">
+        <a:scrgbClr r="0" g="0" b="0"/>
+      </a:effectRef>
+      <a:fontRef idx="minor"/>
+    </dgm:style>
+  </dgm:styleLbl>
+</dgm:styleDef>
+</file>
+
 <file path=ppt/handoutMasters/handoutMaster1.xml><?xml version="1.0" encoding="utf-8"?>
 <p:handoutMaster xmlns:a="http://schemas.openxmlformats.org/drawingml/2006/main" xmlns:r="http://schemas.openxmlformats.org/officeDocument/2006/relationships" xmlns:p="http://schemas.openxmlformats.org/presentationml/2006/main">
   <p:cSld>
@@ -238,7 +3962,7 @@
           <a:p>
             <a:fld id="{3FDC14FC-A894-4869-A797-1EC82735D106}" type="datetimeFigureOut">
               <a:rPr lang="en-US" smtClean="0"/>
-              <a:t>10/12/2019</a:t>
+              <a:t>10/19/2019</a:t>
             </a:fld>
             <a:endParaRPr lang="en-US"/>
           </a:p>
@@ -403,7 +4127,7 @@
           <a:p>
             <a:fld id="{B4F99C05-63F9-4248-8E20-3ACD9DF9DE7F}" type="datetimeFigureOut">
               <a:rPr lang="en-US" smtClean="0"/>
-              <a:t>10/12/2019</a:t>
+              <a:t>10/19/2019</a:t>
             </a:fld>
             <a:endParaRPr lang="en-US"/>
           </a:p>
@@ -7066,7 +10790,7 @@
           </a:ln>
           <a:extLst>
             <a:ext uri="{C572A759-6A51-4108-AA02-DFA0A04FC94B}">
-              <ma14:wrappingTextBoxFlag xmlns="" xmlns:ma14="http://schemas.microsoft.com/office/mac/drawingml/2011/main" val="1"/>
+              <ma14:wrappingTextBoxFlag xmlns:ma14="http://schemas.microsoft.com/office/mac/drawingml/2011/main" xmlns="" val="1"/>
             </a:ext>
           </a:extLst>
         </p:spPr>
@@ -15848,6 +19572,13 @@
   <p:clrMapOvr>
     <a:masterClrMapping/>
   </p:clrMapOvr>
+  <p:timing>
+    <p:tnLst>
+      <p:par>
+        <p:cTn id="1" dur="indefinite" restart="never" nodeType="tmRoot"/>
+      </p:par>
+    </p:tnLst>
+  </p:timing>
 </p:sld>
 </file>
 
@@ -16520,6 +20251,13 @@
   <p:clrMapOvr>
     <a:masterClrMapping/>
   </p:clrMapOvr>
+  <p:timing>
+    <p:tnLst>
+      <p:par>
+        <p:cTn id="1" dur="indefinite" restart="never" nodeType="tmRoot"/>
+      </p:par>
+    </p:tnLst>
+  </p:timing>
 </p:sld>
 </file>
 
@@ -16618,7 +20356,6 @@
               <a:rPr lang="en-US" dirty="0"/>
               <a:t>Conclusions</a:t>
             </a:r>
-            <a:endParaRPr lang="en-US" dirty="0"/>
           </a:p>
         </p:txBody>
       </p:sp>
@@ -16830,6 +20567,28 @@
           </a:p>
         </p:txBody>
       </p:sp>
+      <p:graphicFrame>
+        <p:nvGraphicFramePr>
+          <p:cNvPr id="4" name="Схема 3"/>
+          <p:cNvGraphicFramePr/>
+          <p:nvPr>
+            <p:extLst>
+              <p:ext uri="{D42A27DB-BD31-4B8C-83A1-F6EECF244321}">
+                <p14:modId xmlns:p14="http://schemas.microsoft.com/office/powerpoint/2010/main" val="2578513183"/>
+              </p:ext>
+            </p:extLst>
+          </p:nvPr>
+        </p:nvGraphicFramePr>
+        <p:xfrm>
+          <a:off x="493659" y="798162"/>
+          <a:ext cx="8159858" cy="3874577"/>
+        </p:xfrm>
+        <a:graphic>
+          <a:graphicData uri="http://schemas.openxmlformats.org/drawingml/2006/diagram">
+            <dgm:relIds xmlns:dgm="http://schemas.openxmlformats.org/drawingml/2006/diagram" xmlns:r="http://schemas.openxmlformats.org/officeDocument/2006/relationships" r:dm="rId3" r:lo="rId4" r:qs="rId5" r:cs="rId6"/>
+          </a:graphicData>
+        </a:graphic>
+      </p:graphicFrame>
     </p:spTree>
     <p:extLst>
       <p:ext uri="{BB962C8B-B14F-4D97-AF65-F5344CB8AC3E}">
@@ -16840,6 +20599,617 @@
   <p:clrMapOvr>
     <a:masterClrMapping/>
   </p:clrMapOvr>
+  <p:timing>
+    <p:tnLst>
+      <p:par>
+        <p:cTn id="1" dur="indefinite" restart="never" nodeType="tmRoot">
+          <p:childTnLst>
+            <p:seq concurrent="1" nextAc="seek">
+              <p:cTn id="2" dur="indefinite" nodeType="mainSeq">
+                <p:childTnLst>
+                  <p:par>
+                    <p:cTn id="3" fill="hold">
+                      <p:stCondLst>
+                        <p:cond delay="indefinite"/>
+                      </p:stCondLst>
+                      <p:childTnLst>
+                        <p:par>
+                          <p:cTn id="4" fill="hold">
+                            <p:stCondLst>
+                              <p:cond delay="0"/>
+                            </p:stCondLst>
+                            <p:childTnLst>
+                              <p:par>
+                                <p:cTn id="5" presetID="10" presetClass="entr" presetSubtype="0" fill="hold" grpId="0" nodeType="clickEffect">
+                                  <p:stCondLst>
+                                    <p:cond delay="0"/>
+                                  </p:stCondLst>
+                                  <p:childTnLst>
+                                    <p:set>
+                                      <p:cBhvr>
+                                        <p:cTn id="6" dur="1" fill="hold">
+                                          <p:stCondLst>
+                                            <p:cond delay="0"/>
+                                          </p:stCondLst>
+                                        </p:cTn>
+                                        <p:tgtEl>
+                                          <p:spTgt spid="4">
+                                            <p:graphicEl>
+                                              <a:dgm id="{F3789138-80AB-47F5-A6C4-8F4454E89E1A}"/>
+                                            </p:graphicEl>
+                                          </p:spTgt>
+                                        </p:tgtEl>
+                                        <p:attrNameLst>
+                                          <p:attrName>style.visibility</p:attrName>
+                                        </p:attrNameLst>
+                                      </p:cBhvr>
+                                      <p:to>
+                                        <p:strVal val="visible"/>
+                                      </p:to>
+                                    </p:set>
+                                    <p:animEffect transition="in" filter="fade">
+                                      <p:cBhvr>
+                                        <p:cTn id="7" dur="500"/>
+                                        <p:tgtEl>
+                                          <p:spTgt spid="4">
+                                            <p:graphicEl>
+                                              <a:dgm id="{F3789138-80AB-47F5-A6C4-8F4454E89E1A}"/>
+                                            </p:graphicEl>
+                                          </p:spTgt>
+                                        </p:tgtEl>
+                                      </p:cBhvr>
+                                    </p:animEffect>
+                                  </p:childTnLst>
+                                </p:cTn>
+                              </p:par>
+                            </p:childTnLst>
+                          </p:cTn>
+                        </p:par>
+                      </p:childTnLst>
+                    </p:cTn>
+                  </p:par>
+                  <p:par>
+                    <p:cTn id="8" fill="hold">
+                      <p:stCondLst>
+                        <p:cond delay="indefinite"/>
+                      </p:stCondLst>
+                      <p:childTnLst>
+                        <p:par>
+                          <p:cTn id="9" fill="hold">
+                            <p:stCondLst>
+                              <p:cond delay="0"/>
+                            </p:stCondLst>
+                            <p:childTnLst>
+                              <p:par>
+                                <p:cTn id="10" presetID="10" presetClass="entr" presetSubtype="0" fill="hold" grpId="0" nodeType="clickEffect">
+                                  <p:stCondLst>
+                                    <p:cond delay="0"/>
+                                  </p:stCondLst>
+                                  <p:childTnLst>
+                                    <p:set>
+                                      <p:cBhvr>
+                                        <p:cTn id="11" dur="1" fill="hold">
+                                          <p:stCondLst>
+                                            <p:cond delay="0"/>
+                                          </p:stCondLst>
+                                        </p:cTn>
+                                        <p:tgtEl>
+                                          <p:spTgt spid="4">
+                                            <p:graphicEl>
+                                              <a:dgm id="{11FFC30F-F1DF-415F-ADA2-495380681218}"/>
+                                            </p:graphicEl>
+                                          </p:spTgt>
+                                        </p:tgtEl>
+                                        <p:attrNameLst>
+                                          <p:attrName>style.visibility</p:attrName>
+                                        </p:attrNameLst>
+                                      </p:cBhvr>
+                                      <p:to>
+                                        <p:strVal val="visible"/>
+                                      </p:to>
+                                    </p:set>
+                                    <p:animEffect transition="in" filter="fade">
+                                      <p:cBhvr>
+                                        <p:cTn id="12" dur="500"/>
+                                        <p:tgtEl>
+                                          <p:spTgt spid="4">
+                                            <p:graphicEl>
+                                              <a:dgm id="{11FFC30F-F1DF-415F-ADA2-495380681218}"/>
+                                            </p:graphicEl>
+                                          </p:spTgt>
+                                        </p:tgtEl>
+                                      </p:cBhvr>
+                                    </p:animEffect>
+                                  </p:childTnLst>
+                                </p:cTn>
+                              </p:par>
+                            </p:childTnLst>
+                          </p:cTn>
+                        </p:par>
+                        <p:par>
+                          <p:cTn id="13" fill="hold">
+                            <p:stCondLst>
+                              <p:cond delay="500"/>
+                            </p:stCondLst>
+                            <p:childTnLst>
+                              <p:par>
+                                <p:cTn id="14" presetID="10" presetClass="entr" presetSubtype="0" fill="hold" grpId="0" nodeType="afterEffect">
+                                  <p:stCondLst>
+                                    <p:cond delay="0"/>
+                                  </p:stCondLst>
+                                  <p:childTnLst>
+                                    <p:set>
+                                      <p:cBhvr>
+                                        <p:cTn id="15" dur="1" fill="hold">
+                                          <p:stCondLst>
+                                            <p:cond delay="0"/>
+                                          </p:stCondLst>
+                                        </p:cTn>
+                                        <p:tgtEl>
+                                          <p:spTgt spid="4">
+                                            <p:graphicEl>
+                                              <a:dgm id="{4214E177-889D-496F-A797-71502CDA0256}"/>
+                                            </p:graphicEl>
+                                          </p:spTgt>
+                                        </p:tgtEl>
+                                        <p:attrNameLst>
+                                          <p:attrName>style.visibility</p:attrName>
+                                        </p:attrNameLst>
+                                      </p:cBhvr>
+                                      <p:to>
+                                        <p:strVal val="visible"/>
+                                      </p:to>
+                                    </p:set>
+                                    <p:animEffect transition="in" filter="fade">
+                                      <p:cBhvr>
+                                        <p:cTn id="16" dur="500"/>
+                                        <p:tgtEl>
+                                          <p:spTgt spid="4">
+                                            <p:graphicEl>
+                                              <a:dgm id="{4214E177-889D-496F-A797-71502CDA0256}"/>
+                                            </p:graphicEl>
+                                          </p:spTgt>
+                                        </p:tgtEl>
+                                      </p:cBhvr>
+                                    </p:animEffect>
+                                  </p:childTnLst>
+                                </p:cTn>
+                              </p:par>
+                            </p:childTnLst>
+                          </p:cTn>
+                        </p:par>
+                      </p:childTnLst>
+                    </p:cTn>
+                  </p:par>
+                  <p:par>
+                    <p:cTn id="17" fill="hold">
+                      <p:stCondLst>
+                        <p:cond delay="indefinite"/>
+                      </p:stCondLst>
+                      <p:childTnLst>
+                        <p:par>
+                          <p:cTn id="18" fill="hold">
+                            <p:stCondLst>
+                              <p:cond delay="0"/>
+                            </p:stCondLst>
+                            <p:childTnLst>
+                              <p:par>
+                                <p:cTn id="19" presetID="10" presetClass="entr" presetSubtype="0" fill="hold" grpId="0" nodeType="clickEffect">
+                                  <p:stCondLst>
+                                    <p:cond delay="0"/>
+                                  </p:stCondLst>
+                                  <p:childTnLst>
+                                    <p:set>
+                                      <p:cBhvr>
+                                        <p:cTn id="20" dur="1" fill="hold">
+                                          <p:stCondLst>
+                                            <p:cond delay="0"/>
+                                          </p:stCondLst>
+                                        </p:cTn>
+                                        <p:tgtEl>
+                                          <p:spTgt spid="4">
+                                            <p:graphicEl>
+                                              <a:dgm id="{2A9C4B20-C401-454D-956F-E017344164BB}"/>
+                                            </p:graphicEl>
+                                          </p:spTgt>
+                                        </p:tgtEl>
+                                        <p:attrNameLst>
+                                          <p:attrName>style.visibility</p:attrName>
+                                        </p:attrNameLst>
+                                      </p:cBhvr>
+                                      <p:to>
+                                        <p:strVal val="visible"/>
+                                      </p:to>
+                                    </p:set>
+                                    <p:animEffect transition="in" filter="fade">
+                                      <p:cBhvr>
+                                        <p:cTn id="21" dur="500"/>
+                                        <p:tgtEl>
+                                          <p:spTgt spid="4">
+                                            <p:graphicEl>
+                                              <a:dgm id="{2A9C4B20-C401-454D-956F-E017344164BB}"/>
+                                            </p:graphicEl>
+                                          </p:spTgt>
+                                        </p:tgtEl>
+                                      </p:cBhvr>
+                                    </p:animEffect>
+                                  </p:childTnLst>
+                                </p:cTn>
+                              </p:par>
+                            </p:childTnLst>
+                          </p:cTn>
+                        </p:par>
+                      </p:childTnLst>
+                    </p:cTn>
+                  </p:par>
+                  <p:par>
+                    <p:cTn id="22" fill="hold">
+                      <p:stCondLst>
+                        <p:cond delay="indefinite"/>
+                      </p:stCondLst>
+                      <p:childTnLst>
+                        <p:par>
+                          <p:cTn id="23" fill="hold">
+                            <p:stCondLst>
+                              <p:cond delay="0"/>
+                            </p:stCondLst>
+                            <p:childTnLst>
+                              <p:par>
+                                <p:cTn id="24" presetID="10" presetClass="entr" presetSubtype="0" fill="hold" grpId="0" nodeType="clickEffect">
+                                  <p:stCondLst>
+                                    <p:cond delay="0"/>
+                                  </p:stCondLst>
+                                  <p:childTnLst>
+                                    <p:set>
+                                      <p:cBhvr>
+                                        <p:cTn id="25" dur="1" fill="hold">
+                                          <p:stCondLst>
+                                            <p:cond delay="0"/>
+                                          </p:stCondLst>
+                                        </p:cTn>
+                                        <p:tgtEl>
+                                          <p:spTgt spid="4">
+                                            <p:graphicEl>
+                                              <a:dgm id="{A24824F3-0FE3-4974-A5B5-2A3016C21913}"/>
+                                            </p:graphicEl>
+                                          </p:spTgt>
+                                        </p:tgtEl>
+                                        <p:attrNameLst>
+                                          <p:attrName>style.visibility</p:attrName>
+                                        </p:attrNameLst>
+                                      </p:cBhvr>
+                                      <p:to>
+                                        <p:strVal val="visible"/>
+                                      </p:to>
+                                    </p:set>
+                                    <p:animEffect transition="in" filter="fade">
+                                      <p:cBhvr>
+                                        <p:cTn id="26" dur="500"/>
+                                        <p:tgtEl>
+                                          <p:spTgt spid="4">
+                                            <p:graphicEl>
+                                              <a:dgm id="{A24824F3-0FE3-4974-A5B5-2A3016C21913}"/>
+                                            </p:graphicEl>
+                                          </p:spTgt>
+                                        </p:tgtEl>
+                                      </p:cBhvr>
+                                    </p:animEffect>
+                                  </p:childTnLst>
+                                </p:cTn>
+                              </p:par>
+                            </p:childTnLst>
+                          </p:cTn>
+                        </p:par>
+                        <p:par>
+                          <p:cTn id="27" fill="hold">
+                            <p:stCondLst>
+                              <p:cond delay="500"/>
+                            </p:stCondLst>
+                            <p:childTnLst>
+                              <p:par>
+                                <p:cTn id="28" presetID="10" presetClass="entr" presetSubtype="0" fill="hold" grpId="0" nodeType="afterEffect">
+                                  <p:stCondLst>
+                                    <p:cond delay="0"/>
+                                  </p:stCondLst>
+                                  <p:childTnLst>
+                                    <p:set>
+                                      <p:cBhvr>
+                                        <p:cTn id="29" dur="1" fill="hold">
+                                          <p:stCondLst>
+                                            <p:cond delay="0"/>
+                                          </p:stCondLst>
+                                        </p:cTn>
+                                        <p:tgtEl>
+                                          <p:spTgt spid="4">
+                                            <p:graphicEl>
+                                              <a:dgm id="{2B3C0B48-3E20-4E41-86B8-5C0C374ADBFE}"/>
+                                            </p:graphicEl>
+                                          </p:spTgt>
+                                        </p:tgtEl>
+                                        <p:attrNameLst>
+                                          <p:attrName>style.visibility</p:attrName>
+                                        </p:attrNameLst>
+                                      </p:cBhvr>
+                                      <p:to>
+                                        <p:strVal val="visible"/>
+                                      </p:to>
+                                    </p:set>
+                                    <p:animEffect transition="in" filter="fade">
+                                      <p:cBhvr>
+                                        <p:cTn id="30" dur="500"/>
+                                        <p:tgtEl>
+                                          <p:spTgt spid="4">
+                                            <p:graphicEl>
+                                              <a:dgm id="{2B3C0B48-3E20-4E41-86B8-5C0C374ADBFE}"/>
+                                            </p:graphicEl>
+                                          </p:spTgt>
+                                        </p:tgtEl>
+                                      </p:cBhvr>
+                                    </p:animEffect>
+                                  </p:childTnLst>
+                                </p:cTn>
+                              </p:par>
+                            </p:childTnLst>
+                          </p:cTn>
+                        </p:par>
+                      </p:childTnLst>
+                    </p:cTn>
+                  </p:par>
+                  <p:par>
+                    <p:cTn id="31" fill="hold">
+                      <p:stCondLst>
+                        <p:cond delay="indefinite"/>
+                      </p:stCondLst>
+                      <p:childTnLst>
+                        <p:par>
+                          <p:cTn id="32" fill="hold">
+                            <p:stCondLst>
+                              <p:cond delay="0"/>
+                            </p:stCondLst>
+                            <p:childTnLst>
+                              <p:par>
+                                <p:cTn id="33" presetID="10" presetClass="entr" presetSubtype="0" fill="hold" grpId="0" nodeType="clickEffect">
+                                  <p:stCondLst>
+                                    <p:cond delay="0"/>
+                                  </p:stCondLst>
+                                  <p:childTnLst>
+                                    <p:set>
+                                      <p:cBhvr>
+                                        <p:cTn id="34" dur="1" fill="hold">
+                                          <p:stCondLst>
+                                            <p:cond delay="0"/>
+                                          </p:stCondLst>
+                                        </p:cTn>
+                                        <p:tgtEl>
+                                          <p:spTgt spid="4">
+                                            <p:graphicEl>
+                                              <a:dgm id="{259F6827-923B-46D9-B8A3-15FA33F5891A}"/>
+                                            </p:graphicEl>
+                                          </p:spTgt>
+                                        </p:tgtEl>
+                                        <p:attrNameLst>
+                                          <p:attrName>style.visibility</p:attrName>
+                                        </p:attrNameLst>
+                                      </p:cBhvr>
+                                      <p:to>
+                                        <p:strVal val="visible"/>
+                                      </p:to>
+                                    </p:set>
+                                    <p:animEffect transition="in" filter="fade">
+                                      <p:cBhvr>
+                                        <p:cTn id="35" dur="500"/>
+                                        <p:tgtEl>
+                                          <p:spTgt spid="4">
+                                            <p:graphicEl>
+                                              <a:dgm id="{259F6827-923B-46D9-B8A3-15FA33F5891A}"/>
+                                            </p:graphicEl>
+                                          </p:spTgt>
+                                        </p:tgtEl>
+                                      </p:cBhvr>
+                                    </p:animEffect>
+                                  </p:childTnLst>
+                                </p:cTn>
+                              </p:par>
+                            </p:childTnLst>
+                          </p:cTn>
+                        </p:par>
+                      </p:childTnLst>
+                    </p:cTn>
+                  </p:par>
+                  <p:par>
+                    <p:cTn id="36" fill="hold">
+                      <p:stCondLst>
+                        <p:cond delay="indefinite"/>
+                      </p:stCondLst>
+                      <p:childTnLst>
+                        <p:par>
+                          <p:cTn id="37" fill="hold">
+                            <p:stCondLst>
+                              <p:cond delay="0"/>
+                            </p:stCondLst>
+                            <p:childTnLst>
+                              <p:par>
+                                <p:cTn id="38" presetID="10" presetClass="entr" presetSubtype="0" fill="hold" grpId="0" nodeType="clickEffect">
+                                  <p:stCondLst>
+                                    <p:cond delay="0"/>
+                                  </p:stCondLst>
+                                  <p:childTnLst>
+                                    <p:set>
+                                      <p:cBhvr>
+                                        <p:cTn id="39" dur="1" fill="hold">
+                                          <p:stCondLst>
+                                            <p:cond delay="0"/>
+                                          </p:stCondLst>
+                                        </p:cTn>
+                                        <p:tgtEl>
+                                          <p:spTgt spid="4">
+                                            <p:graphicEl>
+                                              <a:dgm id="{D47DADFC-4944-4BCF-ABF7-D4CD710231E9}"/>
+                                            </p:graphicEl>
+                                          </p:spTgt>
+                                        </p:tgtEl>
+                                        <p:attrNameLst>
+                                          <p:attrName>style.visibility</p:attrName>
+                                        </p:attrNameLst>
+                                      </p:cBhvr>
+                                      <p:to>
+                                        <p:strVal val="visible"/>
+                                      </p:to>
+                                    </p:set>
+                                    <p:animEffect transition="in" filter="fade">
+                                      <p:cBhvr>
+                                        <p:cTn id="40" dur="500"/>
+                                        <p:tgtEl>
+                                          <p:spTgt spid="4">
+                                            <p:graphicEl>
+                                              <a:dgm id="{D47DADFC-4944-4BCF-ABF7-D4CD710231E9}"/>
+                                            </p:graphicEl>
+                                          </p:spTgt>
+                                        </p:tgtEl>
+                                      </p:cBhvr>
+                                    </p:animEffect>
+                                  </p:childTnLst>
+                                </p:cTn>
+                              </p:par>
+                            </p:childTnLst>
+                          </p:cTn>
+                        </p:par>
+                        <p:par>
+                          <p:cTn id="41" fill="hold">
+                            <p:stCondLst>
+                              <p:cond delay="500"/>
+                            </p:stCondLst>
+                            <p:childTnLst>
+                              <p:par>
+                                <p:cTn id="42" presetID="10" presetClass="entr" presetSubtype="0" fill="hold" grpId="0" nodeType="afterEffect">
+                                  <p:stCondLst>
+                                    <p:cond delay="0"/>
+                                  </p:stCondLst>
+                                  <p:childTnLst>
+                                    <p:set>
+                                      <p:cBhvr>
+                                        <p:cTn id="43" dur="1" fill="hold">
+                                          <p:stCondLst>
+                                            <p:cond delay="0"/>
+                                          </p:stCondLst>
+                                        </p:cTn>
+                                        <p:tgtEl>
+                                          <p:spTgt spid="4">
+                                            <p:graphicEl>
+                                              <a:dgm id="{BA4C0D9A-A243-4B82-8D2D-E1EB1A725FAF}"/>
+                                            </p:graphicEl>
+                                          </p:spTgt>
+                                        </p:tgtEl>
+                                        <p:attrNameLst>
+                                          <p:attrName>style.visibility</p:attrName>
+                                        </p:attrNameLst>
+                                      </p:cBhvr>
+                                      <p:to>
+                                        <p:strVal val="visible"/>
+                                      </p:to>
+                                    </p:set>
+                                    <p:animEffect transition="in" filter="fade">
+                                      <p:cBhvr>
+                                        <p:cTn id="44" dur="500"/>
+                                        <p:tgtEl>
+                                          <p:spTgt spid="4">
+                                            <p:graphicEl>
+                                              <a:dgm id="{BA4C0D9A-A243-4B82-8D2D-E1EB1A725FAF}"/>
+                                            </p:graphicEl>
+                                          </p:spTgt>
+                                        </p:tgtEl>
+                                      </p:cBhvr>
+                                    </p:animEffect>
+                                  </p:childTnLst>
+                                </p:cTn>
+                              </p:par>
+                            </p:childTnLst>
+                          </p:cTn>
+                        </p:par>
+                        <p:par>
+                          <p:cTn id="45" fill="hold">
+                            <p:stCondLst>
+                              <p:cond delay="1000"/>
+                            </p:stCondLst>
+                            <p:childTnLst>
+                              <p:par>
+                                <p:cTn id="46" presetID="10" presetClass="entr" presetSubtype="0" fill="hold" grpId="0" nodeType="afterEffect">
+                                  <p:stCondLst>
+                                    <p:cond delay="0"/>
+                                  </p:stCondLst>
+                                  <p:childTnLst>
+                                    <p:set>
+                                      <p:cBhvr>
+                                        <p:cTn id="47" dur="1" fill="hold">
+                                          <p:stCondLst>
+                                            <p:cond delay="0"/>
+                                          </p:stCondLst>
+                                        </p:cTn>
+                                        <p:tgtEl>
+                                          <p:spTgt spid="4">
+                                            <p:graphicEl>
+                                              <a:dgm id="{EA6E47CD-3FAB-4CB4-AA5D-D7C422681E75}"/>
+                                            </p:graphicEl>
+                                          </p:spTgt>
+                                        </p:tgtEl>
+                                        <p:attrNameLst>
+                                          <p:attrName>style.visibility</p:attrName>
+                                        </p:attrNameLst>
+                                      </p:cBhvr>
+                                      <p:to>
+                                        <p:strVal val="visible"/>
+                                      </p:to>
+                                    </p:set>
+                                    <p:animEffect transition="in" filter="fade">
+                                      <p:cBhvr>
+                                        <p:cTn id="48" dur="500"/>
+                                        <p:tgtEl>
+                                          <p:spTgt spid="4">
+                                            <p:graphicEl>
+                                              <a:dgm id="{EA6E47CD-3FAB-4CB4-AA5D-D7C422681E75}"/>
+                                            </p:graphicEl>
+                                          </p:spTgt>
+                                        </p:tgtEl>
+                                      </p:cBhvr>
+                                    </p:animEffect>
+                                  </p:childTnLst>
+                                </p:cTn>
+                              </p:par>
+                            </p:childTnLst>
+                          </p:cTn>
+                        </p:par>
+                      </p:childTnLst>
+                    </p:cTn>
+                  </p:par>
+                </p:childTnLst>
+              </p:cTn>
+              <p:prevCondLst>
+                <p:cond evt="onPrev" delay="0">
+                  <p:tgtEl>
+                    <p:sldTgt/>
+                  </p:tgtEl>
+                </p:cond>
+              </p:prevCondLst>
+              <p:nextCondLst>
+                <p:cond evt="onNext" delay="0">
+                  <p:tgtEl>
+                    <p:sldTgt/>
+                  </p:tgtEl>
+                </p:cond>
+              </p:nextCondLst>
+            </p:seq>
+          </p:childTnLst>
+        </p:cTn>
+      </p:par>
+    </p:tnLst>
+    <p:bldLst>
+      <p:bldGraphic spid="4" grpId="0" uiExpand="1">
+        <p:bldSub>
+          <a:bldDgm bld="one"/>
+        </p:bldSub>
+      </p:bldGraphic>
+    </p:bldLst>
+  </p:timing>
 </p:sld>
 </file>
 
@@ -16901,6 +21271,13 @@
   <p:clrMapOvr>
     <a:masterClrMapping/>
   </p:clrMapOvr>
+  <p:timing>
+    <p:tnLst>
+      <p:par>
+        <p:cTn id="1" dur="indefinite" restart="never" nodeType="tmRoot"/>
+      </p:par>
+    </p:tnLst>
+  </p:timing>
 </p:sld>
 </file>
 
@@ -16921,6 +21298,530 @@
           <a:chExt cx="0" cy="0"/>
         </a:xfrm>
       </p:grpSpPr>
+      <p:graphicFrame>
+        <p:nvGraphicFramePr>
+          <p:cNvPr id="17" name="Таблица 16"/>
+          <p:cNvGraphicFramePr>
+            <a:graphicFrameLocks noGrp="1"/>
+          </p:cNvGraphicFramePr>
+          <p:nvPr>
+            <p:extLst>
+              <p:ext uri="{D42A27DB-BD31-4B8C-83A1-F6EECF244321}">
+                <p14:modId xmlns:p14="http://schemas.microsoft.com/office/powerpoint/2010/main" val="658588779"/>
+              </p:ext>
+            </p:extLst>
+          </p:nvPr>
+        </p:nvGraphicFramePr>
+        <p:xfrm>
+          <a:off x="288670" y="834759"/>
+          <a:ext cx="8569836" cy="3762635"/>
+        </p:xfrm>
+        <a:graphic>
+          <a:graphicData uri="http://schemas.openxmlformats.org/drawingml/2006/table">
+            <a:tbl>
+              <a:tblPr firstRow="1">
+                <a:tableStyleId>{5C22544A-7EE6-4342-B048-85BDC9FD1C3A}</a:tableStyleId>
+              </a:tblPr>
+              <a:tblGrid>
+                <a:gridCol w="2332494">
+                  <a:extLst>
+                    <a:ext uri="{9D8B030D-6E8A-4147-A177-3AD203B41FA5}">
+                      <a16:colId xmlns:a16="http://schemas.microsoft.com/office/drawing/2014/main" val="2459031493"/>
+                    </a:ext>
+                  </a:extLst>
+                </a:gridCol>
+                <a:gridCol w="1952424">
+                  <a:extLst>
+                    <a:ext uri="{9D8B030D-6E8A-4147-A177-3AD203B41FA5}">
+                      <a16:colId xmlns:a16="http://schemas.microsoft.com/office/drawing/2014/main" val="2859956843"/>
+                    </a:ext>
+                  </a:extLst>
+                </a:gridCol>
+                <a:gridCol w="2142459">
+                  <a:extLst>
+                    <a:ext uri="{9D8B030D-6E8A-4147-A177-3AD203B41FA5}">
+                      <a16:colId xmlns:a16="http://schemas.microsoft.com/office/drawing/2014/main" val="1702188172"/>
+                    </a:ext>
+                  </a:extLst>
+                </a:gridCol>
+                <a:gridCol w="2142459">
+                  <a:extLst>
+                    <a:ext uri="{9D8B030D-6E8A-4147-A177-3AD203B41FA5}">
+                      <a16:colId xmlns:a16="http://schemas.microsoft.com/office/drawing/2014/main" val="1188113964"/>
+                    </a:ext>
+                  </a:extLst>
+                </a:gridCol>
+              </a:tblGrid>
+              <a:tr h="405105">
+                <a:tc gridSpan="2">
+                  <a:txBody>
+                    <a:bodyPr/>
+                    <a:lstStyle/>
+                    <a:p>
+                      <a:pPr marL="0" algn="ctr" defTabSz="914400" rtl="0" eaLnBrk="1" latinLnBrk="0" hangingPunct="1"/>
+                      <a:r>
+                        <a:rPr lang="en-US" sz="1800" b="1" kern="1200" dirty="0" smtClean="0">
+                          <a:solidFill>
+                            <a:schemeClr val="tx1"/>
+                          </a:solidFill>
+                          <a:latin typeface="+mn-lt"/>
+                          <a:ea typeface="+mn-ea"/>
+                          <a:cs typeface="+mn-cs"/>
+                        </a:rPr>
+                        <a:t>Library</a:t>
+                      </a:r>
+                      <a:endParaRPr lang="ru-RU" sz="1800" b="1" kern="1200" dirty="0">
+                        <a:solidFill>
+                          <a:schemeClr val="tx1"/>
+                        </a:solidFill>
+                        <a:latin typeface="+mn-lt"/>
+                        <a:ea typeface="+mn-ea"/>
+                        <a:cs typeface="+mn-cs"/>
+                      </a:endParaRPr>
+                    </a:p>
+                  </a:txBody>
+                  <a:tcPr>
+                    <a:solidFill>
+                      <a:schemeClr val="accent1"/>
+                    </a:solidFill>
+                  </a:tcPr>
+                </a:tc>
+                <a:tc hMerge="1">
+                  <a:txBody>
+                    <a:bodyPr/>
+                    <a:lstStyle/>
+                    <a:p>
+                      <a:pPr algn="ctr"/>
+                      <a:endParaRPr lang="ru-RU" dirty="0"/>
+                    </a:p>
+                  </a:txBody>
+                  <a:tcPr anchor="ctr"/>
+                </a:tc>
+                <a:tc>
+                  <a:txBody>
+                    <a:bodyPr/>
+                    <a:lstStyle/>
+                    <a:p>
+                      <a:pPr algn="ctr"/>
+                      <a:r>
+                        <a:rPr lang="en-US" dirty="0" smtClean="0">
+                          <a:solidFill>
+                            <a:schemeClr val="tx1"/>
+                          </a:solidFill>
+                        </a:rPr>
+                        <a:t>Language</a:t>
+                      </a:r>
+                      <a:endParaRPr lang="ru-RU" dirty="0">
+                        <a:solidFill>
+                          <a:schemeClr val="tx1"/>
+                        </a:solidFill>
+                      </a:endParaRPr>
+                    </a:p>
+                  </a:txBody>
+                  <a:tcPr anchor="ctr"/>
+                </a:tc>
+                <a:tc>
+                  <a:txBody>
+                    <a:bodyPr/>
+                    <a:lstStyle/>
+                    <a:p>
+                      <a:pPr algn="ctr"/>
+                      <a:r>
+                        <a:rPr lang="en-US" dirty="0" err="1" smtClean="0">
+                          <a:solidFill>
+                            <a:schemeClr val="tx1"/>
+                          </a:solidFill>
+                        </a:rPr>
+                        <a:t>.Net</a:t>
+                      </a:r>
+                      <a:r>
+                        <a:rPr lang="en-US" dirty="0" smtClean="0">
+                          <a:solidFill>
+                            <a:schemeClr val="tx1"/>
+                          </a:solidFill>
+                        </a:rPr>
+                        <a:t> wrappers</a:t>
+                      </a:r>
+                      <a:endParaRPr lang="ru-RU" dirty="0">
+                        <a:solidFill>
+                          <a:schemeClr val="tx1"/>
+                        </a:solidFill>
+                      </a:endParaRPr>
+                    </a:p>
+                  </a:txBody>
+                  <a:tcPr/>
+                </a:tc>
+                <a:extLst>
+                  <a:ext uri="{0D108BD9-81ED-4DB2-BD59-A6C34878D82A}">
+                    <a16:rowId xmlns:a16="http://schemas.microsoft.com/office/drawing/2014/main" val="1025612507"/>
+                  </a:ext>
+                </a:extLst>
+              </a:tr>
+              <a:tr h="671506">
+                <a:tc>
+                  <a:txBody>
+                    <a:bodyPr/>
+                    <a:lstStyle/>
+                    <a:p>
+                      <a:endParaRPr lang="ru-RU" dirty="0"/>
+                    </a:p>
+                  </a:txBody>
+                  <a:tcPr>
+                    <a:blipFill>
+                      <a:blip r:embed="rId3"/>
+                      <a:stretch>
+                        <a:fillRect/>
+                      </a:stretch>
+                    </a:blipFill>
+                  </a:tcPr>
+                </a:tc>
+                <a:tc>
+                  <a:txBody>
+                    <a:bodyPr/>
+                    <a:lstStyle/>
+                    <a:p>
+                      <a:pPr algn="ctr"/>
+                      <a:r>
+                        <a:rPr lang="en-US" smtClean="0"/>
+                        <a:t>GTK / GTK+</a:t>
+                      </a:r>
+                      <a:endParaRPr lang="ru-RU" dirty="0"/>
+                    </a:p>
+                  </a:txBody>
+                  <a:tcPr anchor="ctr"/>
+                </a:tc>
+                <a:tc>
+                  <a:txBody>
+                    <a:bodyPr/>
+                    <a:lstStyle/>
+                    <a:p>
+                      <a:pPr algn="ctr"/>
+                      <a:r>
+                        <a:rPr lang="en-US" dirty="0" smtClean="0"/>
+                        <a:t>C</a:t>
+                      </a:r>
+                      <a:endParaRPr lang="ru-RU" dirty="0"/>
+                    </a:p>
+                  </a:txBody>
+                  <a:tcPr anchor="ctr"/>
+                </a:tc>
+                <a:tc>
+                  <a:txBody>
+                    <a:bodyPr/>
+                    <a:lstStyle/>
+                    <a:p>
+                      <a:pPr algn="ctr"/>
+                      <a:r>
+                        <a:rPr lang="en-US" dirty="0" err="1" smtClean="0"/>
+                        <a:t>Gtk</a:t>
+                      </a:r>
+                      <a:r>
+                        <a:rPr lang="en-US" dirty="0" smtClean="0"/>
+                        <a:t>#, </a:t>
+                      </a:r>
+                      <a:r>
+                        <a:rPr lang="en-US" baseline="0" dirty="0" err="1" smtClean="0"/>
+                        <a:t>GtkSharp</a:t>
+                      </a:r>
+                      <a:endParaRPr lang="ru-RU" dirty="0"/>
+                    </a:p>
+                  </a:txBody>
+                  <a:tcPr anchor="ctr"/>
+                </a:tc>
+                <a:extLst>
+                  <a:ext uri="{0D108BD9-81ED-4DB2-BD59-A6C34878D82A}">
+                    <a16:rowId xmlns:a16="http://schemas.microsoft.com/office/drawing/2014/main" val="2632129284"/>
+                  </a:ext>
+                </a:extLst>
+              </a:tr>
+              <a:tr h="671506">
+                <a:tc>
+                  <a:txBody>
+                    <a:bodyPr/>
+                    <a:lstStyle/>
+                    <a:p>
+                      <a:endParaRPr lang="ru-RU" dirty="0"/>
+                    </a:p>
+                  </a:txBody>
+                  <a:tcPr>
+                    <a:blipFill>
+                      <a:blip r:embed="rId4"/>
+                      <a:stretch>
+                        <a:fillRect/>
+                      </a:stretch>
+                    </a:blipFill>
+                  </a:tcPr>
+                </a:tc>
+                <a:tc>
+                  <a:txBody>
+                    <a:bodyPr/>
+                    <a:lstStyle/>
+                    <a:p>
+                      <a:pPr algn="ctr"/>
+                      <a:r>
+                        <a:rPr lang="en-US" dirty="0" err="1" smtClean="0"/>
+                        <a:t>Qt</a:t>
+                      </a:r>
+                      <a:endParaRPr lang="ru-RU" dirty="0"/>
+                    </a:p>
+                  </a:txBody>
+                  <a:tcPr anchor="ctr"/>
+                </a:tc>
+                <a:tc>
+                  <a:txBody>
+                    <a:bodyPr/>
+                    <a:lstStyle/>
+                    <a:p>
+                      <a:pPr algn="ctr"/>
+                      <a:r>
+                        <a:rPr lang="en-US" dirty="0" smtClean="0"/>
+                        <a:t>C++</a:t>
+                      </a:r>
+                      <a:endParaRPr lang="ru-RU" dirty="0"/>
+                    </a:p>
+                  </a:txBody>
+                  <a:tcPr anchor="ctr"/>
+                </a:tc>
+                <a:tc>
+                  <a:txBody>
+                    <a:bodyPr/>
+                    <a:lstStyle/>
+                    <a:p>
+                      <a:pPr algn="ctr"/>
+                      <a:r>
+                        <a:rPr lang="en-US" dirty="0" err="1" smtClean="0"/>
+                        <a:t>QtSharp</a:t>
+                      </a:r>
+                      <a:r>
+                        <a:rPr lang="en-US" dirty="0" smtClean="0"/>
+                        <a:t>, </a:t>
+                      </a:r>
+                      <a:r>
+                        <a:rPr lang="en-US" dirty="0" err="1" smtClean="0"/>
+                        <a:t>QmlNet</a:t>
+                      </a:r>
+                      <a:endParaRPr lang="ru-RU" dirty="0"/>
+                    </a:p>
+                  </a:txBody>
+                  <a:tcPr anchor="ctr"/>
+                </a:tc>
+                <a:extLst>
+                  <a:ext uri="{0D108BD9-81ED-4DB2-BD59-A6C34878D82A}">
+                    <a16:rowId xmlns:a16="http://schemas.microsoft.com/office/drawing/2014/main" val="1978111912"/>
+                  </a:ext>
+                </a:extLst>
+              </a:tr>
+              <a:tr h="671506">
+                <a:tc>
+                  <a:txBody>
+                    <a:bodyPr/>
+                    <a:lstStyle/>
+                    <a:p>
+                      <a:endParaRPr lang="ru-RU" dirty="0"/>
+                    </a:p>
+                  </a:txBody>
+                  <a:tcPr>
+                    <a:blipFill>
+                      <a:blip r:embed="rId5"/>
+                      <a:stretch>
+                        <a:fillRect/>
+                      </a:stretch>
+                    </a:blipFill>
+                  </a:tcPr>
+                </a:tc>
+                <a:tc>
+                  <a:txBody>
+                    <a:bodyPr/>
+                    <a:lstStyle/>
+                    <a:p>
+                      <a:pPr algn="ctr"/>
+                      <a:r>
+                        <a:rPr lang="en-US" dirty="0" err="1" smtClean="0"/>
+                        <a:t>wxWidgets</a:t>
+                      </a:r>
+                      <a:endParaRPr lang="ru-RU" dirty="0"/>
+                    </a:p>
+                  </a:txBody>
+                  <a:tcPr anchor="ctr"/>
+                </a:tc>
+                <a:tc>
+                  <a:txBody>
+                    <a:bodyPr/>
+                    <a:lstStyle/>
+                    <a:p>
+                      <a:pPr algn="ctr"/>
+                      <a:r>
+                        <a:rPr lang="en-US" dirty="0" smtClean="0"/>
+                        <a:t>C++</a:t>
+                      </a:r>
+                      <a:endParaRPr lang="ru-RU" dirty="0"/>
+                    </a:p>
+                  </a:txBody>
+                  <a:tcPr anchor="ctr"/>
+                </a:tc>
+                <a:tc>
+                  <a:txBody>
+                    <a:bodyPr/>
+                    <a:lstStyle/>
+                    <a:p>
+                      <a:pPr algn="ctr"/>
+                      <a:r>
+                        <a:rPr lang="en-US" dirty="0" smtClean="0"/>
+                        <a:t>-</a:t>
+                      </a:r>
+                      <a:endParaRPr lang="ru-RU" dirty="0"/>
+                    </a:p>
+                  </a:txBody>
+                  <a:tcPr anchor="ctr"/>
+                </a:tc>
+                <a:extLst>
+                  <a:ext uri="{0D108BD9-81ED-4DB2-BD59-A6C34878D82A}">
+                    <a16:rowId xmlns:a16="http://schemas.microsoft.com/office/drawing/2014/main" val="4134570689"/>
+                  </a:ext>
+                </a:extLst>
+              </a:tr>
+              <a:tr h="671506">
+                <a:tc>
+                  <a:txBody>
+                    <a:bodyPr/>
+                    <a:lstStyle/>
+                    <a:p>
+                      <a:endParaRPr lang="ru-RU" dirty="0"/>
+                    </a:p>
+                  </a:txBody>
+                  <a:tcPr>
+                    <a:blipFill>
+                      <a:blip r:embed="rId6"/>
+                      <a:stretch>
+                        <a:fillRect/>
+                      </a:stretch>
+                    </a:blipFill>
+                  </a:tcPr>
+                </a:tc>
+                <a:tc>
+                  <a:txBody>
+                    <a:bodyPr/>
+                    <a:lstStyle/>
+                    <a:p>
+                      <a:pPr algn="ctr"/>
+                      <a:r>
+                        <a:rPr lang="en-US" dirty="0" smtClean="0"/>
+                        <a:t>Swing</a:t>
+                      </a:r>
+                      <a:endParaRPr lang="ru-RU" dirty="0"/>
+                    </a:p>
+                  </a:txBody>
+                  <a:tcPr anchor="ctr"/>
+                </a:tc>
+                <a:tc>
+                  <a:txBody>
+                    <a:bodyPr/>
+                    <a:lstStyle/>
+                    <a:p>
+                      <a:pPr algn="ctr"/>
+                      <a:r>
+                        <a:rPr lang="en-US" dirty="0" smtClean="0"/>
+                        <a:t>Java</a:t>
+                      </a:r>
+                      <a:endParaRPr lang="ru-RU" dirty="0"/>
+                    </a:p>
+                  </a:txBody>
+                  <a:tcPr anchor="ctr"/>
+                </a:tc>
+                <a:tc>
+                  <a:txBody>
+                    <a:bodyPr/>
+                    <a:lstStyle/>
+                    <a:p>
+                      <a:pPr algn="ctr"/>
+                      <a:r>
+                        <a:rPr lang="en-US" dirty="0" smtClean="0"/>
+                        <a:t>-</a:t>
+                      </a:r>
+                      <a:endParaRPr lang="ru-RU" dirty="0"/>
+                    </a:p>
+                  </a:txBody>
+                  <a:tcPr anchor="ctr"/>
+                </a:tc>
+                <a:extLst>
+                  <a:ext uri="{0D108BD9-81ED-4DB2-BD59-A6C34878D82A}">
+                    <a16:rowId xmlns:a16="http://schemas.microsoft.com/office/drawing/2014/main" val="1463979126"/>
+                  </a:ext>
+                </a:extLst>
+              </a:tr>
+              <a:tr h="671506">
+                <a:tc>
+                  <a:txBody>
+                    <a:bodyPr/>
+                    <a:lstStyle/>
+                    <a:p>
+                      <a:endParaRPr lang="ru-RU" dirty="0"/>
+                    </a:p>
+                  </a:txBody>
+                  <a:tcPr>
+                    <a:blipFill>
+                      <a:blip r:embed="rId7"/>
+                      <a:stretch>
+                        <a:fillRect/>
+                      </a:stretch>
+                    </a:blipFill>
+                  </a:tcPr>
+                </a:tc>
+                <a:tc>
+                  <a:txBody>
+                    <a:bodyPr/>
+                    <a:lstStyle/>
+                    <a:p>
+                      <a:pPr algn="ctr"/>
+                      <a:r>
+                        <a:rPr lang="en-US" dirty="0" smtClean="0"/>
+                        <a:t>SWT</a:t>
+                      </a:r>
+                      <a:endParaRPr lang="ru-RU" dirty="0"/>
+                    </a:p>
+                  </a:txBody>
+                  <a:tcPr anchor="ctr"/>
+                </a:tc>
+                <a:tc>
+                  <a:txBody>
+                    <a:bodyPr/>
+                    <a:lstStyle/>
+                    <a:p>
+                      <a:pPr algn="ctr"/>
+                      <a:r>
+                        <a:rPr lang="en-US" dirty="0" smtClean="0"/>
+                        <a:t>Java</a:t>
+                      </a:r>
+                      <a:endParaRPr lang="ru-RU" dirty="0"/>
+                    </a:p>
+                  </a:txBody>
+                  <a:tcPr anchor="ctr"/>
+                </a:tc>
+                <a:tc>
+                  <a:txBody>
+                    <a:bodyPr/>
+                    <a:lstStyle/>
+                    <a:p>
+                      <a:pPr algn="ctr"/>
+                      <a:r>
+                        <a:rPr lang="en-US" dirty="0" smtClean="0"/>
+                        <a:t>-</a:t>
+                      </a:r>
+                      <a:endParaRPr lang="ru-RU" dirty="0"/>
+                    </a:p>
+                  </a:txBody>
+                  <a:tcPr anchor="ctr"/>
+                </a:tc>
+                <a:extLst>
+                  <a:ext uri="{0D108BD9-81ED-4DB2-BD59-A6C34878D82A}">
+                    <a16:rowId xmlns:a16="http://schemas.microsoft.com/office/drawing/2014/main" val="2759806467"/>
+                  </a:ext>
+                </a:extLst>
+              </a:tr>
+            </a:tbl>
+          </a:graphicData>
+        </a:graphic>
+      </p:graphicFrame>
       <p:sp>
         <p:nvSpPr>
           <p:cNvPr id="3" name="Заголовок 2"/>
@@ -16962,6 +21863,13 @@
   <p:clrMapOvr>
     <a:masterClrMapping/>
   </p:clrMapOvr>
+  <p:timing>
+    <p:tnLst>
+      <p:par>
+        <p:cTn id="1" dur="indefinite" restart="never" nodeType="tmRoot"/>
+      </p:par>
+    </p:tnLst>
+  </p:timing>
 </p:sld>
 </file>
 
@@ -17015,6 +21923,13 @@
   <p:clrMapOvr>
     <a:masterClrMapping/>
   </p:clrMapOvr>
+  <p:timing>
+    <p:tnLst>
+      <p:par>
+        <p:cTn id="1" dur="indefinite" restart="never" nodeType="tmRoot"/>
+      </p:par>
+    </p:tnLst>
+  </p:timing>
 </p:sld>
 </file>
 

--- a/presentation.pptx
+++ b/presentation.pptx
@@ -7,35 +7,39 @@
     <p:sldMasterId id="2147483663" r:id="rId3"/>
   </p:sldMasterIdLst>
   <p:notesMasterIdLst>
-    <p:notesMasterId r:id="rId27"/>
+    <p:notesMasterId r:id="rId31"/>
   </p:notesMasterIdLst>
   <p:handoutMasterIdLst>
-    <p:handoutMasterId r:id="rId28"/>
+    <p:handoutMasterId r:id="rId32"/>
   </p:handoutMasterIdLst>
   <p:sldIdLst>
     <p:sldId id="270" r:id="rId4"/>
     <p:sldId id="257" r:id="rId5"/>
     <p:sldId id="271" r:id="rId6"/>
-    <p:sldId id="272" r:id="rId7"/>
-    <p:sldId id="273" r:id="rId8"/>
-    <p:sldId id="274" r:id="rId9"/>
-    <p:sldId id="275" r:id="rId10"/>
-    <p:sldId id="276" r:id="rId11"/>
-    <p:sldId id="277" r:id="rId12"/>
-    <p:sldId id="278" r:id="rId13"/>
-    <p:sldId id="279" r:id="rId14"/>
-    <p:sldId id="280" r:id="rId15"/>
-    <p:sldId id="281" r:id="rId16"/>
-    <p:sldId id="284" r:id="rId17"/>
-    <p:sldId id="282" r:id="rId18"/>
-    <p:sldId id="283" r:id="rId19"/>
-    <p:sldId id="285" r:id="rId20"/>
-    <p:sldId id="286" r:id="rId21"/>
-    <p:sldId id="287" r:id="rId22"/>
-    <p:sldId id="288" r:id="rId23"/>
-    <p:sldId id="268" r:id="rId24"/>
-    <p:sldId id="290" r:id="rId25"/>
-    <p:sldId id="289" r:id="rId26"/>
+    <p:sldId id="293" r:id="rId7"/>
+    <p:sldId id="292" r:id="rId8"/>
+    <p:sldId id="272" r:id="rId9"/>
+    <p:sldId id="273" r:id="rId10"/>
+    <p:sldId id="274" r:id="rId11"/>
+    <p:sldId id="291" r:id="rId12"/>
+    <p:sldId id="275" r:id="rId13"/>
+    <p:sldId id="276" r:id="rId14"/>
+    <p:sldId id="294" r:id="rId15"/>
+    <p:sldId id="277" r:id="rId16"/>
+    <p:sldId id="278" r:id="rId17"/>
+    <p:sldId id="279" r:id="rId18"/>
+    <p:sldId id="280" r:id="rId19"/>
+    <p:sldId id="284" r:id="rId20"/>
+    <p:sldId id="281" r:id="rId21"/>
+    <p:sldId id="282" r:id="rId22"/>
+    <p:sldId id="283" r:id="rId23"/>
+    <p:sldId id="285" r:id="rId24"/>
+    <p:sldId id="286" r:id="rId25"/>
+    <p:sldId id="287" r:id="rId26"/>
+    <p:sldId id="288" r:id="rId27"/>
+    <p:sldId id="268" r:id="rId28"/>
+    <p:sldId id="290" r:id="rId29"/>
+    <p:sldId id="289" r:id="rId30"/>
   </p:sldIdLst>
   <p:sldSz cx="9144000" cy="5143500" type="screen16x9"/>
   <p:notesSz cx="6858000" cy="9144000"/>
@@ -962,7 +966,15 @@
           <a:pPr rtl="0"/>
           <a:r>
             <a:rPr lang="en-US" dirty="0" smtClean="0"/>
-            <a:t>Wrapper (binding) to cross platform lib</a:t>
+            <a:t>Wrapper (binding) </a:t>
+          </a:r>
+          <a:r>
+            <a:rPr lang="en-US" dirty="0" smtClean="0"/>
+            <a:t>for </a:t>
+          </a:r>
+          <a:r>
+            <a:rPr lang="en-US" dirty="0" smtClean="0"/>
+            <a:t>cross platform lib</a:t>
           </a:r>
           <a:endParaRPr lang="ru-RU" dirty="0"/>
         </a:p>
@@ -1285,8 +1297,8 @@
         <a:p>
           <a:pPr rtl="0"/>
           <a:r>
-            <a:rPr lang="en-US" dirty="0" smtClean="0"/>
-            <a:t>Electron</a:t>
+            <a:rPr lang="en-US" dirty="0" err="1" smtClean="0"/>
+            <a:t>Electron.Net</a:t>
           </a:r>
           <a:endParaRPr lang="ru-RU" dirty="0"/>
         </a:p>
@@ -1323,8 +1335,8 @@
         <a:p>
           <a:pPr rtl="0"/>
           <a:r>
-            <a:rPr lang="en-US" smtClean="0"/>
-            <a:t>Sciter</a:t>
+            <a:rPr lang="en-US" dirty="0" err="1" smtClean="0"/>
+            <a:t>SciterSharp</a:t>
           </a:r>
           <a:endParaRPr lang="ru-RU" dirty="0"/>
         </a:p>
@@ -1361,6 +1373,13 @@
         </dgm:presLayoutVars>
       </dgm:prSet>
       <dgm:spPr/>
+      <dgm:t>
+        <a:bodyPr/>
+        <a:lstStyle/>
+        <a:p>
+          <a:endParaRPr lang="ru-RU"/>
+        </a:p>
+      </dgm:t>
     </dgm:pt>
     <dgm:pt modelId="{BFCBEAEA-F9E9-46C4-A4A6-5541CB128EE6}" type="pres">
       <dgm:prSet presAssocID="{5D86F55A-1508-43CA-BADB-671F11798484}" presName="compNode" presStyleCnt="0"/>
@@ -1369,10 +1388,24 @@
     <dgm:pt modelId="{F3789138-80AB-47F5-A6C4-8F4454E89E1A}" type="pres">
       <dgm:prSet presAssocID="{5D86F55A-1508-43CA-BADB-671F11798484}" presName="aNode" presStyleLbl="bgShp" presStyleIdx="0" presStyleCnt="3"/>
       <dgm:spPr/>
+      <dgm:t>
+        <a:bodyPr/>
+        <a:lstStyle/>
+        <a:p>
+          <a:endParaRPr lang="ru-RU"/>
+        </a:p>
+      </dgm:t>
     </dgm:pt>
     <dgm:pt modelId="{B490B958-CD9C-4D99-83B8-F225BCCACAEE}" type="pres">
       <dgm:prSet presAssocID="{5D86F55A-1508-43CA-BADB-671F11798484}" presName="textNode" presStyleLbl="bgShp" presStyleIdx="0" presStyleCnt="3"/>
       <dgm:spPr/>
+      <dgm:t>
+        <a:bodyPr/>
+        <a:lstStyle/>
+        <a:p>
+          <a:endParaRPr lang="ru-RU"/>
+        </a:p>
+      </dgm:t>
     </dgm:pt>
     <dgm:pt modelId="{E8D85EFE-8CBF-4FA3-8C2B-F901E1E62BBF}" type="pres">
       <dgm:prSet presAssocID="{5D86F55A-1508-43CA-BADB-671F11798484}" presName="compChildNode" presStyleCnt="0"/>
@@ -1389,6 +1422,13 @@
         </dgm:presLayoutVars>
       </dgm:prSet>
       <dgm:spPr/>
+      <dgm:t>
+        <a:bodyPr/>
+        <a:lstStyle/>
+        <a:p>
+          <a:endParaRPr lang="ru-RU"/>
+        </a:p>
+      </dgm:t>
     </dgm:pt>
     <dgm:pt modelId="{9E519A8A-3CD2-4E8A-A4ED-835DE5F2FA09}" type="pres">
       <dgm:prSet presAssocID="{0E4DAF0B-AA80-4E20-A6E9-7A4DDC02735A}" presName="aSpace2" presStyleCnt="0"/>
@@ -1401,6 +1441,13 @@
         </dgm:presLayoutVars>
       </dgm:prSet>
       <dgm:spPr/>
+      <dgm:t>
+        <a:bodyPr/>
+        <a:lstStyle/>
+        <a:p>
+          <a:endParaRPr lang="ru-RU"/>
+        </a:p>
+      </dgm:t>
     </dgm:pt>
     <dgm:pt modelId="{B53F5545-894C-43AE-9893-84AA5FE288C3}" type="pres">
       <dgm:prSet presAssocID="{5D86F55A-1508-43CA-BADB-671F11798484}" presName="aSpace" presStyleCnt="0"/>
@@ -1447,6 +1494,13 @@
         </dgm:presLayoutVars>
       </dgm:prSet>
       <dgm:spPr/>
+      <dgm:t>
+        <a:bodyPr/>
+        <a:lstStyle/>
+        <a:p>
+          <a:endParaRPr lang="ru-RU"/>
+        </a:p>
+      </dgm:t>
     </dgm:pt>
     <dgm:pt modelId="{CA12ECE9-B9BC-474C-AFA4-002285D23DEE}" type="pres">
       <dgm:prSet presAssocID="{1BD27A93-79BD-4525-B442-A9E15C13FF02}" presName="aSpace2" presStyleCnt="0"/>
@@ -1459,6 +1513,13 @@
         </dgm:presLayoutVars>
       </dgm:prSet>
       <dgm:spPr/>
+      <dgm:t>
+        <a:bodyPr/>
+        <a:lstStyle/>
+        <a:p>
+          <a:endParaRPr lang="ru-RU"/>
+        </a:p>
+      </dgm:t>
     </dgm:pt>
     <dgm:pt modelId="{762D985B-1544-43E9-959C-097CB371DF7B}" type="pres">
       <dgm:prSet presAssocID="{C5DC55F5-9233-44A0-95BF-4380ECE11DDC}" presName="aSpace" presStyleCnt="0"/>
@@ -1471,10 +1532,24 @@
     <dgm:pt modelId="{259F6827-923B-46D9-B8A3-15FA33F5891A}" type="pres">
       <dgm:prSet presAssocID="{4FF7DDA8-7FD5-454E-A36F-4FD3A7D7C890}" presName="aNode" presStyleLbl="bgShp" presStyleIdx="2" presStyleCnt="3"/>
       <dgm:spPr/>
+      <dgm:t>
+        <a:bodyPr/>
+        <a:lstStyle/>
+        <a:p>
+          <a:endParaRPr lang="ru-RU"/>
+        </a:p>
+      </dgm:t>
     </dgm:pt>
     <dgm:pt modelId="{DA2E1E8A-50D3-4750-8079-5A61266FAEB4}" type="pres">
       <dgm:prSet presAssocID="{4FF7DDA8-7FD5-454E-A36F-4FD3A7D7C890}" presName="textNode" presStyleLbl="bgShp" presStyleIdx="2" presStyleCnt="3"/>
       <dgm:spPr/>
+      <dgm:t>
+        <a:bodyPr/>
+        <a:lstStyle/>
+        <a:p>
+          <a:endParaRPr lang="ru-RU"/>
+        </a:p>
+      </dgm:t>
     </dgm:pt>
     <dgm:pt modelId="{9D6B3BBD-C436-466C-A423-5DB177D463ED}" type="pres">
       <dgm:prSet presAssocID="{4FF7DDA8-7FD5-454E-A36F-4FD3A7D7C890}" presName="compChildNode" presStyleCnt="0"/>
@@ -1510,6 +1585,13 @@
         </dgm:presLayoutVars>
       </dgm:prSet>
       <dgm:spPr/>
+      <dgm:t>
+        <a:bodyPr/>
+        <a:lstStyle/>
+        <a:p>
+          <a:endParaRPr lang="ru-RU"/>
+        </a:p>
+      </dgm:t>
     </dgm:pt>
     <dgm:pt modelId="{30707E93-12BF-4EAE-83A1-F2E9092737A1}" type="pres">
       <dgm:prSet presAssocID="{CBA38333-46D7-4D22-95BE-74F7E76E14CC}" presName="aSpace2" presStyleCnt="0"/>
@@ -1532,30 +1614,30 @@
     </dgm:pt>
   </dgm:ptLst>
   <dgm:cxnLst>
+    <dgm:cxn modelId="{EDAAB3CF-240F-4F32-9E21-DC55A593254E}" type="presOf" srcId="{1BD27A93-79BD-4525-B442-A9E15C13FF02}" destId="{A24824F3-0FE3-4974-A5B5-2A3016C21913}" srcOrd="0" destOrd="0" presId="urn:microsoft.com/office/officeart/2005/8/layout/lProcess2"/>
+    <dgm:cxn modelId="{0007C9DB-6402-4C33-A1EA-7995E17AECFC}" srcId="{5D86F55A-1508-43CA-BADB-671F11798484}" destId="{0E4DAF0B-AA80-4E20-A6E9-7A4DDC02735A}" srcOrd="0" destOrd="0" parTransId="{28E2FD47-3A6C-44E3-87BF-F68C581FB6C3}" sibTransId="{73ED20BB-0353-44DD-9CD3-0BF58D284CE5}"/>
+    <dgm:cxn modelId="{5EC452B1-D1BC-41D2-810E-58D196B8D09E}" srcId="{4FF7DDA8-7FD5-454E-A36F-4FD3A7D7C890}" destId="{34F6A30E-3479-4CF4-A1AD-95E6CEF89169}" srcOrd="2" destOrd="0" parTransId="{E5FD206A-45EF-444B-A724-3FE2AF91FD02}" sibTransId="{66B6DBCD-5703-41D7-BE58-F361D095D1B5}"/>
+    <dgm:cxn modelId="{7744222B-F8B8-4C25-9354-6282BC07CB82}" type="presOf" srcId="{CBA38333-46D7-4D22-95BE-74F7E76E14CC}" destId="{BA4C0D9A-A243-4B82-8D2D-E1EB1A725FAF}" srcOrd="0" destOrd="0" presId="urn:microsoft.com/office/officeart/2005/8/layout/lProcess2"/>
+    <dgm:cxn modelId="{418D5FC1-9130-4BAF-B0BD-9E47348C664B}" type="presOf" srcId="{0B9BF487-A8C8-474E-B7A8-67651B0EF015}" destId="{8EA06CCA-1EBF-475D-9BB7-4D85D7F8AA68}" srcOrd="0" destOrd="0" presId="urn:microsoft.com/office/officeart/2005/8/layout/lProcess2"/>
+    <dgm:cxn modelId="{9AF611D1-2A5F-4EDD-A94A-3AB3BA5F07C8}" type="presOf" srcId="{501FE740-43A1-4C25-84E9-B13817B02402}" destId="{4214E177-889D-496F-A797-71502CDA0256}" srcOrd="0" destOrd="0" presId="urn:microsoft.com/office/officeart/2005/8/layout/lProcess2"/>
+    <dgm:cxn modelId="{E905AA43-9956-4172-B146-7527E3541714}" type="presOf" srcId="{C00B50FB-2FF4-4AEC-91CD-24967E9DE6C4}" destId="{2B3C0B48-3E20-4E41-86B8-5C0C374ADBFE}" srcOrd="0" destOrd="0" presId="urn:microsoft.com/office/officeart/2005/8/layout/lProcess2"/>
+    <dgm:cxn modelId="{607BBF0B-8D20-4366-B6E8-D0709DFBF4CE}" srcId="{0B9BF487-A8C8-474E-B7A8-67651B0EF015}" destId="{4FF7DDA8-7FD5-454E-A36F-4FD3A7D7C890}" srcOrd="2" destOrd="0" parTransId="{B6DD0628-79EE-426D-87EE-41715C2C5DF8}" sibTransId="{F2525FFE-1AC4-4216-B780-A88473088F4A}"/>
+    <dgm:cxn modelId="{1EC75BF5-3EDB-4C94-A47B-0873F5496C5E}" srcId="{5D86F55A-1508-43CA-BADB-671F11798484}" destId="{501FE740-43A1-4C25-84E9-B13817B02402}" srcOrd="1" destOrd="0" parTransId="{562A18EE-18CB-4B99-B881-5AD1A0BA2CB4}" sibTransId="{45652AEA-2367-41E7-80B0-4A8BA7DB1513}"/>
+    <dgm:cxn modelId="{2FC9F3AC-A24F-421F-8112-DFF0AB6B46A5}" srcId="{0B9BF487-A8C8-474E-B7A8-67651B0EF015}" destId="{5D86F55A-1508-43CA-BADB-671F11798484}" srcOrd="0" destOrd="0" parTransId="{1F75225B-A66A-430D-BC0F-2E96D0441A56}" sibTransId="{62E409F9-B4C0-44B6-BD7A-E89E427B0F4D}"/>
+    <dgm:cxn modelId="{68B07983-5795-4F56-A26F-56B3DC1D63EA}" type="presOf" srcId="{C5DC55F5-9233-44A0-95BF-4380ECE11DDC}" destId="{2A9C4B20-C401-454D-956F-E017344164BB}" srcOrd="0" destOrd="0" presId="urn:microsoft.com/office/officeart/2005/8/layout/lProcess2"/>
     <dgm:cxn modelId="{0DC12562-6137-40B9-8538-689A006CD0FE}" type="presOf" srcId="{5D86F55A-1508-43CA-BADB-671F11798484}" destId="{F3789138-80AB-47F5-A6C4-8F4454E89E1A}" srcOrd="0" destOrd="0" presId="urn:microsoft.com/office/officeart/2005/8/layout/lProcess2"/>
-    <dgm:cxn modelId="{2FC9F3AC-A24F-421F-8112-DFF0AB6B46A5}" srcId="{0B9BF487-A8C8-474E-B7A8-67651B0EF015}" destId="{5D86F55A-1508-43CA-BADB-671F11798484}" srcOrd="0" destOrd="0" parTransId="{1F75225B-A66A-430D-BC0F-2E96D0441A56}" sibTransId="{62E409F9-B4C0-44B6-BD7A-E89E427B0F4D}"/>
-    <dgm:cxn modelId="{607BBF0B-8D20-4366-B6E8-D0709DFBF4CE}" srcId="{0B9BF487-A8C8-474E-B7A8-67651B0EF015}" destId="{4FF7DDA8-7FD5-454E-A36F-4FD3A7D7C890}" srcOrd="2" destOrd="0" parTransId="{B6DD0628-79EE-426D-87EE-41715C2C5DF8}" sibTransId="{F2525FFE-1AC4-4216-B780-A88473088F4A}"/>
-    <dgm:cxn modelId="{F4305E6B-D992-4EA7-B4AF-210D7933C78C}" srcId="{C5DC55F5-9233-44A0-95BF-4380ECE11DDC}" destId="{1BD27A93-79BD-4525-B442-A9E15C13FF02}" srcOrd="0" destOrd="0" parTransId="{FACDE096-BC83-4664-8317-16CB76F0BBFB}" sibTransId="{2BB23AB8-EFC1-4236-9BAC-0CD464BBE997}"/>
-    <dgm:cxn modelId="{DB98C942-C3F9-4CA9-B11B-96937583DEA5}" type="presOf" srcId="{5D86F55A-1508-43CA-BADB-671F11798484}" destId="{B490B958-CD9C-4D99-83B8-F225BCCACAEE}" srcOrd="1" destOrd="0" presId="urn:microsoft.com/office/officeart/2005/8/layout/lProcess2"/>
+    <dgm:cxn modelId="{BC6DE340-EBC6-41ED-8663-84B2317E8C5B}" srcId="{0B9BF487-A8C8-474E-B7A8-67651B0EF015}" destId="{C5DC55F5-9233-44A0-95BF-4380ECE11DDC}" srcOrd="1" destOrd="0" parTransId="{76EA0871-5DD4-4FAE-83AC-CF6895B55D5A}" sibTransId="{04FC8717-7BC8-468C-B6C7-2B12D609B150}"/>
     <dgm:cxn modelId="{D1FB87B1-FCE4-4370-87A0-D12010E1FA5F}" srcId="{4FF7DDA8-7FD5-454E-A36F-4FD3A7D7C890}" destId="{7BB925E4-15F6-4DDD-9E1B-48BDF0F6663B}" srcOrd="0" destOrd="0" parTransId="{974670F0-13BD-4F97-9DD0-5C12DD376EAD}" sibTransId="{7D85CD95-9529-4FFF-AA7B-E70EF0243270}"/>
     <dgm:cxn modelId="{7BFCDEDF-8297-4ED9-8E54-FE37B3EF1033}" type="presOf" srcId="{0E4DAF0B-AA80-4E20-A6E9-7A4DDC02735A}" destId="{11FFC30F-F1DF-415F-ADA2-495380681218}" srcOrd="0" destOrd="0" presId="urn:microsoft.com/office/officeart/2005/8/layout/lProcess2"/>
-    <dgm:cxn modelId="{9AF611D1-2A5F-4EDD-A94A-3AB3BA5F07C8}" type="presOf" srcId="{501FE740-43A1-4C25-84E9-B13817B02402}" destId="{4214E177-889D-496F-A797-71502CDA0256}" srcOrd="0" destOrd="0" presId="urn:microsoft.com/office/officeart/2005/8/layout/lProcess2"/>
-    <dgm:cxn modelId="{1EC75BF5-3EDB-4C94-A47B-0873F5496C5E}" srcId="{5D86F55A-1508-43CA-BADB-671F11798484}" destId="{501FE740-43A1-4C25-84E9-B13817B02402}" srcOrd="1" destOrd="0" parTransId="{562A18EE-18CB-4B99-B881-5AD1A0BA2CB4}" sibTransId="{45652AEA-2367-41E7-80B0-4A8BA7DB1513}"/>
-    <dgm:cxn modelId="{68B07983-5795-4F56-A26F-56B3DC1D63EA}" type="presOf" srcId="{C5DC55F5-9233-44A0-95BF-4380ECE11DDC}" destId="{2A9C4B20-C401-454D-956F-E017344164BB}" srcOrd="0" destOrd="0" presId="urn:microsoft.com/office/officeart/2005/8/layout/lProcess2"/>
-    <dgm:cxn modelId="{EDAAB3CF-240F-4F32-9E21-DC55A593254E}" type="presOf" srcId="{1BD27A93-79BD-4525-B442-A9E15C13FF02}" destId="{A24824F3-0FE3-4974-A5B5-2A3016C21913}" srcOrd="0" destOrd="0" presId="urn:microsoft.com/office/officeart/2005/8/layout/lProcess2"/>
-    <dgm:cxn modelId="{5EC452B1-D1BC-41D2-810E-58D196B8D09E}" srcId="{4FF7DDA8-7FD5-454E-A36F-4FD3A7D7C890}" destId="{34F6A30E-3479-4CF4-A1AD-95E6CEF89169}" srcOrd="2" destOrd="0" parTransId="{E5FD206A-45EF-444B-A724-3FE2AF91FD02}" sibTransId="{66B6DBCD-5703-41D7-BE58-F361D095D1B5}"/>
-    <dgm:cxn modelId="{E905AA43-9956-4172-B146-7527E3541714}" type="presOf" srcId="{C00B50FB-2FF4-4AEC-91CD-24967E9DE6C4}" destId="{2B3C0B48-3E20-4E41-86B8-5C0C374ADBFE}" srcOrd="0" destOrd="0" presId="urn:microsoft.com/office/officeart/2005/8/layout/lProcess2"/>
-    <dgm:cxn modelId="{7BB13088-146C-4520-89AC-05FF600090D0}" type="presOf" srcId="{34F6A30E-3479-4CF4-A1AD-95E6CEF89169}" destId="{EA6E47CD-3FAB-4CB4-AA5D-D7C422681E75}" srcOrd="0" destOrd="0" presId="urn:microsoft.com/office/officeart/2005/8/layout/lProcess2"/>
-    <dgm:cxn modelId="{0007C9DB-6402-4C33-A1EA-7995E17AECFC}" srcId="{5D86F55A-1508-43CA-BADB-671F11798484}" destId="{0E4DAF0B-AA80-4E20-A6E9-7A4DDC02735A}" srcOrd="0" destOrd="0" parTransId="{28E2FD47-3A6C-44E3-87BF-F68C581FB6C3}" sibTransId="{73ED20BB-0353-44DD-9CD3-0BF58D284CE5}"/>
     <dgm:cxn modelId="{90672B31-958C-48DC-80CB-A484D25B45AB}" type="presOf" srcId="{4FF7DDA8-7FD5-454E-A36F-4FD3A7D7C890}" destId="{259F6827-923B-46D9-B8A3-15FA33F5891A}" srcOrd="0" destOrd="0" presId="urn:microsoft.com/office/officeart/2005/8/layout/lProcess2"/>
     <dgm:cxn modelId="{A2C03C8D-C4CD-43C8-90C1-B690869875DF}" srcId="{4FF7DDA8-7FD5-454E-A36F-4FD3A7D7C890}" destId="{CBA38333-46D7-4D22-95BE-74F7E76E14CC}" srcOrd="1" destOrd="0" parTransId="{AE78E543-9DEF-4B44-9B7C-60796EC34ED7}" sibTransId="{1C65AE18-7F7C-4C02-A882-10680004633C}"/>
+    <dgm:cxn modelId="{F4305E6B-D992-4EA7-B4AF-210D7933C78C}" srcId="{C5DC55F5-9233-44A0-95BF-4380ECE11DDC}" destId="{1BD27A93-79BD-4525-B442-A9E15C13FF02}" srcOrd="0" destOrd="0" parTransId="{FACDE096-BC83-4664-8317-16CB76F0BBFB}" sibTransId="{2BB23AB8-EFC1-4236-9BAC-0CD464BBE997}"/>
+    <dgm:cxn modelId="{4E8493F6-3671-4A0B-A43D-64C83503FB39}" type="presOf" srcId="{C5DC55F5-9233-44A0-95BF-4380ECE11DDC}" destId="{9CA37F98-1684-4A6C-8085-0CECD8A6A643}" srcOrd="1" destOrd="0" presId="urn:microsoft.com/office/officeart/2005/8/layout/lProcess2"/>
+    <dgm:cxn modelId="{8572BD8F-2313-499E-AC5B-BB17CBAE9BA1}" type="presOf" srcId="{7BB925E4-15F6-4DDD-9E1B-48BDF0F6663B}" destId="{D47DADFC-4944-4BCF-ABF7-D4CD710231E9}" srcOrd="0" destOrd="0" presId="urn:microsoft.com/office/officeart/2005/8/layout/lProcess2"/>
+    <dgm:cxn modelId="{7BB13088-146C-4520-89AC-05FF600090D0}" type="presOf" srcId="{34F6A30E-3479-4CF4-A1AD-95E6CEF89169}" destId="{EA6E47CD-3FAB-4CB4-AA5D-D7C422681E75}" srcOrd="0" destOrd="0" presId="urn:microsoft.com/office/officeart/2005/8/layout/lProcess2"/>
+    <dgm:cxn modelId="{B4D2061C-B200-4CE9-A6B8-7E76B16785AB}" srcId="{C5DC55F5-9233-44A0-95BF-4380ECE11DDC}" destId="{C00B50FB-2FF4-4AEC-91CD-24967E9DE6C4}" srcOrd="1" destOrd="0" parTransId="{ADF246BD-E912-42E6-A310-FB886EA7E631}" sibTransId="{D30F4151-A0B1-4229-A334-14D6D28CC2A3}"/>
     <dgm:cxn modelId="{844D03DB-1BF5-4B7E-B2A1-376A94C51FAF}" type="presOf" srcId="{4FF7DDA8-7FD5-454E-A36F-4FD3A7D7C890}" destId="{DA2E1E8A-50D3-4750-8079-5A61266FAEB4}" srcOrd="1" destOrd="0" presId="urn:microsoft.com/office/officeart/2005/8/layout/lProcess2"/>
-    <dgm:cxn modelId="{BC6DE340-EBC6-41ED-8663-84B2317E8C5B}" srcId="{0B9BF487-A8C8-474E-B7A8-67651B0EF015}" destId="{C5DC55F5-9233-44A0-95BF-4380ECE11DDC}" srcOrd="1" destOrd="0" parTransId="{76EA0871-5DD4-4FAE-83AC-CF6895B55D5A}" sibTransId="{04FC8717-7BC8-468C-B6C7-2B12D609B150}"/>
-    <dgm:cxn modelId="{418D5FC1-9130-4BAF-B0BD-9E47348C664B}" type="presOf" srcId="{0B9BF487-A8C8-474E-B7A8-67651B0EF015}" destId="{8EA06CCA-1EBF-475D-9BB7-4D85D7F8AA68}" srcOrd="0" destOrd="0" presId="urn:microsoft.com/office/officeart/2005/8/layout/lProcess2"/>
-    <dgm:cxn modelId="{4E8493F6-3671-4A0B-A43D-64C83503FB39}" type="presOf" srcId="{C5DC55F5-9233-44A0-95BF-4380ECE11DDC}" destId="{9CA37F98-1684-4A6C-8085-0CECD8A6A643}" srcOrd="1" destOrd="0" presId="urn:microsoft.com/office/officeart/2005/8/layout/lProcess2"/>
-    <dgm:cxn modelId="{B4D2061C-B200-4CE9-A6B8-7E76B16785AB}" srcId="{C5DC55F5-9233-44A0-95BF-4380ECE11DDC}" destId="{C00B50FB-2FF4-4AEC-91CD-24967E9DE6C4}" srcOrd="1" destOrd="0" parTransId="{ADF246BD-E912-42E6-A310-FB886EA7E631}" sibTransId="{D30F4151-A0B1-4229-A334-14D6D28CC2A3}"/>
-    <dgm:cxn modelId="{7744222B-F8B8-4C25-9354-6282BC07CB82}" type="presOf" srcId="{CBA38333-46D7-4D22-95BE-74F7E76E14CC}" destId="{BA4C0D9A-A243-4B82-8D2D-E1EB1A725FAF}" srcOrd="0" destOrd="0" presId="urn:microsoft.com/office/officeart/2005/8/layout/lProcess2"/>
-    <dgm:cxn modelId="{8572BD8F-2313-499E-AC5B-BB17CBAE9BA1}" type="presOf" srcId="{7BB925E4-15F6-4DDD-9E1B-48BDF0F6663B}" destId="{D47DADFC-4944-4BCF-ABF7-D4CD710231E9}" srcOrd="0" destOrd="0" presId="urn:microsoft.com/office/officeart/2005/8/layout/lProcess2"/>
+    <dgm:cxn modelId="{DB98C942-C3F9-4CA9-B11B-96937583DEA5}" type="presOf" srcId="{5D86F55A-1508-43CA-BADB-671F11798484}" destId="{B490B958-CD9C-4D99-83B8-F225BCCACAEE}" srcOrd="1" destOrd="0" presId="urn:microsoft.com/office/officeart/2005/8/layout/lProcess2"/>
     <dgm:cxn modelId="{424E6AFC-5360-4542-8C45-8D799ED23A22}" type="presParOf" srcId="{8EA06CCA-1EBF-475D-9BB7-4D85D7F8AA68}" destId="{BFCBEAEA-F9E9-46C4-A4A6-5541CB128EE6}" srcOrd="0" destOrd="0" presId="urn:microsoft.com/office/officeart/2005/8/layout/lProcess2"/>
     <dgm:cxn modelId="{CF5337B5-04D0-44B2-AFAF-5E91C0BC3D4C}" type="presParOf" srcId="{BFCBEAEA-F9E9-46C4-A4A6-5541CB128EE6}" destId="{F3789138-80AB-47F5-A6C4-8F4454E89E1A}" srcOrd="0" destOrd="0" presId="urn:microsoft.com/office/officeart/2005/8/layout/lProcess2"/>
     <dgm:cxn modelId="{7514BA81-FF95-4F23-B9A4-D46829593679}" type="presParOf" srcId="{BFCBEAEA-F9E9-46C4-A4A6-5541CB128EE6}" destId="{B490B958-CD9C-4D99-83B8-F225BCCACAEE}" srcOrd="1" destOrd="0" presId="urn:microsoft.com/office/officeart/2005/8/layout/lProcess2"/>
@@ -1663,7 +1745,15 @@
           </a:pPr>
           <a:r>
             <a:rPr lang="en-US" sz="2300" kern="1200" dirty="0" smtClean="0"/>
-            <a:t>Wrapper (binding) to cross platform lib</a:t>
+            <a:t>Wrapper (binding) </a:t>
+          </a:r>
+          <a:r>
+            <a:rPr lang="en-US" sz="2300" kern="1200" dirty="0" smtClean="0"/>
+            <a:t>for </a:t>
+          </a:r>
+          <a:r>
+            <a:rPr lang="en-US" sz="2300" kern="1200" dirty="0" smtClean="0"/>
+            <a:t>cross platform lib</a:t>
           </a:r>
           <a:endParaRPr lang="ru-RU" sz="2300" kern="1200" dirty="0"/>
         </a:p>
@@ -1753,12 +1843,12 @@
         </a:fontRef>
       </dsp:style>
       <dsp:txBody>
-        <a:bodyPr spcFirstLastPara="0" vert="horz" wrap="square" lIns="88900" tIns="66675" rIns="88900" bIns="66675" numCol="1" spcCol="1270" anchor="ctr" anchorCtr="0">
+        <a:bodyPr spcFirstLastPara="0" vert="horz" wrap="square" lIns="73660" tIns="55245" rIns="73660" bIns="55245" numCol="1" spcCol="1270" anchor="ctr" anchorCtr="0">
           <a:noAutofit/>
         </a:bodyPr>
         <a:lstStyle/>
         <a:p>
-          <a:pPr lvl="0" algn="ctr" defTabSz="1555750" rtl="0">
+          <a:pPr lvl="0" algn="ctr" defTabSz="1289050" rtl="0">
             <a:lnSpc>
               <a:spcPct val="90000"/>
             </a:lnSpc>
@@ -1770,10 +1860,10 @@
             </a:spcAft>
           </a:pPr>
           <a:r>
-            <a:rPr lang="en-US" sz="3500" kern="1200" dirty="0" smtClean="0"/>
+            <a:rPr lang="en-US" sz="2900" kern="1200" dirty="0" smtClean="0"/>
             <a:t>GTK#</a:t>
           </a:r>
-          <a:endParaRPr lang="ru-RU" sz="3500" kern="1200" dirty="0"/>
+          <a:endParaRPr lang="ru-RU" sz="2900" kern="1200" dirty="0"/>
         </a:p>
       </dsp:txBody>
       <dsp:txXfrm>
@@ -1861,12 +1951,12 @@
         </a:fontRef>
       </dsp:style>
       <dsp:txBody>
-        <a:bodyPr spcFirstLastPara="0" vert="horz" wrap="square" lIns="88900" tIns="66675" rIns="88900" bIns="66675" numCol="1" spcCol="1270" anchor="ctr" anchorCtr="0">
+        <a:bodyPr spcFirstLastPara="0" vert="horz" wrap="square" lIns="73660" tIns="55245" rIns="73660" bIns="55245" numCol="1" spcCol="1270" anchor="ctr" anchorCtr="0">
           <a:noAutofit/>
         </a:bodyPr>
         <a:lstStyle/>
         <a:p>
-          <a:pPr lvl="0" algn="ctr" defTabSz="1555750" rtl="0">
+          <a:pPr lvl="0" algn="ctr" defTabSz="1289050" rtl="0">
             <a:lnSpc>
               <a:spcPct val="90000"/>
             </a:lnSpc>
@@ -1878,10 +1968,10 @@
             </a:spcAft>
           </a:pPr>
           <a:r>
-            <a:rPr lang="en-US" sz="3500" kern="1200" dirty="0" err="1" smtClean="0"/>
+            <a:rPr lang="en-US" sz="2900" kern="1200" dirty="0" err="1" smtClean="0"/>
             <a:t>QtSharp</a:t>
           </a:r>
-          <a:endParaRPr lang="ru-RU" sz="3500" kern="1200" dirty="0"/>
+          <a:endParaRPr lang="ru-RU" sz="2900" kern="1200" dirty="0"/>
         </a:p>
       </dsp:txBody>
       <dsp:txXfrm>
@@ -2059,12 +2149,12 @@
         </a:fontRef>
       </dsp:style>
       <dsp:txBody>
-        <a:bodyPr spcFirstLastPara="0" vert="horz" wrap="square" lIns="88900" tIns="66675" rIns="88900" bIns="66675" numCol="1" spcCol="1270" anchor="ctr" anchorCtr="0">
+        <a:bodyPr spcFirstLastPara="0" vert="horz" wrap="square" lIns="73660" tIns="55245" rIns="73660" bIns="55245" numCol="1" spcCol="1270" anchor="ctr" anchorCtr="0">
           <a:noAutofit/>
         </a:bodyPr>
         <a:lstStyle/>
         <a:p>
-          <a:pPr lvl="0" algn="ctr" defTabSz="1555750" rtl="0">
+          <a:pPr lvl="0" algn="ctr" defTabSz="1289050" rtl="0">
             <a:lnSpc>
               <a:spcPct val="90000"/>
             </a:lnSpc>
@@ -2076,10 +2166,10 @@
             </a:spcAft>
           </a:pPr>
           <a:r>
-            <a:rPr lang="en-US" sz="3500" kern="1200" dirty="0" smtClean="0"/>
+            <a:rPr lang="en-US" sz="2900" kern="1200" dirty="0" smtClean="0"/>
             <a:t>Avalonia</a:t>
           </a:r>
-          <a:endParaRPr lang="ru-RU" sz="3500" kern="1200" dirty="0"/>
+          <a:endParaRPr lang="ru-RU" sz="2900" kern="1200" dirty="0"/>
         </a:p>
       </dsp:txBody>
       <dsp:txXfrm>
@@ -2167,12 +2257,12 @@
         </a:fontRef>
       </dsp:style>
       <dsp:txBody>
-        <a:bodyPr spcFirstLastPara="0" vert="horz" wrap="square" lIns="88900" tIns="66675" rIns="88900" bIns="66675" numCol="1" spcCol="1270" anchor="ctr" anchorCtr="0">
+        <a:bodyPr spcFirstLastPara="0" vert="horz" wrap="square" lIns="73660" tIns="55245" rIns="73660" bIns="55245" numCol="1" spcCol="1270" anchor="ctr" anchorCtr="0">
           <a:noAutofit/>
         </a:bodyPr>
         <a:lstStyle/>
         <a:p>
-          <a:pPr lvl="0" algn="ctr" defTabSz="1555750" rtl="0">
+          <a:pPr lvl="0" algn="ctr" defTabSz="1289050" rtl="0">
             <a:lnSpc>
               <a:spcPct val="90000"/>
             </a:lnSpc>
@@ -2184,10 +2274,10 @@
             </a:spcAft>
           </a:pPr>
           <a:r>
-            <a:rPr lang="en-US" sz="3500" kern="1200" dirty="0" err="1" smtClean="0"/>
+            <a:rPr lang="en-US" sz="2900" kern="1200" dirty="0" err="1" smtClean="0"/>
             <a:t>Eto.Forms</a:t>
           </a:r>
-          <a:endParaRPr lang="ru-RU" sz="3500" kern="1200" dirty="0"/>
+          <a:endParaRPr lang="ru-RU" sz="2900" kern="1200" dirty="0"/>
         </a:p>
       </dsp:txBody>
       <dsp:txXfrm>
@@ -2345,12 +2435,12 @@
         </a:fontRef>
       </dsp:style>
       <dsp:txBody>
-        <a:bodyPr spcFirstLastPara="0" vert="horz" wrap="square" lIns="88900" tIns="66675" rIns="88900" bIns="66675" numCol="1" spcCol="1270" anchor="ctr" anchorCtr="0">
+        <a:bodyPr spcFirstLastPara="0" vert="horz" wrap="square" lIns="73660" tIns="55245" rIns="73660" bIns="55245" numCol="1" spcCol="1270" anchor="ctr" anchorCtr="0">
           <a:noAutofit/>
         </a:bodyPr>
         <a:lstStyle/>
         <a:p>
-          <a:pPr lvl="0" algn="ctr" defTabSz="1555750" rtl="0">
+          <a:pPr lvl="0" algn="ctr" defTabSz="1289050" rtl="0">
             <a:lnSpc>
               <a:spcPct val="90000"/>
             </a:lnSpc>
@@ -2362,10 +2452,10 @@
             </a:spcAft>
           </a:pPr>
           <a:r>
-            <a:rPr lang="en-US" sz="3500" kern="1200" dirty="0" smtClean="0"/>
+            <a:rPr lang="en-US" sz="2900" kern="1200" dirty="0" smtClean="0"/>
             <a:t>CEF</a:t>
           </a:r>
-          <a:endParaRPr lang="ru-RU" sz="3500" kern="1200" dirty="0"/>
+          <a:endParaRPr lang="ru-RU" sz="2900" kern="1200" dirty="0"/>
         </a:p>
       </dsp:txBody>
       <dsp:txXfrm>
@@ -2453,12 +2543,12 @@
         </a:fontRef>
       </dsp:style>
       <dsp:txBody>
-        <a:bodyPr spcFirstLastPara="0" vert="horz" wrap="square" lIns="88900" tIns="66675" rIns="88900" bIns="66675" numCol="1" spcCol="1270" anchor="ctr" anchorCtr="0">
+        <a:bodyPr spcFirstLastPara="0" vert="horz" wrap="square" lIns="73660" tIns="55245" rIns="73660" bIns="55245" numCol="1" spcCol="1270" anchor="ctr" anchorCtr="0">
           <a:noAutofit/>
         </a:bodyPr>
         <a:lstStyle/>
         <a:p>
-          <a:pPr lvl="0" algn="ctr" defTabSz="1555750" rtl="0">
+          <a:pPr lvl="0" algn="ctr" defTabSz="1289050" rtl="0">
             <a:lnSpc>
               <a:spcPct val="90000"/>
             </a:lnSpc>
@@ -2470,10 +2560,10 @@
             </a:spcAft>
           </a:pPr>
           <a:r>
-            <a:rPr lang="en-US" sz="3500" kern="1200" dirty="0" smtClean="0"/>
-            <a:t>Electron</a:t>
+            <a:rPr lang="en-US" sz="2900" kern="1200" dirty="0" err="1" smtClean="0"/>
+            <a:t>Electron.Net</a:t>
           </a:r>
-          <a:endParaRPr lang="ru-RU" sz="3500" kern="1200" dirty="0"/>
+          <a:endParaRPr lang="ru-RU" sz="2900" kern="1200" dirty="0"/>
         </a:p>
       </dsp:txBody>
       <dsp:txXfrm>
@@ -2561,12 +2651,12 @@
         </a:fontRef>
       </dsp:style>
       <dsp:txBody>
-        <a:bodyPr spcFirstLastPara="0" vert="horz" wrap="square" lIns="88900" tIns="66675" rIns="88900" bIns="66675" numCol="1" spcCol="1270" anchor="ctr" anchorCtr="0">
+        <a:bodyPr spcFirstLastPara="0" vert="horz" wrap="square" lIns="73660" tIns="55245" rIns="73660" bIns="55245" numCol="1" spcCol="1270" anchor="ctr" anchorCtr="0">
           <a:noAutofit/>
         </a:bodyPr>
         <a:lstStyle/>
         <a:p>
-          <a:pPr lvl="0" algn="ctr" defTabSz="1555750" rtl="0">
+          <a:pPr lvl="0" algn="ctr" defTabSz="1289050" rtl="0">
             <a:lnSpc>
               <a:spcPct val="90000"/>
             </a:lnSpc>
@@ -2578,10 +2668,10 @@
             </a:spcAft>
           </a:pPr>
           <a:r>
-            <a:rPr lang="en-US" sz="3500" kern="1200" smtClean="0"/>
-            <a:t>Sciter</a:t>
+            <a:rPr lang="en-US" sz="2900" kern="1200" dirty="0" err="1" smtClean="0"/>
+            <a:t>SciterSharp</a:t>
           </a:r>
-          <a:endParaRPr lang="ru-RU" sz="3500" kern="1200" dirty="0"/>
+          <a:endParaRPr lang="ru-RU" sz="2900" kern="1200" dirty="0"/>
         </a:p>
       </dsp:txBody>
       <dsp:txXfrm>
@@ -4438,66 +4528,17 @@
           <a:bodyPr/>
           <a:lstStyle/>
           <a:p>
-            <a:pPr marL="228600" indent="-228600">
-              <a:buAutoNum type="arabicPeriod"/>
-            </a:pPr>
+            <a:r>
+              <a:rPr lang="en-US" dirty="0" err="1" smtClean="0"/>
+              <a:t>.Net</a:t>
+            </a:r>
             <a:r>
               <a:rPr lang="en-US" baseline="0" dirty="0" smtClean="0"/>
-              <a:t>Wrapper (binding) to cross platform lib (GTK+, </a:t>
+              <a:t> Core 3 – WPF / </a:t>
             </a:r>
             <a:r>
               <a:rPr lang="en-US" baseline="0" dirty="0" err="1" smtClean="0"/>
-              <a:t>Qt</a:t>
-            </a:r>
-            <a:r>
-              <a:rPr lang="en-US" baseline="0" dirty="0" smtClean="0"/>
-              <a:t>, …)</a:t>
-            </a:r>
-          </a:p>
-          <a:p>
-            <a:pPr marL="228600" indent="-228600">
-              <a:buAutoNum type="arabicPeriod"/>
-            </a:pPr>
-            <a:r>
-              <a:rPr lang="en-US" dirty="0" smtClean="0"/>
-              <a:t>Native</a:t>
-            </a:r>
-            <a:r>
-              <a:rPr lang="en-US" baseline="0" dirty="0" smtClean="0"/>
-              <a:t> </a:t>
-            </a:r>
-            <a:r>
-              <a:rPr lang="en-US" baseline="0" dirty="0" err="1" smtClean="0"/>
-              <a:t>.Net</a:t>
-            </a:r>
-            <a:r>
-              <a:rPr lang="en-US" baseline="0" dirty="0" smtClean="0"/>
-              <a:t> lib (Avalonia, </a:t>
-            </a:r>
-            <a:r>
-              <a:rPr lang="en-US" baseline="0" dirty="0" err="1" smtClean="0"/>
-              <a:t>Eto.Forms</a:t>
-            </a:r>
-            <a:r>
-              <a:rPr lang="en-US" baseline="0" dirty="0" smtClean="0"/>
-              <a:t>, …)</a:t>
-            </a:r>
-          </a:p>
-          <a:p>
-            <a:pPr marL="228600" indent="-228600">
-              <a:buAutoNum type="arabicPeriod"/>
-            </a:pPr>
-            <a:r>
-              <a:rPr lang="en-US" baseline="0" dirty="0" smtClean="0"/>
-              <a:t>HTML/CSS-based render (CEF, Electron, </a:t>
-            </a:r>
-            <a:r>
-              <a:rPr lang="en-US" baseline="0" dirty="0" err="1" smtClean="0"/>
-              <a:t>Sciter</a:t>
-            </a:r>
-            <a:r>
-              <a:rPr lang="en-US" baseline="0" dirty="0" smtClean="0"/>
-              <a:t>, …) </a:t>
+              <a:t>WinForms</a:t>
             </a:r>
             <a:endParaRPr lang="ru-RU" dirty="0"/>
           </a:p>
@@ -4520,7 +4561,152 @@
           <a:p>
             <a:fld id="{A874FABB-6DBE-47C4-B626-20167906F475}" type="slidenum">
               <a:rPr lang="en-US" smtClean="0"/>
-              <a:t>4</a:t>
+              <a:t>5</a:t>
+            </a:fld>
+            <a:endParaRPr lang="en-US"/>
+          </a:p>
+        </p:txBody>
+      </p:sp>
+    </p:spTree>
+    <p:extLst>
+      <p:ext uri="{BB962C8B-B14F-4D97-AF65-F5344CB8AC3E}">
+        <p14:creationId xmlns:p14="http://schemas.microsoft.com/office/powerpoint/2010/main" val="2939704399"/>
+      </p:ext>
+    </p:extLst>
+  </p:cSld>
+  <p:clrMapOvr>
+    <a:masterClrMapping/>
+  </p:clrMapOvr>
+</p:notes>
+</file>
+
+<file path=ppt/notesSlides/notesSlide2.xml><?xml version="1.0" encoding="utf-8"?>
+<p:notes xmlns:a="http://schemas.openxmlformats.org/drawingml/2006/main" xmlns:r="http://schemas.openxmlformats.org/officeDocument/2006/relationships" xmlns:p="http://schemas.openxmlformats.org/presentationml/2006/main">
+  <p:cSld>
+    <p:spTree>
+      <p:nvGrpSpPr>
+        <p:cNvPr id="1" name=""/>
+        <p:cNvGrpSpPr/>
+        <p:nvPr/>
+      </p:nvGrpSpPr>
+      <p:grpSpPr>
+        <a:xfrm>
+          <a:off x="0" y="0"/>
+          <a:ext cx="0" cy="0"/>
+          <a:chOff x="0" y="0"/>
+          <a:chExt cx="0" cy="0"/>
+        </a:xfrm>
+      </p:grpSpPr>
+      <p:sp>
+        <p:nvSpPr>
+          <p:cNvPr id="2" name="Образ слайда 1"/>
+          <p:cNvSpPr>
+            <a:spLocks noGrp="1" noRot="1" noChangeAspect="1"/>
+          </p:cNvSpPr>
+          <p:nvPr>
+            <p:ph type="sldImg"/>
+          </p:nvPr>
+        </p:nvSpPr>
+        <p:spPr/>
+      </p:sp>
+      <p:sp>
+        <p:nvSpPr>
+          <p:cNvPr id="3" name="Заметки 2"/>
+          <p:cNvSpPr>
+            <a:spLocks noGrp="1"/>
+          </p:cNvSpPr>
+          <p:nvPr>
+            <p:ph type="body" idx="1"/>
+          </p:nvPr>
+        </p:nvSpPr>
+        <p:spPr/>
+        <p:txBody>
+          <a:bodyPr/>
+          <a:lstStyle/>
+          <a:p>
+            <a:pPr marL="228600" indent="-228600">
+              <a:buAutoNum type="arabicPeriod"/>
+            </a:pPr>
+            <a:r>
+              <a:rPr lang="en-US" baseline="0" dirty="0" smtClean="0"/>
+              <a:t>Wrapper (binding) to cross platform lib (GTK+, </a:t>
+            </a:r>
+            <a:r>
+              <a:rPr lang="en-US" baseline="0" dirty="0" err="1" smtClean="0"/>
+              <a:t>Qt</a:t>
+            </a:r>
+            <a:r>
+              <a:rPr lang="en-US" baseline="0" dirty="0" smtClean="0"/>
+              <a:t>, …)</a:t>
+            </a:r>
+          </a:p>
+          <a:p>
+            <a:pPr marL="228600" indent="-228600">
+              <a:buAutoNum type="arabicPeriod"/>
+            </a:pPr>
+            <a:r>
+              <a:rPr lang="en-US" dirty="0" smtClean="0"/>
+              <a:t>Native</a:t>
+            </a:r>
+            <a:r>
+              <a:rPr lang="en-US" baseline="0" dirty="0" smtClean="0"/>
+              <a:t> </a:t>
+            </a:r>
+            <a:r>
+              <a:rPr lang="en-US" baseline="0" dirty="0" err="1" smtClean="0"/>
+              <a:t>.Net</a:t>
+            </a:r>
+            <a:r>
+              <a:rPr lang="en-US" baseline="0" dirty="0" smtClean="0"/>
+              <a:t> lib (Avalonia, </a:t>
+            </a:r>
+            <a:r>
+              <a:rPr lang="en-US" baseline="0" dirty="0" err="1" smtClean="0"/>
+              <a:t>Eto.Forms</a:t>
+            </a:r>
+            <a:r>
+              <a:rPr lang="en-US" baseline="0" dirty="0" smtClean="0"/>
+              <a:t>, …)</a:t>
+            </a:r>
+          </a:p>
+          <a:p>
+            <a:pPr marL="228600" indent="-228600">
+              <a:buAutoNum type="arabicPeriod"/>
+            </a:pPr>
+            <a:r>
+              <a:rPr lang="en-US" baseline="0" dirty="0" smtClean="0"/>
+              <a:t>HTML/CSS-based render (CEF, Electron, </a:t>
+            </a:r>
+            <a:r>
+              <a:rPr lang="en-US" baseline="0" dirty="0" err="1" smtClean="0"/>
+              <a:t>Sciter</a:t>
+            </a:r>
+            <a:r>
+              <a:rPr lang="en-US" baseline="0" dirty="0" smtClean="0"/>
+              <a:t>, …) </a:t>
+            </a:r>
+            <a:endParaRPr lang="ru-RU" dirty="0"/>
+          </a:p>
+        </p:txBody>
+      </p:sp>
+      <p:sp>
+        <p:nvSpPr>
+          <p:cNvPr id="4" name="Номер слайда 3"/>
+          <p:cNvSpPr>
+            <a:spLocks noGrp="1"/>
+          </p:cNvSpPr>
+          <p:nvPr>
+            <p:ph type="sldNum" sz="quarter" idx="10"/>
+          </p:nvPr>
+        </p:nvSpPr>
+        <p:spPr/>
+        <p:txBody>
+          <a:bodyPr/>
+          <a:lstStyle/>
+          <a:p>
+            <a:fld id="{A874FABB-6DBE-47C4-B626-20167906F475}" type="slidenum">
+              <a:rPr lang="en-US" smtClean="0"/>
+              <a:t>6</a:t>
             </a:fld>
             <a:endParaRPr lang="en-US"/>
           </a:p>
@@ -4539,7 +4725,7 @@
 </p:notes>
 </file>
 
-<file path=ppt/notesSlides/notesSlide2.xml><?xml version="1.0" encoding="utf-8"?>
+<file path=ppt/notesSlides/notesSlide3.xml><?xml version="1.0" encoding="utf-8"?>
 <p:notes xmlns:a="http://schemas.openxmlformats.org/drawingml/2006/main" xmlns:r="http://schemas.openxmlformats.org/officeDocument/2006/relationships" xmlns:p="http://schemas.openxmlformats.org/presentationml/2006/main">
   <p:cSld>
     <p:spTree>
@@ -4604,7 +4790,7 @@
           <a:p>
             <a:fld id="{A874FABB-6DBE-47C4-B626-20167906F475}" type="slidenum">
               <a:rPr lang="en-US" smtClean="0"/>
-              <a:t>5</a:t>
+              <a:t>7</a:t>
             </a:fld>
             <a:endParaRPr lang="en-US"/>
           </a:p>
@@ -4614,146 +4800,6 @@
     <p:extLst>
       <p:ext uri="{BB962C8B-B14F-4D97-AF65-F5344CB8AC3E}">
         <p14:creationId xmlns:p14="http://schemas.microsoft.com/office/powerpoint/2010/main" val="709578995"/>
-      </p:ext>
-    </p:extLst>
-  </p:cSld>
-  <p:clrMapOvr>
-    <a:masterClrMapping/>
-  </p:clrMapOvr>
-</p:notes>
-</file>
-
-<file path=ppt/notesSlides/notesSlide3.xml><?xml version="1.0" encoding="utf-8"?>
-<p:notes xmlns:a="http://schemas.openxmlformats.org/drawingml/2006/main" xmlns:r="http://schemas.openxmlformats.org/officeDocument/2006/relationships" xmlns:p="http://schemas.openxmlformats.org/presentationml/2006/main">
-  <p:cSld>
-    <p:spTree>
-      <p:nvGrpSpPr>
-        <p:cNvPr id="1" name=""/>
-        <p:cNvGrpSpPr/>
-        <p:nvPr/>
-      </p:nvGrpSpPr>
-      <p:grpSpPr>
-        <a:xfrm>
-          <a:off x="0" y="0"/>
-          <a:ext cx="0" cy="0"/>
-          <a:chOff x="0" y="0"/>
-          <a:chExt cx="0" cy="0"/>
-        </a:xfrm>
-      </p:grpSpPr>
-      <p:sp>
-        <p:nvSpPr>
-          <p:cNvPr id="2" name="Образ слайда 1"/>
-          <p:cNvSpPr>
-            <a:spLocks noGrp="1" noRot="1" noChangeAspect="1"/>
-          </p:cNvSpPr>
-          <p:nvPr>
-            <p:ph type="sldImg"/>
-          </p:nvPr>
-        </p:nvSpPr>
-        <p:spPr/>
-      </p:sp>
-      <p:sp>
-        <p:nvSpPr>
-          <p:cNvPr id="3" name="Заметки 2"/>
-          <p:cNvSpPr>
-            <a:spLocks noGrp="1"/>
-          </p:cNvSpPr>
-          <p:nvPr>
-            <p:ph type="body" idx="1"/>
-          </p:nvPr>
-        </p:nvSpPr>
-        <p:spPr/>
-        <p:txBody>
-          <a:bodyPr/>
-          <a:lstStyle/>
-          <a:p>
-            <a:pPr marL="171450" indent="-171450">
-              <a:buFontTx/>
-              <a:buChar char="-"/>
-            </a:pPr>
-            <a:r>
-              <a:rPr lang="en-US" dirty="0" smtClean="0"/>
-              <a:t>GTK+</a:t>
-            </a:r>
-          </a:p>
-          <a:p>
-            <a:pPr marL="171450" indent="-171450">
-              <a:buFontTx/>
-              <a:buChar char="-"/>
-            </a:pPr>
-            <a:r>
-              <a:rPr lang="en-US" dirty="0" err="1" smtClean="0"/>
-              <a:t>Qt</a:t>
-            </a:r>
-            <a:endParaRPr lang="en-US" dirty="0" smtClean="0"/>
-          </a:p>
-          <a:p>
-            <a:pPr marL="171450" indent="-171450">
-              <a:buFontTx/>
-              <a:buChar char="-"/>
-            </a:pPr>
-            <a:r>
-              <a:rPr lang="en-US" dirty="0" err="1" smtClean="0"/>
-              <a:t>wxWidgets</a:t>
-            </a:r>
-            <a:endParaRPr lang="en-US" dirty="0" smtClean="0"/>
-          </a:p>
-          <a:p>
-            <a:pPr marL="171450" indent="-171450">
-              <a:buFontTx/>
-              <a:buChar char="-"/>
-            </a:pPr>
-            <a:r>
-              <a:rPr lang="en-US" dirty="0" smtClean="0"/>
-              <a:t>Swing</a:t>
-            </a:r>
-          </a:p>
-          <a:p>
-            <a:pPr marL="171450" indent="-171450">
-              <a:buFontTx/>
-              <a:buChar char="-"/>
-            </a:pPr>
-            <a:r>
-              <a:rPr lang="en-US" dirty="0" smtClean="0"/>
-              <a:t>SWT</a:t>
-            </a:r>
-          </a:p>
-          <a:p>
-            <a:pPr marL="171450" indent="-171450">
-              <a:buFontTx/>
-              <a:buChar char="-"/>
-            </a:pPr>
-            <a:endParaRPr lang="ru-RU" dirty="0"/>
-          </a:p>
-        </p:txBody>
-      </p:sp>
-      <p:sp>
-        <p:nvSpPr>
-          <p:cNvPr id="4" name="Номер слайда 3"/>
-          <p:cNvSpPr>
-            <a:spLocks noGrp="1"/>
-          </p:cNvSpPr>
-          <p:nvPr>
-            <p:ph type="sldNum" sz="quarter" idx="10"/>
-          </p:nvPr>
-        </p:nvSpPr>
-        <p:spPr/>
-        <p:txBody>
-          <a:bodyPr/>
-          <a:lstStyle/>
-          <a:p>
-            <a:fld id="{A874FABB-6DBE-47C4-B626-20167906F475}" type="slidenum">
-              <a:rPr lang="en-US" smtClean="0"/>
-              <a:t>6</a:t>
-            </a:fld>
-            <a:endParaRPr lang="en-US"/>
-          </a:p>
-        </p:txBody>
-      </p:sp>
-    </p:spTree>
-    <p:extLst>
-      <p:ext uri="{BB962C8B-B14F-4D97-AF65-F5344CB8AC3E}">
-        <p14:creationId xmlns:p14="http://schemas.microsoft.com/office/powerpoint/2010/main" val="4265055325"/>
       </p:ext>
     </p:extLst>
   </p:cSld>
@@ -4807,13 +4853,276 @@
           <a:bodyPr/>
           <a:lstStyle/>
           <a:p>
+            <a:pPr marL="171450" indent="-171450">
+              <a:buFontTx/>
+              <a:buChar char="-"/>
+            </a:pPr>
+            <a:r>
+              <a:rPr lang="en-US" dirty="0" smtClean="0"/>
+              <a:t>GTK+</a:t>
+            </a:r>
+          </a:p>
+          <a:p>
+            <a:pPr marL="171450" indent="-171450">
+              <a:buFontTx/>
+              <a:buChar char="-"/>
+            </a:pPr>
             <a:r>
               <a:rPr lang="en-US" dirty="0" err="1" smtClean="0"/>
               <a:t>Qt</a:t>
             </a:r>
+            <a:endParaRPr lang="en-US" dirty="0" smtClean="0"/>
+          </a:p>
+          <a:p>
+            <a:pPr marL="171450" indent="-171450">
+              <a:buFontTx/>
+              <a:buChar char="-"/>
+            </a:pPr>
+            <a:r>
+              <a:rPr lang="en-US" dirty="0" err="1" smtClean="0"/>
+              <a:t>wxWidgets</a:t>
+            </a:r>
+            <a:endParaRPr lang="en-US" dirty="0" smtClean="0"/>
+          </a:p>
+          <a:p>
+            <a:pPr marL="171450" indent="-171450">
+              <a:buFontTx/>
+              <a:buChar char="-"/>
+            </a:pPr>
             <a:r>
               <a:rPr lang="en-US" dirty="0" smtClean="0"/>
-              <a:t> Sharp?</a:t>
+              <a:t>Swing</a:t>
+            </a:r>
+          </a:p>
+          <a:p>
+            <a:pPr marL="171450" indent="-171450">
+              <a:buFontTx/>
+              <a:buChar char="-"/>
+            </a:pPr>
+            <a:r>
+              <a:rPr lang="en-US" dirty="0" smtClean="0"/>
+              <a:t>SWT</a:t>
+            </a:r>
+          </a:p>
+          <a:p>
+            <a:pPr marL="171450" indent="-171450">
+              <a:buFontTx/>
+              <a:buChar char="-"/>
+            </a:pPr>
+            <a:endParaRPr lang="ru-RU" dirty="0"/>
+          </a:p>
+        </p:txBody>
+      </p:sp>
+      <p:sp>
+        <p:nvSpPr>
+          <p:cNvPr id="4" name="Номер слайда 3"/>
+          <p:cNvSpPr>
+            <a:spLocks noGrp="1"/>
+          </p:cNvSpPr>
+          <p:nvPr>
+            <p:ph type="sldNum" sz="quarter" idx="10"/>
+          </p:nvPr>
+        </p:nvSpPr>
+        <p:spPr/>
+        <p:txBody>
+          <a:bodyPr/>
+          <a:lstStyle/>
+          <a:p>
+            <a:fld id="{A874FABB-6DBE-47C4-B626-20167906F475}" type="slidenum">
+              <a:rPr lang="en-US" smtClean="0"/>
+              <a:t>8</a:t>
+            </a:fld>
+            <a:endParaRPr lang="en-US"/>
+          </a:p>
+        </p:txBody>
+      </p:sp>
+    </p:spTree>
+    <p:extLst>
+      <p:ext uri="{BB962C8B-B14F-4D97-AF65-F5344CB8AC3E}">
+        <p14:creationId xmlns:p14="http://schemas.microsoft.com/office/powerpoint/2010/main" val="4265055325"/>
+      </p:ext>
+    </p:extLst>
+  </p:cSld>
+  <p:clrMapOvr>
+    <a:masterClrMapping/>
+  </p:clrMapOvr>
+</p:notes>
+</file>
+
+<file path=ppt/notesSlides/notesSlide5.xml><?xml version="1.0" encoding="utf-8"?>
+<p:notes xmlns:a="http://schemas.openxmlformats.org/drawingml/2006/main" xmlns:r="http://schemas.openxmlformats.org/officeDocument/2006/relationships" xmlns:p="http://schemas.openxmlformats.org/presentationml/2006/main">
+  <p:cSld>
+    <p:spTree>
+      <p:nvGrpSpPr>
+        <p:cNvPr id="1" name=""/>
+        <p:cNvGrpSpPr/>
+        <p:nvPr/>
+      </p:nvGrpSpPr>
+      <p:grpSpPr>
+        <a:xfrm>
+          <a:off x="0" y="0"/>
+          <a:ext cx="0" cy="0"/>
+          <a:chOff x="0" y="0"/>
+          <a:chExt cx="0" cy="0"/>
+        </a:xfrm>
+      </p:grpSpPr>
+      <p:sp>
+        <p:nvSpPr>
+          <p:cNvPr id="2" name="Образ слайда 1"/>
+          <p:cNvSpPr>
+            <a:spLocks noGrp="1" noRot="1" noChangeAspect="1"/>
+          </p:cNvSpPr>
+          <p:nvPr>
+            <p:ph type="sldImg"/>
+          </p:nvPr>
+        </p:nvSpPr>
+        <p:spPr/>
+      </p:sp>
+      <p:sp>
+        <p:nvSpPr>
+          <p:cNvPr id="3" name="Заметки 2"/>
+          <p:cNvSpPr>
+            <a:spLocks noGrp="1"/>
+          </p:cNvSpPr>
+          <p:nvPr>
+            <p:ph type="body" idx="1"/>
+          </p:nvPr>
+        </p:nvSpPr>
+        <p:spPr/>
+        <p:txBody>
+          <a:bodyPr/>
+          <a:lstStyle/>
+          <a:p>
+            <a:r>
+              <a:rPr lang="en-US" dirty="0" smtClean="0"/>
+              <a:t>Initial release: </a:t>
+            </a:r>
+            <a:r>
+              <a:rPr lang="en-US" dirty="0" smtClean="0">
+                <a:effectLst/>
+              </a:rPr>
+              <a:t>April 14, 1998</a:t>
+            </a:r>
+          </a:p>
+          <a:p>
+            <a:r>
+              <a:rPr lang="en-US" sz="900" b="1" i="0" u="none" strike="noStrike" kern="1200" dirty="0" smtClean="0">
+                <a:solidFill>
+                  <a:schemeClr val="tx1"/>
+                </a:solidFill>
+                <a:effectLst/>
+                <a:latin typeface="+mn-lt"/>
+                <a:ea typeface="+mn-ea"/>
+                <a:cs typeface="+mn-cs"/>
+              </a:rPr>
+              <a:t>GIMP Toolkit (https://www.gtk.org/)</a:t>
+            </a:r>
+          </a:p>
+          <a:p>
+            <a:endParaRPr lang="en-US" sz="900" b="1" i="0" u="none" strike="noStrike" kern="1200" dirty="0" smtClean="0">
+              <a:solidFill>
+                <a:schemeClr val="tx1"/>
+              </a:solidFill>
+              <a:effectLst/>
+              <a:latin typeface="+mn-lt"/>
+              <a:ea typeface="+mn-ea"/>
+              <a:cs typeface="+mn-cs"/>
+            </a:endParaRPr>
+          </a:p>
+          <a:p>
+            <a:r>
+              <a:rPr lang="en-US" dirty="0" smtClean="0">
+                <a:effectLst/>
+              </a:rPr>
+              <a:t>GTK+ — Widget toolkit for graphical interfaces </a:t>
+            </a:r>
+          </a:p>
+          <a:p>
+            <a:r>
+              <a:rPr lang="en-US" dirty="0" smtClean="0">
+                <a:effectLst/>
+              </a:rPr>
+              <a:t>GDK — Low-level abstraction for the windowing system </a:t>
+            </a:r>
+          </a:p>
+          <a:p>
+            <a:r>
+              <a:rPr lang="en-US" dirty="0" smtClean="0">
+                <a:effectLst/>
+              </a:rPr>
+              <a:t>Cairo — 2D, vector-based drawing for high-quality graphics </a:t>
+            </a:r>
+          </a:p>
+          <a:p>
+            <a:r>
+              <a:rPr lang="en-US" dirty="0" err="1" smtClean="0">
+                <a:effectLst/>
+              </a:rPr>
+              <a:t>Pango</a:t>
+            </a:r>
+            <a:r>
+              <a:rPr lang="en-US" dirty="0" smtClean="0">
+                <a:effectLst/>
+              </a:rPr>
+              <a:t> — International text rendering with full Unicode support </a:t>
+            </a:r>
+          </a:p>
+          <a:p>
+            <a:r>
+              <a:rPr lang="en-US" dirty="0" smtClean="0">
+                <a:effectLst/>
+              </a:rPr>
+              <a:t>Clutter — Animations and scene graph </a:t>
+            </a:r>
+          </a:p>
+          <a:p>
+            <a:r>
+              <a:rPr lang="en-US" dirty="0" err="1" smtClean="0">
+                <a:effectLst/>
+              </a:rPr>
+              <a:t>WebKit</a:t>
+            </a:r>
+            <a:r>
+              <a:rPr lang="en-US" dirty="0" smtClean="0">
+                <a:effectLst/>
+              </a:rPr>
+              <a:t> — HTML5 web page rendering </a:t>
+            </a:r>
+          </a:p>
+          <a:p>
+            <a:r>
+              <a:rPr lang="en-US" dirty="0" smtClean="0">
+                <a:effectLst/>
+              </a:rPr>
+              <a:t>ATK — Accessibility toolkit to implement support for screen readers and other tools</a:t>
+            </a:r>
+          </a:p>
+          <a:p>
+            <a:r>
+              <a:rPr lang="en-US" dirty="0" smtClean="0">
+                <a:effectLst/>
+              </a:rPr>
+              <a:t>GIO Files — File and URI handling, asynchronous file operations, volume handling</a:t>
+            </a:r>
+          </a:p>
+          <a:p>
+            <a:r>
+              <a:rPr lang="en-US" dirty="0" err="1" smtClean="0"/>
+              <a:t>GLib</a:t>
+            </a:r>
+            <a:r>
+              <a:rPr lang="en-US" dirty="0" smtClean="0"/>
+              <a:t> — Data structures and utilities for C programs </a:t>
+            </a:r>
+          </a:p>
+          <a:p>
+            <a:r>
+              <a:rPr lang="en-US" dirty="0" err="1" smtClean="0"/>
+              <a:t>GObject</a:t>
+            </a:r>
+            <a:r>
+              <a:rPr lang="en-US" dirty="0" smtClean="0"/>
+              <a:t> — C-based object and type system with signals and slots</a:t>
             </a:r>
             <a:endParaRPr lang="ru-RU" dirty="0"/>
           </a:p>
@@ -4845,7 +5154,281 @@
     </p:spTree>
     <p:extLst>
       <p:ext uri="{BB962C8B-B14F-4D97-AF65-F5344CB8AC3E}">
+        <p14:creationId xmlns:p14="http://schemas.microsoft.com/office/powerpoint/2010/main" val="1692989286"/>
+      </p:ext>
+    </p:extLst>
+  </p:cSld>
+  <p:clrMapOvr>
+    <a:masterClrMapping/>
+  </p:clrMapOvr>
+</p:notes>
+</file>
+
+<file path=ppt/notesSlides/notesSlide6.xml><?xml version="1.0" encoding="utf-8"?>
+<p:notes xmlns:a="http://schemas.openxmlformats.org/drawingml/2006/main" xmlns:r="http://schemas.openxmlformats.org/officeDocument/2006/relationships" xmlns:p="http://schemas.openxmlformats.org/presentationml/2006/main">
+  <p:cSld>
+    <p:spTree>
+      <p:nvGrpSpPr>
+        <p:cNvPr id="1" name=""/>
+        <p:cNvGrpSpPr/>
+        <p:nvPr/>
+      </p:nvGrpSpPr>
+      <p:grpSpPr>
+        <a:xfrm>
+          <a:off x="0" y="0"/>
+          <a:ext cx="0" cy="0"/>
+          <a:chOff x="0" y="0"/>
+          <a:chExt cx="0" cy="0"/>
+        </a:xfrm>
+      </p:grpSpPr>
+      <p:sp>
+        <p:nvSpPr>
+          <p:cNvPr id="2" name="Образ слайда 1"/>
+          <p:cNvSpPr>
+            <a:spLocks noGrp="1" noRot="1" noChangeAspect="1"/>
+          </p:cNvSpPr>
+          <p:nvPr>
+            <p:ph type="sldImg"/>
+          </p:nvPr>
+        </p:nvSpPr>
+        <p:spPr/>
+      </p:sp>
+      <p:sp>
+        <p:nvSpPr>
+          <p:cNvPr id="3" name="Заметки 2"/>
+          <p:cNvSpPr>
+            <a:spLocks noGrp="1"/>
+          </p:cNvSpPr>
+          <p:nvPr>
+            <p:ph type="body" idx="1"/>
+          </p:nvPr>
+        </p:nvSpPr>
+        <p:spPr/>
+        <p:txBody>
+          <a:bodyPr/>
+          <a:lstStyle/>
+          <a:p>
+            <a:r>
+              <a:rPr lang="en-US" dirty="0" smtClean="0"/>
+              <a:t>Code </a:t>
+            </a:r>
+          </a:p>
+          <a:p>
+            <a:r>
+              <a:rPr lang="en-US" dirty="0" smtClean="0"/>
+              <a:t>Glade</a:t>
+            </a:r>
+            <a:r>
+              <a:rPr lang="en-US" baseline="0" dirty="0" smtClean="0"/>
+              <a:t> </a:t>
+            </a:r>
+            <a:endParaRPr lang="ru-RU" dirty="0"/>
+          </a:p>
+        </p:txBody>
+      </p:sp>
+      <p:sp>
+        <p:nvSpPr>
+          <p:cNvPr id="4" name="Номер слайда 3"/>
+          <p:cNvSpPr>
+            <a:spLocks noGrp="1"/>
+          </p:cNvSpPr>
+          <p:nvPr>
+            <p:ph type="sldNum" sz="quarter" idx="10"/>
+          </p:nvPr>
+        </p:nvSpPr>
+        <p:spPr/>
+        <p:txBody>
+          <a:bodyPr/>
+          <a:lstStyle/>
+          <a:p>
+            <a:fld id="{A874FABB-6DBE-47C4-B626-20167906F475}" type="slidenum">
+              <a:rPr lang="en-US" smtClean="0"/>
+              <a:t>12</a:t>
+            </a:fld>
+            <a:endParaRPr lang="en-US"/>
+          </a:p>
+        </p:txBody>
+      </p:sp>
+    </p:spTree>
+    <p:extLst>
+      <p:ext uri="{BB962C8B-B14F-4D97-AF65-F5344CB8AC3E}">
+        <p14:creationId xmlns:p14="http://schemas.microsoft.com/office/powerpoint/2010/main" val="548960676"/>
+      </p:ext>
+    </p:extLst>
+  </p:cSld>
+  <p:clrMapOvr>
+    <a:masterClrMapping/>
+  </p:clrMapOvr>
+</p:notes>
+</file>
+
+<file path=ppt/notesSlides/notesSlide7.xml><?xml version="1.0" encoding="utf-8"?>
+<p:notes xmlns:a="http://schemas.openxmlformats.org/drawingml/2006/main" xmlns:r="http://schemas.openxmlformats.org/officeDocument/2006/relationships" xmlns:p="http://schemas.openxmlformats.org/presentationml/2006/main">
+  <p:cSld>
+    <p:spTree>
+      <p:nvGrpSpPr>
+        <p:cNvPr id="1" name=""/>
+        <p:cNvGrpSpPr/>
+        <p:nvPr/>
+      </p:nvGrpSpPr>
+      <p:grpSpPr>
+        <a:xfrm>
+          <a:off x="0" y="0"/>
+          <a:ext cx="0" cy="0"/>
+          <a:chOff x="0" y="0"/>
+          <a:chExt cx="0" cy="0"/>
+        </a:xfrm>
+      </p:grpSpPr>
+      <p:sp>
+        <p:nvSpPr>
+          <p:cNvPr id="2" name="Образ слайда 1"/>
+          <p:cNvSpPr>
+            <a:spLocks noGrp="1" noRot="1" noChangeAspect="1"/>
+          </p:cNvSpPr>
+          <p:nvPr>
+            <p:ph type="sldImg"/>
+          </p:nvPr>
+        </p:nvSpPr>
+        <p:spPr/>
+      </p:sp>
+      <p:sp>
+        <p:nvSpPr>
+          <p:cNvPr id="3" name="Заметки 2"/>
+          <p:cNvSpPr>
+            <a:spLocks noGrp="1"/>
+          </p:cNvSpPr>
+          <p:nvPr>
+            <p:ph type="body" idx="1"/>
+          </p:nvPr>
+        </p:nvSpPr>
+        <p:spPr/>
+        <p:txBody>
+          <a:bodyPr/>
+          <a:lstStyle/>
+          <a:p>
+            <a:r>
+              <a:rPr lang="en-US" dirty="0" err="1" smtClean="0"/>
+              <a:t>Qt</a:t>
+            </a:r>
+            <a:r>
+              <a:rPr lang="en-US" dirty="0" smtClean="0"/>
+              <a:t> Sharp?</a:t>
+            </a:r>
+            <a:endParaRPr lang="ru-RU" dirty="0"/>
+          </a:p>
+        </p:txBody>
+      </p:sp>
+      <p:sp>
+        <p:nvSpPr>
+          <p:cNvPr id="4" name="Номер слайда 3"/>
+          <p:cNvSpPr>
+            <a:spLocks noGrp="1"/>
+          </p:cNvSpPr>
+          <p:nvPr>
+            <p:ph type="sldNum" sz="quarter" idx="10"/>
+          </p:nvPr>
+        </p:nvSpPr>
+        <p:spPr/>
+        <p:txBody>
+          <a:bodyPr/>
+          <a:lstStyle/>
+          <a:p>
+            <a:fld id="{A874FABB-6DBE-47C4-B626-20167906F475}" type="slidenum">
+              <a:rPr lang="en-US" smtClean="0"/>
+              <a:t>14</a:t>
+            </a:fld>
+            <a:endParaRPr lang="en-US"/>
+          </a:p>
+        </p:txBody>
+      </p:sp>
+    </p:spTree>
+    <p:extLst>
+      <p:ext uri="{BB962C8B-B14F-4D97-AF65-F5344CB8AC3E}">
         <p14:creationId xmlns:p14="http://schemas.microsoft.com/office/powerpoint/2010/main" val="4251630677"/>
+      </p:ext>
+    </p:extLst>
+  </p:cSld>
+  <p:clrMapOvr>
+    <a:masterClrMapping/>
+  </p:clrMapOvr>
+</p:notes>
+</file>
+
+<file path=ppt/notesSlides/notesSlide8.xml><?xml version="1.0" encoding="utf-8"?>
+<p:notes xmlns:a="http://schemas.openxmlformats.org/drawingml/2006/main" xmlns:r="http://schemas.openxmlformats.org/officeDocument/2006/relationships" xmlns:p="http://schemas.openxmlformats.org/presentationml/2006/main">
+  <p:cSld>
+    <p:spTree>
+      <p:nvGrpSpPr>
+        <p:cNvPr id="1" name=""/>
+        <p:cNvGrpSpPr/>
+        <p:nvPr/>
+      </p:nvGrpSpPr>
+      <p:grpSpPr>
+        <a:xfrm>
+          <a:off x="0" y="0"/>
+          <a:ext cx="0" cy="0"/>
+          <a:chOff x="0" y="0"/>
+          <a:chExt cx="0" cy="0"/>
+        </a:xfrm>
+      </p:grpSpPr>
+      <p:sp>
+        <p:nvSpPr>
+          <p:cNvPr id="2" name="Образ слайда 1"/>
+          <p:cNvSpPr>
+            <a:spLocks noGrp="1" noRot="1" noChangeAspect="1"/>
+          </p:cNvSpPr>
+          <p:nvPr>
+            <p:ph type="sldImg"/>
+          </p:nvPr>
+        </p:nvSpPr>
+        <p:spPr/>
+      </p:sp>
+      <p:sp>
+        <p:nvSpPr>
+          <p:cNvPr id="3" name="Заметки 2"/>
+          <p:cNvSpPr>
+            <a:spLocks noGrp="1"/>
+          </p:cNvSpPr>
+          <p:nvPr>
+            <p:ph type="body" idx="1"/>
+          </p:nvPr>
+        </p:nvSpPr>
+        <p:spPr/>
+        <p:txBody>
+          <a:bodyPr/>
+          <a:lstStyle/>
+          <a:p>
+            <a:endParaRPr lang="ru-RU" dirty="0"/>
+          </a:p>
+        </p:txBody>
+      </p:sp>
+      <p:sp>
+        <p:nvSpPr>
+          <p:cNvPr id="4" name="Номер слайда 3"/>
+          <p:cNvSpPr>
+            <a:spLocks noGrp="1"/>
+          </p:cNvSpPr>
+          <p:nvPr>
+            <p:ph type="sldNum" sz="quarter" idx="10"/>
+          </p:nvPr>
+        </p:nvSpPr>
+        <p:spPr/>
+        <p:txBody>
+          <a:bodyPr/>
+          <a:lstStyle/>
+          <a:p>
+            <a:fld id="{A874FABB-6DBE-47C4-B626-20167906F475}" type="slidenum">
+              <a:rPr lang="en-US" smtClean="0"/>
+              <a:t>20</a:t>
+            </a:fld>
+            <a:endParaRPr lang="en-US"/>
+          </a:p>
+        </p:txBody>
+      </p:sp>
+    </p:spTree>
+    <p:extLst>
+      <p:ext uri="{BB962C8B-B14F-4D97-AF65-F5344CB8AC3E}">
+        <p14:creationId xmlns:p14="http://schemas.microsoft.com/office/powerpoint/2010/main" val="4114067963"/>
       </p:ext>
     </p:extLst>
   </p:cSld>
@@ -10790,7 +11373,7 @@
           </a:ln>
           <a:extLst>
             <a:ext uri="{C572A759-6A51-4108-AA02-DFA0A04FC94B}">
-              <ma14:wrappingTextBoxFlag xmlns:ma14="http://schemas.microsoft.com/office/mac/drawingml/2011/main" xmlns="" val="1"/>
+              <ma14:wrappingTextBoxFlag xmlns="" xmlns:ma14="http://schemas.microsoft.com/office/mac/drawingml/2011/main" val="1"/>
             </a:ext>
           </a:extLst>
         </p:spPr>
@@ -19615,145 +20198,64 @@
           <a:lstStyle/>
           <a:p>
             <a:r>
-              <a:rPr lang="en-US" dirty="0" err="1" smtClean="0"/>
-              <a:t>Qml.Net</a:t>
+              <a:rPr lang="en-US" dirty="0" smtClean="0"/>
+              <a:t>GTK</a:t>
             </a:r>
             <a:endParaRPr lang="ru-RU" dirty="0"/>
           </a:p>
         </p:txBody>
       </p:sp>
+      <p:pic>
+        <p:nvPicPr>
+          <p:cNvPr id="3" name="Рисунок 2"/>
+          <p:cNvPicPr>
+            <a:picLocks noChangeAspect="1"/>
+          </p:cNvPicPr>
+          <p:nvPr/>
+        </p:nvPicPr>
+        <p:blipFill>
+          <a:blip r:embed="rId3" cstate="print">
+            <a:extLst>
+              <a:ext uri="{28A0092B-C50C-407E-A947-70E740481C1C}">
+                <a14:useLocalDpi xmlns:a14="http://schemas.microsoft.com/office/drawing/2010/main" val="0"/>
+              </a:ext>
+            </a:extLst>
+          </a:blip>
+          <a:stretch>
+            <a:fillRect/>
+          </a:stretch>
+        </p:blipFill>
+        <p:spPr>
+          <a:xfrm>
+            <a:off x="1512672" y="991891"/>
+            <a:ext cx="6121831" cy="3443530"/>
+          </a:xfrm>
+          <a:prstGeom prst="rect">
+            <a:avLst/>
+          </a:prstGeom>
+        </p:spPr>
+      </p:pic>
     </p:spTree>
     <p:extLst>
       <p:ext uri="{BB962C8B-B14F-4D97-AF65-F5344CB8AC3E}">
-        <p14:creationId xmlns:p14="http://schemas.microsoft.com/office/powerpoint/2010/main" val="3633928373"/>
+        <p14:creationId xmlns:p14="http://schemas.microsoft.com/office/powerpoint/2010/main" val="2695960159"/>
       </p:ext>
     </p:extLst>
   </p:cSld>
   <p:clrMapOvr>
     <a:masterClrMapping/>
   </p:clrMapOvr>
+  <p:timing>
+    <p:tnLst>
+      <p:par>
+        <p:cTn id="1" dur="indefinite" restart="never" nodeType="tmRoot"/>
+      </p:par>
+    </p:tnLst>
+  </p:timing>
 </p:sld>
 </file>
 
 <file path=ppt/slides/slide11.xml><?xml version="1.0" encoding="utf-8"?>
-<p:sld xmlns:a="http://schemas.openxmlformats.org/drawingml/2006/main" xmlns:r="http://schemas.openxmlformats.org/officeDocument/2006/relationships" xmlns:p="http://schemas.openxmlformats.org/presentationml/2006/main">
-  <p:cSld>
-    <p:spTree>
-      <p:nvGrpSpPr>
-        <p:cNvPr id="1" name=""/>
-        <p:cNvGrpSpPr/>
-        <p:nvPr/>
-      </p:nvGrpSpPr>
-      <p:grpSpPr>
-        <a:xfrm>
-          <a:off x="0" y="0"/>
-          <a:ext cx="0" cy="0"/>
-          <a:chOff x="0" y="0"/>
-          <a:chExt cx="0" cy="0"/>
-        </a:xfrm>
-      </p:grpSpPr>
-      <p:sp>
-        <p:nvSpPr>
-          <p:cNvPr id="3" name="Заголовок 2"/>
-          <p:cNvSpPr>
-            <a:spLocks noGrp="1"/>
-          </p:cNvSpPr>
-          <p:nvPr>
-            <p:ph type="title"/>
-          </p:nvPr>
-        </p:nvSpPr>
-        <p:spPr/>
-        <p:txBody>
-          <a:bodyPr/>
-          <a:lstStyle/>
-          <a:p>
-            <a:r>
-              <a:rPr lang="en-US" dirty="0"/>
-              <a:t>Native </a:t>
-            </a:r>
-            <a:r>
-              <a:rPr lang="en-US" dirty="0" err="1"/>
-              <a:t>.Net</a:t>
-            </a:r>
-            <a:r>
-              <a:rPr lang="en-US" dirty="0"/>
-              <a:t> </a:t>
-            </a:r>
-            <a:r>
-              <a:rPr lang="en-US" dirty="0" smtClean="0"/>
-              <a:t>libs</a:t>
-            </a:r>
-            <a:endParaRPr lang="ru-RU" dirty="0"/>
-          </a:p>
-        </p:txBody>
-      </p:sp>
-    </p:spTree>
-    <p:extLst>
-      <p:ext uri="{BB962C8B-B14F-4D97-AF65-F5344CB8AC3E}">
-        <p14:creationId xmlns:p14="http://schemas.microsoft.com/office/powerpoint/2010/main" val="186989479"/>
-      </p:ext>
-    </p:extLst>
-  </p:cSld>
-  <p:clrMapOvr>
-    <a:masterClrMapping/>
-  </p:clrMapOvr>
-</p:sld>
-</file>
-
-<file path=ppt/slides/slide12.xml><?xml version="1.0" encoding="utf-8"?>
-<p:sld xmlns:a="http://schemas.openxmlformats.org/drawingml/2006/main" xmlns:r="http://schemas.openxmlformats.org/officeDocument/2006/relationships" xmlns:p="http://schemas.openxmlformats.org/presentationml/2006/main">
-  <p:cSld>
-    <p:spTree>
-      <p:nvGrpSpPr>
-        <p:cNvPr id="1" name=""/>
-        <p:cNvGrpSpPr/>
-        <p:nvPr/>
-      </p:nvGrpSpPr>
-      <p:grpSpPr>
-        <a:xfrm>
-          <a:off x="0" y="0"/>
-          <a:ext cx="0" cy="0"/>
-          <a:chOff x="0" y="0"/>
-          <a:chExt cx="0" cy="0"/>
-        </a:xfrm>
-      </p:grpSpPr>
-      <p:sp>
-        <p:nvSpPr>
-          <p:cNvPr id="3" name="Заголовок 2"/>
-          <p:cNvSpPr>
-            <a:spLocks noGrp="1"/>
-          </p:cNvSpPr>
-          <p:nvPr>
-            <p:ph type="title"/>
-          </p:nvPr>
-        </p:nvSpPr>
-        <p:spPr/>
-        <p:txBody>
-          <a:bodyPr/>
-          <a:lstStyle/>
-          <a:p>
-            <a:r>
-              <a:rPr lang="en-US" dirty="0" smtClean="0"/>
-              <a:t>What is it?</a:t>
-            </a:r>
-            <a:endParaRPr lang="ru-RU" dirty="0"/>
-          </a:p>
-        </p:txBody>
-      </p:sp>
-    </p:spTree>
-    <p:extLst>
-      <p:ext uri="{BB962C8B-B14F-4D97-AF65-F5344CB8AC3E}">
-        <p14:creationId xmlns:p14="http://schemas.microsoft.com/office/powerpoint/2010/main" val="609591635"/>
-      </p:ext>
-    </p:extLst>
-  </p:cSld>
-  <p:clrMapOvr>
-    <a:masterClrMapping/>
-  </p:clrMapOvr>
-</p:sld>
-</file>
-
-<file path=ppt/slides/slide13.xml><?xml version="1.0" encoding="utf-8"?>
 <p:sld xmlns:a="http://schemas.openxmlformats.org/drawingml/2006/main" xmlns:r="http://schemas.openxmlformats.org/officeDocument/2006/relationships" xmlns:p="http://schemas.openxmlformats.org/presentationml/2006/main">
   <p:cSld>
     <p:spTree>
@@ -19787,16 +20289,415 @@
           <a:p>
             <a:r>
               <a:rPr lang="en-US" dirty="0" smtClean="0"/>
-              <a:t>Avalonia</a:t>
+              <a:t>GTK for </a:t>
+            </a:r>
+            <a:r>
+              <a:rPr lang="en-US" dirty="0" err="1" smtClean="0"/>
+              <a:t>.Net</a:t>
             </a:r>
             <a:endParaRPr lang="ru-RU" dirty="0"/>
           </a:p>
         </p:txBody>
       </p:sp>
+      <p:sp>
+        <p:nvSpPr>
+          <p:cNvPr id="3" name="Прямоугольник 2"/>
+          <p:cNvSpPr/>
+          <p:nvPr/>
+        </p:nvSpPr>
+        <p:spPr>
+          <a:xfrm>
+            <a:off x="1576728" y="1034698"/>
+            <a:ext cx="678391" cy="400110"/>
+          </a:xfrm>
+          <a:prstGeom prst="rect">
+            <a:avLst/>
+          </a:prstGeom>
+        </p:spPr>
+        <p:txBody>
+          <a:bodyPr wrap="none">
+            <a:spAutoFit/>
+          </a:bodyPr>
+          <a:lstStyle/>
+          <a:p>
+            <a:r>
+              <a:rPr lang="en-US" sz="2000" dirty="0" err="1"/>
+              <a:t>Gtk</a:t>
+            </a:r>
+            <a:r>
+              <a:rPr lang="en-US" sz="2000" dirty="0"/>
+              <a:t>#</a:t>
+            </a:r>
+            <a:endParaRPr lang="ru-RU" sz="2000" dirty="0"/>
+          </a:p>
+        </p:txBody>
+      </p:sp>
+      <p:sp>
+        <p:nvSpPr>
+          <p:cNvPr id="5" name="Прямоугольник 4"/>
+          <p:cNvSpPr/>
+          <p:nvPr/>
+        </p:nvSpPr>
+        <p:spPr>
+          <a:xfrm>
+            <a:off x="6188527" y="1034698"/>
+            <a:ext cx="1384663" cy="400110"/>
+          </a:xfrm>
+          <a:prstGeom prst="rect">
+            <a:avLst/>
+          </a:prstGeom>
+        </p:spPr>
+        <p:txBody>
+          <a:bodyPr wrap="square">
+            <a:spAutoFit/>
+          </a:bodyPr>
+          <a:lstStyle/>
+          <a:p>
+            <a:r>
+              <a:rPr lang="en-US" sz="2000" dirty="0" err="1" smtClean="0"/>
+              <a:t>GtkSharp</a:t>
+            </a:r>
+            <a:endParaRPr lang="ru-RU" sz="2000" dirty="0"/>
+          </a:p>
+        </p:txBody>
+      </p:sp>
+      <p:sp>
+        <p:nvSpPr>
+          <p:cNvPr id="6" name="Прямоугольник 5"/>
+          <p:cNvSpPr/>
+          <p:nvPr/>
+        </p:nvSpPr>
+        <p:spPr>
+          <a:xfrm>
+            <a:off x="5380897" y="1539044"/>
+            <a:ext cx="2999924" cy="300082"/>
+          </a:xfrm>
+          <a:prstGeom prst="rect">
+            <a:avLst/>
+          </a:prstGeom>
+        </p:spPr>
+        <p:txBody>
+          <a:bodyPr wrap="none">
+            <a:spAutoFit/>
+          </a:bodyPr>
+          <a:lstStyle/>
+          <a:p>
+            <a:r>
+              <a:rPr lang="en-US" dirty="0">
+                <a:hlinkClick r:id="rId2"/>
+              </a:rPr>
+              <a:t>https://</a:t>
+            </a:r>
+            <a:r>
+              <a:rPr lang="en-US" dirty="0" smtClean="0">
+                <a:hlinkClick r:id="rId2"/>
+              </a:rPr>
+              <a:t>github.com/GtkSharp/GtkSharp</a:t>
+            </a:r>
+            <a:r>
+              <a:rPr lang="en-US" dirty="0" smtClean="0"/>
+              <a:t> </a:t>
+            </a:r>
+            <a:endParaRPr lang="ru-RU" dirty="0"/>
+          </a:p>
+        </p:txBody>
+      </p:sp>
+      <p:sp>
+        <p:nvSpPr>
+          <p:cNvPr id="7" name="Прямоугольник 6"/>
+          <p:cNvSpPr/>
+          <p:nvPr/>
+        </p:nvSpPr>
+        <p:spPr>
+          <a:xfrm>
+            <a:off x="451613" y="1539044"/>
+            <a:ext cx="2766719" cy="300082"/>
+          </a:xfrm>
+          <a:prstGeom prst="rect">
+            <a:avLst/>
+          </a:prstGeom>
+        </p:spPr>
+        <p:txBody>
+          <a:bodyPr wrap="none">
+            <a:spAutoFit/>
+          </a:bodyPr>
+          <a:lstStyle/>
+          <a:p>
+            <a:r>
+              <a:rPr lang="en-US" dirty="0">
+                <a:hlinkClick r:id="rId3"/>
+              </a:rPr>
+              <a:t>https://</a:t>
+            </a:r>
+            <a:r>
+              <a:rPr lang="en-US" dirty="0" smtClean="0">
+                <a:hlinkClick r:id="rId3"/>
+              </a:rPr>
+              <a:t>github.com/mono/gtk-sharp</a:t>
+            </a:r>
+            <a:endParaRPr lang="ru-RU" dirty="0"/>
+          </a:p>
+        </p:txBody>
+      </p:sp>
+      <p:graphicFrame>
+        <p:nvGraphicFramePr>
+          <p:cNvPr id="8" name="Таблица 7"/>
+          <p:cNvGraphicFramePr>
+            <a:graphicFrameLocks noGrp="1"/>
+          </p:cNvGraphicFramePr>
+          <p:nvPr>
+            <p:extLst>
+              <p:ext uri="{D42A27DB-BD31-4B8C-83A1-F6EECF244321}">
+                <p14:modId xmlns:p14="http://schemas.microsoft.com/office/powerpoint/2010/main" val="1917229865"/>
+              </p:ext>
+            </p:extLst>
+          </p:nvPr>
+        </p:nvGraphicFramePr>
+        <p:xfrm>
+          <a:off x="907230" y="2626269"/>
+          <a:ext cx="7332716" cy="956074"/>
+        </p:xfrm>
+        <a:graphic>
+          <a:graphicData uri="http://schemas.openxmlformats.org/drawingml/2006/table">
+            <a:tbl>
+              <a:tblPr firstRow="1">
+                <a:tableStyleId>{5FD0F851-EC5A-4D38-B0AD-8093EC10F338}</a:tableStyleId>
+              </a:tblPr>
+              <a:tblGrid>
+                <a:gridCol w="1282081">
+                  <a:extLst>
+                    <a:ext uri="{9D8B030D-6E8A-4147-A177-3AD203B41FA5}">
+                      <a16:colId xmlns:a16="http://schemas.microsoft.com/office/drawing/2014/main" val="3001518489"/>
+                    </a:ext>
+                  </a:extLst>
+                </a:gridCol>
+                <a:gridCol w="2205024">
+                  <a:extLst>
+                    <a:ext uri="{9D8B030D-6E8A-4147-A177-3AD203B41FA5}">
+                      <a16:colId xmlns:a16="http://schemas.microsoft.com/office/drawing/2014/main" val="3164511798"/>
+                    </a:ext>
+                  </a:extLst>
+                </a:gridCol>
+                <a:gridCol w="3845611">
+                  <a:extLst>
+                    <a:ext uri="{9D8B030D-6E8A-4147-A177-3AD203B41FA5}">
+                      <a16:colId xmlns:a16="http://schemas.microsoft.com/office/drawing/2014/main" val="967204659"/>
+                    </a:ext>
+                  </a:extLst>
+                </a:gridCol>
+              </a:tblGrid>
+              <a:tr h="149979">
+                <a:tc>
+                  <a:txBody>
+                    <a:bodyPr/>
+                    <a:lstStyle/>
+                    <a:p>
+                      <a:pPr algn="l"/>
+                      <a:endParaRPr lang="ru-RU" sz="1200" b="1" dirty="0">
+                        <a:effectLst/>
+                      </a:endParaRPr>
+                    </a:p>
+                  </a:txBody>
+                  <a:tcPr marL="123825" marR="123825" marT="57150" marB="57150" anchor="ctr"/>
+                </a:tc>
+                <a:tc>
+                  <a:txBody>
+                    <a:bodyPr/>
+                    <a:lstStyle/>
+                    <a:p>
+                      <a:pPr algn="l"/>
+                      <a:r>
+                        <a:rPr lang="en-US" sz="1200">
+                          <a:effectLst/>
+                        </a:rPr>
+                        <a:t>Target framework</a:t>
+                      </a:r>
+                      <a:endParaRPr lang="en-US" sz="1200" b="1">
+                        <a:effectLst/>
+                      </a:endParaRPr>
+                    </a:p>
+                  </a:txBody>
+                  <a:tcPr marL="123825" marR="123825" marT="57150" marB="57150" anchor="ctr"/>
+                </a:tc>
+                <a:tc>
+                  <a:txBody>
+                    <a:bodyPr/>
+                    <a:lstStyle/>
+                    <a:p>
+                      <a:pPr algn="l"/>
+                      <a:r>
+                        <a:rPr lang="en-US" sz="1200">
+                          <a:effectLst/>
+                        </a:rPr>
+                        <a:t>Target Gtk Version</a:t>
+                      </a:r>
+                      <a:endParaRPr lang="en-US" sz="1200" b="1">
+                        <a:effectLst/>
+                      </a:endParaRPr>
+                    </a:p>
+                  </a:txBody>
+                  <a:tcPr marL="123825" marR="123825" marT="57150" marB="57150" anchor="ctr"/>
+                </a:tc>
+                <a:extLst>
+                  <a:ext uri="{0D108BD9-81ED-4DB2-BD59-A6C34878D82A}">
+                    <a16:rowId xmlns:a16="http://schemas.microsoft.com/office/drawing/2014/main" val="1730273706"/>
+                  </a:ext>
+                </a:extLst>
+              </a:tr>
+              <a:tr h="0">
+                <a:tc>
+                  <a:txBody>
+                    <a:bodyPr/>
+                    <a:lstStyle/>
+                    <a:p>
+                      <a:pPr algn="l"/>
+                      <a:r>
+                        <a:rPr lang="en-US" sz="1200">
+                          <a:effectLst/>
+                        </a:rPr>
+                        <a:t>GtkSharp</a:t>
+                      </a:r>
+                    </a:p>
+                  </a:txBody>
+                  <a:tcPr marL="123825" marR="123825" marT="57150" marB="57150" anchor="ctr"/>
+                </a:tc>
+                <a:tc>
+                  <a:txBody>
+                    <a:bodyPr/>
+                    <a:lstStyle/>
+                    <a:p>
+                      <a:pPr algn="l"/>
+                      <a:r>
+                        <a:rPr lang="en-US" sz="1200">
+                          <a:effectLst/>
+                        </a:rPr>
+                        <a:t>.NET Standard 2.0</a:t>
+                      </a:r>
+                    </a:p>
+                  </a:txBody>
+                  <a:tcPr marL="123825" marR="123825" marT="57150" marB="57150" anchor="ctr"/>
+                </a:tc>
+                <a:tc>
+                  <a:txBody>
+                    <a:bodyPr/>
+                    <a:lstStyle/>
+                    <a:p>
+                      <a:pPr algn="l"/>
+                      <a:r>
+                        <a:rPr lang="en-US" sz="1200">
+                          <a:effectLst/>
+                        </a:rPr>
+                        <a:t>Gtk 3.22</a:t>
+                      </a:r>
+                    </a:p>
+                  </a:txBody>
+                  <a:tcPr marL="123825" marR="123825" marT="57150" marB="57150" anchor="ctr"/>
+                </a:tc>
+                <a:extLst>
+                  <a:ext uri="{0D108BD9-81ED-4DB2-BD59-A6C34878D82A}">
+                    <a16:rowId xmlns:a16="http://schemas.microsoft.com/office/drawing/2014/main" val="2870387996"/>
+                  </a:ext>
+                </a:extLst>
+              </a:tr>
+              <a:tr h="361714">
+                <a:tc>
+                  <a:txBody>
+                    <a:bodyPr/>
+                    <a:lstStyle/>
+                    <a:p>
+                      <a:pPr algn="l"/>
+                      <a:r>
+                        <a:rPr lang="en-US" sz="1200" dirty="0" err="1" smtClean="0">
+                          <a:effectLst/>
+                        </a:rPr>
+                        <a:t>Gtk</a:t>
+                      </a:r>
+                      <a:r>
+                        <a:rPr lang="en-US" sz="1200" dirty="0" smtClean="0">
+                          <a:effectLst/>
+                        </a:rPr>
+                        <a:t>#</a:t>
+                      </a:r>
+                      <a:endParaRPr lang="en-US" sz="1200" dirty="0">
+                        <a:effectLst/>
+                      </a:endParaRPr>
+                    </a:p>
+                  </a:txBody>
+                  <a:tcPr marL="123825" marR="123825" marT="57150" marB="57150" anchor="ctr"/>
+                </a:tc>
+                <a:tc>
+                  <a:txBody>
+                    <a:bodyPr/>
+                    <a:lstStyle/>
+                    <a:p>
+                      <a:pPr algn="l"/>
+                      <a:r>
+                        <a:rPr lang="en-US" sz="1200" dirty="0">
+                          <a:effectLst/>
+                        </a:rPr>
+                        <a:t>.NET Framework </a:t>
+                      </a:r>
+                      <a:r>
+                        <a:rPr lang="en-US" sz="1200" dirty="0" smtClean="0">
+                          <a:effectLst/>
+                        </a:rPr>
+                        <a:t>4.5, Mono</a:t>
+                      </a:r>
+                      <a:endParaRPr lang="en-US" sz="1200" dirty="0">
+                        <a:effectLst/>
+                      </a:endParaRPr>
+                    </a:p>
+                  </a:txBody>
+                  <a:tcPr marL="123825" marR="123825" marT="57150" marB="57150" anchor="ctr"/>
+                </a:tc>
+                <a:tc>
+                  <a:txBody>
+                    <a:bodyPr/>
+                    <a:lstStyle/>
+                    <a:p>
+                      <a:pPr algn="l"/>
+                      <a:r>
+                        <a:rPr lang="en-US" sz="1200" dirty="0" err="1">
+                          <a:effectLst/>
+                        </a:rPr>
+                        <a:t>Gtk</a:t>
+                      </a:r>
+                      <a:r>
+                        <a:rPr lang="en-US" sz="1200" dirty="0">
+                          <a:effectLst/>
+                        </a:rPr>
+                        <a:t> 2 (also </a:t>
+                      </a:r>
+                      <a:r>
+                        <a:rPr lang="en-US" sz="1200" dirty="0" err="1">
+                          <a:effectLst/>
+                        </a:rPr>
+                        <a:t>Gtk</a:t>
+                      </a:r>
+                      <a:r>
+                        <a:rPr lang="en-US" sz="1200" dirty="0">
+                          <a:effectLst/>
+                        </a:rPr>
+                        <a:t> 3.0 but never officially released)</a:t>
+                      </a:r>
+                    </a:p>
+                  </a:txBody>
+                  <a:tcPr marL="123825" marR="123825" marT="57150" marB="57150" anchor="ctr"/>
+                </a:tc>
+                <a:extLst>
+                  <a:ext uri="{0D108BD9-81ED-4DB2-BD59-A6C34878D82A}">
+                    <a16:rowId xmlns:a16="http://schemas.microsoft.com/office/drawing/2014/main" val="1613692456"/>
+                  </a:ext>
+                </a:extLst>
+              </a:tr>
+            </a:tbl>
+          </a:graphicData>
+        </a:graphic>
+      </p:graphicFrame>
     </p:spTree>
     <p:extLst>
       <p:ext uri="{BB962C8B-B14F-4D97-AF65-F5344CB8AC3E}">
-        <p14:creationId xmlns:p14="http://schemas.microsoft.com/office/powerpoint/2010/main" val="3009376098"/>
+        <p14:creationId xmlns:p14="http://schemas.microsoft.com/office/powerpoint/2010/main" val="389671003"/>
       </p:ext>
     </p:extLst>
   </p:cSld>
@@ -19806,7 +20707,7 @@
 </p:sld>
 </file>
 
-<file path=ppt/slides/slide14.xml><?xml version="1.0" encoding="utf-8"?>
+<file path=ppt/slides/slide12.xml><?xml version="1.0" encoding="utf-8"?>
 <p:sld xmlns:a="http://schemas.openxmlformats.org/drawingml/2006/main" xmlns:r="http://schemas.openxmlformats.org/officeDocument/2006/relationships" xmlns:p="http://schemas.openxmlformats.org/presentationml/2006/main">
   <p:cSld>
     <p:spTree>
@@ -19839,8 +20740,8 @@
           <a:lstStyle/>
           <a:p>
             <a:r>
-              <a:rPr lang="en-US" dirty="0" err="1" smtClean="0"/>
-              <a:t>Eto.Forms</a:t>
+              <a:rPr lang="en-US" dirty="0" smtClean="0"/>
+              <a:t>Development</a:t>
             </a:r>
             <a:endParaRPr lang="ru-RU" dirty="0"/>
           </a:p>
@@ -19849,13 +20750,143 @@
     </p:spTree>
     <p:extLst>
       <p:ext uri="{BB962C8B-B14F-4D97-AF65-F5344CB8AC3E}">
-        <p14:creationId xmlns:p14="http://schemas.microsoft.com/office/powerpoint/2010/main" val="1058019614"/>
+        <p14:creationId xmlns:p14="http://schemas.microsoft.com/office/powerpoint/2010/main" val="1368713569"/>
       </p:ext>
     </p:extLst>
   </p:cSld>
   <p:clrMapOvr>
     <a:masterClrMapping/>
   </p:clrMapOvr>
+</p:sld>
+</file>
+
+<file path=ppt/slides/slide13.xml><?xml version="1.0" encoding="utf-8"?>
+<p:sld xmlns:a="http://schemas.openxmlformats.org/drawingml/2006/main" xmlns:r="http://schemas.openxmlformats.org/officeDocument/2006/relationships" xmlns:p="http://schemas.openxmlformats.org/presentationml/2006/main" show="0">
+  <p:cSld>
+    <p:spTree>
+      <p:nvGrpSpPr>
+        <p:cNvPr id="1" name=""/>
+        <p:cNvGrpSpPr/>
+        <p:nvPr/>
+      </p:nvGrpSpPr>
+      <p:grpSpPr>
+        <a:xfrm>
+          <a:off x="0" y="0"/>
+          <a:ext cx="0" cy="0"/>
+          <a:chOff x="0" y="0"/>
+          <a:chExt cx="0" cy="0"/>
+        </a:xfrm>
+      </p:grpSpPr>
+      <p:sp>
+        <p:nvSpPr>
+          <p:cNvPr id="2" name="Заголовок 1"/>
+          <p:cNvSpPr>
+            <a:spLocks noGrp="1"/>
+          </p:cNvSpPr>
+          <p:nvPr>
+            <p:ph type="title"/>
+          </p:nvPr>
+        </p:nvSpPr>
+        <p:spPr/>
+        <p:txBody>
+          <a:bodyPr/>
+          <a:lstStyle/>
+          <a:p>
+            <a:r>
+              <a:rPr lang="en-US" dirty="0" err="1" smtClean="0"/>
+              <a:t>Qt</a:t>
+            </a:r>
+            <a:r>
+              <a:rPr lang="en-US" dirty="0" smtClean="0"/>
+              <a:t>/</a:t>
+            </a:r>
+            <a:r>
+              <a:rPr lang="en-US" dirty="0" err="1" smtClean="0"/>
+              <a:t>Qml</a:t>
+            </a:r>
+            <a:endParaRPr lang="ru-RU" dirty="0"/>
+          </a:p>
+        </p:txBody>
+      </p:sp>
+    </p:spTree>
+    <p:extLst>
+      <p:ext uri="{BB962C8B-B14F-4D97-AF65-F5344CB8AC3E}">
+        <p14:creationId xmlns:p14="http://schemas.microsoft.com/office/powerpoint/2010/main" val="3287680912"/>
+      </p:ext>
+    </p:extLst>
+  </p:cSld>
+  <p:clrMapOvr>
+    <a:masterClrMapping/>
+  </p:clrMapOvr>
+  <mc:AlternateContent xmlns:mc="http://schemas.openxmlformats.org/markup-compatibility/2006">
+    <mc:Choice xmlns:p14="http://schemas.microsoft.com/office/powerpoint/2010/main" Requires="p14">
+      <p:transition spd="slow" p14:dur="2000"/>
+    </mc:Choice>
+    <mc:Fallback>
+      <p:transition spd="slow"/>
+    </mc:Fallback>
+  </mc:AlternateContent>
+</p:sld>
+</file>
+
+<file path=ppt/slides/slide14.xml><?xml version="1.0" encoding="utf-8"?>
+<p:sld xmlns:a="http://schemas.openxmlformats.org/drawingml/2006/main" xmlns:r="http://schemas.openxmlformats.org/officeDocument/2006/relationships" xmlns:p="http://schemas.openxmlformats.org/presentationml/2006/main" show="0">
+  <p:cSld>
+    <p:spTree>
+      <p:nvGrpSpPr>
+        <p:cNvPr id="1" name=""/>
+        <p:cNvGrpSpPr/>
+        <p:nvPr/>
+      </p:nvGrpSpPr>
+      <p:grpSpPr>
+        <a:xfrm>
+          <a:off x="0" y="0"/>
+          <a:ext cx="0" cy="0"/>
+          <a:chOff x="0" y="0"/>
+          <a:chExt cx="0" cy="0"/>
+        </a:xfrm>
+      </p:grpSpPr>
+      <p:sp>
+        <p:nvSpPr>
+          <p:cNvPr id="2" name="Заголовок 1"/>
+          <p:cNvSpPr>
+            <a:spLocks noGrp="1"/>
+          </p:cNvSpPr>
+          <p:nvPr>
+            <p:ph type="title"/>
+          </p:nvPr>
+        </p:nvSpPr>
+        <p:spPr/>
+        <p:txBody>
+          <a:bodyPr/>
+          <a:lstStyle/>
+          <a:p>
+            <a:r>
+              <a:rPr lang="en-US" dirty="0" err="1" smtClean="0"/>
+              <a:t>Qml.Net</a:t>
+            </a:r>
+            <a:endParaRPr lang="ru-RU" dirty="0"/>
+          </a:p>
+        </p:txBody>
+      </p:sp>
+    </p:spTree>
+    <p:extLst>
+      <p:ext uri="{BB962C8B-B14F-4D97-AF65-F5344CB8AC3E}">
+        <p14:creationId xmlns:p14="http://schemas.microsoft.com/office/powerpoint/2010/main" val="3633928373"/>
+      </p:ext>
+    </p:extLst>
+  </p:cSld>
+  <p:clrMapOvr>
+    <a:masterClrMapping/>
+  </p:clrMapOvr>
+  <mc:AlternateContent xmlns:mc="http://schemas.openxmlformats.org/markup-compatibility/2006">
+    <mc:Choice xmlns:p14="http://schemas.microsoft.com/office/powerpoint/2010/main" Requires="p14">
+      <p:transition spd="slow" p14:dur="2000"/>
+    </mc:Choice>
+    <mc:Fallback>
+      <p:transition spd="slow"/>
+    </mc:Fallback>
+  </mc:AlternateContent>
 </p:sld>
 </file>
 
@@ -19892,8 +20923,20 @@
           <a:lstStyle/>
           <a:p>
             <a:r>
+              <a:rPr lang="en-US" dirty="0"/>
+              <a:t>Native </a:t>
+            </a:r>
+            <a:r>
+              <a:rPr lang="en-US" dirty="0" err="1"/>
+              <a:t>.Net</a:t>
+            </a:r>
+            <a:r>
+              <a:rPr lang="en-US" dirty="0"/>
+              <a:t> </a:t>
+            </a:r>
+            <a:r>
               <a:rPr lang="en-US" dirty="0" smtClean="0"/>
-              <a:t>HTML/CSS-based frameworks</a:t>
+              <a:t>libs</a:t>
             </a:r>
             <a:endParaRPr lang="ru-RU" dirty="0"/>
           </a:p>
@@ -19902,7 +20945,7 @@
     </p:spTree>
     <p:extLst>
       <p:ext uri="{BB962C8B-B14F-4D97-AF65-F5344CB8AC3E}">
-        <p14:creationId xmlns:p14="http://schemas.microsoft.com/office/powerpoint/2010/main" val="1456736141"/>
+        <p14:creationId xmlns:p14="http://schemas.microsoft.com/office/powerpoint/2010/main" val="186989479"/>
       </p:ext>
     </p:extLst>
   </p:cSld>
@@ -19945,17 +20988,80 @@
           <a:lstStyle/>
           <a:p>
             <a:r>
+              <a:rPr lang="en-US" dirty="0" err="1" smtClean="0"/>
+              <a:t>.Net</a:t>
+            </a:r>
+            <a:r>
               <a:rPr lang="en-US" dirty="0" smtClean="0"/>
-              <a:t>What is it?</a:t>
+              <a:t> GUI Cross platform Libs</a:t>
             </a:r>
             <a:endParaRPr lang="ru-RU" dirty="0"/>
           </a:p>
         </p:txBody>
       </p:sp>
+      <p:pic>
+        <p:nvPicPr>
+          <p:cNvPr id="4" name="Рисунок 3"/>
+          <p:cNvPicPr>
+            <a:picLocks noChangeAspect="1"/>
+          </p:cNvPicPr>
+          <p:nvPr/>
+        </p:nvPicPr>
+        <p:blipFill>
+          <a:blip r:embed="rId2">
+            <a:extLst>
+              <a:ext uri="{28A0092B-C50C-407E-A947-70E740481C1C}">
+                <a14:useLocalDpi xmlns:a14="http://schemas.microsoft.com/office/drawing/2010/main" val="0"/>
+              </a:ext>
+            </a:extLst>
+          </a:blip>
+          <a:stretch>
+            <a:fillRect/>
+          </a:stretch>
+        </p:blipFill>
+        <p:spPr>
+          <a:xfrm>
+            <a:off x="488554" y="826770"/>
+            <a:ext cx="1905000" cy="1905000"/>
+          </a:xfrm>
+          <a:prstGeom prst="rect">
+            <a:avLst/>
+          </a:prstGeom>
+        </p:spPr>
+      </p:pic>
+      <p:pic>
+        <p:nvPicPr>
+          <p:cNvPr id="7" name="Рисунок 6"/>
+          <p:cNvPicPr>
+            <a:picLocks noChangeAspect="1"/>
+          </p:cNvPicPr>
+          <p:nvPr/>
+        </p:nvPicPr>
+        <p:blipFill rotWithShape="1">
+          <a:blip r:embed="rId3">
+            <a:extLst>
+              <a:ext uri="{28A0092B-C50C-407E-A947-70E740481C1C}">
+                <a14:useLocalDpi xmlns:a14="http://schemas.microsoft.com/office/drawing/2010/main" val="0"/>
+              </a:ext>
+            </a:extLst>
+          </a:blip>
+          <a:srcRect l="34833" t="29001" r="34500" b="18714"/>
+          <a:stretch/>
+        </p:blipFill>
+        <p:spPr>
+          <a:xfrm>
+            <a:off x="669685" y="2731770"/>
+            <a:ext cx="1723869" cy="1714500"/>
+          </a:xfrm>
+          <a:prstGeom prst="rect">
+            <a:avLst/>
+          </a:prstGeom>
+        </p:spPr>
+      </p:pic>
     </p:spTree>
     <p:extLst>
       <p:ext uri="{BB962C8B-B14F-4D97-AF65-F5344CB8AC3E}">
-        <p14:creationId xmlns:p14="http://schemas.microsoft.com/office/powerpoint/2010/main" val="3509164491"/>
+        <p14:creationId xmlns:p14="http://schemas.microsoft.com/office/powerpoint/2010/main" val="609591635"/>
       </p:ext>
     </p:extLst>
   </p:cSld>
@@ -19998,8 +21104,8 @@
           <a:lstStyle/>
           <a:p>
             <a:r>
-              <a:rPr lang="en-US" dirty="0" smtClean="0"/>
-              <a:t>Electron</a:t>
+              <a:rPr lang="en-US" dirty="0" err="1" smtClean="0"/>
+              <a:t>Eto.Forms</a:t>
             </a:r>
             <a:endParaRPr lang="ru-RU" dirty="0"/>
           </a:p>
@@ -20008,7 +21114,7 @@
     </p:spTree>
     <p:extLst>
       <p:ext uri="{BB962C8B-B14F-4D97-AF65-F5344CB8AC3E}">
-        <p14:creationId xmlns:p14="http://schemas.microsoft.com/office/powerpoint/2010/main" val="3635802564"/>
+        <p14:creationId xmlns:p14="http://schemas.microsoft.com/office/powerpoint/2010/main" val="1058019614"/>
       </p:ext>
     </p:extLst>
   </p:cSld>
@@ -20019,7 +21125,7 @@
 </file>
 
 <file path=ppt/slides/slide18.xml><?xml version="1.0" encoding="utf-8"?>
-<p:sld xmlns:a="http://schemas.openxmlformats.org/drawingml/2006/main" xmlns:r="http://schemas.openxmlformats.org/officeDocument/2006/relationships" xmlns:p="http://schemas.openxmlformats.org/presentationml/2006/main">
+<p:sld xmlns:a="http://schemas.openxmlformats.org/drawingml/2006/main" xmlns:r="http://schemas.openxmlformats.org/officeDocument/2006/relationships" xmlns:p="http://schemas.openxmlformats.org/presentationml/2006/main" show="0">
   <p:cSld>
     <p:spTree>
       <p:nvGrpSpPr>
@@ -20052,7 +21158,7 @@
           <a:p>
             <a:r>
               <a:rPr lang="en-US" dirty="0" smtClean="0"/>
-              <a:t>Electron.net</a:t>
+              <a:t>Avalonia</a:t>
             </a:r>
             <a:endParaRPr lang="ru-RU" dirty="0"/>
           </a:p>
@@ -20061,13 +21167,21 @@
     </p:spTree>
     <p:extLst>
       <p:ext uri="{BB962C8B-B14F-4D97-AF65-F5344CB8AC3E}">
-        <p14:creationId xmlns:p14="http://schemas.microsoft.com/office/powerpoint/2010/main" val="2718629126"/>
+        <p14:creationId xmlns:p14="http://schemas.microsoft.com/office/powerpoint/2010/main" val="3009376098"/>
       </p:ext>
     </p:extLst>
   </p:cSld>
   <p:clrMapOvr>
     <a:masterClrMapping/>
   </p:clrMapOvr>
+  <mc:AlternateContent xmlns:mc="http://schemas.openxmlformats.org/markup-compatibility/2006">
+    <mc:Choice xmlns:p14="http://schemas.microsoft.com/office/powerpoint/2010/main" Requires="p14">
+      <p:transition spd="slow" p14:dur="2000"/>
+    </mc:Choice>
+    <mc:Fallback>
+      <p:transition spd="slow"/>
+    </mc:Fallback>
+  </mc:AlternateContent>
 </p:sld>
 </file>
 
@@ -20090,7 +21204,7 @@
       </p:grpSpPr>
       <p:sp>
         <p:nvSpPr>
-          <p:cNvPr id="2" name="Заголовок 1"/>
+          <p:cNvPr id="3" name="Заголовок 2"/>
           <p:cNvSpPr>
             <a:spLocks noGrp="1"/>
           </p:cNvSpPr>
@@ -20104,8 +21218,8 @@
           <a:lstStyle/>
           <a:p>
             <a:r>
-              <a:rPr lang="en-US" dirty="0" err="1" smtClean="0"/>
-              <a:t>Sciter</a:t>
+              <a:rPr lang="en-US" dirty="0" smtClean="0"/>
+              <a:t>HTML/CSS-based frameworks</a:t>
             </a:r>
             <a:endParaRPr lang="ru-RU" dirty="0"/>
           </a:p>
@@ -20114,7 +21228,7 @@
     </p:spTree>
     <p:extLst>
       <p:ext uri="{BB962C8B-B14F-4D97-AF65-F5344CB8AC3E}">
-        <p14:creationId xmlns:p14="http://schemas.microsoft.com/office/powerpoint/2010/main" val="1096656507"/>
+        <p14:creationId xmlns:p14="http://schemas.microsoft.com/office/powerpoint/2010/main" val="1456736141"/>
       </p:ext>
     </p:extLst>
   </p:cSld>
@@ -20280,6 +21394,301 @@
       </p:grpSpPr>
       <p:sp>
         <p:nvSpPr>
+          <p:cNvPr id="3" name="Заголовок 2"/>
+          <p:cNvSpPr>
+            <a:spLocks noGrp="1"/>
+          </p:cNvSpPr>
+          <p:nvPr>
+            <p:ph type="title"/>
+          </p:nvPr>
+        </p:nvSpPr>
+        <p:spPr/>
+        <p:txBody>
+          <a:bodyPr/>
+          <a:lstStyle/>
+          <a:p>
+            <a:r>
+              <a:rPr lang="en-US" dirty="0"/>
+              <a:t>HTML/CSS-based frameworks</a:t>
+            </a:r>
+            <a:endParaRPr lang="ru-RU" dirty="0"/>
+          </a:p>
+        </p:txBody>
+      </p:sp>
+      <p:pic>
+        <p:nvPicPr>
+          <p:cNvPr id="4" name="Рисунок 3"/>
+          <p:cNvPicPr>
+            <a:picLocks noChangeAspect="1"/>
+          </p:cNvPicPr>
+          <p:nvPr/>
+        </p:nvPicPr>
+        <p:blipFill>
+          <a:blip r:embed="rId3" cstate="print">
+            <a:extLst>
+              <a:ext uri="{28A0092B-C50C-407E-A947-70E740481C1C}">
+                <a14:useLocalDpi xmlns:a14="http://schemas.microsoft.com/office/drawing/2010/main" val="0"/>
+              </a:ext>
+            </a:extLst>
+          </a:blip>
+          <a:stretch>
+            <a:fillRect/>
+          </a:stretch>
+        </p:blipFill>
+        <p:spPr>
+          <a:xfrm>
+            <a:off x="360364" y="830580"/>
+            <a:ext cx="1211580" cy="1211580"/>
+          </a:xfrm>
+          <a:prstGeom prst="rect">
+            <a:avLst/>
+          </a:prstGeom>
+        </p:spPr>
+      </p:pic>
+      <p:pic>
+        <p:nvPicPr>
+          <p:cNvPr id="5" name="Рисунок 4"/>
+          <p:cNvPicPr>
+            <a:picLocks noChangeAspect="1"/>
+          </p:cNvPicPr>
+          <p:nvPr/>
+        </p:nvPicPr>
+        <p:blipFill>
+          <a:blip r:embed="rId4">
+            <a:extLst>
+              <a:ext uri="{28A0092B-C50C-407E-A947-70E740481C1C}">
+                <a14:useLocalDpi xmlns:a14="http://schemas.microsoft.com/office/drawing/2010/main" val="0"/>
+              </a:ext>
+            </a:extLst>
+          </a:blip>
+          <a:stretch>
+            <a:fillRect/>
+          </a:stretch>
+        </p:blipFill>
+        <p:spPr>
+          <a:xfrm>
+            <a:off x="2308860" y="887730"/>
+            <a:ext cx="1325880" cy="1325880"/>
+          </a:xfrm>
+          <a:prstGeom prst="rect">
+            <a:avLst/>
+          </a:prstGeom>
+        </p:spPr>
+      </p:pic>
+      <p:pic>
+        <p:nvPicPr>
+          <p:cNvPr id="14" name="Рисунок 13"/>
+          <p:cNvPicPr>
+            <a:picLocks noChangeAspect="1"/>
+          </p:cNvPicPr>
+          <p:nvPr/>
+        </p:nvPicPr>
+        <p:blipFill rotWithShape="1">
+          <a:blip r:embed="rId5"/>
+          <a:srcRect l="5721" t="19255" r="8863" b="17255"/>
+          <a:stretch/>
+        </p:blipFill>
+        <p:spPr>
+          <a:xfrm>
+            <a:off x="472440" y="2895600"/>
+            <a:ext cx="2712720" cy="576113"/>
+          </a:xfrm>
+          <a:prstGeom prst="rect">
+            <a:avLst/>
+          </a:prstGeom>
+        </p:spPr>
+      </p:pic>
+    </p:spTree>
+    <p:extLst>
+      <p:ext uri="{BB962C8B-B14F-4D97-AF65-F5344CB8AC3E}">
+        <p14:creationId xmlns:p14="http://schemas.microsoft.com/office/powerpoint/2010/main" val="3509164491"/>
+      </p:ext>
+    </p:extLst>
+  </p:cSld>
+  <p:clrMapOvr>
+    <a:masterClrMapping/>
+  </p:clrMapOvr>
+</p:sld>
+</file>
+
+<file path=ppt/slides/slide21.xml><?xml version="1.0" encoding="utf-8"?>
+<p:sld xmlns:a="http://schemas.openxmlformats.org/drawingml/2006/main" xmlns:r="http://schemas.openxmlformats.org/officeDocument/2006/relationships" xmlns:p="http://schemas.openxmlformats.org/presentationml/2006/main">
+  <p:cSld>
+    <p:spTree>
+      <p:nvGrpSpPr>
+        <p:cNvPr id="1" name=""/>
+        <p:cNvGrpSpPr/>
+        <p:nvPr/>
+      </p:nvGrpSpPr>
+      <p:grpSpPr>
+        <a:xfrm>
+          <a:off x="0" y="0"/>
+          <a:ext cx="0" cy="0"/>
+          <a:chOff x="0" y="0"/>
+          <a:chExt cx="0" cy="0"/>
+        </a:xfrm>
+      </p:grpSpPr>
+      <p:sp>
+        <p:nvSpPr>
+          <p:cNvPr id="2" name="Заголовок 1"/>
+          <p:cNvSpPr>
+            <a:spLocks noGrp="1"/>
+          </p:cNvSpPr>
+          <p:nvPr>
+            <p:ph type="title"/>
+          </p:nvPr>
+        </p:nvSpPr>
+        <p:spPr/>
+        <p:txBody>
+          <a:bodyPr/>
+          <a:lstStyle/>
+          <a:p>
+            <a:r>
+              <a:rPr lang="en-US" dirty="0" smtClean="0"/>
+              <a:t>Electron</a:t>
+            </a:r>
+            <a:endParaRPr lang="ru-RU" dirty="0"/>
+          </a:p>
+        </p:txBody>
+      </p:sp>
+    </p:spTree>
+    <p:extLst>
+      <p:ext uri="{BB962C8B-B14F-4D97-AF65-F5344CB8AC3E}">
+        <p14:creationId xmlns:p14="http://schemas.microsoft.com/office/powerpoint/2010/main" val="3635802564"/>
+      </p:ext>
+    </p:extLst>
+  </p:cSld>
+  <p:clrMapOvr>
+    <a:masterClrMapping/>
+  </p:clrMapOvr>
+</p:sld>
+</file>
+
+<file path=ppt/slides/slide22.xml><?xml version="1.0" encoding="utf-8"?>
+<p:sld xmlns:a="http://schemas.openxmlformats.org/drawingml/2006/main" xmlns:r="http://schemas.openxmlformats.org/officeDocument/2006/relationships" xmlns:p="http://schemas.openxmlformats.org/presentationml/2006/main">
+  <p:cSld>
+    <p:spTree>
+      <p:nvGrpSpPr>
+        <p:cNvPr id="1" name=""/>
+        <p:cNvGrpSpPr/>
+        <p:nvPr/>
+      </p:nvGrpSpPr>
+      <p:grpSpPr>
+        <a:xfrm>
+          <a:off x="0" y="0"/>
+          <a:ext cx="0" cy="0"/>
+          <a:chOff x="0" y="0"/>
+          <a:chExt cx="0" cy="0"/>
+        </a:xfrm>
+      </p:grpSpPr>
+      <p:sp>
+        <p:nvSpPr>
+          <p:cNvPr id="2" name="Заголовок 1"/>
+          <p:cNvSpPr>
+            <a:spLocks noGrp="1"/>
+          </p:cNvSpPr>
+          <p:nvPr>
+            <p:ph type="title"/>
+          </p:nvPr>
+        </p:nvSpPr>
+        <p:spPr/>
+        <p:txBody>
+          <a:bodyPr/>
+          <a:lstStyle/>
+          <a:p>
+            <a:r>
+              <a:rPr lang="en-US" dirty="0" smtClean="0"/>
+              <a:t>Electron.net</a:t>
+            </a:r>
+            <a:endParaRPr lang="ru-RU" dirty="0"/>
+          </a:p>
+        </p:txBody>
+      </p:sp>
+    </p:spTree>
+    <p:extLst>
+      <p:ext uri="{BB962C8B-B14F-4D97-AF65-F5344CB8AC3E}">
+        <p14:creationId xmlns:p14="http://schemas.microsoft.com/office/powerpoint/2010/main" val="2718629126"/>
+      </p:ext>
+    </p:extLst>
+  </p:cSld>
+  <p:clrMapOvr>
+    <a:masterClrMapping/>
+  </p:clrMapOvr>
+</p:sld>
+</file>
+
+<file path=ppt/slides/slide23.xml><?xml version="1.0" encoding="utf-8"?>
+<p:sld xmlns:a="http://schemas.openxmlformats.org/drawingml/2006/main" xmlns:r="http://schemas.openxmlformats.org/officeDocument/2006/relationships" xmlns:p="http://schemas.openxmlformats.org/presentationml/2006/main">
+  <p:cSld>
+    <p:spTree>
+      <p:nvGrpSpPr>
+        <p:cNvPr id="1" name=""/>
+        <p:cNvGrpSpPr/>
+        <p:nvPr/>
+      </p:nvGrpSpPr>
+      <p:grpSpPr>
+        <a:xfrm>
+          <a:off x="0" y="0"/>
+          <a:ext cx="0" cy="0"/>
+          <a:chOff x="0" y="0"/>
+          <a:chExt cx="0" cy="0"/>
+        </a:xfrm>
+      </p:grpSpPr>
+      <p:sp>
+        <p:nvSpPr>
+          <p:cNvPr id="2" name="Заголовок 1"/>
+          <p:cNvSpPr>
+            <a:spLocks noGrp="1"/>
+          </p:cNvSpPr>
+          <p:nvPr>
+            <p:ph type="title"/>
+          </p:nvPr>
+        </p:nvSpPr>
+        <p:spPr/>
+        <p:txBody>
+          <a:bodyPr/>
+          <a:lstStyle/>
+          <a:p>
+            <a:r>
+              <a:rPr lang="en-US" dirty="0" err="1" smtClean="0"/>
+              <a:t>Sciter</a:t>
+            </a:r>
+            <a:endParaRPr lang="ru-RU" dirty="0"/>
+          </a:p>
+        </p:txBody>
+      </p:sp>
+    </p:spTree>
+    <p:extLst>
+      <p:ext uri="{BB962C8B-B14F-4D97-AF65-F5344CB8AC3E}">
+        <p14:creationId xmlns:p14="http://schemas.microsoft.com/office/powerpoint/2010/main" val="1096656507"/>
+      </p:ext>
+    </p:extLst>
+  </p:cSld>
+  <p:clrMapOvr>
+    <a:masterClrMapping/>
+  </p:clrMapOvr>
+</p:sld>
+</file>
+
+<file path=ppt/slides/slide24.xml><?xml version="1.0" encoding="utf-8"?>
+<p:sld xmlns:a="http://schemas.openxmlformats.org/drawingml/2006/main" xmlns:r="http://schemas.openxmlformats.org/officeDocument/2006/relationships" xmlns:p="http://schemas.openxmlformats.org/presentationml/2006/main">
+  <p:cSld>
+    <p:spTree>
+      <p:nvGrpSpPr>
+        <p:cNvPr id="1" name=""/>
+        <p:cNvGrpSpPr/>
+        <p:nvPr/>
+      </p:nvGrpSpPr>
+      <p:grpSpPr>
+        <a:xfrm>
+          <a:off x="0" y="0"/>
+          <a:ext cx="0" cy="0"/>
+          <a:chOff x="0" y="0"/>
+          <a:chExt cx="0" cy="0"/>
+        </a:xfrm>
+      </p:grpSpPr>
+      <p:sp>
+        <p:nvSpPr>
           <p:cNvPr id="2" name="Заголовок 1"/>
           <p:cNvSpPr>
             <a:spLocks noGrp="1"/>
@@ -20314,7 +21723,7 @@
 </p:sld>
 </file>
 
-<file path=ppt/slides/slide21.xml><?xml version="1.0" encoding="utf-8"?>
+<file path=ppt/slides/slide25.xml><?xml version="1.0" encoding="utf-8"?>
 <p:sld xmlns:a="http://schemas.openxmlformats.org/drawingml/2006/main" xmlns:r="http://schemas.openxmlformats.org/officeDocument/2006/relationships" xmlns:p="http://schemas.openxmlformats.org/presentationml/2006/main">
   <p:cSld>
     <p:spTree>
@@ -20372,7 +21781,7 @@
 </p:sld>
 </file>
 
-<file path=ppt/slides/slide22.xml><?xml version="1.0" encoding="utf-8"?>
+<file path=ppt/slides/slide26.xml><?xml version="1.0" encoding="utf-8"?>
 <p:sld xmlns:a="http://schemas.openxmlformats.org/drawingml/2006/main" xmlns:r="http://schemas.openxmlformats.org/officeDocument/2006/relationships" xmlns:p="http://schemas.openxmlformats.org/presentationml/2006/main">
   <p:cSld>
     <p:spTree>
@@ -20421,7 +21830,7 @@
 </p:sld>
 </file>
 
-<file path=ppt/slides/slide23.xml><?xml version="1.0" encoding="utf-8"?>
+<file path=ppt/slides/slide27.xml><?xml version="1.0" encoding="utf-8"?>
 <p:sld xmlns:a="http://schemas.openxmlformats.org/drawingml/2006/main" xmlns:r="http://schemas.openxmlformats.org/officeDocument/2006/relationships" xmlns:p="http://schemas.openxmlformats.org/presentationml/2006/main">
   <p:cSld>
     <p:spTree>
@@ -20561,6 +21970,116 @@
           <a:p>
             <a:r>
               <a:rPr lang="en-US" dirty="0" smtClean="0"/>
+              <a:t>Why?</a:t>
+            </a:r>
+            <a:endParaRPr lang="ru-RU" dirty="0"/>
+          </a:p>
+        </p:txBody>
+      </p:sp>
+    </p:spTree>
+    <p:extLst>
+      <p:ext uri="{BB962C8B-B14F-4D97-AF65-F5344CB8AC3E}">
+        <p14:creationId xmlns:p14="http://schemas.microsoft.com/office/powerpoint/2010/main" val="4231258586"/>
+      </p:ext>
+    </p:extLst>
+  </p:cSld>
+  <p:clrMapOvr>
+    <a:masterClrMapping/>
+  </p:clrMapOvr>
+</p:sld>
+</file>
+
+<file path=ppt/slides/slide5.xml><?xml version="1.0" encoding="utf-8"?>
+<p:sld xmlns:a="http://schemas.openxmlformats.org/drawingml/2006/main" xmlns:r="http://schemas.openxmlformats.org/officeDocument/2006/relationships" xmlns:p="http://schemas.openxmlformats.org/presentationml/2006/main">
+  <p:cSld>
+    <p:spTree>
+      <p:nvGrpSpPr>
+        <p:cNvPr id="1" name=""/>
+        <p:cNvGrpSpPr/>
+        <p:nvPr/>
+      </p:nvGrpSpPr>
+      <p:grpSpPr>
+        <a:xfrm>
+          <a:off x="0" y="0"/>
+          <a:ext cx="0" cy="0"/>
+          <a:chOff x="0" y="0"/>
+          <a:chExt cx="0" cy="0"/>
+        </a:xfrm>
+      </p:grpSpPr>
+      <p:sp>
+        <p:nvSpPr>
+          <p:cNvPr id="2" name="Заголовок 1"/>
+          <p:cNvSpPr>
+            <a:spLocks noGrp="1"/>
+          </p:cNvSpPr>
+          <p:nvPr>
+            <p:ph type="title"/>
+          </p:nvPr>
+        </p:nvSpPr>
+        <p:spPr/>
+        <p:txBody>
+          <a:bodyPr/>
+          <a:lstStyle/>
+          <a:p>
+            <a:r>
+              <a:rPr lang="en-US" dirty="0" err="1" smtClean="0"/>
+              <a:t>.Net</a:t>
+            </a:r>
+            <a:r>
+              <a:rPr lang="en-US" dirty="0" smtClean="0"/>
+              <a:t> Core 3 AND Desktop</a:t>
+            </a:r>
+            <a:endParaRPr lang="ru-RU" dirty="0"/>
+          </a:p>
+        </p:txBody>
+      </p:sp>
+    </p:spTree>
+    <p:extLst>
+      <p:ext uri="{BB962C8B-B14F-4D97-AF65-F5344CB8AC3E}">
+        <p14:creationId xmlns:p14="http://schemas.microsoft.com/office/powerpoint/2010/main" val="1751539332"/>
+      </p:ext>
+    </p:extLst>
+  </p:cSld>
+  <p:clrMapOvr>
+    <a:masterClrMapping/>
+  </p:clrMapOvr>
+</p:sld>
+</file>
+
+<file path=ppt/slides/slide6.xml><?xml version="1.0" encoding="utf-8"?>
+<p:sld xmlns:a="http://schemas.openxmlformats.org/drawingml/2006/main" xmlns:r="http://schemas.openxmlformats.org/officeDocument/2006/relationships" xmlns:p="http://schemas.openxmlformats.org/presentationml/2006/main">
+  <p:cSld>
+    <p:spTree>
+      <p:nvGrpSpPr>
+        <p:cNvPr id="1" name=""/>
+        <p:cNvGrpSpPr/>
+        <p:nvPr/>
+      </p:nvGrpSpPr>
+      <p:grpSpPr>
+        <a:xfrm>
+          <a:off x="0" y="0"/>
+          <a:ext cx="0" cy="0"/>
+          <a:chOff x="0" y="0"/>
+          <a:chExt cx="0" cy="0"/>
+        </a:xfrm>
+      </p:grpSpPr>
+      <p:sp>
+        <p:nvSpPr>
+          <p:cNvPr id="2" name="Заголовок 1"/>
+          <p:cNvSpPr>
+            <a:spLocks noGrp="1"/>
+          </p:cNvSpPr>
+          <p:nvPr>
+            <p:ph type="title"/>
+          </p:nvPr>
+        </p:nvSpPr>
+        <p:spPr/>
+        <p:txBody>
+          <a:bodyPr/>
+          <a:lstStyle/>
+          <a:p>
+            <a:r>
+              <a:rPr lang="en-US" dirty="0" smtClean="0"/>
               <a:t>Types of GUI libs</a:t>
             </a:r>
             <a:endParaRPr lang="ru-RU" dirty="0"/>
@@ -20574,7 +22093,7 @@
           <p:nvPr>
             <p:extLst>
               <p:ext uri="{D42A27DB-BD31-4B8C-83A1-F6EECF244321}">
-                <p14:modId xmlns:p14="http://schemas.microsoft.com/office/powerpoint/2010/main" val="2578513183"/>
+                <p14:modId xmlns:p14="http://schemas.microsoft.com/office/powerpoint/2010/main" val="3184483115"/>
               </p:ext>
             </p:extLst>
           </p:nvPr>
@@ -21213,7 +22732,7 @@
 </p:sld>
 </file>
 
-<file path=ppt/slides/slide5.xml><?xml version="1.0" encoding="utf-8"?>
+<file path=ppt/slides/slide7.xml><?xml version="1.0" encoding="utf-8"?>
 <p:sld xmlns:a="http://schemas.openxmlformats.org/drawingml/2006/main" xmlns:r="http://schemas.openxmlformats.org/officeDocument/2006/relationships" xmlns:p="http://schemas.openxmlformats.org/presentationml/2006/main">
   <p:cSld>
     <p:spTree>
@@ -21281,7 +22800,7 @@
 </p:sld>
 </file>
 
-<file path=ppt/slides/slide6.xml><?xml version="1.0" encoding="utf-8"?>
+<file path=ppt/slides/slide8.xml><?xml version="1.0" encoding="utf-8"?>
 <p:sld xmlns:a="http://schemas.openxmlformats.org/drawingml/2006/main" xmlns:r="http://schemas.openxmlformats.org/officeDocument/2006/relationships" xmlns:p="http://schemas.openxmlformats.org/presentationml/2006/main">
   <p:cSld>
     <p:spTree>
@@ -21307,14 +22826,14 @@
           <p:nvPr>
             <p:extLst>
               <p:ext uri="{D42A27DB-BD31-4B8C-83A1-F6EECF244321}">
-                <p14:modId xmlns:p14="http://schemas.microsoft.com/office/powerpoint/2010/main" val="658588779"/>
+                <p14:modId xmlns:p14="http://schemas.microsoft.com/office/powerpoint/2010/main" val="1720457916"/>
               </p:ext>
             </p:extLst>
           </p:nvPr>
         </p:nvGraphicFramePr>
         <p:xfrm>
-          <a:off x="288670" y="834759"/>
-          <a:ext cx="8569836" cy="3762635"/>
+          <a:off x="288670" y="875653"/>
+          <a:ext cx="8569836" cy="3543508"/>
         </p:xfrm>
         <a:graphic>
           <a:graphicData uri="http://schemas.openxmlformats.org/drawingml/2006/table">
@@ -21330,14 +22849,14 @@
                     </a:ext>
                   </a:extLst>
                 </a:gridCol>
-                <a:gridCol w="1952424">
+                <a:gridCol w="1416144">
                   <a:extLst>
                     <a:ext uri="{9D8B030D-6E8A-4147-A177-3AD203B41FA5}">
                       <a16:colId xmlns:a16="http://schemas.microsoft.com/office/drawing/2014/main" val="2859956843"/>
                     </a:ext>
                   </a:extLst>
                 </a:gridCol>
-                <a:gridCol w="2142459">
+                <a:gridCol w="2678739">
                   <a:extLst>
                     <a:ext uri="{9D8B030D-6E8A-4147-A177-3AD203B41FA5}">
                       <a16:colId xmlns:a16="http://schemas.microsoft.com/office/drawing/2014/main" val="1702188172"/>
@@ -21352,7 +22871,7 @@
                   </a:extLst>
                 </a:gridCol>
               </a:tblGrid>
-              <a:tr h="405105">
+              <a:tr h="381513">
                 <a:tc gridSpan="2">
                   <a:txBody>
                     <a:bodyPr/>
@@ -21457,7 +22976,7 @@
                   </a:ext>
                 </a:extLst>
               </a:tr>
-              <a:tr h="671506">
+              <a:tr h="632399">
                 <a:tc>
                   <a:txBody>
                     <a:bodyPr/>
@@ -21534,7 +23053,7 @@
                   </a:ext>
                 </a:extLst>
               </a:tr>
-              <a:tr h="671506">
+              <a:tr h="632399">
                 <a:tc>
                   <a:txBody>
                     <a:bodyPr/>
@@ -21611,7 +23130,7 @@
                   </a:ext>
                 </a:extLst>
               </a:tr>
-              <a:tr h="671506">
+              <a:tr h="632399">
                 <a:tc>
                   <a:txBody>
                     <a:bodyPr/>
@@ -21680,7 +23199,7 @@
                   </a:ext>
                 </a:extLst>
               </a:tr>
-              <a:tr h="671506">
+              <a:tr h="632399">
                 <a:tc>
                   <a:txBody>
                     <a:bodyPr/>
@@ -21749,7 +23268,7 @@
                   </a:ext>
                 </a:extLst>
               </a:tr>
-              <a:tr h="671506">
+              <a:tr h="632399">
                 <a:tc>
                   <a:txBody>
                     <a:bodyPr/>
@@ -21873,119 +23392,6 @@
 </p:sld>
 </file>
 
-<file path=ppt/slides/slide7.xml><?xml version="1.0" encoding="utf-8"?>
-<p:sld xmlns:a="http://schemas.openxmlformats.org/drawingml/2006/main" xmlns:r="http://schemas.openxmlformats.org/officeDocument/2006/relationships" xmlns:p="http://schemas.openxmlformats.org/presentationml/2006/main">
-  <p:cSld>
-    <p:spTree>
-      <p:nvGrpSpPr>
-        <p:cNvPr id="1" name=""/>
-        <p:cNvGrpSpPr/>
-        <p:nvPr/>
-      </p:nvGrpSpPr>
-      <p:grpSpPr>
-        <a:xfrm>
-          <a:off x="0" y="0"/>
-          <a:ext cx="0" cy="0"/>
-          <a:chOff x="0" y="0"/>
-          <a:chExt cx="0" cy="0"/>
-        </a:xfrm>
-      </p:grpSpPr>
-      <p:sp>
-        <p:nvSpPr>
-          <p:cNvPr id="2" name="Заголовок 1"/>
-          <p:cNvSpPr>
-            <a:spLocks noGrp="1"/>
-          </p:cNvSpPr>
-          <p:nvPr>
-            <p:ph type="title"/>
-          </p:nvPr>
-        </p:nvSpPr>
-        <p:spPr/>
-        <p:txBody>
-          <a:bodyPr/>
-          <a:lstStyle/>
-          <a:p>
-            <a:r>
-              <a:rPr lang="en-US" dirty="0" smtClean="0"/>
-              <a:t>GTK+</a:t>
-            </a:r>
-            <a:endParaRPr lang="ru-RU" dirty="0"/>
-          </a:p>
-        </p:txBody>
-      </p:sp>
-    </p:spTree>
-    <p:extLst>
-      <p:ext uri="{BB962C8B-B14F-4D97-AF65-F5344CB8AC3E}">
-        <p14:creationId xmlns:p14="http://schemas.microsoft.com/office/powerpoint/2010/main" val="2695960159"/>
-      </p:ext>
-    </p:extLst>
-  </p:cSld>
-  <p:clrMapOvr>
-    <a:masterClrMapping/>
-  </p:clrMapOvr>
-  <p:timing>
-    <p:tnLst>
-      <p:par>
-        <p:cTn id="1" dur="indefinite" restart="never" nodeType="tmRoot"/>
-      </p:par>
-    </p:tnLst>
-  </p:timing>
-</p:sld>
-</file>
-
-<file path=ppt/slides/slide8.xml><?xml version="1.0" encoding="utf-8"?>
-<p:sld xmlns:a="http://schemas.openxmlformats.org/drawingml/2006/main" xmlns:r="http://schemas.openxmlformats.org/officeDocument/2006/relationships" xmlns:p="http://schemas.openxmlformats.org/presentationml/2006/main">
-  <p:cSld>
-    <p:spTree>
-      <p:nvGrpSpPr>
-        <p:cNvPr id="1" name=""/>
-        <p:cNvGrpSpPr/>
-        <p:nvPr/>
-      </p:nvGrpSpPr>
-      <p:grpSpPr>
-        <a:xfrm>
-          <a:off x="0" y="0"/>
-          <a:ext cx="0" cy="0"/>
-          <a:chOff x="0" y="0"/>
-          <a:chExt cx="0" cy="0"/>
-        </a:xfrm>
-      </p:grpSpPr>
-      <p:sp>
-        <p:nvSpPr>
-          <p:cNvPr id="2" name="Заголовок 1"/>
-          <p:cNvSpPr>
-            <a:spLocks noGrp="1"/>
-          </p:cNvSpPr>
-          <p:nvPr>
-            <p:ph type="title"/>
-          </p:nvPr>
-        </p:nvSpPr>
-        <p:spPr/>
-        <p:txBody>
-          <a:bodyPr/>
-          <a:lstStyle/>
-          <a:p>
-            <a:r>
-              <a:rPr lang="en-US" dirty="0" smtClean="0"/>
-              <a:t>GTK#</a:t>
-            </a:r>
-            <a:endParaRPr lang="ru-RU" dirty="0"/>
-          </a:p>
-        </p:txBody>
-      </p:sp>
-    </p:spTree>
-    <p:extLst>
-      <p:ext uri="{BB962C8B-B14F-4D97-AF65-F5344CB8AC3E}">
-        <p14:creationId xmlns:p14="http://schemas.microsoft.com/office/powerpoint/2010/main" val="389671003"/>
-      </p:ext>
-    </p:extLst>
-  </p:cSld>
-  <p:clrMapOvr>
-    <a:masterClrMapping/>
-  </p:clrMapOvr>
-</p:sld>
-</file>
-
 <file path=ppt/slides/slide9.xml><?xml version="1.0" encoding="utf-8"?>
 <p:sld xmlns:a="http://schemas.openxmlformats.org/drawingml/2006/main" xmlns:r="http://schemas.openxmlformats.org/officeDocument/2006/relationships" xmlns:p="http://schemas.openxmlformats.org/presentationml/2006/main">
   <p:cSld>
@@ -22005,7 +23411,7 @@
       </p:grpSpPr>
       <p:sp>
         <p:nvSpPr>
-          <p:cNvPr id="2" name="Заголовок 1"/>
+          <p:cNvPr id="3" name="Заголовок 2"/>
           <p:cNvSpPr>
             <a:spLocks noGrp="1"/>
           </p:cNvSpPr>
@@ -22019,16 +23425,8 @@
           <a:lstStyle/>
           <a:p>
             <a:r>
-              <a:rPr lang="en-US" dirty="0" err="1" smtClean="0"/>
-              <a:t>Qt</a:t>
-            </a:r>
-            <a:r>
               <a:rPr lang="en-US" dirty="0" smtClean="0"/>
-              <a:t>/</a:t>
-            </a:r>
-            <a:r>
-              <a:rPr lang="en-US" dirty="0" err="1" smtClean="0"/>
-              <a:t>Qml</a:t>
+              <a:t>GTK</a:t>
             </a:r>
             <a:endParaRPr lang="ru-RU" dirty="0"/>
           </a:p>
@@ -22037,7 +23435,7 @@
     </p:spTree>
     <p:extLst>
       <p:ext uri="{BB962C8B-B14F-4D97-AF65-F5344CB8AC3E}">
-        <p14:creationId xmlns:p14="http://schemas.microsoft.com/office/powerpoint/2010/main" val="3287680912"/>
+        <p14:creationId xmlns:p14="http://schemas.microsoft.com/office/powerpoint/2010/main" val="3362138878"/>
       </p:ext>
     </p:extLst>
   </p:cSld>

--- a/presentation.pptx
+++ b/presentation.pptx
@@ -966,15 +966,7 @@
           <a:pPr rtl="0"/>
           <a:r>
             <a:rPr lang="en-US" dirty="0" smtClean="0"/>
-            <a:t>Wrapper (binding) </a:t>
-          </a:r>
-          <a:r>
-            <a:rPr lang="en-US" dirty="0" smtClean="0"/>
-            <a:t>for </a:t>
-          </a:r>
-          <a:r>
-            <a:rPr lang="en-US" dirty="0" smtClean="0"/>
-            <a:t>cross platform lib</a:t>
+            <a:t>Wrapper (binding) for cross platform lib</a:t>
           </a:r>
           <a:endParaRPr lang="ru-RU" dirty="0"/>
         </a:p>
@@ -1745,15 +1737,7 @@
           </a:pPr>
           <a:r>
             <a:rPr lang="en-US" sz="2300" kern="1200" dirty="0" smtClean="0"/>
-            <a:t>Wrapper (binding) </a:t>
-          </a:r>
-          <a:r>
-            <a:rPr lang="en-US" sz="2300" kern="1200" dirty="0" smtClean="0"/>
-            <a:t>for </a:t>
-          </a:r>
-          <a:r>
-            <a:rPr lang="en-US" sz="2300" kern="1200" dirty="0" smtClean="0"/>
-            <a:t>cross platform lib</a:t>
+            <a:t>Wrapper (binding) for cross platform lib</a:t>
           </a:r>
           <a:endParaRPr lang="ru-RU" sz="2300" kern="1200" dirty="0"/>
         </a:p>
@@ -11373,7 +11357,7 @@
           </a:ln>
           <a:extLst>
             <a:ext uri="{C572A759-6A51-4108-AA02-DFA0A04FC94B}">
-              <ma14:wrappingTextBoxFlag xmlns="" xmlns:ma14="http://schemas.microsoft.com/office/mac/drawingml/2011/main" val="1"/>
+              <ma14:wrappingTextBoxFlag xmlns:ma14="http://schemas.microsoft.com/office/mac/drawingml/2011/main" xmlns="" val="1"/>
             </a:ext>
           </a:extLst>
         </p:spPr>
@@ -20818,11 +20802,11 @@
   <p:clrMapOvr>
     <a:masterClrMapping/>
   </p:clrMapOvr>
-  <mc:AlternateContent xmlns:mc="http://schemas.openxmlformats.org/markup-compatibility/2006">
-    <mc:Choice xmlns:p14="http://schemas.microsoft.com/office/powerpoint/2010/main" Requires="p14">
+  <mc:AlternateContent xmlns:mc="http://schemas.openxmlformats.org/markup-compatibility/2006" xmlns:p14="http://schemas.microsoft.com/office/powerpoint/2010/main">
+    <mc:Choice Requires="p14">
       <p:transition spd="slow" p14:dur="2000"/>
     </mc:Choice>
-    <mc:Fallback>
+    <mc:Fallback xmlns="">
       <p:transition spd="slow"/>
     </mc:Fallback>
   </mc:AlternateContent>
@@ -20879,11 +20863,11 @@
   <p:clrMapOvr>
     <a:masterClrMapping/>
   </p:clrMapOvr>
-  <mc:AlternateContent xmlns:mc="http://schemas.openxmlformats.org/markup-compatibility/2006">
-    <mc:Choice xmlns:p14="http://schemas.microsoft.com/office/powerpoint/2010/main" Requires="p14">
+  <mc:AlternateContent xmlns:mc="http://schemas.openxmlformats.org/markup-compatibility/2006" xmlns:p14="http://schemas.microsoft.com/office/powerpoint/2010/main">
+    <mc:Choice Requires="p14">
       <p:transition spd="slow" p14:dur="2000"/>
     </mc:Choice>
-    <mc:Fallback>
+    <mc:Fallback xmlns="">
       <p:transition spd="slow"/>
     </mc:Fallback>
   </mc:AlternateContent>
@@ -21104,13 +21088,348 @@
           <a:lstStyle/>
           <a:p>
             <a:r>
-              <a:rPr lang="en-US" dirty="0" err="1" smtClean="0"/>
-              <a:t>Eto.Forms</a:t>
+              <a:rPr lang="en-US" smtClean="0"/>
+              <a:t>Eto</a:t>
             </a:r>
             <a:endParaRPr lang="ru-RU" dirty="0"/>
           </a:p>
         </p:txBody>
       </p:sp>
+      <p:sp>
+        <p:nvSpPr>
+          <p:cNvPr id="3" name="Скругленный прямоугольник 2"/>
+          <p:cNvSpPr/>
+          <p:nvPr/>
+        </p:nvSpPr>
+        <p:spPr>
+          <a:xfrm>
+            <a:off x="3277837" y="2193438"/>
+            <a:ext cx="1882140" cy="670560"/>
+          </a:xfrm>
+          <a:prstGeom prst="roundRect">
+            <a:avLst/>
+          </a:prstGeom>
+        </p:spPr>
+        <p:style>
+          <a:lnRef idx="2">
+            <a:schemeClr val="accent1">
+              <a:shade val="50000"/>
+            </a:schemeClr>
+          </a:lnRef>
+          <a:fillRef idx="1">
+            <a:schemeClr val="accent1"/>
+          </a:fillRef>
+          <a:effectRef idx="0">
+            <a:schemeClr val="accent1"/>
+          </a:effectRef>
+          <a:fontRef idx="minor">
+            <a:schemeClr val="lt1"/>
+          </a:fontRef>
+        </p:style>
+        <p:txBody>
+          <a:bodyPr rtlCol="0" anchor="ctr"/>
+          <a:lstStyle/>
+          <a:p>
+            <a:pPr algn="ctr"/>
+            <a:r>
+              <a:rPr lang="en-US" dirty="0" err="1"/>
+              <a:t>Eto.Forms</a:t>
+            </a:r>
+            <a:r>
+              <a:rPr lang="en-US" dirty="0"/>
+              <a:t> (UI), </a:t>
+            </a:r>
+            <a:r>
+              <a:rPr lang="en-US" dirty="0" err="1"/>
+              <a:t>Eto.Drawing</a:t>
+            </a:r>
+            <a:r>
+              <a:rPr lang="en-US" dirty="0"/>
+              <a:t> (Graphics)</a:t>
+            </a:r>
+            <a:endParaRPr lang="ru-RU" dirty="0"/>
+          </a:p>
+        </p:txBody>
+      </p:sp>
+      <p:sp>
+        <p:nvSpPr>
+          <p:cNvPr id="4" name="Скругленный прямоугольник 3"/>
+          <p:cNvSpPr/>
+          <p:nvPr/>
+        </p:nvSpPr>
+        <p:spPr>
+          <a:xfrm>
+            <a:off x="830580" y="3223260"/>
+            <a:ext cx="914400" cy="533400"/>
+          </a:xfrm>
+          <a:prstGeom prst="roundRect">
+            <a:avLst/>
+          </a:prstGeom>
+        </p:spPr>
+        <p:style>
+          <a:lnRef idx="2">
+            <a:schemeClr val="accent1">
+              <a:shade val="50000"/>
+            </a:schemeClr>
+          </a:lnRef>
+          <a:fillRef idx="1">
+            <a:schemeClr val="accent1"/>
+          </a:fillRef>
+          <a:effectRef idx="0">
+            <a:schemeClr val="accent1"/>
+          </a:effectRef>
+          <a:fontRef idx="minor">
+            <a:schemeClr val="lt1"/>
+          </a:fontRef>
+        </p:style>
+        <p:txBody>
+          <a:bodyPr rtlCol="0" anchor="ctr"/>
+          <a:lstStyle/>
+          <a:p>
+            <a:pPr algn="ctr"/>
+            <a:r>
+              <a:rPr lang="en-US" dirty="0" smtClean="0"/>
+              <a:t>WPF</a:t>
+            </a:r>
+            <a:endParaRPr lang="ru-RU" dirty="0"/>
+          </a:p>
+        </p:txBody>
+      </p:sp>
+      <p:sp>
+        <p:nvSpPr>
+          <p:cNvPr id="5" name="Скругленный прямоугольник 4"/>
+          <p:cNvSpPr/>
+          <p:nvPr/>
+        </p:nvSpPr>
+        <p:spPr>
+          <a:xfrm>
+            <a:off x="3747039" y="3223260"/>
+            <a:ext cx="952500" cy="533400"/>
+          </a:xfrm>
+          <a:prstGeom prst="roundRect">
+            <a:avLst/>
+          </a:prstGeom>
+        </p:spPr>
+        <p:style>
+          <a:lnRef idx="2">
+            <a:schemeClr val="accent1">
+              <a:shade val="50000"/>
+            </a:schemeClr>
+          </a:lnRef>
+          <a:fillRef idx="1">
+            <a:schemeClr val="accent1"/>
+          </a:fillRef>
+          <a:effectRef idx="0">
+            <a:schemeClr val="accent1"/>
+          </a:effectRef>
+          <a:fontRef idx="minor">
+            <a:schemeClr val="lt1"/>
+          </a:fontRef>
+        </p:style>
+        <p:txBody>
+          <a:bodyPr rtlCol="0" anchor="ctr"/>
+          <a:lstStyle/>
+          <a:p>
+            <a:pPr algn="ctr"/>
+            <a:r>
+              <a:rPr lang="en-US" dirty="0" err="1" smtClean="0"/>
+              <a:t>WinForms</a:t>
+            </a:r>
+            <a:endParaRPr lang="ru-RU" dirty="0"/>
+          </a:p>
+        </p:txBody>
+      </p:sp>
+      <p:sp>
+        <p:nvSpPr>
+          <p:cNvPr id="6" name="Скругленный прямоугольник 5"/>
+          <p:cNvSpPr/>
+          <p:nvPr/>
+        </p:nvSpPr>
+        <p:spPr>
+          <a:xfrm>
+            <a:off x="6705600" y="3223260"/>
+            <a:ext cx="952500" cy="533400"/>
+          </a:xfrm>
+          <a:prstGeom prst="roundRect">
+            <a:avLst/>
+          </a:prstGeom>
+        </p:spPr>
+        <p:style>
+          <a:lnRef idx="2">
+            <a:schemeClr val="accent1">
+              <a:shade val="50000"/>
+            </a:schemeClr>
+          </a:lnRef>
+          <a:fillRef idx="1">
+            <a:schemeClr val="accent1"/>
+          </a:fillRef>
+          <a:effectRef idx="0">
+            <a:schemeClr val="accent1"/>
+          </a:effectRef>
+          <a:fontRef idx="minor">
+            <a:schemeClr val="lt1"/>
+          </a:fontRef>
+        </p:style>
+        <p:txBody>
+          <a:bodyPr rtlCol="0" anchor="ctr"/>
+          <a:lstStyle/>
+          <a:p>
+            <a:pPr algn="ctr"/>
+            <a:r>
+              <a:rPr lang="en-US" dirty="0" smtClean="0"/>
+              <a:t>GTK</a:t>
+            </a:r>
+            <a:endParaRPr lang="ru-RU" dirty="0"/>
+          </a:p>
+        </p:txBody>
+      </p:sp>
+      <p:pic>
+        <p:nvPicPr>
+          <p:cNvPr id="7" name="Рисунок 6"/>
+          <p:cNvPicPr>
+            <a:picLocks noChangeAspect="1"/>
+          </p:cNvPicPr>
+          <p:nvPr/>
+        </p:nvPicPr>
+        <p:blipFill rotWithShape="1">
+          <a:blip r:embed="rId2" cstate="print">
+            <a:extLst>
+              <a:ext uri="{28A0092B-C50C-407E-A947-70E740481C1C}">
+                <a14:useLocalDpi xmlns:a14="http://schemas.microsoft.com/office/drawing/2010/main" val="0"/>
+              </a:ext>
+            </a:extLst>
+          </a:blip>
+          <a:srcRect r="75083"/>
+          <a:stretch/>
+        </p:blipFill>
+        <p:spPr>
+          <a:xfrm>
+            <a:off x="1066228" y="4070572"/>
+            <a:ext cx="443103" cy="419577"/>
+          </a:xfrm>
+          <a:prstGeom prst="rect">
+            <a:avLst/>
+          </a:prstGeom>
+        </p:spPr>
+      </p:pic>
+      <p:pic>
+        <p:nvPicPr>
+          <p:cNvPr id="11" name="Рисунок 10"/>
+          <p:cNvPicPr>
+            <a:picLocks noChangeAspect="1"/>
+          </p:cNvPicPr>
+          <p:nvPr/>
+        </p:nvPicPr>
+        <p:blipFill rotWithShape="1">
+          <a:blip r:embed="rId2" cstate="print">
+            <a:extLst>
+              <a:ext uri="{28A0092B-C50C-407E-A947-70E740481C1C}">
+                <a14:useLocalDpi xmlns:a14="http://schemas.microsoft.com/office/drawing/2010/main" val="0"/>
+              </a:ext>
+            </a:extLst>
+          </a:blip>
+          <a:srcRect r="75083"/>
+          <a:stretch/>
+        </p:blipFill>
+        <p:spPr>
+          <a:xfrm>
+            <a:off x="6532805" y="4091463"/>
+            <a:ext cx="443103" cy="419577"/>
+          </a:xfrm>
+          <a:prstGeom prst="rect">
+            <a:avLst/>
+          </a:prstGeom>
+        </p:spPr>
+      </p:pic>
+      <p:pic>
+        <p:nvPicPr>
+          <p:cNvPr id="12" name="Рисунок 11"/>
+          <p:cNvPicPr>
+            <a:picLocks noChangeAspect="1"/>
+          </p:cNvPicPr>
+          <p:nvPr/>
+        </p:nvPicPr>
+        <p:blipFill>
+          <a:blip r:embed="rId3" cstate="print">
+            <a:extLst>
+              <a:ext uri="{28A0092B-C50C-407E-A947-70E740481C1C}">
+                <a14:useLocalDpi xmlns:a14="http://schemas.microsoft.com/office/drawing/2010/main" val="0"/>
+              </a:ext>
+            </a:extLst>
+          </a:blip>
+          <a:stretch>
+            <a:fillRect/>
+          </a:stretch>
+        </p:blipFill>
+        <p:spPr>
+          <a:xfrm>
+            <a:off x="7079005" y="4118371"/>
+            <a:ext cx="333123" cy="392669"/>
+          </a:xfrm>
+          <a:prstGeom prst="rect">
+            <a:avLst/>
+          </a:prstGeom>
+        </p:spPr>
+      </p:pic>
+      <p:pic>
+        <p:nvPicPr>
+          <p:cNvPr id="13" name="Рисунок 12"/>
+          <p:cNvPicPr>
+            <a:picLocks noChangeAspect="1"/>
+          </p:cNvPicPr>
+          <p:nvPr/>
+        </p:nvPicPr>
+        <p:blipFill>
+          <a:blip r:embed="rId4" cstate="print">
+            <a:extLst>
+              <a:ext uri="{28A0092B-C50C-407E-A947-70E740481C1C}">
+                <a14:useLocalDpi xmlns:a14="http://schemas.microsoft.com/office/drawing/2010/main" val="0"/>
+              </a:ext>
+            </a:extLst>
+          </a:blip>
+          <a:stretch>
+            <a:fillRect/>
+          </a:stretch>
+        </p:blipFill>
+        <p:spPr>
+          <a:xfrm>
+            <a:off x="7515225" y="4070572"/>
+            <a:ext cx="422910" cy="461357"/>
+          </a:xfrm>
+          <a:prstGeom prst="rect">
+            <a:avLst/>
+          </a:prstGeom>
+        </p:spPr>
+      </p:pic>
+      <p:pic>
+        <p:nvPicPr>
+          <p:cNvPr id="14" name="Рисунок 13"/>
+          <p:cNvPicPr>
+            <a:picLocks noChangeAspect="1"/>
+          </p:cNvPicPr>
+          <p:nvPr/>
+        </p:nvPicPr>
+        <p:blipFill rotWithShape="1">
+          <a:blip r:embed="rId2" cstate="print">
+            <a:extLst>
+              <a:ext uri="{28A0092B-C50C-407E-A947-70E740481C1C}">
+                <a14:useLocalDpi xmlns:a14="http://schemas.microsoft.com/office/drawing/2010/main" val="0"/>
+              </a:ext>
+            </a:extLst>
+          </a:blip>
+          <a:srcRect r="75083"/>
+          <a:stretch/>
+        </p:blipFill>
+        <p:spPr>
+          <a:xfrm>
+            <a:off x="4001737" y="4115922"/>
+            <a:ext cx="443103" cy="419577"/>
+          </a:xfrm>
+          <a:prstGeom prst="rect">
+            <a:avLst/>
+          </a:prstGeom>
+        </p:spPr>
+      </p:pic>
     </p:spTree>
     <p:extLst>
       <p:ext uri="{BB962C8B-B14F-4D97-AF65-F5344CB8AC3E}">
@@ -21174,11 +21493,11 @@
   <p:clrMapOvr>
     <a:masterClrMapping/>
   </p:clrMapOvr>
-  <mc:AlternateContent xmlns:mc="http://schemas.openxmlformats.org/markup-compatibility/2006">
-    <mc:Choice xmlns:p14="http://schemas.microsoft.com/office/powerpoint/2010/main" Requires="p14">
+  <mc:AlternateContent xmlns:mc="http://schemas.openxmlformats.org/markup-compatibility/2006" xmlns:p14="http://schemas.microsoft.com/office/powerpoint/2010/main">
+    <mc:Choice Requires="p14">
       <p:transition spd="slow" p14:dur="2000"/>
     </mc:Choice>
-    <mc:Fallback>
+    <mc:Fallback xmlns="">
       <p:transition spd="slow"/>
     </mc:Fallback>
   </mc:AlternateContent>

--- a/presentation.pptx
+++ b/presentation.pptx
@@ -11357,7 +11357,7 @@
           </a:ln>
           <a:extLst>
             <a:ext uri="{C572A759-6A51-4108-AA02-DFA0A04FC94B}">
-              <ma14:wrappingTextBoxFlag xmlns:ma14="http://schemas.microsoft.com/office/mac/drawingml/2011/main" xmlns="" val="1"/>
+              <ma14:wrappingTextBoxFlag xmlns="" xmlns:ma14="http://schemas.microsoft.com/office/mac/drawingml/2011/main" val="1"/>
             </a:ext>
           </a:extLst>
         </p:spPr>
@@ -21103,7 +21103,7 @@
         </p:nvSpPr>
         <p:spPr>
           <a:xfrm>
-            <a:off x="3277837" y="2193438"/>
+            <a:off x="3632518" y="2060649"/>
             <a:ext cx="1882140" cy="670560"/>
           </a:xfrm>
           <a:prstGeom prst="roundRect">
@@ -21159,7 +21159,7 @@
         </p:nvSpPr>
         <p:spPr>
           <a:xfrm>
-            <a:off x="830580" y="3223260"/>
+            <a:off x="308612" y="3246120"/>
             <a:ext cx="914400" cy="533400"/>
           </a:xfrm>
           <a:prstGeom prst="roundRect">
@@ -21203,7 +21203,7 @@
         </p:nvSpPr>
         <p:spPr>
           <a:xfrm>
-            <a:off x="3747039" y="3223260"/>
+            <a:off x="3225071" y="3246120"/>
             <a:ext cx="952500" cy="533400"/>
           </a:xfrm>
           <a:prstGeom prst="roundRect">
@@ -21247,7 +21247,7 @@
         </p:nvSpPr>
         <p:spPr>
           <a:xfrm>
-            <a:off x="6705600" y="3223260"/>
+            <a:off x="6183632" y="3246120"/>
             <a:ext cx="952500" cy="533400"/>
           </a:xfrm>
           <a:prstGeom prst="roundRect">
@@ -21304,7 +21304,7 @@
         </p:blipFill>
         <p:spPr>
           <a:xfrm>
-            <a:off x="1066228" y="4070572"/>
+            <a:off x="544260" y="4093432"/>
             <a:ext cx="443103" cy="419577"/>
           </a:xfrm>
           <a:prstGeom prst="rect">
@@ -21333,7 +21333,7 @@
         </p:blipFill>
         <p:spPr>
           <a:xfrm>
-            <a:off x="6532805" y="4091463"/>
+            <a:off x="6010837" y="4114323"/>
             <a:ext cx="443103" cy="419577"/>
           </a:xfrm>
           <a:prstGeom prst="rect">
@@ -21363,7 +21363,7 @@
         </p:blipFill>
         <p:spPr>
           <a:xfrm>
-            <a:off x="7079005" y="4118371"/>
+            <a:off x="6557037" y="4141231"/>
             <a:ext cx="333123" cy="392669"/>
           </a:xfrm>
           <a:prstGeom prst="rect">
@@ -21393,7 +21393,7 @@
         </p:blipFill>
         <p:spPr>
           <a:xfrm>
-            <a:off x="7515225" y="4070572"/>
+            <a:off x="6993257" y="4093432"/>
             <a:ext cx="422910" cy="461357"/>
           </a:xfrm>
           <a:prstGeom prst="rect">
@@ -21422,8 +21422,80 @@
         </p:blipFill>
         <p:spPr>
           <a:xfrm>
-            <a:off x="4001737" y="4115922"/>
+            <a:off x="3479769" y="4138782"/>
             <a:ext cx="443103" cy="419577"/>
+          </a:xfrm>
+          <a:prstGeom prst="rect">
+            <a:avLst/>
+          </a:prstGeom>
+        </p:spPr>
+      </p:pic>
+      <p:pic>
+        <p:nvPicPr>
+          <p:cNvPr id="8" name="Рисунок 7"/>
+          <p:cNvPicPr>
+            <a:picLocks noChangeAspect="1"/>
+          </p:cNvPicPr>
+          <p:nvPr/>
+        </p:nvPicPr>
+        <p:blipFill>
+          <a:blip r:embed="rId5"/>
+          <a:stretch>
+            <a:fillRect/>
+          </a:stretch>
+        </p:blipFill>
+        <p:spPr>
+          <a:xfrm>
+            <a:off x="1389936" y="3456792"/>
+            <a:ext cx="1043651" cy="681990"/>
+          </a:xfrm>
+          <a:prstGeom prst="rect">
+            <a:avLst/>
+          </a:prstGeom>
+        </p:spPr>
+      </p:pic>
+      <p:pic>
+        <p:nvPicPr>
+          <p:cNvPr id="9" name="Рисунок 8"/>
+          <p:cNvPicPr>
+            <a:picLocks noChangeAspect="1"/>
+          </p:cNvPicPr>
+          <p:nvPr/>
+        </p:nvPicPr>
+        <p:blipFill>
+          <a:blip r:embed="rId6"/>
+          <a:stretch>
+            <a:fillRect/>
+          </a:stretch>
+        </p:blipFill>
+        <p:spPr>
+          <a:xfrm>
+            <a:off x="4374624" y="3392841"/>
+            <a:ext cx="1266365" cy="745941"/>
+          </a:xfrm>
+          <a:prstGeom prst="rect">
+            <a:avLst/>
+          </a:prstGeom>
+        </p:spPr>
+      </p:pic>
+      <p:pic>
+        <p:nvPicPr>
+          <p:cNvPr id="10" name="Рисунок 9"/>
+          <p:cNvPicPr>
+            <a:picLocks noChangeAspect="1"/>
+          </p:cNvPicPr>
+          <p:nvPr/>
+        </p:nvPicPr>
+        <p:blipFill>
+          <a:blip r:embed="rId7"/>
+          <a:stretch>
+            <a:fillRect/>
+          </a:stretch>
+        </p:blipFill>
+        <p:spPr>
+          <a:xfrm>
+            <a:off x="7647050" y="3347121"/>
+            <a:ext cx="1275453" cy="791661"/>
           </a:xfrm>
           <a:prstGeom prst="rect">
             <a:avLst/>

--- a/presentation.pptx
+++ b/presentation.pptx
@@ -4036,7 +4036,7 @@
           <a:p>
             <a:fld id="{3FDC14FC-A894-4869-A797-1EC82735D106}" type="datetimeFigureOut">
               <a:rPr lang="en-US" smtClean="0"/>
-              <a:t>10/19/2019</a:t>
+              <a:t>10/20/2019</a:t>
             </a:fld>
             <a:endParaRPr lang="en-US"/>
           </a:p>
@@ -4201,7 +4201,7 @@
           <a:p>
             <a:fld id="{B4F99C05-63F9-4248-8E20-3ACD9DF9DE7F}" type="datetimeFigureOut">
               <a:rPr lang="en-US" smtClean="0"/>
-              <a:t>10/19/2019</a:t>
+              <a:t>10/20/2019</a:t>
             </a:fld>
             <a:endParaRPr lang="en-US"/>
           </a:p>
@@ -11357,7 +11357,7 @@
           </a:ln>
           <a:extLst>
             <a:ext uri="{C572A759-6A51-4108-AA02-DFA0A04FC94B}">
-              <ma14:wrappingTextBoxFlag xmlns="" xmlns:ma14="http://schemas.microsoft.com/office/mac/drawingml/2011/main" val="1"/>
+              <ma14:wrappingTextBoxFlag xmlns:ma14="http://schemas.microsoft.com/office/mac/drawingml/2011/main" xmlns="" val="1"/>
             </a:ext>
           </a:extLst>
         </p:spPr>
@@ -20983,65 +20983,354 @@
           </a:p>
         </p:txBody>
       </p:sp>
-      <p:pic>
-        <p:nvPicPr>
-          <p:cNvPr id="4" name="Рисунок 3"/>
-          <p:cNvPicPr>
-            <a:picLocks noChangeAspect="1"/>
-          </p:cNvPicPr>
-          <p:nvPr/>
-        </p:nvPicPr>
-        <p:blipFill>
-          <a:blip r:embed="rId2">
-            <a:extLst>
-              <a:ext uri="{28A0092B-C50C-407E-A947-70E740481C1C}">
-                <a14:useLocalDpi xmlns:a14="http://schemas.microsoft.com/office/drawing/2010/main" val="0"/>
-              </a:ext>
-            </a:extLst>
-          </a:blip>
-          <a:stretch>
-            <a:fillRect/>
-          </a:stretch>
-        </p:blipFill>
-        <p:spPr>
-          <a:xfrm>
-            <a:off x="488554" y="826770"/>
-            <a:ext cx="1905000" cy="1905000"/>
-          </a:xfrm>
-          <a:prstGeom prst="rect">
-            <a:avLst/>
-          </a:prstGeom>
-        </p:spPr>
-      </p:pic>
-      <p:pic>
-        <p:nvPicPr>
-          <p:cNvPr id="7" name="Рисунок 6"/>
-          <p:cNvPicPr>
-            <a:picLocks noChangeAspect="1"/>
-          </p:cNvPicPr>
-          <p:nvPr/>
-        </p:nvPicPr>
-        <p:blipFill rotWithShape="1">
-          <a:blip r:embed="rId3">
-            <a:extLst>
-              <a:ext uri="{28A0092B-C50C-407E-A947-70E740481C1C}">
-                <a14:useLocalDpi xmlns:a14="http://schemas.microsoft.com/office/drawing/2010/main" val="0"/>
-              </a:ext>
-            </a:extLst>
-          </a:blip>
-          <a:srcRect l="34833" t="29001" r="34500" b="18714"/>
-          <a:stretch/>
-        </p:blipFill>
-        <p:spPr>
-          <a:xfrm>
-            <a:off x="669685" y="2731770"/>
-            <a:ext cx="1723869" cy="1714500"/>
-          </a:xfrm>
-          <a:prstGeom prst="rect">
-            <a:avLst/>
-          </a:prstGeom>
-        </p:spPr>
-      </p:pic>
+      <p:graphicFrame>
+        <p:nvGraphicFramePr>
+          <p:cNvPr id="2" name="Таблица 1"/>
+          <p:cNvGraphicFramePr>
+            <a:graphicFrameLocks noGrp="1"/>
+          </p:cNvGraphicFramePr>
+          <p:nvPr>
+            <p:extLst>
+              <p:ext uri="{D42A27DB-BD31-4B8C-83A1-F6EECF244321}">
+                <p14:modId xmlns:p14="http://schemas.microsoft.com/office/powerpoint/2010/main" val="1072230201"/>
+              </p:ext>
+            </p:extLst>
+          </p:nvPr>
+        </p:nvGraphicFramePr>
+        <p:xfrm>
+          <a:off x="298133" y="839881"/>
+          <a:ext cx="8488680" cy="3730184"/>
+        </p:xfrm>
+        <a:graphic>
+          <a:graphicData uri="http://schemas.openxmlformats.org/drawingml/2006/table">
+            <a:tbl>
+              <a:tblPr firstRow="1" bandRow="1">
+                <a:tableStyleId>{5C22544A-7EE6-4342-B048-85BDC9FD1C3A}</a:tableStyleId>
+              </a:tblPr>
+              <a:tblGrid>
+                <a:gridCol w="1805940">
+                  <a:extLst>
+                    <a:ext uri="{9D8B030D-6E8A-4147-A177-3AD203B41FA5}">
+                      <a16:colId xmlns:a16="http://schemas.microsoft.com/office/drawing/2014/main" val="413003422"/>
+                    </a:ext>
+                  </a:extLst>
+                </a:gridCol>
+                <a:gridCol w="1584960">
+                  <a:extLst>
+                    <a:ext uri="{9D8B030D-6E8A-4147-A177-3AD203B41FA5}">
+                      <a16:colId xmlns:a16="http://schemas.microsoft.com/office/drawing/2014/main" val="3957436638"/>
+                    </a:ext>
+                  </a:extLst>
+                </a:gridCol>
+                <a:gridCol w="2975610">
+                  <a:extLst>
+                    <a:ext uri="{9D8B030D-6E8A-4147-A177-3AD203B41FA5}">
+                      <a16:colId xmlns:a16="http://schemas.microsoft.com/office/drawing/2014/main" val="3600493432"/>
+                    </a:ext>
+                  </a:extLst>
+                </a:gridCol>
+                <a:gridCol w="2122170">
+                  <a:extLst>
+                    <a:ext uri="{9D8B030D-6E8A-4147-A177-3AD203B41FA5}">
+                      <a16:colId xmlns:a16="http://schemas.microsoft.com/office/drawing/2014/main" val="1890482617"/>
+                    </a:ext>
+                  </a:extLst>
+                </a:gridCol>
+              </a:tblGrid>
+              <a:tr h="345951">
+                <a:tc gridSpan="2">
+                  <a:txBody>
+                    <a:bodyPr/>
+                    <a:lstStyle/>
+                    <a:p>
+                      <a:pPr algn="ctr"/>
+                      <a:r>
+                        <a:rPr lang="en-US" dirty="0" smtClean="0"/>
+                        <a:t>Library</a:t>
+                      </a:r>
+                      <a:endParaRPr lang="ru-RU" dirty="0"/>
+                    </a:p>
+                  </a:txBody>
+                  <a:tcPr anchor="ctr"/>
+                </a:tc>
+                <a:tc hMerge="1">
+                  <a:txBody>
+                    <a:bodyPr/>
+                    <a:lstStyle/>
+                    <a:p>
+                      <a:endParaRPr lang="ru-RU" dirty="0"/>
+                    </a:p>
+                  </a:txBody>
+                  <a:tcPr/>
+                </a:tc>
+                <a:tc>
+                  <a:txBody>
+                    <a:bodyPr/>
+                    <a:lstStyle/>
+                    <a:p>
+                      <a:pPr algn="ctr"/>
+                      <a:r>
+                        <a:rPr lang="en-US" dirty="0" smtClean="0"/>
+                        <a:t>Render(s)</a:t>
+                      </a:r>
+                      <a:endParaRPr lang="ru-RU" dirty="0"/>
+                    </a:p>
+                  </a:txBody>
+                  <a:tcPr anchor="ctr"/>
+                </a:tc>
+                <a:tc>
+                  <a:txBody>
+                    <a:bodyPr/>
+                    <a:lstStyle/>
+                    <a:p>
+                      <a:pPr algn="ctr"/>
+                      <a:r>
+                        <a:rPr lang="en-US" dirty="0" smtClean="0"/>
+                        <a:t>Target Frameworks</a:t>
+                      </a:r>
+                      <a:endParaRPr lang="ru-RU" dirty="0"/>
+                    </a:p>
+                  </a:txBody>
+                  <a:tcPr anchor="ctr"/>
+                </a:tc>
+                <a:extLst>
+                  <a:ext uri="{0D108BD9-81ED-4DB2-BD59-A6C34878D82A}">
+                    <a16:rowId xmlns:a16="http://schemas.microsoft.com/office/drawing/2014/main" val="2980316052"/>
+                  </a:ext>
+                </a:extLst>
+              </a:tr>
+              <a:tr h="1667099">
+                <a:tc>
+                  <a:txBody>
+                    <a:bodyPr/>
+                    <a:lstStyle/>
+                    <a:p>
+                      <a:endParaRPr lang="ru-RU" dirty="0"/>
+                    </a:p>
+                  </a:txBody>
+                  <a:tcPr>
+                    <a:blipFill>
+                      <a:blip r:embed="rId2"/>
+                      <a:stretch>
+                        <a:fillRect/>
+                      </a:stretch>
+                    </a:blipFill>
+                  </a:tcPr>
+                </a:tc>
+                <a:tc>
+                  <a:txBody>
+                    <a:bodyPr/>
+                    <a:lstStyle/>
+                    <a:p>
+                      <a:pPr algn="ctr"/>
+                      <a:r>
+                        <a:rPr lang="en-US" dirty="0" smtClean="0"/>
+                        <a:t>Avalonia UI</a:t>
+                      </a:r>
+                      <a:endParaRPr lang="ru-RU" dirty="0"/>
+                    </a:p>
+                  </a:txBody>
+                  <a:tcPr anchor="ctr"/>
+                </a:tc>
+                <a:tc>
+                  <a:txBody>
+                    <a:bodyPr/>
+                    <a:lstStyle/>
+                    <a:p>
+                      <a:pPr algn="ctr"/>
+                      <a:r>
+                        <a:rPr lang="en-US" dirty="0" smtClean="0"/>
+                        <a:t>Own</a:t>
+                      </a:r>
+                    </a:p>
+                    <a:p>
+                      <a:pPr algn="ctr"/>
+                      <a:r>
+                        <a:rPr lang="en-US" dirty="0" smtClean="0"/>
+                        <a:t>(Direct2D, </a:t>
+                      </a:r>
+                      <a:r>
+                        <a:rPr lang="en-US" dirty="0" err="1" smtClean="0"/>
+                        <a:t>Skia</a:t>
+                      </a:r>
+                      <a:r>
+                        <a:rPr lang="en-US" dirty="0" smtClean="0"/>
+                        <a:t>, Cairo)</a:t>
+                      </a:r>
+                      <a:endParaRPr lang="ru-RU" dirty="0"/>
+                    </a:p>
+                  </a:txBody>
+                  <a:tcPr anchor="ctr"/>
+                </a:tc>
+                <a:tc>
+                  <a:txBody>
+                    <a:bodyPr/>
+                    <a:lstStyle/>
+                    <a:p>
+                      <a:pPr algn="ctr"/>
+                      <a:r>
+                        <a:rPr lang="en-US" dirty="0" err="1" smtClean="0"/>
+                        <a:t>.Net</a:t>
+                      </a:r>
+                      <a:r>
+                        <a:rPr lang="en-US" dirty="0" smtClean="0"/>
+                        <a:t> Framework, </a:t>
+                      </a:r>
+                      <a:r>
+                        <a:rPr lang="en-US" dirty="0" err="1" smtClean="0"/>
+                        <a:t>.Net</a:t>
+                      </a:r>
+                      <a:r>
+                        <a:rPr lang="en-US" dirty="0" smtClean="0"/>
+                        <a:t> Core</a:t>
+                      </a:r>
+                      <a:endParaRPr lang="ru-RU" dirty="0"/>
+                    </a:p>
+                  </a:txBody>
+                  <a:tcPr anchor="ctr"/>
+                </a:tc>
+                <a:extLst>
+                  <a:ext uri="{0D108BD9-81ED-4DB2-BD59-A6C34878D82A}">
+                    <a16:rowId xmlns:a16="http://schemas.microsoft.com/office/drawing/2014/main" val="1057982108"/>
+                  </a:ext>
+                </a:extLst>
+              </a:tr>
+              <a:tr h="1697325">
+                <a:tc>
+                  <a:txBody>
+                    <a:bodyPr/>
+                    <a:lstStyle/>
+                    <a:p>
+                      <a:endParaRPr lang="ru-RU" dirty="0"/>
+                    </a:p>
+                  </a:txBody>
+                  <a:tcPr>
+                    <a:blipFill>
+                      <a:blip r:embed="rId3"/>
+                      <a:stretch>
+                        <a:fillRect/>
+                      </a:stretch>
+                    </a:blipFill>
+                  </a:tcPr>
+                </a:tc>
+                <a:tc>
+                  <a:txBody>
+                    <a:bodyPr/>
+                    <a:lstStyle/>
+                    <a:p>
+                      <a:pPr algn="ctr"/>
+                      <a:r>
+                        <a:rPr lang="en-US" dirty="0" err="1" smtClean="0"/>
+                        <a:t>Eto.Forms</a:t>
+                      </a:r>
+                      <a:endParaRPr lang="ru-RU" dirty="0"/>
+                    </a:p>
+                  </a:txBody>
+                  <a:tcPr anchor="ctr"/>
+                </a:tc>
+                <a:tc>
+                  <a:txBody>
+                    <a:bodyPr/>
+                    <a:lstStyle/>
+                    <a:p>
+                      <a:pPr algn="ctr"/>
+                      <a:r>
+                        <a:rPr lang="en-US" dirty="0" smtClean="0"/>
+                        <a:t>WPF, </a:t>
+                      </a:r>
+                      <a:r>
+                        <a:rPr lang="en-US" dirty="0" err="1" smtClean="0"/>
+                        <a:t>WinForms</a:t>
+                      </a:r>
+                      <a:r>
+                        <a:rPr lang="en-US" dirty="0" smtClean="0"/>
+                        <a:t>, GTK</a:t>
+                      </a:r>
+                      <a:endParaRPr lang="ru-RU" dirty="0"/>
+                    </a:p>
+                  </a:txBody>
+                  <a:tcPr anchor="ctr"/>
+                </a:tc>
+                <a:tc>
+                  <a:txBody>
+                    <a:bodyPr/>
+                    <a:lstStyle/>
+                    <a:p>
+                      <a:pPr marL="0" marR="0" lvl="0" indent="0" algn="ctr" defTabSz="914400" rtl="0" eaLnBrk="1" fontAlgn="auto" latinLnBrk="0" hangingPunct="1">
+                        <a:lnSpc>
+                          <a:spcPct val="100000"/>
+                        </a:lnSpc>
+                        <a:spcBef>
+                          <a:spcPts val="0"/>
+                        </a:spcBef>
+                        <a:spcAft>
+                          <a:spcPts val="0"/>
+                        </a:spcAft>
+                        <a:buClrTx/>
+                        <a:buSzTx/>
+                        <a:buFontTx/>
+                        <a:buNone/>
+                        <a:tabLst/>
+                        <a:defRPr/>
+                      </a:pPr>
+                      <a:r>
+                        <a:rPr lang="en-US" dirty="0" err="1" smtClean="0"/>
+                        <a:t>.Net</a:t>
+                      </a:r>
+                      <a:r>
+                        <a:rPr lang="en-US" dirty="0" smtClean="0"/>
+                        <a:t> Framework, </a:t>
+                      </a:r>
+                      <a:r>
+                        <a:rPr lang="en-US" dirty="0" err="1" smtClean="0"/>
+                        <a:t>.Net</a:t>
+                      </a:r>
+                      <a:r>
+                        <a:rPr lang="en-US" dirty="0" smtClean="0"/>
+                        <a:t> Core,</a:t>
+                      </a:r>
+                      <a:r>
+                        <a:rPr lang="en-US" baseline="0" dirty="0" smtClean="0"/>
+                        <a:t> </a:t>
+                      </a:r>
+                    </a:p>
+                    <a:p>
+                      <a:pPr marL="0" marR="0" lvl="0" indent="0" algn="ctr" defTabSz="914400" rtl="0" eaLnBrk="1" fontAlgn="auto" latinLnBrk="0" hangingPunct="1">
+                        <a:lnSpc>
+                          <a:spcPct val="100000"/>
+                        </a:lnSpc>
+                        <a:spcBef>
+                          <a:spcPts val="0"/>
+                        </a:spcBef>
+                        <a:spcAft>
+                          <a:spcPts val="0"/>
+                        </a:spcAft>
+                        <a:buClrTx/>
+                        <a:buSzTx/>
+                        <a:buFontTx/>
+                        <a:buNone/>
+                        <a:tabLst/>
+                        <a:defRPr/>
+                      </a:pPr>
+                      <a:r>
+                        <a:rPr lang="en-US" baseline="0" dirty="0" smtClean="0"/>
+                        <a:t>Mono</a:t>
+                      </a:r>
+                      <a:endParaRPr lang="ru-RU" dirty="0" smtClean="0"/>
+                    </a:p>
+                  </a:txBody>
+                  <a:tcPr anchor="ctr"/>
+                </a:tc>
+                <a:extLst>
+                  <a:ext uri="{0D108BD9-81ED-4DB2-BD59-A6C34878D82A}">
+                    <a16:rowId xmlns:a16="http://schemas.microsoft.com/office/drawing/2014/main" val="4267875977"/>
+                  </a:ext>
+                </a:extLst>
+              </a:tr>
+            </a:tbl>
+          </a:graphicData>
+        </a:graphic>
+      </p:graphicFrame>
     </p:spTree>
     <p:extLst>
       <p:ext uri="{BB962C8B-B14F-4D97-AF65-F5344CB8AC3E}">

--- a/presentation.pptx
+++ b/presentation.pptx
@@ -15,8 +15,8 @@
   <p:sldIdLst>
     <p:sldId id="270" r:id="rId4"/>
     <p:sldId id="257" r:id="rId5"/>
-    <p:sldId id="271" r:id="rId6"/>
-    <p:sldId id="293" r:id="rId7"/>
+    <p:sldId id="293" r:id="rId6"/>
+    <p:sldId id="296" r:id="rId7"/>
     <p:sldId id="292" r:id="rId8"/>
     <p:sldId id="272" r:id="rId9"/>
     <p:sldId id="273" r:id="rId10"/>
@@ -161,6 +161,1500 @@
 </file>
 
 <file path=ppt/diagrams/colors1.xml><?xml version="1.0" encoding="utf-8"?>
+<dgm:colorsDef xmlns:dgm="http://schemas.openxmlformats.org/drawingml/2006/diagram" xmlns:a="http://schemas.openxmlformats.org/drawingml/2006/main" uniqueId="urn:microsoft.com/office/officeart/2005/8/colors/accent1_2">
+  <dgm:title val=""/>
+  <dgm:desc val=""/>
+  <dgm:catLst>
+    <dgm:cat type="accent1" pri="11200"/>
+  </dgm:catLst>
+  <dgm:styleLbl name="node0">
+    <dgm:fillClrLst meth="repeat">
+      <a:schemeClr val="accent1"/>
+    </dgm:fillClrLst>
+    <dgm:linClrLst meth="repeat">
+      <a:schemeClr val="lt1"/>
+    </dgm:linClrLst>
+    <dgm:effectClrLst/>
+    <dgm:txLinClrLst/>
+    <dgm:txFillClrLst/>
+    <dgm:txEffectClrLst/>
+  </dgm:styleLbl>
+  <dgm:styleLbl name="alignNode1">
+    <dgm:fillClrLst meth="repeat">
+      <a:schemeClr val="accent1"/>
+    </dgm:fillClrLst>
+    <dgm:linClrLst meth="repeat">
+      <a:schemeClr val="accent1"/>
+    </dgm:linClrLst>
+    <dgm:effectClrLst/>
+    <dgm:txLinClrLst/>
+    <dgm:txFillClrLst/>
+    <dgm:txEffectClrLst/>
+  </dgm:styleLbl>
+  <dgm:styleLbl name="node1">
+    <dgm:fillClrLst meth="repeat">
+      <a:schemeClr val="accent1"/>
+    </dgm:fillClrLst>
+    <dgm:linClrLst meth="repeat">
+      <a:schemeClr val="lt1"/>
+    </dgm:linClrLst>
+    <dgm:effectClrLst/>
+    <dgm:txLinClrLst/>
+    <dgm:txFillClrLst/>
+    <dgm:txEffectClrLst/>
+  </dgm:styleLbl>
+  <dgm:styleLbl name="lnNode1">
+    <dgm:fillClrLst meth="repeat">
+      <a:schemeClr val="accent1"/>
+    </dgm:fillClrLst>
+    <dgm:linClrLst meth="repeat">
+      <a:schemeClr val="lt1"/>
+    </dgm:linClrLst>
+    <dgm:effectClrLst/>
+    <dgm:txLinClrLst/>
+    <dgm:txFillClrLst/>
+    <dgm:txEffectClrLst/>
+  </dgm:styleLbl>
+  <dgm:styleLbl name="vennNode1">
+    <dgm:fillClrLst meth="repeat">
+      <a:schemeClr val="accent1">
+        <a:alpha val="50000"/>
+      </a:schemeClr>
+    </dgm:fillClrLst>
+    <dgm:linClrLst meth="repeat">
+      <a:schemeClr val="lt1"/>
+    </dgm:linClrLst>
+    <dgm:effectClrLst/>
+    <dgm:txLinClrLst/>
+    <dgm:txFillClrLst/>
+    <dgm:txEffectClrLst/>
+  </dgm:styleLbl>
+  <dgm:styleLbl name="node2">
+    <dgm:fillClrLst meth="repeat">
+      <a:schemeClr val="accent1"/>
+    </dgm:fillClrLst>
+    <dgm:linClrLst meth="repeat">
+      <a:schemeClr val="lt1"/>
+    </dgm:linClrLst>
+    <dgm:effectClrLst/>
+    <dgm:txLinClrLst/>
+    <dgm:txFillClrLst/>
+    <dgm:txEffectClrLst/>
+  </dgm:styleLbl>
+  <dgm:styleLbl name="node3">
+    <dgm:fillClrLst meth="repeat">
+      <a:schemeClr val="accent1"/>
+    </dgm:fillClrLst>
+    <dgm:linClrLst meth="repeat">
+      <a:schemeClr val="lt1"/>
+    </dgm:linClrLst>
+    <dgm:effectClrLst/>
+    <dgm:txLinClrLst/>
+    <dgm:txFillClrLst/>
+    <dgm:txEffectClrLst/>
+  </dgm:styleLbl>
+  <dgm:styleLbl name="node4">
+    <dgm:fillClrLst meth="repeat">
+      <a:schemeClr val="accent1"/>
+    </dgm:fillClrLst>
+    <dgm:linClrLst meth="repeat">
+      <a:schemeClr val="lt1"/>
+    </dgm:linClrLst>
+    <dgm:effectClrLst/>
+    <dgm:txLinClrLst/>
+    <dgm:txFillClrLst/>
+    <dgm:txEffectClrLst/>
+  </dgm:styleLbl>
+  <dgm:styleLbl name="fgImgPlace1">
+    <dgm:fillClrLst meth="repeat">
+      <a:schemeClr val="accent1">
+        <a:tint val="50000"/>
+      </a:schemeClr>
+    </dgm:fillClrLst>
+    <dgm:linClrLst meth="repeat">
+      <a:schemeClr val="lt1"/>
+    </dgm:linClrLst>
+    <dgm:effectClrLst/>
+    <dgm:txLinClrLst/>
+    <dgm:txFillClrLst meth="repeat">
+      <a:schemeClr val="lt1"/>
+    </dgm:txFillClrLst>
+    <dgm:txEffectClrLst/>
+  </dgm:styleLbl>
+  <dgm:styleLbl name="alignImgPlace1">
+    <dgm:fillClrLst meth="repeat">
+      <a:schemeClr val="accent1">
+        <a:tint val="50000"/>
+      </a:schemeClr>
+    </dgm:fillClrLst>
+    <dgm:linClrLst meth="repeat">
+      <a:schemeClr val="lt1"/>
+    </dgm:linClrLst>
+    <dgm:effectClrLst/>
+    <dgm:txLinClrLst/>
+    <dgm:txFillClrLst meth="repeat">
+      <a:schemeClr val="lt1"/>
+    </dgm:txFillClrLst>
+    <dgm:txEffectClrLst/>
+  </dgm:styleLbl>
+  <dgm:styleLbl name="bgImgPlace1">
+    <dgm:fillClrLst meth="repeat">
+      <a:schemeClr val="accent1">
+        <a:tint val="50000"/>
+      </a:schemeClr>
+    </dgm:fillClrLst>
+    <dgm:linClrLst meth="repeat">
+      <a:schemeClr val="lt1"/>
+    </dgm:linClrLst>
+    <dgm:effectClrLst/>
+    <dgm:txLinClrLst/>
+    <dgm:txFillClrLst meth="repeat">
+      <a:schemeClr val="lt1"/>
+    </dgm:txFillClrLst>
+    <dgm:txEffectClrLst/>
+  </dgm:styleLbl>
+  <dgm:styleLbl name="sibTrans2D1">
+    <dgm:fillClrLst meth="repeat">
+      <a:schemeClr val="accent1">
+        <a:tint val="60000"/>
+      </a:schemeClr>
+    </dgm:fillClrLst>
+    <dgm:linClrLst meth="repeat">
+      <a:schemeClr val="accent1">
+        <a:tint val="60000"/>
+      </a:schemeClr>
+    </dgm:linClrLst>
+    <dgm:effectClrLst/>
+    <dgm:txLinClrLst/>
+    <dgm:txFillClrLst/>
+    <dgm:txEffectClrLst/>
+  </dgm:styleLbl>
+  <dgm:styleLbl name="fgSibTrans2D1">
+    <dgm:fillClrLst meth="repeat">
+      <a:schemeClr val="accent1">
+        <a:tint val="60000"/>
+      </a:schemeClr>
+    </dgm:fillClrLst>
+    <dgm:linClrLst meth="repeat">
+      <a:schemeClr val="accent1">
+        <a:tint val="60000"/>
+      </a:schemeClr>
+    </dgm:linClrLst>
+    <dgm:effectClrLst/>
+    <dgm:txLinClrLst/>
+    <dgm:txFillClrLst/>
+    <dgm:txEffectClrLst/>
+  </dgm:styleLbl>
+  <dgm:styleLbl name="bgSibTrans2D1">
+    <dgm:fillClrLst meth="repeat">
+      <a:schemeClr val="accent1">
+        <a:tint val="60000"/>
+      </a:schemeClr>
+    </dgm:fillClrLst>
+    <dgm:linClrLst meth="repeat">
+      <a:schemeClr val="accent1">
+        <a:tint val="60000"/>
+      </a:schemeClr>
+    </dgm:linClrLst>
+    <dgm:effectClrLst/>
+    <dgm:txLinClrLst/>
+    <dgm:txFillClrLst/>
+    <dgm:txEffectClrLst/>
+  </dgm:styleLbl>
+  <dgm:styleLbl name="sibTrans1D1">
+    <dgm:fillClrLst meth="repeat">
+      <a:schemeClr val="accent1"/>
+    </dgm:fillClrLst>
+    <dgm:linClrLst meth="repeat">
+      <a:schemeClr val="accent1"/>
+    </dgm:linClrLst>
+    <dgm:effectClrLst/>
+    <dgm:txLinClrLst/>
+    <dgm:txFillClrLst meth="repeat">
+      <a:schemeClr val="tx1"/>
+    </dgm:txFillClrLst>
+    <dgm:txEffectClrLst/>
+  </dgm:styleLbl>
+  <dgm:styleLbl name="callout">
+    <dgm:fillClrLst meth="repeat">
+      <a:schemeClr val="accent1"/>
+    </dgm:fillClrLst>
+    <dgm:linClrLst meth="repeat">
+      <a:schemeClr val="accent1">
+        <a:tint val="50000"/>
+      </a:schemeClr>
+    </dgm:linClrLst>
+    <dgm:effectClrLst/>
+    <dgm:txLinClrLst/>
+    <dgm:txFillClrLst meth="repeat">
+      <a:schemeClr val="tx1"/>
+    </dgm:txFillClrLst>
+    <dgm:txEffectClrLst/>
+  </dgm:styleLbl>
+  <dgm:styleLbl name="asst0">
+    <dgm:fillClrLst meth="repeat">
+      <a:schemeClr val="accent1"/>
+    </dgm:fillClrLst>
+    <dgm:linClrLst meth="repeat">
+      <a:schemeClr val="lt1"/>
+    </dgm:linClrLst>
+    <dgm:effectClrLst/>
+    <dgm:txLinClrLst/>
+    <dgm:txFillClrLst/>
+    <dgm:txEffectClrLst/>
+  </dgm:styleLbl>
+  <dgm:styleLbl name="asst1">
+    <dgm:fillClrLst meth="repeat">
+      <a:schemeClr val="accent1"/>
+    </dgm:fillClrLst>
+    <dgm:linClrLst meth="repeat">
+      <a:schemeClr val="lt1"/>
+    </dgm:linClrLst>
+    <dgm:effectClrLst/>
+    <dgm:txLinClrLst/>
+    <dgm:txFillClrLst/>
+    <dgm:txEffectClrLst/>
+  </dgm:styleLbl>
+  <dgm:styleLbl name="asst2">
+    <dgm:fillClrLst meth="repeat">
+      <a:schemeClr val="accent1"/>
+    </dgm:fillClrLst>
+    <dgm:linClrLst meth="repeat">
+      <a:schemeClr val="lt1"/>
+    </dgm:linClrLst>
+    <dgm:effectClrLst/>
+    <dgm:txLinClrLst/>
+    <dgm:txFillClrLst/>
+    <dgm:txEffectClrLst/>
+  </dgm:styleLbl>
+  <dgm:styleLbl name="asst3">
+    <dgm:fillClrLst meth="repeat">
+      <a:schemeClr val="accent1"/>
+    </dgm:fillClrLst>
+    <dgm:linClrLst meth="repeat">
+      <a:schemeClr val="lt1"/>
+    </dgm:linClrLst>
+    <dgm:effectClrLst/>
+    <dgm:txLinClrLst/>
+    <dgm:txFillClrLst/>
+    <dgm:txEffectClrLst/>
+  </dgm:styleLbl>
+  <dgm:styleLbl name="asst4">
+    <dgm:fillClrLst meth="repeat">
+      <a:schemeClr val="accent1"/>
+    </dgm:fillClrLst>
+    <dgm:linClrLst meth="repeat">
+      <a:schemeClr val="lt1"/>
+    </dgm:linClrLst>
+    <dgm:effectClrLst/>
+    <dgm:txLinClrLst/>
+    <dgm:txFillClrLst/>
+    <dgm:txEffectClrLst/>
+  </dgm:styleLbl>
+  <dgm:styleLbl name="parChTrans2D1">
+    <dgm:fillClrLst meth="repeat">
+      <a:schemeClr val="accent1">
+        <a:tint val="60000"/>
+      </a:schemeClr>
+    </dgm:fillClrLst>
+    <dgm:linClrLst meth="repeat">
+      <a:schemeClr val="accent1">
+        <a:tint val="60000"/>
+      </a:schemeClr>
+    </dgm:linClrLst>
+    <dgm:effectClrLst/>
+    <dgm:txLinClrLst/>
+    <dgm:txFillClrLst meth="repeat">
+      <a:schemeClr val="lt1"/>
+    </dgm:txFillClrLst>
+    <dgm:txEffectClrLst/>
+  </dgm:styleLbl>
+  <dgm:styleLbl name="parChTrans2D2">
+    <dgm:fillClrLst meth="repeat">
+      <a:schemeClr val="accent1"/>
+    </dgm:fillClrLst>
+    <dgm:linClrLst meth="repeat">
+      <a:schemeClr val="accent1"/>
+    </dgm:linClrLst>
+    <dgm:effectClrLst/>
+    <dgm:txLinClrLst/>
+    <dgm:txFillClrLst meth="repeat">
+      <a:schemeClr val="lt1"/>
+    </dgm:txFillClrLst>
+    <dgm:txEffectClrLst/>
+  </dgm:styleLbl>
+  <dgm:styleLbl name="parChTrans2D3">
+    <dgm:fillClrLst meth="repeat">
+      <a:schemeClr val="accent1"/>
+    </dgm:fillClrLst>
+    <dgm:linClrLst meth="repeat">
+      <a:schemeClr val="accent1"/>
+    </dgm:linClrLst>
+    <dgm:effectClrLst/>
+    <dgm:txLinClrLst/>
+    <dgm:txFillClrLst meth="repeat">
+      <a:schemeClr val="lt1"/>
+    </dgm:txFillClrLst>
+    <dgm:txEffectClrLst/>
+  </dgm:styleLbl>
+  <dgm:styleLbl name="parChTrans2D4">
+    <dgm:fillClrLst meth="repeat">
+      <a:schemeClr val="accent1"/>
+    </dgm:fillClrLst>
+    <dgm:linClrLst meth="repeat">
+      <a:schemeClr val="accent1"/>
+    </dgm:linClrLst>
+    <dgm:effectClrLst/>
+    <dgm:txLinClrLst/>
+    <dgm:txFillClrLst meth="repeat">
+      <a:schemeClr val="lt1"/>
+    </dgm:txFillClrLst>
+    <dgm:txEffectClrLst/>
+  </dgm:styleLbl>
+  <dgm:styleLbl name="parChTrans1D1">
+    <dgm:fillClrLst meth="repeat">
+      <a:schemeClr val="accent1"/>
+    </dgm:fillClrLst>
+    <dgm:linClrLst meth="repeat">
+      <a:schemeClr val="accent1">
+        <a:shade val="60000"/>
+      </a:schemeClr>
+    </dgm:linClrLst>
+    <dgm:effectClrLst/>
+    <dgm:txLinClrLst/>
+    <dgm:txFillClrLst meth="repeat">
+      <a:schemeClr val="tx1"/>
+    </dgm:txFillClrLst>
+    <dgm:txEffectClrLst/>
+  </dgm:styleLbl>
+  <dgm:styleLbl name="parChTrans1D2">
+    <dgm:fillClrLst meth="repeat">
+      <a:schemeClr val="accent1"/>
+    </dgm:fillClrLst>
+    <dgm:linClrLst meth="repeat">
+      <a:schemeClr val="accent1">
+        <a:shade val="60000"/>
+      </a:schemeClr>
+    </dgm:linClrLst>
+    <dgm:effectClrLst/>
+    <dgm:txLinClrLst/>
+    <dgm:txFillClrLst meth="repeat">
+      <a:schemeClr val="tx1"/>
+    </dgm:txFillClrLst>
+    <dgm:txEffectClrLst/>
+  </dgm:styleLbl>
+  <dgm:styleLbl name="parChTrans1D3">
+    <dgm:fillClrLst meth="repeat">
+      <a:schemeClr val="accent1"/>
+    </dgm:fillClrLst>
+    <dgm:linClrLst meth="repeat">
+      <a:schemeClr val="accent1">
+        <a:shade val="80000"/>
+      </a:schemeClr>
+    </dgm:linClrLst>
+    <dgm:effectClrLst/>
+    <dgm:txLinClrLst/>
+    <dgm:txFillClrLst meth="repeat">
+      <a:schemeClr val="tx1"/>
+    </dgm:txFillClrLst>
+    <dgm:txEffectClrLst/>
+  </dgm:styleLbl>
+  <dgm:styleLbl name="parChTrans1D4">
+    <dgm:fillClrLst meth="repeat">
+      <a:schemeClr val="accent1"/>
+    </dgm:fillClrLst>
+    <dgm:linClrLst meth="repeat">
+      <a:schemeClr val="accent1">
+        <a:shade val="80000"/>
+      </a:schemeClr>
+    </dgm:linClrLst>
+    <dgm:effectClrLst/>
+    <dgm:txLinClrLst/>
+    <dgm:txFillClrLst meth="repeat">
+      <a:schemeClr val="tx1"/>
+    </dgm:txFillClrLst>
+    <dgm:txEffectClrLst/>
+  </dgm:styleLbl>
+  <dgm:styleLbl name="fgAcc1">
+    <dgm:fillClrLst meth="repeat">
+      <a:schemeClr val="lt1">
+        <a:alpha val="90000"/>
+      </a:schemeClr>
+    </dgm:fillClrLst>
+    <dgm:linClrLst meth="repeat">
+      <a:schemeClr val="accent1"/>
+    </dgm:linClrLst>
+    <dgm:effectClrLst/>
+    <dgm:txLinClrLst/>
+    <dgm:txFillClrLst meth="repeat">
+      <a:schemeClr val="dk1"/>
+    </dgm:txFillClrLst>
+    <dgm:txEffectClrLst/>
+  </dgm:styleLbl>
+  <dgm:styleLbl name="conFgAcc1">
+    <dgm:fillClrLst meth="repeat">
+      <a:schemeClr val="lt1">
+        <a:alpha val="90000"/>
+      </a:schemeClr>
+    </dgm:fillClrLst>
+    <dgm:linClrLst meth="repeat">
+      <a:schemeClr val="accent1"/>
+    </dgm:linClrLst>
+    <dgm:effectClrLst/>
+    <dgm:txLinClrLst/>
+    <dgm:txFillClrLst meth="repeat">
+      <a:schemeClr val="dk1"/>
+    </dgm:txFillClrLst>
+    <dgm:txEffectClrLst/>
+  </dgm:styleLbl>
+  <dgm:styleLbl name="alignAcc1">
+    <dgm:fillClrLst meth="repeat">
+      <a:schemeClr val="lt1">
+        <a:alpha val="90000"/>
+      </a:schemeClr>
+    </dgm:fillClrLst>
+    <dgm:linClrLst meth="repeat">
+      <a:schemeClr val="accent1"/>
+    </dgm:linClrLst>
+    <dgm:effectClrLst/>
+    <dgm:txLinClrLst/>
+    <dgm:txFillClrLst meth="repeat">
+      <a:schemeClr val="dk1"/>
+    </dgm:txFillClrLst>
+    <dgm:txEffectClrLst/>
+  </dgm:styleLbl>
+  <dgm:styleLbl name="trAlignAcc1">
+    <dgm:fillClrLst meth="repeat">
+      <a:schemeClr val="lt1">
+        <a:alpha val="40000"/>
+      </a:schemeClr>
+    </dgm:fillClrLst>
+    <dgm:linClrLst meth="repeat">
+      <a:schemeClr val="accent1"/>
+    </dgm:linClrLst>
+    <dgm:effectClrLst/>
+    <dgm:txLinClrLst/>
+    <dgm:txFillClrLst meth="repeat">
+      <a:schemeClr val="dk1"/>
+    </dgm:txFillClrLst>
+    <dgm:txEffectClrLst/>
+  </dgm:styleLbl>
+  <dgm:styleLbl name="bgAcc1">
+    <dgm:fillClrLst meth="repeat">
+      <a:schemeClr val="lt1">
+        <a:alpha val="90000"/>
+      </a:schemeClr>
+    </dgm:fillClrLst>
+    <dgm:linClrLst meth="repeat">
+      <a:schemeClr val="accent1"/>
+    </dgm:linClrLst>
+    <dgm:effectClrLst/>
+    <dgm:txLinClrLst/>
+    <dgm:txFillClrLst meth="repeat">
+      <a:schemeClr val="dk1"/>
+    </dgm:txFillClrLst>
+    <dgm:txEffectClrLst/>
+  </dgm:styleLbl>
+  <dgm:styleLbl name="solidFgAcc1">
+    <dgm:fillClrLst meth="repeat">
+      <a:schemeClr val="lt1"/>
+    </dgm:fillClrLst>
+    <dgm:linClrLst meth="repeat">
+      <a:schemeClr val="accent1"/>
+    </dgm:linClrLst>
+    <dgm:effectClrLst/>
+    <dgm:txLinClrLst/>
+    <dgm:txFillClrLst meth="repeat">
+      <a:schemeClr val="dk1"/>
+    </dgm:txFillClrLst>
+    <dgm:txEffectClrLst/>
+  </dgm:styleLbl>
+  <dgm:styleLbl name="solidAlignAcc1">
+    <dgm:fillClrLst meth="repeat">
+      <a:schemeClr val="lt1"/>
+    </dgm:fillClrLst>
+    <dgm:linClrLst meth="repeat">
+      <a:schemeClr val="accent1"/>
+    </dgm:linClrLst>
+    <dgm:effectClrLst/>
+    <dgm:txLinClrLst/>
+    <dgm:txFillClrLst meth="repeat">
+      <a:schemeClr val="dk1"/>
+    </dgm:txFillClrLst>
+    <dgm:txEffectClrLst/>
+  </dgm:styleLbl>
+  <dgm:styleLbl name="solidBgAcc1">
+    <dgm:fillClrLst meth="repeat">
+      <a:schemeClr val="lt1"/>
+    </dgm:fillClrLst>
+    <dgm:linClrLst meth="repeat">
+      <a:schemeClr val="accent1"/>
+    </dgm:linClrLst>
+    <dgm:effectClrLst/>
+    <dgm:txLinClrLst/>
+    <dgm:txFillClrLst meth="repeat">
+      <a:schemeClr val="dk1"/>
+    </dgm:txFillClrLst>
+    <dgm:txEffectClrLst/>
+  </dgm:styleLbl>
+  <dgm:styleLbl name="fgAccFollowNode1">
+    <dgm:fillClrLst meth="repeat">
+      <a:schemeClr val="accent1">
+        <a:alpha val="90000"/>
+        <a:tint val="40000"/>
+      </a:schemeClr>
+    </dgm:fillClrLst>
+    <dgm:linClrLst meth="repeat">
+      <a:schemeClr val="accent1">
+        <a:alpha val="90000"/>
+        <a:tint val="40000"/>
+      </a:schemeClr>
+    </dgm:linClrLst>
+    <dgm:effectClrLst/>
+    <dgm:txLinClrLst/>
+    <dgm:txFillClrLst meth="repeat">
+      <a:schemeClr val="dk1"/>
+    </dgm:txFillClrLst>
+    <dgm:txEffectClrLst/>
+  </dgm:styleLbl>
+  <dgm:styleLbl name="alignAccFollowNode1">
+    <dgm:fillClrLst meth="repeat">
+      <a:schemeClr val="accent1">
+        <a:alpha val="90000"/>
+        <a:tint val="40000"/>
+      </a:schemeClr>
+    </dgm:fillClrLst>
+    <dgm:linClrLst meth="repeat">
+      <a:schemeClr val="accent1">
+        <a:alpha val="90000"/>
+        <a:tint val="40000"/>
+      </a:schemeClr>
+    </dgm:linClrLst>
+    <dgm:effectClrLst/>
+    <dgm:txLinClrLst/>
+    <dgm:txFillClrLst meth="repeat">
+      <a:schemeClr val="dk1"/>
+    </dgm:txFillClrLst>
+    <dgm:txEffectClrLst/>
+  </dgm:styleLbl>
+  <dgm:styleLbl name="bgAccFollowNode1">
+    <dgm:fillClrLst meth="repeat">
+      <a:schemeClr val="accent1">
+        <a:alpha val="90000"/>
+        <a:tint val="40000"/>
+      </a:schemeClr>
+    </dgm:fillClrLst>
+    <dgm:linClrLst meth="repeat">
+      <a:schemeClr val="accent1">
+        <a:alpha val="90000"/>
+        <a:tint val="40000"/>
+      </a:schemeClr>
+    </dgm:linClrLst>
+    <dgm:effectClrLst/>
+    <dgm:txLinClrLst/>
+    <dgm:txFillClrLst meth="repeat">
+      <a:schemeClr val="dk1"/>
+    </dgm:txFillClrLst>
+    <dgm:txEffectClrLst/>
+  </dgm:styleLbl>
+  <dgm:styleLbl name="fgAcc0">
+    <dgm:fillClrLst meth="repeat">
+      <a:schemeClr val="lt1">
+        <a:alpha val="90000"/>
+      </a:schemeClr>
+    </dgm:fillClrLst>
+    <dgm:linClrLst meth="repeat">
+      <a:schemeClr val="accent1"/>
+    </dgm:linClrLst>
+    <dgm:effectClrLst/>
+    <dgm:txLinClrLst/>
+    <dgm:txFillClrLst meth="repeat">
+      <a:schemeClr val="dk1"/>
+    </dgm:txFillClrLst>
+    <dgm:txEffectClrLst/>
+  </dgm:styleLbl>
+  <dgm:styleLbl name="fgAcc2">
+    <dgm:fillClrLst meth="repeat">
+      <a:schemeClr val="lt1">
+        <a:alpha val="90000"/>
+      </a:schemeClr>
+    </dgm:fillClrLst>
+    <dgm:linClrLst meth="repeat">
+      <a:schemeClr val="accent1"/>
+    </dgm:linClrLst>
+    <dgm:effectClrLst/>
+    <dgm:txLinClrLst/>
+    <dgm:txFillClrLst meth="repeat">
+      <a:schemeClr val="dk1"/>
+    </dgm:txFillClrLst>
+    <dgm:txEffectClrLst/>
+  </dgm:styleLbl>
+  <dgm:styleLbl name="fgAcc3">
+    <dgm:fillClrLst meth="repeat">
+      <a:schemeClr val="lt1">
+        <a:alpha val="90000"/>
+      </a:schemeClr>
+    </dgm:fillClrLst>
+    <dgm:linClrLst meth="repeat">
+      <a:schemeClr val="accent1"/>
+    </dgm:linClrLst>
+    <dgm:effectClrLst/>
+    <dgm:txLinClrLst/>
+    <dgm:txFillClrLst meth="repeat">
+      <a:schemeClr val="dk1"/>
+    </dgm:txFillClrLst>
+    <dgm:txEffectClrLst/>
+  </dgm:styleLbl>
+  <dgm:styleLbl name="fgAcc4">
+    <dgm:fillClrLst meth="repeat">
+      <a:schemeClr val="lt1">
+        <a:alpha val="90000"/>
+      </a:schemeClr>
+    </dgm:fillClrLst>
+    <dgm:linClrLst meth="repeat">
+      <a:schemeClr val="accent1"/>
+    </dgm:linClrLst>
+    <dgm:effectClrLst/>
+    <dgm:txLinClrLst/>
+    <dgm:txFillClrLst meth="repeat">
+      <a:schemeClr val="dk1"/>
+    </dgm:txFillClrLst>
+    <dgm:txEffectClrLst/>
+  </dgm:styleLbl>
+  <dgm:styleLbl name="bgShp">
+    <dgm:fillClrLst meth="repeat">
+      <a:schemeClr val="accent1">
+        <a:tint val="40000"/>
+      </a:schemeClr>
+    </dgm:fillClrLst>
+    <dgm:linClrLst meth="repeat">
+      <a:schemeClr val="accent1"/>
+    </dgm:linClrLst>
+    <dgm:effectClrLst/>
+    <dgm:txLinClrLst/>
+    <dgm:txFillClrLst meth="repeat">
+      <a:schemeClr val="dk1"/>
+    </dgm:txFillClrLst>
+    <dgm:txEffectClrLst/>
+  </dgm:styleLbl>
+  <dgm:styleLbl name="dkBgShp">
+    <dgm:fillClrLst meth="repeat">
+      <a:schemeClr val="accent1">
+        <a:shade val="80000"/>
+      </a:schemeClr>
+    </dgm:fillClrLst>
+    <dgm:linClrLst meth="repeat">
+      <a:schemeClr val="accent1"/>
+    </dgm:linClrLst>
+    <dgm:effectClrLst/>
+    <dgm:txLinClrLst/>
+    <dgm:txFillClrLst meth="repeat">
+      <a:schemeClr val="lt1"/>
+    </dgm:txFillClrLst>
+    <dgm:txEffectClrLst/>
+  </dgm:styleLbl>
+  <dgm:styleLbl name="trBgShp">
+    <dgm:fillClrLst meth="repeat">
+      <a:schemeClr val="accent1">
+        <a:tint val="50000"/>
+        <a:alpha val="40000"/>
+      </a:schemeClr>
+    </dgm:fillClrLst>
+    <dgm:linClrLst meth="repeat">
+      <a:schemeClr val="accent1"/>
+    </dgm:linClrLst>
+    <dgm:effectClrLst/>
+    <dgm:txLinClrLst/>
+    <dgm:txFillClrLst meth="repeat">
+      <a:schemeClr val="lt1"/>
+    </dgm:txFillClrLst>
+    <dgm:txEffectClrLst/>
+  </dgm:styleLbl>
+  <dgm:styleLbl name="fgShp">
+    <dgm:fillClrLst meth="repeat">
+      <a:schemeClr val="accent1">
+        <a:tint val="60000"/>
+      </a:schemeClr>
+    </dgm:fillClrLst>
+    <dgm:linClrLst meth="repeat">
+      <a:schemeClr val="lt1"/>
+    </dgm:linClrLst>
+    <dgm:effectClrLst/>
+    <dgm:txLinClrLst/>
+    <dgm:txFillClrLst meth="repeat">
+      <a:schemeClr val="dk1"/>
+    </dgm:txFillClrLst>
+    <dgm:txEffectClrLst/>
+  </dgm:styleLbl>
+  <dgm:styleLbl name="revTx">
+    <dgm:fillClrLst meth="repeat">
+      <a:schemeClr val="lt1">
+        <a:alpha val="0"/>
+      </a:schemeClr>
+    </dgm:fillClrLst>
+    <dgm:linClrLst meth="repeat">
+      <a:schemeClr val="dk1">
+        <a:alpha val="0"/>
+      </a:schemeClr>
+    </dgm:linClrLst>
+    <dgm:effectClrLst/>
+    <dgm:txLinClrLst/>
+    <dgm:txFillClrLst meth="repeat">
+      <a:schemeClr val="tx1"/>
+    </dgm:txFillClrLst>
+    <dgm:txEffectClrLst/>
+  </dgm:styleLbl>
+</dgm:colorsDef>
+</file>
+
+<file path=ppt/diagrams/colors2.xml><?xml version="1.0" encoding="utf-8"?>
+<dgm:colorsDef xmlns:dgm="http://schemas.openxmlformats.org/drawingml/2006/diagram" xmlns:a="http://schemas.openxmlformats.org/drawingml/2006/main" uniqueId="urn:microsoft.com/office/officeart/2005/8/colors/accent1_2">
+  <dgm:title val=""/>
+  <dgm:desc val=""/>
+  <dgm:catLst>
+    <dgm:cat type="accent1" pri="11200"/>
+  </dgm:catLst>
+  <dgm:styleLbl name="node0">
+    <dgm:fillClrLst meth="repeat">
+      <a:schemeClr val="accent1"/>
+    </dgm:fillClrLst>
+    <dgm:linClrLst meth="repeat">
+      <a:schemeClr val="lt1"/>
+    </dgm:linClrLst>
+    <dgm:effectClrLst/>
+    <dgm:txLinClrLst/>
+    <dgm:txFillClrLst/>
+    <dgm:txEffectClrLst/>
+  </dgm:styleLbl>
+  <dgm:styleLbl name="alignNode1">
+    <dgm:fillClrLst meth="repeat">
+      <a:schemeClr val="accent1"/>
+    </dgm:fillClrLst>
+    <dgm:linClrLst meth="repeat">
+      <a:schemeClr val="accent1"/>
+    </dgm:linClrLst>
+    <dgm:effectClrLst/>
+    <dgm:txLinClrLst/>
+    <dgm:txFillClrLst/>
+    <dgm:txEffectClrLst/>
+  </dgm:styleLbl>
+  <dgm:styleLbl name="node1">
+    <dgm:fillClrLst meth="repeat">
+      <a:schemeClr val="accent1"/>
+    </dgm:fillClrLst>
+    <dgm:linClrLst meth="repeat">
+      <a:schemeClr val="lt1"/>
+    </dgm:linClrLst>
+    <dgm:effectClrLst/>
+    <dgm:txLinClrLst/>
+    <dgm:txFillClrLst/>
+    <dgm:txEffectClrLst/>
+  </dgm:styleLbl>
+  <dgm:styleLbl name="lnNode1">
+    <dgm:fillClrLst meth="repeat">
+      <a:schemeClr val="accent1"/>
+    </dgm:fillClrLst>
+    <dgm:linClrLst meth="repeat">
+      <a:schemeClr val="lt1"/>
+    </dgm:linClrLst>
+    <dgm:effectClrLst/>
+    <dgm:txLinClrLst/>
+    <dgm:txFillClrLst/>
+    <dgm:txEffectClrLst/>
+  </dgm:styleLbl>
+  <dgm:styleLbl name="vennNode1">
+    <dgm:fillClrLst meth="repeat">
+      <a:schemeClr val="accent1">
+        <a:alpha val="50000"/>
+      </a:schemeClr>
+    </dgm:fillClrLst>
+    <dgm:linClrLst meth="repeat">
+      <a:schemeClr val="lt1"/>
+    </dgm:linClrLst>
+    <dgm:effectClrLst/>
+    <dgm:txLinClrLst/>
+    <dgm:txFillClrLst/>
+    <dgm:txEffectClrLst/>
+  </dgm:styleLbl>
+  <dgm:styleLbl name="node2">
+    <dgm:fillClrLst meth="repeat">
+      <a:schemeClr val="accent1"/>
+    </dgm:fillClrLst>
+    <dgm:linClrLst meth="repeat">
+      <a:schemeClr val="lt1"/>
+    </dgm:linClrLst>
+    <dgm:effectClrLst/>
+    <dgm:txLinClrLst/>
+    <dgm:txFillClrLst/>
+    <dgm:txEffectClrLst/>
+  </dgm:styleLbl>
+  <dgm:styleLbl name="node3">
+    <dgm:fillClrLst meth="repeat">
+      <a:schemeClr val="accent1"/>
+    </dgm:fillClrLst>
+    <dgm:linClrLst meth="repeat">
+      <a:schemeClr val="lt1"/>
+    </dgm:linClrLst>
+    <dgm:effectClrLst/>
+    <dgm:txLinClrLst/>
+    <dgm:txFillClrLst/>
+    <dgm:txEffectClrLst/>
+  </dgm:styleLbl>
+  <dgm:styleLbl name="node4">
+    <dgm:fillClrLst meth="repeat">
+      <a:schemeClr val="accent1"/>
+    </dgm:fillClrLst>
+    <dgm:linClrLst meth="repeat">
+      <a:schemeClr val="lt1"/>
+    </dgm:linClrLst>
+    <dgm:effectClrLst/>
+    <dgm:txLinClrLst/>
+    <dgm:txFillClrLst/>
+    <dgm:txEffectClrLst/>
+  </dgm:styleLbl>
+  <dgm:styleLbl name="fgImgPlace1">
+    <dgm:fillClrLst meth="repeat">
+      <a:schemeClr val="accent1">
+        <a:tint val="50000"/>
+      </a:schemeClr>
+    </dgm:fillClrLst>
+    <dgm:linClrLst meth="repeat">
+      <a:schemeClr val="lt1"/>
+    </dgm:linClrLst>
+    <dgm:effectClrLst/>
+    <dgm:txLinClrLst/>
+    <dgm:txFillClrLst meth="repeat">
+      <a:schemeClr val="lt1"/>
+    </dgm:txFillClrLst>
+    <dgm:txEffectClrLst/>
+  </dgm:styleLbl>
+  <dgm:styleLbl name="alignImgPlace1">
+    <dgm:fillClrLst meth="repeat">
+      <a:schemeClr val="accent1">
+        <a:tint val="50000"/>
+      </a:schemeClr>
+    </dgm:fillClrLst>
+    <dgm:linClrLst meth="repeat">
+      <a:schemeClr val="lt1"/>
+    </dgm:linClrLst>
+    <dgm:effectClrLst/>
+    <dgm:txLinClrLst/>
+    <dgm:txFillClrLst meth="repeat">
+      <a:schemeClr val="lt1"/>
+    </dgm:txFillClrLst>
+    <dgm:txEffectClrLst/>
+  </dgm:styleLbl>
+  <dgm:styleLbl name="bgImgPlace1">
+    <dgm:fillClrLst meth="repeat">
+      <a:schemeClr val="accent1">
+        <a:tint val="50000"/>
+      </a:schemeClr>
+    </dgm:fillClrLst>
+    <dgm:linClrLst meth="repeat">
+      <a:schemeClr val="lt1"/>
+    </dgm:linClrLst>
+    <dgm:effectClrLst/>
+    <dgm:txLinClrLst/>
+    <dgm:txFillClrLst meth="repeat">
+      <a:schemeClr val="lt1"/>
+    </dgm:txFillClrLst>
+    <dgm:txEffectClrLst/>
+  </dgm:styleLbl>
+  <dgm:styleLbl name="sibTrans2D1">
+    <dgm:fillClrLst meth="repeat">
+      <a:schemeClr val="accent1">
+        <a:tint val="60000"/>
+      </a:schemeClr>
+    </dgm:fillClrLst>
+    <dgm:linClrLst meth="repeat">
+      <a:schemeClr val="accent1">
+        <a:tint val="60000"/>
+      </a:schemeClr>
+    </dgm:linClrLst>
+    <dgm:effectClrLst/>
+    <dgm:txLinClrLst/>
+    <dgm:txFillClrLst/>
+    <dgm:txEffectClrLst/>
+  </dgm:styleLbl>
+  <dgm:styleLbl name="fgSibTrans2D1">
+    <dgm:fillClrLst meth="repeat">
+      <a:schemeClr val="accent1">
+        <a:tint val="60000"/>
+      </a:schemeClr>
+    </dgm:fillClrLst>
+    <dgm:linClrLst meth="repeat">
+      <a:schemeClr val="accent1">
+        <a:tint val="60000"/>
+      </a:schemeClr>
+    </dgm:linClrLst>
+    <dgm:effectClrLst/>
+    <dgm:txLinClrLst/>
+    <dgm:txFillClrLst/>
+    <dgm:txEffectClrLst/>
+  </dgm:styleLbl>
+  <dgm:styleLbl name="bgSibTrans2D1">
+    <dgm:fillClrLst meth="repeat">
+      <a:schemeClr val="accent1">
+        <a:tint val="60000"/>
+      </a:schemeClr>
+    </dgm:fillClrLst>
+    <dgm:linClrLst meth="repeat">
+      <a:schemeClr val="accent1">
+        <a:tint val="60000"/>
+      </a:schemeClr>
+    </dgm:linClrLst>
+    <dgm:effectClrLst/>
+    <dgm:txLinClrLst/>
+    <dgm:txFillClrLst/>
+    <dgm:txEffectClrLst/>
+  </dgm:styleLbl>
+  <dgm:styleLbl name="sibTrans1D1">
+    <dgm:fillClrLst meth="repeat">
+      <a:schemeClr val="accent1"/>
+    </dgm:fillClrLst>
+    <dgm:linClrLst meth="repeat">
+      <a:schemeClr val="accent1"/>
+    </dgm:linClrLst>
+    <dgm:effectClrLst/>
+    <dgm:txLinClrLst/>
+    <dgm:txFillClrLst meth="repeat">
+      <a:schemeClr val="tx1"/>
+    </dgm:txFillClrLst>
+    <dgm:txEffectClrLst/>
+  </dgm:styleLbl>
+  <dgm:styleLbl name="callout">
+    <dgm:fillClrLst meth="repeat">
+      <a:schemeClr val="accent1"/>
+    </dgm:fillClrLst>
+    <dgm:linClrLst meth="repeat">
+      <a:schemeClr val="accent1">
+        <a:tint val="50000"/>
+      </a:schemeClr>
+    </dgm:linClrLst>
+    <dgm:effectClrLst/>
+    <dgm:txLinClrLst/>
+    <dgm:txFillClrLst meth="repeat">
+      <a:schemeClr val="tx1"/>
+    </dgm:txFillClrLst>
+    <dgm:txEffectClrLst/>
+  </dgm:styleLbl>
+  <dgm:styleLbl name="asst0">
+    <dgm:fillClrLst meth="repeat">
+      <a:schemeClr val="accent1"/>
+    </dgm:fillClrLst>
+    <dgm:linClrLst meth="repeat">
+      <a:schemeClr val="lt1"/>
+    </dgm:linClrLst>
+    <dgm:effectClrLst/>
+    <dgm:txLinClrLst/>
+    <dgm:txFillClrLst/>
+    <dgm:txEffectClrLst/>
+  </dgm:styleLbl>
+  <dgm:styleLbl name="asst1">
+    <dgm:fillClrLst meth="repeat">
+      <a:schemeClr val="accent1"/>
+    </dgm:fillClrLst>
+    <dgm:linClrLst meth="repeat">
+      <a:schemeClr val="lt1"/>
+    </dgm:linClrLst>
+    <dgm:effectClrLst/>
+    <dgm:txLinClrLst/>
+    <dgm:txFillClrLst/>
+    <dgm:txEffectClrLst/>
+  </dgm:styleLbl>
+  <dgm:styleLbl name="asst2">
+    <dgm:fillClrLst meth="repeat">
+      <a:schemeClr val="accent1"/>
+    </dgm:fillClrLst>
+    <dgm:linClrLst meth="repeat">
+      <a:schemeClr val="lt1"/>
+    </dgm:linClrLst>
+    <dgm:effectClrLst/>
+    <dgm:txLinClrLst/>
+    <dgm:txFillClrLst/>
+    <dgm:txEffectClrLst/>
+  </dgm:styleLbl>
+  <dgm:styleLbl name="asst3">
+    <dgm:fillClrLst meth="repeat">
+      <a:schemeClr val="accent1"/>
+    </dgm:fillClrLst>
+    <dgm:linClrLst meth="repeat">
+      <a:schemeClr val="lt1"/>
+    </dgm:linClrLst>
+    <dgm:effectClrLst/>
+    <dgm:txLinClrLst/>
+    <dgm:txFillClrLst/>
+    <dgm:txEffectClrLst/>
+  </dgm:styleLbl>
+  <dgm:styleLbl name="asst4">
+    <dgm:fillClrLst meth="repeat">
+      <a:schemeClr val="accent1"/>
+    </dgm:fillClrLst>
+    <dgm:linClrLst meth="repeat">
+      <a:schemeClr val="lt1"/>
+    </dgm:linClrLst>
+    <dgm:effectClrLst/>
+    <dgm:txLinClrLst/>
+    <dgm:txFillClrLst/>
+    <dgm:txEffectClrLst/>
+  </dgm:styleLbl>
+  <dgm:styleLbl name="parChTrans2D1">
+    <dgm:fillClrLst meth="repeat">
+      <a:schemeClr val="accent1">
+        <a:tint val="60000"/>
+      </a:schemeClr>
+    </dgm:fillClrLst>
+    <dgm:linClrLst meth="repeat">
+      <a:schemeClr val="accent1">
+        <a:tint val="60000"/>
+      </a:schemeClr>
+    </dgm:linClrLst>
+    <dgm:effectClrLst/>
+    <dgm:txLinClrLst/>
+    <dgm:txFillClrLst meth="repeat">
+      <a:schemeClr val="lt1"/>
+    </dgm:txFillClrLst>
+    <dgm:txEffectClrLst/>
+  </dgm:styleLbl>
+  <dgm:styleLbl name="parChTrans2D2">
+    <dgm:fillClrLst meth="repeat">
+      <a:schemeClr val="accent1"/>
+    </dgm:fillClrLst>
+    <dgm:linClrLst meth="repeat">
+      <a:schemeClr val="accent1"/>
+    </dgm:linClrLst>
+    <dgm:effectClrLst/>
+    <dgm:txLinClrLst/>
+    <dgm:txFillClrLst meth="repeat">
+      <a:schemeClr val="lt1"/>
+    </dgm:txFillClrLst>
+    <dgm:txEffectClrLst/>
+  </dgm:styleLbl>
+  <dgm:styleLbl name="parChTrans2D3">
+    <dgm:fillClrLst meth="repeat">
+      <a:schemeClr val="accent1"/>
+    </dgm:fillClrLst>
+    <dgm:linClrLst meth="repeat">
+      <a:schemeClr val="accent1"/>
+    </dgm:linClrLst>
+    <dgm:effectClrLst/>
+    <dgm:txLinClrLst/>
+    <dgm:txFillClrLst meth="repeat">
+      <a:schemeClr val="lt1"/>
+    </dgm:txFillClrLst>
+    <dgm:txEffectClrLst/>
+  </dgm:styleLbl>
+  <dgm:styleLbl name="parChTrans2D4">
+    <dgm:fillClrLst meth="repeat">
+      <a:schemeClr val="accent1"/>
+    </dgm:fillClrLst>
+    <dgm:linClrLst meth="repeat">
+      <a:schemeClr val="accent1"/>
+    </dgm:linClrLst>
+    <dgm:effectClrLst/>
+    <dgm:txLinClrLst/>
+    <dgm:txFillClrLst meth="repeat">
+      <a:schemeClr val="lt1"/>
+    </dgm:txFillClrLst>
+    <dgm:txEffectClrLst/>
+  </dgm:styleLbl>
+  <dgm:styleLbl name="parChTrans1D1">
+    <dgm:fillClrLst meth="repeat">
+      <a:schemeClr val="accent1"/>
+    </dgm:fillClrLst>
+    <dgm:linClrLst meth="repeat">
+      <a:schemeClr val="accent1">
+        <a:shade val="60000"/>
+      </a:schemeClr>
+    </dgm:linClrLst>
+    <dgm:effectClrLst/>
+    <dgm:txLinClrLst/>
+    <dgm:txFillClrLst meth="repeat">
+      <a:schemeClr val="tx1"/>
+    </dgm:txFillClrLst>
+    <dgm:txEffectClrLst/>
+  </dgm:styleLbl>
+  <dgm:styleLbl name="parChTrans1D2">
+    <dgm:fillClrLst meth="repeat">
+      <a:schemeClr val="accent1"/>
+    </dgm:fillClrLst>
+    <dgm:linClrLst meth="repeat">
+      <a:schemeClr val="accent1">
+        <a:shade val="60000"/>
+      </a:schemeClr>
+    </dgm:linClrLst>
+    <dgm:effectClrLst/>
+    <dgm:txLinClrLst/>
+    <dgm:txFillClrLst meth="repeat">
+      <a:schemeClr val="tx1"/>
+    </dgm:txFillClrLst>
+    <dgm:txEffectClrLst/>
+  </dgm:styleLbl>
+  <dgm:styleLbl name="parChTrans1D3">
+    <dgm:fillClrLst meth="repeat">
+      <a:schemeClr val="accent1"/>
+    </dgm:fillClrLst>
+    <dgm:linClrLst meth="repeat">
+      <a:schemeClr val="accent1">
+        <a:shade val="80000"/>
+      </a:schemeClr>
+    </dgm:linClrLst>
+    <dgm:effectClrLst/>
+    <dgm:txLinClrLst/>
+    <dgm:txFillClrLst meth="repeat">
+      <a:schemeClr val="tx1"/>
+    </dgm:txFillClrLst>
+    <dgm:txEffectClrLst/>
+  </dgm:styleLbl>
+  <dgm:styleLbl name="parChTrans1D4">
+    <dgm:fillClrLst meth="repeat">
+      <a:schemeClr val="accent1"/>
+    </dgm:fillClrLst>
+    <dgm:linClrLst meth="repeat">
+      <a:schemeClr val="accent1">
+        <a:shade val="80000"/>
+      </a:schemeClr>
+    </dgm:linClrLst>
+    <dgm:effectClrLst/>
+    <dgm:txLinClrLst/>
+    <dgm:txFillClrLst meth="repeat">
+      <a:schemeClr val="tx1"/>
+    </dgm:txFillClrLst>
+    <dgm:txEffectClrLst/>
+  </dgm:styleLbl>
+  <dgm:styleLbl name="fgAcc1">
+    <dgm:fillClrLst meth="repeat">
+      <a:schemeClr val="lt1">
+        <a:alpha val="90000"/>
+      </a:schemeClr>
+    </dgm:fillClrLst>
+    <dgm:linClrLst meth="repeat">
+      <a:schemeClr val="accent1"/>
+    </dgm:linClrLst>
+    <dgm:effectClrLst/>
+    <dgm:txLinClrLst/>
+    <dgm:txFillClrLst meth="repeat">
+      <a:schemeClr val="dk1"/>
+    </dgm:txFillClrLst>
+    <dgm:txEffectClrLst/>
+  </dgm:styleLbl>
+  <dgm:styleLbl name="conFgAcc1">
+    <dgm:fillClrLst meth="repeat">
+      <a:schemeClr val="lt1">
+        <a:alpha val="90000"/>
+      </a:schemeClr>
+    </dgm:fillClrLst>
+    <dgm:linClrLst meth="repeat">
+      <a:schemeClr val="accent1"/>
+    </dgm:linClrLst>
+    <dgm:effectClrLst/>
+    <dgm:txLinClrLst/>
+    <dgm:txFillClrLst meth="repeat">
+      <a:schemeClr val="dk1"/>
+    </dgm:txFillClrLst>
+    <dgm:txEffectClrLst/>
+  </dgm:styleLbl>
+  <dgm:styleLbl name="alignAcc1">
+    <dgm:fillClrLst meth="repeat">
+      <a:schemeClr val="lt1">
+        <a:alpha val="90000"/>
+      </a:schemeClr>
+    </dgm:fillClrLst>
+    <dgm:linClrLst meth="repeat">
+      <a:schemeClr val="accent1"/>
+    </dgm:linClrLst>
+    <dgm:effectClrLst/>
+    <dgm:txLinClrLst/>
+    <dgm:txFillClrLst meth="repeat">
+      <a:schemeClr val="dk1"/>
+    </dgm:txFillClrLst>
+    <dgm:txEffectClrLst/>
+  </dgm:styleLbl>
+  <dgm:styleLbl name="trAlignAcc1">
+    <dgm:fillClrLst meth="repeat">
+      <a:schemeClr val="lt1">
+        <a:alpha val="40000"/>
+      </a:schemeClr>
+    </dgm:fillClrLst>
+    <dgm:linClrLst meth="repeat">
+      <a:schemeClr val="accent1"/>
+    </dgm:linClrLst>
+    <dgm:effectClrLst/>
+    <dgm:txLinClrLst/>
+    <dgm:txFillClrLst meth="repeat">
+      <a:schemeClr val="dk1"/>
+    </dgm:txFillClrLst>
+    <dgm:txEffectClrLst/>
+  </dgm:styleLbl>
+  <dgm:styleLbl name="bgAcc1">
+    <dgm:fillClrLst meth="repeat">
+      <a:schemeClr val="lt1">
+        <a:alpha val="90000"/>
+      </a:schemeClr>
+    </dgm:fillClrLst>
+    <dgm:linClrLst meth="repeat">
+      <a:schemeClr val="accent1"/>
+    </dgm:linClrLst>
+    <dgm:effectClrLst/>
+    <dgm:txLinClrLst/>
+    <dgm:txFillClrLst meth="repeat">
+      <a:schemeClr val="dk1"/>
+    </dgm:txFillClrLst>
+    <dgm:txEffectClrLst/>
+  </dgm:styleLbl>
+  <dgm:styleLbl name="solidFgAcc1">
+    <dgm:fillClrLst meth="repeat">
+      <a:schemeClr val="lt1"/>
+    </dgm:fillClrLst>
+    <dgm:linClrLst meth="repeat">
+      <a:schemeClr val="accent1"/>
+    </dgm:linClrLst>
+    <dgm:effectClrLst/>
+    <dgm:txLinClrLst/>
+    <dgm:txFillClrLst meth="repeat">
+      <a:schemeClr val="dk1"/>
+    </dgm:txFillClrLst>
+    <dgm:txEffectClrLst/>
+  </dgm:styleLbl>
+  <dgm:styleLbl name="solidAlignAcc1">
+    <dgm:fillClrLst meth="repeat">
+      <a:schemeClr val="lt1"/>
+    </dgm:fillClrLst>
+    <dgm:linClrLst meth="repeat">
+      <a:schemeClr val="accent1"/>
+    </dgm:linClrLst>
+    <dgm:effectClrLst/>
+    <dgm:txLinClrLst/>
+    <dgm:txFillClrLst meth="repeat">
+      <a:schemeClr val="dk1"/>
+    </dgm:txFillClrLst>
+    <dgm:txEffectClrLst/>
+  </dgm:styleLbl>
+  <dgm:styleLbl name="solidBgAcc1">
+    <dgm:fillClrLst meth="repeat">
+      <a:schemeClr val="lt1"/>
+    </dgm:fillClrLst>
+    <dgm:linClrLst meth="repeat">
+      <a:schemeClr val="accent1"/>
+    </dgm:linClrLst>
+    <dgm:effectClrLst/>
+    <dgm:txLinClrLst/>
+    <dgm:txFillClrLst meth="repeat">
+      <a:schemeClr val="dk1"/>
+    </dgm:txFillClrLst>
+    <dgm:txEffectClrLst/>
+  </dgm:styleLbl>
+  <dgm:styleLbl name="fgAccFollowNode1">
+    <dgm:fillClrLst meth="repeat">
+      <a:schemeClr val="accent1">
+        <a:alpha val="90000"/>
+        <a:tint val="40000"/>
+      </a:schemeClr>
+    </dgm:fillClrLst>
+    <dgm:linClrLst meth="repeat">
+      <a:schemeClr val="accent1">
+        <a:alpha val="90000"/>
+        <a:tint val="40000"/>
+      </a:schemeClr>
+    </dgm:linClrLst>
+    <dgm:effectClrLst/>
+    <dgm:txLinClrLst/>
+    <dgm:txFillClrLst meth="repeat">
+      <a:schemeClr val="dk1"/>
+    </dgm:txFillClrLst>
+    <dgm:txEffectClrLst/>
+  </dgm:styleLbl>
+  <dgm:styleLbl name="alignAccFollowNode1">
+    <dgm:fillClrLst meth="repeat">
+      <a:schemeClr val="accent1">
+        <a:alpha val="90000"/>
+        <a:tint val="40000"/>
+      </a:schemeClr>
+    </dgm:fillClrLst>
+    <dgm:linClrLst meth="repeat">
+      <a:schemeClr val="accent1">
+        <a:alpha val="90000"/>
+        <a:tint val="40000"/>
+      </a:schemeClr>
+    </dgm:linClrLst>
+    <dgm:effectClrLst/>
+    <dgm:txLinClrLst/>
+    <dgm:txFillClrLst meth="repeat">
+      <a:schemeClr val="dk1"/>
+    </dgm:txFillClrLst>
+    <dgm:txEffectClrLst/>
+  </dgm:styleLbl>
+  <dgm:styleLbl name="bgAccFollowNode1">
+    <dgm:fillClrLst meth="repeat">
+      <a:schemeClr val="accent1">
+        <a:alpha val="90000"/>
+        <a:tint val="40000"/>
+      </a:schemeClr>
+    </dgm:fillClrLst>
+    <dgm:linClrLst meth="repeat">
+      <a:schemeClr val="accent1">
+        <a:alpha val="90000"/>
+        <a:tint val="40000"/>
+      </a:schemeClr>
+    </dgm:linClrLst>
+    <dgm:effectClrLst/>
+    <dgm:txLinClrLst/>
+    <dgm:txFillClrLst meth="repeat">
+      <a:schemeClr val="dk1"/>
+    </dgm:txFillClrLst>
+    <dgm:txEffectClrLst/>
+  </dgm:styleLbl>
+  <dgm:styleLbl name="fgAcc0">
+    <dgm:fillClrLst meth="repeat">
+      <a:schemeClr val="lt1">
+        <a:alpha val="90000"/>
+      </a:schemeClr>
+    </dgm:fillClrLst>
+    <dgm:linClrLst meth="repeat">
+      <a:schemeClr val="accent1"/>
+    </dgm:linClrLst>
+    <dgm:effectClrLst/>
+    <dgm:txLinClrLst/>
+    <dgm:txFillClrLst meth="repeat">
+      <a:schemeClr val="dk1"/>
+    </dgm:txFillClrLst>
+    <dgm:txEffectClrLst/>
+  </dgm:styleLbl>
+  <dgm:styleLbl name="fgAcc2">
+    <dgm:fillClrLst meth="repeat">
+      <a:schemeClr val="lt1">
+        <a:alpha val="90000"/>
+      </a:schemeClr>
+    </dgm:fillClrLst>
+    <dgm:linClrLst meth="repeat">
+      <a:schemeClr val="accent1"/>
+    </dgm:linClrLst>
+    <dgm:effectClrLst/>
+    <dgm:txLinClrLst/>
+    <dgm:txFillClrLst meth="repeat">
+      <a:schemeClr val="dk1"/>
+    </dgm:txFillClrLst>
+    <dgm:txEffectClrLst/>
+  </dgm:styleLbl>
+  <dgm:styleLbl name="fgAcc3">
+    <dgm:fillClrLst meth="repeat">
+      <a:schemeClr val="lt1">
+        <a:alpha val="90000"/>
+      </a:schemeClr>
+    </dgm:fillClrLst>
+    <dgm:linClrLst meth="repeat">
+      <a:schemeClr val="accent1"/>
+    </dgm:linClrLst>
+    <dgm:effectClrLst/>
+    <dgm:txLinClrLst/>
+    <dgm:txFillClrLst meth="repeat">
+      <a:schemeClr val="dk1"/>
+    </dgm:txFillClrLst>
+    <dgm:txEffectClrLst/>
+  </dgm:styleLbl>
+  <dgm:styleLbl name="fgAcc4">
+    <dgm:fillClrLst meth="repeat">
+      <a:schemeClr val="lt1">
+        <a:alpha val="90000"/>
+      </a:schemeClr>
+    </dgm:fillClrLst>
+    <dgm:linClrLst meth="repeat">
+      <a:schemeClr val="accent1"/>
+    </dgm:linClrLst>
+    <dgm:effectClrLst/>
+    <dgm:txLinClrLst/>
+    <dgm:txFillClrLst meth="repeat">
+      <a:schemeClr val="dk1"/>
+    </dgm:txFillClrLst>
+    <dgm:txEffectClrLst/>
+  </dgm:styleLbl>
+  <dgm:styleLbl name="bgShp">
+    <dgm:fillClrLst meth="repeat">
+      <a:schemeClr val="accent1">
+        <a:tint val="40000"/>
+      </a:schemeClr>
+    </dgm:fillClrLst>
+    <dgm:linClrLst meth="repeat">
+      <a:schemeClr val="accent1"/>
+    </dgm:linClrLst>
+    <dgm:effectClrLst/>
+    <dgm:txLinClrLst/>
+    <dgm:txFillClrLst meth="repeat">
+      <a:schemeClr val="dk1"/>
+    </dgm:txFillClrLst>
+    <dgm:txEffectClrLst/>
+  </dgm:styleLbl>
+  <dgm:styleLbl name="dkBgShp">
+    <dgm:fillClrLst meth="repeat">
+      <a:schemeClr val="accent1">
+        <a:shade val="80000"/>
+      </a:schemeClr>
+    </dgm:fillClrLst>
+    <dgm:linClrLst meth="repeat">
+      <a:schemeClr val="accent1"/>
+    </dgm:linClrLst>
+    <dgm:effectClrLst/>
+    <dgm:txLinClrLst/>
+    <dgm:txFillClrLst meth="repeat">
+      <a:schemeClr val="lt1"/>
+    </dgm:txFillClrLst>
+    <dgm:txEffectClrLst/>
+  </dgm:styleLbl>
+  <dgm:styleLbl name="trBgShp">
+    <dgm:fillClrLst meth="repeat">
+      <a:schemeClr val="accent1">
+        <a:tint val="50000"/>
+        <a:alpha val="40000"/>
+      </a:schemeClr>
+    </dgm:fillClrLst>
+    <dgm:linClrLst meth="repeat">
+      <a:schemeClr val="accent1"/>
+    </dgm:linClrLst>
+    <dgm:effectClrLst/>
+    <dgm:txLinClrLst/>
+    <dgm:txFillClrLst meth="repeat">
+      <a:schemeClr val="lt1"/>
+    </dgm:txFillClrLst>
+    <dgm:txEffectClrLst/>
+  </dgm:styleLbl>
+  <dgm:styleLbl name="fgShp">
+    <dgm:fillClrLst meth="repeat">
+      <a:schemeClr val="accent1">
+        <a:tint val="60000"/>
+      </a:schemeClr>
+    </dgm:fillClrLst>
+    <dgm:linClrLst meth="repeat">
+      <a:schemeClr val="lt1"/>
+    </dgm:linClrLst>
+    <dgm:effectClrLst/>
+    <dgm:txLinClrLst/>
+    <dgm:txFillClrLst meth="repeat">
+      <a:schemeClr val="dk1"/>
+    </dgm:txFillClrLst>
+    <dgm:txEffectClrLst/>
+  </dgm:styleLbl>
+  <dgm:styleLbl name="revTx">
+    <dgm:fillClrLst meth="repeat">
+      <a:schemeClr val="lt1">
+        <a:alpha val="0"/>
+      </a:schemeClr>
+    </dgm:fillClrLst>
+    <dgm:linClrLst meth="repeat">
+      <a:schemeClr val="dk1">
+        <a:alpha val="0"/>
+      </a:schemeClr>
+    </dgm:linClrLst>
+    <dgm:effectClrLst/>
+    <dgm:txLinClrLst/>
+    <dgm:txFillClrLst meth="repeat">
+      <a:schemeClr val="tx1"/>
+    </dgm:txFillClrLst>
+    <dgm:txEffectClrLst/>
+  </dgm:styleLbl>
+</dgm:colorsDef>
+</file>
+
+<file path=ppt/diagrams/colors3.xml><?xml version="1.0" encoding="utf-8"?>
 <dgm:colorsDef xmlns:dgm="http://schemas.openxmlformats.org/drawingml/2006/diagram" xmlns:a="http://schemas.openxmlformats.org/drawingml/2006/main" uniqueId="urn:microsoft.com/office/officeart/2005/8/colors/colorful3">
   <dgm:title val=""/>
   <dgm:desc val=""/>
@@ -945,6 +2439,499 @@
 <file path=ppt/diagrams/data1.xml><?xml version="1.0" encoding="utf-8"?>
 <dgm:dataModel xmlns:dgm="http://schemas.openxmlformats.org/drawingml/2006/diagram" xmlns:a="http://schemas.openxmlformats.org/drawingml/2006/main">
   <dgm:ptLst>
+    <dgm:pt modelId="{E5C6043A-E62F-4B0F-9B4D-3F9F3A51D983}" type="doc">
+      <dgm:prSet loTypeId="urn:microsoft.com/office/officeart/2005/8/layout/vList2" loCatId="list" qsTypeId="urn:microsoft.com/office/officeart/2005/8/quickstyle/simple1" qsCatId="simple" csTypeId="urn:microsoft.com/office/officeart/2005/8/colors/accent1_2" csCatId="accent1" phldr="1"/>
+      <dgm:spPr/>
+      <dgm:t>
+        <a:bodyPr/>
+        <a:lstStyle/>
+        <a:p>
+          <a:endParaRPr lang="ru-RU"/>
+        </a:p>
+      </dgm:t>
+    </dgm:pt>
+    <dgm:pt modelId="{44501BE1-4ECC-4985-B033-E483E4855B1F}">
+      <dgm:prSet/>
+      <dgm:spPr/>
+      <dgm:t>
+        <a:bodyPr/>
+        <a:lstStyle/>
+        <a:p>
+          <a:pPr rtl="0"/>
+          <a:r>
+            <a:rPr lang="en-US" dirty="0" smtClean="0"/>
+            <a:t>Intensive graphics (games, CADs, …)</a:t>
+          </a:r>
+          <a:endParaRPr lang="ru-RU" dirty="0"/>
+        </a:p>
+      </dgm:t>
+    </dgm:pt>
+    <dgm:pt modelId="{F6FC1C40-8B9C-4213-8F9E-24BAE3E0A93D}" type="parTrans" cxnId="{DA00FEEF-3292-45EB-9954-54BA15B4408E}">
+      <dgm:prSet/>
+      <dgm:spPr/>
+      <dgm:t>
+        <a:bodyPr/>
+        <a:lstStyle/>
+        <a:p>
+          <a:endParaRPr lang="ru-RU"/>
+        </a:p>
+      </dgm:t>
+    </dgm:pt>
+    <dgm:pt modelId="{97F0BA57-1D0E-4539-835B-4C06F2ABA7A3}" type="sibTrans" cxnId="{DA00FEEF-3292-45EB-9954-54BA15B4408E}">
+      <dgm:prSet/>
+      <dgm:spPr/>
+      <dgm:t>
+        <a:bodyPr/>
+        <a:lstStyle/>
+        <a:p>
+          <a:endParaRPr lang="ru-RU"/>
+        </a:p>
+      </dgm:t>
+    </dgm:pt>
+    <dgm:pt modelId="{109F1C93-E33D-4E83-8BB8-D6619D82D4C3}">
+      <dgm:prSet/>
+      <dgm:spPr/>
+      <dgm:t>
+        <a:bodyPr/>
+        <a:lstStyle/>
+        <a:p>
+          <a:pPr rtl="0"/>
+          <a:r>
+            <a:rPr lang="en-US" dirty="0" smtClean="0"/>
+            <a:t>Low level (OS) specific: antiviruses, system tools, … </a:t>
+          </a:r>
+        </a:p>
+      </dgm:t>
+    </dgm:pt>
+    <dgm:pt modelId="{6DE0DF9C-45DE-48B2-B670-48D24283D101}" type="parTrans" cxnId="{D804C580-A625-4132-BDE6-52E8BFBF5B62}">
+      <dgm:prSet/>
+      <dgm:spPr/>
+      <dgm:t>
+        <a:bodyPr/>
+        <a:lstStyle/>
+        <a:p>
+          <a:endParaRPr lang="ru-RU"/>
+        </a:p>
+      </dgm:t>
+    </dgm:pt>
+    <dgm:pt modelId="{51FB78B5-CC98-408B-8833-6845E94358C2}" type="sibTrans" cxnId="{D804C580-A625-4132-BDE6-52E8BFBF5B62}">
+      <dgm:prSet/>
+      <dgm:spPr/>
+      <dgm:t>
+        <a:bodyPr/>
+        <a:lstStyle/>
+        <a:p>
+          <a:endParaRPr lang="ru-RU"/>
+        </a:p>
+      </dgm:t>
+    </dgm:pt>
+    <dgm:pt modelId="{24AD644C-6817-4A85-A756-0754701615CF}">
+      <dgm:prSet/>
+      <dgm:spPr/>
+      <dgm:t>
+        <a:bodyPr/>
+        <a:lstStyle/>
+        <a:p>
+          <a:pPr rtl="0"/>
+          <a:r>
+            <a:rPr lang="en-US" dirty="0" smtClean="0"/>
+            <a:t>Work with hardware: tokens, </a:t>
+          </a:r>
+          <a:r>
+            <a:rPr lang="en-US" dirty="0" err="1" smtClean="0"/>
+            <a:t>IoT</a:t>
+          </a:r>
+          <a:r>
+            <a:rPr lang="en-US" dirty="0" smtClean="0"/>
+            <a:t> development, …</a:t>
+          </a:r>
+        </a:p>
+      </dgm:t>
+    </dgm:pt>
+    <dgm:pt modelId="{85C67036-D7FE-4DD9-AA20-EE6E6C238C0E}" type="parTrans" cxnId="{595F348A-5A46-45FE-BCBF-3A44B2602AA8}">
+      <dgm:prSet/>
+      <dgm:spPr/>
+      <dgm:t>
+        <a:bodyPr/>
+        <a:lstStyle/>
+        <a:p>
+          <a:endParaRPr lang="ru-RU"/>
+        </a:p>
+      </dgm:t>
+    </dgm:pt>
+    <dgm:pt modelId="{50C474CE-EC1C-4199-8A9E-6EBE34A80AC9}" type="sibTrans" cxnId="{595F348A-5A46-45FE-BCBF-3A44B2602AA8}">
+      <dgm:prSet/>
+      <dgm:spPr/>
+      <dgm:t>
+        <a:bodyPr/>
+        <a:lstStyle/>
+        <a:p>
+          <a:endParaRPr lang="ru-RU"/>
+        </a:p>
+      </dgm:t>
+    </dgm:pt>
+    <dgm:pt modelId="{BF377F93-01AD-41C7-B420-D3B87796C33F}">
+      <dgm:prSet/>
+      <dgm:spPr/>
+      <dgm:t>
+        <a:bodyPr/>
+        <a:lstStyle/>
+        <a:p>
+          <a:pPr rtl="0"/>
+          <a:r>
+            <a:rPr lang="en-US" dirty="0" smtClean="0"/>
+            <a:t>Customer requirements</a:t>
+          </a:r>
+        </a:p>
+      </dgm:t>
+    </dgm:pt>
+    <dgm:pt modelId="{E9FA027C-3985-41E7-B7BA-D3623BA2099F}" type="parTrans" cxnId="{50D81173-EE49-4148-9283-F825E8F3AB2A}">
+      <dgm:prSet/>
+      <dgm:spPr/>
+      <dgm:t>
+        <a:bodyPr/>
+        <a:lstStyle/>
+        <a:p>
+          <a:endParaRPr lang="ru-RU"/>
+        </a:p>
+      </dgm:t>
+    </dgm:pt>
+    <dgm:pt modelId="{4F2CF05D-62DE-42EB-B369-E288E2F7D351}" type="sibTrans" cxnId="{50D81173-EE49-4148-9283-F825E8F3AB2A}">
+      <dgm:prSet/>
+      <dgm:spPr/>
+      <dgm:t>
+        <a:bodyPr/>
+        <a:lstStyle/>
+        <a:p>
+          <a:endParaRPr lang="ru-RU"/>
+        </a:p>
+      </dgm:t>
+    </dgm:pt>
+    <dgm:pt modelId="{8E19BEEF-8872-41F8-BE55-0FADB5D14492}" type="pres">
+      <dgm:prSet presAssocID="{E5C6043A-E62F-4B0F-9B4D-3F9F3A51D983}" presName="linear" presStyleCnt="0">
+        <dgm:presLayoutVars>
+          <dgm:animLvl val="lvl"/>
+          <dgm:resizeHandles val="exact"/>
+        </dgm:presLayoutVars>
+      </dgm:prSet>
+      <dgm:spPr/>
+    </dgm:pt>
+    <dgm:pt modelId="{FA2B3221-5EB7-465E-96D4-FE9EC71DDCF7}" type="pres">
+      <dgm:prSet presAssocID="{44501BE1-4ECC-4985-B033-E483E4855B1F}" presName="parentText" presStyleLbl="node1" presStyleIdx="0" presStyleCnt="4">
+        <dgm:presLayoutVars>
+          <dgm:chMax val="0"/>
+          <dgm:bulletEnabled val="1"/>
+        </dgm:presLayoutVars>
+      </dgm:prSet>
+      <dgm:spPr/>
+      <dgm:t>
+        <a:bodyPr/>
+        <a:lstStyle/>
+        <a:p>
+          <a:endParaRPr lang="ru-RU"/>
+        </a:p>
+      </dgm:t>
+    </dgm:pt>
+    <dgm:pt modelId="{355F05E8-51B5-4041-87F0-6C06DC973BAC}" type="pres">
+      <dgm:prSet presAssocID="{97F0BA57-1D0E-4539-835B-4C06F2ABA7A3}" presName="spacer" presStyleCnt="0"/>
+      <dgm:spPr/>
+    </dgm:pt>
+    <dgm:pt modelId="{ADD4C7FE-EEBC-47D5-967B-87DFC7ABE732}" type="pres">
+      <dgm:prSet presAssocID="{109F1C93-E33D-4E83-8BB8-D6619D82D4C3}" presName="parentText" presStyleLbl="node1" presStyleIdx="1" presStyleCnt="4">
+        <dgm:presLayoutVars>
+          <dgm:chMax val="0"/>
+          <dgm:bulletEnabled val="1"/>
+        </dgm:presLayoutVars>
+      </dgm:prSet>
+      <dgm:spPr/>
+      <dgm:t>
+        <a:bodyPr/>
+        <a:lstStyle/>
+        <a:p>
+          <a:endParaRPr lang="ru-RU"/>
+        </a:p>
+      </dgm:t>
+    </dgm:pt>
+    <dgm:pt modelId="{7EEBCC34-410B-40D2-B78C-1815699EA749}" type="pres">
+      <dgm:prSet presAssocID="{51FB78B5-CC98-408B-8833-6845E94358C2}" presName="spacer" presStyleCnt="0"/>
+      <dgm:spPr/>
+    </dgm:pt>
+    <dgm:pt modelId="{690DBE5A-0FBE-469C-AF24-AD85B61DBED2}" type="pres">
+      <dgm:prSet presAssocID="{24AD644C-6817-4A85-A756-0754701615CF}" presName="parentText" presStyleLbl="node1" presStyleIdx="2" presStyleCnt="4">
+        <dgm:presLayoutVars>
+          <dgm:chMax val="0"/>
+          <dgm:bulletEnabled val="1"/>
+        </dgm:presLayoutVars>
+      </dgm:prSet>
+      <dgm:spPr/>
+      <dgm:t>
+        <a:bodyPr/>
+        <a:lstStyle/>
+        <a:p>
+          <a:endParaRPr lang="ru-RU"/>
+        </a:p>
+      </dgm:t>
+    </dgm:pt>
+    <dgm:pt modelId="{48AE2446-1061-4C08-B893-FC34B3A64C95}" type="pres">
+      <dgm:prSet presAssocID="{50C474CE-EC1C-4199-8A9E-6EBE34A80AC9}" presName="spacer" presStyleCnt="0"/>
+      <dgm:spPr/>
+    </dgm:pt>
+    <dgm:pt modelId="{B01A8788-2CF8-4559-9F1E-06D5F8F23030}" type="pres">
+      <dgm:prSet presAssocID="{BF377F93-01AD-41C7-B420-D3B87796C33F}" presName="parentText" presStyleLbl="node1" presStyleIdx="3" presStyleCnt="4">
+        <dgm:presLayoutVars>
+          <dgm:chMax val="0"/>
+          <dgm:bulletEnabled val="1"/>
+        </dgm:presLayoutVars>
+      </dgm:prSet>
+      <dgm:spPr/>
+      <dgm:t>
+        <a:bodyPr/>
+        <a:lstStyle/>
+        <a:p>
+          <a:endParaRPr lang="ru-RU"/>
+        </a:p>
+      </dgm:t>
+    </dgm:pt>
+  </dgm:ptLst>
+  <dgm:cxnLst>
+    <dgm:cxn modelId="{595F348A-5A46-45FE-BCBF-3A44B2602AA8}" srcId="{E5C6043A-E62F-4B0F-9B4D-3F9F3A51D983}" destId="{24AD644C-6817-4A85-A756-0754701615CF}" srcOrd="2" destOrd="0" parTransId="{85C67036-D7FE-4DD9-AA20-EE6E6C238C0E}" sibTransId="{50C474CE-EC1C-4199-8A9E-6EBE34A80AC9}"/>
+    <dgm:cxn modelId="{260A1C03-5D1F-48E4-A0EE-892DEA13459E}" type="presOf" srcId="{24AD644C-6817-4A85-A756-0754701615CF}" destId="{690DBE5A-0FBE-469C-AF24-AD85B61DBED2}" srcOrd="0" destOrd="0" presId="urn:microsoft.com/office/officeart/2005/8/layout/vList2"/>
+    <dgm:cxn modelId="{343195E1-3874-47A3-AFA3-89BE59630287}" type="presOf" srcId="{BF377F93-01AD-41C7-B420-D3B87796C33F}" destId="{B01A8788-2CF8-4559-9F1E-06D5F8F23030}" srcOrd="0" destOrd="0" presId="urn:microsoft.com/office/officeart/2005/8/layout/vList2"/>
+    <dgm:cxn modelId="{D7453842-6BB7-46FA-830A-D3C66327319A}" type="presOf" srcId="{44501BE1-4ECC-4985-B033-E483E4855B1F}" destId="{FA2B3221-5EB7-465E-96D4-FE9EC71DDCF7}" srcOrd="0" destOrd="0" presId="urn:microsoft.com/office/officeart/2005/8/layout/vList2"/>
+    <dgm:cxn modelId="{50D81173-EE49-4148-9283-F825E8F3AB2A}" srcId="{E5C6043A-E62F-4B0F-9B4D-3F9F3A51D983}" destId="{BF377F93-01AD-41C7-B420-D3B87796C33F}" srcOrd="3" destOrd="0" parTransId="{E9FA027C-3985-41E7-B7BA-D3623BA2099F}" sibTransId="{4F2CF05D-62DE-42EB-B369-E288E2F7D351}"/>
+    <dgm:cxn modelId="{9EDD28B2-7A1B-4523-ACC4-12B51084DB09}" type="presOf" srcId="{109F1C93-E33D-4E83-8BB8-D6619D82D4C3}" destId="{ADD4C7FE-EEBC-47D5-967B-87DFC7ABE732}" srcOrd="0" destOrd="0" presId="urn:microsoft.com/office/officeart/2005/8/layout/vList2"/>
+    <dgm:cxn modelId="{DA00FEEF-3292-45EB-9954-54BA15B4408E}" srcId="{E5C6043A-E62F-4B0F-9B4D-3F9F3A51D983}" destId="{44501BE1-4ECC-4985-B033-E483E4855B1F}" srcOrd="0" destOrd="0" parTransId="{F6FC1C40-8B9C-4213-8F9E-24BAE3E0A93D}" sibTransId="{97F0BA57-1D0E-4539-835B-4C06F2ABA7A3}"/>
+    <dgm:cxn modelId="{D804C580-A625-4132-BDE6-52E8BFBF5B62}" srcId="{E5C6043A-E62F-4B0F-9B4D-3F9F3A51D983}" destId="{109F1C93-E33D-4E83-8BB8-D6619D82D4C3}" srcOrd="1" destOrd="0" parTransId="{6DE0DF9C-45DE-48B2-B670-48D24283D101}" sibTransId="{51FB78B5-CC98-408B-8833-6845E94358C2}"/>
+    <dgm:cxn modelId="{2A021CAF-2134-430D-8756-66B19A7CA89A}" type="presOf" srcId="{E5C6043A-E62F-4B0F-9B4D-3F9F3A51D983}" destId="{8E19BEEF-8872-41F8-BE55-0FADB5D14492}" srcOrd="0" destOrd="0" presId="urn:microsoft.com/office/officeart/2005/8/layout/vList2"/>
+    <dgm:cxn modelId="{0700E773-A81B-4582-B8C0-C43DFE0A84EC}" type="presParOf" srcId="{8E19BEEF-8872-41F8-BE55-0FADB5D14492}" destId="{FA2B3221-5EB7-465E-96D4-FE9EC71DDCF7}" srcOrd="0" destOrd="0" presId="urn:microsoft.com/office/officeart/2005/8/layout/vList2"/>
+    <dgm:cxn modelId="{B15567C5-07D4-4279-900B-A03F022D0A41}" type="presParOf" srcId="{8E19BEEF-8872-41F8-BE55-0FADB5D14492}" destId="{355F05E8-51B5-4041-87F0-6C06DC973BAC}" srcOrd="1" destOrd="0" presId="urn:microsoft.com/office/officeart/2005/8/layout/vList2"/>
+    <dgm:cxn modelId="{A7CE2A0A-8EAA-4AD8-BEF4-2CF4AFE59654}" type="presParOf" srcId="{8E19BEEF-8872-41F8-BE55-0FADB5D14492}" destId="{ADD4C7FE-EEBC-47D5-967B-87DFC7ABE732}" srcOrd="2" destOrd="0" presId="urn:microsoft.com/office/officeart/2005/8/layout/vList2"/>
+    <dgm:cxn modelId="{8091D1D1-D1B5-4C61-A9EA-B2A6A8376EC9}" type="presParOf" srcId="{8E19BEEF-8872-41F8-BE55-0FADB5D14492}" destId="{7EEBCC34-410B-40D2-B78C-1815699EA749}" srcOrd="3" destOrd="0" presId="urn:microsoft.com/office/officeart/2005/8/layout/vList2"/>
+    <dgm:cxn modelId="{11E5AB44-F9BA-4CDB-9D14-462F2C393AED}" type="presParOf" srcId="{8E19BEEF-8872-41F8-BE55-0FADB5D14492}" destId="{690DBE5A-0FBE-469C-AF24-AD85B61DBED2}" srcOrd="4" destOrd="0" presId="urn:microsoft.com/office/officeart/2005/8/layout/vList2"/>
+    <dgm:cxn modelId="{D2AB1913-392C-4A2E-A6DF-1FC027A5B2CA}" type="presParOf" srcId="{8E19BEEF-8872-41F8-BE55-0FADB5D14492}" destId="{48AE2446-1061-4C08-B893-FC34B3A64C95}" srcOrd="5" destOrd="0" presId="urn:microsoft.com/office/officeart/2005/8/layout/vList2"/>
+    <dgm:cxn modelId="{CC3D38C2-F003-456C-A9AA-8D50DB6F6D4A}" type="presParOf" srcId="{8E19BEEF-8872-41F8-BE55-0FADB5D14492}" destId="{B01A8788-2CF8-4559-9F1E-06D5F8F23030}" srcOrd="6" destOrd="0" presId="urn:microsoft.com/office/officeart/2005/8/layout/vList2"/>
+  </dgm:cxnLst>
+  <dgm:bg/>
+  <dgm:whole/>
+  <dgm:extLst>
+    <a:ext uri="http://schemas.microsoft.com/office/drawing/2008/diagram">
+      <dsp:dataModelExt xmlns:dsp="http://schemas.microsoft.com/office/drawing/2008/diagram" relId="rId6" minVer="http://schemas.openxmlformats.org/drawingml/2006/diagram"/>
+    </a:ext>
+  </dgm:extLst>
+</dgm:dataModel>
+</file>
+
+<file path=ppt/diagrams/data2.xml><?xml version="1.0" encoding="utf-8"?>
+<dgm:dataModel xmlns:dgm="http://schemas.openxmlformats.org/drawingml/2006/diagram" xmlns:a="http://schemas.openxmlformats.org/drawingml/2006/main">
+  <dgm:ptLst>
+    <dgm:pt modelId="{E5C6043A-E62F-4B0F-9B4D-3F9F3A51D983}" type="doc">
+      <dgm:prSet loTypeId="urn:microsoft.com/office/officeart/2005/8/layout/vList2" loCatId="list" qsTypeId="urn:microsoft.com/office/officeart/2005/8/quickstyle/simple1" qsCatId="simple" csTypeId="urn:microsoft.com/office/officeart/2005/8/colors/accent1_2" csCatId="accent1" phldr="1"/>
+      <dgm:spPr/>
+      <dgm:t>
+        <a:bodyPr/>
+        <a:lstStyle/>
+        <a:p>
+          <a:endParaRPr lang="ru-RU"/>
+        </a:p>
+      </dgm:t>
+    </dgm:pt>
+    <dgm:pt modelId="{44501BE1-4ECC-4985-B033-E483E4855B1F}">
+      <dgm:prSet/>
+      <dgm:spPr/>
+      <dgm:t>
+        <a:bodyPr/>
+        <a:lstStyle/>
+        <a:p>
+          <a:pPr rtl="0"/>
+          <a:r>
+            <a:rPr lang="en-US" dirty="0" smtClean="0"/>
+            <a:t>Available code</a:t>
+          </a:r>
+          <a:endParaRPr lang="ru-RU" dirty="0"/>
+        </a:p>
+      </dgm:t>
+    </dgm:pt>
+    <dgm:pt modelId="{F6FC1C40-8B9C-4213-8F9E-24BAE3E0A93D}" type="parTrans" cxnId="{DA00FEEF-3292-45EB-9954-54BA15B4408E}">
+      <dgm:prSet/>
+      <dgm:spPr/>
+      <dgm:t>
+        <a:bodyPr/>
+        <a:lstStyle/>
+        <a:p>
+          <a:endParaRPr lang="ru-RU"/>
+        </a:p>
+      </dgm:t>
+    </dgm:pt>
+    <dgm:pt modelId="{97F0BA57-1D0E-4539-835B-4C06F2ABA7A3}" type="sibTrans" cxnId="{DA00FEEF-3292-45EB-9954-54BA15B4408E}">
+      <dgm:prSet/>
+      <dgm:spPr/>
+      <dgm:t>
+        <a:bodyPr/>
+        <a:lstStyle/>
+        <a:p>
+          <a:endParaRPr lang="ru-RU"/>
+        </a:p>
+      </dgm:t>
+    </dgm:pt>
+    <dgm:pt modelId="{109F1C93-E33D-4E83-8BB8-D6619D82D4C3}">
+      <dgm:prSet/>
+      <dgm:spPr/>
+      <dgm:t>
+        <a:bodyPr/>
+        <a:lstStyle/>
+        <a:p>
+          <a:pPr rtl="0"/>
+          <a:r>
+            <a:rPr lang="en-US" dirty="0" err="1" smtClean="0"/>
+            <a:t>.</a:t>
+          </a:r>
+          <a:r>
+            <a:rPr lang="en-US" err="1" smtClean="0"/>
+            <a:t>Net</a:t>
+          </a:r>
+          <a:r>
+            <a:rPr lang="en-US" smtClean="0"/>
+            <a:t>-only library/API</a:t>
+          </a:r>
+          <a:endParaRPr lang="en-US" dirty="0" smtClean="0"/>
+        </a:p>
+      </dgm:t>
+    </dgm:pt>
+    <dgm:pt modelId="{6DE0DF9C-45DE-48B2-B670-48D24283D101}" type="parTrans" cxnId="{D804C580-A625-4132-BDE6-52E8BFBF5B62}">
+      <dgm:prSet/>
+      <dgm:spPr/>
+      <dgm:t>
+        <a:bodyPr/>
+        <a:lstStyle/>
+        <a:p>
+          <a:endParaRPr lang="ru-RU"/>
+        </a:p>
+      </dgm:t>
+    </dgm:pt>
+    <dgm:pt modelId="{51FB78B5-CC98-408B-8833-6845E94358C2}" type="sibTrans" cxnId="{D804C580-A625-4132-BDE6-52E8BFBF5B62}">
+      <dgm:prSet/>
+      <dgm:spPr/>
+      <dgm:t>
+        <a:bodyPr/>
+        <a:lstStyle/>
+        <a:p>
+          <a:endParaRPr lang="ru-RU"/>
+        </a:p>
+      </dgm:t>
+    </dgm:pt>
+    <dgm:pt modelId="{E136B59A-0EEF-4049-825C-51318701B1BB}">
+      <dgm:prSet/>
+      <dgm:spPr/>
+      <dgm:t>
+        <a:bodyPr/>
+        <a:lstStyle/>
+        <a:p>
+          <a:pPr rtl="0"/>
+          <a:r>
+            <a:rPr lang="en-US" dirty="0" err="1" smtClean="0"/>
+            <a:t>.Net</a:t>
+          </a:r>
+          <a:r>
+            <a:rPr lang="en-US" dirty="0" smtClean="0"/>
+            <a:t> team</a:t>
+          </a:r>
+        </a:p>
+      </dgm:t>
+    </dgm:pt>
+    <dgm:pt modelId="{386537F5-8A11-45FB-AECF-AB61C5329FD6}" type="parTrans" cxnId="{908C861F-4F76-45BE-A905-40CB28BCDA97}">
+      <dgm:prSet/>
+      <dgm:spPr/>
+    </dgm:pt>
+    <dgm:pt modelId="{3E0E29DF-E482-4F04-9452-94FD3E6A0AEA}" type="sibTrans" cxnId="{908C861F-4F76-45BE-A905-40CB28BCDA97}">
+      <dgm:prSet/>
+      <dgm:spPr/>
+    </dgm:pt>
+    <dgm:pt modelId="{8E19BEEF-8872-41F8-BE55-0FADB5D14492}" type="pres">
+      <dgm:prSet presAssocID="{E5C6043A-E62F-4B0F-9B4D-3F9F3A51D983}" presName="linear" presStyleCnt="0">
+        <dgm:presLayoutVars>
+          <dgm:animLvl val="lvl"/>
+          <dgm:resizeHandles val="exact"/>
+        </dgm:presLayoutVars>
+      </dgm:prSet>
+      <dgm:spPr/>
+    </dgm:pt>
+    <dgm:pt modelId="{FA2B3221-5EB7-465E-96D4-FE9EC71DDCF7}" type="pres">
+      <dgm:prSet presAssocID="{44501BE1-4ECC-4985-B033-E483E4855B1F}" presName="parentText" presStyleLbl="node1" presStyleIdx="0" presStyleCnt="3">
+        <dgm:presLayoutVars>
+          <dgm:chMax val="0"/>
+          <dgm:bulletEnabled val="1"/>
+        </dgm:presLayoutVars>
+      </dgm:prSet>
+      <dgm:spPr/>
+      <dgm:t>
+        <a:bodyPr/>
+        <a:lstStyle/>
+        <a:p>
+          <a:endParaRPr lang="ru-RU"/>
+        </a:p>
+      </dgm:t>
+    </dgm:pt>
+    <dgm:pt modelId="{355F05E8-51B5-4041-87F0-6C06DC973BAC}" type="pres">
+      <dgm:prSet presAssocID="{97F0BA57-1D0E-4539-835B-4C06F2ABA7A3}" presName="spacer" presStyleCnt="0"/>
+      <dgm:spPr/>
+    </dgm:pt>
+    <dgm:pt modelId="{ADD4C7FE-EEBC-47D5-967B-87DFC7ABE732}" type="pres">
+      <dgm:prSet presAssocID="{109F1C93-E33D-4E83-8BB8-D6619D82D4C3}" presName="parentText" presStyleLbl="node1" presStyleIdx="1" presStyleCnt="3">
+        <dgm:presLayoutVars>
+          <dgm:chMax val="0"/>
+          <dgm:bulletEnabled val="1"/>
+        </dgm:presLayoutVars>
+      </dgm:prSet>
+      <dgm:spPr/>
+      <dgm:t>
+        <a:bodyPr/>
+        <a:lstStyle/>
+        <a:p>
+          <a:endParaRPr lang="ru-RU"/>
+        </a:p>
+      </dgm:t>
+    </dgm:pt>
+    <dgm:pt modelId="{7EEBCC34-410B-40D2-B78C-1815699EA749}" type="pres">
+      <dgm:prSet presAssocID="{51FB78B5-CC98-408B-8833-6845E94358C2}" presName="spacer" presStyleCnt="0"/>
+      <dgm:spPr/>
+    </dgm:pt>
+    <dgm:pt modelId="{CF3BEEB0-6089-4276-9B5D-97CB4F6D9CBE}" type="pres">
+      <dgm:prSet presAssocID="{E136B59A-0EEF-4049-825C-51318701B1BB}" presName="parentText" presStyleLbl="node1" presStyleIdx="2" presStyleCnt="3">
+        <dgm:presLayoutVars>
+          <dgm:chMax val="0"/>
+          <dgm:bulletEnabled val="1"/>
+        </dgm:presLayoutVars>
+      </dgm:prSet>
+      <dgm:spPr/>
+    </dgm:pt>
+  </dgm:ptLst>
+  <dgm:cxnLst>
+    <dgm:cxn modelId="{DA00FEEF-3292-45EB-9954-54BA15B4408E}" srcId="{E5C6043A-E62F-4B0F-9B4D-3F9F3A51D983}" destId="{44501BE1-4ECC-4985-B033-E483E4855B1F}" srcOrd="0" destOrd="0" parTransId="{F6FC1C40-8B9C-4213-8F9E-24BAE3E0A93D}" sibTransId="{97F0BA57-1D0E-4539-835B-4C06F2ABA7A3}"/>
+    <dgm:cxn modelId="{2A021CAF-2134-430D-8756-66B19A7CA89A}" type="presOf" srcId="{E5C6043A-E62F-4B0F-9B4D-3F9F3A51D983}" destId="{8E19BEEF-8872-41F8-BE55-0FADB5D14492}" srcOrd="0" destOrd="0" presId="urn:microsoft.com/office/officeart/2005/8/layout/vList2"/>
+    <dgm:cxn modelId="{908C861F-4F76-45BE-A905-40CB28BCDA97}" srcId="{E5C6043A-E62F-4B0F-9B4D-3F9F3A51D983}" destId="{E136B59A-0EEF-4049-825C-51318701B1BB}" srcOrd="2" destOrd="0" parTransId="{386537F5-8A11-45FB-AECF-AB61C5329FD6}" sibTransId="{3E0E29DF-E482-4F04-9452-94FD3E6A0AEA}"/>
+    <dgm:cxn modelId="{84A330DB-6889-4129-BEB2-47ACA9D566C9}" type="presOf" srcId="{E136B59A-0EEF-4049-825C-51318701B1BB}" destId="{CF3BEEB0-6089-4276-9B5D-97CB4F6D9CBE}" srcOrd="0" destOrd="0" presId="urn:microsoft.com/office/officeart/2005/8/layout/vList2"/>
+    <dgm:cxn modelId="{D7453842-6BB7-46FA-830A-D3C66327319A}" type="presOf" srcId="{44501BE1-4ECC-4985-B033-E483E4855B1F}" destId="{FA2B3221-5EB7-465E-96D4-FE9EC71DDCF7}" srcOrd="0" destOrd="0" presId="urn:microsoft.com/office/officeart/2005/8/layout/vList2"/>
+    <dgm:cxn modelId="{9EDD28B2-7A1B-4523-ACC4-12B51084DB09}" type="presOf" srcId="{109F1C93-E33D-4E83-8BB8-D6619D82D4C3}" destId="{ADD4C7FE-EEBC-47D5-967B-87DFC7ABE732}" srcOrd="0" destOrd="0" presId="urn:microsoft.com/office/officeart/2005/8/layout/vList2"/>
+    <dgm:cxn modelId="{D804C580-A625-4132-BDE6-52E8BFBF5B62}" srcId="{E5C6043A-E62F-4B0F-9B4D-3F9F3A51D983}" destId="{109F1C93-E33D-4E83-8BB8-D6619D82D4C3}" srcOrd="1" destOrd="0" parTransId="{6DE0DF9C-45DE-48B2-B670-48D24283D101}" sibTransId="{51FB78B5-CC98-408B-8833-6845E94358C2}"/>
+    <dgm:cxn modelId="{0700E773-A81B-4582-B8C0-C43DFE0A84EC}" type="presParOf" srcId="{8E19BEEF-8872-41F8-BE55-0FADB5D14492}" destId="{FA2B3221-5EB7-465E-96D4-FE9EC71DDCF7}" srcOrd="0" destOrd="0" presId="urn:microsoft.com/office/officeart/2005/8/layout/vList2"/>
+    <dgm:cxn modelId="{B15567C5-07D4-4279-900B-A03F022D0A41}" type="presParOf" srcId="{8E19BEEF-8872-41F8-BE55-0FADB5D14492}" destId="{355F05E8-51B5-4041-87F0-6C06DC973BAC}" srcOrd="1" destOrd="0" presId="urn:microsoft.com/office/officeart/2005/8/layout/vList2"/>
+    <dgm:cxn modelId="{A7CE2A0A-8EAA-4AD8-BEF4-2CF4AFE59654}" type="presParOf" srcId="{8E19BEEF-8872-41F8-BE55-0FADB5D14492}" destId="{ADD4C7FE-EEBC-47D5-967B-87DFC7ABE732}" srcOrd="2" destOrd="0" presId="urn:microsoft.com/office/officeart/2005/8/layout/vList2"/>
+    <dgm:cxn modelId="{6A3B3D97-8452-41F3-9821-82C5E7615BB0}" type="presParOf" srcId="{8E19BEEF-8872-41F8-BE55-0FADB5D14492}" destId="{7EEBCC34-410B-40D2-B78C-1815699EA749}" srcOrd="3" destOrd="0" presId="urn:microsoft.com/office/officeart/2005/8/layout/vList2"/>
+    <dgm:cxn modelId="{C5D720AA-F8DA-49C2-A633-D25D418FCD3F}" type="presParOf" srcId="{8E19BEEF-8872-41F8-BE55-0FADB5D14492}" destId="{CF3BEEB0-6089-4276-9B5D-97CB4F6D9CBE}" srcOrd="4" destOrd="0" presId="urn:microsoft.com/office/officeart/2005/8/layout/vList2"/>
+  </dgm:cxnLst>
+  <dgm:bg/>
+  <dgm:whole/>
+  <dgm:extLst>
+    <a:ext uri="http://schemas.microsoft.com/office/drawing/2008/diagram">
+      <dsp:dataModelExt xmlns:dsp="http://schemas.microsoft.com/office/drawing/2008/diagram" relId="rId7" minVer="http://schemas.openxmlformats.org/drawingml/2006/diagram"/>
+    </a:ext>
+  </dgm:extLst>
+</dgm:dataModel>
+</file>
+
+<file path=ppt/diagrams/data3.xml><?xml version="1.0" encoding="utf-8"?>
+<dgm:dataModel xmlns:dgm="http://schemas.openxmlformats.org/drawingml/2006/diagram" xmlns:a="http://schemas.openxmlformats.org/drawingml/2006/main">
+  <dgm:ptLst>
     <dgm:pt modelId="{0B9BF487-A8C8-474E-B7A8-67651B0EF015}" type="doc">
       <dgm:prSet loTypeId="urn:microsoft.com/office/officeart/2005/8/layout/lProcess2" loCatId="list" qsTypeId="urn:microsoft.com/office/officeart/2005/8/quickstyle/simple3" qsCatId="simple" csTypeId="urn:microsoft.com/office/officeart/2005/8/colors/colorful3" csCatId="colorful" phldr="1"/>
       <dgm:spPr/>
@@ -1670,6 +3657,592 @@
 </file>
 
 <file path=ppt/diagrams/drawing1.xml><?xml version="1.0" encoding="utf-8"?>
+<dsp:drawing xmlns:dgm="http://schemas.openxmlformats.org/drawingml/2006/diagram" xmlns:dsp="http://schemas.microsoft.com/office/drawing/2008/diagram" xmlns:a="http://schemas.openxmlformats.org/drawingml/2006/main">
+  <dsp:spTree>
+    <dsp:nvGrpSpPr>
+      <dsp:cNvPr id="0" name=""/>
+      <dsp:cNvGrpSpPr/>
+    </dsp:nvGrpSpPr>
+    <dsp:grpSpPr/>
+    <dsp:sp modelId="{FA2B3221-5EB7-465E-96D4-FE9EC71DDCF7}">
+      <dsp:nvSpPr>
+        <dsp:cNvPr id="0" name=""/>
+        <dsp:cNvSpPr/>
+      </dsp:nvSpPr>
+      <dsp:spPr>
+        <a:xfrm>
+          <a:off x="0" y="239999"/>
+          <a:ext cx="8092440" cy="695565"/>
+        </a:xfrm>
+        <a:prstGeom prst="roundRect">
+          <a:avLst/>
+        </a:prstGeom>
+        <a:solidFill>
+          <a:schemeClr val="accent1">
+            <a:hueOff val="0"/>
+            <a:satOff val="0"/>
+            <a:lumOff val="0"/>
+            <a:alphaOff val="0"/>
+          </a:schemeClr>
+        </a:solidFill>
+        <a:ln w="12700" cap="flat" cmpd="sng" algn="ctr">
+          <a:solidFill>
+            <a:schemeClr val="lt1">
+              <a:hueOff val="0"/>
+              <a:satOff val="0"/>
+              <a:lumOff val="0"/>
+              <a:alphaOff val="0"/>
+            </a:schemeClr>
+          </a:solidFill>
+          <a:prstDash val="solid"/>
+          <a:miter lim="800000"/>
+        </a:ln>
+        <a:effectLst/>
+      </dsp:spPr>
+      <dsp:style>
+        <a:lnRef idx="2">
+          <a:scrgbClr r="0" g="0" b="0"/>
+        </a:lnRef>
+        <a:fillRef idx="1">
+          <a:scrgbClr r="0" g="0" b="0"/>
+        </a:fillRef>
+        <a:effectRef idx="0">
+          <a:scrgbClr r="0" g="0" b="0"/>
+        </a:effectRef>
+        <a:fontRef idx="minor">
+          <a:schemeClr val="lt1"/>
+        </a:fontRef>
+      </dsp:style>
+      <dsp:txBody>
+        <a:bodyPr spcFirstLastPara="0" vert="horz" wrap="square" lIns="110490" tIns="110490" rIns="110490" bIns="110490" numCol="1" spcCol="1270" anchor="ctr" anchorCtr="0">
+          <a:noAutofit/>
+        </a:bodyPr>
+        <a:lstStyle/>
+        <a:p>
+          <a:pPr lvl="0" algn="l" defTabSz="1289050" rtl="0">
+            <a:lnSpc>
+              <a:spcPct val="90000"/>
+            </a:lnSpc>
+            <a:spcBef>
+              <a:spcPct val="0"/>
+            </a:spcBef>
+            <a:spcAft>
+              <a:spcPct val="35000"/>
+            </a:spcAft>
+          </a:pPr>
+          <a:r>
+            <a:rPr lang="en-US" sz="2900" kern="1200" dirty="0" smtClean="0"/>
+            <a:t>Intensive graphics (games, CADs, …)</a:t>
+          </a:r>
+          <a:endParaRPr lang="ru-RU" sz="2900" kern="1200" dirty="0"/>
+        </a:p>
+      </dsp:txBody>
+      <dsp:txXfrm>
+        <a:off x="33955" y="273954"/>
+        <a:ext cx="8024530" cy="627655"/>
+      </dsp:txXfrm>
+    </dsp:sp>
+    <dsp:sp modelId="{ADD4C7FE-EEBC-47D5-967B-87DFC7ABE732}">
+      <dsp:nvSpPr>
+        <dsp:cNvPr id="0" name=""/>
+        <dsp:cNvSpPr/>
+      </dsp:nvSpPr>
+      <dsp:spPr>
+        <a:xfrm>
+          <a:off x="0" y="1019084"/>
+          <a:ext cx="8092440" cy="695565"/>
+        </a:xfrm>
+        <a:prstGeom prst="roundRect">
+          <a:avLst/>
+        </a:prstGeom>
+        <a:solidFill>
+          <a:schemeClr val="accent1">
+            <a:hueOff val="0"/>
+            <a:satOff val="0"/>
+            <a:lumOff val="0"/>
+            <a:alphaOff val="0"/>
+          </a:schemeClr>
+        </a:solidFill>
+        <a:ln w="12700" cap="flat" cmpd="sng" algn="ctr">
+          <a:solidFill>
+            <a:schemeClr val="lt1">
+              <a:hueOff val="0"/>
+              <a:satOff val="0"/>
+              <a:lumOff val="0"/>
+              <a:alphaOff val="0"/>
+            </a:schemeClr>
+          </a:solidFill>
+          <a:prstDash val="solid"/>
+          <a:miter lim="800000"/>
+        </a:ln>
+        <a:effectLst/>
+      </dsp:spPr>
+      <dsp:style>
+        <a:lnRef idx="2">
+          <a:scrgbClr r="0" g="0" b="0"/>
+        </a:lnRef>
+        <a:fillRef idx="1">
+          <a:scrgbClr r="0" g="0" b="0"/>
+        </a:fillRef>
+        <a:effectRef idx="0">
+          <a:scrgbClr r="0" g="0" b="0"/>
+        </a:effectRef>
+        <a:fontRef idx="minor">
+          <a:schemeClr val="lt1"/>
+        </a:fontRef>
+      </dsp:style>
+      <dsp:txBody>
+        <a:bodyPr spcFirstLastPara="0" vert="horz" wrap="square" lIns="110490" tIns="110490" rIns="110490" bIns="110490" numCol="1" spcCol="1270" anchor="ctr" anchorCtr="0">
+          <a:noAutofit/>
+        </a:bodyPr>
+        <a:lstStyle/>
+        <a:p>
+          <a:pPr lvl="0" algn="l" defTabSz="1289050" rtl="0">
+            <a:lnSpc>
+              <a:spcPct val="90000"/>
+            </a:lnSpc>
+            <a:spcBef>
+              <a:spcPct val="0"/>
+            </a:spcBef>
+            <a:spcAft>
+              <a:spcPct val="35000"/>
+            </a:spcAft>
+          </a:pPr>
+          <a:r>
+            <a:rPr lang="en-US" sz="2900" kern="1200" dirty="0" smtClean="0"/>
+            <a:t>Low level (OS) specific: antiviruses, system tools, … </a:t>
+          </a:r>
+        </a:p>
+      </dsp:txBody>
+      <dsp:txXfrm>
+        <a:off x="33955" y="1053039"/>
+        <a:ext cx="8024530" cy="627655"/>
+      </dsp:txXfrm>
+    </dsp:sp>
+    <dsp:sp modelId="{690DBE5A-0FBE-469C-AF24-AD85B61DBED2}">
+      <dsp:nvSpPr>
+        <dsp:cNvPr id="0" name=""/>
+        <dsp:cNvSpPr/>
+      </dsp:nvSpPr>
+      <dsp:spPr>
+        <a:xfrm>
+          <a:off x="0" y="1798170"/>
+          <a:ext cx="8092440" cy="695565"/>
+        </a:xfrm>
+        <a:prstGeom prst="roundRect">
+          <a:avLst/>
+        </a:prstGeom>
+        <a:solidFill>
+          <a:schemeClr val="accent1">
+            <a:hueOff val="0"/>
+            <a:satOff val="0"/>
+            <a:lumOff val="0"/>
+            <a:alphaOff val="0"/>
+          </a:schemeClr>
+        </a:solidFill>
+        <a:ln w="12700" cap="flat" cmpd="sng" algn="ctr">
+          <a:solidFill>
+            <a:schemeClr val="lt1">
+              <a:hueOff val="0"/>
+              <a:satOff val="0"/>
+              <a:lumOff val="0"/>
+              <a:alphaOff val="0"/>
+            </a:schemeClr>
+          </a:solidFill>
+          <a:prstDash val="solid"/>
+          <a:miter lim="800000"/>
+        </a:ln>
+        <a:effectLst/>
+      </dsp:spPr>
+      <dsp:style>
+        <a:lnRef idx="2">
+          <a:scrgbClr r="0" g="0" b="0"/>
+        </a:lnRef>
+        <a:fillRef idx="1">
+          <a:scrgbClr r="0" g="0" b="0"/>
+        </a:fillRef>
+        <a:effectRef idx="0">
+          <a:scrgbClr r="0" g="0" b="0"/>
+        </a:effectRef>
+        <a:fontRef idx="minor">
+          <a:schemeClr val="lt1"/>
+        </a:fontRef>
+      </dsp:style>
+      <dsp:txBody>
+        <a:bodyPr spcFirstLastPara="0" vert="horz" wrap="square" lIns="110490" tIns="110490" rIns="110490" bIns="110490" numCol="1" spcCol="1270" anchor="ctr" anchorCtr="0">
+          <a:noAutofit/>
+        </a:bodyPr>
+        <a:lstStyle/>
+        <a:p>
+          <a:pPr lvl="0" algn="l" defTabSz="1289050" rtl="0">
+            <a:lnSpc>
+              <a:spcPct val="90000"/>
+            </a:lnSpc>
+            <a:spcBef>
+              <a:spcPct val="0"/>
+            </a:spcBef>
+            <a:spcAft>
+              <a:spcPct val="35000"/>
+            </a:spcAft>
+          </a:pPr>
+          <a:r>
+            <a:rPr lang="en-US" sz="2900" kern="1200" dirty="0" smtClean="0"/>
+            <a:t>Work with hardware: tokens, </a:t>
+          </a:r>
+          <a:r>
+            <a:rPr lang="en-US" sz="2900" kern="1200" dirty="0" err="1" smtClean="0"/>
+            <a:t>IoT</a:t>
+          </a:r>
+          <a:r>
+            <a:rPr lang="en-US" sz="2900" kern="1200" dirty="0" smtClean="0"/>
+            <a:t> development, …</a:t>
+          </a:r>
+        </a:p>
+      </dsp:txBody>
+      <dsp:txXfrm>
+        <a:off x="33955" y="1832125"/>
+        <a:ext cx="8024530" cy="627655"/>
+      </dsp:txXfrm>
+    </dsp:sp>
+    <dsp:sp modelId="{B01A8788-2CF8-4559-9F1E-06D5F8F23030}">
+      <dsp:nvSpPr>
+        <dsp:cNvPr id="0" name=""/>
+        <dsp:cNvSpPr/>
+      </dsp:nvSpPr>
+      <dsp:spPr>
+        <a:xfrm>
+          <a:off x="0" y="2577255"/>
+          <a:ext cx="8092440" cy="695565"/>
+        </a:xfrm>
+        <a:prstGeom prst="roundRect">
+          <a:avLst/>
+        </a:prstGeom>
+        <a:solidFill>
+          <a:schemeClr val="accent1">
+            <a:hueOff val="0"/>
+            <a:satOff val="0"/>
+            <a:lumOff val="0"/>
+            <a:alphaOff val="0"/>
+          </a:schemeClr>
+        </a:solidFill>
+        <a:ln w="12700" cap="flat" cmpd="sng" algn="ctr">
+          <a:solidFill>
+            <a:schemeClr val="lt1">
+              <a:hueOff val="0"/>
+              <a:satOff val="0"/>
+              <a:lumOff val="0"/>
+              <a:alphaOff val="0"/>
+            </a:schemeClr>
+          </a:solidFill>
+          <a:prstDash val="solid"/>
+          <a:miter lim="800000"/>
+        </a:ln>
+        <a:effectLst/>
+      </dsp:spPr>
+      <dsp:style>
+        <a:lnRef idx="2">
+          <a:scrgbClr r="0" g="0" b="0"/>
+        </a:lnRef>
+        <a:fillRef idx="1">
+          <a:scrgbClr r="0" g="0" b="0"/>
+        </a:fillRef>
+        <a:effectRef idx="0">
+          <a:scrgbClr r="0" g="0" b="0"/>
+        </a:effectRef>
+        <a:fontRef idx="minor">
+          <a:schemeClr val="lt1"/>
+        </a:fontRef>
+      </dsp:style>
+      <dsp:txBody>
+        <a:bodyPr spcFirstLastPara="0" vert="horz" wrap="square" lIns="110490" tIns="110490" rIns="110490" bIns="110490" numCol="1" spcCol="1270" anchor="ctr" anchorCtr="0">
+          <a:noAutofit/>
+        </a:bodyPr>
+        <a:lstStyle/>
+        <a:p>
+          <a:pPr lvl="0" algn="l" defTabSz="1289050" rtl="0">
+            <a:lnSpc>
+              <a:spcPct val="90000"/>
+            </a:lnSpc>
+            <a:spcBef>
+              <a:spcPct val="0"/>
+            </a:spcBef>
+            <a:spcAft>
+              <a:spcPct val="35000"/>
+            </a:spcAft>
+          </a:pPr>
+          <a:r>
+            <a:rPr lang="en-US" sz="2900" kern="1200" dirty="0" smtClean="0"/>
+            <a:t>Customer requirements</a:t>
+          </a:r>
+        </a:p>
+      </dsp:txBody>
+      <dsp:txXfrm>
+        <a:off x="33955" y="2611210"/>
+        <a:ext cx="8024530" cy="627655"/>
+      </dsp:txXfrm>
+    </dsp:sp>
+  </dsp:spTree>
+</dsp:drawing>
+</file>
+
+<file path=ppt/diagrams/drawing2.xml><?xml version="1.0" encoding="utf-8"?>
+<dsp:drawing xmlns:dgm="http://schemas.openxmlformats.org/drawingml/2006/diagram" xmlns:dsp="http://schemas.microsoft.com/office/drawing/2008/diagram" xmlns:a="http://schemas.openxmlformats.org/drawingml/2006/main">
+  <dsp:spTree>
+    <dsp:nvGrpSpPr>
+      <dsp:cNvPr id="0" name=""/>
+      <dsp:cNvGrpSpPr/>
+    </dsp:nvGrpSpPr>
+    <dsp:grpSpPr/>
+    <dsp:sp modelId="{FA2B3221-5EB7-465E-96D4-FE9EC71DDCF7}">
+      <dsp:nvSpPr>
+        <dsp:cNvPr id="0" name=""/>
+        <dsp:cNvSpPr/>
+      </dsp:nvSpPr>
+      <dsp:spPr>
+        <a:xfrm>
+          <a:off x="0" y="7822"/>
+          <a:ext cx="8092440" cy="1079325"/>
+        </a:xfrm>
+        <a:prstGeom prst="roundRect">
+          <a:avLst/>
+        </a:prstGeom>
+        <a:solidFill>
+          <a:schemeClr val="accent1">
+            <a:hueOff val="0"/>
+            <a:satOff val="0"/>
+            <a:lumOff val="0"/>
+            <a:alphaOff val="0"/>
+          </a:schemeClr>
+        </a:solidFill>
+        <a:ln w="12700" cap="flat" cmpd="sng" algn="ctr">
+          <a:solidFill>
+            <a:schemeClr val="lt1">
+              <a:hueOff val="0"/>
+              <a:satOff val="0"/>
+              <a:lumOff val="0"/>
+              <a:alphaOff val="0"/>
+            </a:schemeClr>
+          </a:solidFill>
+          <a:prstDash val="solid"/>
+          <a:miter lim="800000"/>
+        </a:ln>
+        <a:effectLst/>
+      </dsp:spPr>
+      <dsp:style>
+        <a:lnRef idx="2">
+          <a:scrgbClr r="0" g="0" b="0"/>
+        </a:lnRef>
+        <a:fillRef idx="1">
+          <a:scrgbClr r="0" g="0" b="0"/>
+        </a:fillRef>
+        <a:effectRef idx="0">
+          <a:scrgbClr r="0" g="0" b="0"/>
+        </a:effectRef>
+        <a:fontRef idx="minor">
+          <a:schemeClr val="lt1"/>
+        </a:fontRef>
+      </dsp:style>
+      <dsp:txBody>
+        <a:bodyPr spcFirstLastPara="0" vert="horz" wrap="square" lIns="171450" tIns="171450" rIns="171450" bIns="171450" numCol="1" spcCol="1270" anchor="ctr" anchorCtr="0">
+          <a:noAutofit/>
+        </a:bodyPr>
+        <a:lstStyle/>
+        <a:p>
+          <a:pPr lvl="0" algn="l" defTabSz="2000250" rtl="0">
+            <a:lnSpc>
+              <a:spcPct val="90000"/>
+            </a:lnSpc>
+            <a:spcBef>
+              <a:spcPct val="0"/>
+            </a:spcBef>
+            <a:spcAft>
+              <a:spcPct val="35000"/>
+            </a:spcAft>
+          </a:pPr>
+          <a:r>
+            <a:rPr lang="en-US" sz="4500" kern="1200" dirty="0" smtClean="0"/>
+            <a:t>Available code</a:t>
+          </a:r>
+          <a:endParaRPr lang="ru-RU" sz="4500" kern="1200" dirty="0"/>
+        </a:p>
+      </dsp:txBody>
+      <dsp:txXfrm>
+        <a:off x="52688" y="60510"/>
+        <a:ext cx="7987064" cy="973949"/>
+      </dsp:txXfrm>
+    </dsp:sp>
+    <dsp:sp modelId="{ADD4C7FE-EEBC-47D5-967B-87DFC7ABE732}">
+      <dsp:nvSpPr>
+        <dsp:cNvPr id="0" name=""/>
+        <dsp:cNvSpPr/>
+      </dsp:nvSpPr>
+      <dsp:spPr>
+        <a:xfrm>
+          <a:off x="0" y="1216747"/>
+          <a:ext cx="8092440" cy="1079325"/>
+        </a:xfrm>
+        <a:prstGeom prst="roundRect">
+          <a:avLst/>
+        </a:prstGeom>
+        <a:solidFill>
+          <a:schemeClr val="accent1">
+            <a:hueOff val="0"/>
+            <a:satOff val="0"/>
+            <a:lumOff val="0"/>
+            <a:alphaOff val="0"/>
+          </a:schemeClr>
+        </a:solidFill>
+        <a:ln w="12700" cap="flat" cmpd="sng" algn="ctr">
+          <a:solidFill>
+            <a:schemeClr val="lt1">
+              <a:hueOff val="0"/>
+              <a:satOff val="0"/>
+              <a:lumOff val="0"/>
+              <a:alphaOff val="0"/>
+            </a:schemeClr>
+          </a:solidFill>
+          <a:prstDash val="solid"/>
+          <a:miter lim="800000"/>
+        </a:ln>
+        <a:effectLst/>
+      </dsp:spPr>
+      <dsp:style>
+        <a:lnRef idx="2">
+          <a:scrgbClr r="0" g="0" b="0"/>
+        </a:lnRef>
+        <a:fillRef idx="1">
+          <a:scrgbClr r="0" g="0" b="0"/>
+        </a:fillRef>
+        <a:effectRef idx="0">
+          <a:scrgbClr r="0" g="0" b="0"/>
+        </a:effectRef>
+        <a:fontRef idx="minor">
+          <a:schemeClr val="lt1"/>
+        </a:fontRef>
+      </dsp:style>
+      <dsp:txBody>
+        <a:bodyPr spcFirstLastPara="0" vert="horz" wrap="square" lIns="171450" tIns="171450" rIns="171450" bIns="171450" numCol="1" spcCol="1270" anchor="ctr" anchorCtr="0">
+          <a:noAutofit/>
+        </a:bodyPr>
+        <a:lstStyle/>
+        <a:p>
+          <a:pPr lvl="0" algn="l" defTabSz="2000250" rtl="0">
+            <a:lnSpc>
+              <a:spcPct val="90000"/>
+            </a:lnSpc>
+            <a:spcBef>
+              <a:spcPct val="0"/>
+            </a:spcBef>
+            <a:spcAft>
+              <a:spcPct val="35000"/>
+            </a:spcAft>
+          </a:pPr>
+          <a:r>
+            <a:rPr lang="en-US" sz="4500" kern="1200" dirty="0" err="1" smtClean="0"/>
+            <a:t>.</a:t>
+          </a:r>
+          <a:r>
+            <a:rPr lang="en-US" sz="4500" kern="1200" err="1" smtClean="0"/>
+            <a:t>Net</a:t>
+          </a:r>
+          <a:r>
+            <a:rPr lang="en-US" sz="4500" kern="1200" smtClean="0"/>
+            <a:t>-only library/API</a:t>
+          </a:r>
+          <a:endParaRPr lang="en-US" sz="4500" kern="1200" dirty="0" smtClean="0"/>
+        </a:p>
+      </dsp:txBody>
+      <dsp:txXfrm>
+        <a:off x="52688" y="1269435"/>
+        <a:ext cx="7987064" cy="973949"/>
+      </dsp:txXfrm>
+    </dsp:sp>
+    <dsp:sp modelId="{CF3BEEB0-6089-4276-9B5D-97CB4F6D9CBE}">
+      <dsp:nvSpPr>
+        <dsp:cNvPr id="0" name=""/>
+        <dsp:cNvSpPr/>
+      </dsp:nvSpPr>
+      <dsp:spPr>
+        <a:xfrm>
+          <a:off x="0" y="2425672"/>
+          <a:ext cx="8092440" cy="1079325"/>
+        </a:xfrm>
+        <a:prstGeom prst="roundRect">
+          <a:avLst/>
+        </a:prstGeom>
+        <a:solidFill>
+          <a:schemeClr val="accent1">
+            <a:hueOff val="0"/>
+            <a:satOff val="0"/>
+            <a:lumOff val="0"/>
+            <a:alphaOff val="0"/>
+          </a:schemeClr>
+        </a:solidFill>
+        <a:ln w="12700" cap="flat" cmpd="sng" algn="ctr">
+          <a:solidFill>
+            <a:schemeClr val="lt1">
+              <a:hueOff val="0"/>
+              <a:satOff val="0"/>
+              <a:lumOff val="0"/>
+              <a:alphaOff val="0"/>
+            </a:schemeClr>
+          </a:solidFill>
+          <a:prstDash val="solid"/>
+          <a:miter lim="800000"/>
+        </a:ln>
+        <a:effectLst/>
+      </dsp:spPr>
+      <dsp:style>
+        <a:lnRef idx="2">
+          <a:scrgbClr r="0" g="0" b="0"/>
+        </a:lnRef>
+        <a:fillRef idx="1">
+          <a:scrgbClr r="0" g="0" b="0"/>
+        </a:fillRef>
+        <a:effectRef idx="0">
+          <a:scrgbClr r="0" g="0" b="0"/>
+        </a:effectRef>
+        <a:fontRef idx="minor">
+          <a:schemeClr val="lt1"/>
+        </a:fontRef>
+      </dsp:style>
+      <dsp:txBody>
+        <a:bodyPr spcFirstLastPara="0" vert="horz" wrap="square" lIns="171450" tIns="171450" rIns="171450" bIns="171450" numCol="1" spcCol="1270" anchor="ctr" anchorCtr="0">
+          <a:noAutofit/>
+        </a:bodyPr>
+        <a:lstStyle/>
+        <a:p>
+          <a:pPr lvl="0" algn="l" defTabSz="2000250" rtl="0">
+            <a:lnSpc>
+              <a:spcPct val="90000"/>
+            </a:lnSpc>
+            <a:spcBef>
+              <a:spcPct val="0"/>
+            </a:spcBef>
+            <a:spcAft>
+              <a:spcPct val="35000"/>
+            </a:spcAft>
+          </a:pPr>
+          <a:r>
+            <a:rPr lang="en-US" sz="4500" kern="1200" dirty="0" err="1" smtClean="0"/>
+            <a:t>.Net</a:t>
+          </a:r>
+          <a:r>
+            <a:rPr lang="en-US" sz="4500" kern="1200" dirty="0" smtClean="0"/>
+            <a:t> team</a:t>
+          </a:r>
+        </a:p>
+      </dsp:txBody>
+      <dsp:txXfrm>
+        <a:off x="52688" y="2478360"/>
+        <a:ext cx="7987064" cy="973949"/>
+      </dsp:txXfrm>
+    </dsp:sp>
+  </dsp:spTree>
+</dsp:drawing>
+</file>
+
+<file path=ppt/diagrams/drawing3.xml><?xml version="1.0" encoding="utf-8"?>
 <dsp:drawing xmlns:dgm="http://schemas.openxmlformats.org/drawingml/2006/diagram" xmlns:dsp="http://schemas.microsoft.com/office/drawing/2008/diagram" xmlns:a="http://schemas.openxmlformats.org/drawingml/2006/main">
   <dsp:spTree>
     <dsp:nvGrpSpPr>
@@ -2668,6 +5241,340 @@
 </file>
 
 <file path=ppt/diagrams/layout1.xml><?xml version="1.0" encoding="utf-8"?>
+<dgm:layoutDef xmlns:dgm="http://schemas.openxmlformats.org/drawingml/2006/diagram" xmlns:a="http://schemas.openxmlformats.org/drawingml/2006/main" uniqueId="urn:microsoft.com/office/officeart/2005/8/layout/vList2">
+  <dgm:title val=""/>
+  <dgm:desc val=""/>
+  <dgm:catLst>
+    <dgm:cat type="list" pri="3000"/>
+    <dgm:cat type="convert" pri="1000"/>
+  </dgm:catLst>
+  <dgm:sampData>
+    <dgm:dataModel>
+      <dgm:ptLst>
+        <dgm:pt modelId="0" type="doc"/>
+        <dgm:pt modelId="1">
+          <dgm:prSet phldr="1"/>
+        </dgm:pt>
+        <dgm:pt modelId="11">
+          <dgm:prSet phldr="1"/>
+        </dgm:pt>
+        <dgm:pt modelId="2">
+          <dgm:prSet phldr="1"/>
+        </dgm:pt>
+        <dgm:pt modelId="21">
+          <dgm:prSet phldr="1"/>
+        </dgm:pt>
+      </dgm:ptLst>
+      <dgm:cxnLst>
+        <dgm:cxn modelId="4" srcId="0" destId="1" srcOrd="0" destOrd="0"/>
+        <dgm:cxn modelId="5" srcId="0" destId="2" srcOrd="1" destOrd="0"/>
+        <dgm:cxn modelId="12" srcId="1" destId="11" srcOrd="0" destOrd="0"/>
+        <dgm:cxn modelId="23" srcId="2" destId="21" srcOrd="0" destOrd="0"/>
+      </dgm:cxnLst>
+      <dgm:bg/>
+      <dgm:whole/>
+    </dgm:dataModel>
+  </dgm:sampData>
+  <dgm:styleData>
+    <dgm:dataModel>
+      <dgm:ptLst>
+        <dgm:pt modelId="0" type="doc"/>
+        <dgm:pt modelId="1"/>
+        <dgm:pt modelId="2"/>
+      </dgm:ptLst>
+      <dgm:cxnLst>
+        <dgm:cxn modelId="3" srcId="0" destId="1" srcOrd="0" destOrd="0"/>
+        <dgm:cxn modelId="4" srcId="0" destId="2" srcOrd="1" destOrd="0"/>
+      </dgm:cxnLst>
+      <dgm:bg/>
+      <dgm:whole/>
+    </dgm:dataModel>
+  </dgm:styleData>
+  <dgm:clrData>
+    <dgm:dataModel>
+      <dgm:ptLst>
+        <dgm:pt modelId="0" type="doc"/>
+        <dgm:pt modelId="1"/>
+        <dgm:pt modelId="2"/>
+        <dgm:pt modelId="3"/>
+        <dgm:pt modelId="4"/>
+      </dgm:ptLst>
+      <dgm:cxnLst>
+        <dgm:cxn modelId="5" srcId="0" destId="1" srcOrd="0" destOrd="0"/>
+        <dgm:cxn modelId="6" srcId="0" destId="2" srcOrd="1" destOrd="0"/>
+        <dgm:cxn modelId="7" srcId="0" destId="3" srcOrd="2" destOrd="0"/>
+        <dgm:cxn modelId="8" srcId="0" destId="4" srcOrd="3" destOrd="0"/>
+      </dgm:cxnLst>
+      <dgm:bg/>
+      <dgm:whole/>
+    </dgm:dataModel>
+  </dgm:clrData>
+  <dgm:layoutNode name="linear">
+    <dgm:varLst>
+      <dgm:animLvl val="lvl"/>
+      <dgm:resizeHandles val="exact"/>
+    </dgm:varLst>
+    <dgm:alg type="lin">
+      <dgm:param type="linDir" val="fromT"/>
+      <dgm:param type="vertAlign" val="mid"/>
+    </dgm:alg>
+    <dgm:shape xmlns:r="http://schemas.openxmlformats.org/officeDocument/2006/relationships" r:blip="">
+      <dgm:adjLst/>
+    </dgm:shape>
+    <dgm:presOf/>
+    <dgm:constrLst>
+      <dgm:constr type="w" for="ch" forName="parentText" refType="w"/>
+      <dgm:constr type="h" for="ch" forName="parentText" refType="primFontSz" refFor="ch" refForName="parentText" fact="0.52"/>
+      <dgm:constr type="w" for="ch" forName="childText" refType="w"/>
+      <dgm:constr type="h" for="ch" forName="childText" refType="primFontSz" refFor="ch" refForName="parentText" fact="0.46"/>
+      <dgm:constr type="h" for="ch" forName="parentText" op="equ"/>
+      <dgm:constr type="primFontSz" for="ch" forName="parentText" op="equ" val="65"/>
+      <dgm:constr type="primFontSz" for="ch" forName="childText" refType="primFontSz" refFor="ch" refForName="parentText" op="equ"/>
+      <dgm:constr type="h" for="ch" forName="spacer" refType="primFontSz" refFor="ch" refForName="parentText" fact="0.08"/>
+    </dgm:constrLst>
+    <dgm:ruleLst>
+      <dgm:rule type="primFontSz" for="ch" forName="parentText" val="5" fact="NaN" max="NaN"/>
+    </dgm:ruleLst>
+    <dgm:forEach name="Name0" axis="ch" ptType="node">
+      <dgm:layoutNode name="parentText" styleLbl="node1">
+        <dgm:varLst>
+          <dgm:chMax val="0"/>
+          <dgm:bulletEnabled val="1"/>
+        </dgm:varLst>
+        <dgm:alg type="tx">
+          <dgm:param type="parTxLTRAlign" val="l"/>
+          <dgm:param type="parTxRTLAlign" val="r"/>
+        </dgm:alg>
+        <dgm:shape xmlns:r="http://schemas.openxmlformats.org/officeDocument/2006/relationships" type="roundRect" r:blip="">
+          <dgm:adjLst/>
+        </dgm:shape>
+        <dgm:presOf axis="self"/>
+        <dgm:constrLst>
+          <dgm:constr type="tMarg" refType="primFontSz" fact="0.3"/>
+          <dgm:constr type="bMarg" refType="primFontSz" fact="0.3"/>
+          <dgm:constr type="lMarg" refType="primFontSz" fact="0.3"/>
+          <dgm:constr type="rMarg" refType="primFontSz" fact="0.3"/>
+        </dgm:constrLst>
+        <dgm:ruleLst>
+          <dgm:rule type="h" val="INF" fact="NaN" max="NaN"/>
+        </dgm:ruleLst>
+      </dgm:layoutNode>
+      <dgm:choose name="Name1">
+        <dgm:if name="Name2" axis="ch" ptType="node" func="cnt" op="gte" val="1">
+          <dgm:layoutNode name="childText" styleLbl="revTx">
+            <dgm:varLst>
+              <dgm:bulletEnabled val="1"/>
+            </dgm:varLst>
+            <dgm:alg type="tx">
+              <dgm:param type="stBulletLvl" val="1"/>
+              <dgm:param type="lnSpAfChP" val="20"/>
+            </dgm:alg>
+            <dgm:shape xmlns:r="http://schemas.openxmlformats.org/officeDocument/2006/relationships" type="rect" r:blip="">
+              <dgm:adjLst/>
+            </dgm:shape>
+            <dgm:presOf axis="des" ptType="node"/>
+            <dgm:constrLst>
+              <dgm:constr type="tMarg" refType="primFontSz" fact="0.1"/>
+              <dgm:constr type="bMarg" refType="primFontSz" fact="0.1"/>
+              <dgm:constr type="lMarg" refType="w" fact="0.09"/>
+            </dgm:constrLst>
+            <dgm:ruleLst>
+              <dgm:rule type="h" val="INF" fact="NaN" max="NaN"/>
+            </dgm:ruleLst>
+          </dgm:layoutNode>
+        </dgm:if>
+        <dgm:else name="Name3">
+          <dgm:choose name="Name4">
+            <dgm:if name="Name5" axis="par ch" ptType="doc node" func="cnt" op="gte" val="2">
+              <dgm:forEach name="Name6" axis="followSib" ptType="sibTrans" cnt="1">
+                <dgm:layoutNode name="spacer">
+                  <dgm:alg type="sp"/>
+                  <dgm:shape xmlns:r="http://schemas.openxmlformats.org/officeDocument/2006/relationships" r:blip="">
+                    <dgm:adjLst/>
+                  </dgm:shape>
+                  <dgm:presOf/>
+                  <dgm:constrLst/>
+                  <dgm:ruleLst/>
+                </dgm:layoutNode>
+              </dgm:forEach>
+            </dgm:if>
+            <dgm:else name="Name7"/>
+          </dgm:choose>
+        </dgm:else>
+      </dgm:choose>
+    </dgm:forEach>
+  </dgm:layoutNode>
+</dgm:layoutDef>
+</file>
+
+<file path=ppt/diagrams/layout2.xml><?xml version="1.0" encoding="utf-8"?>
+<dgm:layoutDef xmlns:dgm="http://schemas.openxmlformats.org/drawingml/2006/diagram" xmlns:a="http://schemas.openxmlformats.org/drawingml/2006/main" uniqueId="urn:microsoft.com/office/officeart/2005/8/layout/vList2">
+  <dgm:title val=""/>
+  <dgm:desc val=""/>
+  <dgm:catLst>
+    <dgm:cat type="list" pri="3000"/>
+    <dgm:cat type="convert" pri="1000"/>
+  </dgm:catLst>
+  <dgm:sampData>
+    <dgm:dataModel>
+      <dgm:ptLst>
+        <dgm:pt modelId="0" type="doc"/>
+        <dgm:pt modelId="1">
+          <dgm:prSet phldr="1"/>
+        </dgm:pt>
+        <dgm:pt modelId="11">
+          <dgm:prSet phldr="1"/>
+        </dgm:pt>
+        <dgm:pt modelId="2">
+          <dgm:prSet phldr="1"/>
+        </dgm:pt>
+        <dgm:pt modelId="21">
+          <dgm:prSet phldr="1"/>
+        </dgm:pt>
+      </dgm:ptLst>
+      <dgm:cxnLst>
+        <dgm:cxn modelId="4" srcId="0" destId="1" srcOrd="0" destOrd="0"/>
+        <dgm:cxn modelId="5" srcId="0" destId="2" srcOrd="1" destOrd="0"/>
+        <dgm:cxn modelId="12" srcId="1" destId="11" srcOrd="0" destOrd="0"/>
+        <dgm:cxn modelId="23" srcId="2" destId="21" srcOrd="0" destOrd="0"/>
+      </dgm:cxnLst>
+      <dgm:bg/>
+      <dgm:whole/>
+    </dgm:dataModel>
+  </dgm:sampData>
+  <dgm:styleData>
+    <dgm:dataModel>
+      <dgm:ptLst>
+        <dgm:pt modelId="0" type="doc"/>
+        <dgm:pt modelId="1"/>
+        <dgm:pt modelId="2"/>
+      </dgm:ptLst>
+      <dgm:cxnLst>
+        <dgm:cxn modelId="3" srcId="0" destId="1" srcOrd="0" destOrd="0"/>
+        <dgm:cxn modelId="4" srcId="0" destId="2" srcOrd="1" destOrd="0"/>
+      </dgm:cxnLst>
+      <dgm:bg/>
+      <dgm:whole/>
+    </dgm:dataModel>
+  </dgm:styleData>
+  <dgm:clrData>
+    <dgm:dataModel>
+      <dgm:ptLst>
+        <dgm:pt modelId="0" type="doc"/>
+        <dgm:pt modelId="1"/>
+        <dgm:pt modelId="2"/>
+        <dgm:pt modelId="3"/>
+        <dgm:pt modelId="4"/>
+      </dgm:ptLst>
+      <dgm:cxnLst>
+        <dgm:cxn modelId="5" srcId="0" destId="1" srcOrd="0" destOrd="0"/>
+        <dgm:cxn modelId="6" srcId="0" destId="2" srcOrd="1" destOrd="0"/>
+        <dgm:cxn modelId="7" srcId="0" destId="3" srcOrd="2" destOrd="0"/>
+        <dgm:cxn modelId="8" srcId="0" destId="4" srcOrd="3" destOrd="0"/>
+      </dgm:cxnLst>
+      <dgm:bg/>
+      <dgm:whole/>
+    </dgm:dataModel>
+  </dgm:clrData>
+  <dgm:layoutNode name="linear">
+    <dgm:varLst>
+      <dgm:animLvl val="lvl"/>
+      <dgm:resizeHandles val="exact"/>
+    </dgm:varLst>
+    <dgm:alg type="lin">
+      <dgm:param type="linDir" val="fromT"/>
+      <dgm:param type="vertAlign" val="mid"/>
+    </dgm:alg>
+    <dgm:shape xmlns:r="http://schemas.openxmlformats.org/officeDocument/2006/relationships" r:blip="">
+      <dgm:adjLst/>
+    </dgm:shape>
+    <dgm:presOf/>
+    <dgm:constrLst>
+      <dgm:constr type="w" for="ch" forName="parentText" refType="w"/>
+      <dgm:constr type="h" for="ch" forName="parentText" refType="primFontSz" refFor="ch" refForName="parentText" fact="0.52"/>
+      <dgm:constr type="w" for="ch" forName="childText" refType="w"/>
+      <dgm:constr type="h" for="ch" forName="childText" refType="primFontSz" refFor="ch" refForName="parentText" fact="0.46"/>
+      <dgm:constr type="h" for="ch" forName="parentText" op="equ"/>
+      <dgm:constr type="primFontSz" for="ch" forName="parentText" op="equ" val="65"/>
+      <dgm:constr type="primFontSz" for="ch" forName="childText" refType="primFontSz" refFor="ch" refForName="parentText" op="equ"/>
+      <dgm:constr type="h" for="ch" forName="spacer" refType="primFontSz" refFor="ch" refForName="parentText" fact="0.08"/>
+    </dgm:constrLst>
+    <dgm:ruleLst>
+      <dgm:rule type="primFontSz" for="ch" forName="parentText" val="5" fact="NaN" max="NaN"/>
+    </dgm:ruleLst>
+    <dgm:forEach name="Name0" axis="ch" ptType="node">
+      <dgm:layoutNode name="parentText" styleLbl="node1">
+        <dgm:varLst>
+          <dgm:chMax val="0"/>
+          <dgm:bulletEnabled val="1"/>
+        </dgm:varLst>
+        <dgm:alg type="tx">
+          <dgm:param type="parTxLTRAlign" val="l"/>
+          <dgm:param type="parTxRTLAlign" val="r"/>
+        </dgm:alg>
+        <dgm:shape xmlns:r="http://schemas.openxmlformats.org/officeDocument/2006/relationships" type="roundRect" r:blip="">
+          <dgm:adjLst/>
+        </dgm:shape>
+        <dgm:presOf axis="self"/>
+        <dgm:constrLst>
+          <dgm:constr type="tMarg" refType="primFontSz" fact="0.3"/>
+          <dgm:constr type="bMarg" refType="primFontSz" fact="0.3"/>
+          <dgm:constr type="lMarg" refType="primFontSz" fact="0.3"/>
+          <dgm:constr type="rMarg" refType="primFontSz" fact="0.3"/>
+        </dgm:constrLst>
+        <dgm:ruleLst>
+          <dgm:rule type="h" val="INF" fact="NaN" max="NaN"/>
+        </dgm:ruleLst>
+      </dgm:layoutNode>
+      <dgm:choose name="Name1">
+        <dgm:if name="Name2" axis="ch" ptType="node" func="cnt" op="gte" val="1">
+          <dgm:layoutNode name="childText" styleLbl="revTx">
+            <dgm:varLst>
+              <dgm:bulletEnabled val="1"/>
+            </dgm:varLst>
+            <dgm:alg type="tx">
+              <dgm:param type="stBulletLvl" val="1"/>
+              <dgm:param type="lnSpAfChP" val="20"/>
+            </dgm:alg>
+            <dgm:shape xmlns:r="http://schemas.openxmlformats.org/officeDocument/2006/relationships" type="rect" r:blip="">
+              <dgm:adjLst/>
+            </dgm:shape>
+            <dgm:presOf axis="des" ptType="node"/>
+            <dgm:constrLst>
+              <dgm:constr type="tMarg" refType="primFontSz" fact="0.1"/>
+              <dgm:constr type="bMarg" refType="primFontSz" fact="0.1"/>
+              <dgm:constr type="lMarg" refType="w" fact="0.09"/>
+            </dgm:constrLst>
+            <dgm:ruleLst>
+              <dgm:rule type="h" val="INF" fact="NaN" max="NaN"/>
+            </dgm:ruleLst>
+          </dgm:layoutNode>
+        </dgm:if>
+        <dgm:else name="Name3">
+          <dgm:choose name="Name4">
+            <dgm:if name="Name5" axis="par ch" ptType="doc node" func="cnt" op="gte" val="2">
+              <dgm:forEach name="Name6" axis="followSib" ptType="sibTrans" cnt="1">
+                <dgm:layoutNode name="spacer">
+                  <dgm:alg type="sp"/>
+                  <dgm:shape xmlns:r="http://schemas.openxmlformats.org/officeDocument/2006/relationships" r:blip="">
+                    <dgm:adjLst/>
+                  </dgm:shape>
+                  <dgm:presOf/>
+                  <dgm:constrLst/>
+                  <dgm:ruleLst/>
+                </dgm:layoutNode>
+              </dgm:forEach>
+            </dgm:if>
+            <dgm:else name="Name7"/>
+          </dgm:choose>
+        </dgm:else>
+      </dgm:choose>
+    </dgm:forEach>
+  </dgm:layoutNode>
+</dgm:layoutDef>
+</file>
+
+<file path=ppt/diagrams/layout3.xml><?xml version="1.0" encoding="utf-8"?>
 <dgm:layoutDef xmlns:dgm="http://schemas.openxmlformats.org/drawingml/2006/diagram" xmlns:a="http://schemas.openxmlformats.org/drawingml/2006/main" uniqueId="urn:microsoft.com/office/officeart/2005/8/layout/lProcess2">
   <dgm:title val=""/>
   <dgm:desc val=""/>
@@ -2895,6 +5802,2074 @@
 </file>
 
 <file path=ppt/diagrams/quickStyle1.xml><?xml version="1.0" encoding="utf-8"?>
+<dgm:styleDef xmlns:dgm="http://schemas.openxmlformats.org/drawingml/2006/diagram" xmlns:a="http://schemas.openxmlformats.org/drawingml/2006/main" uniqueId="urn:microsoft.com/office/officeart/2005/8/quickstyle/simple1">
+  <dgm:title val=""/>
+  <dgm:desc val=""/>
+  <dgm:catLst>
+    <dgm:cat type="simple" pri="10100"/>
+  </dgm:catLst>
+  <dgm:scene3d>
+    <a:camera prst="orthographicFront"/>
+    <a:lightRig rig="threePt" dir="t"/>
+  </dgm:scene3d>
+  <dgm:styleLbl name="node0">
+    <dgm:scene3d>
+      <a:camera prst="orthographicFront"/>
+      <a:lightRig rig="threePt" dir="t"/>
+    </dgm:scene3d>
+    <dgm:sp3d/>
+    <dgm:txPr/>
+    <dgm:style>
+      <a:lnRef idx="2">
+        <a:scrgbClr r="0" g="0" b="0"/>
+      </a:lnRef>
+      <a:fillRef idx="1">
+        <a:scrgbClr r="0" g="0" b="0"/>
+      </a:fillRef>
+      <a:effectRef idx="0">
+        <a:scrgbClr r="0" g="0" b="0"/>
+      </a:effectRef>
+      <a:fontRef idx="minor">
+        <a:schemeClr val="lt1"/>
+      </a:fontRef>
+    </dgm:style>
+  </dgm:styleLbl>
+  <dgm:styleLbl name="lnNode1">
+    <dgm:scene3d>
+      <a:camera prst="orthographicFront"/>
+      <a:lightRig rig="threePt" dir="t"/>
+    </dgm:scene3d>
+    <dgm:sp3d/>
+    <dgm:txPr/>
+    <dgm:style>
+      <a:lnRef idx="2">
+        <a:scrgbClr r="0" g="0" b="0"/>
+      </a:lnRef>
+      <a:fillRef idx="1">
+        <a:scrgbClr r="0" g="0" b="0"/>
+      </a:fillRef>
+      <a:effectRef idx="0">
+        <a:scrgbClr r="0" g="0" b="0"/>
+      </a:effectRef>
+      <a:fontRef idx="minor">
+        <a:schemeClr val="lt1"/>
+      </a:fontRef>
+    </dgm:style>
+  </dgm:styleLbl>
+  <dgm:styleLbl name="vennNode1">
+    <dgm:scene3d>
+      <a:camera prst="orthographicFront"/>
+      <a:lightRig rig="threePt" dir="t"/>
+    </dgm:scene3d>
+    <dgm:sp3d/>
+    <dgm:txPr/>
+    <dgm:style>
+      <a:lnRef idx="2">
+        <a:scrgbClr r="0" g="0" b="0"/>
+      </a:lnRef>
+      <a:fillRef idx="1">
+        <a:scrgbClr r="0" g="0" b="0"/>
+      </a:fillRef>
+      <a:effectRef idx="0">
+        <a:scrgbClr r="0" g="0" b="0"/>
+      </a:effectRef>
+      <a:fontRef idx="minor">
+        <a:schemeClr val="tx1"/>
+      </a:fontRef>
+    </dgm:style>
+  </dgm:styleLbl>
+  <dgm:styleLbl name="alignNode1">
+    <dgm:scene3d>
+      <a:camera prst="orthographicFront"/>
+      <a:lightRig rig="threePt" dir="t"/>
+    </dgm:scene3d>
+    <dgm:sp3d/>
+    <dgm:txPr/>
+    <dgm:style>
+      <a:lnRef idx="2">
+        <a:scrgbClr r="0" g="0" b="0"/>
+      </a:lnRef>
+      <a:fillRef idx="1">
+        <a:scrgbClr r="0" g="0" b="0"/>
+      </a:fillRef>
+      <a:effectRef idx="0">
+        <a:scrgbClr r="0" g="0" b="0"/>
+      </a:effectRef>
+      <a:fontRef idx="minor">
+        <a:schemeClr val="lt1"/>
+      </a:fontRef>
+    </dgm:style>
+  </dgm:styleLbl>
+  <dgm:styleLbl name="node1">
+    <dgm:scene3d>
+      <a:camera prst="orthographicFront"/>
+      <a:lightRig rig="threePt" dir="t"/>
+    </dgm:scene3d>
+    <dgm:sp3d/>
+    <dgm:txPr/>
+    <dgm:style>
+      <a:lnRef idx="2">
+        <a:scrgbClr r="0" g="0" b="0"/>
+      </a:lnRef>
+      <a:fillRef idx="1">
+        <a:scrgbClr r="0" g="0" b="0"/>
+      </a:fillRef>
+      <a:effectRef idx="0">
+        <a:scrgbClr r="0" g="0" b="0"/>
+      </a:effectRef>
+      <a:fontRef idx="minor">
+        <a:schemeClr val="lt1"/>
+      </a:fontRef>
+    </dgm:style>
+  </dgm:styleLbl>
+  <dgm:styleLbl name="node2">
+    <dgm:scene3d>
+      <a:camera prst="orthographicFront"/>
+      <a:lightRig rig="threePt" dir="t"/>
+    </dgm:scene3d>
+    <dgm:sp3d/>
+    <dgm:txPr/>
+    <dgm:style>
+      <a:lnRef idx="2">
+        <a:scrgbClr r="0" g="0" b="0"/>
+      </a:lnRef>
+      <a:fillRef idx="1">
+        <a:scrgbClr r="0" g="0" b="0"/>
+      </a:fillRef>
+      <a:effectRef idx="0">
+        <a:scrgbClr r="0" g="0" b="0"/>
+      </a:effectRef>
+      <a:fontRef idx="minor">
+        <a:schemeClr val="lt1"/>
+      </a:fontRef>
+    </dgm:style>
+  </dgm:styleLbl>
+  <dgm:styleLbl name="node3">
+    <dgm:scene3d>
+      <a:camera prst="orthographicFront"/>
+      <a:lightRig rig="threePt" dir="t"/>
+    </dgm:scene3d>
+    <dgm:sp3d/>
+    <dgm:txPr/>
+    <dgm:style>
+      <a:lnRef idx="2">
+        <a:scrgbClr r="0" g="0" b="0"/>
+      </a:lnRef>
+      <a:fillRef idx="1">
+        <a:scrgbClr r="0" g="0" b="0"/>
+      </a:fillRef>
+      <a:effectRef idx="0">
+        <a:scrgbClr r="0" g="0" b="0"/>
+      </a:effectRef>
+      <a:fontRef idx="minor">
+        <a:schemeClr val="lt1"/>
+      </a:fontRef>
+    </dgm:style>
+  </dgm:styleLbl>
+  <dgm:styleLbl name="node4">
+    <dgm:scene3d>
+      <a:camera prst="orthographicFront"/>
+      <a:lightRig rig="threePt" dir="t"/>
+    </dgm:scene3d>
+    <dgm:sp3d/>
+    <dgm:txPr/>
+    <dgm:style>
+      <a:lnRef idx="2">
+        <a:scrgbClr r="0" g="0" b="0"/>
+      </a:lnRef>
+      <a:fillRef idx="1">
+        <a:scrgbClr r="0" g="0" b="0"/>
+      </a:fillRef>
+      <a:effectRef idx="0">
+        <a:scrgbClr r="0" g="0" b="0"/>
+      </a:effectRef>
+      <a:fontRef idx="minor">
+        <a:schemeClr val="lt1"/>
+      </a:fontRef>
+    </dgm:style>
+  </dgm:styleLbl>
+  <dgm:styleLbl name="fgImgPlace1">
+    <dgm:scene3d>
+      <a:camera prst="orthographicFront"/>
+      <a:lightRig rig="threePt" dir="t"/>
+    </dgm:scene3d>
+    <dgm:sp3d/>
+    <dgm:txPr/>
+    <dgm:style>
+      <a:lnRef idx="2">
+        <a:scrgbClr r="0" g="0" b="0"/>
+      </a:lnRef>
+      <a:fillRef idx="1">
+        <a:scrgbClr r="0" g="0" b="0"/>
+      </a:fillRef>
+      <a:effectRef idx="0">
+        <a:scrgbClr r="0" g="0" b="0"/>
+      </a:effectRef>
+      <a:fontRef idx="minor"/>
+    </dgm:style>
+  </dgm:styleLbl>
+  <dgm:styleLbl name="alignImgPlace1">
+    <dgm:scene3d>
+      <a:camera prst="orthographicFront"/>
+      <a:lightRig rig="threePt" dir="t"/>
+    </dgm:scene3d>
+    <dgm:sp3d/>
+    <dgm:txPr/>
+    <dgm:style>
+      <a:lnRef idx="2">
+        <a:scrgbClr r="0" g="0" b="0"/>
+      </a:lnRef>
+      <a:fillRef idx="1">
+        <a:scrgbClr r="0" g="0" b="0"/>
+      </a:fillRef>
+      <a:effectRef idx="0">
+        <a:scrgbClr r="0" g="0" b="0"/>
+      </a:effectRef>
+      <a:fontRef idx="minor"/>
+    </dgm:style>
+  </dgm:styleLbl>
+  <dgm:styleLbl name="bgImgPlace1">
+    <dgm:scene3d>
+      <a:camera prst="orthographicFront"/>
+      <a:lightRig rig="threePt" dir="t"/>
+    </dgm:scene3d>
+    <dgm:sp3d/>
+    <dgm:txPr/>
+    <dgm:style>
+      <a:lnRef idx="2">
+        <a:scrgbClr r="0" g="0" b="0"/>
+      </a:lnRef>
+      <a:fillRef idx="1">
+        <a:scrgbClr r="0" g="0" b="0"/>
+      </a:fillRef>
+      <a:effectRef idx="0">
+        <a:scrgbClr r="0" g="0" b="0"/>
+      </a:effectRef>
+      <a:fontRef idx="minor"/>
+    </dgm:style>
+  </dgm:styleLbl>
+  <dgm:styleLbl name="sibTrans2D1">
+    <dgm:scene3d>
+      <a:camera prst="orthographicFront"/>
+      <a:lightRig rig="threePt" dir="t"/>
+    </dgm:scene3d>
+    <dgm:sp3d/>
+    <dgm:txPr/>
+    <dgm:style>
+      <a:lnRef idx="0">
+        <a:scrgbClr r="0" g="0" b="0"/>
+      </a:lnRef>
+      <a:fillRef idx="1">
+        <a:scrgbClr r="0" g="0" b="0"/>
+      </a:fillRef>
+      <a:effectRef idx="0">
+        <a:scrgbClr r="0" g="0" b="0"/>
+      </a:effectRef>
+      <a:fontRef idx="minor">
+        <a:schemeClr val="lt1"/>
+      </a:fontRef>
+    </dgm:style>
+  </dgm:styleLbl>
+  <dgm:styleLbl name="fgSibTrans2D1">
+    <dgm:scene3d>
+      <a:camera prst="orthographicFront"/>
+      <a:lightRig rig="threePt" dir="t"/>
+    </dgm:scene3d>
+    <dgm:sp3d/>
+    <dgm:txPr/>
+    <dgm:style>
+      <a:lnRef idx="0">
+        <a:scrgbClr r="0" g="0" b="0"/>
+      </a:lnRef>
+      <a:fillRef idx="1">
+        <a:scrgbClr r="0" g="0" b="0"/>
+      </a:fillRef>
+      <a:effectRef idx="0">
+        <a:scrgbClr r="0" g="0" b="0"/>
+      </a:effectRef>
+      <a:fontRef idx="minor">
+        <a:schemeClr val="lt1"/>
+      </a:fontRef>
+    </dgm:style>
+  </dgm:styleLbl>
+  <dgm:styleLbl name="bgSibTrans2D1">
+    <dgm:scene3d>
+      <a:camera prst="orthographicFront"/>
+      <a:lightRig rig="threePt" dir="t"/>
+    </dgm:scene3d>
+    <dgm:sp3d/>
+    <dgm:txPr/>
+    <dgm:style>
+      <a:lnRef idx="0">
+        <a:scrgbClr r="0" g="0" b="0"/>
+      </a:lnRef>
+      <a:fillRef idx="1">
+        <a:scrgbClr r="0" g="0" b="0"/>
+      </a:fillRef>
+      <a:effectRef idx="0">
+        <a:scrgbClr r="0" g="0" b="0"/>
+      </a:effectRef>
+      <a:fontRef idx="minor">
+        <a:schemeClr val="lt1"/>
+      </a:fontRef>
+    </dgm:style>
+  </dgm:styleLbl>
+  <dgm:styleLbl name="sibTrans1D1">
+    <dgm:scene3d>
+      <a:camera prst="orthographicFront"/>
+      <a:lightRig rig="threePt" dir="t"/>
+    </dgm:scene3d>
+    <dgm:sp3d/>
+    <dgm:txPr/>
+    <dgm:style>
+      <a:lnRef idx="1">
+        <a:scrgbClr r="0" g="0" b="0"/>
+      </a:lnRef>
+      <a:fillRef idx="0">
+        <a:scrgbClr r="0" g="0" b="0"/>
+      </a:fillRef>
+      <a:effectRef idx="0">
+        <a:scrgbClr r="0" g="0" b="0"/>
+      </a:effectRef>
+      <a:fontRef idx="minor"/>
+    </dgm:style>
+  </dgm:styleLbl>
+  <dgm:styleLbl name="callout">
+    <dgm:scene3d>
+      <a:camera prst="orthographicFront"/>
+      <a:lightRig rig="threePt" dir="t"/>
+    </dgm:scene3d>
+    <dgm:sp3d/>
+    <dgm:txPr/>
+    <dgm:style>
+      <a:lnRef idx="2">
+        <a:scrgbClr r="0" g="0" b="0"/>
+      </a:lnRef>
+      <a:fillRef idx="1">
+        <a:scrgbClr r="0" g="0" b="0"/>
+      </a:fillRef>
+      <a:effectRef idx="0">
+        <a:scrgbClr r="0" g="0" b="0"/>
+      </a:effectRef>
+      <a:fontRef idx="minor"/>
+    </dgm:style>
+  </dgm:styleLbl>
+  <dgm:styleLbl name="asst0">
+    <dgm:scene3d>
+      <a:camera prst="orthographicFront"/>
+      <a:lightRig rig="threePt" dir="t"/>
+    </dgm:scene3d>
+    <dgm:sp3d/>
+    <dgm:txPr/>
+    <dgm:style>
+      <a:lnRef idx="2">
+        <a:scrgbClr r="0" g="0" b="0"/>
+      </a:lnRef>
+      <a:fillRef idx="1">
+        <a:scrgbClr r="0" g="0" b="0"/>
+      </a:fillRef>
+      <a:effectRef idx="0">
+        <a:scrgbClr r="0" g="0" b="0"/>
+      </a:effectRef>
+      <a:fontRef idx="minor">
+        <a:schemeClr val="lt1"/>
+      </a:fontRef>
+    </dgm:style>
+  </dgm:styleLbl>
+  <dgm:styleLbl name="asst1">
+    <dgm:scene3d>
+      <a:camera prst="orthographicFront"/>
+      <a:lightRig rig="threePt" dir="t"/>
+    </dgm:scene3d>
+    <dgm:sp3d/>
+    <dgm:txPr/>
+    <dgm:style>
+      <a:lnRef idx="2">
+        <a:scrgbClr r="0" g="0" b="0"/>
+      </a:lnRef>
+      <a:fillRef idx="1">
+        <a:scrgbClr r="0" g="0" b="0"/>
+      </a:fillRef>
+      <a:effectRef idx="0">
+        <a:scrgbClr r="0" g="0" b="0"/>
+      </a:effectRef>
+      <a:fontRef idx="minor">
+        <a:schemeClr val="lt1"/>
+      </a:fontRef>
+    </dgm:style>
+  </dgm:styleLbl>
+  <dgm:styleLbl name="asst2">
+    <dgm:scene3d>
+      <a:camera prst="orthographicFront"/>
+      <a:lightRig rig="threePt" dir="t"/>
+    </dgm:scene3d>
+    <dgm:sp3d/>
+    <dgm:txPr/>
+    <dgm:style>
+      <a:lnRef idx="2">
+        <a:scrgbClr r="0" g="0" b="0"/>
+      </a:lnRef>
+      <a:fillRef idx="1">
+        <a:scrgbClr r="0" g="0" b="0"/>
+      </a:fillRef>
+      <a:effectRef idx="0">
+        <a:scrgbClr r="0" g="0" b="0"/>
+      </a:effectRef>
+      <a:fontRef idx="minor">
+        <a:schemeClr val="lt1"/>
+      </a:fontRef>
+    </dgm:style>
+  </dgm:styleLbl>
+  <dgm:styleLbl name="asst3">
+    <dgm:scene3d>
+      <a:camera prst="orthographicFront"/>
+      <a:lightRig rig="threePt" dir="t"/>
+    </dgm:scene3d>
+    <dgm:sp3d/>
+    <dgm:txPr/>
+    <dgm:style>
+      <a:lnRef idx="2">
+        <a:scrgbClr r="0" g="0" b="0"/>
+      </a:lnRef>
+      <a:fillRef idx="1">
+        <a:scrgbClr r="0" g="0" b="0"/>
+      </a:fillRef>
+      <a:effectRef idx="0">
+        <a:scrgbClr r="0" g="0" b="0"/>
+      </a:effectRef>
+      <a:fontRef idx="minor">
+        <a:schemeClr val="lt1"/>
+      </a:fontRef>
+    </dgm:style>
+  </dgm:styleLbl>
+  <dgm:styleLbl name="asst4">
+    <dgm:scene3d>
+      <a:camera prst="orthographicFront"/>
+      <a:lightRig rig="threePt" dir="t"/>
+    </dgm:scene3d>
+    <dgm:sp3d/>
+    <dgm:txPr/>
+    <dgm:style>
+      <a:lnRef idx="2">
+        <a:scrgbClr r="0" g="0" b="0"/>
+      </a:lnRef>
+      <a:fillRef idx="1">
+        <a:scrgbClr r="0" g="0" b="0"/>
+      </a:fillRef>
+      <a:effectRef idx="0">
+        <a:scrgbClr r="0" g="0" b="0"/>
+      </a:effectRef>
+      <a:fontRef idx="minor">
+        <a:schemeClr val="lt1"/>
+      </a:fontRef>
+    </dgm:style>
+  </dgm:styleLbl>
+  <dgm:styleLbl name="parChTrans2D1">
+    <dgm:scene3d>
+      <a:camera prst="orthographicFront"/>
+      <a:lightRig rig="threePt" dir="t"/>
+    </dgm:scene3d>
+    <dgm:sp3d/>
+    <dgm:txPr/>
+    <dgm:style>
+      <a:lnRef idx="2">
+        <a:scrgbClr r="0" g="0" b="0"/>
+      </a:lnRef>
+      <a:fillRef idx="1">
+        <a:scrgbClr r="0" g="0" b="0"/>
+      </a:fillRef>
+      <a:effectRef idx="0">
+        <a:scrgbClr r="0" g="0" b="0"/>
+      </a:effectRef>
+      <a:fontRef idx="minor">
+        <a:schemeClr val="lt1"/>
+      </a:fontRef>
+    </dgm:style>
+  </dgm:styleLbl>
+  <dgm:styleLbl name="parChTrans2D2">
+    <dgm:scene3d>
+      <a:camera prst="orthographicFront"/>
+      <a:lightRig rig="threePt" dir="t"/>
+    </dgm:scene3d>
+    <dgm:sp3d/>
+    <dgm:txPr/>
+    <dgm:style>
+      <a:lnRef idx="2">
+        <a:scrgbClr r="0" g="0" b="0"/>
+      </a:lnRef>
+      <a:fillRef idx="1">
+        <a:scrgbClr r="0" g="0" b="0"/>
+      </a:fillRef>
+      <a:effectRef idx="0">
+        <a:scrgbClr r="0" g="0" b="0"/>
+      </a:effectRef>
+      <a:fontRef idx="minor">
+        <a:schemeClr val="lt1"/>
+      </a:fontRef>
+    </dgm:style>
+  </dgm:styleLbl>
+  <dgm:styleLbl name="parChTrans2D3">
+    <dgm:scene3d>
+      <a:camera prst="orthographicFront"/>
+      <a:lightRig rig="threePt" dir="t"/>
+    </dgm:scene3d>
+    <dgm:sp3d/>
+    <dgm:txPr/>
+    <dgm:style>
+      <a:lnRef idx="2">
+        <a:scrgbClr r="0" g="0" b="0"/>
+      </a:lnRef>
+      <a:fillRef idx="1">
+        <a:scrgbClr r="0" g="0" b="0"/>
+      </a:fillRef>
+      <a:effectRef idx="0">
+        <a:scrgbClr r="0" g="0" b="0"/>
+      </a:effectRef>
+      <a:fontRef idx="minor">
+        <a:schemeClr val="lt1"/>
+      </a:fontRef>
+    </dgm:style>
+  </dgm:styleLbl>
+  <dgm:styleLbl name="parChTrans2D4">
+    <dgm:scene3d>
+      <a:camera prst="orthographicFront"/>
+      <a:lightRig rig="threePt" dir="t"/>
+    </dgm:scene3d>
+    <dgm:sp3d/>
+    <dgm:txPr/>
+    <dgm:style>
+      <a:lnRef idx="2">
+        <a:scrgbClr r="0" g="0" b="0"/>
+      </a:lnRef>
+      <a:fillRef idx="1">
+        <a:scrgbClr r="0" g="0" b="0"/>
+      </a:fillRef>
+      <a:effectRef idx="0">
+        <a:scrgbClr r="0" g="0" b="0"/>
+      </a:effectRef>
+      <a:fontRef idx="minor">
+        <a:schemeClr val="lt1"/>
+      </a:fontRef>
+    </dgm:style>
+  </dgm:styleLbl>
+  <dgm:styleLbl name="parChTrans1D1">
+    <dgm:scene3d>
+      <a:camera prst="orthographicFront"/>
+      <a:lightRig rig="threePt" dir="t"/>
+    </dgm:scene3d>
+    <dgm:sp3d/>
+    <dgm:txPr/>
+    <dgm:style>
+      <a:lnRef idx="2">
+        <a:scrgbClr r="0" g="0" b="0"/>
+      </a:lnRef>
+      <a:fillRef idx="0">
+        <a:scrgbClr r="0" g="0" b="0"/>
+      </a:fillRef>
+      <a:effectRef idx="0">
+        <a:scrgbClr r="0" g="0" b="0"/>
+      </a:effectRef>
+      <a:fontRef idx="minor"/>
+    </dgm:style>
+  </dgm:styleLbl>
+  <dgm:styleLbl name="parChTrans1D2">
+    <dgm:scene3d>
+      <a:camera prst="orthographicFront"/>
+      <a:lightRig rig="threePt" dir="t"/>
+    </dgm:scene3d>
+    <dgm:sp3d/>
+    <dgm:txPr/>
+    <dgm:style>
+      <a:lnRef idx="2">
+        <a:scrgbClr r="0" g="0" b="0"/>
+      </a:lnRef>
+      <a:fillRef idx="0">
+        <a:scrgbClr r="0" g="0" b="0"/>
+      </a:fillRef>
+      <a:effectRef idx="0">
+        <a:scrgbClr r="0" g="0" b="0"/>
+      </a:effectRef>
+      <a:fontRef idx="minor"/>
+    </dgm:style>
+  </dgm:styleLbl>
+  <dgm:styleLbl name="parChTrans1D3">
+    <dgm:scene3d>
+      <a:camera prst="orthographicFront"/>
+      <a:lightRig rig="threePt" dir="t"/>
+    </dgm:scene3d>
+    <dgm:sp3d/>
+    <dgm:txPr/>
+    <dgm:style>
+      <a:lnRef idx="2">
+        <a:scrgbClr r="0" g="0" b="0"/>
+      </a:lnRef>
+      <a:fillRef idx="0">
+        <a:scrgbClr r="0" g="0" b="0"/>
+      </a:fillRef>
+      <a:effectRef idx="0">
+        <a:scrgbClr r="0" g="0" b="0"/>
+      </a:effectRef>
+      <a:fontRef idx="minor"/>
+    </dgm:style>
+  </dgm:styleLbl>
+  <dgm:styleLbl name="parChTrans1D4">
+    <dgm:scene3d>
+      <a:camera prst="orthographicFront"/>
+      <a:lightRig rig="threePt" dir="t"/>
+    </dgm:scene3d>
+    <dgm:sp3d/>
+    <dgm:txPr/>
+    <dgm:style>
+      <a:lnRef idx="2">
+        <a:scrgbClr r="0" g="0" b="0"/>
+      </a:lnRef>
+      <a:fillRef idx="0">
+        <a:scrgbClr r="0" g="0" b="0"/>
+      </a:fillRef>
+      <a:effectRef idx="0">
+        <a:scrgbClr r="0" g="0" b="0"/>
+      </a:effectRef>
+      <a:fontRef idx="minor"/>
+    </dgm:style>
+  </dgm:styleLbl>
+  <dgm:styleLbl name="fgAcc1">
+    <dgm:scene3d>
+      <a:camera prst="orthographicFront"/>
+      <a:lightRig rig="threePt" dir="t"/>
+    </dgm:scene3d>
+    <dgm:sp3d/>
+    <dgm:txPr/>
+    <dgm:style>
+      <a:lnRef idx="2">
+        <a:scrgbClr r="0" g="0" b="0"/>
+      </a:lnRef>
+      <a:fillRef idx="1">
+        <a:scrgbClr r="0" g="0" b="0"/>
+      </a:fillRef>
+      <a:effectRef idx="0">
+        <a:scrgbClr r="0" g="0" b="0"/>
+      </a:effectRef>
+      <a:fontRef idx="minor"/>
+    </dgm:style>
+  </dgm:styleLbl>
+  <dgm:styleLbl name="conFgAcc1">
+    <dgm:scene3d>
+      <a:camera prst="orthographicFront"/>
+      <a:lightRig rig="threePt" dir="t"/>
+    </dgm:scene3d>
+    <dgm:sp3d/>
+    <dgm:txPr/>
+    <dgm:style>
+      <a:lnRef idx="2">
+        <a:scrgbClr r="0" g="0" b="0"/>
+      </a:lnRef>
+      <a:fillRef idx="1">
+        <a:scrgbClr r="0" g="0" b="0"/>
+      </a:fillRef>
+      <a:effectRef idx="0">
+        <a:scrgbClr r="0" g="0" b="0"/>
+      </a:effectRef>
+      <a:fontRef idx="minor"/>
+    </dgm:style>
+  </dgm:styleLbl>
+  <dgm:styleLbl name="alignAcc1">
+    <dgm:scene3d>
+      <a:camera prst="orthographicFront"/>
+      <a:lightRig rig="threePt" dir="t"/>
+    </dgm:scene3d>
+    <dgm:sp3d/>
+    <dgm:txPr/>
+    <dgm:style>
+      <a:lnRef idx="2">
+        <a:scrgbClr r="0" g="0" b="0"/>
+      </a:lnRef>
+      <a:fillRef idx="1">
+        <a:scrgbClr r="0" g="0" b="0"/>
+      </a:fillRef>
+      <a:effectRef idx="0">
+        <a:scrgbClr r="0" g="0" b="0"/>
+      </a:effectRef>
+      <a:fontRef idx="minor"/>
+    </dgm:style>
+  </dgm:styleLbl>
+  <dgm:styleLbl name="trAlignAcc1">
+    <dgm:scene3d>
+      <a:camera prst="orthographicFront"/>
+      <a:lightRig rig="threePt" dir="t"/>
+    </dgm:scene3d>
+    <dgm:sp3d/>
+    <dgm:txPr/>
+    <dgm:style>
+      <a:lnRef idx="1">
+        <a:scrgbClr r="0" g="0" b="0"/>
+      </a:lnRef>
+      <a:fillRef idx="1">
+        <a:scrgbClr r="0" g="0" b="0"/>
+      </a:fillRef>
+      <a:effectRef idx="0">
+        <a:scrgbClr r="0" g="0" b="0"/>
+      </a:effectRef>
+      <a:fontRef idx="minor"/>
+    </dgm:style>
+  </dgm:styleLbl>
+  <dgm:styleLbl name="bgAcc1">
+    <dgm:scene3d>
+      <a:camera prst="orthographicFront"/>
+      <a:lightRig rig="threePt" dir="t"/>
+    </dgm:scene3d>
+    <dgm:sp3d/>
+    <dgm:txPr/>
+    <dgm:style>
+      <a:lnRef idx="2">
+        <a:scrgbClr r="0" g="0" b="0"/>
+      </a:lnRef>
+      <a:fillRef idx="1">
+        <a:scrgbClr r="0" g="0" b="0"/>
+      </a:fillRef>
+      <a:effectRef idx="0">
+        <a:scrgbClr r="0" g="0" b="0"/>
+      </a:effectRef>
+      <a:fontRef idx="minor"/>
+    </dgm:style>
+  </dgm:styleLbl>
+  <dgm:styleLbl name="solidFgAcc1">
+    <dgm:scene3d>
+      <a:camera prst="orthographicFront"/>
+      <a:lightRig rig="threePt" dir="t"/>
+    </dgm:scene3d>
+    <dgm:sp3d/>
+    <dgm:txPr/>
+    <dgm:style>
+      <a:lnRef idx="2">
+        <a:scrgbClr r="0" g="0" b="0"/>
+      </a:lnRef>
+      <a:fillRef idx="1">
+        <a:scrgbClr r="0" g="0" b="0"/>
+      </a:fillRef>
+      <a:effectRef idx="0">
+        <a:scrgbClr r="0" g="0" b="0"/>
+      </a:effectRef>
+      <a:fontRef idx="minor"/>
+    </dgm:style>
+  </dgm:styleLbl>
+  <dgm:styleLbl name="solidAlignAcc1">
+    <dgm:scene3d>
+      <a:camera prst="orthographicFront"/>
+      <a:lightRig rig="threePt" dir="t"/>
+    </dgm:scene3d>
+    <dgm:sp3d/>
+    <dgm:txPr/>
+    <dgm:style>
+      <a:lnRef idx="2">
+        <a:scrgbClr r="0" g="0" b="0"/>
+      </a:lnRef>
+      <a:fillRef idx="1">
+        <a:scrgbClr r="0" g="0" b="0"/>
+      </a:fillRef>
+      <a:effectRef idx="0">
+        <a:scrgbClr r="0" g="0" b="0"/>
+      </a:effectRef>
+      <a:fontRef idx="minor"/>
+    </dgm:style>
+  </dgm:styleLbl>
+  <dgm:styleLbl name="solidBgAcc1">
+    <dgm:scene3d>
+      <a:camera prst="orthographicFront"/>
+      <a:lightRig rig="threePt" dir="t"/>
+    </dgm:scene3d>
+    <dgm:sp3d/>
+    <dgm:txPr/>
+    <dgm:style>
+      <a:lnRef idx="2">
+        <a:scrgbClr r="0" g="0" b="0"/>
+      </a:lnRef>
+      <a:fillRef idx="1">
+        <a:scrgbClr r="0" g="0" b="0"/>
+      </a:fillRef>
+      <a:effectRef idx="0">
+        <a:scrgbClr r="0" g="0" b="0"/>
+      </a:effectRef>
+      <a:fontRef idx="minor"/>
+    </dgm:style>
+  </dgm:styleLbl>
+  <dgm:styleLbl name="fgAccFollowNode1">
+    <dgm:scene3d>
+      <a:camera prst="orthographicFront"/>
+      <a:lightRig rig="threePt" dir="t"/>
+    </dgm:scene3d>
+    <dgm:sp3d/>
+    <dgm:txPr/>
+    <dgm:style>
+      <a:lnRef idx="2">
+        <a:scrgbClr r="0" g="0" b="0"/>
+      </a:lnRef>
+      <a:fillRef idx="1">
+        <a:scrgbClr r="0" g="0" b="0"/>
+      </a:fillRef>
+      <a:effectRef idx="0">
+        <a:scrgbClr r="0" g="0" b="0"/>
+      </a:effectRef>
+      <a:fontRef idx="minor"/>
+    </dgm:style>
+  </dgm:styleLbl>
+  <dgm:styleLbl name="alignAccFollowNode1">
+    <dgm:scene3d>
+      <a:camera prst="orthographicFront"/>
+      <a:lightRig rig="threePt" dir="t"/>
+    </dgm:scene3d>
+    <dgm:sp3d/>
+    <dgm:txPr/>
+    <dgm:style>
+      <a:lnRef idx="2">
+        <a:scrgbClr r="0" g="0" b="0"/>
+      </a:lnRef>
+      <a:fillRef idx="1">
+        <a:scrgbClr r="0" g="0" b="0"/>
+      </a:fillRef>
+      <a:effectRef idx="0">
+        <a:scrgbClr r="0" g="0" b="0"/>
+      </a:effectRef>
+      <a:fontRef idx="minor"/>
+    </dgm:style>
+  </dgm:styleLbl>
+  <dgm:styleLbl name="bgAccFollowNode1">
+    <dgm:scene3d>
+      <a:camera prst="orthographicFront"/>
+      <a:lightRig rig="threePt" dir="t"/>
+    </dgm:scene3d>
+    <dgm:sp3d/>
+    <dgm:txPr/>
+    <dgm:style>
+      <a:lnRef idx="2">
+        <a:scrgbClr r="0" g="0" b="0"/>
+      </a:lnRef>
+      <a:fillRef idx="1">
+        <a:scrgbClr r="0" g="0" b="0"/>
+      </a:fillRef>
+      <a:effectRef idx="0">
+        <a:scrgbClr r="0" g="0" b="0"/>
+      </a:effectRef>
+      <a:fontRef idx="minor"/>
+    </dgm:style>
+  </dgm:styleLbl>
+  <dgm:styleLbl name="fgAcc0">
+    <dgm:scene3d>
+      <a:camera prst="orthographicFront"/>
+      <a:lightRig rig="threePt" dir="t"/>
+    </dgm:scene3d>
+    <dgm:sp3d/>
+    <dgm:txPr/>
+    <dgm:style>
+      <a:lnRef idx="2">
+        <a:scrgbClr r="0" g="0" b="0"/>
+      </a:lnRef>
+      <a:fillRef idx="1">
+        <a:scrgbClr r="0" g="0" b="0"/>
+      </a:fillRef>
+      <a:effectRef idx="0">
+        <a:scrgbClr r="0" g="0" b="0"/>
+      </a:effectRef>
+      <a:fontRef idx="minor"/>
+    </dgm:style>
+  </dgm:styleLbl>
+  <dgm:styleLbl name="fgAcc2">
+    <dgm:scene3d>
+      <a:camera prst="orthographicFront"/>
+      <a:lightRig rig="threePt" dir="t"/>
+    </dgm:scene3d>
+    <dgm:sp3d/>
+    <dgm:txPr/>
+    <dgm:style>
+      <a:lnRef idx="2">
+        <a:scrgbClr r="0" g="0" b="0"/>
+      </a:lnRef>
+      <a:fillRef idx="1">
+        <a:scrgbClr r="0" g="0" b="0"/>
+      </a:fillRef>
+      <a:effectRef idx="0">
+        <a:scrgbClr r="0" g="0" b="0"/>
+      </a:effectRef>
+      <a:fontRef idx="minor"/>
+    </dgm:style>
+  </dgm:styleLbl>
+  <dgm:styleLbl name="fgAcc3">
+    <dgm:scene3d>
+      <a:camera prst="orthographicFront"/>
+      <a:lightRig rig="threePt" dir="t"/>
+    </dgm:scene3d>
+    <dgm:sp3d/>
+    <dgm:txPr/>
+    <dgm:style>
+      <a:lnRef idx="2">
+        <a:scrgbClr r="0" g="0" b="0"/>
+      </a:lnRef>
+      <a:fillRef idx="1">
+        <a:scrgbClr r="0" g="0" b="0"/>
+      </a:fillRef>
+      <a:effectRef idx="0">
+        <a:scrgbClr r="0" g="0" b="0"/>
+      </a:effectRef>
+      <a:fontRef idx="minor"/>
+    </dgm:style>
+  </dgm:styleLbl>
+  <dgm:styleLbl name="fgAcc4">
+    <dgm:scene3d>
+      <a:camera prst="orthographicFront"/>
+      <a:lightRig rig="threePt" dir="t"/>
+    </dgm:scene3d>
+    <dgm:sp3d/>
+    <dgm:txPr/>
+    <dgm:style>
+      <a:lnRef idx="2">
+        <a:scrgbClr r="0" g="0" b="0"/>
+      </a:lnRef>
+      <a:fillRef idx="1">
+        <a:scrgbClr r="0" g="0" b="0"/>
+      </a:fillRef>
+      <a:effectRef idx="0">
+        <a:scrgbClr r="0" g="0" b="0"/>
+      </a:effectRef>
+      <a:fontRef idx="minor"/>
+    </dgm:style>
+  </dgm:styleLbl>
+  <dgm:styleLbl name="bgShp">
+    <dgm:scene3d>
+      <a:camera prst="orthographicFront"/>
+      <a:lightRig rig="threePt" dir="t"/>
+    </dgm:scene3d>
+    <dgm:sp3d/>
+    <dgm:txPr/>
+    <dgm:style>
+      <a:lnRef idx="0">
+        <a:scrgbClr r="0" g="0" b="0"/>
+      </a:lnRef>
+      <a:fillRef idx="1">
+        <a:scrgbClr r="0" g="0" b="0"/>
+      </a:fillRef>
+      <a:effectRef idx="0">
+        <a:scrgbClr r="0" g="0" b="0"/>
+      </a:effectRef>
+      <a:fontRef idx="minor"/>
+    </dgm:style>
+  </dgm:styleLbl>
+  <dgm:styleLbl name="dkBgShp">
+    <dgm:scene3d>
+      <a:camera prst="orthographicFront"/>
+      <a:lightRig rig="threePt" dir="t"/>
+    </dgm:scene3d>
+    <dgm:sp3d/>
+    <dgm:txPr/>
+    <dgm:style>
+      <a:lnRef idx="0">
+        <a:scrgbClr r="0" g="0" b="0"/>
+      </a:lnRef>
+      <a:fillRef idx="1">
+        <a:scrgbClr r="0" g="0" b="0"/>
+      </a:fillRef>
+      <a:effectRef idx="0">
+        <a:scrgbClr r="0" g="0" b="0"/>
+      </a:effectRef>
+      <a:fontRef idx="minor"/>
+    </dgm:style>
+  </dgm:styleLbl>
+  <dgm:styleLbl name="trBgShp">
+    <dgm:scene3d>
+      <a:camera prst="orthographicFront"/>
+      <a:lightRig rig="threePt" dir="t"/>
+    </dgm:scene3d>
+    <dgm:sp3d/>
+    <dgm:txPr/>
+    <dgm:style>
+      <a:lnRef idx="0">
+        <a:scrgbClr r="0" g="0" b="0"/>
+      </a:lnRef>
+      <a:fillRef idx="1">
+        <a:scrgbClr r="0" g="0" b="0"/>
+      </a:fillRef>
+      <a:effectRef idx="0">
+        <a:scrgbClr r="0" g="0" b="0"/>
+      </a:effectRef>
+      <a:fontRef idx="minor"/>
+    </dgm:style>
+  </dgm:styleLbl>
+  <dgm:styleLbl name="fgShp">
+    <dgm:scene3d>
+      <a:camera prst="orthographicFront"/>
+      <a:lightRig rig="threePt" dir="t"/>
+    </dgm:scene3d>
+    <dgm:sp3d/>
+    <dgm:txPr/>
+    <dgm:style>
+      <a:lnRef idx="2">
+        <a:scrgbClr r="0" g="0" b="0"/>
+      </a:lnRef>
+      <a:fillRef idx="1">
+        <a:scrgbClr r="0" g="0" b="0"/>
+      </a:fillRef>
+      <a:effectRef idx="0">
+        <a:scrgbClr r="0" g="0" b="0"/>
+      </a:effectRef>
+      <a:fontRef idx="minor"/>
+    </dgm:style>
+  </dgm:styleLbl>
+  <dgm:styleLbl name="revTx">
+    <dgm:scene3d>
+      <a:camera prst="orthographicFront"/>
+      <a:lightRig rig="threePt" dir="t"/>
+    </dgm:scene3d>
+    <dgm:sp3d/>
+    <dgm:txPr/>
+    <dgm:style>
+      <a:lnRef idx="0">
+        <a:scrgbClr r="0" g="0" b="0"/>
+      </a:lnRef>
+      <a:fillRef idx="0">
+        <a:scrgbClr r="0" g="0" b="0"/>
+      </a:fillRef>
+      <a:effectRef idx="0">
+        <a:scrgbClr r="0" g="0" b="0"/>
+      </a:effectRef>
+      <a:fontRef idx="minor"/>
+    </dgm:style>
+  </dgm:styleLbl>
+</dgm:styleDef>
+</file>
+
+<file path=ppt/diagrams/quickStyle2.xml><?xml version="1.0" encoding="utf-8"?>
+<dgm:styleDef xmlns:dgm="http://schemas.openxmlformats.org/drawingml/2006/diagram" xmlns:a="http://schemas.openxmlformats.org/drawingml/2006/main" uniqueId="urn:microsoft.com/office/officeart/2005/8/quickstyle/simple1">
+  <dgm:title val=""/>
+  <dgm:desc val=""/>
+  <dgm:catLst>
+    <dgm:cat type="simple" pri="10100"/>
+  </dgm:catLst>
+  <dgm:scene3d>
+    <a:camera prst="orthographicFront"/>
+    <a:lightRig rig="threePt" dir="t"/>
+  </dgm:scene3d>
+  <dgm:styleLbl name="node0">
+    <dgm:scene3d>
+      <a:camera prst="orthographicFront"/>
+      <a:lightRig rig="threePt" dir="t"/>
+    </dgm:scene3d>
+    <dgm:sp3d/>
+    <dgm:txPr/>
+    <dgm:style>
+      <a:lnRef idx="2">
+        <a:scrgbClr r="0" g="0" b="0"/>
+      </a:lnRef>
+      <a:fillRef idx="1">
+        <a:scrgbClr r="0" g="0" b="0"/>
+      </a:fillRef>
+      <a:effectRef idx="0">
+        <a:scrgbClr r="0" g="0" b="0"/>
+      </a:effectRef>
+      <a:fontRef idx="minor">
+        <a:schemeClr val="lt1"/>
+      </a:fontRef>
+    </dgm:style>
+  </dgm:styleLbl>
+  <dgm:styleLbl name="lnNode1">
+    <dgm:scene3d>
+      <a:camera prst="orthographicFront"/>
+      <a:lightRig rig="threePt" dir="t"/>
+    </dgm:scene3d>
+    <dgm:sp3d/>
+    <dgm:txPr/>
+    <dgm:style>
+      <a:lnRef idx="2">
+        <a:scrgbClr r="0" g="0" b="0"/>
+      </a:lnRef>
+      <a:fillRef idx="1">
+        <a:scrgbClr r="0" g="0" b="0"/>
+      </a:fillRef>
+      <a:effectRef idx="0">
+        <a:scrgbClr r="0" g="0" b="0"/>
+      </a:effectRef>
+      <a:fontRef idx="minor">
+        <a:schemeClr val="lt1"/>
+      </a:fontRef>
+    </dgm:style>
+  </dgm:styleLbl>
+  <dgm:styleLbl name="vennNode1">
+    <dgm:scene3d>
+      <a:camera prst="orthographicFront"/>
+      <a:lightRig rig="threePt" dir="t"/>
+    </dgm:scene3d>
+    <dgm:sp3d/>
+    <dgm:txPr/>
+    <dgm:style>
+      <a:lnRef idx="2">
+        <a:scrgbClr r="0" g="0" b="0"/>
+      </a:lnRef>
+      <a:fillRef idx="1">
+        <a:scrgbClr r="0" g="0" b="0"/>
+      </a:fillRef>
+      <a:effectRef idx="0">
+        <a:scrgbClr r="0" g="0" b="0"/>
+      </a:effectRef>
+      <a:fontRef idx="minor">
+        <a:schemeClr val="tx1"/>
+      </a:fontRef>
+    </dgm:style>
+  </dgm:styleLbl>
+  <dgm:styleLbl name="alignNode1">
+    <dgm:scene3d>
+      <a:camera prst="orthographicFront"/>
+      <a:lightRig rig="threePt" dir="t"/>
+    </dgm:scene3d>
+    <dgm:sp3d/>
+    <dgm:txPr/>
+    <dgm:style>
+      <a:lnRef idx="2">
+        <a:scrgbClr r="0" g="0" b="0"/>
+      </a:lnRef>
+      <a:fillRef idx="1">
+        <a:scrgbClr r="0" g="0" b="0"/>
+      </a:fillRef>
+      <a:effectRef idx="0">
+        <a:scrgbClr r="0" g="0" b="0"/>
+      </a:effectRef>
+      <a:fontRef idx="minor">
+        <a:schemeClr val="lt1"/>
+      </a:fontRef>
+    </dgm:style>
+  </dgm:styleLbl>
+  <dgm:styleLbl name="node1">
+    <dgm:scene3d>
+      <a:camera prst="orthographicFront"/>
+      <a:lightRig rig="threePt" dir="t"/>
+    </dgm:scene3d>
+    <dgm:sp3d/>
+    <dgm:txPr/>
+    <dgm:style>
+      <a:lnRef idx="2">
+        <a:scrgbClr r="0" g="0" b="0"/>
+      </a:lnRef>
+      <a:fillRef idx="1">
+        <a:scrgbClr r="0" g="0" b="0"/>
+      </a:fillRef>
+      <a:effectRef idx="0">
+        <a:scrgbClr r="0" g="0" b="0"/>
+      </a:effectRef>
+      <a:fontRef idx="minor">
+        <a:schemeClr val="lt1"/>
+      </a:fontRef>
+    </dgm:style>
+  </dgm:styleLbl>
+  <dgm:styleLbl name="node2">
+    <dgm:scene3d>
+      <a:camera prst="orthographicFront"/>
+      <a:lightRig rig="threePt" dir="t"/>
+    </dgm:scene3d>
+    <dgm:sp3d/>
+    <dgm:txPr/>
+    <dgm:style>
+      <a:lnRef idx="2">
+        <a:scrgbClr r="0" g="0" b="0"/>
+      </a:lnRef>
+      <a:fillRef idx="1">
+        <a:scrgbClr r="0" g="0" b="0"/>
+      </a:fillRef>
+      <a:effectRef idx="0">
+        <a:scrgbClr r="0" g="0" b="0"/>
+      </a:effectRef>
+      <a:fontRef idx="minor">
+        <a:schemeClr val="lt1"/>
+      </a:fontRef>
+    </dgm:style>
+  </dgm:styleLbl>
+  <dgm:styleLbl name="node3">
+    <dgm:scene3d>
+      <a:camera prst="orthographicFront"/>
+      <a:lightRig rig="threePt" dir="t"/>
+    </dgm:scene3d>
+    <dgm:sp3d/>
+    <dgm:txPr/>
+    <dgm:style>
+      <a:lnRef idx="2">
+        <a:scrgbClr r="0" g="0" b="0"/>
+      </a:lnRef>
+      <a:fillRef idx="1">
+        <a:scrgbClr r="0" g="0" b="0"/>
+      </a:fillRef>
+      <a:effectRef idx="0">
+        <a:scrgbClr r="0" g="0" b="0"/>
+      </a:effectRef>
+      <a:fontRef idx="minor">
+        <a:schemeClr val="lt1"/>
+      </a:fontRef>
+    </dgm:style>
+  </dgm:styleLbl>
+  <dgm:styleLbl name="node4">
+    <dgm:scene3d>
+      <a:camera prst="orthographicFront"/>
+      <a:lightRig rig="threePt" dir="t"/>
+    </dgm:scene3d>
+    <dgm:sp3d/>
+    <dgm:txPr/>
+    <dgm:style>
+      <a:lnRef idx="2">
+        <a:scrgbClr r="0" g="0" b="0"/>
+      </a:lnRef>
+      <a:fillRef idx="1">
+        <a:scrgbClr r="0" g="0" b="0"/>
+      </a:fillRef>
+      <a:effectRef idx="0">
+        <a:scrgbClr r="0" g="0" b="0"/>
+      </a:effectRef>
+      <a:fontRef idx="minor">
+        <a:schemeClr val="lt1"/>
+      </a:fontRef>
+    </dgm:style>
+  </dgm:styleLbl>
+  <dgm:styleLbl name="fgImgPlace1">
+    <dgm:scene3d>
+      <a:camera prst="orthographicFront"/>
+      <a:lightRig rig="threePt" dir="t"/>
+    </dgm:scene3d>
+    <dgm:sp3d/>
+    <dgm:txPr/>
+    <dgm:style>
+      <a:lnRef idx="2">
+        <a:scrgbClr r="0" g="0" b="0"/>
+      </a:lnRef>
+      <a:fillRef idx="1">
+        <a:scrgbClr r="0" g="0" b="0"/>
+      </a:fillRef>
+      <a:effectRef idx="0">
+        <a:scrgbClr r="0" g="0" b="0"/>
+      </a:effectRef>
+      <a:fontRef idx="minor"/>
+    </dgm:style>
+  </dgm:styleLbl>
+  <dgm:styleLbl name="alignImgPlace1">
+    <dgm:scene3d>
+      <a:camera prst="orthographicFront"/>
+      <a:lightRig rig="threePt" dir="t"/>
+    </dgm:scene3d>
+    <dgm:sp3d/>
+    <dgm:txPr/>
+    <dgm:style>
+      <a:lnRef idx="2">
+        <a:scrgbClr r="0" g="0" b="0"/>
+      </a:lnRef>
+      <a:fillRef idx="1">
+        <a:scrgbClr r="0" g="0" b="0"/>
+      </a:fillRef>
+      <a:effectRef idx="0">
+        <a:scrgbClr r="0" g="0" b="0"/>
+      </a:effectRef>
+      <a:fontRef idx="minor"/>
+    </dgm:style>
+  </dgm:styleLbl>
+  <dgm:styleLbl name="bgImgPlace1">
+    <dgm:scene3d>
+      <a:camera prst="orthographicFront"/>
+      <a:lightRig rig="threePt" dir="t"/>
+    </dgm:scene3d>
+    <dgm:sp3d/>
+    <dgm:txPr/>
+    <dgm:style>
+      <a:lnRef idx="2">
+        <a:scrgbClr r="0" g="0" b="0"/>
+      </a:lnRef>
+      <a:fillRef idx="1">
+        <a:scrgbClr r="0" g="0" b="0"/>
+      </a:fillRef>
+      <a:effectRef idx="0">
+        <a:scrgbClr r="0" g="0" b="0"/>
+      </a:effectRef>
+      <a:fontRef idx="minor"/>
+    </dgm:style>
+  </dgm:styleLbl>
+  <dgm:styleLbl name="sibTrans2D1">
+    <dgm:scene3d>
+      <a:camera prst="orthographicFront"/>
+      <a:lightRig rig="threePt" dir="t"/>
+    </dgm:scene3d>
+    <dgm:sp3d/>
+    <dgm:txPr/>
+    <dgm:style>
+      <a:lnRef idx="0">
+        <a:scrgbClr r="0" g="0" b="0"/>
+      </a:lnRef>
+      <a:fillRef idx="1">
+        <a:scrgbClr r="0" g="0" b="0"/>
+      </a:fillRef>
+      <a:effectRef idx="0">
+        <a:scrgbClr r="0" g="0" b="0"/>
+      </a:effectRef>
+      <a:fontRef idx="minor">
+        <a:schemeClr val="lt1"/>
+      </a:fontRef>
+    </dgm:style>
+  </dgm:styleLbl>
+  <dgm:styleLbl name="fgSibTrans2D1">
+    <dgm:scene3d>
+      <a:camera prst="orthographicFront"/>
+      <a:lightRig rig="threePt" dir="t"/>
+    </dgm:scene3d>
+    <dgm:sp3d/>
+    <dgm:txPr/>
+    <dgm:style>
+      <a:lnRef idx="0">
+        <a:scrgbClr r="0" g="0" b="0"/>
+      </a:lnRef>
+      <a:fillRef idx="1">
+        <a:scrgbClr r="0" g="0" b="0"/>
+      </a:fillRef>
+      <a:effectRef idx="0">
+        <a:scrgbClr r="0" g="0" b="0"/>
+      </a:effectRef>
+      <a:fontRef idx="minor">
+        <a:schemeClr val="lt1"/>
+      </a:fontRef>
+    </dgm:style>
+  </dgm:styleLbl>
+  <dgm:styleLbl name="bgSibTrans2D1">
+    <dgm:scene3d>
+      <a:camera prst="orthographicFront"/>
+      <a:lightRig rig="threePt" dir="t"/>
+    </dgm:scene3d>
+    <dgm:sp3d/>
+    <dgm:txPr/>
+    <dgm:style>
+      <a:lnRef idx="0">
+        <a:scrgbClr r="0" g="0" b="0"/>
+      </a:lnRef>
+      <a:fillRef idx="1">
+        <a:scrgbClr r="0" g="0" b="0"/>
+      </a:fillRef>
+      <a:effectRef idx="0">
+        <a:scrgbClr r="0" g="0" b="0"/>
+      </a:effectRef>
+      <a:fontRef idx="minor">
+        <a:schemeClr val="lt1"/>
+      </a:fontRef>
+    </dgm:style>
+  </dgm:styleLbl>
+  <dgm:styleLbl name="sibTrans1D1">
+    <dgm:scene3d>
+      <a:camera prst="orthographicFront"/>
+      <a:lightRig rig="threePt" dir="t"/>
+    </dgm:scene3d>
+    <dgm:sp3d/>
+    <dgm:txPr/>
+    <dgm:style>
+      <a:lnRef idx="1">
+        <a:scrgbClr r="0" g="0" b="0"/>
+      </a:lnRef>
+      <a:fillRef idx="0">
+        <a:scrgbClr r="0" g="0" b="0"/>
+      </a:fillRef>
+      <a:effectRef idx="0">
+        <a:scrgbClr r="0" g="0" b="0"/>
+      </a:effectRef>
+      <a:fontRef idx="minor"/>
+    </dgm:style>
+  </dgm:styleLbl>
+  <dgm:styleLbl name="callout">
+    <dgm:scene3d>
+      <a:camera prst="orthographicFront"/>
+      <a:lightRig rig="threePt" dir="t"/>
+    </dgm:scene3d>
+    <dgm:sp3d/>
+    <dgm:txPr/>
+    <dgm:style>
+      <a:lnRef idx="2">
+        <a:scrgbClr r="0" g="0" b="0"/>
+      </a:lnRef>
+      <a:fillRef idx="1">
+        <a:scrgbClr r="0" g="0" b="0"/>
+      </a:fillRef>
+      <a:effectRef idx="0">
+        <a:scrgbClr r="0" g="0" b="0"/>
+      </a:effectRef>
+      <a:fontRef idx="minor"/>
+    </dgm:style>
+  </dgm:styleLbl>
+  <dgm:styleLbl name="asst0">
+    <dgm:scene3d>
+      <a:camera prst="orthographicFront"/>
+      <a:lightRig rig="threePt" dir="t"/>
+    </dgm:scene3d>
+    <dgm:sp3d/>
+    <dgm:txPr/>
+    <dgm:style>
+      <a:lnRef idx="2">
+        <a:scrgbClr r="0" g="0" b="0"/>
+      </a:lnRef>
+      <a:fillRef idx="1">
+        <a:scrgbClr r="0" g="0" b="0"/>
+      </a:fillRef>
+      <a:effectRef idx="0">
+        <a:scrgbClr r="0" g="0" b="0"/>
+      </a:effectRef>
+      <a:fontRef idx="minor">
+        <a:schemeClr val="lt1"/>
+      </a:fontRef>
+    </dgm:style>
+  </dgm:styleLbl>
+  <dgm:styleLbl name="asst1">
+    <dgm:scene3d>
+      <a:camera prst="orthographicFront"/>
+      <a:lightRig rig="threePt" dir="t"/>
+    </dgm:scene3d>
+    <dgm:sp3d/>
+    <dgm:txPr/>
+    <dgm:style>
+      <a:lnRef idx="2">
+        <a:scrgbClr r="0" g="0" b="0"/>
+      </a:lnRef>
+      <a:fillRef idx="1">
+        <a:scrgbClr r="0" g="0" b="0"/>
+      </a:fillRef>
+      <a:effectRef idx="0">
+        <a:scrgbClr r="0" g="0" b="0"/>
+      </a:effectRef>
+      <a:fontRef idx="minor">
+        <a:schemeClr val="lt1"/>
+      </a:fontRef>
+    </dgm:style>
+  </dgm:styleLbl>
+  <dgm:styleLbl name="asst2">
+    <dgm:scene3d>
+      <a:camera prst="orthographicFront"/>
+      <a:lightRig rig="threePt" dir="t"/>
+    </dgm:scene3d>
+    <dgm:sp3d/>
+    <dgm:txPr/>
+    <dgm:style>
+      <a:lnRef idx="2">
+        <a:scrgbClr r="0" g="0" b="0"/>
+      </a:lnRef>
+      <a:fillRef idx="1">
+        <a:scrgbClr r="0" g="0" b="0"/>
+      </a:fillRef>
+      <a:effectRef idx="0">
+        <a:scrgbClr r="0" g="0" b="0"/>
+      </a:effectRef>
+      <a:fontRef idx="minor">
+        <a:schemeClr val="lt1"/>
+      </a:fontRef>
+    </dgm:style>
+  </dgm:styleLbl>
+  <dgm:styleLbl name="asst3">
+    <dgm:scene3d>
+      <a:camera prst="orthographicFront"/>
+      <a:lightRig rig="threePt" dir="t"/>
+    </dgm:scene3d>
+    <dgm:sp3d/>
+    <dgm:txPr/>
+    <dgm:style>
+      <a:lnRef idx="2">
+        <a:scrgbClr r="0" g="0" b="0"/>
+      </a:lnRef>
+      <a:fillRef idx="1">
+        <a:scrgbClr r="0" g="0" b="0"/>
+      </a:fillRef>
+      <a:effectRef idx="0">
+        <a:scrgbClr r="0" g="0" b="0"/>
+      </a:effectRef>
+      <a:fontRef idx="minor">
+        <a:schemeClr val="lt1"/>
+      </a:fontRef>
+    </dgm:style>
+  </dgm:styleLbl>
+  <dgm:styleLbl name="asst4">
+    <dgm:scene3d>
+      <a:camera prst="orthographicFront"/>
+      <a:lightRig rig="threePt" dir="t"/>
+    </dgm:scene3d>
+    <dgm:sp3d/>
+    <dgm:txPr/>
+    <dgm:style>
+      <a:lnRef idx="2">
+        <a:scrgbClr r="0" g="0" b="0"/>
+      </a:lnRef>
+      <a:fillRef idx="1">
+        <a:scrgbClr r="0" g="0" b="0"/>
+      </a:fillRef>
+      <a:effectRef idx="0">
+        <a:scrgbClr r="0" g="0" b="0"/>
+      </a:effectRef>
+      <a:fontRef idx="minor">
+        <a:schemeClr val="lt1"/>
+      </a:fontRef>
+    </dgm:style>
+  </dgm:styleLbl>
+  <dgm:styleLbl name="parChTrans2D1">
+    <dgm:scene3d>
+      <a:camera prst="orthographicFront"/>
+      <a:lightRig rig="threePt" dir="t"/>
+    </dgm:scene3d>
+    <dgm:sp3d/>
+    <dgm:txPr/>
+    <dgm:style>
+      <a:lnRef idx="2">
+        <a:scrgbClr r="0" g="0" b="0"/>
+      </a:lnRef>
+      <a:fillRef idx="1">
+        <a:scrgbClr r="0" g="0" b="0"/>
+      </a:fillRef>
+      <a:effectRef idx="0">
+        <a:scrgbClr r="0" g="0" b="0"/>
+      </a:effectRef>
+      <a:fontRef idx="minor">
+        <a:schemeClr val="lt1"/>
+      </a:fontRef>
+    </dgm:style>
+  </dgm:styleLbl>
+  <dgm:styleLbl name="parChTrans2D2">
+    <dgm:scene3d>
+      <a:camera prst="orthographicFront"/>
+      <a:lightRig rig="threePt" dir="t"/>
+    </dgm:scene3d>
+    <dgm:sp3d/>
+    <dgm:txPr/>
+    <dgm:style>
+      <a:lnRef idx="2">
+        <a:scrgbClr r="0" g="0" b="0"/>
+      </a:lnRef>
+      <a:fillRef idx="1">
+        <a:scrgbClr r="0" g="0" b="0"/>
+      </a:fillRef>
+      <a:effectRef idx="0">
+        <a:scrgbClr r="0" g="0" b="0"/>
+      </a:effectRef>
+      <a:fontRef idx="minor">
+        <a:schemeClr val="lt1"/>
+      </a:fontRef>
+    </dgm:style>
+  </dgm:styleLbl>
+  <dgm:styleLbl name="parChTrans2D3">
+    <dgm:scene3d>
+      <a:camera prst="orthographicFront"/>
+      <a:lightRig rig="threePt" dir="t"/>
+    </dgm:scene3d>
+    <dgm:sp3d/>
+    <dgm:txPr/>
+    <dgm:style>
+      <a:lnRef idx="2">
+        <a:scrgbClr r="0" g="0" b="0"/>
+      </a:lnRef>
+      <a:fillRef idx="1">
+        <a:scrgbClr r="0" g="0" b="0"/>
+      </a:fillRef>
+      <a:effectRef idx="0">
+        <a:scrgbClr r="0" g="0" b="0"/>
+      </a:effectRef>
+      <a:fontRef idx="minor">
+        <a:schemeClr val="lt1"/>
+      </a:fontRef>
+    </dgm:style>
+  </dgm:styleLbl>
+  <dgm:styleLbl name="parChTrans2D4">
+    <dgm:scene3d>
+      <a:camera prst="orthographicFront"/>
+      <a:lightRig rig="threePt" dir="t"/>
+    </dgm:scene3d>
+    <dgm:sp3d/>
+    <dgm:txPr/>
+    <dgm:style>
+      <a:lnRef idx="2">
+        <a:scrgbClr r="0" g="0" b="0"/>
+      </a:lnRef>
+      <a:fillRef idx="1">
+        <a:scrgbClr r="0" g="0" b="0"/>
+      </a:fillRef>
+      <a:effectRef idx="0">
+        <a:scrgbClr r="0" g="0" b="0"/>
+      </a:effectRef>
+      <a:fontRef idx="minor">
+        <a:schemeClr val="lt1"/>
+      </a:fontRef>
+    </dgm:style>
+  </dgm:styleLbl>
+  <dgm:styleLbl name="parChTrans1D1">
+    <dgm:scene3d>
+      <a:camera prst="orthographicFront"/>
+      <a:lightRig rig="threePt" dir="t"/>
+    </dgm:scene3d>
+    <dgm:sp3d/>
+    <dgm:txPr/>
+    <dgm:style>
+      <a:lnRef idx="2">
+        <a:scrgbClr r="0" g="0" b="0"/>
+      </a:lnRef>
+      <a:fillRef idx="0">
+        <a:scrgbClr r="0" g="0" b="0"/>
+      </a:fillRef>
+      <a:effectRef idx="0">
+        <a:scrgbClr r="0" g="0" b="0"/>
+      </a:effectRef>
+      <a:fontRef idx="minor"/>
+    </dgm:style>
+  </dgm:styleLbl>
+  <dgm:styleLbl name="parChTrans1D2">
+    <dgm:scene3d>
+      <a:camera prst="orthographicFront"/>
+      <a:lightRig rig="threePt" dir="t"/>
+    </dgm:scene3d>
+    <dgm:sp3d/>
+    <dgm:txPr/>
+    <dgm:style>
+      <a:lnRef idx="2">
+        <a:scrgbClr r="0" g="0" b="0"/>
+      </a:lnRef>
+      <a:fillRef idx="0">
+        <a:scrgbClr r="0" g="0" b="0"/>
+      </a:fillRef>
+      <a:effectRef idx="0">
+        <a:scrgbClr r="0" g="0" b="0"/>
+      </a:effectRef>
+      <a:fontRef idx="minor"/>
+    </dgm:style>
+  </dgm:styleLbl>
+  <dgm:styleLbl name="parChTrans1D3">
+    <dgm:scene3d>
+      <a:camera prst="orthographicFront"/>
+      <a:lightRig rig="threePt" dir="t"/>
+    </dgm:scene3d>
+    <dgm:sp3d/>
+    <dgm:txPr/>
+    <dgm:style>
+      <a:lnRef idx="2">
+        <a:scrgbClr r="0" g="0" b="0"/>
+      </a:lnRef>
+      <a:fillRef idx="0">
+        <a:scrgbClr r="0" g="0" b="0"/>
+      </a:fillRef>
+      <a:effectRef idx="0">
+        <a:scrgbClr r="0" g="0" b="0"/>
+      </a:effectRef>
+      <a:fontRef idx="minor"/>
+    </dgm:style>
+  </dgm:styleLbl>
+  <dgm:styleLbl name="parChTrans1D4">
+    <dgm:scene3d>
+      <a:camera prst="orthographicFront"/>
+      <a:lightRig rig="threePt" dir="t"/>
+    </dgm:scene3d>
+    <dgm:sp3d/>
+    <dgm:txPr/>
+    <dgm:style>
+      <a:lnRef idx="2">
+        <a:scrgbClr r="0" g="0" b="0"/>
+      </a:lnRef>
+      <a:fillRef idx="0">
+        <a:scrgbClr r="0" g="0" b="0"/>
+      </a:fillRef>
+      <a:effectRef idx="0">
+        <a:scrgbClr r="0" g="0" b="0"/>
+      </a:effectRef>
+      <a:fontRef idx="minor"/>
+    </dgm:style>
+  </dgm:styleLbl>
+  <dgm:styleLbl name="fgAcc1">
+    <dgm:scene3d>
+      <a:camera prst="orthographicFront"/>
+      <a:lightRig rig="threePt" dir="t"/>
+    </dgm:scene3d>
+    <dgm:sp3d/>
+    <dgm:txPr/>
+    <dgm:style>
+      <a:lnRef idx="2">
+        <a:scrgbClr r="0" g="0" b="0"/>
+      </a:lnRef>
+      <a:fillRef idx="1">
+        <a:scrgbClr r="0" g="0" b="0"/>
+      </a:fillRef>
+      <a:effectRef idx="0">
+        <a:scrgbClr r="0" g="0" b="0"/>
+      </a:effectRef>
+      <a:fontRef idx="minor"/>
+    </dgm:style>
+  </dgm:styleLbl>
+  <dgm:styleLbl name="conFgAcc1">
+    <dgm:scene3d>
+      <a:camera prst="orthographicFront"/>
+      <a:lightRig rig="threePt" dir="t"/>
+    </dgm:scene3d>
+    <dgm:sp3d/>
+    <dgm:txPr/>
+    <dgm:style>
+      <a:lnRef idx="2">
+        <a:scrgbClr r="0" g="0" b="0"/>
+      </a:lnRef>
+      <a:fillRef idx="1">
+        <a:scrgbClr r="0" g="0" b="0"/>
+      </a:fillRef>
+      <a:effectRef idx="0">
+        <a:scrgbClr r="0" g="0" b="0"/>
+      </a:effectRef>
+      <a:fontRef idx="minor"/>
+    </dgm:style>
+  </dgm:styleLbl>
+  <dgm:styleLbl name="alignAcc1">
+    <dgm:scene3d>
+      <a:camera prst="orthographicFront"/>
+      <a:lightRig rig="threePt" dir="t"/>
+    </dgm:scene3d>
+    <dgm:sp3d/>
+    <dgm:txPr/>
+    <dgm:style>
+      <a:lnRef idx="2">
+        <a:scrgbClr r="0" g="0" b="0"/>
+      </a:lnRef>
+      <a:fillRef idx="1">
+        <a:scrgbClr r="0" g="0" b="0"/>
+      </a:fillRef>
+      <a:effectRef idx="0">
+        <a:scrgbClr r="0" g="0" b="0"/>
+      </a:effectRef>
+      <a:fontRef idx="minor"/>
+    </dgm:style>
+  </dgm:styleLbl>
+  <dgm:styleLbl name="trAlignAcc1">
+    <dgm:scene3d>
+      <a:camera prst="orthographicFront"/>
+      <a:lightRig rig="threePt" dir="t"/>
+    </dgm:scene3d>
+    <dgm:sp3d/>
+    <dgm:txPr/>
+    <dgm:style>
+      <a:lnRef idx="1">
+        <a:scrgbClr r="0" g="0" b="0"/>
+      </a:lnRef>
+      <a:fillRef idx="1">
+        <a:scrgbClr r="0" g="0" b="0"/>
+      </a:fillRef>
+      <a:effectRef idx="0">
+        <a:scrgbClr r="0" g="0" b="0"/>
+      </a:effectRef>
+      <a:fontRef idx="minor"/>
+    </dgm:style>
+  </dgm:styleLbl>
+  <dgm:styleLbl name="bgAcc1">
+    <dgm:scene3d>
+      <a:camera prst="orthographicFront"/>
+      <a:lightRig rig="threePt" dir="t"/>
+    </dgm:scene3d>
+    <dgm:sp3d/>
+    <dgm:txPr/>
+    <dgm:style>
+      <a:lnRef idx="2">
+        <a:scrgbClr r="0" g="0" b="0"/>
+      </a:lnRef>
+      <a:fillRef idx="1">
+        <a:scrgbClr r="0" g="0" b="0"/>
+      </a:fillRef>
+      <a:effectRef idx="0">
+        <a:scrgbClr r="0" g="0" b="0"/>
+      </a:effectRef>
+      <a:fontRef idx="minor"/>
+    </dgm:style>
+  </dgm:styleLbl>
+  <dgm:styleLbl name="solidFgAcc1">
+    <dgm:scene3d>
+      <a:camera prst="orthographicFront"/>
+      <a:lightRig rig="threePt" dir="t"/>
+    </dgm:scene3d>
+    <dgm:sp3d/>
+    <dgm:txPr/>
+    <dgm:style>
+      <a:lnRef idx="2">
+        <a:scrgbClr r="0" g="0" b="0"/>
+      </a:lnRef>
+      <a:fillRef idx="1">
+        <a:scrgbClr r="0" g="0" b="0"/>
+      </a:fillRef>
+      <a:effectRef idx="0">
+        <a:scrgbClr r="0" g="0" b="0"/>
+      </a:effectRef>
+      <a:fontRef idx="minor"/>
+    </dgm:style>
+  </dgm:styleLbl>
+  <dgm:styleLbl name="solidAlignAcc1">
+    <dgm:scene3d>
+      <a:camera prst="orthographicFront"/>
+      <a:lightRig rig="threePt" dir="t"/>
+    </dgm:scene3d>
+    <dgm:sp3d/>
+    <dgm:txPr/>
+    <dgm:style>
+      <a:lnRef idx="2">
+        <a:scrgbClr r="0" g="0" b="0"/>
+      </a:lnRef>
+      <a:fillRef idx="1">
+        <a:scrgbClr r="0" g="0" b="0"/>
+      </a:fillRef>
+      <a:effectRef idx="0">
+        <a:scrgbClr r="0" g="0" b="0"/>
+      </a:effectRef>
+      <a:fontRef idx="minor"/>
+    </dgm:style>
+  </dgm:styleLbl>
+  <dgm:styleLbl name="solidBgAcc1">
+    <dgm:scene3d>
+      <a:camera prst="orthographicFront"/>
+      <a:lightRig rig="threePt" dir="t"/>
+    </dgm:scene3d>
+    <dgm:sp3d/>
+    <dgm:txPr/>
+    <dgm:style>
+      <a:lnRef idx="2">
+        <a:scrgbClr r="0" g="0" b="0"/>
+      </a:lnRef>
+      <a:fillRef idx="1">
+        <a:scrgbClr r="0" g="0" b="0"/>
+      </a:fillRef>
+      <a:effectRef idx="0">
+        <a:scrgbClr r="0" g="0" b="0"/>
+      </a:effectRef>
+      <a:fontRef idx="minor"/>
+    </dgm:style>
+  </dgm:styleLbl>
+  <dgm:styleLbl name="fgAccFollowNode1">
+    <dgm:scene3d>
+      <a:camera prst="orthographicFront"/>
+      <a:lightRig rig="threePt" dir="t"/>
+    </dgm:scene3d>
+    <dgm:sp3d/>
+    <dgm:txPr/>
+    <dgm:style>
+      <a:lnRef idx="2">
+        <a:scrgbClr r="0" g="0" b="0"/>
+      </a:lnRef>
+      <a:fillRef idx="1">
+        <a:scrgbClr r="0" g="0" b="0"/>
+      </a:fillRef>
+      <a:effectRef idx="0">
+        <a:scrgbClr r="0" g="0" b="0"/>
+      </a:effectRef>
+      <a:fontRef idx="minor"/>
+    </dgm:style>
+  </dgm:styleLbl>
+  <dgm:styleLbl name="alignAccFollowNode1">
+    <dgm:scene3d>
+      <a:camera prst="orthographicFront"/>
+      <a:lightRig rig="threePt" dir="t"/>
+    </dgm:scene3d>
+    <dgm:sp3d/>
+    <dgm:txPr/>
+    <dgm:style>
+      <a:lnRef idx="2">
+        <a:scrgbClr r="0" g="0" b="0"/>
+      </a:lnRef>
+      <a:fillRef idx="1">
+        <a:scrgbClr r="0" g="0" b="0"/>
+      </a:fillRef>
+      <a:effectRef idx="0">
+        <a:scrgbClr r="0" g="0" b="0"/>
+      </a:effectRef>
+      <a:fontRef idx="minor"/>
+    </dgm:style>
+  </dgm:styleLbl>
+  <dgm:styleLbl name="bgAccFollowNode1">
+    <dgm:scene3d>
+      <a:camera prst="orthographicFront"/>
+      <a:lightRig rig="threePt" dir="t"/>
+    </dgm:scene3d>
+    <dgm:sp3d/>
+    <dgm:txPr/>
+    <dgm:style>
+      <a:lnRef idx="2">
+        <a:scrgbClr r="0" g="0" b="0"/>
+      </a:lnRef>
+      <a:fillRef idx="1">
+        <a:scrgbClr r="0" g="0" b="0"/>
+      </a:fillRef>
+      <a:effectRef idx="0">
+        <a:scrgbClr r="0" g="0" b="0"/>
+      </a:effectRef>
+      <a:fontRef idx="minor"/>
+    </dgm:style>
+  </dgm:styleLbl>
+  <dgm:styleLbl name="fgAcc0">
+    <dgm:scene3d>
+      <a:camera prst="orthographicFront"/>
+      <a:lightRig rig="threePt" dir="t"/>
+    </dgm:scene3d>
+    <dgm:sp3d/>
+    <dgm:txPr/>
+    <dgm:style>
+      <a:lnRef idx="2">
+        <a:scrgbClr r="0" g="0" b="0"/>
+      </a:lnRef>
+      <a:fillRef idx="1">
+        <a:scrgbClr r="0" g="0" b="0"/>
+      </a:fillRef>
+      <a:effectRef idx="0">
+        <a:scrgbClr r="0" g="0" b="0"/>
+      </a:effectRef>
+      <a:fontRef idx="minor"/>
+    </dgm:style>
+  </dgm:styleLbl>
+  <dgm:styleLbl name="fgAcc2">
+    <dgm:scene3d>
+      <a:camera prst="orthographicFront"/>
+      <a:lightRig rig="threePt" dir="t"/>
+    </dgm:scene3d>
+    <dgm:sp3d/>
+    <dgm:txPr/>
+    <dgm:style>
+      <a:lnRef idx="2">
+        <a:scrgbClr r="0" g="0" b="0"/>
+      </a:lnRef>
+      <a:fillRef idx="1">
+        <a:scrgbClr r="0" g="0" b="0"/>
+      </a:fillRef>
+      <a:effectRef idx="0">
+        <a:scrgbClr r="0" g="0" b="0"/>
+      </a:effectRef>
+      <a:fontRef idx="minor"/>
+    </dgm:style>
+  </dgm:styleLbl>
+  <dgm:styleLbl name="fgAcc3">
+    <dgm:scene3d>
+      <a:camera prst="orthographicFront"/>
+      <a:lightRig rig="threePt" dir="t"/>
+    </dgm:scene3d>
+    <dgm:sp3d/>
+    <dgm:txPr/>
+    <dgm:style>
+      <a:lnRef idx="2">
+        <a:scrgbClr r="0" g="0" b="0"/>
+      </a:lnRef>
+      <a:fillRef idx="1">
+        <a:scrgbClr r="0" g="0" b="0"/>
+      </a:fillRef>
+      <a:effectRef idx="0">
+        <a:scrgbClr r="0" g="0" b="0"/>
+      </a:effectRef>
+      <a:fontRef idx="minor"/>
+    </dgm:style>
+  </dgm:styleLbl>
+  <dgm:styleLbl name="fgAcc4">
+    <dgm:scene3d>
+      <a:camera prst="orthographicFront"/>
+      <a:lightRig rig="threePt" dir="t"/>
+    </dgm:scene3d>
+    <dgm:sp3d/>
+    <dgm:txPr/>
+    <dgm:style>
+      <a:lnRef idx="2">
+        <a:scrgbClr r="0" g="0" b="0"/>
+      </a:lnRef>
+      <a:fillRef idx="1">
+        <a:scrgbClr r="0" g="0" b="0"/>
+      </a:fillRef>
+      <a:effectRef idx="0">
+        <a:scrgbClr r="0" g="0" b="0"/>
+      </a:effectRef>
+      <a:fontRef idx="minor"/>
+    </dgm:style>
+  </dgm:styleLbl>
+  <dgm:styleLbl name="bgShp">
+    <dgm:scene3d>
+      <a:camera prst="orthographicFront"/>
+      <a:lightRig rig="threePt" dir="t"/>
+    </dgm:scene3d>
+    <dgm:sp3d/>
+    <dgm:txPr/>
+    <dgm:style>
+      <a:lnRef idx="0">
+        <a:scrgbClr r="0" g="0" b="0"/>
+      </a:lnRef>
+      <a:fillRef idx="1">
+        <a:scrgbClr r="0" g="0" b="0"/>
+      </a:fillRef>
+      <a:effectRef idx="0">
+        <a:scrgbClr r="0" g="0" b="0"/>
+      </a:effectRef>
+      <a:fontRef idx="minor"/>
+    </dgm:style>
+  </dgm:styleLbl>
+  <dgm:styleLbl name="dkBgShp">
+    <dgm:scene3d>
+      <a:camera prst="orthographicFront"/>
+      <a:lightRig rig="threePt" dir="t"/>
+    </dgm:scene3d>
+    <dgm:sp3d/>
+    <dgm:txPr/>
+    <dgm:style>
+      <a:lnRef idx="0">
+        <a:scrgbClr r="0" g="0" b="0"/>
+      </a:lnRef>
+      <a:fillRef idx="1">
+        <a:scrgbClr r="0" g="0" b="0"/>
+      </a:fillRef>
+      <a:effectRef idx="0">
+        <a:scrgbClr r="0" g="0" b="0"/>
+      </a:effectRef>
+      <a:fontRef idx="minor"/>
+    </dgm:style>
+  </dgm:styleLbl>
+  <dgm:styleLbl name="trBgShp">
+    <dgm:scene3d>
+      <a:camera prst="orthographicFront"/>
+      <a:lightRig rig="threePt" dir="t"/>
+    </dgm:scene3d>
+    <dgm:sp3d/>
+    <dgm:txPr/>
+    <dgm:style>
+      <a:lnRef idx="0">
+        <a:scrgbClr r="0" g="0" b="0"/>
+      </a:lnRef>
+      <a:fillRef idx="1">
+        <a:scrgbClr r="0" g="0" b="0"/>
+      </a:fillRef>
+      <a:effectRef idx="0">
+        <a:scrgbClr r="0" g="0" b="0"/>
+      </a:effectRef>
+      <a:fontRef idx="minor"/>
+    </dgm:style>
+  </dgm:styleLbl>
+  <dgm:styleLbl name="fgShp">
+    <dgm:scene3d>
+      <a:camera prst="orthographicFront"/>
+      <a:lightRig rig="threePt" dir="t"/>
+    </dgm:scene3d>
+    <dgm:sp3d/>
+    <dgm:txPr/>
+    <dgm:style>
+      <a:lnRef idx="2">
+        <a:scrgbClr r="0" g="0" b="0"/>
+      </a:lnRef>
+      <a:fillRef idx="1">
+        <a:scrgbClr r="0" g="0" b="0"/>
+      </a:fillRef>
+      <a:effectRef idx="0">
+        <a:scrgbClr r="0" g="0" b="0"/>
+      </a:effectRef>
+      <a:fontRef idx="minor"/>
+    </dgm:style>
+  </dgm:styleLbl>
+  <dgm:styleLbl name="revTx">
+    <dgm:scene3d>
+      <a:camera prst="orthographicFront"/>
+      <a:lightRig rig="threePt" dir="t"/>
+    </dgm:scene3d>
+    <dgm:sp3d/>
+    <dgm:txPr/>
+    <dgm:style>
+      <a:lnRef idx="0">
+        <a:scrgbClr r="0" g="0" b="0"/>
+      </a:lnRef>
+      <a:fillRef idx="0">
+        <a:scrgbClr r="0" g="0" b="0"/>
+      </a:fillRef>
+      <a:effectRef idx="0">
+        <a:scrgbClr r="0" g="0" b="0"/>
+      </a:effectRef>
+      <a:fontRef idx="minor"/>
+    </dgm:style>
+  </dgm:styleLbl>
+</dgm:styleDef>
+</file>
+
+<file path=ppt/diagrams/quickStyle3.xml><?xml version="1.0" encoding="utf-8"?>
 <dgm:styleDef xmlns:dgm="http://schemas.openxmlformats.org/drawingml/2006/diagram" xmlns:a="http://schemas.openxmlformats.org/drawingml/2006/main" uniqueId="urn:microsoft.com/office/officeart/2005/8/quickstyle/simple3">
   <dgm:title val=""/>
   <dgm:desc val=""/>
@@ -4036,7 +9011,7 @@
           <a:p>
             <a:fld id="{3FDC14FC-A894-4869-A797-1EC82735D106}" type="datetimeFigureOut">
               <a:rPr lang="en-US" smtClean="0"/>
-              <a:t>10/20/2019</a:t>
+              <a:t>10/21/2019</a:t>
             </a:fld>
             <a:endParaRPr lang="en-US"/>
           </a:p>
@@ -4201,7 +9176,7 @@
           <a:p>
             <a:fld id="{B4F99C05-63F9-4248-8E20-3ACD9DF9DE7F}" type="datetimeFigureOut">
               <a:rPr lang="en-US" smtClean="0"/>
-              <a:t>10/20/2019</a:t>
+              <a:t>10/21/2019</a:t>
             </a:fld>
             <a:endParaRPr lang="en-US"/>
           </a:p>
@@ -4512,18 +9487,6 @@
           <a:bodyPr/>
           <a:lstStyle/>
           <a:p>
-            <a:r>
-              <a:rPr lang="en-US" dirty="0" err="1" smtClean="0"/>
-              <a:t>.Net</a:t>
-            </a:r>
-            <a:r>
-              <a:rPr lang="en-US" baseline="0" dirty="0" smtClean="0"/>
-              <a:t> Core 3 – WPF / </a:t>
-            </a:r>
-            <a:r>
-              <a:rPr lang="en-US" baseline="0" dirty="0" err="1" smtClean="0"/>
-              <a:t>WinForms</a:t>
-            </a:r>
             <a:endParaRPr lang="ru-RU" dirty="0"/>
           </a:p>
         </p:txBody>
@@ -4545,7 +9508,7 @@
           <a:p>
             <a:fld id="{A874FABB-6DBE-47C4-B626-20167906F475}" type="slidenum">
               <a:rPr lang="en-US" smtClean="0"/>
-              <a:t>5</a:t>
+              <a:t>4</a:t>
             </a:fld>
             <a:endParaRPr lang="en-US"/>
           </a:p>
@@ -4554,7 +9517,7 @@
     </p:spTree>
     <p:extLst>
       <p:ext uri="{BB962C8B-B14F-4D97-AF65-F5344CB8AC3E}">
-        <p14:creationId xmlns:p14="http://schemas.microsoft.com/office/powerpoint/2010/main" val="2939704399"/>
+        <p14:creationId xmlns:p14="http://schemas.microsoft.com/office/powerpoint/2010/main" val="1746927514"/>
       </p:ext>
     </p:extLst>
   </p:cSld>
@@ -4608,6 +9571,102 @@
           <a:bodyPr/>
           <a:lstStyle/>
           <a:p>
+            <a:r>
+              <a:rPr lang="en-US" dirty="0" err="1" smtClean="0"/>
+              <a:t>.Net</a:t>
+            </a:r>
+            <a:r>
+              <a:rPr lang="en-US" baseline="0" dirty="0" smtClean="0"/>
+              <a:t> Core 3 – WPF / </a:t>
+            </a:r>
+            <a:r>
+              <a:rPr lang="en-US" baseline="0" dirty="0" err="1" smtClean="0"/>
+              <a:t>WinForms</a:t>
+            </a:r>
+            <a:endParaRPr lang="ru-RU" dirty="0"/>
+          </a:p>
+        </p:txBody>
+      </p:sp>
+      <p:sp>
+        <p:nvSpPr>
+          <p:cNvPr id="4" name="Номер слайда 3"/>
+          <p:cNvSpPr>
+            <a:spLocks noGrp="1"/>
+          </p:cNvSpPr>
+          <p:nvPr>
+            <p:ph type="sldNum" sz="quarter" idx="10"/>
+          </p:nvPr>
+        </p:nvSpPr>
+        <p:spPr/>
+        <p:txBody>
+          <a:bodyPr/>
+          <a:lstStyle/>
+          <a:p>
+            <a:fld id="{A874FABB-6DBE-47C4-B626-20167906F475}" type="slidenum">
+              <a:rPr lang="en-US" smtClean="0"/>
+              <a:t>5</a:t>
+            </a:fld>
+            <a:endParaRPr lang="en-US"/>
+          </a:p>
+        </p:txBody>
+      </p:sp>
+    </p:spTree>
+    <p:extLst>
+      <p:ext uri="{BB962C8B-B14F-4D97-AF65-F5344CB8AC3E}">
+        <p14:creationId xmlns:p14="http://schemas.microsoft.com/office/powerpoint/2010/main" val="2939704399"/>
+      </p:ext>
+    </p:extLst>
+  </p:cSld>
+  <p:clrMapOvr>
+    <a:masterClrMapping/>
+  </p:clrMapOvr>
+</p:notes>
+</file>
+
+<file path=ppt/notesSlides/notesSlide3.xml><?xml version="1.0" encoding="utf-8"?>
+<p:notes xmlns:a="http://schemas.openxmlformats.org/drawingml/2006/main" xmlns:r="http://schemas.openxmlformats.org/officeDocument/2006/relationships" xmlns:p="http://schemas.openxmlformats.org/presentationml/2006/main">
+  <p:cSld>
+    <p:spTree>
+      <p:nvGrpSpPr>
+        <p:cNvPr id="1" name=""/>
+        <p:cNvGrpSpPr/>
+        <p:nvPr/>
+      </p:nvGrpSpPr>
+      <p:grpSpPr>
+        <a:xfrm>
+          <a:off x="0" y="0"/>
+          <a:ext cx="0" cy="0"/>
+          <a:chOff x="0" y="0"/>
+          <a:chExt cx="0" cy="0"/>
+        </a:xfrm>
+      </p:grpSpPr>
+      <p:sp>
+        <p:nvSpPr>
+          <p:cNvPr id="2" name="Образ слайда 1"/>
+          <p:cNvSpPr>
+            <a:spLocks noGrp="1" noRot="1" noChangeAspect="1"/>
+          </p:cNvSpPr>
+          <p:nvPr>
+            <p:ph type="sldImg"/>
+          </p:nvPr>
+        </p:nvSpPr>
+        <p:spPr/>
+      </p:sp>
+      <p:sp>
+        <p:nvSpPr>
+          <p:cNvPr id="3" name="Заметки 2"/>
+          <p:cNvSpPr>
+            <a:spLocks noGrp="1"/>
+          </p:cNvSpPr>
+          <p:nvPr>
+            <p:ph type="body" idx="1"/>
+          </p:nvPr>
+        </p:nvSpPr>
+        <p:spPr/>
+        <p:txBody>
+          <a:bodyPr/>
+          <a:lstStyle/>
+          <a:p>
             <a:pPr marL="228600" indent="-228600">
               <a:buAutoNum type="arabicPeriod"/>
             </a:pPr>
@@ -4709,7 +9768,7 @@
 </p:notes>
 </file>
 
-<file path=ppt/notesSlides/notesSlide3.xml><?xml version="1.0" encoding="utf-8"?>
+<file path=ppt/notesSlides/notesSlide4.xml><?xml version="1.0" encoding="utf-8"?>
 <p:notes xmlns:a="http://schemas.openxmlformats.org/drawingml/2006/main" xmlns:r="http://schemas.openxmlformats.org/officeDocument/2006/relationships" xmlns:p="http://schemas.openxmlformats.org/presentationml/2006/main">
   <p:cSld>
     <p:spTree>
@@ -4793,7 +9852,7 @@
 </p:notes>
 </file>
 
-<file path=ppt/notesSlides/notesSlide4.xml><?xml version="1.0" encoding="utf-8"?>
+<file path=ppt/notesSlides/notesSlide5.xml><?xml version="1.0" encoding="utf-8"?>
 <p:notes xmlns:a="http://schemas.openxmlformats.org/drawingml/2006/main" xmlns:r="http://schemas.openxmlformats.org/officeDocument/2006/relationships" xmlns:p="http://schemas.openxmlformats.org/presentationml/2006/main">
   <p:cSld>
     <p:spTree>
@@ -4924,221 +9983,6 @@
     <p:extLst>
       <p:ext uri="{BB962C8B-B14F-4D97-AF65-F5344CB8AC3E}">
         <p14:creationId xmlns:p14="http://schemas.microsoft.com/office/powerpoint/2010/main" val="4265055325"/>
-      </p:ext>
-    </p:extLst>
-  </p:cSld>
-  <p:clrMapOvr>
-    <a:masterClrMapping/>
-  </p:clrMapOvr>
-</p:notes>
-</file>
-
-<file path=ppt/notesSlides/notesSlide5.xml><?xml version="1.0" encoding="utf-8"?>
-<p:notes xmlns:a="http://schemas.openxmlformats.org/drawingml/2006/main" xmlns:r="http://schemas.openxmlformats.org/officeDocument/2006/relationships" xmlns:p="http://schemas.openxmlformats.org/presentationml/2006/main">
-  <p:cSld>
-    <p:spTree>
-      <p:nvGrpSpPr>
-        <p:cNvPr id="1" name=""/>
-        <p:cNvGrpSpPr/>
-        <p:nvPr/>
-      </p:nvGrpSpPr>
-      <p:grpSpPr>
-        <a:xfrm>
-          <a:off x="0" y="0"/>
-          <a:ext cx="0" cy="0"/>
-          <a:chOff x="0" y="0"/>
-          <a:chExt cx="0" cy="0"/>
-        </a:xfrm>
-      </p:grpSpPr>
-      <p:sp>
-        <p:nvSpPr>
-          <p:cNvPr id="2" name="Образ слайда 1"/>
-          <p:cNvSpPr>
-            <a:spLocks noGrp="1" noRot="1" noChangeAspect="1"/>
-          </p:cNvSpPr>
-          <p:nvPr>
-            <p:ph type="sldImg"/>
-          </p:nvPr>
-        </p:nvSpPr>
-        <p:spPr/>
-      </p:sp>
-      <p:sp>
-        <p:nvSpPr>
-          <p:cNvPr id="3" name="Заметки 2"/>
-          <p:cNvSpPr>
-            <a:spLocks noGrp="1"/>
-          </p:cNvSpPr>
-          <p:nvPr>
-            <p:ph type="body" idx="1"/>
-          </p:nvPr>
-        </p:nvSpPr>
-        <p:spPr/>
-        <p:txBody>
-          <a:bodyPr/>
-          <a:lstStyle/>
-          <a:p>
-            <a:r>
-              <a:rPr lang="en-US" dirty="0" smtClean="0"/>
-              <a:t>Initial release: </a:t>
-            </a:r>
-            <a:r>
-              <a:rPr lang="en-US" dirty="0" smtClean="0">
-                <a:effectLst/>
-              </a:rPr>
-              <a:t>April 14, 1998</a:t>
-            </a:r>
-          </a:p>
-          <a:p>
-            <a:r>
-              <a:rPr lang="en-US" sz="900" b="1" i="0" u="none" strike="noStrike" kern="1200" dirty="0" smtClean="0">
-                <a:solidFill>
-                  <a:schemeClr val="tx1"/>
-                </a:solidFill>
-                <a:effectLst/>
-                <a:latin typeface="+mn-lt"/>
-                <a:ea typeface="+mn-ea"/>
-                <a:cs typeface="+mn-cs"/>
-              </a:rPr>
-              <a:t>GIMP Toolkit (https://www.gtk.org/)</a:t>
-            </a:r>
-          </a:p>
-          <a:p>
-            <a:endParaRPr lang="en-US" sz="900" b="1" i="0" u="none" strike="noStrike" kern="1200" dirty="0" smtClean="0">
-              <a:solidFill>
-                <a:schemeClr val="tx1"/>
-              </a:solidFill>
-              <a:effectLst/>
-              <a:latin typeface="+mn-lt"/>
-              <a:ea typeface="+mn-ea"/>
-              <a:cs typeface="+mn-cs"/>
-            </a:endParaRPr>
-          </a:p>
-          <a:p>
-            <a:r>
-              <a:rPr lang="en-US" dirty="0" smtClean="0">
-                <a:effectLst/>
-              </a:rPr>
-              <a:t>GTK+ — Widget toolkit for graphical interfaces </a:t>
-            </a:r>
-          </a:p>
-          <a:p>
-            <a:r>
-              <a:rPr lang="en-US" dirty="0" smtClean="0">
-                <a:effectLst/>
-              </a:rPr>
-              <a:t>GDK — Low-level abstraction for the windowing system </a:t>
-            </a:r>
-          </a:p>
-          <a:p>
-            <a:r>
-              <a:rPr lang="en-US" dirty="0" smtClean="0">
-                <a:effectLst/>
-              </a:rPr>
-              <a:t>Cairo — 2D, vector-based drawing for high-quality graphics </a:t>
-            </a:r>
-          </a:p>
-          <a:p>
-            <a:r>
-              <a:rPr lang="en-US" dirty="0" err="1" smtClean="0">
-                <a:effectLst/>
-              </a:rPr>
-              <a:t>Pango</a:t>
-            </a:r>
-            <a:r>
-              <a:rPr lang="en-US" dirty="0" smtClean="0">
-                <a:effectLst/>
-              </a:rPr>
-              <a:t> — International text rendering with full Unicode support </a:t>
-            </a:r>
-          </a:p>
-          <a:p>
-            <a:r>
-              <a:rPr lang="en-US" dirty="0" smtClean="0">
-                <a:effectLst/>
-              </a:rPr>
-              <a:t>Clutter — Animations and scene graph </a:t>
-            </a:r>
-          </a:p>
-          <a:p>
-            <a:r>
-              <a:rPr lang="en-US" dirty="0" err="1" smtClean="0">
-                <a:effectLst/>
-              </a:rPr>
-              <a:t>WebKit</a:t>
-            </a:r>
-            <a:r>
-              <a:rPr lang="en-US" dirty="0" smtClean="0">
-                <a:effectLst/>
-              </a:rPr>
-              <a:t> — HTML5 web page rendering </a:t>
-            </a:r>
-          </a:p>
-          <a:p>
-            <a:r>
-              <a:rPr lang="en-US" dirty="0" smtClean="0">
-                <a:effectLst/>
-              </a:rPr>
-              <a:t>ATK — Accessibility toolkit to implement support for screen readers and other tools</a:t>
-            </a:r>
-          </a:p>
-          <a:p>
-            <a:r>
-              <a:rPr lang="en-US" dirty="0" smtClean="0">
-                <a:effectLst/>
-              </a:rPr>
-              <a:t>GIO Files — File and URI handling, asynchronous file operations, volume handling</a:t>
-            </a:r>
-          </a:p>
-          <a:p>
-            <a:r>
-              <a:rPr lang="en-US" dirty="0" err="1" smtClean="0"/>
-              <a:t>GLib</a:t>
-            </a:r>
-            <a:r>
-              <a:rPr lang="en-US" dirty="0" smtClean="0"/>
-              <a:t> — Data structures and utilities for C programs </a:t>
-            </a:r>
-          </a:p>
-          <a:p>
-            <a:r>
-              <a:rPr lang="en-US" dirty="0" err="1" smtClean="0"/>
-              <a:t>GObject</a:t>
-            </a:r>
-            <a:r>
-              <a:rPr lang="en-US" dirty="0" smtClean="0"/>
-              <a:t> — C-based object and type system with signals and slots</a:t>
-            </a:r>
-            <a:endParaRPr lang="ru-RU" dirty="0"/>
-          </a:p>
-        </p:txBody>
-      </p:sp>
-      <p:sp>
-        <p:nvSpPr>
-          <p:cNvPr id="4" name="Номер слайда 3"/>
-          <p:cNvSpPr>
-            <a:spLocks noGrp="1"/>
-          </p:cNvSpPr>
-          <p:nvPr>
-            <p:ph type="sldNum" sz="quarter" idx="10"/>
-          </p:nvPr>
-        </p:nvSpPr>
-        <p:spPr/>
-        <p:txBody>
-          <a:bodyPr/>
-          <a:lstStyle/>
-          <a:p>
-            <a:fld id="{A874FABB-6DBE-47C4-B626-20167906F475}" type="slidenum">
-              <a:rPr lang="en-US" smtClean="0"/>
-              <a:t>10</a:t>
-            </a:fld>
-            <a:endParaRPr lang="en-US"/>
-          </a:p>
-        </p:txBody>
-      </p:sp>
-    </p:spTree>
-    <p:extLst>
-      <p:ext uri="{BB962C8B-B14F-4D97-AF65-F5344CB8AC3E}">
-        <p14:creationId xmlns:p14="http://schemas.microsoft.com/office/powerpoint/2010/main" val="1692989286"/>
       </p:ext>
     </p:extLst>
   </p:cSld>
@@ -5194,17 +10038,134 @@
           <a:p>
             <a:r>
               <a:rPr lang="en-US" dirty="0" smtClean="0"/>
-              <a:t>Code </a:t>
+              <a:t>Initial release: </a:t>
+            </a:r>
+            <a:r>
+              <a:rPr lang="en-US" dirty="0" smtClean="0">
+                <a:effectLst/>
+              </a:rPr>
+              <a:t>April 14, 1998</a:t>
             </a:r>
           </a:p>
           <a:p>
             <a:r>
+              <a:rPr lang="en-US" sz="900" b="1" i="0" u="none" strike="noStrike" kern="1200" dirty="0" smtClean="0">
+                <a:solidFill>
+                  <a:schemeClr val="tx1"/>
+                </a:solidFill>
+                <a:effectLst/>
+                <a:latin typeface="+mn-lt"/>
+                <a:ea typeface="+mn-ea"/>
+                <a:cs typeface="+mn-cs"/>
+              </a:rPr>
+              <a:t>GIMP Toolkit (https://www.gtk.org/)</a:t>
+            </a:r>
+          </a:p>
+          <a:p>
+            <a:endParaRPr lang="en-US" sz="900" b="1" i="0" u="none" strike="noStrike" kern="1200" dirty="0" smtClean="0">
+              <a:solidFill>
+                <a:schemeClr val="tx1"/>
+              </a:solidFill>
+              <a:effectLst/>
+              <a:latin typeface="+mn-lt"/>
+              <a:ea typeface="+mn-ea"/>
+              <a:cs typeface="+mn-cs"/>
+            </a:endParaRPr>
+          </a:p>
+          <a:p>
+            <a:r>
+              <a:rPr lang="en-US" dirty="0" smtClean="0">
+                <a:effectLst/>
+              </a:rPr>
+              <a:t>GTK+ — Widget toolkit for graphical interfaces </a:t>
+            </a:r>
+          </a:p>
+          <a:p>
+            <a:r>
+              <a:rPr lang="en-US" dirty="0" smtClean="0">
+                <a:effectLst/>
+              </a:rPr>
+              <a:t>GDK — Low-level abstraction for the windowing system </a:t>
+            </a:r>
+          </a:p>
+          <a:p>
+            <a:r>
+              <a:rPr lang="en-US" dirty="0" smtClean="0">
+                <a:effectLst/>
+              </a:rPr>
+              <a:t>Cairo — 2D, vector-based drawing for high-quality graphics </a:t>
+            </a:r>
+          </a:p>
+          <a:p>
+            <a:r>
+              <a:rPr lang="en-US" dirty="0" err="1" smtClean="0">
+                <a:effectLst/>
+              </a:rPr>
+              <a:t>Pango</a:t>
+            </a:r>
+            <a:r>
+              <a:rPr lang="en-US" dirty="0" smtClean="0">
+                <a:effectLst/>
+              </a:rPr>
+              <a:t> — International text rendering with full Unicode support </a:t>
+            </a:r>
+          </a:p>
+          <a:p>
+            <a:r>
+              <a:rPr lang="en-US" dirty="0" smtClean="0">
+                <a:effectLst/>
+              </a:rPr>
+              <a:t>Clutter — Animations and scene graph </a:t>
+            </a:r>
+          </a:p>
+          <a:p>
+            <a:r>
+              <a:rPr lang="en-US" dirty="0" err="1" smtClean="0">
+                <a:effectLst/>
+              </a:rPr>
+              <a:t>WebKit</a:t>
+            </a:r>
+            <a:r>
+              <a:rPr lang="en-US" dirty="0" smtClean="0">
+                <a:effectLst/>
+              </a:rPr>
+              <a:t> — HTML5 web page rendering </a:t>
+            </a:r>
+          </a:p>
+          <a:p>
+            <a:r>
+              <a:rPr lang="en-US" dirty="0" smtClean="0">
+                <a:effectLst/>
+              </a:rPr>
+              <a:t>ATK — Accessibility toolkit to implement support for screen readers and other tools</a:t>
+            </a:r>
+          </a:p>
+          <a:p>
+            <a:r>
+              <a:rPr lang="en-US" dirty="0" smtClean="0">
+                <a:effectLst/>
+              </a:rPr>
+              <a:t>GIO Files — File and URI handling, asynchronous file operations, volume handling</a:t>
+            </a:r>
+          </a:p>
+          <a:p>
+            <a:r>
+              <a:rPr lang="en-US" dirty="0" err="1" smtClean="0"/>
+              <a:t>GLib</a:t>
+            </a:r>
+            <a:r>
               <a:rPr lang="en-US" dirty="0" smtClean="0"/>
-              <a:t>Glade</a:t>
-            </a:r>
-            <a:r>
-              <a:rPr lang="en-US" baseline="0" dirty="0" smtClean="0"/>
-              <a:t> </a:t>
+              <a:t> — Data structures and utilities for C programs </a:t>
+            </a:r>
+          </a:p>
+          <a:p>
+            <a:r>
+              <a:rPr lang="en-US" dirty="0" err="1" smtClean="0"/>
+              <a:t>GObject</a:t>
+            </a:r>
+            <a:r>
+              <a:rPr lang="en-US" dirty="0" smtClean="0"/>
+              <a:t> — C-based object and type system with signals and slots</a:t>
             </a:r>
             <a:endParaRPr lang="ru-RU" dirty="0"/>
           </a:p>
@@ -5227,7 +10188,7 @@
           <a:p>
             <a:fld id="{A874FABB-6DBE-47C4-B626-20167906F475}" type="slidenum">
               <a:rPr lang="en-US" smtClean="0"/>
-              <a:t>12</a:t>
+              <a:t>10</a:t>
             </a:fld>
             <a:endParaRPr lang="en-US"/>
           </a:p>
@@ -5236,7 +10197,7 @@
     </p:spTree>
     <p:extLst>
       <p:ext uri="{BB962C8B-B14F-4D97-AF65-F5344CB8AC3E}">
-        <p14:creationId xmlns:p14="http://schemas.microsoft.com/office/powerpoint/2010/main" val="548960676"/>
+        <p14:creationId xmlns:p14="http://schemas.microsoft.com/office/powerpoint/2010/main" val="1692989286"/>
       </p:ext>
     </p:extLst>
   </p:cSld>
@@ -5291,6 +10252,104 @@
           <a:lstStyle/>
           <a:p>
             <a:r>
+              <a:rPr lang="en-US" dirty="0" smtClean="0"/>
+              <a:t>Code </a:t>
+            </a:r>
+          </a:p>
+          <a:p>
+            <a:r>
+              <a:rPr lang="en-US" dirty="0" smtClean="0"/>
+              <a:t>Glade</a:t>
+            </a:r>
+            <a:r>
+              <a:rPr lang="en-US" baseline="0" dirty="0" smtClean="0"/>
+              <a:t> </a:t>
+            </a:r>
+            <a:endParaRPr lang="ru-RU" dirty="0"/>
+          </a:p>
+        </p:txBody>
+      </p:sp>
+      <p:sp>
+        <p:nvSpPr>
+          <p:cNvPr id="4" name="Номер слайда 3"/>
+          <p:cNvSpPr>
+            <a:spLocks noGrp="1"/>
+          </p:cNvSpPr>
+          <p:nvPr>
+            <p:ph type="sldNum" sz="quarter" idx="10"/>
+          </p:nvPr>
+        </p:nvSpPr>
+        <p:spPr/>
+        <p:txBody>
+          <a:bodyPr/>
+          <a:lstStyle/>
+          <a:p>
+            <a:fld id="{A874FABB-6DBE-47C4-B626-20167906F475}" type="slidenum">
+              <a:rPr lang="en-US" smtClean="0"/>
+              <a:t>12</a:t>
+            </a:fld>
+            <a:endParaRPr lang="en-US"/>
+          </a:p>
+        </p:txBody>
+      </p:sp>
+    </p:spTree>
+    <p:extLst>
+      <p:ext uri="{BB962C8B-B14F-4D97-AF65-F5344CB8AC3E}">
+        <p14:creationId xmlns:p14="http://schemas.microsoft.com/office/powerpoint/2010/main" val="548960676"/>
+      </p:ext>
+    </p:extLst>
+  </p:cSld>
+  <p:clrMapOvr>
+    <a:masterClrMapping/>
+  </p:clrMapOvr>
+</p:notes>
+</file>
+
+<file path=ppt/notesSlides/notesSlide8.xml><?xml version="1.0" encoding="utf-8"?>
+<p:notes xmlns:a="http://schemas.openxmlformats.org/drawingml/2006/main" xmlns:r="http://schemas.openxmlformats.org/officeDocument/2006/relationships" xmlns:p="http://schemas.openxmlformats.org/presentationml/2006/main">
+  <p:cSld>
+    <p:spTree>
+      <p:nvGrpSpPr>
+        <p:cNvPr id="1" name=""/>
+        <p:cNvGrpSpPr/>
+        <p:nvPr/>
+      </p:nvGrpSpPr>
+      <p:grpSpPr>
+        <a:xfrm>
+          <a:off x="0" y="0"/>
+          <a:ext cx="0" cy="0"/>
+          <a:chOff x="0" y="0"/>
+          <a:chExt cx="0" cy="0"/>
+        </a:xfrm>
+      </p:grpSpPr>
+      <p:sp>
+        <p:nvSpPr>
+          <p:cNvPr id="2" name="Образ слайда 1"/>
+          <p:cNvSpPr>
+            <a:spLocks noGrp="1" noRot="1" noChangeAspect="1"/>
+          </p:cNvSpPr>
+          <p:nvPr>
+            <p:ph type="sldImg"/>
+          </p:nvPr>
+        </p:nvSpPr>
+        <p:spPr/>
+      </p:sp>
+      <p:sp>
+        <p:nvSpPr>
+          <p:cNvPr id="3" name="Заметки 2"/>
+          <p:cNvSpPr>
+            <a:spLocks noGrp="1"/>
+          </p:cNvSpPr>
+          <p:nvPr>
+            <p:ph type="body" idx="1"/>
+          </p:nvPr>
+        </p:nvSpPr>
+        <p:spPr/>
+        <p:txBody>
+          <a:bodyPr/>
+          <a:lstStyle/>
+          <a:p>
+            <a:r>
               <a:rPr lang="en-US" dirty="0" err="1" smtClean="0"/>
               <a:t>Qt</a:t>
             </a:r>
@@ -5338,7 +10397,7 @@
 </p:notes>
 </file>
 
-<file path=ppt/notesSlides/notesSlide8.xml><?xml version="1.0" encoding="utf-8"?>
+<file path=ppt/notesSlides/notesSlide9.xml><?xml version="1.0" encoding="utf-8"?>
 <p:notes xmlns:a="http://schemas.openxmlformats.org/drawingml/2006/main" xmlns:r="http://schemas.openxmlformats.org/officeDocument/2006/relationships" xmlns:p="http://schemas.openxmlformats.org/presentationml/2006/main">
   <p:cSld>
     <p:spTree>
@@ -11357,7 +16416,7 @@
           </a:ln>
           <a:extLst>
             <a:ext uri="{C572A759-6A51-4108-AA02-DFA0A04FC94B}">
-              <ma14:wrappingTextBoxFlag xmlns:ma14="http://schemas.microsoft.com/office/mac/drawingml/2011/main" xmlns="" val="1"/>
+              <ma14:wrappingTextBoxFlag xmlns="" xmlns:ma14="http://schemas.microsoft.com/office/mac/drawingml/2011/main" val="1"/>
             </a:ext>
           </a:extLst>
         </p:spPr>
@@ -21392,7 +26451,7 @@
         </p:nvSpPr>
         <p:spPr>
           <a:xfrm>
-            <a:off x="3632518" y="2060649"/>
+            <a:off x="3632518" y="1268176"/>
             <a:ext cx="1882140" cy="670560"/>
           </a:xfrm>
           <a:prstGeom prst="roundRect">
@@ -21791,6 +26850,126 @@
           </a:prstGeom>
         </p:spPr>
       </p:pic>
+      <p:sp>
+        <p:nvSpPr>
+          <p:cNvPr id="15" name="Стрелка вниз 14"/>
+          <p:cNvSpPr/>
+          <p:nvPr/>
+        </p:nvSpPr>
+        <p:spPr>
+          <a:xfrm rot="3288362">
+            <a:off x="1726557" y="2234938"/>
+            <a:ext cx="484632" cy="795528"/>
+          </a:xfrm>
+          <a:prstGeom prst="downArrow">
+            <a:avLst/>
+          </a:prstGeom>
+        </p:spPr>
+        <p:style>
+          <a:lnRef idx="2">
+            <a:schemeClr val="accent1">
+              <a:shade val="50000"/>
+            </a:schemeClr>
+          </a:lnRef>
+          <a:fillRef idx="1">
+            <a:schemeClr val="accent1"/>
+          </a:fillRef>
+          <a:effectRef idx="0">
+            <a:schemeClr val="accent1"/>
+          </a:effectRef>
+          <a:fontRef idx="minor">
+            <a:schemeClr val="lt1"/>
+          </a:fontRef>
+        </p:style>
+        <p:txBody>
+          <a:bodyPr rtlCol="0" anchor="ctr"/>
+          <a:lstStyle/>
+          <a:p>
+            <a:pPr algn="ctr"/>
+            <a:endParaRPr lang="ru-RU"/>
+          </a:p>
+        </p:txBody>
+      </p:sp>
+      <p:sp>
+        <p:nvSpPr>
+          <p:cNvPr id="16" name="Стрелка вниз 15"/>
+          <p:cNvSpPr/>
+          <p:nvPr/>
+        </p:nvSpPr>
+        <p:spPr>
+          <a:xfrm>
+            <a:off x="4412243" y="2316731"/>
+            <a:ext cx="484632" cy="825572"/>
+          </a:xfrm>
+          <a:prstGeom prst="downArrow">
+            <a:avLst/>
+          </a:prstGeom>
+        </p:spPr>
+        <p:style>
+          <a:lnRef idx="2">
+            <a:schemeClr val="accent1">
+              <a:shade val="50000"/>
+            </a:schemeClr>
+          </a:lnRef>
+          <a:fillRef idx="1">
+            <a:schemeClr val="accent1"/>
+          </a:fillRef>
+          <a:effectRef idx="0">
+            <a:schemeClr val="accent1"/>
+          </a:effectRef>
+          <a:fontRef idx="minor">
+            <a:schemeClr val="lt1"/>
+          </a:fontRef>
+        </p:style>
+        <p:txBody>
+          <a:bodyPr rtlCol="0" anchor="ctr"/>
+          <a:lstStyle/>
+          <a:p>
+            <a:pPr algn="ctr"/>
+            <a:endParaRPr lang="ru-RU"/>
+          </a:p>
+        </p:txBody>
+      </p:sp>
+      <p:sp>
+        <p:nvSpPr>
+          <p:cNvPr id="17" name="Стрелка вниз 16"/>
+          <p:cNvSpPr/>
+          <p:nvPr/>
+        </p:nvSpPr>
+        <p:spPr>
+          <a:xfrm rot="18506430">
+            <a:off x="7115869" y="2330956"/>
+            <a:ext cx="484632" cy="825572"/>
+          </a:xfrm>
+          <a:prstGeom prst="downArrow">
+            <a:avLst/>
+          </a:prstGeom>
+        </p:spPr>
+        <p:style>
+          <a:lnRef idx="2">
+            <a:schemeClr val="accent1">
+              <a:shade val="50000"/>
+            </a:schemeClr>
+          </a:lnRef>
+          <a:fillRef idx="1">
+            <a:schemeClr val="accent1"/>
+          </a:fillRef>
+          <a:effectRef idx="0">
+            <a:schemeClr val="accent1"/>
+          </a:effectRef>
+          <a:fontRef idx="minor">
+            <a:schemeClr val="lt1"/>
+          </a:fontRef>
+        </p:style>
+        <p:txBody>
+          <a:bodyPr rtlCol="0" anchor="ctr"/>
+          <a:lstStyle/>
+          <a:p>
+            <a:pPr algn="ctr"/>
+            <a:endParaRPr lang="ru-RU"/>
+          </a:p>
+        </p:txBody>
+      </p:sp>
     </p:spTree>
     <p:extLst>
       <p:ext uri="{BB962C8B-B14F-4D97-AF65-F5344CB8AC3E}">
@@ -22298,7 +27477,7 @@
 </file>
 
 <file path=ppt/slides/slide23.xml><?xml version="1.0" encoding="utf-8"?>
-<p:sld xmlns:a="http://schemas.openxmlformats.org/drawingml/2006/main" xmlns:r="http://schemas.openxmlformats.org/officeDocument/2006/relationships" xmlns:p="http://schemas.openxmlformats.org/presentationml/2006/main">
+<p:sld xmlns:a="http://schemas.openxmlformats.org/drawingml/2006/main" xmlns:r="http://schemas.openxmlformats.org/officeDocument/2006/relationships" xmlns:p="http://schemas.openxmlformats.org/presentationml/2006/main" show="0">
   <p:cSld>
     <p:spTree>
       <p:nvGrpSpPr>
@@ -22347,11 +27526,19 @@
   <p:clrMapOvr>
     <a:masterClrMapping/>
   </p:clrMapOvr>
+  <mc:AlternateContent xmlns:mc="http://schemas.openxmlformats.org/markup-compatibility/2006">
+    <mc:Choice xmlns:p14="http://schemas.microsoft.com/office/powerpoint/2010/main" Requires="p14">
+      <p:transition spd="slow" p14:dur="2000"/>
+    </mc:Choice>
+    <mc:Fallback>
+      <p:transition spd="slow"/>
+    </mc:Fallback>
+  </mc:AlternateContent>
 </p:sld>
 </file>
 
 <file path=ppt/slides/slide24.xml><?xml version="1.0" encoding="utf-8"?>
-<p:sld xmlns:a="http://schemas.openxmlformats.org/drawingml/2006/main" xmlns:r="http://schemas.openxmlformats.org/officeDocument/2006/relationships" xmlns:p="http://schemas.openxmlformats.org/presentationml/2006/main">
+<p:sld xmlns:a="http://schemas.openxmlformats.org/drawingml/2006/main" xmlns:r="http://schemas.openxmlformats.org/officeDocument/2006/relationships" xmlns:p="http://schemas.openxmlformats.org/presentationml/2006/main" show="0">
   <p:cSld>
     <p:spTree>
       <p:nvGrpSpPr>
@@ -22400,6 +27587,14 @@
   <p:clrMapOvr>
     <a:masterClrMapping/>
   </p:clrMapOvr>
+  <mc:AlternateContent xmlns:mc="http://schemas.openxmlformats.org/markup-compatibility/2006">
+    <mc:Choice xmlns:p14="http://schemas.microsoft.com/office/powerpoint/2010/main" Requires="p14">
+      <p:transition spd="slow" p14:dur="2000"/>
+    </mc:Choice>
+    <mc:Fallback>
+      <p:transition spd="slow"/>
+    </mc:Fallback>
+  </mc:AlternateContent>
 </p:sld>
 </file>
 
@@ -22582,7 +27777,7 @@
       </p:grpSpPr>
       <p:sp>
         <p:nvSpPr>
-          <p:cNvPr id="6" name="Заголовок 5"/>
+          <p:cNvPr id="2" name="Заголовок 1"/>
           <p:cNvSpPr>
             <a:spLocks noGrp="1"/>
           </p:cNvSpPr>
@@ -22597,16 +27792,38 @@
           <a:p>
             <a:r>
               <a:rPr lang="en-US" dirty="0" smtClean="0"/>
-              <a:t>Agenda</a:t>
+              <a:t>Why desktop?</a:t>
             </a:r>
             <a:endParaRPr lang="ru-RU" dirty="0"/>
           </a:p>
         </p:txBody>
       </p:sp>
+      <p:graphicFrame>
+        <p:nvGraphicFramePr>
+          <p:cNvPr id="4" name="Схема 3"/>
+          <p:cNvGraphicFramePr/>
+          <p:nvPr>
+            <p:extLst>
+              <p:ext uri="{D42A27DB-BD31-4B8C-83A1-F6EECF244321}">
+                <p14:modId xmlns:p14="http://schemas.microsoft.com/office/powerpoint/2010/main" val="2345578813"/>
+              </p:ext>
+            </p:extLst>
+          </p:nvPr>
+        </p:nvGraphicFramePr>
+        <p:xfrm>
+          <a:off x="571500" y="960120"/>
+          <a:ext cx="8092440" cy="3512820"/>
+        </p:xfrm>
+        <a:graphic>
+          <a:graphicData uri="http://schemas.openxmlformats.org/drawingml/2006/diagram">
+            <dgm:relIds xmlns:dgm="http://schemas.openxmlformats.org/drawingml/2006/diagram" xmlns:r="http://schemas.openxmlformats.org/officeDocument/2006/relationships" r:dm="rId2" r:lo="rId3" r:qs="rId4" r:cs="rId5"/>
+          </a:graphicData>
+        </a:graphic>
+      </p:graphicFrame>
     </p:spTree>
     <p:extLst>
       <p:ext uri="{BB962C8B-B14F-4D97-AF65-F5344CB8AC3E}">
-        <p14:creationId xmlns:p14="http://schemas.microsoft.com/office/powerpoint/2010/main" val="51419615"/>
+        <p14:creationId xmlns:p14="http://schemas.microsoft.com/office/powerpoint/2010/main" val="4231258586"/>
       </p:ext>
     </p:extLst>
   </p:cSld>
@@ -22650,16 +27867,46 @@
           <a:p>
             <a:r>
               <a:rPr lang="en-US" dirty="0" smtClean="0"/>
-              <a:t>Why?</a:t>
+              <a:t>Why </a:t>
+            </a:r>
+            <a:r>
+              <a:rPr lang="en-US" dirty="0" err="1" smtClean="0"/>
+              <a:t>.Net</a:t>
+            </a:r>
+            <a:r>
+              <a:rPr lang="en-US" dirty="0" smtClean="0"/>
+              <a:t> Desktop?</a:t>
             </a:r>
             <a:endParaRPr lang="ru-RU" dirty="0"/>
           </a:p>
         </p:txBody>
       </p:sp>
+      <p:graphicFrame>
+        <p:nvGraphicFramePr>
+          <p:cNvPr id="4" name="Схема 3"/>
+          <p:cNvGraphicFramePr/>
+          <p:nvPr>
+            <p:extLst>
+              <p:ext uri="{D42A27DB-BD31-4B8C-83A1-F6EECF244321}">
+                <p14:modId xmlns:p14="http://schemas.microsoft.com/office/powerpoint/2010/main" val="973047026"/>
+              </p:ext>
+            </p:extLst>
+          </p:nvPr>
+        </p:nvGraphicFramePr>
+        <p:xfrm>
+          <a:off x="571500" y="960120"/>
+          <a:ext cx="8092440" cy="3512820"/>
+        </p:xfrm>
+        <a:graphic>
+          <a:graphicData uri="http://schemas.openxmlformats.org/drawingml/2006/diagram">
+            <dgm:relIds xmlns:dgm="http://schemas.openxmlformats.org/drawingml/2006/diagram" xmlns:r="http://schemas.openxmlformats.org/officeDocument/2006/relationships" r:dm="rId3" r:lo="rId4" r:qs="rId5" r:cs="rId6"/>
+          </a:graphicData>
+        </a:graphic>
+      </p:graphicFrame>
     </p:spTree>
     <p:extLst>
       <p:ext uri="{BB962C8B-B14F-4D97-AF65-F5344CB8AC3E}">
-        <p14:creationId xmlns:p14="http://schemas.microsoft.com/office/powerpoint/2010/main" val="4231258586"/>
+        <p14:creationId xmlns:p14="http://schemas.microsoft.com/office/powerpoint/2010/main" val="1096105658"/>
       </p:ext>
     </p:extLst>
   </p:cSld>

--- a/presentation.pptx
+++ b/presentation.pptx
@@ -7,10 +7,10 @@
     <p:sldMasterId id="2147483663" r:id="rId3"/>
   </p:sldMasterIdLst>
   <p:notesMasterIdLst>
-    <p:notesMasterId r:id="rId31"/>
+    <p:notesMasterId r:id="rId32"/>
   </p:notesMasterIdLst>
   <p:handoutMasterIdLst>
-    <p:handoutMasterId r:id="rId32"/>
+    <p:handoutMasterId r:id="rId33"/>
   </p:handoutMasterIdLst>
   <p:sldIdLst>
     <p:sldId id="270" r:id="rId4"/>
@@ -30,16 +30,17 @@
     <p:sldId id="279" r:id="rId18"/>
     <p:sldId id="280" r:id="rId19"/>
     <p:sldId id="284" r:id="rId20"/>
-    <p:sldId id="281" r:id="rId21"/>
-    <p:sldId id="282" r:id="rId22"/>
-    <p:sldId id="283" r:id="rId23"/>
-    <p:sldId id="285" r:id="rId24"/>
-    <p:sldId id="286" r:id="rId25"/>
-    <p:sldId id="287" r:id="rId26"/>
-    <p:sldId id="288" r:id="rId27"/>
-    <p:sldId id="268" r:id="rId28"/>
-    <p:sldId id="290" r:id="rId29"/>
-    <p:sldId id="289" r:id="rId30"/>
+    <p:sldId id="297" r:id="rId21"/>
+    <p:sldId id="281" r:id="rId22"/>
+    <p:sldId id="282" r:id="rId23"/>
+    <p:sldId id="283" r:id="rId24"/>
+    <p:sldId id="285" r:id="rId25"/>
+    <p:sldId id="286" r:id="rId26"/>
+    <p:sldId id="287" r:id="rId27"/>
+    <p:sldId id="288" r:id="rId28"/>
+    <p:sldId id="268" r:id="rId29"/>
+    <p:sldId id="290" r:id="rId30"/>
+    <p:sldId id="289" r:id="rId31"/>
   </p:sldIdLst>
   <p:sldSz cx="9144000" cy="5143500" type="screen16x9"/>
   <p:notesSz cx="6858000" cy="9144000"/>
@@ -2460,7 +2461,11 @@
           <a:pPr rtl="0"/>
           <a:r>
             <a:rPr lang="en-US" dirty="0" smtClean="0"/>
-            <a:t>Intensive graphics (games, CADs, …)</a:t>
+            <a:t>Intensive </a:t>
+          </a:r>
+          <a:r>
+            <a:rPr lang="en-US" dirty="0" smtClean="0"/>
+            <a:t>graphics</a:t>
           </a:r>
           <a:endParaRPr lang="ru-RU" dirty="0"/>
         </a:p>
@@ -2498,8 +2503,13 @@
           <a:pPr rtl="0"/>
           <a:r>
             <a:rPr lang="en-US" dirty="0" smtClean="0"/>
-            <a:t>Low level (OS) specific: antiviruses, system tools, … </a:t>
+            <a:t>Low level (OS) </a:t>
           </a:r>
+          <a:r>
+            <a:rPr lang="en-US" dirty="0" smtClean="0"/>
+            <a:t>specific</a:t>
+          </a:r>
+          <a:endParaRPr lang="en-US" dirty="0" smtClean="0"/>
         </a:p>
       </dgm:t>
     </dgm:pt>
@@ -2535,16 +2545,9 @@
           <a:pPr rtl="0"/>
           <a:r>
             <a:rPr lang="en-US" dirty="0" smtClean="0"/>
-            <a:t>Work with hardware: tokens, </a:t>
+            <a:t>Hardware</a:t>
           </a:r>
-          <a:r>
-            <a:rPr lang="en-US" dirty="0" err="1" smtClean="0"/>
-            <a:t>IoT</a:t>
-          </a:r>
-          <a:r>
-            <a:rPr lang="en-US" dirty="0" smtClean="0"/>
-            <a:t> development, …</a:t>
-          </a:r>
+          <a:endParaRPr lang="en-US" dirty="0" smtClean="0"/>
         </a:p>
       </dgm:t>
     </dgm:pt>
@@ -2615,6 +2618,13 @@
         </dgm:presLayoutVars>
       </dgm:prSet>
       <dgm:spPr/>
+      <dgm:t>
+        <a:bodyPr/>
+        <a:lstStyle/>
+        <a:p>
+          <a:endParaRPr lang="ru-RU"/>
+        </a:p>
+      </dgm:t>
     </dgm:pt>
     <dgm:pt modelId="{FA2B3221-5EB7-465E-96D4-FE9EC71DDCF7}" type="pres">
       <dgm:prSet presAssocID="{44501BE1-4ECC-4985-B033-E483E4855B1F}" presName="parentText" presStyleLbl="node1" presStyleIdx="0" presStyleCnt="4">
@@ -2715,7 +2725,7 @@
   <dgm:whole/>
   <dgm:extLst>
     <a:ext uri="http://schemas.microsoft.com/office/drawing/2008/diagram">
-      <dsp:dataModelExt xmlns:dsp="http://schemas.microsoft.com/office/drawing/2008/diagram" relId="rId6" minVer="http://schemas.openxmlformats.org/drawingml/2006/diagram"/>
+      <dsp:dataModelExt xmlns:dsp="http://schemas.microsoft.com/office/drawing/2008/diagram" relId="rId7" minVer="http://schemas.openxmlformats.org/drawingml/2006/diagram"/>
     </a:ext>
   </dgm:extLst>
 </dgm:dataModel>
@@ -2841,10 +2851,24 @@
     <dgm:pt modelId="{386537F5-8A11-45FB-AECF-AB61C5329FD6}" type="parTrans" cxnId="{908C861F-4F76-45BE-A905-40CB28BCDA97}">
       <dgm:prSet/>
       <dgm:spPr/>
+      <dgm:t>
+        <a:bodyPr/>
+        <a:lstStyle/>
+        <a:p>
+          <a:endParaRPr lang="ru-RU"/>
+        </a:p>
+      </dgm:t>
     </dgm:pt>
     <dgm:pt modelId="{3E0E29DF-E482-4F04-9452-94FD3E6A0AEA}" type="sibTrans" cxnId="{908C861F-4F76-45BE-A905-40CB28BCDA97}">
       <dgm:prSet/>
       <dgm:spPr/>
+      <dgm:t>
+        <a:bodyPr/>
+        <a:lstStyle/>
+        <a:p>
+          <a:endParaRPr lang="ru-RU"/>
+        </a:p>
+      </dgm:t>
     </dgm:pt>
     <dgm:pt modelId="{8E19BEEF-8872-41F8-BE55-0FADB5D14492}" type="pres">
       <dgm:prSet presAssocID="{E5C6043A-E62F-4B0F-9B4D-3F9F3A51D983}" presName="linear" presStyleCnt="0">
@@ -2854,6 +2878,13 @@
         </dgm:presLayoutVars>
       </dgm:prSet>
       <dgm:spPr/>
+      <dgm:t>
+        <a:bodyPr/>
+        <a:lstStyle/>
+        <a:p>
+          <a:endParaRPr lang="ru-RU"/>
+        </a:p>
+      </dgm:t>
     </dgm:pt>
     <dgm:pt modelId="{FA2B3221-5EB7-465E-96D4-FE9EC71DDCF7}" type="pres">
       <dgm:prSet presAssocID="{44501BE1-4ECC-4985-B033-E483E4855B1F}" presName="parentText" presStyleLbl="node1" presStyleIdx="0" presStyleCnt="3">
@@ -2903,16 +2934,23 @@
         </dgm:presLayoutVars>
       </dgm:prSet>
       <dgm:spPr/>
+      <dgm:t>
+        <a:bodyPr/>
+        <a:lstStyle/>
+        <a:p>
+          <a:endParaRPr lang="ru-RU"/>
+        </a:p>
+      </dgm:t>
     </dgm:pt>
   </dgm:ptLst>
   <dgm:cxnLst>
+    <dgm:cxn modelId="{D7453842-6BB7-46FA-830A-D3C66327319A}" type="presOf" srcId="{44501BE1-4ECC-4985-B033-E483E4855B1F}" destId="{FA2B3221-5EB7-465E-96D4-FE9EC71DDCF7}" srcOrd="0" destOrd="0" presId="urn:microsoft.com/office/officeart/2005/8/layout/vList2"/>
+    <dgm:cxn modelId="{9EDD28B2-7A1B-4523-ACC4-12B51084DB09}" type="presOf" srcId="{109F1C93-E33D-4E83-8BB8-D6619D82D4C3}" destId="{ADD4C7FE-EEBC-47D5-967B-87DFC7ABE732}" srcOrd="0" destOrd="0" presId="urn:microsoft.com/office/officeart/2005/8/layout/vList2"/>
     <dgm:cxn modelId="{DA00FEEF-3292-45EB-9954-54BA15B4408E}" srcId="{E5C6043A-E62F-4B0F-9B4D-3F9F3A51D983}" destId="{44501BE1-4ECC-4985-B033-E483E4855B1F}" srcOrd="0" destOrd="0" parTransId="{F6FC1C40-8B9C-4213-8F9E-24BAE3E0A93D}" sibTransId="{97F0BA57-1D0E-4539-835B-4C06F2ABA7A3}"/>
+    <dgm:cxn modelId="{84A330DB-6889-4129-BEB2-47ACA9D566C9}" type="presOf" srcId="{E136B59A-0EEF-4049-825C-51318701B1BB}" destId="{CF3BEEB0-6089-4276-9B5D-97CB4F6D9CBE}" srcOrd="0" destOrd="0" presId="urn:microsoft.com/office/officeart/2005/8/layout/vList2"/>
+    <dgm:cxn modelId="{D804C580-A625-4132-BDE6-52E8BFBF5B62}" srcId="{E5C6043A-E62F-4B0F-9B4D-3F9F3A51D983}" destId="{109F1C93-E33D-4E83-8BB8-D6619D82D4C3}" srcOrd="1" destOrd="0" parTransId="{6DE0DF9C-45DE-48B2-B670-48D24283D101}" sibTransId="{51FB78B5-CC98-408B-8833-6845E94358C2}"/>
     <dgm:cxn modelId="{2A021CAF-2134-430D-8756-66B19A7CA89A}" type="presOf" srcId="{E5C6043A-E62F-4B0F-9B4D-3F9F3A51D983}" destId="{8E19BEEF-8872-41F8-BE55-0FADB5D14492}" srcOrd="0" destOrd="0" presId="urn:microsoft.com/office/officeart/2005/8/layout/vList2"/>
     <dgm:cxn modelId="{908C861F-4F76-45BE-A905-40CB28BCDA97}" srcId="{E5C6043A-E62F-4B0F-9B4D-3F9F3A51D983}" destId="{E136B59A-0EEF-4049-825C-51318701B1BB}" srcOrd="2" destOrd="0" parTransId="{386537F5-8A11-45FB-AECF-AB61C5329FD6}" sibTransId="{3E0E29DF-E482-4F04-9452-94FD3E6A0AEA}"/>
-    <dgm:cxn modelId="{84A330DB-6889-4129-BEB2-47ACA9D566C9}" type="presOf" srcId="{E136B59A-0EEF-4049-825C-51318701B1BB}" destId="{CF3BEEB0-6089-4276-9B5D-97CB4F6D9CBE}" srcOrd="0" destOrd="0" presId="urn:microsoft.com/office/officeart/2005/8/layout/vList2"/>
-    <dgm:cxn modelId="{D7453842-6BB7-46FA-830A-D3C66327319A}" type="presOf" srcId="{44501BE1-4ECC-4985-B033-E483E4855B1F}" destId="{FA2B3221-5EB7-465E-96D4-FE9EC71DDCF7}" srcOrd="0" destOrd="0" presId="urn:microsoft.com/office/officeart/2005/8/layout/vList2"/>
-    <dgm:cxn modelId="{9EDD28B2-7A1B-4523-ACC4-12B51084DB09}" type="presOf" srcId="{109F1C93-E33D-4E83-8BB8-D6619D82D4C3}" destId="{ADD4C7FE-EEBC-47D5-967B-87DFC7ABE732}" srcOrd="0" destOrd="0" presId="urn:microsoft.com/office/officeart/2005/8/layout/vList2"/>
-    <dgm:cxn modelId="{D804C580-A625-4132-BDE6-52E8BFBF5B62}" srcId="{E5C6043A-E62F-4B0F-9B4D-3F9F3A51D983}" destId="{109F1C93-E33D-4E83-8BB8-D6619D82D4C3}" srcOrd="1" destOrd="0" parTransId="{6DE0DF9C-45DE-48B2-B670-48D24283D101}" sibTransId="{51FB78B5-CC98-408B-8833-6845E94358C2}"/>
     <dgm:cxn modelId="{0700E773-A81B-4582-B8C0-C43DFE0A84EC}" type="presParOf" srcId="{8E19BEEF-8872-41F8-BE55-0FADB5D14492}" destId="{FA2B3221-5EB7-465E-96D4-FE9EC71DDCF7}" srcOrd="0" destOrd="0" presId="urn:microsoft.com/office/officeart/2005/8/layout/vList2"/>
     <dgm:cxn modelId="{B15567C5-07D4-4279-900B-A03F022D0A41}" type="presParOf" srcId="{8E19BEEF-8872-41F8-BE55-0FADB5D14492}" destId="{355F05E8-51B5-4041-87F0-6C06DC973BAC}" srcOrd="1" destOrd="0" presId="urn:microsoft.com/office/officeart/2005/8/layout/vList2"/>
     <dgm:cxn modelId="{A7CE2A0A-8EAA-4AD8-BEF4-2CF4AFE59654}" type="presParOf" srcId="{8E19BEEF-8872-41F8-BE55-0FADB5D14492}" destId="{ADD4C7FE-EEBC-47D5-967B-87DFC7ABE732}" srcOrd="2" destOrd="0" presId="urn:microsoft.com/office/officeart/2005/8/layout/vList2"/>
@@ -3671,8 +3709,8 @@
       </dsp:nvSpPr>
       <dsp:spPr>
         <a:xfrm>
-          <a:off x="0" y="239999"/>
-          <a:ext cx="8092440" cy="695565"/>
+          <a:off x="0" y="83129"/>
+          <a:ext cx="4282440" cy="767520"/>
         </a:xfrm>
         <a:prstGeom prst="roundRect">
           <a:avLst/>
@@ -3714,12 +3752,12 @@
         </a:fontRef>
       </dsp:style>
       <dsp:txBody>
-        <a:bodyPr spcFirstLastPara="0" vert="horz" wrap="square" lIns="110490" tIns="110490" rIns="110490" bIns="110490" numCol="1" spcCol="1270" anchor="ctr" anchorCtr="0">
+        <a:bodyPr spcFirstLastPara="0" vert="horz" wrap="square" lIns="121920" tIns="121920" rIns="121920" bIns="121920" numCol="1" spcCol="1270" anchor="ctr" anchorCtr="0">
           <a:noAutofit/>
         </a:bodyPr>
         <a:lstStyle/>
         <a:p>
-          <a:pPr lvl="0" algn="l" defTabSz="1289050" rtl="0">
+          <a:pPr lvl="0" algn="l" defTabSz="1422400" rtl="0">
             <a:lnSpc>
               <a:spcPct val="90000"/>
             </a:lnSpc>
@@ -3731,15 +3769,19 @@
             </a:spcAft>
           </a:pPr>
           <a:r>
-            <a:rPr lang="en-US" sz="2900" kern="1200" dirty="0" smtClean="0"/>
-            <a:t>Intensive graphics (games, CADs, …)</a:t>
+            <a:rPr lang="en-US" sz="3200" kern="1200" dirty="0" smtClean="0"/>
+            <a:t>Intensive </a:t>
           </a:r>
-          <a:endParaRPr lang="ru-RU" sz="2900" kern="1200" dirty="0"/>
+          <a:r>
+            <a:rPr lang="en-US" sz="3200" kern="1200" dirty="0" smtClean="0"/>
+            <a:t>graphics</a:t>
+          </a:r>
+          <a:endParaRPr lang="ru-RU" sz="3200" kern="1200" dirty="0"/>
         </a:p>
       </dsp:txBody>
       <dsp:txXfrm>
-        <a:off x="33955" y="273954"/>
-        <a:ext cx="8024530" cy="627655"/>
+        <a:off x="37467" y="120596"/>
+        <a:ext cx="4207506" cy="692586"/>
       </dsp:txXfrm>
     </dsp:sp>
     <dsp:sp modelId="{ADD4C7FE-EEBC-47D5-967B-87DFC7ABE732}">
@@ -3749,8 +3791,8 @@
       </dsp:nvSpPr>
       <dsp:spPr>
         <a:xfrm>
-          <a:off x="0" y="1019084"/>
-          <a:ext cx="8092440" cy="695565"/>
+          <a:off x="0" y="942809"/>
+          <a:ext cx="4282440" cy="767520"/>
         </a:xfrm>
         <a:prstGeom prst="roundRect">
           <a:avLst/>
@@ -3792,12 +3834,12 @@
         </a:fontRef>
       </dsp:style>
       <dsp:txBody>
-        <a:bodyPr spcFirstLastPara="0" vert="horz" wrap="square" lIns="110490" tIns="110490" rIns="110490" bIns="110490" numCol="1" spcCol="1270" anchor="ctr" anchorCtr="0">
+        <a:bodyPr spcFirstLastPara="0" vert="horz" wrap="square" lIns="121920" tIns="121920" rIns="121920" bIns="121920" numCol="1" spcCol="1270" anchor="ctr" anchorCtr="0">
           <a:noAutofit/>
         </a:bodyPr>
         <a:lstStyle/>
         <a:p>
-          <a:pPr lvl="0" algn="l" defTabSz="1289050" rtl="0">
+          <a:pPr lvl="0" algn="l" defTabSz="1422400" rtl="0">
             <a:lnSpc>
               <a:spcPct val="90000"/>
             </a:lnSpc>
@@ -3809,14 +3851,19 @@
             </a:spcAft>
           </a:pPr>
           <a:r>
-            <a:rPr lang="en-US" sz="2900" kern="1200" dirty="0" smtClean="0"/>
-            <a:t>Low level (OS) specific: antiviruses, system tools, … </a:t>
+            <a:rPr lang="en-US" sz="3200" kern="1200" dirty="0" smtClean="0"/>
+            <a:t>Low level (OS) </a:t>
           </a:r>
+          <a:r>
+            <a:rPr lang="en-US" sz="3200" kern="1200" dirty="0" smtClean="0"/>
+            <a:t>specific</a:t>
+          </a:r>
+          <a:endParaRPr lang="en-US" sz="3200" kern="1200" dirty="0" smtClean="0"/>
         </a:p>
       </dsp:txBody>
       <dsp:txXfrm>
-        <a:off x="33955" y="1053039"/>
-        <a:ext cx="8024530" cy="627655"/>
+        <a:off x="37467" y="980276"/>
+        <a:ext cx="4207506" cy="692586"/>
       </dsp:txXfrm>
     </dsp:sp>
     <dsp:sp modelId="{690DBE5A-0FBE-469C-AF24-AD85B61DBED2}">
@@ -3826,8 +3873,8 @@
       </dsp:nvSpPr>
       <dsp:spPr>
         <a:xfrm>
-          <a:off x="0" y="1798170"/>
-          <a:ext cx="8092440" cy="695565"/>
+          <a:off x="0" y="1802489"/>
+          <a:ext cx="4282440" cy="767520"/>
         </a:xfrm>
         <a:prstGeom prst="roundRect">
           <a:avLst/>
@@ -3869,12 +3916,12 @@
         </a:fontRef>
       </dsp:style>
       <dsp:txBody>
-        <a:bodyPr spcFirstLastPara="0" vert="horz" wrap="square" lIns="110490" tIns="110490" rIns="110490" bIns="110490" numCol="1" spcCol="1270" anchor="ctr" anchorCtr="0">
+        <a:bodyPr spcFirstLastPara="0" vert="horz" wrap="square" lIns="121920" tIns="121920" rIns="121920" bIns="121920" numCol="1" spcCol="1270" anchor="ctr" anchorCtr="0">
           <a:noAutofit/>
         </a:bodyPr>
         <a:lstStyle/>
         <a:p>
-          <a:pPr lvl="0" algn="l" defTabSz="1289050" rtl="0">
+          <a:pPr lvl="0" algn="l" defTabSz="1422400" rtl="0">
             <a:lnSpc>
               <a:spcPct val="90000"/>
             </a:lnSpc>
@@ -3886,22 +3933,15 @@
             </a:spcAft>
           </a:pPr>
           <a:r>
-            <a:rPr lang="en-US" sz="2900" kern="1200" dirty="0" smtClean="0"/>
-            <a:t>Work with hardware: tokens, </a:t>
+            <a:rPr lang="en-US" sz="3200" kern="1200" dirty="0" smtClean="0"/>
+            <a:t>Hardware</a:t>
           </a:r>
-          <a:r>
-            <a:rPr lang="en-US" sz="2900" kern="1200" dirty="0" err="1" smtClean="0"/>
-            <a:t>IoT</a:t>
-          </a:r>
-          <a:r>
-            <a:rPr lang="en-US" sz="2900" kern="1200" dirty="0" smtClean="0"/>
-            <a:t> development, …</a:t>
-          </a:r>
+          <a:endParaRPr lang="en-US" sz="3200" kern="1200" dirty="0" smtClean="0"/>
         </a:p>
       </dsp:txBody>
       <dsp:txXfrm>
-        <a:off x="33955" y="1832125"/>
-        <a:ext cx="8024530" cy="627655"/>
+        <a:off x="37467" y="1839956"/>
+        <a:ext cx="4207506" cy="692586"/>
       </dsp:txXfrm>
     </dsp:sp>
     <dsp:sp modelId="{B01A8788-2CF8-4559-9F1E-06D5F8F23030}">
@@ -3911,8 +3951,8 @@
       </dsp:nvSpPr>
       <dsp:spPr>
         <a:xfrm>
-          <a:off x="0" y="2577255"/>
-          <a:ext cx="8092440" cy="695565"/>
+          <a:off x="0" y="2662170"/>
+          <a:ext cx="4282440" cy="767520"/>
         </a:xfrm>
         <a:prstGeom prst="roundRect">
           <a:avLst/>
@@ -3954,12 +3994,12 @@
         </a:fontRef>
       </dsp:style>
       <dsp:txBody>
-        <a:bodyPr spcFirstLastPara="0" vert="horz" wrap="square" lIns="110490" tIns="110490" rIns="110490" bIns="110490" numCol="1" spcCol="1270" anchor="ctr" anchorCtr="0">
+        <a:bodyPr spcFirstLastPara="0" vert="horz" wrap="square" lIns="121920" tIns="121920" rIns="121920" bIns="121920" numCol="1" spcCol="1270" anchor="ctr" anchorCtr="0">
           <a:noAutofit/>
         </a:bodyPr>
         <a:lstStyle/>
         <a:p>
-          <a:pPr lvl="0" algn="l" defTabSz="1289050" rtl="0">
+          <a:pPr lvl="0" algn="l" defTabSz="1422400" rtl="0">
             <a:lnSpc>
               <a:spcPct val="90000"/>
             </a:lnSpc>
@@ -3971,14 +4011,14 @@
             </a:spcAft>
           </a:pPr>
           <a:r>
-            <a:rPr lang="en-US" sz="2900" kern="1200" dirty="0" smtClean="0"/>
+            <a:rPr lang="en-US" sz="3200" kern="1200" dirty="0" smtClean="0"/>
             <a:t>Customer requirements</a:t>
           </a:r>
         </a:p>
       </dsp:txBody>
       <dsp:txXfrm>
-        <a:off x="33955" y="2611210"/>
-        <a:ext cx="8024530" cy="627655"/>
+        <a:off x="37467" y="2699637"/>
+        <a:ext cx="4207506" cy="692586"/>
       </dsp:txXfrm>
     </dsp:sp>
   </dsp:spTree>
@@ -4000,8 +4040,8 @@
       </dsp:nvSpPr>
       <dsp:spPr>
         <a:xfrm>
-          <a:off x="0" y="7822"/>
-          <a:ext cx="8092440" cy="1079325"/>
+          <a:off x="0" y="202109"/>
+          <a:ext cx="4617720" cy="959400"/>
         </a:xfrm>
         <a:prstGeom prst="roundRect">
           <a:avLst/>
@@ -4043,12 +4083,12 @@
         </a:fontRef>
       </dsp:style>
       <dsp:txBody>
-        <a:bodyPr spcFirstLastPara="0" vert="horz" wrap="square" lIns="171450" tIns="171450" rIns="171450" bIns="171450" numCol="1" spcCol="1270" anchor="ctr" anchorCtr="0">
+        <a:bodyPr spcFirstLastPara="0" vert="horz" wrap="square" lIns="152400" tIns="152400" rIns="152400" bIns="152400" numCol="1" spcCol="1270" anchor="ctr" anchorCtr="0">
           <a:noAutofit/>
         </a:bodyPr>
         <a:lstStyle/>
         <a:p>
-          <a:pPr lvl="0" algn="l" defTabSz="2000250" rtl="0">
+          <a:pPr lvl="0" algn="l" defTabSz="1778000" rtl="0">
             <a:lnSpc>
               <a:spcPct val="90000"/>
             </a:lnSpc>
@@ -4060,15 +4100,15 @@
             </a:spcAft>
           </a:pPr>
           <a:r>
-            <a:rPr lang="en-US" sz="4500" kern="1200" dirty="0" smtClean="0"/>
+            <a:rPr lang="en-US" sz="4000" kern="1200" dirty="0" smtClean="0"/>
             <a:t>Available code</a:t>
           </a:r>
-          <a:endParaRPr lang="ru-RU" sz="4500" kern="1200" dirty="0"/>
+          <a:endParaRPr lang="ru-RU" sz="4000" kern="1200" dirty="0"/>
         </a:p>
       </dsp:txBody>
       <dsp:txXfrm>
-        <a:off x="52688" y="60510"/>
-        <a:ext cx="7987064" cy="973949"/>
+        <a:off x="46834" y="248943"/>
+        <a:ext cx="4524052" cy="865732"/>
       </dsp:txXfrm>
     </dsp:sp>
     <dsp:sp modelId="{ADD4C7FE-EEBC-47D5-967B-87DFC7ABE732}">
@@ -4078,8 +4118,8 @@
       </dsp:nvSpPr>
       <dsp:spPr>
         <a:xfrm>
-          <a:off x="0" y="1216747"/>
-          <a:ext cx="8092440" cy="1079325"/>
+          <a:off x="0" y="1276709"/>
+          <a:ext cx="4617720" cy="959400"/>
         </a:xfrm>
         <a:prstGeom prst="roundRect">
           <a:avLst/>
@@ -4121,12 +4161,12 @@
         </a:fontRef>
       </dsp:style>
       <dsp:txBody>
-        <a:bodyPr spcFirstLastPara="0" vert="horz" wrap="square" lIns="171450" tIns="171450" rIns="171450" bIns="171450" numCol="1" spcCol="1270" anchor="ctr" anchorCtr="0">
+        <a:bodyPr spcFirstLastPara="0" vert="horz" wrap="square" lIns="152400" tIns="152400" rIns="152400" bIns="152400" numCol="1" spcCol="1270" anchor="ctr" anchorCtr="0">
           <a:noAutofit/>
         </a:bodyPr>
         <a:lstStyle/>
         <a:p>
-          <a:pPr lvl="0" algn="l" defTabSz="2000250" rtl="0">
+          <a:pPr lvl="0" algn="l" defTabSz="1778000" rtl="0">
             <a:lnSpc>
               <a:spcPct val="90000"/>
             </a:lnSpc>
@@ -4138,23 +4178,23 @@
             </a:spcAft>
           </a:pPr>
           <a:r>
-            <a:rPr lang="en-US" sz="4500" kern="1200" dirty="0" err="1" smtClean="0"/>
+            <a:rPr lang="en-US" sz="4000" kern="1200" dirty="0" err="1" smtClean="0"/>
             <a:t>.</a:t>
           </a:r>
           <a:r>
-            <a:rPr lang="en-US" sz="4500" kern="1200" err="1" smtClean="0"/>
+            <a:rPr lang="en-US" sz="4000" kern="1200" err="1" smtClean="0"/>
             <a:t>Net</a:t>
           </a:r>
           <a:r>
-            <a:rPr lang="en-US" sz="4500" kern="1200" smtClean="0"/>
+            <a:rPr lang="en-US" sz="4000" kern="1200" smtClean="0"/>
             <a:t>-only library/API</a:t>
           </a:r>
-          <a:endParaRPr lang="en-US" sz="4500" kern="1200" dirty="0" smtClean="0"/>
+          <a:endParaRPr lang="en-US" sz="4000" kern="1200" dirty="0" smtClean="0"/>
         </a:p>
       </dsp:txBody>
       <dsp:txXfrm>
-        <a:off x="52688" y="1269435"/>
-        <a:ext cx="7987064" cy="973949"/>
+        <a:off x="46834" y="1323543"/>
+        <a:ext cx="4524052" cy="865732"/>
       </dsp:txXfrm>
     </dsp:sp>
     <dsp:sp modelId="{CF3BEEB0-6089-4276-9B5D-97CB4F6D9CBE}">
@@ -4164,8 +4204,8 @@
       </dsp:nvSpPr>
       <dsp:spPr>
         <a:xfrm>
-          <a:off x="0" y="2425672"/>
-          <a:ext cx="8092440" cy="1079325"/>
+          <a:off x="0" y="2351310"/>
+          <a:ext cx="4617720" cy="959400"/>
         </a:xfrm>
         <a:prstGeom prst="roundRect">
           <a:avLst/>
@@ -4207,12 +4247,12 @@
         </a:fontRef>
       </dsp:style>
       <dsp:txBody>
-        <a:bodyPr spcFirstLastPara="0" vert="horz" wrap="square" lIns="171450" tIns="171450" rIns="171450" bIns="171450" numCol="1" spcCol="1270" anchor="ctr" anchorCtr="0">
+        <a:bodyPr spcFirstLastPara="0" vert="horz" wrap="square" lIns="152400" tIns="152400" rIns="152400" bIns="152400" numCol="1" spcCol="1270" anchor="ctr" anchorCtr="0">
           <a:noAutofit/>
         </a:bodyPr>
         <a:lstStyle/>
         <a:p>
-          <a:pPr lvl="0" algn="l" defTabSz="2000250" rtl="0">
+          <a:pPr lvl="0" algn="l" defTabSz="1778000" rtl="0">
             <a:lnSpc>
               <a:spcPct val="90000"/>
             </a:lnSpc>
@@ -4224,18 +4264,18 @@
             </a:spcAft>
           </a:pPr>
           <a:r>
-            <a:rPr lang="en-US" sz="4500" kern="1200" dirty="0" err="1" smtClean="0"/>
+            <a:rPr lang="en-US" sz="4000" kern="1200" dirty="0" err="1" smtClean="0"/>
             <a:t>.Net</a:t>
           </a:r>
           <a:r>
-            <a:rPr lang="en-US" sz="4500" kern="1200" dirty="0" smtClean="0"/>
+            <a:rPr lang="en-US" sz="4000" kern="1200" dirty="0" smtClean="0"/>
             <a:t> team</a:t>
           </a:r>
         </a:p>
       </dsp:txBody>
       <dsp:txXfrm>
-        <a:off x="52688" y="2478360"/>
-        <a:ext cx="7987064" cy="973949"/>
+        <a:off x="46834" y="2398144"/>
+        <a:ext cx="4524052" cy="865732"/>
       </dsp:txXfrm>
     </dsp:sp>
   </dsp:spTree>
@@ -9011,7 +9051,7 @@
           <a:p>
             <a:fld id="{3FDC14FC-A894-4869-A797-1EC82735D106}" type="datetimeFigureOut">
               <a:rPr lang="en-US" smtClean="0"/>
-              <a:t>10/21/2019</a:t>
+              <a:t>11/5/2019</a:t>
             </a:fld>
             <a:endParaRPr lang="en-US"/>
           </a:p>
@@ -9176,7 +9216,7 @@
           <a:p>
             <a:fld id="{B4F99C05-63F9-4248-8E20-3ACD9DF9DE7F}" type="datetimeFigureOut">
               <a:rPr lang="en-US" smtClean="0"/>
-              <a:t>10/21/2019</a:t>
+              <a:t>11/5/2019</a:t>
             </a:fld>
             <a:endParaRPr lang="en-US"/>
           </a:p>
@@ -9487,6 +9527,55 @@
           <a:bodyPr/>
           <a:lstStyle/>
           <a:p>
+            <a:pPr marL="171450" lvl="0" indent="-171450" rtl="0">
+              <a:buFont typeface="Arial" panose="020B0604020202020204" pitchFamily="34" charset="0"/>
+              <a:buChar char="•"/>
+            </a:pPr>
+            <a:r>
+              <a:rPr lang="en-US" dirty="0" smtClean="0"/>
+              <a:t>Intensive graphics (games, CADs, …)</a:t>
+            </a:r>
+            <a:endParaRPr lang="ru-RU" dirty="0" smtClean="0"/>
+          </a:p>
+          <a:p>
+            <a:pPr marL="171450" lvl="0" indent="-171450" rtl="0">
+              <a:buFont typeface="Arial" panose="020B0604020202020204" pitchFamily="34" charset="0"/>
+              <a:buChar char="•"/>
+            </a:pPr>
+            <a:r>
+              <a:rPr lang="en-US" dirty="0" smtClean="0"/>
+              <a:t>Low level (OS) specific: antiviruses, system tools, … </a:t>
+            </a:r>
+          </a:p>
+          <a:p>
+            <a:pPr marL="171450" lvl="0" indent="-171450" rtl="0">
+              <a:buFont typeface="Arial" panose="020B0604020202020204" pitchFamily="34" charset="0"/>
+              <a:buChar char="•"/>
+            </a:pPr>
+            <a:r>
+              <a:rPr lang="en-US" dirty="0" smtClean="0"/>
+              <a:t>Work with hardware: tokens, </a:t>
+            </a:r>
+            <a:r>
+              <a:rPr lang="en-US" dirty="0" err="1" smtClean="0"/>
+              <a:t>IoT</a:t>
+            </a:r>
+            <a:r>
+              <a:rPr lang="en-US" dirty="0" smtClean="0"/>
+              <a:t> development, …</a:t>
+            </a:r>
+          </a:p>
+          <a:p>
+            <a:pPr marL="171450" lvl="0" indent="-171450" rtl="0">
+              <a:buFont typeface="Arial" panose="020B0604020202020204" pitchFamily="34" charset="0"/>
+              <a:buChar char="•"/>
+            </a:pPr>
+            <a:r>
+              <a:rPr lang="en-US" dirty="0" smtClean="0"/>
+              <a:t>Customer requirements</a:t>
+            </a:r>
+          </a:p>
+          <a:p>
             <a:endParaRPr lang="ru-RU" dirty="0"/>
           </a:p>
         </p:txBody>
@@ -9508,7 +9597,7 @@
           <a:p>
             <a:fld id="{A874FABB-6DBE-47C4-B626-20167906F475}" type="slidenum">
               <a:rPr lang="en-US" smtClean="0"/>
-              <a:t>4</a:t>
+              <a:t>3</a:t>
             </a:fld>
             <a:endParaRPr lang="en-US"/>
           </a:p>
@@ -9517,7 +9606,91 @@
     </p:spTree>
     <p:extLst>
       <p:ext uri="{BB962C8B-B14F-4D97-AF65-F5344CB8AC3E}">
-        <p14:creationId xmlns:p14="http://schemas.microsoft.com/office/powerpoint/2010/main" val="1746927514"/>
+        <p14:creationId xmlns:p14="http://schemas.microsoft.com/office/powerpoint/2010/main" val="3287709109"/>
+      </p:ext>
+    </p:extLst>
+  </p:cSld>
+  <p:clrMapOvr>
+    <a:masterClrMapping/>
+  </p:clrMapOvr>
+</p:notes>
+</file>
+
+<file path=ppt/notesSlides/notesSlide10.xml><?xml version="1.0" encoding="utf-8"?>
+<p:notes xmlns:a="http://schemas.openxmlformats.org/drawingml/2006/main" xmlns:r="http://schemas.openxmlformats.org/officeDocument/2006/relationships" xmlns:p="http://schemas.openxmlformats.org/presentationml/2006/main">
+  <p:cSld>
+    <p:spTree>
+      <p:nvGrpSpPr>
+        <p:cNvPr id="1" name=""/>
+        <p:cNvGrpSpPr/>
+        <p:nvPr/>
+      </p:nvGrpSpPr>
+      <p:grpSpPr>
+        <a:xfrm>
+          <a:off x="0" y="0"/>
+          <a:ext cx="0" cy="0"/>
+          <a:chOff x="0" y="0"/>
+          <a:chExt cx="0" cy="0"/>
+        </a:xfrm>
+      </p:grpSpPr>
+      <p:sp>
+        <p:nvSpPr>
+          <p:cNvPr id="2" name="Образ слайда 1"/>
+          <p:cNvSpPr>
+            <a:spLocks noGrp="1" noRot="1" noChangeAspect="1"/>
+          </p:cNvSpPr>
+          <p:nvPr>
+            <p:ph type="sldImg"/>
+          </p:nvPr>
+        </p:nvSpPr>
+        <p:spPr/>
+      </p:sp>
+      <p:sp>
+        <p:nvSpPr>
+          <p:cNvPr id="3" name="Заметки 2"/>
+          <p:cNvSpPr>
+            <a:spLocks noGrp="1"/>
+          </p:cNvSpPr>
+          <p:nvPr>
+            <p:ph type="body" idx="1"/>
+          </p:nvPr>
+        </p:nvSpPr>
+        <p:spPr/>
+        <p:txBody>
+          <a:bodyPr/>
+          <a:lstStyle/>
+          <a:p>
+            <a:endParaRPr lang="ru-RU" dirty="0"/>
+          </a:p>
+        </p:txBody>
+      </p:sp>
+      <p:sp>
+        <p:nvSpPr>
+          <p:cNvPr id="4" name="Номер слайда 3"/>
+          <p:cNvSpPr>
+            <a:spLocks noGrp="1"/>
+          </p:cNvSpPr>
+          <p:nvPr>
+            <p:ph type="sldNum" sz="quarter" idx="10"/>
+          </p:nvPr>
+        </p:nvSpPr>
+        <p:spPr/>
+        <p:txBody>
+          <a:bodyPr/>
+          <a:lstStyle/>
+          <a:p>
+            <a:fld id="{A874FABB-6DBE-47C4-B626-20167906F475}" type="slidenum">
+              <a:rPr lang="en-US" smtClean="0"/>
+              <a:t>21</a:t>
+            </a:fld>
+            <a:endParaRPr lang="en-US"/>
+          </a:p>
+        </p:txBody>
+      </p:sp>
+    </p:spTree>
+    <p:extLst>
+      <p:ext uri="{BB962C8B-B14F-4D97-AF65-F5344CB8AC3E}">
+        <p14:creationId xmlns:p14="http://schemas.microsoft.com/office/powerpoint/2010/main" val="4114067963"/>
       </p:ext>
     </p:extLst>
   </p:cSld>
@@ -9571,18 +9744,6 @@
           <a:bodyPr/>
           <a:lstStyle/>
           <a:p>
-            <a:r>
-              <a:rPr lang="en-US" dirty="0" err="1" smtClean="0"/>
-              <a:t>.Net</a:t>
-            </a:r>
-            <a:r>
-              <a:rPr lang="en-US" baseline="0" dirty="0" smtClean="0"/>
-              <a:t> Core 3 – WPF / </a:t>
-            </a:r>
-            <a:r>
-              <a:rPr lang="en-US" baseline="0" dirty="0" err="1" smtClean="0"/>
-              <a:t>WinForms</a:t>
-            </a:r>
             <a:endParaRPr lang="ru-RU" dirty="0"/>
           </a:p>
         </p:txBody>
@@ -9604,7 +9765,7 @@
           <a:p>
             <a:fld id="{A874FABB-6DBE-47C4-B626-20167906F475}" type="slidenum">
               <a:rPr lang="en-US" smtClean="0"/>
-              <a:t>5</a:t>
+              <a:t>4</a:t>
             </a:fld>
             <a:endParaRPr lang="en-US"/>
           </a:p>
@@ -9613,7 +9774,7 @@
     </p:spTree>
     <p:extLst>
       <p:ext uri="{BB962C8B-B14F-4D97-AF65-F5344CB8AC3E}">
-        <p14:creationId xmlns:p14="http://schemas.microsoft.com/office/powerpoint/2010/main" val="2939704399"/>
+        <p14:creationId xmlns:p14="http://schemas.microsoft.com/office/powerpoint/2010/main" val="1746927514"/>
       </p:ext>
     </p:extLst>
   </p:cSld>
@@ -9667,6 +9828,102 @@
           <a:bodyPr/>
           <a:lstStyle/>
           <a:p>
+            <a:r>
+              <a:rPr lang="en-US" dirty="0" err="1" smtClean="0"/>
+              <a:t>.Net</a:t>
+            </a:r>
+            <a:r>
+              <a:rPr lang="en-US" baseline="0" dirty="0" smtClean="0"/>
+              <a:t> Core 3 – WPF / </a:t>
+            </a:r>
+            <a:r>
+              <a:rPr lang="en-US" baseline="0" dirty="0" err="1" smtClean="0"/>
+              <a:t>WinForms</a:t>
+            </a:r>
+            <a:endParaRPr lang="ru-RU" dirty="0"/>
+          </a:p>
+        </p:txBody>
+      </p:sp>
+      <p:sp>
+        <p:nvSpPr>
+          <p:cNvPr id="4" name="Номер слайда 3"/>
+          <p:cNvSpPr>
+            <a:spLocks noGrp="1"/>
+          </p:cNvSpPr>
+          <p:nvPr>
+            <p:ph type="sldNum" sz="quarter" idx="10"/>
+          </p:nvPr>
+        </p:nvSpPr>
+        <p:spPr/>
+        <p:txBody>
+          <a:bodyPr/>
+          <a:lstStyle/>
+          <a:p>
+            <a:fld id="{A874FABB-6DBE-47C4-B626-20167906F475}" type="slidenum">
+              <a:rPr lang="en-US" smtClean="0"/>
+              <a:t>5</a:t>
+            </a:fld>
+            <a:endParaRPr lang="en-US"/>
+          </a:p>
+        </p:txBody>
+      </p:sp>
+    </p:spTree>
+    <p:extLst>
+      <p:ext uri="{BB962C8B-B14F-4D97-AF65-F5344CB8AC3E}">
+        <p14:creationId xmlns:p14="http://schemas.microsoft.com/office/powerpoint/2010/main" val="2939704399"/>
+      </p:ext>
+    </p:extLst>
+  </p:cSld>
+  <p:clrMapOvr>
+    <a:masterClrMapping/>
+  </p:clrMapOvr>
+</p:notes>
+</file>
+
+<file path=ppt/notesSlides/notesSlide4.xml><?xml version="1.0" encoding="utf-8"?>
+<p:notes xmlns:a="http://schemas.openxmlformats.org/drawingml/2006/main" xmlns:r="http://schemas.openxmlformats.org/officeDocument/2006/relationships" xmlns:p="http://schemas.openxmlformats.org/presentationml/2006/main">
+  <p:cSld>
+    <p:spTree>
+      <p:nvGrpSpPr>
+        <p:cNvPr id="1" name=""/>
+        <p:cNvGrpSpPr/>
+        <p:nvPr/>
+      </p:nvGrpSpPr>
+      <p:grpSpPr>
+        <a:xfrm>
+          <a:off x="0" y="0"/>
+          <a:ext cx="0" cy="0"/>
+          <a:chOff x="0" y="0"/>
+          <a:chExt cx="0" cy="0"/>
+        </a:xfrm>
+      </p:grpSpPr>
+      <p:sp>
+        <p:nvSpPr>
+          <p:cNvPr id="2" name="Образ слайда 1"/>
+          <p:cNvSpPr>
+            <a:spLocks noGrp="1" noRot="1" noChangeAspect="1"/>
+          </p:cNvSpPr>
+          <p:nvPr>
+            <p:ph type="sldImg"/>
+          </p:nvPr>
+        </p:nvSpPr>
+        <p:spPr/>
+      </p:sp>
+      <p:sp>
+        <p:nvSpPr>
+          <p:cNvPr id="3" name="Заметки 2"/>
+          <p:cNvSpPr>
+            <a:spLocks noGrp="1"/>
+          </p:cNvSpPr>
+          <p:nvPr>
+            <p:ph type="body" idx="1"/>
+          </p:nvPr>
+        </p:nvSpPr>
+        <p:spPr/>
+        <p:txBody>
+          <a:bodyPr/>
+          <a:lstStyle/>
+          <a:p>
             <a:pPr marL="228600" indent="-228600">
               <a:buAutoNum type="arabicPeriod"/>
             </a:pPr>
@@ -9768,7 +10025,7 @@
 </p:notes>
 </file>
 
-<file path=ppt/notesSlides/notesSlide4.xml><?xml version="1.0" encoding="utf-8"?>
+<file path=ppt/notesSlides/notesSlide5.xml><?xml version="1.0" encoding="utf-8"?>
 <p:notes xmlns:a="http://schemas.openxmlformats.org/drawingml/2006/main" xmlns:r="http://schemas.openxmlformats.org/officeDocument/2006/relationships" xmlns:p="http://schemas.openxmlformats.org/presentationml/2006/main">
   <p:cSld>
     <p:spTree>
@@ -9852,7 +10109,7 @@
 </p:notes>
 </file>
 
-<file path=ppt/notesSlides/notesSlide5.xml><?xml version="1.0" encoding="utf-8"?>
+<file path=ppt/notesSlides/notesSlide6.xml><?xml version="1.0" encoding="utf-8"?>
 <p:notes xmlns:a="http://schemas.openxmlformats.org/drawingml/2006/main" xmlns:r="http://schemas.openxmlformats.org/officeDocument/2006/relationships" xmlns:p="http://schemas.openxmlformats.org/presentationml/2006/main">
   <p:cSld>
     <p:spTree>
@@ -9983,221 +10240,6 @@
     <p:extLst>
       <p:ext uri="{BB962C8B-B14F-4D97-AF65-F5344CB8AC3E}">
         <p14:creationId xmlns:p14="http://schemas.microsoft.com/office/powerpoint/2010/main" val="4265055325"/>
-      </p:ext>
-    </p:extLst>
-  </p:cSld>
-  <p:clrMapOvr>
-    <a:masterClrMapping/>
-  </p:clrMapOvr>
-</p:notes>
-</file>
-
-<file path=ppt/notesSlides/notesSlide6.xml><?xml version="1.0" encoding="utf-8"?>
-<p:notes xmlns:a="http://schemas.openxmlformats.org/drawingml/2006/main" xmlns:r="http://schemas.openxmlformats.org/officeDocument/2006/relationships" xmlns:p="http://schemas.openxmlformats.org/presentationml/2006/main">
-  <p:cSld>
-    <p:spTree>
-      <p:nvGrpSpPr>
-        <p:cNvPr id="1" name=""/>
-        <p:cNvGrpSpPr/>
-        <p:nvPr/>
-      </p:nvGrpSpPr>
-      <p:grpSpPr>
-        <a:xfrm>
-          <a:off x="0" y="0"/>
-          <a:ext cx="0" cy="0"/>
-          <a:chOff x="0" y="0"/>
-          <a:chExt cx="0" cy="0"/>
-        </a:xfrm>
-      </p:grpSpPr>
-      <p:sp>
-        <p:nvSpPr>
-          <p:cNvPr id="2" name="Образ слайда 1"/>
-          <p:cNvSpPr>
-            <a:spLocks noGrp="1" noRot="1" noChangeAspect="1"/>
-          </p:cNvSpPr>
-          <p:nvPr>
-            <p:ph type="sldImg"/>
-          </p:nvPr>
-        </p:nvSpPr>
-        <p:spPr/>
-      </p:sp>
-      <p:sp>
-        <p:nvSpPr>
-          <p:cNvPr id="3" name="Заметки 2"/>
-          <p:cNvSpPr>
-            <a:spLocks noGrp="1"/>
-          </p:cNvSpPr>
-          <p:nvPr>
-            <p:ph type="body" idx="1"/>
-          </p:nvPr>
-        </p:nvSpPr>
-        <p:spPr/>
-        <p:txBody>
-          <a:bodyPr/>
-          <a:lstStyle/>
-          <a:p>
-            <a:r>
-              <a:rPr lang="en-US" dirty="0" smtClean="0"/>
-              <a:t>Initial release: </a:t>
-            </a:r>
-            <a:r>
-              <a:rPr lang="en-US" dirty="0" smtClean="0">
-                <a:effectLst/>
-              </a:rPr>
-              <a:t>April 14, 1998</a:t>
-            </a:r>
-          </a:p>
-          <a:p>
-            <a:r>
-              <a:rPr lang="en-US" sz="900" b="1" i="0" u="none" strike="noStrike" kern="1200" dirty="0" smtClean="0">
-                <a:solidFill>
-                  <a:schemeClr val="tx1"/>
-                </a:solidFill>
-                <a:effectLst/>
-                <a:latin typeface="+mn-lt"/>
-                <a:ea typeface="+mn-ea"/>
-                <a:cs typeface="+mn-cs"/>
-              </a:rPr>
-              <a:t>GIMP Toolkit (https://www.gtk.org/)</a:t>
-            </a:r>
-          </a:p>
-          <a:p>
-            <a:endParaRPr lang="en-US" sz="900" b="1" i="0" u="none" strike="noStrike" kern="1200" dirty="0" smtClean="0">
-              <a:solidFill>
-                <a:schemeClr val="tx1"/>
-              </a:solidFill>
-              <a:effectLst/>
-              <a:latin typeface="+mn-lt"/>
-              <a:ea typeface="+mn-ea"/>
-              <a:cs typeface="+mn-cs"/>
-            </a:endParaRPr>
-          </a:p>
-          <a:p>
-            <a:r>
-              <a:rPr lang="en-US" dirty="0" smtClean="0">
-                <a:effectLst/>
-              </a:rPr>
-              <a:t>GTK+ — Widget toolkit for graphical interfaces </a:t>
-            </a:r>
-          </a:p>
-          <a:p>
-            <a:r>
-              <a:rPr lang="en-US" dirty="0" smtClean="0">
-                <a:effectLst/>
-              </a:rPr>
-              <a:t>GDK — Low-level abstraction for the windowing system </a:t>
-            </a:r>
-          </a:p>
-          <a:p>
-            <a:r>
-              <a:rPr lang="en-US" dirty="0" smtClean="0">
-                <a:effectLst/>
-              </a:rPr>
-              <a:t>Cairo — 2D, vector-based drawing for high-quality graphics </a:t>
-            </a:r>
-          </a:p>
-          <a:p>
-            <a:r>
-              <a:rPr lang="en-US" dirty="0" err="1" smtClean="0">
-                <a:effectLst/>
-              </a:rPr>
-              <a:t>Pango</a:t>
-            </a:r>
-            <a:r>
-              <a:rPr lang="en-US" dirty="0" smtClean="0">
-                <a:effectLst/>
-              </a:rPr>
-              <a:t> — International text rendering with full Unicode support </a:t>
-            </a:r>
-          </a:p>
-          <a:p>
-            <a:r>
-              <a:rPr lang="en-US" dirty="0" smtClean="0">
-                <a:effectLst/>
-              </a:rPr>
-              <a:t>Clutter — Animations and scene graph </a:t>
-            </a:r>
-          </a:p>
-          <a:p>
-            <a:r>
-              <a:rPr lang="en-US" dirty="0" err="1" smtClean="0">
-                <a:effectLst/>
-              </a:rPr>
-              <a:t>WebKit</a:t>
-            </a:r>
-            <a:r>
-              <a:rPr lang="en-US" dirty="0" smtClean="0">
-                <a:effectLst/>
-              </a:rPr>
-              <a:t> — HTML5 web page rendering </a:t>
-            </a:r>
-          </a:p>
-          <a:p>
-            <a:r>
-              <a:rPr lang="en-US" dirty="0" smtClean="0">
-                <a:effectLst/>
-              </a:rPr>
-              <a:t>ATK — Accessibility toolkit to implement support for screen readers and other tools</a:t>
-            </a:r>
-          </a:p>
-          <a:p>
-            <a:r>
-              <a:rPr lang="en-US" dirty="0" smtClean="0">
-                <a:effectLst/>
-              </a:rPr>
-              <a:t>GIO Files — File and URI handling, asynchronous file operations, volume handling</a:t>
-            </a:r>
-          </a:p>
-          <a:p>
-            <a:r>
-              <a:rPr lang="en-US" dirty="0" err="1" smtClean="0"/>
-              <a:t>GLib</a:t>
-            </a:r>
-            <a:r>
-              <a:rPr lang="en-US" dirty="0" smtClean="0"/>
-              <a:t> — Data structures and utilities for C programs </a:t>
-            </a:r>
-          </a:p>
-          <a:p>
-            <a:r>
-              <a:rPr lang="en-US" dirty="0" err="1" smtClean="0"/>
-              <a:t>GObject</a:t>
-            </a:r>
-            <a:r>
-              <a:rPr lang="en-US" dirty="0" smtClean="0"/>
-              <a:t> — C-based object and type system with signals and slots</a:t>
-            </a:r>
-            <a:endParaRPr lang="ru-RU" dirty="0"/>
-          </a:p>
-        </p:txBody>
-      </p:sp>
-      <p:sp>
-        <p:nvSpPr>
-          <p:cNvPr id="4" name="Номер слайда 3"/>
-          <p:cNvSpPr>
-            <a:spLocks noGrp="1"/>
-          </p:cNvSpPr>
-          <p:nvPr>
-            <p:ph type="sldNum" sz="quarter" idx="10"/>
-          </p:nvPr>
-        </p:nvSpPr>
-        <p:spPr/>
-        <p:txBody>
-          <a:bodyPr/>
-          <a:lstStyle/>
-          <a:p>
-            <a:fld id="{A874FABB-6DBE-47C4-B626-20167906F475}" type="slidenum">
-              <a:rPr lang="en-US" smtClean="0"/>
-              <a:t>10</a:t>
-            </a:fld>
-            <a:endParaRPr lang="en-US"/>
-          </a:p>
-        </p:txBody>
-      </p:sp>
-    </p:spTree>
-    <p:extLst>
-      <p:ext uri="{BB962C8B-B14F-4D97-AF65-F5344CB8AC3E}">
-        <p14:creationId xmlns:p14="http://schemas.microsoft.com/office/powerpoint/2010/main" val="1692989286"/>
       </p:ext>
     </p:extLst>
   </p:cSld>
@@ -10253,17 +10295,134 @@
           <a:p>
             <a:r>
               <a:rPr lang="en-US" dirty="0" smtClean="0"/>
-              <a:t>Code </a:t>
+              <a:t>Initial release: </a:t>
+            </a:r>
+            <a:r>
+              <a:rPr lang="en-US" dirty="0" smtClean="0">
+                <a:effectLst/>
+              </a:rPr>
+              <a:t>April 14, 1998</a:t>
             </a:r>
           </a:p>
           <a:p>
             <a:r>
+              <a:rPr lang="en-US" sz="900" b="1" i="0" u="none" strike="noStrike" kern="1200" dirty="0" smtClean="0">
+                <a:solidFill>
+                  <a:schemeClr val="tx1"/>
+                </a:solidFill>
+                <a:effectLst/>
+                <a:latin typeface="+mn-lt"/>
+                <a:ea typeface="+mn-ea"/>
+                <a:cs typeface="+mn-cs"/>
+              </a:rPr>
+              <a:t>GIMP Toolkit (https://www.gtk.org/)</a:t>
+            </a:r>
+          </a:p>
+          <a:p>
+            <a:endParaRPr lang="en-US" sz="900" b="1" i="0" u="none" strike="noStrike" kern="1200" dirty="0" smtClean="0">
+              <a:solidFill>
+                <a:schemeClr val="tx1"/>
+              </a:solidFill>
+              <a:effectLst/>
+              <a:latin typeface="+mn-lt"/>
+              <a:ea typeface="+mn-ea"/>
+              <a:cs typeface="+mn-cs"/>
+            </a:endParaRPr>
+          </a:p>
+          <a:p>
+            <a:r>
+              <a:rPr lang="en-US" dirty="0" smtClean="0">
+                <a:effectLst/>
+              </a:rPr>
+              <a:t>GTK+ — Widget toolkit for graphical interfaces </a:t>
+            </a:r>
+          </a:p>
+          <a:p>
+            <a:r>
+              <a:rPr lang="en-US" dirty="0" smtClean="0">
+                <a:effectLst/>
+              </a:rPr>
+              <a:t>GDK — Low-level abstraction for the windowing system </a:t>
+            </a:r>
+          </a:p>
+          <a:p>
+            <a:r>
+              <a:rPr lang="en-US" dirty="0" smtClean="0">
+                <a:effectLst/>
+              </a:rPr>
+              <a:t>Cairo — 2D, vector-based drawing for high-quality graphics </a:t>
+            </a:r>
+          </a:p>
+          <a:p>
+            <a:r>
+              <a:rPr lang="en-US" dirty="0" err="1" smtClean="0">
+                <a:effectLst/>
+              </a:rPr>
+              <a:t>Pango</a:t>
+            </a:r>
+            <a:r>
+              <a:rPr lang="en-US" dirty="0" smtClean="0">
+                <a:effectLst/>
+              </a:rPr>
+              <a:t> — International text rendering with full Unicode support </a:t>
+            </a:r>
+          </a:p>
+          <a:p>
+            <a:r>
+              <a:rPr lang="en-US" dirty="0" smtClean="0">
+                <a:effectLst/>
+              </a:rPr>
+              <a:t>Clutter — Animations and scene graph </a:t>
+            </a:r>
+          </a:p>
+          <a:p>
+            <a:r>
+              <a:rPr lang="en-US" dirty="0" err="1" smtClean="0">
+                <a:effectLst/>
+              </a:rPr>
+              <a:t>WebKit</a:t>
+            </a:r>
+            <a:r>
+              <a:rPr lang="en-US" dirty="0" smtClean="0">
+                <a:effectLst/>
+              </a:rPr>
+              <a:t> — HTML5 web page rendering </a:t>
+            </a:r>
+          </a:p>
+          <a:p>
+            <a:r>
+              <a:rPr lang="en-US" dirty="0" smtClean="0">
+                <a:effectLst/>
+              </a:rPr>
+              <a:t>ATK — Accessibility toolkit to implement support for screen readers and other tools</a:t>
+            </a:r>
+          </a:p>
+          <a:p>
+            <a:r>
+              <a:rPr lang="en-US" dirty="0" smtClean="0">
+                <a:effectLst/>
+              </a:rPr>
+              <a:t>GIO Files — File and URI handling, asynchronous file operations, volume handling</a:t>
+            </a:r>
+          </a:p>
+          <a:p>
+            <a:r>
+              <a:rPr lang="en-US" dirty="0" err="1" smtClean="0"/>
+              <a:t>GLib</a:t>
+            </a:r>
+            <a:r>
               <a:rPr lang="en-US" dirty="0" smtClean="0"/>
-              <a:t>Glade</a:t>
-            </a:r>
-            <a:r>
-              <a:rPr lang="en-US" baseline="0" dirty="0" smtClean="0"/>
-              <a:t> </a:t>
+              <a:t> — Data structures and utilities for C programs </a:t>
+            </a:r>
+          </a:p>
+          <a:p>
+            <a:r>
+              <a:rPr lang="en-US" dirty="0" err="1" smtClean="0"/>
+              <a:t>GObject</a:t>
+            </a:r>
+            <a:r>
+              <a:rPr lang="en-US" dirty="0" smtClean="0"/>
+              <a:t> — C-based object and type system with signals and slots</a:t>
             </a:r>
             <a:endParaRPr lang="ru-RU" dirty="0"/>
           </a:p>
@@ -10286,7 +10445,7 @@
           <a:p>
             <a:fld id="{A874FABB-6DBE-47C4-B626-20167906F475}" type="slidenum">
               <a:rPr lang="en-US" smtClean="0"/>
-              <a:t>12</a:t>
+              <a:t>10</a:t>
             </a:fld>
             <a:endParaRPr lang="en-US"/>
           </a:p>
@@ -10295,7 +10454,7 @@
     </p:spTree>
     <p:extLst>
       <p:ext uri="{BB962C8B-B14F-4D97-AF65-F5344CB8AC3E}">
-        <p14:creationId xmlns:p14="http://schemas.microsoft.com/office/powerpoint/2010/main" val="548960676"/>
+        <p14:creationId xmlns:p14="http://schemas.microsoft.com/office/powerpoint/2010/main" val="1692989286"/>
       </p:ext>
     </p:extLst>
   </p:cSld>
@@ -10350,12 +10509,18 @@
           <a:lstStyle/>
           <a:p>
             <a:r>
-              <a:rPr lang="en-US" dirty="0" err="1" smtClean="0"/>
-              <a:t>Qt</a:t>
-            </a:r>
-            <a:r>
               <a:rPr lang="en-US" dirty="0" smtClean="0"/>
-              <a:t> Sharp?</a:t>
+              <a:t>Code </a:t>
+            </a:r>
+          </a:p>
+          <a:p>
+            <a:r>
+              <a:rPr lang="en-US" dirty="0" smtClean="0"/>
+              <a:t>Glade</a:t>
+            </a:r>
+            <a:r>
+              <a:rPr lang="en-US" baseline="0" dirty="0" smtClean="0"/>
+              <a:t> </a:t>
             </a:r>
             <a:endParaRPr lang="ru-RU" dirty="0"/>
           </a:p>
@@ -10378,7 +10543,7 @@
           <a:p>
             <a:fld id="{A874FABB-6DBE-47C4-B626-20167906F475}" type="slidenum">
               <a:rPr lang="en-US" smtClean="0"/>
-              <a:t>14</a:t>
+              <a:t>12</a:t>
             </a:fld>
             <a:endParaRPr lang="en-US"/>
           </a:p>
@@ -10387,7 +10552,7 @@
     </p:spTree>
     <p:extLst>
       <p:ext uri="{BB962C8B-B14F-4D97-AF65-F5344CB8AC3E}">
-        <p14:creationId xmlns:p14="http://schemas.microsoft.com/office/powerpoint/2010/main" val="4251630677"/>
+        <p14:creationId xmlns:p14="http://schemas.microsoft.com/office/powerpoint/2010/main" val="548960676"/>
       </p:ext>
     </p:extLst>
   </p:cSld>
@@ -10441,6 +10606,14 @@
           <a:bodyPr/>
           <a:lstStyle/>
           <a:p>
+            <a:r>
+              <a:rPr lang="en-US" dirty="0" err="1" smtClean="0"/>
+              <a:t>Qt</a:t>
+            </a:r>
+            <a:r>
+              <a:rPr lang="en-US" dirty="0" smtClean="0"/>
+              <a:t> Sharp?</a:t>
+            </a:r>
             <a:endParaRPr lang="ru-RU" dirty="0"/>
           </a:p>
         </p:txBody>
@@ -10462,7 +10635,7 @@
           <a:p>
             <a:fld id="{A874FABB-6DBE-47C4-B626-20167906F475}" type="slidenum">
               <a:rPr lang="en-US" smtClean="0"/>
-              <a:t>20</a:t>
+              <a:t>14</a:t>
             </a:fld>
             <a:endParaRPr lang="en-US"/>
           </a:p>
@@ -10471,7 +10644,7 @@
     </p:spTree>
     <p:extLst>
       <p:ext uri="{BB962C8B-B14F-4D97-AF65-F5344CB8AC3E}">
-        <p14:creationId xmlns:p14="http://schemas.microsoft.com/office/powerpoint/2010/main" val="4114067963"/>
+        <p14:creationId xmlns:p14="http://schemas.microsoft.com/office/powerpoint/2010/main" val="4251630677"/>
       </p:ext>
     </p:extLst>
   </p:cSld>
@@ -16416,7 +16589,7 @@
           </a:ln>
           <a:extLst>
             <a:ext uri="{C572A759-6A51-4108-AA02-DFA0A04FC94B}">
-              <ma14:wrappingTextBoxFlag xmlns="" xmlns:ma14="http://schemas.microsoft.com/office/mac/drawingml/2011/main" val="1"/>
+              <ma14:wrappingTextBoxFlag xmlns:ma14="http://schemas.microsoft.com/office/mac/drawingml/2011/main" xmlns="" val="1"/>
             </a:ext>
           </a:extLst>
         </p:spPr>
@@ -26984,6 +27157,59 @@
 </file>
 
 <file path=ppt/slides/slide18.xml><?xml version="1.0" encoding="utf-8"?>
+<p:sld xmlns:a="http://schemas.openxmlformats.org/drawingml/2006/main" xmlns:r="http://schemas.openxmlformats.org/officeDocument/2006/relationships" xmlns:p="http://schemas.openxmlformats.org/presentationml/2006/main">
+  <p:cSld>
+    <p:spTree>
+      <p:nvGrpSpPr>
+        <p:cNvPr id="1" name=""/>
+        <p:cNvGrpSpPr/>
+        <p:nvPr/>
+      </p:nvGrpSpPr>
+      <p:grpSpPr>
+        <a:xfrm>
+          <a:off x="0" y="0"/>
+          <a:ext cx="0" cy="0"/>
+          <a:chOff x="0" y="0"/>
+          <a:chExt cx="0" cy="0"/>
+        </a:xfrm>
+      </p:grpSpPr>
+      <p:sp>
+        <p:nvSpPr>
+          <p:cNvPr id="2" name="Заголовок 1"/>
+          <p:cNvSpPr>
+            <a:spLocks noGrp="1"/>
+          </p:cNvSpPr>
+          <p:nvPr>
+            <p:ph type="title"/>
+          </p:nvPr>
+        </p:nvSpPr>
+        <p:spPr/>
+        <p:txBody>
+          <a:bodyPr/>
+          <a:lstStyle/>
+          <a:p>
+            <a:r>
+              <a:rPr lang="en-US" dirty="0" smtClean="0"/>
+              <a:t>Development</a:t>
+            </a:r>
+            <a:endParaRPr lang="ru-RU" dirty="0"/>
+          </a:p>
+        </p:txBody>
+      </p:sp>
+    </p:spTree>
+    <p:extLst>
+      <p:ext uri="{BB962C8B-B14F-4D97-AF65-F5344CB8AC3E}">
+        <p14:creationId xmlns:p14="http://schemas.microsoft.com/office/powerpoint/2010/main" val="339224247"/>
+      </p:ext>
+    </p:extLst>
+  </p:cSld>
+  <p:clrMapOvr>
+    <a:masterClrMapping/>
+  </p:clrMapOvr>
+</p:sld>
+</file>
+
+<file path=ppt/slides/slide19.xml><?xml version="1.0" encoding="utf-8"?>
 <p:sld xmlns:a="http://schemas.openxmlformats.org/drawingml/2006/main" xmlns:r="http://schemas.openxmlformats.org/officeDocument/2006/relationships" xmlns:p="http://schemas.openxmlformats.org/presentationml/2006/main" show="0">
   <p:cSld>
     <p:spTree>
@@ -27041,59 +27267,6 @@
       <p:transition spd="slow"/>
     </mc:Fallback>
   </mc:AlternateContent>
-</p:sld>
-</file>
-
-<file path=ppt/slides/slide19.xml><?xml version="1.0" encoding="utf-8"?>
-<p:sld xmlns:a="http://schemas.openxmlformats.org/drawingml/2006/main" xmlns:r="http://schemas.openxmlformats.org/officeDocument/2006/relationships" xmlns:p="http://schemas.openxmlformats.org/presentationml/2006/main">
-  <p:cSld>
-    <p:spTree>
-      <p:nvGrpSpPr>
-        <p:cNvPr id="1" name=""/>
-        <p:cNvGrpSpPr/>
-        <p:nvPr/>
-      </p:nvGrpSpPr>
-      <p:grpSpPr>
-        <a:xfrm>
-          <a:off x="0" y="0"/>
-          <a:ext cx="0" cy="0"/>
-          <a:chOff x="0" y="0"/>
-          <a:chExt cx="0" cy="0"/>
-        </a:xfrm>
-      </p:grpSpPr>
-      <p:sp>
-        <p:nvSpPr>
-          <p:cNvPr id="3" name="Заголовок 2"/>
-          <p:cNvSpPr>
-            <a:spLocks noGrp="1"/>
-          </p:cNvSpPr>
-          <p:nvPr>
-            <p:ph type="title"/>
-          </p:nvPr>
-        </p:nvSpPr>
-        <p:spPr/>
-        <p:txBody>
-          <a:bodyPr/>
-          <a:lstStyle/>
-          <a:p>
-            <a:r>
-              <a:rPr lang="en-US" dirty="0" smtClean="0"/>
-              <a:t>HTML/CSS-based frameworks</a:t>
-            </a:r>
-            <a:endParaRPr lang="ru-RU" dirty="0"/>
-          </a:p>
-        </p:txBody>
-      </p:sp>
-    </p:spTree>
-    <p:extLst>
-      <p:ext uri="{BB962C8B-B14F-4D97-AF65-F5344CB8AC3E}">
-        <p14:creationId xmlns:p14="http://schemas.microsoft.com/office/powerpoint/2010/main" val="1456736141"/>
-      </p:ext>
-    </p:extLst>
-  </p:cSld>
-  <p:clrMapOvr>
-    <a:masterClrMapping/>
-  </p:clrMapOvr>
 </p:sld>
 </file>
 
@@ -27267,6 +27440,59 @@
           <a:lstStyle/>
           <a:p>
             <a:r>
+              <a:rPr lang="en-US" dirty="0" smtClean="0"/>
+              <a:t>HTML/CSS-based frameworks</a:t>
+            </a:r>
+            <a:endParaRPr lang="ru-RU" dirty="0"/>
+          </a:p>
+        </p:txBody>
+      </p:sp>
+    </p:spTree>
+    <p:extLst>
+      <p:ext uri="{BB962C8B-B14F-4D97-AF65-F5344CB8AC3E}">
+        <p14:creationId xmlns:p14="http://schemas.microsoft.com/office/powerpoint/2010/main" val="1456736141"/>
+      </p:ext>
+    </p:extLst>
+  </p:cSld>
+  <p:clrMapOvr>
+    <a:masterClrMapping/>
+  </p:clrMapOvr>
+</p:sld>
+</file>
+
+<file path=ppt/slides/slide21.xml><?xml version="1.0" encoding="utf-8"?>
+<p:sld xmlns:a="http://schemas.openxmlformats.org/drawingml/2006/main" xmlns:r="http://schemas.openxmlformats.org/officeDocument/2006/relationships" xmlns:p="http://schemas.openxmlformats.org/presentationml/2006/main">
+  <p:cSld>
+    <p:spTree>
+      <p:nvGrpSpPr>
+        <p:cNvPr id="1" name=""/>
+        <p:cNvGrpSpPr/>
+        <p:nvPr/>
+      </p:nvGrpSpPr>
+      <p:grpSpPr>
+        <a:xfrm>
+          <a:off x="0" y="0"/>
+          <a:ext cx="0" cy="0"/>
+          <a:chOff x="0" y="0"/>
+          <a:chExt cx="0" cy="0"/>
+        </a:xfrm>
+      </p:grpSpPr>
+      <p:sp>
+        <p:nvSpPr>
+          <p:cNvPr id="3" name="Заголовок 2"/>
+          <p:cNvSpPr>
+            <a:spLocks noGrp="1"/>
+          </p:cNvSpPr>
+          <p:nvPr>
+            <p:ph type="title"/>
+          </p:nvPr>
+        </p:nvSpPr>
+        <p:spPr/>
+        <p:txBody>
+          <a:bodyPr/>
+          <a:lstStyle/>
+          <a:p>
+            <a:r>
               <a:rPr lang="en-US" dirty="0"/>
               <a:t>HTML/CSS-based frameworks</a:t>
             </a:r>
@@ -27370,59 +27596,6 @@
 </p:sld>
 </file>
 
-<file path=ppt/slides/slide21.xml><?xml version="1.0" encoding="utf-8"?>
-<p:sld xmlns:a="http://schemas.openxmlformats.org/drawingml/2006/main" xmlns:r="http://schemas.openxmlformats.org/officeDocument/2006/relationships" xmlns:p="http://schemas.openxmlformats.org/presentationml/2006/main">
-  <p:cSld>
-    <p:spTree>
-      <p:nvGrpSpPr>
-        <p:cNvPr id="1" name=""/>
-        <p:cNvGrpSpPr/>
-        <p:nvPr/>
-      </p:nvGrpSpPr>
-      <p:grpSpPr>
-        <a:xfrm>
-          <a:off x="0" y="0"/>
-          <a:ext cx="0" cy="0"/>
-          <a:chOff x="0" y="0"/>
-          <a:chExt cx="0" cy="0"/>
-        </a:xfrm>
-      </p:grpSpPr>
-      <p:sp>
-        <p:nvSpPr>
-          <p:cNvPr id="2" name="Заголовок 1"/>
-          <p:cNvSpPr>
-            <a:spLocks noGrp="1"/>
-          </p:cNvSpPr>
-          <p:nvPr>
-            <p:ph type="title"/>
-          </p:nvPr>
-        </p:nvSpPr>
-        <p:spPr/>
-        <p:txBody>
-          <a:bodyPr/>
-          <a:lstStyle/>
-          <a:p>
-            <a:r>
-              <a:rPr lang="en-US" dirty="0" smtClean="0"/>
-              <a:t>Electron</a:t>
-            </a:r>
-            <a:endParaRPr lang="ru-RU" dirty="0"/>
-          </a:p>
-        </p:txBody>
-      </p:sp>
-    </p:spTree>
-    <p:extLst>
-      <p:ext uri="{BB962C8B-B14F-4D97-AF65-F5344CB8AC3E}">
-        <p14:creationId xmlns:p14="http://schemas.microsoft.com/office/powerpoint/2010/main" val="3635802564"/>
-      </p:ext>
-    </p:extLst>
-  </p:cSld>
-  <p:clrMapOvr>
-    <a:masterClrMapping/>
-  </p:clrMapOvr>
-</p:sld>
-</file>
-
 <file path=ppt/slides/slide22.xml><?xml version="1.0" encoding="utf-8"?>
 <p:sld xmlns:a="http://schemas.openxmlformats.org/drawingml/2006/main" xmlns:r="http://schemas.openxmlformats.org/officeDocument/2006/relationships" xmlns:p="http://schemas.openxmlformats.org/presentationml/2006/main">
   <p:cSld>
@@ -27457,7 +27630,7 @@
           <a:p>
             <a:r>
               <a:rPr lang="en-US" dirty="0" smtClean="0"/>
-              <a:t>Electron.net</a:t>
+              <a:t>Electron</a:t>
             </a:r>
             <a:endParaRPr lang="ru-RU" dirty="0"/>
           </a:p>
@@ -27466,7 +27639,7 @@
     </p:spTree>
     <p:extLst>
       <p:ext uri="{BB962C8B-B14F-4D97-AF65-F5344CB8AC3E}">
-        <p14:creationId xmlns:p14="http://schemas.microsoft.com/office/powerpoint/2010/main" val="2718629126"/>
+        <p14:creationId xmlns:p14="http://schemas.microsoft.com/office/powerpoint/2010/main" val="3635802564"/>
       </p:ext>
     </p:extLst>
   </p:cSld>
@@ -27477,7 +27650,7 @@
 </file>
 
 <file path=ppt/slides/slide23.xml><?xml version="1.0" encoding="utf-8"?>
-<p:sld xmlns:a="http://schemas.openxmlformats.org/drawingml/2006/main" xmlns:r="http://schemas.openxmlformats.org/officeDocument/2006/relationships" xmlns:p="http://schemas.openxmlformats.org/presentationml/2006/main" show="0">
+<p:sld xmlns:a="http://schemas.openxmlformats.org/drawingml/2006/main" xmlns:r="http://schemas.openxmlformats.org/officeDocument/2006/relationships" xmlns:p="http://schemas.openxmlformats.org/presentationml/2006/main">
   <p:cSld>
     <p:spTree>
       <p:nvGrpSpPr>
@@ -27509,8 +27682,8 @@
           <a:lstStyle/>
           <a:p>
             <a:r>
-              <a:rPr lang="en-US" dirty="0" err="1" smtClean="0"/>
-              <a:t>Sciter</a:t>
+              <a:rPr lang="en-US" dirty="0" smtClean="0"/>
+              <a:t>Electron.net</a:t>
             </a:r>
             <a:endParaRPr lang="ru-RU" dirty="0"/>
           </a:p>
@@ -27519,21 +27692,13 @@
     </p:spTree>
     <p:extLst>
       <p:ext uri="{BB962C8B-B14F-4D97-AF65-F5344CB8AC3E}">
-        <p14:creationId xmlns:p14="http://schemas.microsoft.com/office/powerpoint/2010/main" val="1096656507"/>
+        <p14:creationId xmlns:p14="http://schemas.microsoft.com/office/powerpoint/2010/main" val="2718629126"/>
       </p:ext>
     </p:extLst>
   </p:cSld>
   <p:clrMapOvr>
     <a:masterClrMapping/>
   </p:clrMapOvr>
-  <mc:AlternateContent xmlns:mc="http://schemas.openxmlformats.org/markup-compatibility/2006">
-    <mc:Choice xmlns:p14="http://schemas.microsoft.com/office/powerpoint/2010/main" Requires="p14">
-      <p:transition spd="slow" p14:dur="2000"/>
-    </mc:Choice>
-    <mc:Fallback>
-      <p:transition spd="slow"/>
-    </mc:Fallback>
-  </mc:AlternateContent>
 </p:sld>
 </file>
 
@@ -27570,6 +27735,67 @@
           <a:lstStyle/>
           <a:p>
             <a:r>
+              <a:rPr lang="en-US" dirty="0" err="1" smtClean="0"/>
+              <a:t>Sciter</a:t>
+            </a:r>
+            <a:endParaRPr lang="ru-RU" dirty="0"/>
+          </a:p>
+        </p:txBody>
+      </p:sp>
+    </p:spTree>
+    <p:extLst>
+      <p:ext uri="{BB962C8B-B14F-4D97-AF65-F5344CB8AC3E}">
+        <p14:creationId xmlns:p14="http://schemas.microsoft.com/office/powerpoint/2010/main" val="1096656507"/>
+      </p:ext>
+    </p:extLst>
+  </p:cSld>
+  <p:clrMapOvr>
+    <a:masterClrMapping/>
+  </p:clrMapOvr>
+  <mc:AlternateContent xmlns:mc="http://schemas.openxmlformats.org/markup-compatibility/2006" xmlns:p14="http://schemas.microsoft.com/office/powerpoint/2010/main">
+    <mc:Choice Requires="p14">
+      <p:transition spd="slow" p14:dur="2000"/>
+    </mc:Choice>
+    <mc:Fallback xmlns="">
+      <p:transition spd="slow"/>
+    </mc:Fallback>
+  </mc:AlternateContent>
+</p:sld>
+</file>
+
+<file path=ppt/slides/slide25.xml><?xml version="1.0" encoding="utf-8"?>
+<p:sld xmlns:a="http://schemas.openxmlformats.org/drawingml/2006/main" xmlns:r="http://schemas.openxmlformats.org/officeDocument/2006/relationships" xmlns:p="http://schemas.openxmlformats.org/presentationml/2006/main" show="0">
+  <p:cSld>
+    <p:spTree>
+      <p:nvGrpSpPr>
+        <p:cNvPr id="1" name=""/>
+        <p:cNvGrpSpPr/>
+        <p:nvPr/>
+      </p:nvGrpSpPr>
+      <p:grpSpPr>
+        <a:xfrm>
+          <a:off x="0" y="0"/>
+          <a:ext cx="0" cy="0"/>
+          <a:chOff x="0" y="0"/>
+          <a:chExt cx="0" cy="0"/>
+        </a:xfrm>
+      </p:grpSpPr>
+      <p:sp>
+        <p:nvSpPr>
+          <p:cNvPr id="2" name="Заголовок 1"/>
+          <p:cNvSpPr>
+            <a:spLocks noGrp="1"/>
+          </p:cNvSpPr>
+          <p:nvPr>
+            <p:ph type="title"/>
+          </p:nvPr>
+        </p:nvSpPr>
+        <p:spPr/>
+        <p:txBody>
+          <a:bodyPr/>
+          <a:lstStyle/>
+          <a:p>
+            <a:r>
               <a:rPr lang="en-US" dirty="0" err="1"/>
               <a:t>SciterSharp</a:t>
             </a:r>
@@ -27587,18 +27813,18 @@
   <p:clrMapOvr>
     <a:masterClrMapping/>
   </p:clrMapOvr>
-  <mc:AlternateContent xmlns:mc="http://schemas.openxmlformats.org/markup-compatibility/2006">
-    <mc:Choice xmlns:p14="http://schemas.microsoft.com/office/powerpoint/2010/main" Requires="p14">
+  <mc:AlternateContent xmlns:mc="http://schemas.openxmlformats.org/markup-compatibility/2006" xmlns:p14="http://schemas.microsoft.com/office/powerpoint/2010/main">
+    <mc:Choice Requires="p14">
       <p:transition spd="slow" p14:dur="2000"/>
     </mc:Choice>
-    <mc:Fallback>
+    <mc:Fallback xmlns="">
       <p:transition spd="slow"/>
     </mc:Fallback>
   </mc:AlternateContent>
 </p:sld>
 </file>
 
-<file path=ppt/slides/slide25.xml><?xml version="1.0" encoding="utf-8"?>
+<file path=ppt/slides/slide26.xml><?xml version="1.0" encoding="utf-8"?>
 <p:sld xmlns:a="http://schemas.openxmlformats.org/drawingml/2006/main" xmlns:r="http://schemas.openxmlformats.org/officeDocument/2006/relationships" xmlns:p="http://schemas.openxmlformats.org/presentationml/2006/main">
   <p:cSld>
     <p:spTree>
@@ -27656,7 +27882,7 @@
 </p:sld>
 </file>
 
-<file path=ppt/slides/slide26.xml><?xml version="1.0" encoding="utf-8"?>
+<file path=ppt/slides/slide27.xml><?xml version="1.0" encoding="utf-8"?>
 <p:sld xmlns:a="http://schemas.openxmlformats.org/drawingml/2006/main" xmlns:r="http://schemas.openxmlformats.org/officeDocument/2006/relationships" xmlns:p="http://schemas.openxmlformats.org/presentationml/2006/main">
   <p:cSld>
     <p:spTree>
@@ -27705,7 +27931,7 @@
 </p:sld>
 </file>
 
-<file path=ppt/slides/slide27.xml><?xml version="1.0" encoding="utf-8"?>
+<file path=ppt/slides/slide28.xml><?xml version="1.0" encoding="utf-8"?>
 <p:sld xmlns:a="http://schemas.openxmlformats.org/drawingml/2006/main" xmlns:r="http://schemas.openxmlformats.org/officeDocument/2006/relationships" xmlns:p="http://schemas.openxmlformats.org/presentationml/2006/main">
   <p:cSld>
     <p:spTree>
@@ -27805,21 +28031,102 @@
           <p:nvPr>
             <p:extLst>
               <p:ext uri="{D42A27DB-BD31-4B8C-83A1-F6EECF244321}">
-                <p14:modId xmlns:p14="http://schemas.microsoft.com/office/powerpoint/2010/main" val="2345578813"/>
+                <p14:modId xmlns:p14="http://schemas.microsoft.com/office/powerpoint/2010/main" val="3460649353"/>
               </p:ext>
             </p:extLst>
           </p:nvPr>
         </p:nvGraphicFramePr>
         <p:xfrm>
           <a:off x="571500" y="960120"/>
-          <a:ext cx="8092440" cy="3512820"/>
+          <a:ext cx="4282440" cy="3512820"/>
         </p:xfrm>
         <a:graphic>
           <a:graphicData uri="http://schemas.openxmlformats.org/drawingml/2006/diagram">
-            <dgm:relIds xmlns:dgm="http://schemas.openxmlformats.org/drawingml/2006/diagram" xmlns:r="http://schemas.openxmlformats.org/officeDocument/2006/relationships" r:dm="rId2" r:lo="rId3" r:qs="rId4" r:cs="rId5"/>
+            <dgm:relIds xmlns:dgm="http://schemas.openxmlformats.org/drawingml/2006/diagram" xmlns:r="http://schemas.openxmlformats.org/officeDocument/2006/relationships" r:dm="rId3" r:lo="rId4" r:qs="rId5" r:cs="rId6"/>
           </a:graphicData>
         </a:graphic>
       </p:graphicFrame>
+      <p:pic>
+        <p:nvPicPr>
+          <p:cNvPr id="3" name="Рисунок 2"/>
+          <p:cNvPicPr>
+            <a:picLocks noChangeAspect="1"/>
+          </p:cNvPicPr>
+          <p:nvPr/>
+        </p:nvPicPr>
+        <p:blipFill>
+          <a:blip r:embed="rId8"/>
+          <a:stretch>
+            <a:fillRect/>
+          </a:stretch>
+        </p:blipFill>
+        <p:spPr>
+          <a:xfrm>
+            <a:off x="5535930" y="960120"/>
+            <a:ext cx="2404110" cy="1351500"/>
+          </a:xfrm>
+          <a:prstGeom prst="rect">
+            <a:avLst/>
+          </a:prstGeom>
+        </p:spPr>
+      </p:pic>
+      <p:pic>
+        <p:nvPicPr>
+          <p:cNvPr id="5" name="Рисунок 4"/>
+          <p:cNvPicPr>
+            <a:picLocks noChangeAspect="1"/>
+          </p:cNvPicPr>
+          <p:nvPr/>
+        </p:nvPicPr>
+        <p:blipFill>
+          <a:blip r:embed="rId9"/>
+          <a:stretch>
+            <a:fillRect/>
+          </a:stretch>
+        </p:blipFill>
+        <p:spPr>
+          <a:xfrm>
+            <a:off x="6046470" y="1635870"/>
+            <a:ext cx="2857500" cy="1847850"/>
+          </a:xfrm>
+          <a:prstGeom prst="rect">
+            <a:avLst/>
+          </a:prstGeom>
+        </p:spPr>
+      </p:pic>
+      <p:pic>
+        <p:nvPicPr>
+          <p:cNvPr id="6" name="Рисунок 5"/>
+          <p:cNvPicPr>
+            <a:picLocks noChangeAspect="1"/>
+          </p:cNvPicPr>
+          <p:nvPr/>
+        </p:nvPicPr>
+        <p:blipFill rotWithShape="1">
+          <a:blip r:embed="rId10"/>
+          <a:srcRect l="7239" t="11023" r="6927" b="7393"/>
+          <a:stretch/>
+        </p:blipFill>
+        <p:spPr>
+          <a:xfrm>
+            <a:off x="5273040" y="2666568"/>
+            <a:ext cx="2547075" cy="1922670"/>
+          </a:xfrm>
+          <a:prstGeom prst="rect">
+            <a:avLst/>
+          </a:prstGeom>
+          <a:ln>
+            <a:noFill/>
+          </a:ln>
+          <a:effectLst>
+            <a:outerShdw blurRad="292100" dist="139700" dir="2700000" algn="tl" rotWithShape="0">
+              <a:srgbClr val="333333">
+                <a:alpha val="65000"/>
+              </a:srgbClr>
+            </a:outerShdw>
+          </a:effectLst>
+        </p:spPr>
+      </p:pic>
     </p:spTree>
     <p:extLst>
       <p:ext uri="{BB962C8B-B14F-4D97-AF65-F5344CB8AC3E}">
@@ -27830,6 +28137,419 @@
   <p:clrMapOvr>
     <a:masterClrMapping/>
   </p:clrMapOvr>
+  <p:timing>
+    <p:tnLst>
+      <p:par>
+        <p:cTn id="1" dur="indefinite" restart="never" nodeType="tmRoot">
+          <p:childTnLst>
+            <p:seq concurrent="1" nextAc="seek">
+              <p:cTn id="2" dur="indefinite" nodeType="mainSeq">
+                <p:childTnLst>
+                  <p:par>
+                    <p:cTn id="3" fill="hold">
+                      <p:stCondLst>
+                        <p:cond delay="indefinite"/>
+                      </p:stCondLst>
+                      <p:childTnLst>
+                        <p:par>
+                          <p:cTn id="4" fill="hold">
+                            <p:stCondLst>
+                              <p:cond delay="0"/>
+                            </p:stCondLst>
+                            <p:childTnLst>
+                              <p:par>
+                                <p:cTn id="5" presetID="10" presetClass="entr" presetSubtype="0" fill="hold" grpId="0" nodeType="clickEffect">
+                                  <p:stCondLst>
+                                    <p:cond delay="0"/>
+                                  </p:stCondLst>
+                                  <p:childTnLst>
+                                    <p:set>
+                                      <p:cBhvr>
+                                        <p:cTn id="6" dur="1" fill="hold">
+                                          <p:stCondLst>
+                                            <p:cond delay="0"/>
+                                          </p:stCondLst>
+                                        </p:cTn>
+                                        <p:tgtEl>
+                                          <p:spTgt spid="4">
+                                            <p:graphicEl>
+                                              <a:dgm id="{FA2B3221-5EB7-465E-96D4-FE9EC71DDCF7}"/>
+                                            </p:graphicEl>
+                                          </p:spTgt>
+                                        </p:tgtEl>
+                                        <p:attrNameLst>
+                                          <p:attrName>style.visibility</p:attrName>
+                                        </p:attrNameLst>
+                                      </p:cBhvr>
+                                      <p:to>
+                                        <p:strVal val="visible"/>
+                                      </p:to>
+                                    </p:set>
+                                    <p:animEffect transition="in" filter="fade">
+                                      <p:cBhvr>
+                                        <p:cTn id="7" dur="500"/>
+                                        <p:tgtEl>
+                                          <p:spTgt spid="4">
+                                            <p:graphicEl>
+                                              <a:dgm id="{FA2B3221-5EB7-465E-96D4-FE9EC71DDCF7}"/>
+                                            </p:graphicEl>
+                                          </p:spTgt>
+                                        </p:tgtEl>
+                                      </p:cBhvr>
+                                    </p:animEffect>
+                                  </p:childTnLst>
+                                </p:cTn>
+                              </p:par>
+                            </p:childTnLst>
+                          </p:cTn>
+                        </p:par>
+                        <p:par>
+                          <p:cTn id="8" fill="hold">
+                            <p:stCondLst>
+                              <p:cond delay="500"/>
+                            </p:stCondLst>
+                            <p:childTnLst>
+                              <p:par>
+                                <p:cTn id="9" presetID="10" presetClass="entr" presetSubtype="0" fill="hold" nodeType="afterEffect">
+                                  <p:stCondLst>
+                                    <p:cond delay="0"/>
+                                  </p:stCondLst>
+                                  <p:childTnLst>
+                                    <p:set>
+                                      <p:cBhvr>
+                                        <p:cTn id="10" dur="1" fill="hold">
+                                          <p:stCondLst>
+                                            <p:cond delay="0"/>
+                                          </p:stCondLst>
+                                        </p:cTn>
+                                        <p:tgtEl>
+                                          <p:spTgt spid="3"/>
+                                        </p:tgtEl>
+                                        <p:attrNameLst>
+                                          <p:attrName>style.visibility</p:attrName>
+                                        </p:attrNameLst>
+                                      </p:cBhvr>
+                                      <p:to>
+                                        <p:strVal val="visible"/>
+                                      </p:to>
+                                    </p:set>
+                                    <p:animEffect transition="in" filter="fade">
+                                      <p:cBhvr>
+                                        <p:cTn id="11" dur="500"/>
+                                        <p:tgtEl>
+                                          <p:spTgt spid="3"/>
+                                        </p:tgtEl>
+                                      </p:cBhvr>
+                                    </p:animEffect>
+                                  </p:childTnLst>
+                                </p:cTn>
+                              </p:par>
+                            </p:childTnLst>
+                          </p:cTn>
+                        </p:par>
+                      </p:childTnLst>
+                    </p:cTn>
+                  </p:par>
+                  <p:par>
+                    <p:cTn id="12" fill="hold">
+                      <p:stCondLst>
+                        <p:cond delay="indefinite"/>
+                      </p:stCondLst>
+                      <p:childTnLst>
+                        <p:par>
+                          <p:cTn id="13" fill="hold">
+                            <p:stCondLst>
+                              <p:cond delay="0"/>
+                            </p:stCondLst>
+                            <p:childTnLst>
+                              <p:par>
+                                <p:cTn id="14" presetID="10" presetClass="entr" presetSubtype="0" fill="hold" grpId="0" nodeType="clickEffect">
+                                  <p:stCondLst>
+                                    <p:cond delay="0"/>
+                                  </p:stCondLst>
+                                  <p:childTnLst>
+                                    <p:set>
+                                      <p:cBhvr>
+                                        <p:cTn id="15" dur="1" fill="hold">
+                                          <p:stCondLst>
+                                            <p:cond delay="0"/>
+                                          </p:stCondLst>
+                                        </p:cTn>
+                                        <p:tgtEl>
+                                          <p:spTgt spid="4">
+                                            <p:graphicEl>
+                                              <a:dgm id="{ADD4C7FE-EEBC-47D5-967B-87DFC7ABE732}"/>
+                                            </p:graphicEl>
+                                          </p:spTgt>
+                                        </p:tgtEl>
+                                        <p:attrNameLst>
+                                          <p:attrName>style.visibility</p:attrName>
+                                        </p:attrNameLst>
+                                      </p:cBhvr>
+                                      <p:to>
+                                        <p:strVal val="visible"/>
+                                      </p:to>
+                                    </p:set>
+                                    <p:animEffect transition="in" filter="fade">
+                                      <p:cBhvr>
+                                        <p:cTn id="16" dur="500"/>
+                                        <p:tgtEl>
+                                          <p:spTgt spid="4">
+                                            <p:graphicEl>
+                                              <a:dgm id="{ADD4C7FE-EEBC-47D5-967B-87DFC7ABE732}"/>
+                                            </p:graphicEl>
+                                          </p:spTgt>
+                                        </p:tgtEl>
+                                      </p:cBhvr>
+                                    </p:animEffect>
+                                  </p:childTnLst>
+                                </p:cTn>
+                              </p:par>
+                            </p:childTnLst>
+                          </p:cTn>
+                        </p:par>
+                        <p:par>
+                          <p:cTn id="17" fill="hold">
+                            <p:stCondLst>
+                              <p:cond delay="500"/>
+                            </p:stCondLst>
+                            <p:childTnLst>
+                              <p:par>
+                                <p:cTn id="18" presetID="10" presetClass="entr" presetSubtype="0" fill="hold" nodeType="afterEffect">
+                                  <p:stCondLst>
+                                    <p:cond delay="0"/>
+                                  </p:stCondLst>
+                                  <p:childTnLst>
+                                    <p:set>
+                                      <p:cBhvr>
+                                        <p:cTn id="19" dur="1" fill="hold">
+                                          <p:stCondLst>
+                                            <p:cond delay="0"/>
+                                          </p:stCondLst>
+                                        </p:cTn>
+                                        <p:tgtEl>
+                                          <p:spTgt spid="5"/>
+                                        </p:tgtEl>
+                                        <p:attrNameLst>
+                                          <p:attrName>style.visibility</p:attrName>
+                                        </p:attrNameLst>
+                                      </p:cBhvr>
+                                      <p:to>
+                                        <p:strVal val="visible"/>
+                                      </p:to>
+                                    </p:set>
+                                    <p:animEffect transition="in" filter="fade">
+                                      <p:cBhvr>
+                                        <p:cTn id="20" dur="500"/>
+                                        <p:tgtEl>
+                                          <p:spTgt spid="5"/>
+                                        </p:tgtEl>
+                                      </p:cBhvr>
+                                    </p:animEffect>
+                                  </p:childTnLst>
+                                </p:cTn>
+                              </p:par>
+                            </p:childTnLst>
+                          </p:cTn>
+                        </p:par>
+                      </p:childTnLst>
+                    </p:cTn>
+                  </p:par>
+                  <p:par>
+                    <p:cTn id="21" fill="hold">
+                      <p:stCondLst>
+                        <p:cond delay="indefinite"/>
+                      </p:stCondLst>
+                      <p:childTnLst>
+                        <p:par>
+                          <p:cTn id="22" fill="hold">
+                            <p:stCondLst>
+                              <p:cond delay="0"/>
+                            </p:stCondLst>
+                            <p:childTnLst>
+                              <p:par>
+                                <p:cTn id="23" presetID="10" presetClass="entr" presetSubtype="0" fill="hold" grpId="0" nodeType="clickEffect">
+                                  <p:stCondLst>
+                                    <p:cond delay="0"/>
+                                  </p:stCondLst>
+                                  <p:childTnLst>
+                                    <p:set>
+                                      <p:cBhvr>
+                                        <p:cTn id="24" dur="1" fill="hold">
+                                          <p:stCondLst>
+                                            <p:cond delay="0"/>
+                                          </p:stCondLst>
+                                        </p:cTn>
+                                        <p:tgtEl>
+                                          <p:spTgt spid="4">
+                                            <p:graphicEl>
+                                              <a:dgm id="{690DBE5A-0FBE-469C-AF24-AD85B61DBED2}"/>
+                                            </p:graphicEl>
+                                          </p:spTgt>
+                                        </p:tgtEl>
+                                        <p:attrNameLst>
+                                          <p:attrName>style.visibility</p:attrName>
+                                        </p:attrNameLst>
+                                      </p:cBhvr>
+                                      <p:to>
+                                        <p:strVal val="visible"/>
+                                      </p:to>
+                                    </p:set>
+                                    <p:animEffect transition="in" filter="fade">
+                                      <p:cBhvr>
+                                        <p:cTn id="25" dur="500"/>
+                                        <p:tgtEl>
+                                          <p:spTgt spid="4">
+                                            <p:graphicEl>
+                                              <a:dgm id="{690DBE5A-0FBE-469C-AF24-AD85B61DBED2}"/>
+                                            </p:graphicEl>
+                                          </p:spTgt>
+                                        </p:tgtEl>
+                                      </p:cBhvr>
+                                    </p:animEffect>
+                                  </p:childTnLst>
+                                </p:cTn>
+                              </p:par>
+                            </p:childTnLst>
+                          </p:cTn>
+                        </p:par>
+                        <p:par>
+                          <p:cTn id="26" fill="hold">
+                            <p:stCondLst>
+                              <p:cond delay="500"/>
+                            </p:stCondLst>
+                            <p:childTnLst>
+                              <p:par>
+                                <p:cTn id="27" presetID="10" presetClass="entr" presetSubtype="0" fill="hold" nodeType="afterEffect">
+                                  <p:stCondLst>
+                                    <p:cond delay="0"/>
+                                  </p:stCondLst>
+                                  <p:childTnLst>
+                                    <p:set>
+                                      <p:cBhvr>
+                                        <p:cTn id="28" dur="1" fill="hold">
+                                          <p:stCondLst>
+                                            <p:cond delay="0"/>
+                                          </p:stCondLst>
+                                        </p:cTn>
+                                        <p:tgtEl>
+                                          <p:spTgt spid="6"/>
+                                        </p:tgtEl>
+                                        <p:attrNameLst>
+                                          <p:attrName>style.visibility</p:attrName>
+                                        </p:attrNameLst>
+                                      </p:cBhvr>
+                                      <p:to>
+                                        <p:strVal val="visible"/>
+                                      </p:to>
+                                    </p:set>
+                                    <p:animEffect transition="in" filter="fade">
+                                      <p:cBhvr>
+                                        <p:cTn id="29" dur="500"/>
+                                        <p:tgtEl>
+                                          <p:spTgt spid="6"/>
+                                        </p:tgtEl>
+                                      </p:cBhvr>
+                                    </p:animEffect>
+                                  </p:childTnLst>
+                                </p:cTn>
+                              </p:par>
+                            </p:childTnLst>
+                          </p:cTn>
+                        </p:par>
+                      </p:childTnLst>
+                    </p:cTn>
+                  </p:par>
+                  <p:par>
+                    <p:cTn id="30" fill="hold">
+                      <p:stCondLst>
+                        <p:cond delay="indefinite"/>
+                      </p:stCondLst>
+                      <p:childTnLst>
+                        <p:par>
+                          <p:cTn id="31" fill="hold">
+                            <p:stCondLst>
+                              <p:cond delay="0"/>
+                            </p:stCondLst>
+                            <p:childTnLst>
+                              <p:par>
+                                <p:cTn id="32" presetID="10" presetClass="entr" presetSubtype="0" fill="hold" grpId="0" nodeType="clickEffect">
+                                  <p:stCondLst>
+                                    <p:cond delay="0"/>
+                                  </p:stCondLst>
+                                  <p:childTnLst>
+                                    <p:set>
+                                      <p:cBhvr>
+                                        <p:cTn id="33" dur="1" fill="hold">
+                                          <p:stCondLst>
+                                            <p:cond delay="0"/>
+                                          </p:stCondLst>
+                                        </p:cTn>
+                                        <p:tgtEl>
+                                          <p:spTgt spid="4">
+                                            <p:graphicEl>
+                                              <a:dgm id="{B01A8788-2CF8-4559-9F1E-06D5F8F23030}"/>
+                                            </p:graphicEl>
+                                          </p:spTgt>
+                                        </p:tgtEl>
+                                        <p:attrNameLst>
+                                          <p:attrName>style.visibility</p:attrName>
+                                        </p:attrNameLst>
+                                      </p:cBhvr>
+                                      <p:to>
+                                        <p:strVal val="visible"/>
+                                      </p:to>
+                                    </p:set>
+                                    <p:animEffect transition="in" filter="fade">
+                                      <p:cBhvr>
+                                        <p:cTn id="34" dur="500"/>
+                                        <p:tgtEl>
+                                          <p:spTgt spid="4">
+                                            <p:graphicEl>
+                                              <a:dgm id="{B01A8788-2CF8-4559-9F1E-06D5F8F23030}"/>
+                                            </p:graphicEl>
+                                          </p:spTgt>
+                                        </p:tgtEl>
+                                      </p:cBhvr>
+                                    </p:animEffect>
+                                  </p:childTnLst>
+                                </p:cTn>
+                              </p:par>
+                            </p:childTnLst>
+                          </p:cTn>
+                        </p:par>
+                      </p:childTnLst>
+                    </p:cTn>
+                  </p:par>
+                </p:childTnLst>
+              </p:cTn>
+              <p:prevCondLst>
+                <p:cond evt="onPrev" delay="0">
+                  <p:tgtEl>
+                    <p:sldTgt/>
+                  </p:tgtEl>
+                </p:cond>
+              </p:prevCondLst>
+              <p:nextCondLst>
+                <p:cond evt="onNext" delay="0">
+                  <p:tgtEl>
+                    <p:sldTgt/>
+                  </p:tgtEl>
+                </p:cond>
+              </p:nextCondLst>
+            </p:seq>
+          </p:childTnLst>
+        </p:cTn>
+      </p:par>
+    </p:tnLst>
+    <p:bldLst>
+      <p:bldGraphic spid="4" grpId="0" uiExpand="1">
+        <p:bldSub>
+          <a:bldDgm bld="one"/>
+        </p:bldSub>
+      </p:bldGraphic>
+    </p:bldLst>
+  </p:timing>
 </p:sld>
 </file>
 
@@ -27888,14 +28608,14 @@
           <p:nvPr>
             <p:extLst>
               <p:ext uri="{D42A27DB-BD31-4B8C-83A1-F6EECF244321}">
-                <p14:modId xmlns:p14="http://schemas.microsoft.com/office/powerpoint/2010/main" val="973047026"/>
+                <p14:modId xmlns:p14="http://schemas.microsoft.com/office/powerpoint/2010/main" val="861060747"/>
               </p:ext>
             </p:extLst>
           </p:nvPr>
         </p:nvGraphicFramePr>
         <p:xfrm>
-          <a:off x="571500" y="960120"/>
-          <a:ext cx="8092440" cy="3512820"/>
+          <a:off x="4169093" y="922020"/>
+          <a:ext cx="4617720" cy="3512820"/>
         </p:xfrm>
         <a:graphic>
           <a:graphicData uri="http://schemas.openxmlformats.org/drawingml/2006/diagram">
@@ -27903,6 +28623,142 @@
           </a:graphicData>
         </a:graphic>
       </p:graphicFrame>
+      <p:sp>
+        <p:nvSpPr>
+          <p:cNvPr id="3" name="Прямоугольник 2"/>
+          <p:cNvSpPr/>
+          <p:nvPr/>
+        </p:nvSpPr>
+        <p:spPr>
+          <a:xfrm>
+            <a:off x="564030" y="922020"/>
+            <a:ext cx="2102820" cy="923330"/>
+          </a:xfrm>
+          <a:prstGeom prst="rect">
+            <a:avLst/>
+          </a:prstGeom>
+          <a:noFill/>
+        </p:spPr>
+        <p:txBody>
+          <a:bodyPr wrap="none" lIns="91440" tIns="45720" rIns="91440" bIns="45720">
+            <a:spAutoFit/>
+            <a:scene3d>
+              <a:camera prst="orthographicFront"/>
+              <a:lightRig rig="harsh" dir="t"/>
+            </a:scene3d>
+            <a:sp3d extrusionH="57150" prstMaterial="matte">
+              <a:bevelT w="63500" h="12700" prst="angle"/>
+              <a:contourClr>
+                <a:schemeClr val="bg1">
+                  <a:lumMod val="65000"/>
+                </a:schemeClr>
+              </a:contourClr>
+            </a:sp3d>
+          </a:bodyPr>
+          <a:lstStyle/>
+          <a:p>
+            <a:pPr algn="ctr"/>
+            <a:r>
+              <a:rPr lang="en-US" sz="5400" b="1" cap="none" spc="0" dirty="0" smtClean="0">
+                <a:ln/>
+                <a:solidFill>
+                  <a:schemeClr val="accent3"/>
+                </a:solidFill>
+                <a:effectLst>
+                  <a:glow rad="228600">
+                    <a:schemeClr val="accent3">
+                      <a:satMod val="175000"/>
+                      <a:alpha val="40000"/>
+                    </a:schemeClr>
+                  </a:glow>
+                </a:effectLst>
+              </a:rPr>
+              <a:t>Legacy</a:t>
+            </a:r>
+            <a:endParaRPr lang="ru-RU" sz="5400" b="1" cap="none" spc="0" dirty="0">
+              <a:ln/>
+              <a:solidFill>
+                <a:schemeClr val="accent3"/>
+              </a:solidFill>
+              <a:effectLst>
+                <a:glow rad="228600">
+                  <a:schemeClr val="accent3">
+                    <a:satMod val="175000"/>
+                    <a:alpha val="40000"/>
+                  </a:schemeClr>
+                </a:glow>
+              </a:effectLst>
+            </a:endParaRPr>
+          </a:p>
+        </p:txBody>
+      </p:sp>
+      <p:pic>
+        <p:nvPicPr>
+          <p:cNvPr id="5" name="Рисунок 4"/>
+          <p:cNvPicPr>
+            <a:picLocks noChangeAspect="1"/>
+          </p:cNvPicPr>
+          <p:nvPr/>
+        </p:nvPicPr>
+        <p:blipFill rotWithShape="1">
+          <a:blip r:embed="rId8"/>
+          <a:srcRect t="13915" b="19297"/>
+          <a:stretch/>
+        </p:blipFill>
+        <p:spPr>
+          <a:xfrm>
+            <a:off x="1273493" y="2065021"/>
+            <a:ext cx="2612707" cy="1097337"/>
+          </a:xfrm>
+          <a:prstGeom prst="rect">
+            <a:avLst/>
+          </a:prstGeom>
+          <a:ln>
+            <a:noFill/>
+          </a:ln>
+          <a:effectLst>
+            <a:outerShdw blurRad="292100" dist="139700" dir="2700000" algn="tl" rotWithShape="0">
+              <a:srgbClr val="333333">
+                <a:alpha val="65000"/>
+              </a:srgbClr>
+            </a:outerShdw>
+          </a:effectLst>
+        </p:spPr>
+      </p:pic>
+      <p:pic>
+        <p:nvPicPr>
+          <p:cNvPr id="7" name="Рисунок 6"/>
+          <p:cNvPicPr>
+            <a:picLocks noChangeAspect="1"/>
+          </p:cNvPicPr>
+          <p:nvPr/>
+        </p:nvPicPr>
+        <p:blipFill>
+          <a:blip r:embed="rId9"/>
+          <a:stretch>
+            <a:fillRect/>
+          </a:stretch>
+        </p:blipFill>
+        <p:spPr>
+          <a:xfrm>
+            <a:off x="360364" y="3297567"/>
+            <a:ext cx="3483092" cy="1137273"/>
+          </a:xfrm>
+          <a:prstGeom prst="rect">
+            <a:avLst/>
+          </a:prstGeom>
+          <a:ln>
+            <a:noFill/>
+          </a:ln>
+          <a:effectLst>
+            <a:outerShdw blurRad="292100" dist="139700" dir="2700000" algn="tl" rotWithShape="0">
+              <a:srgbClr val="333333">
+                <a:alpha val="65000"/>
+              </a:srgbClr>
+            </a:outerShdw>
+          </a:effectLst>
+        </p:spPr>
+      </p:pic>
     </p:spTree>
     <p:extLst>
       <p:ext uri="{BB962C8B-B14F-4D97-AF65-F5344CB8AC3E}">
@@ -27913,6 +28769,359 @@
   <p:clrMapOvr>
     <a:masterClrMapping/>
   </p:clrMapOvr>
+  <p:timing>
+    <p:tnLst>
+      <p:par>
+        <p:cTn id="1" dur="indefinite" restart="never" nodeType="tmRoot">
+          <p:childTnLst>
+            <p:seq concurrent="1" nextAc="seek">
+              <p:cTn id="2" dur="indefinite" nodeType="mainSeq">
+                <p:childTnLst>
+                  <p:par>
+                    <p:cTn id="3" fill="hold">
+                      <p:stCondLst>
+                        <p:cond delay="indefinite"/>
+                      </p:stCondLst>
+                      <p:childTnLst>
+                        <p:par>
+                          <p:cTn id="4" fill="hold">
+                            <p:stCondLst>
+                              <p:cond delay="0"/>
+                            </p:stCondLst>
+                            <p:childTnLst>
+                              <p:par>
+                                <p:cTn id="5" presetID="10" presetClass="entr" presetSubtype="0" fill="hold" grpId="0" nodeType="clickEffect">
+                                  <p:stCondLst>
+                                    <p:cond delay="0"/>
+                                  </p:stCondLst>
+                                  <p:childTnLst>
+                                    <p:set>
+                                      <p:cBhvr>
+                                        <p:cTn id="6" dur="1" fill="hold">
+                                          <p:stCondLst>
+                                            <p:cond delay="0"/>
+                                          </p:stCondLst>
+                                        </p:cTn>
+                                        <p:tgtEl>
+                                          <p:spTgt spid="4">
+                                            <p:graphicEl>
+                                              <a:dgm id="{FA2B3221-5EB7-465E-96D4-FE9EC71DDCF7}"/>
+                                            </p:graphicEl>
+                                          </p:spTgt>
+                                        </p:tgtEl>
+                                        <p:attrNameLst>
+                                          <p:attrName>style.visibility</p:attrName>
+                                        </p:attrNameLst>
+                                      </p:cBhvr>
+                                      <p:to>
+                                        <p:strVal val="visible"/>
+                                      </p:to>
+                                    </p:set>
+                                    <p:animEffect transition="in" filter="fade">
+                                      <p:cBhvr>
+                                        <p:cTn id="7" dur="500"/>
+                                        <p:tgtEl>
+                                          <p:spTgt spid="4">
+                                            <p:graphicEl>
+                                              <a:dgm id="{FA2B3221-5EB7-465E-96D4-FE9EC71DDCF7}"/>
+                                            </p:graphicEl>
+                                          </p:spTgt>
+                                        </p:tgtEl>
+                                      </p:cBhvr>
+                                    </p:animEffect>
+                                  </p:childTnLst>
+                                </p:cTn>
+                              </p:par>
+                            </p:childTnLst>
+                          </p:cTn>
+                        </p:par>
+                        <p:par>
+                          <p:cTn id="8" fill="hold">
+                            <p:stCondLst>
+                              <p:cond delay="500"/>
+                            </p:stCondLst>
+                            <p:childTnLst>
+                              <p:par>
+                                <p:cTn id="9" presetID="10" presetClass="entr" presetSubtype="0" fill="hold" grpId="0" nodeType="afterEffect">
+                                  <p:stCondLst>
+                                    <p:cond delay="0"/>
+                                  </p:stCondLst>
+                                  <p:childTnLst>
+                                    <p:set>
+                                      <p:cBhvr>
+                                        <p:cTn id="10" dur="1" fill="hold">
+                                          <p:stCondLst>
+                                            <p:cond delay="0"/>
+                                          </p:stCondLst>
+                                        </p:cTn>
+                                        <p:tgtEl>
+                                          <p:spTgt spid="3"/>
+                                        </p:tgtEl>
+                                        <p:attrNameLst>
+                                          <p:attrName>style.visibility</p:attrName>
+                                        </p:attrNameLst>
+                                      </p:cBhvr>
+                                      <p:to>
+                                        <p:strVal val="visible"/>
+                                      </p:to>
+                                    </p:set>
+                                    <p:animEffect transition="in" filter="fade">
+                                      <p:cBhvr>
+                                        <p:cTn id="11" dur="500"/>
+                                        <p:tgtEl>
+                                          <p:spTgt spid="3"/>
+                                        </p:tgtEl>
+                                      </p:cBhvr>
+                                    </p:animEffect>
+                                  </p:childTnLst>
+                                </p:cTn>
+                              </p:par>
+                            </p:childTnLst>
+                          </p:cTn>
+                        </p:par>
+                      </p:childTnLst>
+                    </p:cTn>
+                  </p:par>
+                  <p:par>
+                    <p:cTn id="12" fill="hold">
+                      <p:stCondLst>
+                        <p:cond delay="indefinite"/>
+                      </p:stCondLst>
+                      <p:childTnLst>
+                        <p:par>
+                          <p:cTn id="13" fill="hold">
+                            <p:stCondLst>
+                              <p:cond delay="0"/>
+                            </p:stCondLst>
+                            <p:childTnLst>
+                              <p:par>
+                                <p:cTn id="14" presetID="10" presetClass="entr" presetSubtype="0" fill="hold" grpId="0" nodeType="clickEffect">
+                                  <p:stCondLst>
+                                    <p:cond delay="0"/>
+                                  </p:stCondLst>
+                                  <p:childTnLst>
+                                    <p:set>
+                                      <p:cBhvr>
+                                        <p:cTn id="15" dur="1" fill="hold">
+                                          <p:stCondLst>
+                                            <p:cond delay="0"/>
+                                          </p:stCondLst>
+                                        </p:cTn>
+                                        <p:tgtEl>
+                                          <p:spTgt spid="4">
+                                            <p:graphicEl>
+                                              <a:dgm id="{ADD4C7FE-EEBC-47D5-967B-87DFC7ABE732}"/>
+                                            </p:graphicEl>
+                                          </p:spTgt>
+                                        </p:tgtEl>
+                                        <p:attrNameLst>
+                                          <p:attrName>style.visibility</p:attrName>
+                                        </p:attrNameLst>
+                                      </p:cBhvr>
+                                      <p:to>
+                                        <p:strVal val="visible"/>
+                                      </p:to>
+                                    </p:set>
+                                    <p:animEffect transition="in" filter="fade">
+                                      <p:cBhvr>
+                                        <p:cTn id="16" dur="500"/>
+                                        <p:tgtEl>
+                                          <p:spTgt spid="4">
+                                            <p:graphicEl>
+                                              <a:dgm id="{ADD4C7FE-EEBC-47D5-967B-87DFC7ABE732}"/>
+                                            </p:graphicEl>
+                                          </p:spTgt>
+                                        </p:tgtEl>
+                                      </p:cBhvr>
+                                    </p:animEffect>
+                                  </p:childTnLst>
+                                </p:cTn>
+                              </p:par>
+                            </p:childTnLst>
+                          </p:cTn>
+                        </p:par>
+                        <p:par>
+                          <p:cTn id="17" fill="hold">
+                            <p:stCondLst>
+                              <p:cond delay="500"/>
+                            </p:stCondLst>
+                            <p:childTnLst>
+                              <p:par>
+                                <p:cTn id="18" presetID="10" presetClass="entr" presetSubtype="0" fill="hold" nodeType="afterEffect">
+                                  <p:stCondLst>
+                                    <p:cond delay="0"/>
+                                  </p:stCondLst>
+                                  <p:childTnLst>
+                                    <p:set>
+                                      <p:cBhvr>
+                                        <p:cTn id="19" dur="1" fill="hold">
+                                          <p:stCondLst>
+                                            <p:cond delay="0"/>
+                                          </p:stCondLst>
+                                        </p:cTn>
+                                        <p:tgtEl>
+                                          <p:spTgt spid="5"/>
+                                        </p:tgtEl>
+                                        <p:attrNameLst>
+                                          <p:attrName>style.visibility</p:attrName>
+                                        </p:attrNameLst>
+                                      </p:cBhvr>
+                                      <p:to>
+                                        <p:strVal val="visible"/>
+                                      </p:to>
+                                    </p:set>
+                                    <p:animEffect transition="in" filter="fade">
+                                      <p:cBhvr>
+                                        <p:cTn id="20" dur="500"/>
+                                        <p:tgtEl>
+                                          <p:spTgt spid="5"/>
+                                        </p:tgtEl>
+                                      </p:cBhvr>
+                                    </p:animEffect>
+                                  </p:childTnLst>
+                                </p:cTn>
+                              </p:par>
+                            </p:childTnLst>
+                          </p:cTn>
+                        </p:par>
+                      </p:childTnLst>
+                    </p:cTn>
+                  </p:par>
+                  <p:par>
+                    <p:cTn id="21" fill="hold">
+                      <p:stCondLst>
+                        <p:cond delay="indefinite"/>
+                      </p:stCondLst>
+                      <p:childTnLst>
+                        <p:par>
+                          <p:cTn id="22" fill="hold">
+                            <p:stCondLst>
+                              <p:cond delay="0"/>
+                            </p:stCondLst>
+                            <p:childTnLst>
+                              <p:par>
+                                <p:cTn id="23" presetID="10" presetClass="entr" presetSubtype="0" fill="hold" grpId="0" nodeType="clickEffect">
+                                  <p:stCondLst>
+                                    <p:cond delay="0"/>
+                                  </p:stCondLst>
+                                  <p:childTnLst>
+                                    <p:set>
+                                      <p:cBhvr>
+                                        <p:cTn id="24" dur="1" fill="hold">
+                                          <p:stCondLst>
+                                            <p:cond delay="0"/>
+                                          </p:stCondLst>
+                                        </p:cTn>
+                                        <p:tgtEl>
+                                          <p:spTgt spid="4">
+                                            <p:graphicEl>
+                                              <a:dgm id="{CF3BEEB0-6089-4276-9B5D-97CB4F6D9CBE}"/>
+                                            </p:graphicEl>
+                                          </p:spTgt>
+                                        </p:tgtEl>
+                                        <p:attrNameLst>
+                                          <p:attrName>style.visibility</p:attrName>
+                                        </p:attrNameLst>
+                                      </p:cBhvr>
+                                      <p:to>
+                                        <p:strVal val="visible"/>
+                                      </p:to>
+                                    </p:set>
+                                    <p:animEffect transition="in" filter="fade">
+                                      <p:cBhvr>
+                                        <p:cTn id="25" dur="500"/>
+                                        <p:tgtEl>
+                                          <p:spTgt spid="4">
+                                            <p:graphicEl>
+                                              <a:dgm id="{CF3BEEB0-6089-4276-9B5D-97CB4F6D9CBE}"/>
+                                            </p:graphicEl>
+                                          </p:spTgt>
+                                        </p:tgtEl>
+                                      </p:cBhvr>
+                                    </p:animEffect>
+                                  </p:childTnLst>
+                                </p:cTn>
+                              </p:par>
+                            </p:childTnLst>
+                          </p:cTn>
+                        </p:par>
+                        <p:par>
+                          <p:cTn id="26" fill="hold">
+                            <p:stCondLst>
+                              <p:cond delay="500"/>
+                            </p:stCondLst>
+                            <p:childTnLst>
+                              <p:par>
+                                <p:cTn id="27" presetID="10" presetClass="entr" presetSubtype="0" fill="hold" nodeType="afterEffect">
+                                  <p:stCondLst>
+                                    <p:cond delay="0"/>
+                                  </p:stCondLst>
+                                  <p:childTnLst>
+                                    <p:set>
+                                      <p:cBhvr>
+                                        <p:cTn id="28" dur="1" fill="hold">
+                                          <p:stCondLst>
+                                            <p:cond delay="0"/>
+                                          </p:stCondLst>
+                                        </p:cTn>
+                                        <p:tgtEl>
+                                          <p:spTgt spid="7"/>
+                                        </p:tgtEl>
+                                        <p:attrNameLst>
+                                          <p:attrName>style.visibility</p:attrName>
+                                        </p:attrNameLst>
+                                      </p:cBhvr>
+                                      <p:to>
+                                        <p:strVal val="visible"/>
+                                      </p:to>
+                                    </p:set>
+                                    <p:animEffect transition="in" filter="fade">
+                                      <p:cBhvr>
+                                        <p:cTn id="29" dur="500"/>
+                                        <p:tgtEl>
+                                          <p:spTgt spid="7"/>
+                                        </p:tgtEl>
+                                      </p:cBhvr>
+                                    </p:animEffect>
+                                  </p:childTnLst>
+                                </p:cTn>
+                              </p:par>
+                            </p:childTnLst>
+                          </p:cTn>
+                        </p:par>
+                      </p:childTnLst>
+                    </p:cTn>
+                  </p:par>
+                </p:childTnLst>
+              </p:cTn>
+              <p:prevCondLst>
+                <p:cond evt="onPrev" delay="0">
+                  <p:tgtEl>
+                    <p:sldTgt/>
+                  </p:tgtEl>
+                </p:cond>
+              </p:prevCondLst>
+              <p:nextCondLst>
+                <p:cond evt="onNext" delay="0">
+                  <p:tgtEl>
+                    <p:sldTgt/>
+                  </p:tgtEl>
+                </p:cond>
+              </p:nextCondLst>
+            </p:seq>
+          </p:childTnLst>
+        </p:cTn>
+      </p:par>
+    </p:tnLst>
+    <p:bldLst>
+      <p:bldGraphic spid="4" grpId="0" uiExpand="1">
+        <p:bldSub>
+          <a:bldDgm bld="one"/>
+        </p:bldSub>
+      </p:bldGraphic>
+      <p:bldP spid="3" grpId="0"/>
+    </p:bldLst>
+  </p:timing>
 </p:sld>
 </file>
 
@@ -27970,6 +29179,13 @@
   <p:clrMapOvr>
     <a:masterClrMapping/>
   </p:clrMapOvr>
+  <p:timing>
+    <p:tnLst>
+      <p:par>
+        <p:cTn id="1" dur="indefinite" restart="never" nodeType="tmRoot"/>
+      </p:par>
+    </p:tnLst>
+  </p:timing>
 </p:sld>
 </file>
 

--- a/presentation.pptx
+++ b/presentation.pptx
@@ -9037,7 +9037,7 @@
           <a:p>
             <a:fld id="{3FDC14FC-A894-4869-A797-1EC82735D106}" type="datetimeFigureOut">
               <a:rPr lang="en-US" smtClean="0"/>
-              <a:t>11/7/2019</a:t>
+              <a:t>11/8/2019</a:t>
             </a:fld>
             <a:endParaRPr lang="en-US"/>
           </a:p>
@@ -9202,7 +9202,7 @@
           <a:p>
             <a:fld id="{B4F99C05-63F9-4248-8E20-3ACD9DF9DE7F}" type="datetimeFigureOut">
               <a:rPr lang="en-US" smtClean="0"/>
-              <a:t>11/7/2019</a:t>
+              <a:t>11/8/2019</a:t>
             </a:fld>
             <a:endParaRPr lang="en-US"/>
           </a:p>
@@ -16575,7 +16575,7 @@
           </a:ln>
           <a:extLst>
             <a:ext uri="{C572A759-6A51-4108-AA02-DFA0A04FC94B}">
-              <ma14:wrappingTextBoxFlag xmlns="" xmlns:ma14="http://schemas.microsoft.com/office/mac/drawingml/2011/main" val="1"/>
+              <ma14:wrappingTextBoxFlag xmlns:ma14="http://schemas.microsoft.com/office/mac/drawingml/2011/main" xmlns="" val="1"/>
             </a:ext>
           </a:extLst>
         </p:spPr>
@@ -28627,7 +28627,41 @@
           <a:bodyPr/>
           <a:lstStyle/>
           <a:p>
-            <a:endParaRPr lang="en-US"/>
+            <a:r>
+              <a:rPr lang="en-US" dirty="0" smtClean="0"/>
+              <a:t>About 15 years in IT</a:t>
+            </a:r>
+          </a:p>
+          <a:p>
+            <a:r>
+              <a:rPr lang="en-US" dirty="0" smtClean="0"/>
+              <a:t>Developer, trainer, system analyst, …</a:t>
+            </a:r>
+          </a:p>
+          <a:p>
+            <a:r>
+              <a:rPr lang="en-US" dirty="0" smtClean="0"/>
+              <a:t>Now</a:t>
+            </a:r>
+          </a:p>
+          <a:p>
+            <a:pPr lvl="1"/>
+            <a:r>
+              <a:rPr lang="en-US" dirty="0" err="1" smtClean="0"/>
+              <a:t>.Net</a:t>
+            </a:r>
+            <a:r>
+              <a:rPr lang="en-US" dirty="0" smtClean="0"/>
+              <a:t> developer</a:t>
+            </a:r>
+          </a:p>
+          <a:p>
+            <a:pPr lvl="1"/>
+            <a:r>
+              <a:rPr lang="en-US" dirty="0" smtClean="0"/>
+              <a:t>Speaker (as a hobby)</a:t>
+            </a:r>
+            <a:endParaRPr lang="en-US" dirty="0"/>
           </a:p>
         </p:txBody>
       </p:sp>
@@ -28652,7 +28686,15 @@
           <a:bodyPr/>
           <a:lstStyle/>
           <a:p>
-            <a:endParaRPr lang="en-US"/>
+            <a:r>
+              <a:rPr lang="en-US" dirty="0" smtClean="0"/>
+              <a:t>Mihail </a:t>
+            </a:r>
+            <a:r>
+              <a:rPr lang="en-US" dirty="0" err="1" smtClean="0"/>
+              <a:t>romanov</a:t>
+            </a:r>
+            <a:endParaRPr lang="en-US" dirty="0"/>
           </a:p>
         </p:txBody>
       </p:sp>
@@ -28677,7 +28719,27 @@
           <a:bodyPr/>
           <a:lstStyle/>
           <a:p>
-            <a:endParaRPr lang="en-US"/>
+            <a:r>
+              <a:rPr lang="en-US" dirty="0" smtClean="0"/>
+              <a:t>Senior </a:t>
+            </a:r>
+            <a:r>
+              <a:rPr lang="en-US" dirty="0" err="1" smtClean="0"/>
+              <a:t>.Net</a:t>
+            </a:r>
+            <a:r>
+              <a:rPr lang="en-US" dirty="0" smtClean="0"/>
+              <a:t> </a:t>
+            </a:r>
+            <a:r>
+              <a:rPr lang="en-US" smtClean="0"/>
+              <a:t>developer in SKB-</a:t>
+            </a:r>
+            <a:r>
+              <a:rPr lang="en-US" dirty="0" err="1" smtClean="0"/>
+              <a:t>Kontur</a:t>
+            </a:r>
+            <a:endParaRPr lang="en-US" dirty="0"/>
           </a:p>
         </p:txBody>
       </p:sp>
@@ -39104,11 +39166,11 @@
   <p:clrMapOvr>
     <a:masterClrMapping/>
   </p:clrMapOvr>
-  <mc:AlternateContent xmlns:mc="http://schemas.openxmlformats.org/markup-compatibility/2006">
-    <mc:Choice xmlns:p14="http://schemas.microsoft.com/office/powerpoint/2010/main" Requires="p14">
+  <mc:AlternateContent xmlns:mc="http://schemas.openxmlformats.org/markup-compatibility/2006" xmlns:p14="http://schemas.microsoft.com/office/powerpoint/2010/main">
+    <mc:Choice Requires="p14">
       <p:transition spd="slow" p14:dur="2000"/>
     </mc:Choice>
-    <mc:Fallback>
+    <mc:Fallback xmlns="">
       <p:transition spd="slow"/>
     </mc:Fallback>
   </mc:AlternateContent>

--- a/presentation.pptx
+++ b/presentation.pptx
@@ -7,10 +7,10 @@
     <p:sldMasterId id="2147483663" r:id="rId3"/>
   </p:sldMasterIdLst>
   <p:notesMasterIdLst>
-    <p:notesMasterId r:id="rId38"/>
+    <p:notesMasterId r:id="rId41"/>
   </p:notesMasterIdLst>
   <p:handoutMasterIdLst>
-    <p:handoutMasterId r:id="rId39"/>
+    <p:handoutMasterId r:id="rId42"/>
   </p:handoutMasterIdLst>
   <p:sldIdLst>
     <p:sldId id="270" r:id="rId4"/>
@@ -26,7 +26,7 @@
     <p:sldId id="298" r:id="rId14"/>
     <p:sldId id="276" r:id="rId15"/>
     <p:sldId id="294" r:id="rId16"/>
-    <p:sldId id="299" r:id="rId17"/>
+    <p:sldId id="304" r:id="rId17"/>
     <p:sldId id="300" r:id="rId18"/>
     <p:sldId id="277" r:id="rId19"/>
     <p:sldId id="278" r:id="rId20"/>
@@ -35,18 +35,21 @@
     <p:sldId id="284" r:id="rId23"/>
     <p:sldId id="297" r:id="rId24"/>
     <p:sldId id="301" r:id="rId25"/>
-    <p:sldId id="302" r:id="rId26"/>
-    <p:sldId id="281" r:id="rId27"/>
-    <p:sldId id="282" r:id="rId28"/>
-    <p:sldId id="283" r:id="rId29"/>
-    <p:sldId id="285" r:id="rId30"/>
-    <p:sldId id="303" r:id="rId31"/>
-    <p:sldId id="286" r:id="rId32"/>
-    <p:sldId id="287" r:id="rId33"/>
-    <p:sldId id="288" r:id="rId34"/>
-    <p:sldId id="268" r:id="rId35"/>
-    <p:sldId id="290" r:id="rId36"/>
-    <p:sldId id="289" r:id="rId37"/>
+    <p:sldId id="305" r:id="rId26"/>
+    <p:sldId id="302" r:id="rId27"/>
+    <p:sldId id="281" r:id="rId28"/>
+    <p:sldId id="282" r:id="rId29"/>
+    <p:sldId id="283" r:id="rId30"/>
+    <p:sldId id="285" r:id="rId31"/>
+    <p:sldId id="303" r:id="rId32"/>
+    <p:sldId id="286" r:id="rId33"/>
+    <p:sldId id="306" r:id="rId34"/>
+    <p:sldId id="307" r:id="rId35"/>
+    <p:sldId id="287" r:id="rId36"/>
+    <p:sldId id="288" r:id="rId37"/>
+    <p:sldId id="268" r:id="rId38"/>
+    <p:sldId id="290" r:id="rId39"/>
+    <p:sldId id="289" r:id="rId40"/>
   </p:sldIdLst>
   <p:sldSz cx="9144000" cy="5143500" type="screen16x9"/>
   <p:notesSz cx="6858000" cy="9144000"/>
@@ -3029,7 +3032,7 @@
           </a:r>
           <a:r>
             <a:rPr lang="en-US" dirty="0" smtClean="0"/>
-            <a:t>Native</a:t>
+            <a:t>Pure</a:t>
           </a:r>
           <a:r>
             <a:rPr lang="ru-RU" dirty="0" smtClean="0"/>
@@ -4626,7 +4629,7 @@
           </a:r>
           <a:r>
             <a:rPr lang="en-US" sz="2300" kern="1200" dirty="0" smtClean="0"/>
-            <a:t>Native</a:t>
+            <a:t>Pure</a:t>
           </a:r>
           <a:r>
             <a:rPr lang="ru-RU" sz="2300" kern="1200" dirty="0" smtClean="0"/>
@@ -9646,6 +9649,14 @@
           <a:bodyPr/>
           <a:lstStyle/>
           <a:p>
+            <a:r>
+              <a:rPr lang="en-US" dirty="0" err="1" smtClean="0"/>
+              <a:t>Qt</a:t>
+            </a:r>
+            <a:r>
+              <a:rPr lang="en-US" dirty="0" smtClean="0"/>
+              <a:t> Sharp?</a:t>
+            </a:r>
             <a:endParaRPr lang="ru-RU" dirty="0"/>
           </a:p>
         </p:txBody>
@@ -9667,7 +9678,235 @@
           <a:p>
             <a:fld id="{A874FABB-6DBE-47C4-B626-20167906F475}" type="slidenum">
               <a:rPr lang="en-US" smtClean="0"/>
-              <a:t>26</a:t>
+              <a:t>17</a:t>
+            </a:fld>
+            <a:endParaRPr lang="en-US"/>
+          </a:p>
+        </p:txBody>
+      </p:sp>
+    </p:spTree>
+    <p:extLst>
+      <p:ext uri="{BB962C8B-B14F-4D97-AF65-F5344CB8AC3E}">
+        <p14:creationId xmlns:p14="http://schemas.microsoft.com/office/powerpoint/2010/main" val="4251630677"/>
+      </p:ext>
+    </p:extLst>
+  </p:cSld>
+  <p:clrMapOvr>
+    <a:masterClrMapping/>
+  </p:clrMapOvr>
+</p:notes>
+</file>
+
+<file path=ppt/notesSlides/notesSlide11.xml><?xml version="1.0" encoding="utf-8"?>
+<p:notes xmlns:a="http://schemas.openxmlformats.org/drawingml/2006/main" xmlns:r="http://schemas.openxmlformats.org/officeDocument/2006/relationships" xmlns:p="http://schemas.openxmlformats.org/presentationml/2006/main">
+  <p:cSld>
+    <p:spTree>
+      <p:nvGrpSpPr>
+        <p:cNvPr id="1" name=""/>
+        <p:cNvGrpSpPr/>
+        <p:nvPr/>
+      </p:nvGrpSpPr>
+      <p:grpSpPr>
+        <a:xfrm>
+          <a:off x="0" y="0"/>
+          <a:ext cx="0" cy="0"/>
+          <a:chOff x="0" y="0"/>
+          <a:chExt cx="0" cy="0"/>
+        </a:xfrm>
+      </p:grpSpPr>
+      <p:sp>
+        <p:nvSpPr>
+          <p:cNvPr id="2" name="Образ слайда 1"/>
+          <p:cNvSpPr>
+            <a:spLocks noGrp="1" noRot="1" noChangeAspect="1"/>
+          </p:cNvSpPr>
+          <p:nvPr>
+            <p:ph type="sldImg"/>
+          </p:nvPr>
+        </p:nvSpPr>
+        <p:spPr/>
+      </p:sp>
+      <p:sp>
+        <p:nvSpPr>
+          <p:cNvPr id="3" name="Заметки 2"/>
+          <p:cNvSpPr>
+            <a:spLocks noGrp="1"/>
+          </p:cNvSpPr>
+          <p:nvPr>
+            <p:ph type="body" idx="1"/>
+          </p:nvPr>
+        </p:nvSpPr>
+        <p:spPr/>
+        <p:txBody>
+          <a:bodyPr/>
+          <a:lstStyle/>
+          <a:p>
+            <a:endParaRPr lang="ru-RU" dirty="0"/>
+          </a:p>
+        </p:txBody>
+      </p:sp>
+      <p:sp>
+        <p:nvSpPr>
+          <p:cNvPr id="4" name="Номер слайда 3"/>
+          <p:cNvSpPr>
+            <a:spLocks noGrp="1"/>
+          </p:cNvSpPr>
+          <p:nvPr>
+            <p:ph type="sldNum" sz="quarter" idx="10"/>
+          </p:nvPr>
+        </p:nvSpPr>
+        <p:spPr/>
+        <p:txBody>
+          <a:bodyPr/>
+          <a:lstStyle/>
+          <a:p>
+            <a:pPr marL="0" marR="0" lvl="0" indent="0" algn="r" defTabSz="685800" rtl="0" eaLnBrk="1" fontAlgn="auto" latinLnBrk="0" hangingPunct="1">
+              <a:lnSpc>
+                <a:spcPct val="100000"/>
+              </a:lnSpc>
+              <a:spcBef>
+                <a:spcPts val="0"/>
+              </a:spcBef>
+              <a:spcAft>
+                <a:spcPts val="0"/>
+              </a:spcAft>
+              <a:buClrTx/>
+              <a:buSzTx/>
+              <a:buFontTx/>
+              <a:buNone/>
+              <a:tabLst/>
+              <a:defRPr/>
+            </a:pPr>
+            <a:fld id="{A874FABB-6DBE-47C4-B626-20167906F475}" type="slidenum">
+              <a:rPr kumimoji="0" lang="en-US" sz="1200" b="0" i="0" u="none" strike="noStrike" kern="1200" cap="none" spc="0" normalizeH="0" baseline="0" noProof="0" smtClean="0">
+                <a:ln>
+                  <a:noFill/>
+                </a:ln>
+                <a:solidFill>
+                  <a:prstClr val="black"/>
+                </a:solidFill>
+                <a:effectLst/>
+                <a:uLnTx/>
+                <a:uFillTx/>
+                <a:latin typeface="Calibri" panose="020F0502020204030204"/>
+                <a:ea typeface="+mn-ea"/>
+                <a:cs typeface="+mn-cs"/>
+              </a:rPr>
+              <a:pPr marL="0" marR="0" lvl="0" indent="0" algn="r" defTabSz="685800" rtl="0" eaLnBrk="1" fontAlgn="auto" latinLnBrk="0" hangingPunct="1">
+                <a:lnSpc>
+                  <a:spcPct val="100000"/>
+                </a:lnSpc>
+                <a:spcBef>
+                  <a:spcPts val="0"/>
+                </a:spcBef>
+                <a:spcAft>
+                  <a:spcPts val="0"/>
+                </a:spcAft>
+                <a:buClrTx/>
+                <a:buSzTx/>
+                <a:buFontTx/>
+                <a:buNone/>
+                <a:tabLst/>
+                <a:defRPr/>
+              </a:pPr>
+              <a:t>23</a:t>
+            </a:fld>
+            <a:endParaRPr kumimoji="0" lang="en-US" sz="1200" b="0" i="0" u="none" strike="noStrike" kern="1200" cap="none" spc="0" normalizeH="0" baseline="0" noProof="0">
+              <a:ln>
+                <a:noFill/>
+              </a:ln>
+              <a:solidFill>
+                <a:prstClr val="black"/>
+              </a:solidFill>
+              <a:effectLst/>
+              <a:uLnTx/>
+              <a:uFillTx/>
+              <a:latin typeface="Calibri" panose="020F0502020204030204"/>
+              <a:ea typeface="+mn-ea"/>
+              <a:cs typeface="+mn-cs"/>
+            </a:endParaRPr>
+          </a:p>
+        </p:txBody>
+      </p:sp>
+    </p:spTree>
+    <p:extLst>
+      <p:ext uri="{BB962C8B-B14F-4D97-AF65-F5344CB8AC3E}">
+        <p14:creationId xmlns:p14="http://schemas.microsoft.com/office/powerpoint/2010/main" val="1634848265"/>
+      </p:ext>
+    </p:extLst>
+  </p:cSld>
+  <p:clrMapOvr>
+    <a:masterClrMapping/>
+  </p:clrMapOvr>
+</p:notes>
+</file>
+
+<file path=ppt/notesSlides/notesSlide12.xml><?xml version="1.0" encoding="utf-8"?>
+<p:notes xmlns:a="http://schemas.openxmlformats.org/drawingml/2006/main" xmlns:r="http://schemas.openxmlformats.org/officeDocument/2006/relationships" xmlns:p="http://schemas.openxmlformats.org/presentationml/2006/main">
+  <p:cSld>
+    <p:spTree>
+      <p:nvGrpSpPr>
+        <p:cNvPr id="1" name=""/>
+        <p:cNvGrpSpPr/>
+        <p:nvPr/>
+      </p:nvGrpSpPr>
+      <p:grpSpPr>
+        <a:xfrm>
+          <a:off x="0" y="0"/>
+          <a:ext cx="0" cy="0"/>
+          <a:chOff x="0" y="0"/>
+          <a:chExt cx="0" cy="0"/>
+        </a:xfrm>
+      </p:grpSpPr>
+      <p:sp>
+        <p:nvSpPr>
+          <p:cNvPr id="2" name="Образ слайда 1"/>
+          <p:cNvSpPr>
+            <a:spLocks noGrp="1" noRot="1" noChangeAspect="1"/>
+          </p:cNvSpPr>
+          <p:nvPr>
+            <p:ph type="sldImg"/>
+          </p:nvPr>
+        </p:nvSpPr>
+        <p:spPr/>
+      </p:sp>
+      <p:sp>
+        <p:nvSpPr>
+          <p:cNvPr id="3" name="Заметки 2"/>
+          <p:cNvSpPr>
+            <a:spLocks noGrp="1"/>
+          </p:cNvSpPr>
+          <p:nvPr>
+            <p:ph type="body" idx="1"/>
+          </p:nvPr>
+        </p:nvSpPr>
+        <p:spPr/>
+        <p:txBody>
+          <a:bodyPr/>
+          <a:lstStyle/>
+          <a:p>
+            <a:endParaRPr lang="ru-RU" dirty="0"/>
+          </a:p>
+        </p:txBody>
+      </p:sp>
+      <p:sp>
+        <p:nvSpPr>
+          <p:cNvPr id="4" name="Номер слайда 3"/>
+          <p:cNvSpPr>
+            <a:spLocks noGrp="1"/>
+          </p:cNvSpPr>
+          <p:nvPr>
+            <p:ph type="sldNum" sz="quarter" idx="10"/>
+          </p:nvPr>
+        </p:nvSpPr>
+        <p:spPr/>
+        <p:txBody>
+          <a:bodyPr/>
+          <a:lstStyle/>
+          <a:p>
+            <a:fld id="{A874FABB-6DBE-47C4-B626-20167906F475}" type="slidenum">
+              <a:rPr lang="en-US" smtClean="0"/>
+              <a:t>27</a:t>
             </a:fld>
             <a:endParaRPr lang="en-US"/>
           </a:p>
@@ -9677,6 +9916,150 @@
     <p:extLst>
       <p:ext uri="{BB962C8B-B14F-4D97-AF65-F5344CB8AC3E}">
         <p14:creationId xmlns:p14="http://schemas.microsoft.com/office/powerpoint/2010/main" val="4114067963"/>
+      </p:ext>
+    </p:extLst>
+  </p:cSld>
+  <p:clrMapOvr>
+    <a:masterClrMapping/>
+  </p:clrMapOvr>
+</p:notes>
+</file>
+
+<file path=ppt/notesSlides/notesSlide13.xml><?xml version="1.0" encoding="utf-8"?>
+<p:notes xmlns:a="http://schemas.openxmlformats.org/drawingml/2006/main" xmlns:r="http://schemas.openxmlformats.org/officeDocument/2006/relationships" xmlns:p="http://schemas.openxmlformats.org/presentationml/2006/main">
+  <p:cSld>
+    <p:spTree>
+      <p:nvGrpSpPr>
+        <p:cNvPr id="1" name=""/>
+        <p:cNvGrpSpPr/>
+        <p:nvPr/>
+      </p:nvGrpSpPr>
+      <p:grpSpPr>
+        <a:xfrm>
+          <a:off x="0" y="0"/>
+          <a:ext cx="0" cy="0"/>
+          <a:chOff x="0" y="0"/>
+          <a:chExt cx="0" cy="0"/>
+        </a:xfrm>
+      </p:grpSpPr>
+      <p:sp>
+        <p:nvSpPr>
+          <p:cNvPr id="2" name="Образ слайда 1"/>
+          <p:cNvSpPr>
+            <a:spLocks noGrp="1" noRot="1" noChangeAspect="1"/>
+          </p:cNvSpPr>
+          <p:nvPr>
+            <p:ph type="sldImg"/>
+          </p:nvPr>
+        </p:nvSpPr>
+        <p:spPr/>
+      </p:sp>
+      <p:sp>
+        <p:nvSpPr>
+          <p:cNvPr id="3" name="Заметки 2"/>
+          <p:cNvSpPr>
+            <a:spLocks noGrp="1"/>
+          </p:cNvSpPr>
+          <p:nvPr>
+            <p:ph type="body" idx="1"/>
+          </p:nvPr>
+        </p:nvSpPr>
+        <p:spPr/>
+        <p:txBody>
+          <a:bodyPr/>
+          <a:lstStyle/>
+          <a:p>
+            <a:endParaRPr lang="ru-RU" dirty="0"/>
+          </a:p>
+        </p:txBody>
+      </p:sp>
+      <p:sp>
+        <p:nvSpPr>
+          <p:cNvPr id="4" name="Номер слайда 3"/>
+          <p:cNvSpPr>
+            <a:spLocks noGrp="1"/>
+          </p:cNvSpPr>
+          <p:nvPr>
+            <p:ph type="sldNum" sz="quarter" idx="10"/>
+          </p:nvPr>
+        </p:nvSpPr>
+        <p:spPr/>
+        <p:txBody>
+          <a:bodyPr/>
+          <a:lstStyle/>
+          <a:p>
+            <a:pPr marL="0" marR="0" lvl="0" indent="0" algn="r" defTabSz="685800" rtl="0" eaLnBrk="1" fontAlgn="auto" latinLnBrk="0" hangingPunct="1">
+              <a:lnSpc>
+                <a:spcPct val="100000"/>
+              </a:lnSpc>
+              <a:spcBef>
+                <a:spcPts val="0"/>
+              </a:spcBef>
+              <a:spcAft>
+                <a:spcPts val="0"/>
+              </a:spcAft>
+              <a:buClrTx/>
+              <a:buSzTx/>
+              <a:buFontTx/>
+              <a:buNone/>
+              <a:tabLst/>
+              <a:defRPr/>
+            </a:pPr>
+            <a:fld id="{A874FABB-6DBE-47C4-B626-20167906F475}" type="slidenum">
+              <a:rPr kumimoji="0" lang="en-US" sz="1200" b="0" i="0" u="none" strike="noStrike" kern="1200" cap="none" spc="0" normalizeH="0" baseline="0" noProof="0" smtClean="0">
+                <a:ln>
+                  <a:noFill/>
+                </a:ln>
+                <a:solidFill>
+                  <a:prstClr val="black"/>
+                </a:solidFill>
+                <a:effectLst/>
+                <a:uLnTx/>
+                <a:uFillTx/>
+                <a:latin typeface="Calibri" panose="020F0502020204030204"/>
+                <a:ea typeface="+mn-ea"/>
+                <a:cs typeface="+mn-cs"/>
+              </a:rPr>
+              <a:pPr marL="0" marR="0" lvl="0" indent="0" algn="r" defTabSz="685800" rtl="0" eaLnBrk="1" fontAlgn="auto" latinLnBrk="0" hangingPunct="1">
+                <a:lnSpc>
+                  <a:spcPct val="100000"/>
+                </a:lnSpc>
+                <a:spcBef>
+                  <a:spcPts val="0"/>
+                </a:spcBef>
+                <a:spcAft>
+                  <a:spcPts val="0"/>
+                </a:spcAft>
+                <a:buClrTx/>
+                <a:buSzTx/>
+                <a:buFontTx/>
+                <a:buNone/>
+                <a:tabLst/>
+                <a:defRPr/>
+              </a:pPr>
+              <a:t>31</a:t>
+            </a:fld>
+            <a:endParaRPr kumimoji="0" lang="en-US" sz="1200" b="0" i="0" u="none" strike="noStrike" kern="1200" cap="none" spc="0" normalizeH="0" baseline="0" noProof="0">
+              <a:ln>
+                <a:noFill/>
+              </a:ln>
+              <a:solidFill>
+                <a:prstClr val="black"/>
+              </a:solidFill>
+              <a:effectLst/>
+              <a:uLnTx/>
+              <a:uFillTx/>
+              <a:latin typeface="Calibri" panose="020F0502020204030204"/>
+              <a:ea typeface="+mn-ea"/>
+              <a:cs typeface="+mn-cs"/>
+            </a:endParaRPr>
+          </a:p>
+        </p:txBody>
+      </p:sp>
+    </p:spTree>
+    <p:extLst>
+      <p:ext uri="{BB962C8B-B14F-4D97-AF65-F5344CB8AC3E}">
+        <p14:creationId xmlns:p14="http://schemas.microsoft.com/office/powerpoint/2010/main" val="255993872"/>
       </p:ext>
     </p:extLst>
   </p:cSld>
@@ -9932,7 +10315,7 @@
             </a:pPr>
             <a:r>
               <a:rPr lang="en-US" dirty="0" smtClean="0"/>
-              <a:t>Native</a:t>
+              <a:t>Pure</a:t>
             </a:r>
             <a:r>
               <a:rPr lang="en-US" baseline="0" dirty="0" smtClean="0"/>
@@ -10592,14 +10975,6 @@
           <a:bodyPr/>
           <a:lstStyle/>
           <a:p>
-            <a:r>
-              <a:rPr lang="en-US" dirty="0" err="1" smtClean="0"/>
-              <a:t>Qt</a:t>
-            </a:r>
-            <a:r>
-              <a:rPr lang="en-US" dirty="0" smtClean="0"/>
-              <a:t> Sharp?</a:t>
-            </a:r>
             <a:endParaRPr lang="ru-RU" dirty="0"/>
           </a:p>
         </p:txBody>
@@ -10619,18 +10994,78 @@
           <a:bodyPr/>
           <a:lstStyle/>
           <a:p>
+            <a:pPr marL="0" marR="0" lvl="0" indent="0" algn="r" defTabSz="685800" rtl="0" eaLnBrk="1" fontAlgn="auto" latinLnBrk="0" hangingPunct="1">
+              <a:lnSpc>
+                <a:spcPct val="100000"/>
+              </a:lnSpc>
+              <a:spcBef>
+                <a:spcPts val="0"/>
+              </a:spcBef>
+              <a:spcAft>
+                <a:spcPts val="0"/>
+              </a:spcAft>
+              <a:buClrTx/>
+              <a:buSzTx/>
+              <a:buFontTx/>
+              <a:buNone/>
+              <a:tabLst/>
+              <a:defRPr/>
+            </a:pPr>
             <a:fld id="{A874FABB-6DBE-47C4-B626-20167906F475}" type="slidenum">
-              <a:rPr lang="en-US" smtClean="0"/>
-              <a:t>17</a:t>
+              <a:rPr kumimoji="0" lang="en-US" sz="1200" b="0" i="0" u="none" strike="noStrike" kern="1200" cap="none" spc="0" normalizeH="0" baseline="0" noProof="0" smtClean="0">
+                <a:ln>
+                  <a:noFill/>
+                </a:ln>
+                <a:solidFill>
+                  <a:prstClr val="black"/>
+                </a:solidFill>
+                <a:effectLst/>
+                <a:uLnTx/>
+                <a:uFillTx/>
+                <a:latin typeface="Calibri" panose="020F0502020204030204"/>
+                <a:ea typeface="+mn-ea"/>
+                <a:cs typeface="+mn-cs"/>
+              </a:rPr>
+              <a:pPr marL="0" marR="0" lvl="0" indent="0" algn="r" defTabSz="685800" rtl="0" eaLnBrk="1" fontAlgn="auto" latinLnBrk="0" hangingPunct="1">
+                <a:lnSpc>
+                  <a:spcPct val="100000"/>
+                </a:lnSpc>
+                <a:spcBef>
+                  <a:spcPts val="0"/>
+                </a:spcBef>
+                <a:spcAft>
+                  <a:spcPts val="0"/>
+                </a:spcAft>
+                <a:buClrTx/>
+                <a:buSzTx/>
+                <a:buFontTx/>
+                <a:buNone/>
+                <a:tabLst/>
+                <a:defRPr/>
+              </a:pPr>
+              <a:t>14</a:t>
             </a:fld>
-            <a:endParaRPr lang="en-US"/>
+            <a:endParaRPr kumimoji="0" lang="en-US" sz="1200" b="0" i="0" u="none" strike="noStrike" kern="1200" cap="none" spc="0" normalizeH="0" baseline="0" noProof="0">
+              <a:ln>
+                <a:noFill/>
+              </a:ln>
+              <a:solidFill>
+                <a:prstClr val="black"/>
+              </a:solidFill>
+              <a:effectLst/>
+              <a:uLnTx/>
+              <a:uFillTx/>
+              <a:latin typeface="Calibri" panose="020F0502020204030204"/>
+              <a:ea typeface="+mn-ea"/>
+              <a:cs typeface="+mn-cs"/>
+            </a:endParaRPr>
           </a:p>
         </p:txBody>
       </p:sp>
     </p:spTree>
     <p:extLst>
       <p:ext uri="{BB962C8B-B14F-4D97-AF65-F5344CB8AC3E}">
-        <p14:creationId xmlns:p14="http://schemas.microsoft.com/office/powerpoint/2010/main" val="4251630677"/>
+        <p14:creationId xmlns:p14="http://schemas.microsoft.com/office/powerpoint/2010/main" val="4231127967"/>
       </p:ext>
     </p:extLst>
   </p:cSld>
@@ -27809,7 +28244,7 @@
           <a:p>
             <a:r>
               <a:rPr lang="en-US" dirty="0" smtClean="0"/>
-              <a:t>RESULT</a:t>
+              <a:t>Demo</a:t>
             </a:r>
             <a:endParaRPr lang="ru-RU" dirty="0"/>
           </a:p>
@@ -27818,13 +28253,20 @@
     </p:spTree>
     <p:extLst>
       <p:ext uri="{BB962C8B-B14F-4D97-AF65-F5344CB8AC3E}">
-        <p14:creationId xmlns:p14="http://schemas.microsoft.com/office/powerpoint/2010/main" val="3146626696"/>
+        <p14:creationId xmlns:p14="http://schemas.microsoft.com/office/powerpoint/2010/main" val="765882269"/>
       </p:ext>
     </p:extLst>
   </p:cSld>
   <p:clrMapOvr>
     <a:masterClrMapping/>
   </p:clrMapOvr>
+  <p:timing>
+    <p:tnLst>
+      <p:par>
+        <p:cTn id="1" dur="indefinite" restart="never" nodeType="tmRoot"/>
+      </p:par>
+    </p:tnLst>
+  </p:timing>
 </p:sld>
 </file>
 
@@ -27883,7 +28325,31 @@
           <a:bodyPr/>
           <a:lstStyle/>
           <a:p>
-            <a:endParaRPr lang="ru-RU" dirty="0"/>
+            <a:r>
+              <a:rPr lang="en-US" dirty="0" smtClean="0"/>
+              <a:t>Wide platform support</a:t>
+            </a:r>
+            <a:endParaRPr lang="en-US" dirty="0"/>
+          </a:p>
+          <a:p>
+            <a:r>
+              <a:rPr lang="en-US" dirty="0" smtClean="0"/>
+              <a:t>Large GTK community</a:t>
+            </a:r>
+          </a:p>
+          <a:p>
+            <a:r>
+              <a:rPr lang="en-US" dirty="0" smtClean="0"/>
+              <a:t>Many products (e.g. Linux DE: Gnome, </a:t>
+            </a:r>
+            <a:r>
+              <a:rPr lang="en-US" dirty="0" err="1" smtClean="0"/>
+              <a:t>Xfce</a:t>
+            </a:r>
+            <a:r>
+              <a:rPr lang="en-US" dirty="0" smtClean="0"/>
+              <a:t>, …) based on GTK</a:t>
+            </a:r>
           </a:p>
         </p:txBody>
       </p:sp>
@@ -27925,7 +28391,33 @@
           <a:bodyPr/>
           <a:lstStyle/>
           <a:p>
-            <a:endParaRPr lang="ru-RU"/>
+            <a:r>
+              <a:rPr lang="en-US" dirty="0" smtClean="0"/>
+              <a:t>Small “out-of-box” control set</a:t>
+            </a:r>
+          </a:p>
+          <a:p>
+            <a:pPr lvl="1"/>
+            <a:r>
+              <a:rPr lang="en-US" dirty="0" smtClean="0"/>
+              <a:t>No Date picker, data table, …  </a:t>
+            </a:r>
+            <a:endParaRPr lang="en-US" dirty="0" smtClean="0"/>
+          </a:p>
+          <a:p>
+            <a:r>
+              <a:rPr lang="en-US" dirty="0" smtClean="0"/>
+              <a:t>C/C++ for control customization</a:t>
+            </a:r>
+          </a:p>
+          <a:p>
+            <a:r>
+              <a:rPr lang="en-US" dirty="0" smtClean="0"/>
+              <a:t>No third party libraries</a:t>
+            </a:r>
+          </a:p>
+          <a:p>
+            <a:endParaRPr lang="ru-RU" dirty="0"/>
           </a:p>
         </p:txBody>
       </p:sp>
@@ -28128,8 +28620,20 @@
           <a:lstStyle/>
           <a:p>
             <a:r>
-              <a:rPr lang="en-US" dirty="0"/>
-              <a:t>Native </a:t>
+              <a:rPr lang="ru-RU" dirty="0" smtClean="0"/>
+              <a:t>«</a:t>
+            </a:r>
+            <a:r>
+              <a:rPr lang="en-US" dirty="0" smtClean="0"/>
+              <a:t>PURE</a:t>
+            </a:r>
+            <a:r>
+              <a:rPr lang="ru-RU" dirty="0" smtClean="0"/>
+              <a:t>»</a:t>
+            </a:r>
+            <a:r>
+              <a:rPr lang="en-US" dirty="0" smtClean="0"/>
+              <a:t> </a:t>
             </a:r>
             <a:r>
               <a:rPr lang="en-US" dirty="0" err="1"/>
@@ -28729,11 +29233,7 @@
             </a:r>
             <a:r>
               <a:rPr lang="en-US" dirty="0" smtClean="0"/>
-              <a:t> </a:t>
-            </a:r>
-            <a:r>
-              <a:rPr lang="en-US" smtClean="0"/>
-              <a:t>developer in SKB-</a:t>
+              <a:t> developer in SKB-</a:t>
             </a:r>
             <a:r>
               <a:rPr lang="en-US" dirty="0" err="1" smtClean="0"/>
@@ -36855,6 +37355,66 @@
       </p:grpSpPr>
       <p:sp>
         <p:nvSpPr>
+          <p:cNvPr id="2" name="Заголовок 1"/>
+          <p:cNvSpPr>
+            <a:spLocks noGrp="1"/>
+          </p:cNvSpPr>
+          <p:nvPr>
+            <p:ph type="title"/>
+          </p:nvPr>
+        </p:nvSpPr>
+        <p:spPr/>
+        <p:txBody>
+          <a:bodyPr/>
+          <a:lstStyle/>
+          <a:p>
+            <a:r>
+              <a:rPr lang="en-US" dirty="0" smtClean="0"/>
+              <a:t>Demo</a:t>
+            </a:r>
+            <a:endParaRPr lang="ru-RU" dirty="0"/>
+          </a:p>
+        </p:txBody>
+      </p:sp>
+    </p:spTree>
+    <p:extLst>
+      <p:ext uri="{BB962C8B-B14F-4D97-AF65-F5344CB8AC3E}">
+        <p14:creationId xmlns:p14="http://schemas.microsoft.com/office/powerpoint/2010/main" val="2794870322"/>
+      </p:ext>
+    </p:extLst>
+  </p:cSld>
+  <p:clrMapOvr>
+    <a:masterClrMapping/>
+  </p:clrMapOvr>
+  <p:timing>
+    <p:tnLst>
+      <p:par>
+        <p:cTn id="1" dur="indefinite" restart="never" nodeType="tmRoot"/>
+      </p:par>
+    </p:tnLst>
+  </p:timing>
+</p:sld>
+</file>
+
+<file path=ppt/slides/slide24.xml><?xml version="1.0" encoding="utf-8"?>
+<p:sld xmlns:a="http://schemas.openxmlformats.org/drawingml/2006/main" xmlns:r="http://schemas.openxmlformats.org/officeDocument/2006/relationships" xmlns:p="http://schemas.openxmlformats.org/presentationml/2006/main">
+  <p:cSld>
+    <p:spTree>
+      <p:nvGrpSpPr>
+        <p:cNvPr id="1" name=""/>
+        <p:cNvGrpSpPr/>
+        <p:nvPr/>
+      </p:nvGrpSpPr>
+      <p:grpSpPr>
+        <a:xfrm>
+          <a:off x="0" y="0"/>
+          <a:ext cx="0" cy="0"/>
+          <a:chOff x="0" y="0"/>
+          <a:chExt cx="0" cy="0"/>
+        </a:xfrm>
+      </p:grpSpPr>
+      <p:sp>
+        <p:nvSpPr>
           <p:cNvPr id="3" name="Заголовок 2"/>
           <p:cNvSpPr>
             <a:spLocks noGrp="1"/>
@@ -36895,6 +37455,59 @@
           <a:bodyPr/>
           <a:lstStyle/>
           <a:p>
+            <a:r>
+              <a:rPr lang="en-US" dirty="0" smtClean="0"/>
+              <a:t>Very simple</a:t>
+            </a:r>
+          </a:p>
+          <a:p>
+            <a:r>
+              <a:rPr lang="en-US" dirty="0" smtClean="0"/>
+              <a:t>Good </a:t>
+            </a:r>
+            <a:r>
+              <a:rPr lang="en-US" dirty="0" err="1" smtClean="0"/>
+              <a:t>.Net</a:t>
+            </a:r>
+            <a:r>
+              <a:rPr lang="en-US" dirty="0" smtClean="0"/>
+              <a:t> UX (as </a:t>
+            </a:r>
+            <a:r>
+              <a:rPr lang="en-US" dirty="0" err="1" smtClean="0"/>
+              <a:t>WinForms</a:t>
+            </a:r>
+            <a:r>
+              <a:rPr lang="en-US" dirty="0" smtClean="0"/>
+              <a:t>)</a:t>
+            </a:r>
+          </a:p>
+          <a:p>
+            <a:r>
+              <a:rPr lang="en-US" dirty="0" smtClean="0"/>
+              <a:t>Contain all base widgets</a:t>
+            </a:r>
+          </a:p>
+          <a:p>
+            <a:pPr lvl="1"/>
+            <a:r>
+              <a:rPr lang="en-US" dirty="0" smtClean="0"/>
+              <a:t>Menu</a:t>
+            </a:r>
+          </a:p>
+          <a:p>
+            <a:pPr lvl="1"/>
+            <a:r>
+              <a:rPr lang="en-US" dirty="0" smtClean="0"/>
+              <a:t>Edit controls</a:t>
+            </a:r>
+          </a:p>
+          <a:p>
+            <a:pPr lvl="1"/>
+            <a:r>
+              <a:rPr lang="en-US" dirty="0" smtClean="0"/>
+              <a:t>Lists</a:t>
+            </a:r>
             <a:endParaRPr lang="ru-RU" dirty="0"/>
           </a:p>
         </p:txBody>
@@ -36937,7 +37550,38 @@
           <a:bodyPr/>
           <a:lstStyle/>
           <a:p>
-            <a:endParaRPr lang="ru-RU"/>
+            <a:r>
+              <a:rPr lang="en-US" dirty="0" smtClean="0"/>
+              <a:t>One non commercial developer/supporter/maintainer</a:t>
+            </a:r>
+          </a:p>
+          <a:p>
+            <a:pPr lvl="1"/>
+            <a:r>
+              <a:rPr lang="en-US" dirty="0" smtClean="0"/>
+              <a:t>Slow progress</a:t>
+            </a:r>
+            <a:endParaRPr lang="en-US" dirty="0" smtClean="0"/>
+          </a:p>
+          <a:p>
+            <a:r>
+              <a:rPr lang="en-US" dirty="0" smtClean="0"/>
+              <a:t>Weak layouts</a:t>
+            </a:r>
+          </a:p>
+          <a:p>
+            <a:r>
+              <a:rPr lang="en-US" dirty="0" smtClean="0"/>
+              <a:t>Dependent on other GUI libraries</a:t>
+            </a:r>
+          </a:p>
+          <a:p>
+            <a:pPr lvl="1"/>
+            <a:r>
+              <a:rPr lang="en-US" dirty="0" smtClean="0"/>
+              <a:t>Can use only common features</a:t>
+            </a:r>
+            <a:endParaRPr lang="ru-RU" dirty="0"/>
           </a:p>
         </p:txBody>
       </p:sp>
@@ -36977,7 +37621,7 @@
 </p:sld>
 </file>
 
-<file path=ppt/slides/slide24.xml><?xml version="1.0" encoding="utf-8"?>
+<file path=ppt/slides/slide25.xml><?xml version="1.0" encoding="utf-8"?>
 <p:sld xmlns:a="http://schemas.openxmlformats.org/drawingml/2006/main" xmlns:r="http://schemas.openxmlformats.org/officeDocument/2006/relationships" xmlns:p="http://schemas.openxmlformats.org/presentationml/2006/main" show="0">
   <p:cSld>
     <p:spTree>
@@ -37038,7 +37682,7 @@
 </p:sld>
 </file>
 
-<file path=ppt/slides/slide25.xml><?xml version="1.0" encoding="utf-8"?>
+<file path=ppt/slides/slide26.xml><?xml version="1.0" encoding="utf-8"?>
 <p:sld xmlns:a="http://schemas.openxmlformats.org/drawingml/2006/main" xmlns:r="http://schemas.openxmlformats.org/officeDocument/2006/relationships" xmlns:p="http://schemas.openxmlformats.org/presentationml/2006/main">
   <p:cSld>
     <p:spTree>
@@ -37091,7 +37735,7 @@
 </p:sld>
 </file>
 
-<file path=ppt/slides/slide26.xml><?xml version="1.0" encoding="utf-8"?>
+<file path=ppt/slides/slide27.xml><?xml version="1.0" encoding="utf-8"?>
 <p:sld xmlns:a="http://schemas.openxmlformats.org/drawingml/2006/main" xmlns:r="http://schemas.openxmlformats.org/officeDocument/2006/relationships" xmlns:p="http://schemas.openxmlformats.org/presentationml/2006/main">
   <p:cSld>
     <p:spTree>
@@ -37433,7 +38077,7 @@
 </p:sld>
 </file>
 
-<file path=ppt/slides/slide27.xml><?xml version="1.0" encoding="utf-8"?>
+<file path=ppt/slides/slide28.xml><?xml version="1.0" encoding="utf-8"?>
 <p:sld xmlns:a="http://schemas.openxmlformats.org/drawingml/2006/main" xmlns:r="http://schemas.openxmlformats.org/officeDocument/2006/relationships" xmlns:p="http://schemas.openxmlformats.org/presentationml/2006/main">
   <p:cSld>
     <p:spTree>
@@ -37740,7 +38384,7 @@
 </p:sld>
 </file>
 
-<file path=ppt/slides/slide28.xml><?xml version="1.0" encoding="utf-8"?>
+<file path=ppt/slides/slide29.xml><?xml version="1.0" encoding="utf-8"?>
 <p:sld xmlns:a="http://schemas.openxmlformats.org/drawingml/2006/main" xmlns:r="http://schemas.openxmlformats.org/officeDocument/2006/relationships" xmlns:p="http://schemas.openxmlformats.org/presentationml/2006/main">
   <p:cSld>
     <p:spTree>
@@ -38309,59 +38953,6 @@
     <p:extLst>
       <p:ext uri="{BB962C8B-B14F-4D97-AF65-F5344CB8AC3E}">
         <p14:creationId xmlns:p14="http://schemas.microsoft.com/office/powerpoint/2010/main" val="2094030768"/>
-      </p:ext>
-    </p:extLst>
-  </p:cSld>
-  <p:clrMapOvr>
-    <a:masterClrMapping/>
-  </p:clrMapOvr>
-</p:sld>
-</file>
-
-<file path=ppt/slides/slide29.xml><?xml version="1.0" encoding="utf-8"?>
-<p:sld xmlns:a="http://schemas.openxmlformats.org/drawingml/2006/main" xmlns:r="http://schemas.openxmlformats.org/officeDocument/2006/relationships" xmlns:p="http://schemas.openxmlformats.org/presentationml/2006/main">
-  <p:cSld>
-    <p:spTree>
-      <p:nvGrpSpPr>
-        <p:cNvPr id="1" name=""/>
-        <p:cNvGrpSpPr/>
-        <p:nvPr/>
-      </p:nvGrpSpPr>
-      <p:grpSpPr>
-        <a:xfrm>
-          <a:off x="0" y="0"/>
-          <a:ext cx="0" cy="0"/>
-          <a:chOff x="0" y="0"/>
-          <a:chExt cx="0" cy="0"/>
-        </a:xfrm>
-      </p:grpSpPr>
-      <p:sp>
-        <p:nvSpPr>
-          <p:cNvPr id="2" name="Заголовок 1"/>
-          <p:cNvSpPr>
-            <a:spLocks noGrp="1"/>
-          </p:cNvSpPr>
-          <p:nvPr>
-            <p:ph type="title"/>
-          </p:nvPr>
-        </p:nvSpPr>
-        <p:spPr/>
-        <p:txBody>
-          <a:bodyPr/>
-          <a:lstStyle/>
-          <a:p>
-            <a:r>
-              <a:rPr lang="en-US" dirty="0" smtClean="0"/>
-              <a:t>DEVELOPMENT</a:t>
-            </a:r>
-            <a:endParaRPr lang="ru-RU" dirty="0"/>
-          </a:p>
-        </p:txBody>
-      </p:sp>
-    </p:spTree>
-    <p:extLst>
-      <p:ext uri="{BB962C8B-B14F-4D97-AF65-F5344CB8AC3E}">
-        <p14:creationId xmlns:p14="http://schemas.microsoft.com/office/powerpoint/2010/main" val="2718629126"/>
       </p:ext>
     </p:extLst>
   </p:cSld>
@@ -38941,6 +39532,482 @@
 </file>
 
 <file path=ppt/slides/slide30.xml><?xml version="1.0" encoding="utf-8"?>
+<p:sld xmlns:a="http://schemas.openxmlformats.org/drawingml/2006/main" xmlns:r="http://schemas.openxmlformats.org/officeDocument/2006/relationships" xmlns:p="http://schemas.openxmlformats.org/presentationml/2006/main">
+  <p:cSld>
+    <p:spTree>
+      <p:nvGrpSpPr>
+        <p:cNvPr id="1" name=""/>
+        <p:cNvGrpSpPr/>
+        <p:nvPr/>
+      </p:nvGrpSpPr>
+      <p:grpSpPr>
+        <a:xfrm>
+          <a:off x="0" y="0"/>
+          <a:ext cx="0" cy="0"/>
+          <a:chOff x="0" y="0"/>
+          <a:chExt cx="0" cy="0"/>
+        </a:xfrm>
+      </p:grpSpPr>
+      <p:sp>
+        <p:nvSpPr>
+          <p:cNvPr id="2" name="Заголовок 1"/>
+          <p:cNvSpPr>
+            <a:spLocks noGrp="1"/>
+          </p:cNvSpPr>
+          <p:nvPr>
+            <p:ph type="title"/>
+          </p:nvPr>
+        </p:nvSpPr>
+        <p:spPr/>
+        <p:txBody>
+          <a:bodyPr/>
+          <a:lstStyle/>
+          <a:p>
+            <a:r>
+              <a:rPr lang="en-US" dirty="0" smtClean="0"/>
+              <a:t>DEVELOPMENT</a:t>
+            </a:r>
+            <a:endParaRPr lang="ru-RU" dirty="0"/>
+          </a:p>
+        </p:txBody>
+      </p:sp>
+      <p:sp>
+        <p:nvSpPr>
+          <p:cNvPr id="3" name="Объект 2"/>
+          <p:cNvSpPr>
+            <a:spLocks noGrp="1"/>
+          </p:cNvSpPr>
+          <p:nvPr>
+            <p:ph sz="quarter" idx="10"/>
+          </p:nvPr>
+        </p:nvSpPr>
+        <p:spPr/>
+        <p:txBody>
+          <a:bodyPr/>
+          <a:lstStyle/>
+          <a:p>
+            <a:r>
+              <a:rPr lang="en-US" dirty="0" smtClean="0"/>
+              <a:t>Any frontend and </a:t>
+            </a:r>
+            <a:r>
+              <a:rPr lang="en-US" dirty="0" err="1" smtClean="0"/>
+              <a:t>NodeJS</a:t>
+            </a:r>
+            <a:r>
+              <a:rPr lang="en-US" dirty="0" smtClean="0"/>
+              <a:t> libraries</a:t>
+            </a:r>
+          </a:p>
+          <a:p>
+            <a:pPr lvl="1"/>
+            <a:r>
+              <a:rPr lang="en-US" dirty="0" smtClean="0"/>
+              <a:t>React</a:t>
+            </a:r>
+          </a:p>
+          <a:p>
+            <a:pPr lvl="1"/>
+            <a:r>
+              <a:rPr lang="en-US" dirty="0" smtClean="0"/>
+              <a:t>Angular</a:t>
+            </a:r>
+          </a:p>
+          <a:p>
+            <a:pPr lvl="1"/>
+            <a:r>
+              <a:rPr lang="en-US" dirty="0" smtClean="0"/>
+              <a:t>… </a:t>
+            </a:r>
+            <a:endParaRPr lang="ru-RU" dirty="0"/>
+          </a:p>
+        </p:txBody>
+      </p:sp>
+      <p:sp>
+        <p:nvSpPr>
+          <p:cNvPr id="4" name="Текст 3"/>
+          <p:cNvSpPr>
+            <a:spLocks noGrp="1"/>
+          </p:cNvSpPr>
+          <p:nvPr>
+            <p:ph type="body" sz="quarter" idx="11"/>
+          </p:nvPr>
+        </p:nvSpPr>
+        <p:spPr/>
+        <p:txBody>
+          <a:bodyPr/>
+          <a:lstStyle/>
+          <a:p>
+            <a:r>
+              <a:rPr lang="en-US" dirty="0" smtClean="0"/>
+              <a:t>“Frontend”</a:t>
+            </a:r>
+            <a:endParaRPr lang="ru-RU" dirty="0"/>
+          </a:p>
+        </p:txBody>
+      </p:sp>
+      <p:sp>
+        <p:nvSpPr>
+          <p:cNvPr id="5" name="Объект 4"/>
+          <p:cNvSpPr>
+            <a:spLocks noGrp="1"/>
+          </p:cNvSpPr>
+          <p:nvPr>
+            <p:ph sz="quarter" idx="12"/>
+          </p:nvPr>
+        </p:nvSpPr>
+        <p:spPr/>
+        <p:txBody>
+          <a:bodyPr/>
+          <a:lstStyle/>
+          <a:p>
+            <a:r>
+              <a:rPr lang="en-US" dirty="0" err="1" smtClean="0"/>
+              <a:t>.Net</a:t>
+            </a:r>
+            <a:r>
+              <a:rPr lang="en-US" dirty="0" smtClean="0"/>
+              <a:t> Core </a:t>
+            </a:r>
+          </a:p>
+          <a:p>
+            <a:pPr lvl="1"/>
+            <a:r>
+              <a:rPr lang="en-US" dirty="0" smtClean="0"/>
+              <a:t>MVC (API, Pages, … )</a:t>
+            </a:r>
+          </a:p>
+          <a:p>
+            <a:pPr lvl="1"/>
+            <a:r>
+              <a:rPr lang="en-US" dirty="0" smtClean="0"/>
+              <a:t>… </a:t>
+            </a:r>
+            <a:endParaRPr lang="ru-RU" dirty="0"/>
+          </a:p>
+        </p:txBody>
+      </p:sp>
+      <p:sp>
+        <p:nvSpPr>
+          <p:cNvPr id="6" name="Текст 5"/>
+          <p:cNvSpPr>
+            <a:spLocks noGrp="1"/>
+          </p:cNvSpPr>
+          <p:nvPr>
+            <p:ph type="body" sz="quarter" idx="13"/>
+          </p:nvPr>
+        </p:nvSpPr>
+        <p:spPr/>
+        <p:txBody>
+          <a:bodyPr/>
+          <a:lstStyle/>
+          <a:p>
+            <a:r>
+              <a:rPr lang="en-US" dirty="0" smtClean="0"/>
+              <a:t>“Backend”</a:t>
+            </a:r>
+            <a:endParaRPr lang="ru-RU" dirty="0"/>
+          </a:p>
+        </p:txBody>
+      </p:sp>
+    </p:spTree>
+    <p:extLst>
+      <p:ext uri="{BB962C8B-B14F-4D97-AF65-F5344CB8AC3E}">
+        <p14:creationId xmlns:p14="http://schemas.microsoft.com/office/powerpoint/2010/main" val="2718629126"/>
+      </p:ext>
+    </p:extLst>
+  </p:cSld>
+  <p:clrMapOvr>
+    <a:masterClrMapping/>
+  </p:clrMapOvr>
+</p:sld>
+</file>
+
+<file path=ppt/slides/slide31.xml><?xml version="1.0" encoding="utf-8"?>
+<p:sld xmlns:a="http://schemas.openxmlformats.org/drawingml/2006/main" xmlns:r="http://schemas.openxmlformats.org/officeDocument/2006/relationships" xmlns:p="http://schemas.openxmlformats.org/presentationml/2006/main">
+  <p:cSld>
+    <p:spTree>
+      <p:nvGrpSpPr>
+        <p:cNvPr id="1" name=""/>
+        <p:cNvGrpSpPr/>
+        <p:nvPr/>
+      </p:nvGrpSpPr>
+      <p:grpSpPr>
+        <a:xfrm>
+          <a:off x="0" y="0"/>
+          <a:ext cx="0" cy="0"/>
+          <a:chOff x="0" y="0"/>
+          <a:chExt cx="0" cy="0"/>
+        </a:xfrm>
+      </p:grpSpPr>
+      <p:sp>
+        <p:nvSpPr>
+          <p:cNvPr id="2" name="Заголовок 1"/>
+          <p:cNvSpPr>
+            <a:spLocks noGrp="1"/>
+          </p:cNvSpPr>
+          <p:nvPr>
+            <p:ph type="title"/>
+          </p:nvPr>
+        </p:nvSpPr>
+        <p:spPr/>
+        <p:txBody>
+          <a:bodyPr/>
+          <a:lstStyle/>
+          <a:p>
+            <a:r>
+              <a:rPr lang="en-US" dirty="0" smtClean="0"/>
+              <a:t>Demo</a:t>
+            </a:r>
+            <a:endParaRPr lang="ru-RU" dirty="0"/>
+          </a:p>
+        </p:txBody>
+      </p:sp>
+    </p:spTree>
+    <p:extLst>
+      <p:ext uri="{BB962C8B-B14F-4D97-AF65-F5344CB8AC3E}">
+        <p14:creationId xmlns:p14="http://schemas.microsoft.com/office/powerpoint/2010/main" val="193495667"/>
+      </p:ext>
+    </p:extLst>
+  </p:cSld>
+  <p:clrMapOvr>
+    <a:masterClrMapping/>
+  </p:clrMapOvr>
+  <p:timing>
+    <p:tnLst>
+      <p:par>
+        <p:cTn id="1" dur="indefinite" restart="never" nodeType="tmRoot"/>
+      </p:par>
+    </p:tnLst>
+  </p:timing>
+</p:sld>
+</file>
+
+<file path=ppt/slides/slide32.xml><?xml version="1.0" encoding="utf-8"?>
+<p:sld xmlns:a="http://schemas.openxmlformats.org/drawingml/2006/main" xmlns:r="http://schemas.openxmlformats.org/officeDocument/2006/relationships" xmlns:p="http://schemas.openxmlformats.org/presentationml/2006/main">
+  <p:cSld>
+    <p:spTree>
+      <p:nvGrpSpPr>
+        <p:cNvPr id="1" name=""/>
+        <p:cNvGrpSpPr/>
+        <p:nvPr/>
+      </p:nvGrpSpPr>
+      <p:grpSpPr>
+        <a:xfrm>
+          <a:off x="0" y="0"/>
+          <a:ext cx="0" cy="0"/>
+          <a:chOff x="0" y="0"/>
+          <a:chExt cx="0" cy="0"/>
+        </a:xfrm>
+      </p:grpSpPr>
+      <p:sp>
+        <p:nvSpPr>
+          <p:cNvPr id="3" name="Заголовок 2"/>
+          <p:cNvSpPr>
+            <a:spLocks noGrp="1"/>
+          </p:cNvSpPr>
+          <p:nvPr>
+            <p:ph type="title"/>
+          </p:nvPr>
+        </p:nvSpPr>
+        <p:spPr/>
+        <p:txBody>
+          <a:bodyPr/>
+          <a:lstStyle/>
+          <a:p>
+            <a:r>
+              <a:rPr lang="en-US" dirty="0" err="1" smtClean="0"/>
+              <a:t>Electron.Net</a:t>
+            </a:r>
+            <a:r>
+              <a:rPr lang="en-US" dirty="0" smtClean="0"/>
+              <a:t> Pros &amp; Cons</a:t>
+            </a:r>
+            <a:endParaRPr lang="ru-RU" dirty="0"/>
+          </a:p>
+        </p:txBody>
+      </p:sp>
+      <p:sp>
+        <p:nvSpPr>
+          <p:cNvPr id="4" name="Объект 3"/>
+          <p:cNvSpPr>
+            <a:spLocks noGrp="1"/>
+          </p:cNvSpPr>
+          <p:nvPr>
+            <p:ph sz="quarter" idx="10"/>
+          </p:nvPr>
+        </p:nvSpPr>
+        <p:spPr/>
+        <p:txBody>
+          <a:bodyPr/>
+          <a:lstStyle/>
+          <a:p>
+            <a:r>
+              <a:rPr lang="en-US" dirty="0" smtClean="0"/>
+              <a:t>Excellent dynamic (for Electron)</a:t>
+            </a:r>
+          </a:p>
+          <a:p>
+            <a:pPr lvl="1"/>
+            <a:r>
+              <a:rPr lang="en-US" dirty="0" smtClean="0"/>
+              <a:t>Atom</a:t>
+            </a:r>
+          </a:p>
+          <a:p>
+            <a:pPr lvl="1"/>
+            <a:r>
+              <a:rPr lang="en-US" dirty="0" smtClean="0"/>
+              <a:t>VS Code</a:t>
+            </a:r>
+          </a:p>
+          <a:p>
+            <a:pPr lvl="1"/>
+            <a:r>
+              <a:rPr lang="en-US" dirty="0" smtClean="0"/>
+              <a:t>…</a:t>
+            </a:r>
+          </a:p>
+          <a:p>
+            <a:r>
+              <a:rPr lang="en-US" dirty="0" smtClean="0"/>
+              <a:t>Sinergy of front and </a:t>
+            </a:r>
+            <a:r>
+              <a:rPr lang="en-US" dirty="0" err="1" smtClean="0"/>
+              <a:t>.Net</a:t>
+            </a:r>
+            <a:r>
+              <a:rPr lang="en-US" dirty="0" smtClean="0"/>
+              <a:t> back</a:t>
+            </a:r>
+          </a:p>
+          <a:p>
+            <a:r>
+              <a:rPr lang="en-US" dirty="0" smtClean="0"/>
+              <a:t>Easy migration for Web Apps</a:t>
+            </a:r>
+          </a:p>
+          <a:p>
+            <a:r>
+              <a:rPr lang="en-US" dirty="0" smtClean="0"/>
+              <a:t>Full development cycle for </a:t>
+            </a:r>
+            <a:r>
+              <a:rPr lang="en-US" dirty="0" err="1" smtClean="0"/>
+              <a:t>Electron.Net</a:t>
+            </a:r>
+            <a:r>
+              <a:rPr lang="en-US" dirty="0" smtClean="0"/>
+              <a:t> (from development to distributions)</a:t>
+            </a:r>
+            <a:endParaRPr lang="ru-RU" dirty="0"/>
+          </a:p>
+        </p:txBody>
+      </p:sp>
+      <p:sp>
+        <p:nvSpPr>
+          <p:cNvPr id="5" name="Текст 4"/>
+          <p:cNvSpPr>
+            <a:spLocks noGrp="1"/>
+          </p:cNvSpPr>
+          <p:nvPr>
+            <p:ph type="body" sz="quarter" idx="11"/>
+          </p:nvPr>
+        </p:nvSpPr>
+        <p:spPr/>
+        <p:txBody>
+          <a:bodyPr/>
+          <a:lstStyle/>
+          <a:p>
+            <a:r>
+              <a:rPr lang="en-US" dirty="0" smtClean="0"/>
+              <a:t>Pros</a:t>
+            </a:r>
+            <a:endParaRPr lang="ru-RU" dirty="0"/>
+          </a:p>
+        </p:txBody>
+      </p:sp>
+      <p:sp>
+        <p:nvSpPr>
+          <p:cNvPr id="6" name="Объект 5"/>
+          <p:cNvSpPr>
+            <a:spLocks noGrp="1"/>
+          </p:cNvSpPr>
+          <p:nvPr>
+            <p:ph sz="quarter" idx="12"/>
+          </p:nvPr>
+        </p:nvSpPr>
+        <p:spPr/>
+        <p:txBody>
+          <a:bodyPr/>
+          <a:lstStyle/>
+          <a:p>
+            <a:r>
+              <a:rPr lang="en-US" dirty="0" smtClean="0"/>
+              <a:t>Full-stack developer (or separated roles in development team: front and back)</a:t>
+            </a:r>
+          </a:p>
+          <a:p>
+            <a:r>
+              <a:rPr lang="en-US" dirty="0" smtClean="0"/>
+              <a:t>Big resource consumption (memory + CPU)</a:t>
+            </a:r>
+          </a:p>
+          <a:p>
+            <a:r>
+              <a:rPr lang="en-US" dirty="0" err="1" smtClean="0"/>
+              <a:t>Electron.Net</a:t>
+            </a:r>
+            <a:r>
+              <a:rPr lang="en-US" dirty="0" smtClean="0"/>
+              <a:t> slowly started in compare “pure” </a:t>
+            </a:r>
+            <a:r>
+              <a:rPr lang="en-US" dirty="0" err="1" smtClean="0"/>
+              <a:t>ElectronJS</a:t>
+            </a:r>
+            <a:endParaRPr lang="ru-RU" dirty="0"/>
+          </a:p>
+        </p:txBody>
+      </p:sp>
+      <p:sp>
+        <p:nvSpPr>
+          <p:cNvPr id="7" name="Текст 6"/>
+          <p:cNvSpPr>
+            <a:spLocks noGrp="1"/>
+          </p:cNvSpPr>
+          <p:nvPr>
+            <p:ph type="body" sz="quarter" idx="13"/>
+          </p:nvPr>
+        </p:nvSpPr>
+        <p:spPr/>
+        <p:txBody>
+          <a:bodyPr/>
+          <a:lstStyle/>
+          <a:p>
+            <a:r>
+              <a:rPr lang="en-US" dirty="0" smtClean="0"/>
+              <a:t>Cons</a:t>
+            </a:r>
+            <a:endParaRPr lang="ru-RU" dirty="0"/>
+          </a:p>
+        </p:txBody>
+      </p:sp>
+    </p:spTree>
+    <p:extLst>
+      <p:ext uri="{BB962C8B-B14F-4D97-AF65-F5344CB8AC3E}">
+        <p14:creationId xmlns:p14="http://schemas.microsoft.com/office/powerpoint/2010/main" val="1021680840"/>
+      </p:ext>
+    </p:extLst>
+  </p:cSld>
+  <p:clrMapOvr>
+    <a:masterClrMapping/>
+  </p:clrMapOvr>
+</p:sld>
+</file>
+
+<file path=ppt/slides/slide33.xml><?xml version="1.0" encoding="utf-8"?>
 <p:sld xmlns:a="http://schemas.openxmlformats.org/drawingml/2006/main" xmlns:r="http://schemas.openxmlformats.org/officeDocument/2006/relationships" xmlns:p="http://schemas.openxmlformats.org/presentationml/2006/main" show="0">
   <p:cSld>
     <p:spTree>
@@ -39001,7 +40068,7 @@
 </p:sld>
 </file>
 
-<file path=ppt/slides/slide31.xml><?xml version="1.0" encoding="utf-8"?>
+<file path=ppt/slides/slide34.xml><?xml version="1.0" encoding="utf-8"?>
 <p:sld xmlns:a="http://schemas.openxmlformats.org/drawingml/2006/main" xmlns:r="http://schemas.openxmlformats.org/officeDocument/2006/relationships" xmlns:p="http://schemas.openxmlformats.org/presentationml/2006/main" show="0">
   <p:cSld>
     <p:spTree>
@@ -39062,7 +40129,7 @@
 </p:sld>
 </file>
 
-<file path=ppt/slides/slide32.xml><?xml version="1.0" encoding="utf-8"?>
+<file path=ppt/slides/slide35.xml><?xml version="1.0" encoding="utf-8"?>
 <p:sld xmlns:a="http://schemas.openxmlformats.org/drawingml/2006/main" xmlns:r="http://schemas.openxmlformats.org/officeDocument/2006/relationships" xmlns:p="http://schemas.openxmlformats.org/presentationml/2006/main">
   <p:cSld>
     <p:spTree>
@@ -39120,7 +40187,7 @@
 </p:sld>
 </file>
 
-<file path=ppt/slides/slide33.xml><?xml version="1.0" encoding="utf-8"?>
+<file path=ppt/slides/slide36.xml><?xml version="1.0" encoding="utf-8"?>
 <p:sld xmlns:a="http://schemas.openxmlformats.org/drawingml/2006/main" xmlns:r="http://schemas.openxmlformats.org/officeDocument/2006/relationships" xmlns:p="http://schemas.openxmlformats.org/presentationml/2006/main" show="0">
   <p:cSld>
     <p:spTree>
@@ -39177,7 +40244,7 @@
 </p:sld>
 </file>
 
-<file path=ppt/slides/slide34.xml><?xml version="1.0" encoding="utf-8"?>
+<file path=ppt/slides/slide37.xml><?xml version="1.0" encoding="utf-8"?>
 <p:sld xmlns:a="http://schemas.openxmlformats.org/drawingml/2006/main" xmlns:r="http://schemas.openxmlformats.org/officeDocument/2006/relationships" xmlns:p="http://schemas.openxmlformats.org/presentationml/2006/main">
   <p:cSld>
     <p:spTree>
@@ -40721,7 +41788,7 @@
           <p:nvPr>
             <p:extLst>
               <p:ext uri="{D42A27DB-BD31-4B8C-83A1-F6EECF244321}">
-                <p14:modId xmlns:p14="http://schemas.microsoft.com/office/powerpoint/2010/main" val="3184483115"/>
+                <p14:modId xmlns:p14="http://schemas.microsoft.com/office/powerpoint/2010/main" val="1501887736"/>
               </p:ext>
             </p:extLst>
           </p:nvPr>

--- a/presentation.pptx
+++ b/presentation.pptx
@@ -7,49 +7,51 @@
     <p:sldMasterId id="2147483663" r:id="rId3"/>
   </p:sldMasterIdLst>
   <p:notesMasterIdLst>
-    <p:notesMasterId r:id="rId41"/>
+    <p:notesMasterId r:id="rId43"/>
   </p:notesMasterIdLst>
   <p:handoutMasterIdLst>
-    <p:handoutMasterId r:id="rId42"/>
+    <p:handoutMasterId r:id="rId44"/>
   </p:handoutMasterIdLst>
   <p:sldIdLst>
     <p:sldId id="270" r:id="rId4"/>
     <p:sldId id="257" r:id="rId5"/>
-    <p:sldId id="293" r:id="rId6"/>
-    <p:sldId id="296" r:id="rId7"/>
-    <p:sldId id="292" r:id="rId8"/>
-    <p:sldId id="272" r:id="rId9"/>
-    <p:sldId id="273" r:id="rId10"/>
-    <p:sldId id="274" r:id="rId11"/>
-    <p:sldId id="291" r:id="rId12"/>
-    <p:sldId id="275" r:id="rId13"/>
-    <p:sldId id="298" r:id="rId14"/>
-    <p:sldId id="276" r:id="rId15"/>
-    <p:sldId id="294" r:id="rId16"/>
-    <p:sldId id="304" r:id="rId17"/>
-    <p:sldId id="300" r:id="rId18"/>
-    <p:sldId id="277" r:id="rId19"/>
-    <p:sldId id="278" r:id="rId20"/>
-    <p:sldId id="279" r:id="rId21"/>
-    <p:sldId id="280" r:id="rId22"/>
-    <p:sldId id="284" r:id="rId23"/>
-    <p:sldId id="297" r:id="rId24"/>
-    <p:sldId id="301" r:id="rId25"/>
-    <p:sldId id="305" r:id="rId26"/>
-    <p:sldId id="302" r:id="rId27"/>
-    <p:sldId id="281" r:id="rId28"/>
-    <p:sldId id="282" r:id="rId29"/>
-    <p:sldId id="283" r:id="rId30"/>
-    <p:sldId id="285" r:id="rId31"/>
-    <p:sldId id="303" r:id="rId32"/>
-    <p:sldId id="286" r:id="rId33"/>
-    <p:sldId id="306" r:id="rId34"/>
-    <p:sldId id="307" r:id="rId35"/>
-    <p:sldId id="287" r:id="rId36"/>
-    <p:sldId id="288" r:id="rId37"/>
-    <p:sldId id="268" r:id="rId38"/>
-    <p:sldId id="290" r:id="rId39"/>
-    <p:sldId id="289" r:id="rId40"/>
+    <p:sldId id="308" r:id="rId6"/>
+    <p:sldId id="293" r:id="rId7"/>
+    <p:sldId id="296" r:id="rId8"/>
+    <p:sldId id="309" r:id="rId9"/>
+    <p:sldId id="292" r:id="rId10"/>
+    <p:sldId id="272" r:id="rId11"/>
+    <p:sldId id="273" r:id="rId12"/>
+    <p:sldId id="274" r:id="rId13"/>
+    <p:sldId id="291" r:id="rId14"/>
+    <p:sldId id="275" r:id="rId15"/>
+    <p:sldId id="298" r:id="rId16"/>
+    <p:sldId id="276" r:id="rId17"/>
+    <p:sldId id="294" r:id="rId18"/>
+    <p:sldId id="304" r:id="rId19"/>
+    <p:sldId id="300" r:id="rId20"/>
+    <p:sldId id="277" r:id="rId21"/>
+    <p:sldId id="278" r:id="rId22"/>
+    <p:sldId id="279" r:id="rId23"/>
+    <p:sldId id="280" r:id="rId24"/>
+    <p:sldId id="284" r:id="rId25"/>
+    <p:sldId id="297" r:id="rId26"/>
+    <p:sldId id="301" r:id="rId27"/>
+    <p:sldId id="305" r:id="rId28"/>
+    <p:sldId id="302" r:id="rId29"/>
+    <p:sldId id="281" r:id="rId30"/>
+    <p:sldId id="282" r:id="rId31"/>
+    <p:sldId id="283" r:id="rId32"/>
+    <p:sldId id="285" r:id="rId33"/>
+    <p:sldId id="303" r:id="rId34"/>
+    <p:sldId id="286" r:id="rId35"/>
+    <p:sldId id="306" r:id="rId36"/>
+    <p:sldId id="307" r:id="rId37"/>
+    <p:sldId id="287" r:id="rId38"/>
+    <p:sldId id="288" r:id="rId39"/>
+    <p:sldId id="268" r:id="rId40"/>
+    <p:sldId id="290" r:id="rId41"/>
+    <p:sldId id="289" r:id="rId42"/>
   </p:sldIdLst>
   <p:sldSz cx="9144000" cy="5143500" type="screen16x9"/>
   <p:notesSz cx="6858000" cy="9144000"/>
@@ -9040,7 +9042,7 @@
           <a:p>
             <a:fld id="{3FDC14FC-A894-4869-A797-1EC82735D106}" type="datetimeFigureOut">
               <a:rPr lang="en-US" smtClean="0"/>
-              <a:t>11/8/2019</a:t>
+              <a:t>11/12/2019</a:t>
             </a:fld>
             <a:endParaRPr lang="en-US"/>
           </a:p>
@@ -9205,7 +9207,7 @@
           <a:p>
             <a:fld id="{B4F99C05-63F9-4248-8E20-3ACD9DF9DE7F}" type="datetimeFigureOut">
               <a:rPr lang="en-US" smtClean="0"/>
-              <a:t>11/8/2019</a:t>
+              <a:t>11/12/2019</a:t>
             </a:fld>
             <a:endParaRPr lang="en-US"/>
           </a:p>
@@ -9586,7 +9588,7 @@
           <a:p>
             <a:fld id="{A874FABB-6DBE-47C4-B626-20167906F475}" type="slidenum">
               <a:rPr lang="en-US" smtClean="0"/>
-              <a:t>3</a:t>
+              <a:t>4</a:t>
             </a:fld>
             <a:endParaRPr lang="en-US"/>
           </a:p>
@@ -9678,7 +9680,7 @@
           <a:p>
             <a:fld id="{A874FABB-6DBE-47C4-B626-20167906F475}" type="slidenum">
               <a:rPr lang="en-US" smtClean="0"/>
-              <a:t>17</a:t>
+              <a:t>19</a:t>
             </a:fld>
             <a:endParaRPr lang="en-US"/>
           </a:p>
@@ -9809,7 +9811,7 @@
                 <a:tabLst/>
                 <a:defRPr/>
               </a:pPr>
-              <a:t>23</a:t>
+              <a:t>25</a:t>
             </a:fld>
             <a:endParaRPr kumimoji="0" lang="en-US" sz="1200" b="0" i="0" u="none" strike="noStrike" kern="1200" cap="none" spc="0" normalizeH="0" baseline="0" noProof="0">
               <a:ln>
@@ -9906,7 +9908,7 @@
           <a:p>
             <a:fld id="{A874FABB-6DBE-47C4-B626-20167906F475}" type="slidenum">
               <a:rPr lang="en-US" smtClean="0"/>
-              <a:t>27</a:t>
+              <a:t>29</a:t>
             </a:fld>
             <a:endParaRPr lang="en-US"/>
           </a:p>
@@ -10037,7 +10039,7 @@
                 <a:tabLst/>
                 <a:defRPr/>
               </a:pPr>
-              <a:t>31</a:t>
+              <a:t>33</a:t>
             </a:fld>
             <a:endParaRPr kumimoji="0" lang="en-US" sz="1200" b="0" i="0" u="none" strike="noStrike" kern="1200" cap="none" spc="0" normalizeH="0" baseline="0" noProof="0">
               <a:ln>
@@ -10134,7 +10136,7 @@
           <a:p>
             <a:fld id="{A874FABB-6DBE-47C4-B626-20167906F475}" type="slidenum">
               <a:rPr lang="en-US" smtClean="0"/>
-              <a:t>4</a:t>
+              <a:t>5</a:t>
             </a:fld>
             <a:endParaRPr lang="en-US"/>
           </a:p>
@@ -10230,7 +10232,7 @@
           <a:p>
             <a:fld id="{A874FABB-6DBE-47C4-B626-20167906F475}" type="slidenum">
               <a:rPr lang="en-US" smtClean="0"/>
-              <a:t>5</a:t>
+              <a:t>7</a:t>
             </a:fld>
             <a:endParaRPr lang="en-US"/>
           </a:p>
@@ -10375,7 +10377,7 @@
           <a:p>
             <a:fld id="{A874FABB-6DBE-47C4-B626-20167906F475}" type="slidenum">
               <a:rPr lang="en-US" smtClean="0"/>
-              <a:t>6</a:t>
+              <a:t>8</a:t>
             </a:fld>
             <a:endParaRPr lang="en-US"/>
           </a:p>
@@ -10459,7 +10461,7 @@
           <a:p>
             <a:fld id="{A874FABB-6DBE-47C4-B626-20167906F475}" type="slidenum">
               <a:rPr lang="en-US" smtClean="0"/>
-              <a:t>7</a:t>
+              <a:t>9</a:t>
             </a:fld>
             <a:endParaRPr lang="en-US"/>
           </a:p>
@@ -10599,7 +10601,7 @@
           <a:p>
             <a:fld id="{A874FABB-6DBE-47C4-B626-20167906F475}" type="slidenum">
               <a:rPr lang="en-US" smtClean="0"/>
-              <a:t>8</a:t>
+              <a:t>10</a:t>
             </a:fld>
             <a:endParaRPr lang="en-US"/>
           </a:p>
@@ -10814,7 +10816,7 @@
           <a:p>
             <a:fld id="{A874FABB-6DBE-47C4-B626-20167906F475}" type="slidenum">
               <a:rPr lang="en-US" smtClean="0"/>
-              <a:t>10</a:t>
+              <a:t>12</a:t>
             </a:fld>
             <a:endParaRPr lang="en-US"/>
           </a:p>
@@ -10912,7 +10914,7 @@
           <a:p>
             <a:fld id="{A874FABB-6DBE-47C4-B626-20167906F475}" type="slidenum">
               <a:rPr lang="en-US" smtClean="0"/>
-              <a:t>13</a:t>
+              <a:t>15</a:t>
             </a:fld>
             <a:endParaRPr lang="en-US"/>
           </a:p>
@@ -11043,7 +11045,7 @@
                 <a:tabLst/>
                 <a:defRPr/>
               </a:pPr>
-              <a:t>14</a:t>
+              <a:t>16</a:t>
             </a:fld>
             <a:endParaRPr kumimoji="0" lang="en-US" sz="1200" b="0" i="0" u="none" strike="noStrike" kern="1200" cap="none" spc="0" normalizeH="0" baseline="0" noProof="0">
               <a:ln>
@@ -17010,7 +17012,7 @@
           </a:ln>
           <a:extLst>
             <a:ext uri="{C572A759-6A51-4108-AA02-DFA0A04FC94B}">
-              <ma14:wrappingTextBoxFlag xmlns:ma14="http://schemas.microsoft.com/office/mac/drawingml/2011/main" xmlns="" val="1"/>
+              <ma14:wrappingTextBoxFlag xmlns="" xmlns:ma14="http://schemas.microsoft.com/office/mac/drawingml/2011/main" val="1"/>
             </a:ext>
           </a:extLst>
         </p:spPr>
@@ -25772,7 +25774,33 @@
           <a:p>
             <a:r>
               <a:rPr lang="en-US" dirty="0" smtClean="0"/>
-              <a:t>GUI in </a:t>
+              <a:t>Cross-platform</a:t>
+            </a:r>
+            <a:r>
+              <a:rPr lang="en-US" dirty="0"/>
+              <a:t/>
+            </a:r>
+            <a:br>
+              <a:rPr lang="en-US" dirty="0"/>
+            </a:br>
+            <a:r>
+              <a:rPr lang="en-US" dirty="0"/>
+              <a:t>GUI (</a:t>
+            </a:r>
+            <a:r>
+              <a:rPr lang="en-US" dirty="0" smtClean="0"/>
+              <a:t>desktop)</a:t>
+            </a:r>
+            <a:r>
+              <a:rPr lang="en-US" dirty="0" smtClean="0"/>
+              <a:t/>
+            </a:r>
+            <a:br>
+              <a:rPr lang="en-US" dirty="0" smtClean="0"/>
+            </a:br>
+            <a:r>
+              <a:rPr lang="en-US" dirty="0" smtClean="0"/>
+              <a:t>in </a:t>
             </a:r>
             <a:r>
               <a:rPr lang="en-US" dirty="0" err="1" smtClean="0"/>
@@ -25803,6 +25831,651 @@
 </file>
 
 <file path=ppt/slides/slide10.xml><?xml version="1.0" encoding="utf-8"?>
+<p:sld xmlns:a="http://schemas.openxmlformats.org/drawingml/2006/main" xmlns:r="http://schemas.openxmlformats.org/officeDocument/2006/relationships" xmlns:p="http://schemas.openxmlformats.org/presentationml/2006/main">
+  <p:cSld>
+    <p:spTree>
+      <p:nvGrpSpPr>
+        <p:cNvPr id="1" name=""/>
+        <p:cNvGrpSpPr/>
+        <p:nvPr/>
+      </p:nvGrpSpPr>
+      <p:grpSpPr>
+        <a:xfrm>
+          <a:off x="0" y="0"/>
+          <a:ext cx="0" cy="0"/>
+          <a:chOff x="0" y="0"/>
+          <a:chExt cx="0" cy="0"/>
+        </a:xfrm>
+      </p:grpSpPr>
+      <p:graphicFrame>
+        <p:nvGraphicFramePr>
+          <p:cNvPr id="17" name="Таблица 16"/>
+          <p:cNvGraphicFramePr>
+            <a:graphicFrameLocks noGrp="1"/>
+          </p:cNvGraphicFramePr>
+          <p:nvPr>
+            <p:extLst>
+              <p:ext uri="{D42A27DB-BD31-4B8C-83A1-F6EECF244321}">
+                <p14:modId xmlns:p14="http://schemas.microsoft.com/office/powerpoint/2010/main" val="1720457916"/>
+              </p:ext>
+            </p:extLst>
+          </p:nvPr>
+        </p:nvGraphicFramePr>
+        <p:xfrm>
+          <a:off x="288670" y="875653"/>
+          <a:ext cx="8569836" cy="3543508"/>
+        </p:xfrm>
+        <a:graphic>
+          <a:graphicData uri="http://schemas.openxmlformats.org/drawingml/2006/table">
+            <a:tbl>
+              <a:tblPr firstRow="1">
+                <a:tableStyleId>{5C22544A-7EE6-4342-B048-85BDC9FD1C3A}</a:tableStyleId>
+              </a:tblPr>
+              <a:tblGrid>
+                <a:gridCol w="2332494">
+                  <a:extLst>
+                    <a:ext uri="{9D8B030D-6E8A-4147-A177-3AD203B41FA5}">
+                      <a16:colId xmlns:a16="http://schemas.microsoft.com/office/drawing/2014/main" val="2459031493"/>
+                    </a:ext>
+                  </a:extLst>
+                </a:gridCol>
+                <a:gridCol w="1416144">
+                  <a:extLst>
+                    <a:ext uri="{9D8B030D-6E8A-4147-A177-3AD203B41FA5}">
+                      <a16:colId xmlns:a16="http://schemas.microsoft.com/office/drawing/2014/main" val="2859956843"/>
+                    </a:ext>
+                  </a:extLst>
+                </a:gridCol>
+                <a:gridCol w="2678739">
+                  <a:extLst>
+                    <a:ext uri="{9D8B030D-6E8A-4147-A177-3AD203B41FA5}">
+                      <a16:colId xmlns:a16="http://schemas.microsoft.com/office/drawing/2014/main" val="1702188172"/>
+                    </a:ext>
+                  </a:extLst>
+                </a:gridCol>
+                <a:gridCol w="2142459">
+                  <a:extLst>
+                    <a:ext uri="{9D8B030D-6E8A-4147-A177-3AD203B41FA5}">
+                      <a16:colId xmlns:a16="http://schemas.microsoft.com/office/drawing/2014/main" val="1188113964"/>
+                    </a:ext>
+                  </a:extLst>
+                </a:gridCol>
+              </a:tblGrid>
+              <a:tr h="381513">
+                <a:tc gridSpan="2">
+                  <a:txBody>
+                    <a:bodyPr/>
+                    <a:lstStyle/>
+                    <a:p>
+                      <a:pPr marL="0" algn="ctr" defTabSz="914400" rtl="0" eaLnBrk="1" latinLnBrk="0" hangingPunct="1"/>
+                      <a:r>
+                        <a:rPr lang="en-US" sz="1800" b="1" kern="1200" dirty="0" smtClean="0">
+                          <a:solidFill>
+                            <a:schemeClr val="tx1"/>
+                          </a:solidFill>
+                          <a:latin typeface="+mn-lt"/>
+                          <a:ea typeface="+mn-ea"/>
+                          <a:cs typeface="+mn-cs"/>
+                        </a:rPr>
+                        <a:t>Library</a:t>
+                      </a:r>
+                      <a:endParaRPr lang="ru-RU" sz="1800" b="1" kern="1200" dirty="0">
+                        <a:solidFill>
+                          <a:schemeClr val="tx1"/>
+                        </a:solidFill>
+                        <a:latin typeface="+mn-lt"/>
+                        <a:ea typeface="+mn-ea"/>
+                        <a:cs typeface="+mn-cs"/>
+                      </a:endParaRPr>
+                    </a:p>
+                  </a:txBody>
+                  <a:tcPr>
+                    <a:solidFill>
+                      <a:schemeClr val="accent1"/>
+                    </a:solidFill>
+                  </a:tcPr>
+                </a:tc>
+                <a:tc hMerge="1">
+                  <a:txBody>
+                    <a:bodyPr/>
+                    <a:lstStyle/>
+                    <a:p>
+                      <a:pPr algn="ctr"/>
+                      <a:endParaRPr lang="ru-RU" dirty="0"/>
+                    </a:p>
+                  </a:txBody>
+                  <a:tcPr anchor="ctr"/>
+                </a:tc>
+                <a:tc>
+                  <a:txBody>
+                    <a:bodyPr/>
+                    <a:lstStyle/>
+                    <a:p>
+                      <a:pPr algn="ctr"/>
+                      <a:r>
+                        <a:rPr lang="en-US" dirty="0" smtClean="0">
+                          <a:solidFill>
+                            <a:schemeClr val="tx1"/>
+                          </a:solidFill>
+                        </a:rPr>
+                        <a:t>Language</a:t>
+                      </a:r>
+                      <a:endParaRPr lang="ru-RU" dirty="0">
+                        <a:solidFill>
+                          <a:schemeClr val="tx1"/>
+                        </a:solidFill>
+                      </a:endParaRPr>
+                    </a:p>
+                  </a:txBody>
+                  <a:tcPr anchor="ctr"/>
+                </a:tc>
+                <a:tc>
+                  <a:txBody>
+                    <a:bodyPr/>
+                    <a:lstStyle/>
+                    <a:p>
+                      <a:pPr algn="ctr"/>
+                      <a:r>
+                        <a:rPr lang="en-US" dirty="0" err="1" smtClean="0">
+                          <a:solidFill>
+                            <a:schemeClr val="tx1"/>
+                          </a:solidFill>
+                        </a:rPr>
+                        <a:t>.Net</a:t>
+                      </a:r>
+                      <a:r>
+                        <a:rPr lang="en-US" dirty="0" smtClean="0">
+                          <a:solidFill>
+                            <a:schemeClr val="tx1"/>
+                          </a:solidFill>
+                        </a:rPr>
+                        <a:t> wrappers</a:t>
+                      </a:r>
+                      <a:endParaRPr lang="ru-RU" dirty="0">
+                        <a:solidFill>
+                          <a:schemeClr val="tx1"/>
+                        </a:solidFill>
+                      </a:endParaRPr>
+                    </a:p>
+                  </a:txBody>
+                  <a:tcPr/>
+                </a:tc>
+                <a:extLst>
+                  <a:ext uri="{0D108BD9-81ED-4DB2-BD59-A6C34878D82A}">
+                    <a16:rowId xmlns:a16="http://schemas.microsoft.com/office/drawing/2014/main" val="1025612507"/>
+                  </a:ext>
+                </a:extLst>
+              </a:tr>
+              <a:tr h="632399">
+                <a:tc>
+                  <a:txBody>
+                    <a:bodyPr/>
+                    <a:lstStyle/>
+                    <a:p>
+                      <a:endParaRPr lang="ru-RU" dirty="0"/>
+                    </a:p>
+                  </a:txBody>
+                  <a:tcPr>
+                    <a:blipFill>
+                      <a:blip r:embed="rId3"/>
+                      <a:stretch>
+                        <a:fillRect/>
+                      </a:stretch>
+                    </a:blipFill>
+                  </a:tcPr>
+                </a:tc>
+                <a:tc>
+                  <a:txBody>
+                    <a:bodyPr/>
+                    <a:lstStyle/>
+                    <a:p>
+                      <a:pPr algn="ctr"/>
+                      <a:r>
+                        <a:rPr lang="en-US" smtClean="0"/>
+                        <a:t>GTK / GTK+</a:t>
+                      </a:r>
+                      <a:endParaRPr lang="ru-RU" dirty="0"/>
+                    </a:p>
+                  </a:txBody>
+                  <a:tcPr anchor="ctr"/>
+                </a:tc>
+                <a:tc>
+                  <a:txBody>
+                    <a:bodyPr/>
+                    <a:lstStyle/>
+                    <a:p>
+                      <a:pPr algn="ctr"/>
+                      <a:r>
+                        <a:rPr lang="en-US" dirty="0" smtClean="0"/>
+                        <a:t>C</a:t>
+                      </a:r>
+                      <a:endParaRPr lang="ru-RU" dirty="0"/>
+                    </a:p>
+                  </a:txBody>
+                  <a:tcPr anchor="ctr"/>
+                </a:tc>
+                <a:tc>
+                  <a:txBody>
+                    <a:bodyPr/>
+                    <a:lstStyle/>
+                    <a:p>
+                      <a:pPr algn="ctr"/>
+                      <a:r>
+                        <a:rPr lang="en-US" dirty="0" err="1" smtClean="0"/>
+                        <a:t>Gtk</a:t>
+                      </a:r>
+                      <a:r>
+                        <a:rPr lang="en-US" dirty="0" smtClean="0"/>
+                        <a:t>#, </a:t>
+                      </a:r>
+                      <a:r>
+                        <a:rPr lang="en-US" baseline="0" dirty="0" err="1" smtClean="0"/>
+                        <a:t>GtkSharp</a:t>
+                      </a:r>
+                      <a:endParaRPr lang="ru-RU" dirty="0"/>
+                    </a:p>
+                  </a:txBody>
+                  <a:tcPr anchor="ctr"/>
+                </a:tc>
+                <a:extLst>
+                  <a:ext uri="{0D108BD9-81ED-4DB2-BD59-A6C34878D82A}">
+                    <a16:rowId xmlns:a16="http://schemas.microsoft.com/office/drawing/2014/main" val="2632129284"/>
+                  </a:ext>
+                </a:extLst>
+              </a:tr>
+              <a:tr h="632399">
+                <a:tc>
+                  <a:txBody>
+                    <a:bodyPr/>
+                    <a:lstStyle/>
+                    <a:p>
+                      <a:endParaRPr lang="ru-RU" dirty="0"/>
+                    </a:p>
+                  </a:txBody>
+                  <a:tcPr>
+                    <a:blipFill>
+                      <a:blip r:embed="rId4"/>
+                      <a:stretch>
+                        <a:fillRect/>
+                      </a:stretch>
+                    </a:blipFill>
+                  </a:tcPr>
+                </a:tc>
+                <a:tc>
+                  <a:txBody>
+                    <a:bodyPr/>
+                    <a:lstStyle/>
+                    <a:p>
+                      <a:pPr algn="ctr"/>
+                      <a:r>
+                        <a:rPr lang="en-US" dirty="0" err="1" smtClean="0"/>
+                        <a:t>Qt</a:t>
+                      </a:r>
+                      <a:endParaRPr lang="ru-RU" dirty="0"/>
+                    </a:p>
+                  </a:txBody>
+                  <a:tcPr anchor="ctr"/>
+                </a:tc>
+                <a:tc>
+                  <a:txBody>
+                    <a:bodyPr/>
+                    <a:lstStyle/>
+                    <a:p>
+                      <a:pPr algn="ctr"/>
+                      <a:r>
+                        <a:rPr lang="en-US" dirty="0" smtClean="0"/>
+                        <a:t>C++</a:t>
+                      </a:r>
+                      <a:endParaRPr lang="ru-RU" dirty="0"/>
+                    </a:p>
+                  </a:txBody>
+                  <a:tcPr anchor="ctr"/>
+                </a:tc>
+                <a:tc>
+                  <a:txBody>
+                    <a:bodyPr/>
+                    <a:lstStyle/>
+                    <a:p>
+                      <a:pPr algn="ctr"/>
+                      <a:r>
+                        <a:rPr lang="en-US" dirty="0" err="1" smtClean="0"/>
+                        <a:t>QtSharp</a:t>
+                      </a:r>
+                      <a:r>
+                        <a:rPr lang="en-US" dirty="0" smtClean="0"/>
+                        <a:t>, </a:t>
+                      </a:r>
+                      <a:r>
+                        <a:rPr lang="en-US" dirty="0" err="1" smtClean="0"/>
+                        <a:t>QmlNet</a:t>
+                      </a:r>
+                      <a:endParaRPr lang="ru-RU" dirty="0"/>
+                    </a:p>
+                  </a:txBody>
+                  <a:tcPr anchor="ctr"/>
+                </a:tc>
+                <a:extLst>
+                  <a:ext uri="{0D108BD9-81ED-4DB2-BD59-A6C34878D82A}">
+                    <a16:rowId xmlns:a16="http://schemas.microsoft.com/office/drawing/2014/main" val="1978111912"/>
+                  </a:ext>
+                </a:extLst>
+              </a:tr>
+              <a:tr h="632399">
+                <a:tc>
+                  <a:txBody>
+                    <a:bodyPr/>
+                    <a:lstStyle/>
+                    <a:p>
+                      <a:endParaRPr lang="ru-RU" dirty="0"/>
+                    </a:p>
+                  </a:txBody>
+                  <a:tcPr>
+                    <a:blipFill>
+                      <a:blip r:embed="rId5"/>
+                      <a:stretch>
+                        <a:fillRect/>
+                      </a:stretch>
+                    </a:blipFill>
+                  </a:tcPr>
+                </a:tc>
+                <a:tc>
+                  <a:txBody>
+                    <a:bodyPr/>
+                    <a:lstStyle/>
+                    <a:p>
+                      <a:pPr algn="ctr"/>
+                      <a:r>
+                        <a:rPr lang="en-US" dirty="0" err="1" smtClean="0"/>
+                        <a:t>wxWidgets</a:t>
+                      </a:r>
+                      <a:endParaRPr lang="ru-RU" dirty="0"/>
+                    </a:p>
+                  </a:txBody>
+                  <a:tcPr anchor="ctr"/>
+                </a:tc>
+                <a:tc>
+                  <a:txBody>
+                    <a:bodyPr/>
+                    <a:lstStyle/>
+                    <a:p>
+                      <a:pPr algn="ctr"/>
+                      <a:r>
+                        <a:rPr lang="en-US" dirty="0" smtClean="0"/>
+                        <a:t>C++</a:t>
+                      </a:r>
+                      <a:endParaRPr lang="ru-RU" dirty="0"/>
+                    </a:p>
+                  </a:txBody>
+                  <a:tcPr anchor="ctr"/>
+                </a:tc>
+                <a:tc>
+                  <a:txBody>
+                    <a:bodyPr/>
+                    <a:lstStyle/>
+                    <a:p>
+                      <a:pPr algn="ctr"/>
+                      <a:r>
+                        <a:rPr lang="en-US" dirty="0" smtClean="0"/>
+                        <a:t>-</a:t>
+                      </a:r>
+                      <a:endParaRPr lang="ru-RU" dirty="0"/>
+                    </a:p>
+                  </a:txBody>
+                  <a:tcPr anchor="ctr"/>
+                </a:tc>
+                <a:extLst>
+                  <a:ext uri="{0D108BD9-81ED-4DB2-BD59-A6C34878D82A}">
+                    <a16:rowId xmlns:a16="http://schemas.microsoft.com/office/drawing/2014/main" val="4134570689"/>
+                  </a:ext>
+                </a:extLst>
+              </a:tr>
+              <a:tr h="632399">
+                <a:tc>
+                  <a:txBody>
+                    <a:bodyPr/>
+                    <a:lstStyle/>
+                    <a:p>
+                      <a:endParaRPr lang="ru-RU" dirty="0"/>
+                    </a:p>
+                  </a:txBody>
+                  <a:tcPr>
+                    <a:blipFill>
+                      <a:blip r:embed="rId6"/>
+                      <a:stretch>
+                        <a:fillRect/>
+                      </a:stretch>
+                    </a:blipFill>
+                  </a:tcPr>
+                </a:tc>
+                <a:tc>
+                  <a:txBody>
+                    <a:bodyPr/>
+                    <a:lstStyle/>
+                    <a:p>
+                      <a:pPr algn="ctr"/>
+                      <a:r>
+                        <a:rPr lang="en-US" dirty="0" smtClean="0"/>
+                        <a:t>Swing</a:t>
+                      </a:r>
+                      <a:endParaRPr lang="ru-RU" dirty="0"/>
+                    </a:p>
+                  </a:txBody>
+                  <a:tcPr anchor="ctr"/>
+                </a:tc>
+                <a:tc>
+                  <a:txBody>
+                    <a:bodyPr/>
+                    <a:lstStyle/>
+                    <a:p>
+                      <a:pPr algn="ctr"/>
+                      <a:r>
+                        <a:rPr lang="en-US" dirty="0" smtClean="0"/>
+                        <a:t>Java</a:t>
+                      </a:r>
+                      <a:endParaRPr lang="ru-RU" dirty="0"/>
+                    </a:p>
+                  </a:txBody>
+                  <a:tcPr anchor="ctr"/>
+                </a:tc>
+                <a:tc>
+                  <a:txBody>
+                    <a:bodyPr/>
+                    <a:lstStyle/>
+                    <a:p>
+                      <a:pPr algn="ctr"/>
+                      <a:r>
+                        <a:rPr lang="en-US" dirty="0" smtClean="0"/>
+                        <a:t>-</a:t>
+                      </a:r>
+                      <a:endParaRPr lang="ru-RU" dirty="0"/>
+                    </a:p>
+                  </a:txBody>
+                  <a:tcPr anchor="ctr"/>
+                </a:tc>
+                <a:extLst>
+                  <a:ext uri="{0D108BD9-81ED-4DB2-BD59-A6C34878D82A}">
+                    <a16:rowId xmlns:a16="http://schemas.microsoft.com/office/drawing/2014/main" val="1463979126"/>
+                  </a:ext>
+                </a:extLst>
+              </a:tr>
+              <a:tr h="632399">
+                <a:tc>
+                  <a:txBody>
+                    <a:bodyPr/>
+                    <a:lstStyle/>
+                    <a:p>
+                      <a:endParaRPr lang="ru-RU" dirty="0"/>
+                    </a:p>
+                  </a:txBody>
+                  <a:tcPr>
+                    <a:blipFill>
+                      <a:blip r:embed="rId7"/>
+                      <a:stretch>
+                        <a:fillRect/>
+                      </a:stretch>
+                    </a:blipFill>
+                  </a:tcPr>
+                </a:tc>
+                <a:tc>
+                  <a:txBody>
+                    <a:bodyPr/>
+                    <a:lstStyle/>
+                    <a:p>
+                      <a:pPr algn="ctr"/>
+                      <a:r>
+                        <a:rPr lang="en-US" dirty="0" smtClean="0"/>
+                        <a:t>SWT</a:t>
+                      </a:r>
+                      <a:endParaRPr lang="ru-RU" dirty="0"/>
+                    </a:p>
+                  </a:txBody>
+                  <a:tcPr anchor="ctr"/>
+                </a:tc>
+                <a:tc>
+                  <a:txBody>
+                    <a:bodyPr/>
+                    <a:lstStyle/>
+                    <a:p>
+                      <a:pPr algn="ctr"/>
+                      <a:r>
+                        <a:rPr lang="en-US" dirty="0" smtClean="0"/>
+                        <a:t>Java</a:t>
+                      </a:r>
+                      <a:endParaRPr lang="ru-RU" dirty="0"/>
+                    </a:p>
+                  </a:txBody>
+                  <a:tcPr anchor="ctr"/>
+                </a:tc>
+                <a:tc>
+                  <a:txBody>
+                    <a:bodyPr/>
+                    <a:lstStyle/>
+                    <a:p>
+                      <a:pPr algn="ctr"/>
+                      <a:r>
+                        <a:rPr lang="en-US" dirty="0" smtClean="0"/>
+                        <a:t>-</a:t>
+                      </a:r>
+                      <a:endParaRPr lang="ru-RU" dirty="0"/>
+                    </a:p>
+                  </a:txBody>
+                  <a:tcPr anchor="ctr"/>
+                </a:tc>
+                <a:extLst>
+                  <a:ext uri="{0D108BD9-81ED-4DB2-BD59-A6C34878D82A}">
+                    <a16:rowId xmlns:a16="http://schemas.microsoft.com/office/drawing/2014/main" val="2759806467"/>
+                  </a:ext>
+                </a:extLst>
+              </a:tr>
+            </a:tbl>
+          </a:graphicData>
+        </a:graphic>
+      </p:graphicFrame>
+      <p:sp>
+        <p:nvSpPr>
+          <p:cNvPr id="3" name="Заголовок 2"/>
+          <p:cNvSpPr>
+            <a:spLocks noGrp="1"/>
+          </p:cNvSpPr>
+          <p:nvPr>
+            <p:ph type="title"/>
+          </p:nvPr>
+        </p:nvSpPr>
+        <p:spPr/>
+        <p:txBody>
+          <a:bodyPr/>
+          <a:lstStyle/>
+          <a:p>
+            <a:r>
+              <a:rPr lang="en-US" dirty="0"/>
+              <a:t>Popular </a:t>
+            </a:r>
+            <a:r>
+              <a:rPr lang="en-US" dirty="0" smtClean="0"/>
+              <a:t>Cross-platform </a:t>
+            </a:r>
+            <a:r>
+              <a:rPr lang="en-US" dirty="0"/>
+              <a:t>GUI libraries</a:t>
+            </a:r>
+            <a:endParaRPr lang="ru-RU" dirty="0"/>
+          </a:p>
+        </p:txBody>
+      </p:sp>
+    </p:spTree>
+    <p:extLst>
+      <p:ext uri="{BB962C8B-B14F-4D97-AF65-F5344CB8AC3E}">
+        <p14:creationId xmlns:p14="http://schemas.microsoft.com/office/powerpoint/2010/main" val="3220400109"/>
+      </p:ext>
+    </p:extLst>
+  </p:cSld>
+  <p:clrMapOvr>
+    <a:masterClrMapping/>
+  </p:clrMapOvr>
+  <p:timing>
+    <p:tnLst>
+      <p:par>
+        <p:cTn id="1" dur="indefinite" restart="never" nodeType="tmRoot"/>
+      </p:par>
+    </p:tnLst>
+  </p:timing>
+</p:sld>
+</file>
+
+<file path=ppt/slides/slide11.xml><?xml version="1.0" encoding="utf-8"?>
+<p:sld xmlns:a="http://schemas.openxmlformats.org/drawingml/2006/main" xmlns:r="http://schemas.openxmlformats.org/officeDocument/2006/relationships" xmlns:p="http://schemas.openxmlformats.org/presentationml/2006/main">
+  <p:cSld>
+    <p:spTree>
+      <p:nvGrpSpPr>
+        <p:cNvPr id="1" name=""/>
+        <p:cNvGrpSpPr/>
+        <p:nvPr/>
+      </p:nvGrpSpPr>
+      <p:grpSpPr>
+        <a:xfrm>
+          <a:off x="0" y="0"/>
+          <a:ext cx="0" cy="0"/>
+          <a:chOff x="0" y="0"/>
+          <a:chExt cx="0" cy="0"/>
+        </a:xfrm>
+      </p:grpSpPr>
+      <p:sp>
+        <p:nvSpPr>
+          <p:cNvPr id="3" name="Заголовок 2"/>
+          <p:cNvSpPr>
+            <a:spLocks noGrp="1"/>
+          </p:cNvSpPr>
+          <p:nvPr>
+            <p:ph type="title"/>
+          </p:nvPr>
+        </p:nvSpPr>
+        <p:spPr/>
+        <p:txBody>
+          <a:bodyPr/>
+          <a:lstStyle/>
+          <a:p>
+            <a:r>
+              <a:rPr lang="en-US" dirty="0" smtClean="0"/>
+              <a:t>GTK</a:t>
+            </a:r>
+            <a:endParaRPr lang="ru-RU" dirty="0"/>
+          </a:p>
+        </p:txBody>
+      </p:sp>
+    </p:spTree>
+    <p:extLst>
+      <p:ext uri="{BB962C8B-B14F-4D97-AF65-F5344CB8AC3E}">
+        <p14:creationId xmlns:p14="http://schemas.microsoft.com/office/powerpoint/2010/main" val="3362138878"/>
+      </p:ext>
+    </p:extLst>
+  </p:cSld>
+  <p:clrMapOvr>
+    <a:masterClrMapping/>
+  </p:clrMapOvr>
+</p:sld>
+</file>
+
+<file path=ppt/slides/slide12.xml><?xml version="1.0" encoding="utf-8"?>
 <p:sld xmlns:a="http://schemas.openxmlformats.org/drawingml/2006/main" xmlns:r="http://schemas.openxmlformats.org/officeDocument/2006/relationships" xmlns:p="http://schemas.openxmlformats.org/presentationml/2006/main">
   <p:cSld>
     <p:spTree>
@@ -25892,7 +26565,7 @@
 </p:sld>
 </file>
 
-<file path=ppt/slides/slide11.xml><?xml version="1.0" encoding="utf-8"?>
+<file path=ppt/slides/slide13.xml><?xml version="1.0" encoding="utf-8"?>
 <p:sld xmlns:a="http://schemas.openxmlformats.org/drawingml/2006/main" xmlns:r="http://schemas.openxmlformats.org/officeDocument/2006/relationships" xmlns:p="http://schemas.openxmlformats.org/presentationml/2006/main">
   <p:cSld>
     <p:spTree>
@@ -26211,7 +26884,7 @@
 </p:sld>
 </file>
 
-<file path=ppt/slides/slide12.xml><?xml version="1.0" encoding="utf-8"?>
+<file path=ppt/slides/slide14.xml><?xml version="1.0" encoding="utf-8"?>
 <p:sld xmlns:a="http://schemas.openxmlformats.org/drawingml/2006/main" xmlns:r="http://schemas.openxmlformats.org/officeDocument/2006/relationships" xmlns:p="http://schemas.openxmlformats.org/presentationml/2006/main">
   <p:cSld>
     <p:spTree>
@@ -26672,7 +27345,7 @@
 </p:sld>
 </file>
 
-<file path=ppt/slides/slide13.xml><?xml version="1.0" encoding="utf-8"?>
+<file path=ppt/slides/slide15.xml><?xml version="1.0" encoding="utf-8"?>
 <p:sld xmlns:a="http://schemas.openxmlformats.org/drawingml/2006/main" xmlns:r="http://schemas.openxmlformats.org/officeDocument/2006/relationships" xmlns:p="http://schemas.openxmlformats.org/presentationml/2006/main">
   <p:cSld>
     <p:spTree>
@@ -28210,7 +28883,7 @@
 </p:sld>
 </file>
 
-<file path=ppt/slides/slide14.xml><?xml version="1.0" encoding="utf-8"?>
+<file path=ppt/slides/slide16.xml><?xml version="1.0" encoding="utf-8"?>
 <p:sld xmlns:a="http://schemas.openxmlformats.org/drawingml/2006/main" xmlns:r="http://schemas.openxmlformats.org/officeDocument/2006/relationships" xmlns:p="http://schemas.openxmlformats.org/presentationml/2006/main">
   <p:cSld>
     <p:spTree>
@@ -28270,7 +28943,7 @@
 </p:sld>
 </file>
 
-<file path=ppt/slides/slide15.xml><?xml version="1.0" encoding="utf-8"?>
+<file path=ppt/slides/slide17.xml><?xml version="1.0" encoding="utf-8"?>
 <p:sld xmlns:a="http://schemas.openxmlformats.org/drawingml/2006/main" xmlns:r="http://schemas.openxmlformats.org/officeDocument/2006/relationships" xmlns:p="http://schemas.openxmlformats.org/presentationml/2006/main">
   <p:cSld>
     <p:spTree>
@@ -28402,7 +29075,6 @@
               <a:rPr lang="en-US" dirty="0" smtClean="0"/>
               <a:t>No Date picker, data table, …  </a:t>
             </a:r>
-            <a:endParaRPr lang="en-US" dirty="0" smtClean="0"/>
           </a:p>
           <a:p>
             <a:r>
@@ -28457,7 +29129,7 @@
 </p:sld>
 </file>
 
-<file path=ppt/slides/slide16.xml><?xml version="1.0" encoding="utf-8"?>
+<file path=ppt/slides/slide18.xml><?xml version="1.0" encoding="utf-8"?>
 <p:sld xmlns:a="http://schemas.openxmlformats.org/drawingml/2006/main" xmlns:r="http://schemas.openxmlformats.org/officeDocument/2006/relationships" xmlns:p="http://schemas.openxmlformats.org/presentationml/2006/main" show="0">
   <p:cSld>
     <p:spTree>
@@ -28526,7 +29198,7 @@
 </p:sld>
 </file>
 
-<file path=ppt/slides/slide17.xml><?xml version="1.0" encoding="utf-8"?>
+<file path=ppt/slides/slide19.xml><?xml version="1.0" encoding="utf-8"?>
 <p:sld xmlns:a="http://schemas.openxmlformats.org/drawingml/2006/main" xmlns:r="http://schemas.openxmlformats.org/officeDocument/2006/relationships" xmlns:p="http://schemas.openxmlformats.org/presentationml/2006/main" show="0">
   <p:cSld>
     <p:spTree>
@@ -28587,7 +29259,211 @@
 </p:sld>
 </file>
 
-<file path=ppt/slides/slide18.xml><?xml version="1.0" encoding="utf-8"?>
+<file path=ppt/slides/slide2.xml><?xml version="1.0" encoding="utf-8"?>
+<p:sld xmlns:a="http://schemas.openxmlformats.org/drawingml/2006/main" xmlns:r="http://schemas.openxmlformats.org/officeDocument/2006/relationships" xmlns:p="http://schemas.openxmlformats.org/presentationml/2006/main">
+  <p:cSld>
+    <p:spTree>
+      <p:nvGrpSpPr>
+        <p:cNvPr id="1" name=""/>
+        <p:cNvGrpSpPr/>
+        <p:nvPr/>
+      </p:nvGrpSpPr>
+      <p:grpSpPr>
+        <a:xfrm>
+          <a:off x="0" y="0"/>
+          <a:ext cx="0" cy="0"/>
+          <a:chOff x="0" y="0"/>
+          <a:chExt cx="0" cy="0"/>
+        </a:xfrm>
+      </p:grpSpPr>
+      <p:sp>
+        <p:nvSpPr>
+          <p:cNvPr id="2" name="Content Placeholder 1">
+            <a:extLst>
+              <a:ext uri="{FF2B5EF4-FFF2-40B4-BE49-F238E27FC236}">
+                <a16:creationId xmlns:a16="http://schemas.microsoft.com/office/drawing/2014/main" id="{01B9513B-6C25-439D-9879-328DDC3E264E}"/>
+              </a:ext>
+            </a:extLst>
+          </p:cNvPr>
+          <p:cNvSpPr>
+            <a:spLocks noGrp="1"/>
+          </p:cNvSpPr>
+          <p:nvPr>
+            <p:ph sz="quarter" idx="10"/>
+          </p:nvPr>
+        </p:nvSpPr>
+        <p:spPr/>
+        <p:txBody>
+          <a:bodyPr/>
+          <a:lstStyle/>
+          <a:p>
+            <a:r>
+              <a:rPr lang="en-US" dirty="0" smtClean="0"/>
+              <a:t>About 15 years in IT</a:t>
+            </a:r>
+          </a:p>
+          <a:p>
+            <a:r>
+              <a:rPr lang="en-US" dirty="0" smtClean="0"/>
+              <a:t>Developer, trainer, system analyst, …</a:t>
+            </a:r>
+          </a:p>
+          <a:p>
+            <a:r>
+              <a:rPr lang="en-US" dirty="0" smtClean="0"/>
+              <a:t>Now</a:t>
+            </a:r>
+          </a:p>
+          <a:p>
+            <a:pPr lvl="1"/>
+            <a:r>
+              <a:rPr lang="en-US" dirty="0" err="1" smtClean="0"/>
+              <a:t>.Net</a:t>
+            </a:r>
+            <a:r>
+              <a:rPr lang="en-US" dirty="0" smtClean="0"/>
+              <a:t> </a:t>
+            </a:r>
+            <a:r>
+              <a:rPr lang="en-US" dirty="0" smtClean="0"/>
+              <a:t>developer in SKB-</a:t>
+            </a:r>
+            <a:r>
+              <a:rPr lang="en-US" dirty="0" err="1" smtClean="0"/>
+              <a:t>Kontur</a:t>
+            </a:r>
+            <a:endParaRPr lang="en-US" dirty="0" smtClean="0"/>
+          </a:p>
+          <a:p>
+            <a:pPr lvl="1"/>
+            <a:r>
+              <a:rPr lang="en-US" dirty="0" smtClean="0"/>
+              <a:t>Speaker (as a hobby)</a:t>
+            </a:r>
+            <a:endParaRPr lang="en-US" dirty="0"/>
+          </a:p>
+        </p:txBody>
+      </p:sp>
+      <p:sp>
+        <p:nvSpPr>
+          <p:cNvPr id="3" name="Text Placeholder 2">
+            <a:extLst>
+              <a:ext uri="{FF2B5EF4-FFF2-40B4-BE49-F238E27FC236}">
+                <a16:creationId xmlns:a16="http://schemas.microsoft.com/office/drawing/2014/main" id="{3EFF35A1-5F94-4211-BBCD-08834B2CF270}"/>
+              </a:ext>
+            </a:extLst>
+          </p:cNvPr>
+          <p:cNvSpPr>
+            <a:spLocks noGrp="1"/>
+          </p:cNvSpPr>
+          <p:nvPr>
+            <p:ph type="body" sz="quarter" idx="12"/>
+          </p:nvPr>
+        </p:nvSpPr>
+        <p:spPr/>
+        <p:txBody>
+          <a:bodyPr/>
+          <a:lstStyle/>
+          <a:p>
+            <a:r>
+              <a:rPr lang="en-US" dirty="0" smtClean="0"/>
+              <a:t>Mihail </a:t>
+            </a:r>
+            <a:r>
+              <a:rPr lang="en-US" dirty="0" err="1" smtClean="0"/>
+              <a:t>romanov</a:t>
+            </a:r>
+            <a:endParaRPr lang="en-US" dirty="0"/>
+          </a:p>
+        </p:txBody>
+      </p:sp>
+      <p:sp>
+        <p:nvSpPr>
+          <p:cNvPr id="4" name="Text Placeholder 3">
+            <a:extLst>
+              <a:ext uri="{FF2B5EF4-FFF2-40B4-BE49-F238E27FC236}">
+                <a16:creationId xmlns:a16="http://schemas.microsoft.com/office/drawing/2014/main" id="{ACD845E0-CE8A-45F5-A2F5-2AC44C54C536}"/>
+              </a:ext>
+            </a:extLst>
+          </p:cNvPr>
+          <p:cNvSpPr>
+            <a:spLocks noGrp="1"/>
+          </p:cNvSpPr>
+          <p:nvPr>
+            <p:ph type="body" sz="quarter" idx="15"/>
+          </p:nvPr>
+        </p:nvSpPr>
+        <p:spPr/>
+        <p:txBody>
+          <a:bodyPr/>
+          <a:lstStyle/>
+          <a:p>
+            <a:r>
+              <a:rPr lang="en-US" dirty="0" smtClean="0"/>
+              <a:t>Senior </a:t>
+            </a:r>
+            <a:r>
+              <a:rPr lang="en-US" dirty="0" err="1" smtClean="0"/>
+              <a:t>.Net</a:t>
+            </a:r>
+            <a:r>
+              <a:rPr lang="en-US" dirty="0" smtClean="0"/>
+              <a:t> developer in SKB-</a:t>
+            </a:r>
+            <a:r>
+              <a:rPr lang="en-US" dirty="0" err="1" smtClean="0"/>
+              <a:t>Kontur</a:t>
+            </a:r>
+            <a:endParaRPr lang="en-US" dirty="0"/>
+          </a:p>
+        </p:txBody>
+      </p:sp>
+      <p:pic>
+        <p:nvPicPr>
+          <p:cNvPr id="6" name="Рисунок 5"/>
+          <p:cNvPicPr>
+            <a:picLocks noGrp="1" noChangeAspect="1"/>
+          </p:cNvPicPr>
+          <p:nvPr>
+            <p:ph type="pic" sz="quarter" idx="14"/>
+          </p:nvPr>
+        </p:nvPicPr>
+        <p:blipFill>
+          <a:blip r:embed="rId2" cstate="print">
+            <a:extLst>
+              <a:ext uri="{28A0092B-C50C-407E-A947-70E740481C1C}">
+                <a14:useLocalDpi xmlns:a14="http://schemas.microsoft.com/office/drawing/2010/main" val="0"/>
+              </a:ext>
+            </a:extLst>
+          </a:blip>
+          <a:srcRect t="16812" b="16812"/>
+          <a:stretch>
+            <a:fillRect/>
+          </a:stretch>
+        </p:blipFill>
+        <p:spPr/>
+      </p:pic>
+    </p:spTree>
+    <p:extLst>
+      <p:ext uri="{BB962C8B-B14F-4D97-AF65-F5344CB8AC3E}">
+        <p14:creationId xmlns:p14="http://schemas.microsoft.com/office/powerpoint/2010/main" val="3695662040"/>
+      </p:ext>
+    </p:extLst>
+  </p:cSld>
+  <p:clrMapOvr>
+    <a:masterClrMapping/>
+  </p:clrMapOvr>
+  <p:timing>
+    <p:tnLst>
+      <p:par>
+        <p:cTn id="1" dur="indefinite" restart="never" nodeType="tmRoot"/>
+      </p:par>
+    </p:tnLst>
+  </p:timing>
+</p:sld>
+</file>
+
+<file path=ppt/slides/slide20.xml><?xml version="1.0" encoding="utf-8"?>
 <p:sld xmlns:a="http://schemas.openxmlformats.org/drawingml/2006/main" xmlns:r="http://schemas.openxmlformats.org/officeDocument/2006/relationships" xmlns:p="http://schemas.openxmlformats.org/presentationml/2006/main">
   <p:cSld>
     <p:spTree>
@@ -28664,7 +29540,7 @@
 </p:sld>
 </file>
 
-<file path=ppt/slides/slide19.xml><?xml version="1.0" encoding="utf-8"?>
+<file path=ppt/slides/slide21.xml><?xml version="1.0" encoding="utf-8"?>
 <p:sld xmlns:a="http://schemas.openxmlformats.org/drawingml/2006/main" xmlns:r="http://schemas.openxmlformats.org/officeDocument/2006/relationships" xmlns:p="http://schemas.openxmlformats.org/presentationml/2006/main">
   <p:cSld>
     <p:spTree>
@@ -29093,202 +29969,7 @@
 </p:sld>
 </file>
 
-<file path=ppt/slides/slide2.xml><?xml version="1.0" encoding="utf-8"?>
-<p:sld xmlns:a="http://schemas.openxmlformats.org/drawingml/2006/main" xmlns:r="http://schemas.openxmlformats.org/officeDocument/2006/relationships" xmlns:p="http://schemas.openxmlformats.org/presentationml/2006/main">
-  <p:cSld>
-    <p:spTree>
-      <p:nvGrpSpPr>
-        <p:cNvPr id="1" name=""/>
-        <p:cNvGrpSpPr/>
-        <p:nvPr/>
-      </p:nvGrpSpPr>
-      <p:grpSpPr>
-        <a:xfrm>
-          <a:off x="0" y="0"/>
-          <a:ext cx="0" cy="0"/>
-          <a:chOff x="0" y="0"/>
-          <a:chExt cx="0" cy="0"/>
-        </a:xfrm>
-      </p:grpSpPr>
-      <p:sp>
-        <p:nvSpPr>
-          <p:cNvPr id="2" name="Content Placeholder 1">
-            <a:extLst>
-              <a:ext uri="{FF2B5EF4-FFF2-40B4-BE49-F238E27FC236}">
-                <a16:creationId xmlns:a16="http://schemas.microsoft.com/office/drawing/2014/main" id="{01B9513B-6C25-439D-9879-328DDC3E264E}"/>
-              </a:ext>
-            </a:extLst>
-          </p:cNvPr>
-          <p:cNvSpPr>
-            <a:spLocks noGrp="1"/>
-          </p:cNvSpPr>
-          <p:nvPr>
-            <p:ph sz="quarter" idx="10"/>
-          </p:nvPr>
-        </p:nvSpPr>
-        <p:spPr/>
-        <p:txBody>
-          <a:bodyPr/>
-          <a:lstStyle/>
-          <a:p>
-            <a:r>
-              <a:rPr lang="en-US" dirty="0" smtClean="0"/>
-              <a:t>About 15 years in IT</a:t>
-            </a:r>
-          </a:p>
-          <a:p>
-            <a:r>
-              <a:rPr lang="en-US" dirty="0" smtClean="0"/>
-              <a:t>Developer, trainer, system analyst, …</a:t>
-            </a:r>
-          </a:p>
-          <a:p>
-            <a:r>
-              <a:rPr lang="en-US" dirty="0" smtClean="0"/>
-              <a:t>Now</a:t>
-            </a:r>
-          </a:p>
-          <a:p>
-            <a:pPr lvl="1"/>
-            <a:r>
-              <a:rPr lang="en-US" dirty="0" err="1" smtClean="0"/>
-              <a:t>.Net</a:t>
-            </a:r>
-            <a:r>
-              <a:rPr lang="en-US" dirty="0" smtClean="0"/>
-              <a:t> developer</a:t>
-            </a:r>
-          </a:p>
-          <a:p>
-            <a:pPr lvl="1"/>
-            <a:r>
-              <a:rPr lang="en-US" dirty="0" smtClean="0"/>
-              <a:t>Speaker (as a hobby)</a:t>
-            </a:r>
-            <a:endParaRPr lang="en-US" dirty="0"/>
-          </a:p>
-        </p:txBody>
-      </p:sp>
-      <p:sp>
-        <p:nvSpPr>
-          <p:cNvPr id="3" name="Text Placeholder 2">
-            <a:extLst>
-              <a:ext uri="{FF2B5EF4-FFF2-40B4-BE49-F238E27FC236}">
-                <a16:creationId xmlns:a16="http://schemas.microsoft.com/office/drawing/2014/main" id="{3EFF35A1-5F94-4211-BBCD-08834B2CF270}"/>
-              </a:ext>
-            </a:extLst>
-          </p:cNvPr>
-          <p:cNvSpPr>
-            <a:spLocks noGrp="1"/>
-          </p:cNvSpPr>
-          <p:nvPr>
-            <p:ph type="body" sz="quarter" idx="12"/>
-          </p:nvPr>
-        </p:nvSpPr>
-        <p:spPr/>
-        <p:txBody>
-          <a:bodyPr/>
-          <a:lstStyle/>
-          <a:p>
-            <a:r>
-              <a:rPr lang="en-US" dirty="0" smtClean="0"/>
-              <a:t>Mihail </a:t>
-            </a:r>
-            <a:r>
-              <a:rPr lang="en-US" dirty="0" err="1" smtClean="0"/>
-              <a:t>romanov</a:t>
-            </a:r>
-            <a:endParaRPr lang="en-US" dirty="0"/>
-          </a:p>
-        </p:txBody>
-      </p:sp>
-      <p:sp>
-        <p:nvSpPr>
-          <p:cNvPr id="4" name="Text Placeholder 3">
-            <a:extLst>
-              <a:ext uri="{FF2B5EF4-FFF2-40B4-BE49-F238E27FC236}">
-                <a16:creationId xmlns:a16="http://schemas.microsoft.com/office/drawing/2014/main" id="{ACD845E0-CE8A-45F5-A2F5-2AC44C54C536}"/>
-              </a:ext>
-            </a:extLst>
-          </p:cNvPr>
-          <p:cNvSpPr>
-            <a:spLocks noGrp="1"/>
-          </p:cNvSpPr>
-          <p:nvPr>
-            <p:ph type="body" sz="quarter" idx="15"/>
-          </p:nvPr>
-        </p:nvSpPr>
-        <p:spPr/>
-        <p:txBody>
-          <a:bodyPr/>
-          <a:lstStyle/>
-          <a:p>
-            <a:r>
-              <a:rPr lang="en-US" dirty="0" smtClean="0"/>
-              <a:t>Senior </a:t>
-            </a:r>
-            <a:r>
-              <a:rPr lang="en-US" dirty="0" err="1" smtClean="0"/>
-              <a:t>.Net</a:t>
-            </a:r>
-            <a:r>
-              <a:rPr lang="en-US" dirty="0" smtClean="0"/>
-              <a:t> developer in SKB-</a:t>
-            </a:r>
-            <a:r>
-              <a:rPr lang="en-US" dirty="0" err="1" smtClean="0"/>
-              <a:t>Kontur</a:t>
-            </a:r>
-            <a:endParaRPr lang="en-US" dirty="0"/>
-          </a:p>
-        </p:txBody>
-      </p:sp>
-      <p:pic>
-        <p:nvPicPr>
-          <p:cNvPr id="6" name="Рисунок 5"/>
-          <p:cNvPicPr>
-            <a:picLocks noGrp="1" noChangeAspect="1"/>
-          </p:cNvPicPr>
-          <p:nvPr>
-            <p:ph type="pic" sz="quarter" idx="14"/>
-          </p:nvPr>
-        </p:nvPicPr>
-        <p:blipFill>
-          <a:blip r:embed="rId2" cstate="print">
-            <a:extLst>
-              <a:ext uri="{28A0092B-C50C-407E-A947-70E740481C1C}">
-                <a14:useLocalDpi xmlns:a14="http://schemas.microsoft.com/office/drawing/2010/main" val="0"/>
-              </a:ext>
-            </a:extLst>
-          </a:blip>
-          <a:srcRect t="16812" b="16812"/>
-          <a:stretch>
-            <a:fillRect/>
-          </a:stretch>
-        </p:blipFill>
-        <p:spPr/>
-      </p:pic>
-    </p:spTree>
-    <p:extLst>
-      <p:ext uri="{BB962C8B-B14F-4D97-AF65-F5344CB8AC3E}">
-        <p14:creationId xmlns:p14="http://schemas.microsoft.com/office/powerpoint/2010/main" val="3695662040"/>
-      </p:ext>
-    </p:extLst>
-  </p:cSld>
-  <p:clrMapOvr>
-    <a:masterClrMapping/>
-  </p:clrMapOvr>
-  <p:timing>
-    <p:tnLst>
-      <p:par>
-        <p:cTn id="1" dur="indefinite" restart="never" nodeType="tmRoot"/>
-      </p:par>
-    </p:tnLst>
-  </p:timing>
-</p:sld>
-</file>
-
-<file path=ppt/slides/slide20.xml><?xml version="1.0" encoding="utf-8"?>
+<file path=ppt/slides/slide22.xml><?xml version="1.0" encoding="utf-8"?>
 <p:sld xmlns:a="http://schemas.openxmlformats.org/drawingml/2006/main" xmlns:r="http://schemas.openxmlformats.org/officeDocument/2006/relationships" xmlns:p="http://schemas.openxmlformats.org/presentationml/2006/main">
   <p:cSld>
     <p:spTree>
@@ -29868,7 +30549,7 @@
 </p:sld>
 </file>
 
-<file path=ppt/slides/slide21.xml><?xml version="1.0" encoding="utf-8"?>
+<file path=ppt/slides/slide23.xml><?xml version="1.0" encoding="utf-8"?>
 <p:sld xmlns:a="http://schemas.openxmlformats.org/drawingml/2006/main" xmlns:r="http://schemas.openxmlformats.org/officeDocument/2006/relationships" xmlns:p="http://schemas.openxmlformats.org/presentationml/2006/main">
   <p:cSld>
     <p:spTree>
@@ -37185,7 +37866,7 @@
 </p:sld>
 </file>
 
-<file path=ppt/slides/slide22.xml><?xml version="1.0" encoding="utf-8"?>
+<file path=ppt/slides/slide24.xml><?xml version="1.0" encoding="utf-8"?>
 <p:sld xmlns:a="http://schemas.openxmlformats.org/drawingml/2006/main" xmlns:r="http://schemas.openxmlformats.org/officeDocument/2006/relationships" xmlns:p="http://schemas.openxmlformats.org/presentationml/2006/main">
   <p:cSld>
     <p:spTree>
@@ -37336,7 +38017,7 @@
 </p:sld>
 </file>
 
-<file path=ppt/slides/slide23.xml><?xml version="1.0" encoding="utf-8"?>
+<file path=ppt/slides/slide25.xml><?xml version="1.0" encoding="utf-8"?>
 <p:sld xmlns:a="http://schemas.openxmlformats.org/drawingml/2006/main" xmlns:r="http://schemas.openxmlformats.org/officeDocument/2006/relationships" xmlns:p="http://schemas.openxmlformats.org/presentationml/2006/main">
   <p:cSld>
     <p:spTree>
@@ -37393,292 +38074,6 @@
       </p:par>
     </p:tnLst>
   </p:timing>
-</p:sld>
-</file>
-
-<file path=ppt/slides/slide24.xml><?xml version="1.0" encoding="utf-8"?>
-<p:sld xmlns:a="http://schemas.openxmlformats.org/drawingml/2006/main" xmlns:r="http://schemas.openxmlformats.org/officeDocument/2006/relationships" xmlns:p="http://schemas.openxmlformats.org/presentationml/2006/main">
-  <p:cSld>
-    <p:spTree>
-      <p:nvGrpSpPr>
-        <p:cNvPr id="1" name=""/>
-        <p:cNvGrpSpPr/>
-        <p:nvPr/>
-      </p:nvGrpSpPr>
-      <p:grpSpPr>
-        <a:xfrm>
-          <a:off x="0" y="0"/>
-          <a:ext cx="0" cy="0"/>
-          <a:chOff x="0" y="0"/>
-          <a:chExt cx="0" cy="0"/>
-        </a:xfrm>
-      </p:grpSpPr>
-      <p:sp>
-        <p:nvSpPr>
-          <p:cNvPr id="3" name="Заголовок 2"/>
-          <p:cNvSpPr>
-            <a:spLocks noGrp="1"/>
-          </p:cNvSpPr>
-          <p:nvPr>
-            <p:ph type="title"/>
-          </p:nvPr>
-        </p:nvSpPr>
-        <p:spPr/>
-        <p:txBody>
-          <a:bodyPr/>
-          <a:lstStyle/>
-          <a:p>
-            <a:r>
-              <a:rPr lang="en-US" dirty="0" err="1" smtClean="0"/>
-              <a:t>ETO.Forms</a:t>
-            </a:r>
-            <a:r>
-              <a:rPr lang="en-US" dirty="0" smtClean="0"/>
-              <a:t> Pros &amp; Cons</a:t>
-            </a:r>
-            <a:endParaRPr lang="ru-RU" dirty="0"/>
-          </a:p>
-        </p:txBody>
-      </p:sp>
-      <p:sp>
-        <p:nvSpPr>
-          <p:cNvPr id="4" name="Объект 3"/>
-          <p:cNvSpPr>
-            <a:spLocks noGrp="1"/>
-          </p:cNvSpPr>
-          <p:nvPr>
-            <p:ph sz="quarter" idx="10"/>
-          </p:nvPr>
-        </p:nvSpPr>
-        <p:spPr/>
-        <p:txBody>
-          <a:bodyPr/>
-          <a:lstStyle/>
-          <a:p>
-            <a:r>
-              <a:rPr lang="en-US" dirty="0" smtClean="0"/>
-              <a:t>Very simple</a:t>
-            </a:r>
-          </a:p>
-          <a:p>
-            <a:r>
-              <a:rPr lang="en-US" dirty="0" smtClean="0"/>
-              <a:t>Good </a:t>
-            </a:r>
-            <a:r>
-              <a:rPr lang="en-US" dirty="0" err="1" smtClean="0"/>
-              <a:t>.Net</a:t>
-            </a:r>
-            <a:r>
-              <a:rPr lang="en-US" dirty="0" smtClean="0"/>
-              <a:t> UX (as </a:t>
-            </a:r>
-            <a:r>
-              <a:rPr lang="en-US" dirty="0" err="1" smtClean="0"/>
-              <a:t>WinForms</a:t>
-            </a:r>
-            <a:r>
-              <a:rPr lang="en-US" dirty="0" smtClean="0"/>
-              <a:t>)</a:t>
-            </a:r>
-          </a:p>
-          <a:p>
-            <a:r>
-              <a:rPr lang="en-US" dirty="0" smtClean="0"/>
-              <a:t>Contain all base widgets</a:t>
-            </a:r>
-          </a:p>
-          <a:p>
-            <a:pPr lvl="1"/>
-            <a:r>
-              <a:rPr lang="en-US" dirty="0" smtClean="0"/>
-              <a:t>Menu</a:t>
-            </a:r>
-          </a:p>
-          <a:p>
-            <a:pPr lvl="1"/>
-            <a:r>
-              <a:rPr lang="en-US" dirty="0" smtClean="0"/>
-              <a:t>Edit controls</a:t>
-            </a:r>
-          </a:p>
-          <a:p>
-            <a:pPr lvl="1"/>
-            <a:r>
-              <a:rPr lang="en-US" dirty="0" smtClean="0"/>
-              <a:t>Lists</a:t>
-            </a:r>
-            <a:endParaRPr lang="ru-RU" dirty="0"/>
-          </a:p>
-        </p:txBody>
-      </p:sp>
-      <p:sp>
-        <p:nvSpPr>
-          <p:cNvPr id="5" name="Текст 4"/>
-          <p:cNvSpPr>
-            <a:spLocks noGrp="1"/>
-          </p:cNvSpPr>
-          <p:nvPr>
-            <p:ph type="body" sz="quarter" idx="11"/>
-          </p:nvPr>
-        </p:nvSpPr>
-        <p:spPr/>
-        <p:txBody>
-          <a:bodyPr/>
-          <a:lstStyle/>
-          <a:p>
-            <a:r>
-              <a:rPr lang="en-US" dirty="0" smtClean="0"/>
-              <a:t>Pros</a:t>
-            </a:r>
-            <a:endParaRPr lang="ru-RU" dirty="0"/>
-          </a:p>
-        </p:txBody>
-      </p:sp>
-      <p:sp>
-        <p:nvSpPr>
-          <p:cNvPr id="6" name="Объект 5"/>
-          <p:cNvSpPr>
-            <a:spLocks noGrp="1"/>
-          </p:cNvSpPr>
-          <p:nvPr>
-            <p:ph sz="quarter" idx="12"/>
-          </p:nvPr>
-        </p:nvSpPr>
-        <p:spPr/>
-        <p:txBody>
-          <a:bodyPr/>
-          <a:lstStyle/>
-          <a:p>
-            <a:r>
-              <a:rPr lang="en-US" dirty="0" smtClean="0"/>
-              <a:t>One non commercial developer/supporter/maintainer</a:t>
-            </a:r>
-          </a:p>
-          <a:p>
-            <a:pPr lvl="1"/>
-            <a:r>
-              <a:rPr lang="en-US" dirty="0" smtClean="0"/>
-              <a:t>Slow progress</a:t>
-            </a:r>
-            <a:endParaRPr lang="en-US" dirty="0" smtClean="0"/>
-          </a:p>
-          <a:p>
-            <a:r>
-              <a:rPr lang="en-US" dirty="0" smtClean="0"/>
-              <a:t>Weak layouts</a:t>
-            </a:r>
-          </a:p>
-          <a:p>
-            <a:r>
-              <a:rPr lang="en-US" dirty="0" smtClean="0"/>
-              <a:t>Dependent on other GUI libraries</a:t>
-            </a:r>
-          </a:p>
-          <a:p>
-            <a:pPr lvl="1"/>
-            <a:r>
-              <a:rPr lang="en-US" dirty="0" smtClean="0"/>
-              <a:t>Can use only common features</a:t>
-            </a:r>
-            <a:endParaRPr lang="ru-RU" dirty="0"/>
-          </a:p>
-        </p:txBody>
-      </p:sp>
-      <p:sp>
-        <p:nvSpPr>
-          <p:cNvPr id="7" name="Текст 6"/>
-          <p:cNvSpPr>
-            <a:spLocks noGrp="1"/>
-          </p:cNvSpPr>
-          <p:nvPr>
-            <p:ph type="body" sz="quarter" idx="13"/>
-          </p:nvPr>
-        </p:nvSpPr>
-        <p:spPr/>
-        <p:txBody>
-          <a:bodyPr/>
-          <a:lstStyle/>
-          <a:p>
-            <a:r>
-              <a:rPr lang="en-US" dirty="0" smtClean="0"/>
-              <a:t>Cons</a:t>
-            </a:r>
-            <a:endParaRPr lang="ru-RU" dirty="0"/>
-          </a:p>
-        </p:txBody>
-      </p:sp>
-    </p:spTree>
-    <p:extLst>
-      <p:ext uri="{BB962C8B-B14F-4D97-AF65-F5344CB8AC3E}">
-        <p14:creationId xmlns:p14="http://schemas.microsoft.com/office/powerpoint/2010/main" val="109770543"/>
-      </p:ext>
-    </p:extLst>
-  </p:cSld>
-  <p:clrMapOvr>
-    <a:masterClrMapping/>
-  </p:clrMapOvr>
-</p:sld>
-</file>
-
-<file path=ppt/slides/slide25.xml><?xml version="1.0" encoding="utf-8"?>
-<p:sld xmlns:a="http://schemas.openxmlformats.org/drawingml/2006/main" xmlns:r="http://schemas.openxmlformats.org/officeDocument/2006/relationships" xmlns:p="http://schemas.openxmlformats.org/presentationml/2006/main" show="0">
-  <p:cSld>
-    <p:spTree>
-      <p:nvGrpSpPr>
-        <p:cNvPr id="1" name=""/>
-        <p:cNvGrpSpPr/>
-        <p:nvPr/>
-      </p:nvGrpSpPr>
-      <p:grpSpPr>
-        <a:xfrm>
-          <a:off x="0" y="0"/>
-          <a:ext cx="0" cy="0"/>
-          <a:chOff x="0" y="0"/>
-          <a:chExt cx="0" cy="0"/>
-        </a:xfrm>
-      </p:grpSpPr>
-      <p:sp>
-        <p:nvSpPr>
-          <p:cNvPr id="2" name="Заголовок 1"/>
-          <p:cNvSpPr>
-            <a:spLocks noGrp="1"/>
-          </p:cNvSpPr>
-          <p:nvPr>
-            <p:ph type="title"/>
-          </p:nvPr>
-        </p:nvSpPr>
-        <p:spPr/>
-        <p:txBody>
-          <a:bodyPr/>
-          <a:lstStyle/>
-          <a:p>
-            <a:r>
-              <a:rPr lang="en-US" dirty="0" smtClean="0"/>
-              <a:t>Avalonia</a:t>
-            </a:r>
-            <a:endParaRPr lang="ru-RU" dirty="0"/>
-          </a:p>
-        </p:txBody>
-      </p:sp>
-    </p:spTree>
-    <p:extLst>
-      <p:ext uri="{BB962C8B-B14F-4D97-AF65-F5344CB8AC3E}">
-        <p14:creationId xmlns:p14="http://schemas.microsoft.com/office/powerpoint/2010/main" val="3009376098"/>
-      </p:ext>
-    </p:extLst>
-  </p:cSld>
-  <p:clrMapOvr>
-    <a:masterClrMapping/>
-  </p:clrMapOvr>
-  <mc:AlternateContent xmlns:mc="http://schemas.openxmlformats.org/markup-compatibility/2006" xmlns:p14="http://schemas.microsoft.com/office/powerpoint/2010/main">
-    <mc:Choice Requires="p14">
-      <p:transition spd="slow" p14:dur="2000"/>
-    </mc:Choice>
-    <mc:Fallback xmlns="">
-      <p:transition spd="slow"/>
-    </mc:Fallback>
-  </mc:AlternateContent>
 </p:sld>
 </file>
 
@@ -37715,6 +38110,291 @@
           <a:lstStyle/>
           <a:p>
             <a:r>
+              <a:rPr lang="en-US" dirty="0" err="1" smtClean="0"/>
+              <a:t>ETO.Forms</a:t>
+            </a:r>
+            <a:r>
+              <a:rPr lang="en-US" dirty="0" smtClean="0"/>
+              <a:t> Pros &amp; Cons</a:t>
+            </a:r>
+            <a:endParaRPr lang="ru-RU" dirty="0"/>
+          </a:p>
+        </p:txBody>
+      </p:sp>
+      <p:sp>
+        <p:nvSpPr>
+          <p:cNvPr id="4" name="Объект 3"/>
+          <p:cNvSpPr>
+            <a:spLocks noGrp="1"/>
+          </p:cNvSpPr>
+          <p:nvPr>
+            <p:ph sz="quarter" idx="10"/>
+          </p:nvPr>
+        </p:nvSpPr>
+        <p:spPr/>
+        <p:txBody>
+          <a:bodyPr/>
+          <a:lstStyle/>
+          <a:p>
+            <a:r>
+              <a:rPr lang="en-US" dirty="0" smtClean="0"/>
+              <a:t>Very simple</a:t>
+            </a:r>
+          </a:p>
+          <a:p>
+            <a:r>
+              <a:rPr lang="en-US" dirty="0" smtClean="0"/>
+              <a:t>Good </a:t>
+            </a:r>
+            <a:r>
+              <a:rPr lang="en-US" dirty="0" err="1" smtClean="0"/>
+              <a:t>.Net</a:t>
+            </a:r>
+            <a:r>
+              <a:rPr lang="en-US" dirty="0" smtClean="0"/>
+              <a:t> UX (as </a:t>
+            </a:r>
+            <a:r>
+              <a:rPr lang="en-US" dirty="0" err="1" smtClean="0"/>
+              <a:t>WinForms</a:t>
+            </a:r>
+            <a:r>
+              <a:rPr lang="en-US" dirty="0" smtClean="0"/>
+              <a:t>)</a:t>
+            </a:r>
+          </a:p>
+          <a:p>
+            <a:r>
+              <a:rPr lang="en-US" dirty="0" smtClean="0"/>
+              <a:t>Contain all base widgets</a:t>
+            </a:r>
+          </a:p>
+          <a:p>
+            <a:pPr lvl="1"/>
+            <a:r>
+              <a:rPr lang="en-US" dirty="0" smtClean="0"/>
+              <a:t>Menu</a:t>
+            </a:r>
+          </a:p>
+          <a:p>
+            <a:pPr lvl="1"/>
+            <a:r>
+              <a:rPr lang="en-US" dirty="0" smtClean="0"/>
+              <a:t>Edit controls</a:t>
+            </a:r>
+          </a:p>
+          <a:p>
+            <a:pPr lvl="1"/>
+            <a:r>
+              <a:rPr lang="en-US" dirty="0" smtClean="0"/>
+              <a:t>Lists</a:t>
+            </a:r>
+            <a:endParaRPr lang="ru-RU" dirty="0"/>
+          </a:p>
+        </p:txBody>
+      </p:sp>
+      <p:sp>
+        <p:nvSpPr>
+          <p:cNvPr id="5" name="Текст 4"/>
+          <p:cNvSpPr>
+            <a:spLocks noGrp="1"/>
+          </p:cNvSpPr>
+          <p:nvPr>
+            <p:ph type="body" sz="quarter" idx="11"/>
+          </p:nvPr>
+        </p:nvSpPr>
+        <p:spPr/>
+        <p:txBody>
+          <a:bodyPr/>
+          <a:lstStyle/>
+          <a:p>
+            <a:r>
+              <a:rPr lang="en-US" dirty="0" smtClean="0"/>
+              <a:t>Pros</a:t>
+            </a:r>
+            <a:endParaRPr lang="ru-RU" dirty="0"/>
+          </a:p>
+        </p:txBody>
+      </p:sp>
+      <p:sp>
+        <p:nvSpPr>
+          <p:cNvPr id="6" name="Объект 5"/>
+          <p:cNvSpPr>
+            <a:spLocks noGrp="1"/>
+          </p:cNvSpPr>
+          <p:nvPr>
+            <p:ph sz="quarter" idx="12"/>
+          </p:nvPr>
+        </p:nvSpPr>
+        <p:spPr/>
+        <p:txBody>
+          <a:bodyPr/>
+          <a:lstStyle/>
+          <a:p>
+            <a:r>
+              <a:rPr lang="en-US" dirty="0" smtClean="0"/>
+              <a:t>One non commercial developer/supporter/maintainer</a:t>
+            </a:r>
+          </a:p>
+          <a:p>
+            <a:pPr lvl="1"/>
+            <a:r>
+              <a:rPr lang="en-US" dirty="0" smtClean="0"/>
+              <a:t>Slow progress</a:t>
+            </a:r>
+          </a:p>
+          <a:p>
+            <a:r>
+              <a:rPr lang="en-US" dirty="0" smtClean="0"/>
+              <a:t>Weak layouts</a:t>
+            </a:r>
+          </a:p>
+          <a:p>
+            <a:r>
+              <a:rPr lang="en-US" dirty="0" smtClean="0"/>
+              <a:t>Dependent on other GUI libraries</a:t>
+            </a:r>
+          </a:p>
+          <a:p>
+            <a:pPr lvl="1"/>
+            <a:r>
+              <a:rPr lang="en-US" dirty="0" smtClean="0"/>
+              <a:t>Can use only common features</a:t>
+            </a:r>
+            <a:endParaRPr lang="ru-RU" dirty="0"/>
+          </a:p>
+        </p:txBody>
+      </p:sp>
+      <p:sp>
+        <p:nvSpPr>
+          <p:cNvPr id="7" name="Текст 6"/>
+          <p:cNvSpPr>
+            <a:spLocks noGrp="1"/>
+          </p:cNvSpPr>
+          <p:nvPr>
+            <p:ph type="body" sz="quarter" idx="13"/>
+          </p:nvPr>
+        </p:nvSpPr>
+        <p:spPr/>
+        <p:txBody>
+          <a:bodyPr/>
+          <a:lstStyle/>
+          <a:p>
+            <a:r>
+              <a:rPr lang="en-US" dirty="0" smtClean="0"/>
+              <a:t>Cons</a:t>
+            </a:r>
+            <a:endParaRPr lang="ru-RU" dirty="0"/>
+          </a:p>
+        </p:txBody>
+      </p:sp>
+    </p:spTree>
+    <p:extLst>
+      <p:ext uri="{BB962C8B-B14F-4D97-AF65-F5344CB8AC3E}">
+        <p14:creationId xmlns:p14="http://schemas.microsoft.com/office/powerpoint/2010/main" val="109770543"/>
+      </p:ext>
+    </p:extLst>
+  </p:cSld>
+  <p:clrMapOvr>
+    <a:masterClrMapping/>
+  </p:clrMapOvr>
+</p:sld>
+</file>
+
+<file path=ppt/slides/slide27.xml><?xml version="1.0" encoding="utf-8"?>
+<p:sld xmlns:a="http://schemas.openxmlformats.org/drawingml/2006/main" xmlns:r="http://schemas.openxmlformats.org/officeDocument/2006/relationships" xmlns:p="http://schemas.openxmlformats.org/presentationml/2006/main" show="0">
+  <p:cSld>
+    <p:spTree>
+      <p:nvGrpSpPr>
+        <p:cNvPr id="1" name=""/>
+        <p:cNvGrpSpPr/>
+        <p:nvPr/>
+      </p:nvGrpSpPr>
+      <p:grpSpPr>
+        <a:xfrm>
+          <a:off x="0" y="0"/>
+          <a:ext cx="0" cy="0"/>
+          <a:chOff x="0" y="0"/>
+          <a:chExt cx="0" cy="0"/>
+        </a:xfrm>
+      </p:grpSpPr>
+      <p:sp>
+        <p:nvSpPr>
+          <p:cNvPr id="2" name="Заголовок 1"/>
+          <p:cNvSpPr>
+            <a:spLocks noGrp="1"/>
+          </p:cNvSpPr>
+          <p:nvPr>
+            <p:ph type="title"/>
+          </p:nvPr>
+        </p:nvSpPr>
+        <p:spPr/>
+        <p:txBody>
+          <a:bodyPr/>
+          <a:lstStyle/>
+          <a:p>
+            <a:r>
+              <a:rPr lang="en-US" dirty="0" smtClean="0"/>
+              <a:t>Avalonia</a:t>
+            </a:r>
+            <a:endParaRPr lang="ru-RU" dirty="0"/>
+          </a:p>
+        </p:txBody>
+      </p:sp>
+    </p:spTree>
+    <p:extLst>
+      <p:ext uri="{BB962C8B-B14F-4D97-AF65-F5344CB8AC3E}">
+        <p14:creationId xmlns:p14="http://schemas.microsoft.com/office/powerpoint/2010/main" val="3009376098"/>
+      </p:ext>
+    </p:extLst>
+  </p:cSld>
+  <p:clrMapOvr>
+    <a:masterClrMapping/>
+  </p:clrMapOvr>
+  <mc:AlternateContent xmlns:mc="http://schemas.openxmlformats.org/markup-compatibility/2006" xmlns:p14="http://schemas.microsoft.com/office/powerpoint/2010/main">
+    <mc:Choice Requires="p14">
+      <p:transition spd="slow" p14:dur="2000"/>
+    </mc:Choice>
+    <mc:Fallback xmlns="">
+      <p:transition spd="slow"/>
+    </mc:Fallback>
+  </mc:AlternateContent>
+</p:sld>
+</file>
+
+<file path=ppt/slides/slide28.xml><?xml version="1.0" encoding="utf-8"?>
+<p:sld xmlns:a="http://schemas.openxmlformats.org/drawingml/2006/main" xmlns:r="http://schemas.openxmlformats.org/officeDocument/2006/relationships" xmlns:p="http://schemas.openxmlformats.org/presentationml/2006/main">
+  <p:cSld>
+    <p:spTree>
+      <p:nvGrpSpPr>
+        <p:cNvPr id="1" name=""/>
+        <p:cNvGrpSpPr/>
+        <p:nvPr/>
+      </p:nvGrpSpPr>
+      <p:grpSpPr>
+        <a:xfrm>
+          <a:off x="0" y="0"/>
+          <a:ext cx="0" cy="0"/>
+          <a:chOff x="0" y="0"/>
+          <a:chExt cx="0" cy="0"/>
+        </a:xfrm>
+      </p:grpSpPr>
+      <p:sp>
+        <p:nvSpPr>
+          <p:cNvPr id="3" name="Заголовок 2"/>
+          <p:cNvSpPr>
+            <a:spLocks noGrp="1"/>
+          </p:cNvSpPr>
+          <p:nvPr>
+            <p:ph type="title"/>
+          </p:nvPr>
+        </p:nvSpPr>
+        <p:spPr/>
+        <p:txBody>
+          <a:bodyPr/>
+          <a:lstStyle/>
+          <a:p>
+            <a:r>
               <a:rPr lang="en-US" dirty="0" smtClean="0"/>
               <a:t>HTML/CSS-based frameworks</a:t>
             </a:r>
@@ -37735,7 +38415,7 @@
 </p:sld>
 </file>
 
-<file path=ppt/slides/slide27.xml><?xml version="1.0" encoding="utf-8"?>
+<file path=ppt/slides/slide29.xml><?xml version="1.0" encoding="utf-8"?>
 <p:sld xmlns:a="http://schemas.openxmlformats.org/drawingml/2006/main" xmlns:r="http://schemas.openxmlformats.org/officeDocument/2006/relationships" xmlns:p="http://schemas.openxmlformats.org/presentationml/2006/main">
   <p:cSld>
     <p:spTree>
@@ -38077,7 +38757,447 @@
 </p:sld>
 </file>
 
-<file path=ppt/slides/slide28.xml><?xml version="1.0" encoding="utf-8"?>
+<file path=ppt/slides/slide3.xml><?xml version="1.0" encoding="utf-8"?>
+<p:sld xmlns:a="http://schemas.openxmlformats.org/drawingml/2006/main" xmlns:r="http://schemas.openxmlformats.org/officeDocument/2006/relationships" xmlns:p="http://schemas.openxmlformats.org/presentationml/2006/main">
+  <p:cSld>
+    <p:spTree>
+      <p:nvGrpSpPr>
+        <p:cNvPr id="1" name=""/>
+        <p:cNvGrpSpPr/>
+        <p:nvPr/>
+      </p:nvGrpSpPr>
+      <p:grpSpPr>
+        <a:xfrm>
+          <a:off x="0" y="0"/>
+          <a:ext cx="0" cy="0"/>
+          <a:chOff x="0" y="0"/>
+          <a:chExt cx="0" cy="0"/>
+        </a:xfrm>
+      </p:grpSpPr>
+      <p:sp>
+        <p:nvSpPr>
+          <p:cNvPr id="7" name="Прямоугольник 6"/>
+          <p:cNvSpPr/>
+          <p:nvPr/>
+        </p:nvSpPr>
+        <p:spPr>
+          <a:xfrm>
+            <a:off x="1786077" y="535391"/>
+            <a:ext cx="5571846" cy="1107996"/>
+          </a:xfrm>
+          <a:prstGeom prst="rect">
+            <a:avLst/>
+          </a:prstGeom>
+        </p:spPr>
+        <p:txBody>
+          <a:bodyPr wrap="none">
+            <a:spAutoFit/>
+          </a:bodyPr>
+          <a:lstStyle/>
+          <a:p>
+            <a:r>
+              <a:rPr lang="en-US" sz="6600" b="1" dirty="0" smtClean="0"/>
+              <a:t>Cross-platform </a:t>
+            </a:r>
+            <a:endParaRPr lang="ru-RU" sz="6600" b="1" dirty="0"/>
+          </a:p>
+        </p:txBody>
+      </p:sp>
+      <p:sp>
+        <p:nvSpPr>
+          <p:cNvPr id="8" name="Прямоугольник 7"/>
+          <p:cNvSpPr/>
+          <p:nvPr/>
+        </p:nvSpPr>
+        <p:spPr>
+          <a:xfrm>
+            <a:off x="2977429" y="1833010"/>
+            <a:ext cx="3189143" cy="1107996"/>
+          </a:xfrm>
+          <a:prstGeom prst="rect">
+            <a:avLst/>
+          </a:prstGeom>
+        </p:spPr>
+        <p:txBody>
+          <a:bodyPr wrap="none">
+            <a:spAutoFit/>
+          </a:bodyPr>
+          <a:lstStyle/>
+          <a:p>
+            <a:r>
+              <a:rPr lang="en-US" sz="6600" b="1" dirty="0" smtClean="0"/>
+              <a:t>desktop </a:t>
+            </a:r>
+            <a:endParaRPr lang="ru-RU" sz="6600" b="1" dirty="0"/>
+          </a:p>
+        </p:txBody>
+      </p:sp>
+      <p:sp>
+        <p:nvSpPr>
+          <p:cNvPr id="9" name="Прямоугольник 8"/>
+          <p:cNvSpPr/>
+          <p:nvPr/>
+        </p:nvSpPr>
+        <p:spPr>
+          <a:xfrm>
+            <a:off x="3208967" y="3130629"/>
+            <a:ext cx="2726067" cy="1107996"/>
+          </a:xfrm>
+          <a:prstGeom prst="rect">
+            <a:avLst/>
+          </a:prstGeom>
+        </p:spPr>
+        <p:txBody>
+          <a:bodyPr wrap="none">
+            <a:spAutoFit/>
+          </a:bodyPr>
+          <a:lstStyle/>
+          <a:p>
+            <a:r>
+              <a:rPr lang="en-US" sz="6600" b="1" dirty="0" smtClean="0"/>
+              <a:t>in </a:t>
+            </a:r>
+            <a:r>
+              <a:rPr lang="en-US" sz="6600" b="1" dirty="0" err="1" smtClean="0"/>
+              <a:t>.Net</a:t>
+            </a:r>
+            <a:r>
+              <a:rPr lang="en-US" sz="6600" b="1" dirty="0" smtClean="0"/>
+              <a:t> </a:t>
+            </a:r>
+            <a:endParaRPr lang="ru-RU" sz="6600" b="1" dirty="0"/>
+          </a:p>
+        </p:txBody>
+      </p:sp>
+      <p:sp>
+        <p:nvSpPr>
+          <p:cNvPr id="14" name="Прямоугольник 13"/>
+          <p:cNvSpPr/>
+          <p:nvPr/>
+        </p:nvSpPr>
+        <p:spPr>
+          <a:xfrm rot="20072340">
+            <a:off x="6080180" y="2899796"/>
+            <a:ext cx="3092706" cy="1569660"/>
+          </a:xfrm>
+          <a:prstGeom prst="rect">
+            <a:avLst/>
+          </a:prstGeom>
+          <a:noFill/>
+        </p:spPr>
+        <p:txBody>
+          <a:bodyPr wrap="none" lIns="91440" tIns="45720" rIns="91440" bIns="45720">
+            <a:spAutoFit/>
+          </a:bodyPr>
+          <a:lstStyle/>
+          <a:p>
+            <a:pPr algn="ctr"/>
+            <a:r>
+              <a:rPr lang="en-US" sz="9600" b="1" dirty="0" smtClean="0">
+                <a:ln w="12700">
+                  <a:solidFill>
+                    <a:schemeClr val="accent3">
+                      <a:lumMod val="50000"/>
+                    </a:schemeClr>
+                  </a:solidFill>
+                  <a:prstDash val="solid"/>
+                </a:ln>
+                <a:pattFill prst="narHorz">
+                  <a:fgClr>
+                    <a:schemeClr val="accent3"/>
+                  </a:fgClr>
+                  <a:bgClr>
+                    <a:schemeClr val="accent3">
+                      <a:lumMod val="40000"/>
+                      <a:lumOff val="60000"/>
+                    </a:schemeClr>
+                  </a:bgClr>
+                </a:pattFill>
+                <a:effectLst>
+                  <a:innerShdw blurRad="177800">
+                    <a:schemeClr val="accent3">
+                      <a:lumMod val="50000"/>
+                    </a:schemeClr>
+                  </a:innerShdw>
+                </a:effectLst>
+              </a:rPr>
+              <a:t>Why?</a:t>
+            </a:r>
+            <a:endParaRPr lang="ru-RU" sz="9600" b="1" dirty="0">
+              <a:ln w="12700">
+                <a:solidFill>
+                  <a:schemeClr val="accent3">
+                    <a:lumMod val="50000"/>
+                  </a:schemeClr>
+                </a:solidFill>
+                <a:prstDash val="solid"/>
+              </a:ln>
+              <a:pattFill prst="narHorz">
+                <a:fgClr>
+                  <a:schemeClr val="accent3"/>
+                </a:fgClr>
+                <a:bgClr>
+                  <a:schemeClr val="accent3">
+                    <a:lumMod val="40000"/>
+                    <a:lumOff val="60000"/>
+                  </a:schemeClr>
+                </a:bgClr>
+              </a:pattFill>
+              <a:effectLst>
+                <a:innerShdw blurRad="177800">
+                  <a:schemeClr val="accent3">
+                    <a:lumMod val="50000"/>
+                  </a:schemeClr>
+                </a:innerShdw>
+              </a:effectLst>
+            </a:endParaRPr>
+          </a:p>
+        </p:txBody>
+      </p:sp>
+    </p:spTree>
+    <p:extLst>
+      <p:ext uri="{BB962C8B-B14F-4D97-AF65-F5344CB8AC3E}">
+        <p14:creationId xmlns:p14="http://schemas.microsoft.com/office/powerpoint/2010/main" val="310519185"/>
+      </p:ext>
+    </p:extLst>
+  </p:cSld>
+  <p:clrMapOvr>
+    <a:masterClrMapping/>
+  </p:clrMapOvr>
+  <p:timing>
+    <p:tnLst>
+      <p:par>
+        <p:cTn id="1" dur="indefinite" restart="never" nodeType="tmRoot">
+          <p:childTnLst>
+            <p:seq concurrent="1" nextAc="seek">
+              <p:cTn id="2" dur="indefinite" nodeType="mainSeq">
+                <p:childTnLst>
+                  <p:par>
+                    <p:cTn id="3" fill="hold">
+                      <p:stCondLst>
+                        <p:cond delay="indefinite"/>
+                      </p:stCondLst>
+                      <p:childTnLst>
+                        <p:par>
+                          <p:cTn id="4" fill="hold">
+                            <p:stCondLst>
+                              <p:cond delay="0"/>
+                            </p:stCondLst>
+                            <p:childTnLst>
+                              <p:par>
+                                <p:cTn id="5" presetID="10" presetClass="entr" presetSubtype="0" fill="hold" grpId="0" nodeType="clickEffect">
+                                  <p:stCondLst>
+                                    <p:cond delay="0"/>
+                                  </p:stCondLst>
+                                  <p:childTnLst>
+                                    <p:set>
+                                      <p:cBhvr>
+                                        <p:cTn id="6" dur="1" fill="hold">
+                                          <p:stCondLst>
+                                            <p:cond delay="0"/>
+                                          </p:stCondLst>
+                                        </p:cTn>
+                                        <p:tgtEl>
+                                          <p:spTgt spid="7"/>
+                                        </p:tgtEl>
+                                        <p:attrNameLst>
+                                          <p:attrName>style.visibility</p:attrName>
+                                        </p:attrNameLst>
+                                      </p:cBhvr>
+                                      <p:to>
+                                        <p:strVal val="visible"/>
+                                      </p:to>
+                                    </p:set>
+                                    <p:animEffect transition="in" filter="fade">
+                                      <p:cBhvr>
+                                        <p:cTn id="7" dur="500"/>
+                                        <p:tgtEl>
+                                          <p:spTgt spid="7"/>
+                                        </p:tgtEl>
+                                      </p:cBhvr>
+                                    </p:animEffect>
+                                  </p:childTnLst>
+                                </p:cTn>
+                              </p:par>
+                            </p:childTnLst>
+                          </p:cTn>
+                        </p:par>
+                        <p:par>
+                          <p:cTn id="8" fill="hold">
+                            <p:stCondLst>
+                              <p:cond delay="500"/>
+                            </p:stCondLst>
+                            <p:childTnLst>
+                              <p:par>
+                                <p:cTn id="9" presetID="10" presetClass="entr" presetSubtype="0" fill="hold" grpId="0" nodeType="afterEffect">
+                                  <p:stCondLst>
+                                    <p:cond delay="750"/>
+                                  </p:stCondLst>
+                                  <p:childTnLst>
+                                    <p:set>
+                                      <p:cBhvr>
+                                        <p:cTn id="10" dur="1" fill="hold">
+                                          <p:stCondLst>
+                                            <p:cond delay="0"/>
+                                          </p:stCondLst>
+                                        </p:cTn>
+                                        <p:tgtEl>
+                                          <p:spTgt spid="8"/>
+                                        </p:tgtEl>
+                                        <p:attrNameLst>
+                                          <p:attrName>style.visibility</p:attrName>
+                                        </p:attrNameLst>
+                                      </p:cBhvr>
+                                      <p:to>
+                                        <p:strVal val="visible"/>
+                                      </p:to>
+                                    </p:set>
+                                    <p:animEffect transition="in" filter="fade">
+                                      <p:cBhvr>
+                                        <p:cTn id="11" dur="500"/>
+                                        <p:tgtEl>
+                                          <p:spTgt spid="8"/>
+                                        </p:tgtEl>
+                                      </p:cBhvr>
+                                    </p:animEffect>
+                                  </p:childTnLst>
+                                </p:cTn>
+                              </p:par>
+                            </p:childTnLst>
+                          </p:cTn>
+                        </p:par>
+                        <p:par>
+                          <p:cTn id="12" fill="hold">
+                            <p:stCondLst>
+                              <p:cond delay="1750"/>
+                            </p:stCondLst>
+                            <p:childTnLst>
+                              <p:par>
+                                <p:cTn id="13" presetID="10" presetClass="entr" presetSubtype="0" fill="hold" grpId="0" nodeType="afterEffect">
+                                  <p:stCondLst>
+                                    <p:cond delay="750"/>
+                                  </p:stCondLst>
+                                  <p:childTnLst>
+                                    <p:set>
+                                      <p:cBhvr>
+                                        <p:cTn id="14" dur="1" fill="hold">
+                                          <p:stCondLst>
+                                            <p:cond delay="0"/>
+                                          </p:stCondLst>
+                                        </p:cTn>
+                                        <p:tgtEl>
+                                          <p:spTgt spid="9"/>
+                                        </p:tgtEl>
+                                        <p:attrNameLst>
+                                          <p:attrName>style.visibility</p:attrName>
+                                        </p:attrNameLst>
+                                      </p:cBhvr>
+                                      <p:to>
+                                        <p:strVal val="visible"/>
+                                      </p:to>
+                                    </p:set>
+                                    <p:animEffect transition="in" filter="fade">
+                                      <p:cBhvr>
+                                        <p:cTn id="15" dur="500"/>
+                                        <p:tgtEl>
+                                          <p:spTgt spid="9"/>
+                                        </p:tgtEl>
+                                      </p:cBhvr>
+                                    </p:animEffect>
+                                  </p:childTnLst>
+                                </p:cTn>
+                              </p:par>
+                            </p:childTnLst>
+                          </p:cTn>
+                        </p:par>
+                      </p:childTnLst>
+                    </p:cTn>
+                  </p:par>
+                  <p:par>
+                    <p:cTn id="16" fill="hold">
+                      <p:stCondLst>
+                        <p:cond delay="indefinite"/>
+                      </p:stCondLst>
+                      <p:childTnLst>
+                        <p:par>
+                          <p:cTn id="17" fill="hold">
+                            <p:stCondLst>
+                              <p:cond delay="0"/>
+                            </p:stCondLst>
+                            <p:childTnLst>
+                              <p:par>
+                                <p:cTn id="18" presetID="10" presetClass="entr" presetSubtype="0" fill="hold" grpId="0" nodeType="clickEffect">
+                                  <p:stCondLst>
+                                    <p:cond delay="0"/>
+                                  </p:stCondLst>
+                                  <p:childTnLst>
+                                    <p:set>
+                                      <p:cBhvr>
+                                        <p:cTn id="19" dur="1" fill="hold">
+                                          <p:stCondLst>
+                                            <p:cond delay="0"/>
+                                          </p:stCondLst>
+                                        </p:cTn>
+                                        <p:tgtEl>
+                                          <p:spTgt spid="14"/>
+                                        </p:tgtEl>
+                                        <p:attrNameLst>
+                                          <p:attrName>style.visibility</p:attrName>
+                                        </p:attrNameLst>
+                                      </p:cBhvr>
+                                      <p:to>
+                                        <p:strVal val="visible"/>
+                                      </p:to>
+                                    </p:set>
+                                    <p:animEffect transition="in" filter="fade">
+                                      <p:cBhvr>
+                                        <p:cTn id="20" dur="500"/>
+                                        <p:tgtEl>
+                                          <p:spTgt spid="14"/>
+                                        </p:tgtEl>
+                                      </p:cBhvr>
+                                    </p:animEffect>
+                                  </p:childTnLst>
+                                </p:cTn>
+                              </p:par>
+                            </p:childTnLst>
+                          </p:cTn>
+                        </p:par>
+                      </p:childTnLst>
+                    </p:cTn>
+                  </p:par>
+                </p:childTnLst>
+              </p:cTn>
+              <p:prevCondLst>
+                <p:cond evt="onPrev" delay="0">
+                  <p:tgtEl>
+                    <p:sldTgt/>
+                  </p:tgtEl>
+                </p:cond>
+              </p:prevCondLst>
+              <p:nextCondLst>
+                <p:cond evt="onNext" delay="0">
+                  <p:tgtEl>
+                    <p:sldTgt/>
+                  </p:tgtEl>
+                </p:cond>
+              </p:nextCondLst>
+            </p:seq>
+          </p:childTnLst>
+        </p:cTn>
+      </p:par>
+    </p:tnLst>
+    <p:bldLst>
+      <p:bldP spid="7" grpId="0"/>
+      <p:bldP spid="8" grpId="0"/>
+      <p:bldP spid="9" grpId="0"/>
+      <p:bldP spid="14" grpId="0"/>
+    </p:bldLst>
+  </p:timing>
+</p:sld>
+</file>
+
+<file path=ppt/slides/slide30.xml><?xml version="1.0" encoding="utf-8"?>
 <p:sld xmlns:a="http://schemas.openxmlformats.org/drawingml/2006/main" xmlns:r="http://schemas.openxmlformats.org/officeDocument/2006/relationships" xmlns:p="http://schemas.openxmlformats.org/presentationml/2006/main">
   <p:cSld>
     <p:spTree>
@@ -38384,7 +39504,7 @@
 </p:sld>
 </file>
 
-<file path=ppt/slides/slide29.xml><?xml version="1.0" encoding="utf-8"?>
+<file path=ppt/slides/slide31.xml><?xml version="1.0" encoding="utf-8"?>
 <p:sld xmlns:a="http://schemas.openxmlformats.org/drawingml/2006/main" xmlns:r="http://schemas.openxmlformats.org/officeDocument/2006/relationships" xmlns:p="http://schemas.openxmlformats.org/presentationml/2006/main">
   <p:cSld>
     <p:spTree>
@@ -38962,7 +40082,773 @@
 </p:sld>
 </file>
 
-<file path=ppt/slides/slide3.xml><?xml version="1.0" encoding="utf-8"?>
+<file path=ppt/slides/slide32.xml><?xml version="1.0" encoding="utf-8"?>
+<p:sld xmlns:a="http://schemas.openxmlformats.org/drawingml/2006/main" xmlns:r="http://schemas.openxmlformats.org/officeDocument/2006/relationships" xmlns:p="http://schemas.openxmlformats.org/presentationml/2006/main">
+  <p:cSld>
+    <p:spTree>
+      <p:nvGrpSpPr>
+        <p:cNvPr id="1" name=""/>
+        <p:cNvGrpSpPr/>
+        <p:nvPr/>
+      </p:nvGrpSpPr>
+      <p:grpSpPr>
+        <a:xfrm>
+          <a:off x="0" y="0"/>
+          <a:ext cx="0" cy="0"/>
+          <a:chOff x="0" y="0"/>
+          <a:chExt cx="0" cy="0"/>
+        </a:xfrm>
+      </p:grpSpPr>
+      <p:sp>
+        <p:nvSpPr>
+          <p:cNvPr id="2" name="Заголовок 1"/>
+          <p:cNvSpPr>
+            <a:spLocks noGrp="1"/>
+          </p:cNvSpPr>
+          <p:nvPr>
+            <p:ph type="title"/>
+          </p:nvPr>
+        </p:nvSpPr>
+        <p:spPr/>
+        <p:txBody>
+          <a:bodyPr/>
+          <a:lstStyle/>
+          <a:p>
+            <a:r>
+              <a:rPr lang="en-US" dirty="0" smtClean="0"/>
+              <a:t>DEVELOPMENT</a:t>
+            </a:r>
+            <a:endParaRPr lang="ru-RU" dirty="0"/>
+          </a:p>
+        </p:txBody>
+      </p:sp>
+      <p:sp>
+        <p:nvSpPr>
+          <p:cNvPr id="3" name="Объект 2"/>
+          <p:cNvSpPr>
+            <a:spLocks noGrp="1"/>
+          </p:cNvSpPr>
+          <p:nvPr>
+            <p:ph sz="quarter" idx="10"/>
+          </p:nvPr>
+        </p:nvSpPr>
+        <p:spPr/>
+        <p:txBody>
+          <a:bodyPr/>
+          <a:lstStyle/>
+          <a:p>
+            <a:r>
+              <a:rPr lang="en-US" dirty="0" smtClean="0"/>
+              <a:t>Any frontend and </a:t>
+            </a:r>
+            <a:r>
+              <a:rPr lang="en-US" dirty="0" err="1" smtClean="0"/>
+              <a:t>NodeJS</a:t>
+            </a:r>
+            <a:r>
+              <a:rPr lang="en-US" dirty="0" smtClean="0"/>
+              <a:t> libraries</a:t>
+            </a:r>
+          </a:p>
+          <a:p>
+            <a:pPr lvl="1"/>
+            <a:r>
+              <a:rPr lang="en-US" dirty="0" smtClean="0"/>
+              <a:t>React</a:t>
+            </a:r>
+          </a:p>
+          <a:p>
+            <a:pPr lvl="1"/>
+            <a:r>
+              <a:rPr lang="en-US" dirty="0" smtClean="0"/>
+              <a:t>Angular</a:t>
+            </a:r>
+          </a:p>
+          <a:p>
+            <a:pPr lvl="1"/>
+            <a:r>
+              <a:rPr lang="en-US" dirty="0" smtClean="0"/>
+              <a:t>… </a:t>
+            </a:r>
+            <a:endParaRPr lang="ru-RU" dirty="0"/>
+          </a:p>
+        </p:txBody>
+      </p:sp>
+      <p:sp>
+        <p:nvSpPr>
+          <p:cNvPr id="4" name="Текст 3"/>
+          <p:cNvSpPr>
+            <a:spLocks noGrp="1"/>
+          </p:cNvSpPr>
+          <p:nvPr>
+            <p:ph type="body" sz="quarter" idx="11"/>
+          </p:nvPr>
+        </p:nvSpPr>
+        <p:spPr/>
+        <p:txBody>
+          <a:bodyPr/>
+          <a:lstStyle/>
+          <a:p>
+            <a:r>
+              <a:rPr lang="en-US" dirty="0" smtClean="0"/>
+              <a:t>“Frontend”</a:t>
+            </a:r>
+            <a:endParaRPr lang="ru-RU" dirty="0"/>
+          </a:p>
+        </p:txBody>
+      </p:sp>
+      <p:sp>
+        <p:nvSpPr>
+          <p:cNvPr id="5" name="Объект 4"/>
+          <p:cNvSpPr>
+            <a:spLocks noGrp="1"/>
+          </p:cNvSpPr>
+          <p:nvPr>
+            <p:ph sz="quarter" idx="12"/>
+          </p:nvPr>
+        </p:nvSpPr>
+        <p:spPr/>
+        <p:txBody>
+          <a:bodyPr/>
+          <a:lstStyle/>
+          <a:p>
+            <a:r>
+              <a:rPr lang="en-US" dirty="0" err="1" smtClean="0"/>
+              <a:t>.Net</a:t>
+            </a:r>
+            <a:r>
+              <a:rPr lang="en-US" dirty="0" smtClean="0"/>
+              <a:t> Core </a:t>
+            </a:r>
+          </a:p>
+          <a:p>
+            <a:pPr lvl="1"/>
+            <a:r>
+              <a:rPr lang="en-US" dirty="0" smtClean="0"/>
+              <a:t>MVC (API, Pages, … )</a:t>
+            </a:r>
+          </a:p>
+          <a:p>
+            <a:pPr lvl="1"/>
+            <a:r>
+              <a:rPr lang="en-US" dirty="0" smtClean="0"/>
+              <a:t>… </a:t>
+            </a:r>
+            <a:endParaRPr lang="ru-RU" dirty="0"/>
+          </a:p>
+        </p:txBody>
+      </p:sp>
+      <p:sp>
+        <p:nvSpPr>
+          <p:cNvPr id="6" name="Текст 5"/>
+          <p:cNvSpPr>
+            <a:spLocks noGrp="1"/>
+          </p:cNvSpPr>
+          <p:nvPr>
+            <p:ph type="body" sz="quarter" idx="13"/>
+          </p:nvPr>
+        </p:nvSpPr>
+        <p:spPr/>
+        <p:txBody>
+          <a:bodyPr/>
+          <a:lstStyle/>
+          <a:p>
+            <a:r>
+              <a:rPr lang="en-US" dirty="0" smtClean="0"/>
+              <a:t>“Backend”</a:t>
+            </a:r>
+            <a:endParaRPr lang="ru-RU" dirty="0"/>
+          </a:p>
+        </p:txBody>
+      </p:sp>
+    </p:spTree>
+    <p:extLst>
+      <p:ext uri="{BB962C8B-B14F-4D97-AF65-F5344CB8AC3E}">
+        <p14:creationId xmlns:p14="http://schemas.microsoft.com/office/powerpoint/2010/main" val="2718629126"/>
+      </p:ext>
+    </p:extLst>
+  </p:cSld>
+  <p:clrMapOvr>
+    <a:masterClrMapping/>
+  </p:clrMapOvr>
+</p:sld>
+</file>
+
+<file path=ppt/slides/slide33.xml><?xml version="1.0" encoding="utf-8"?>
+<p:sld xmlns:a="http://schemas.openxmlformats.org/drawingml/2006/main" xmlns:r="http://schemas.openxmlformats.org/officeDocument/2006/relationships" xmlns:p="http://schemas.openxmlformats.org/presentationml/2006/main">
+  <p:cSld>
+    <p:spTree>
+      <p:nvGrpSpPr>
+        <p:cNvPr id="1" name=""/>
+        <p:cNvGrpSpPr/>
+        <p:nvPr/>
+      </p:nvGrpSpPr>
+      <p:grpSpPr>
+        <a:xfrm>
+          <a:off x="0" y="0"/>
+          <a:ext cx="0" cy="0"/>
+          <a:chOff x="0" y="0"/>
+          <a:chExt cx="0" cy="0"/>
+        </a:xfrm>
+      </p:grpSpPr>
+      <p:sp>
+        <p:nvSpPr>
+          <p:cNvPr id="2" name="Заголовок 1"/>
+          <p:cNvSpPr>
+            <a:spLocks noGrp="1"/>
+          </p:cNvSpPr>
+          <p:nvPr>
+            <p:ph type="title"/>
+          </p:nvPr>
+        </p:nvSpPr>
+        <p:spPr/>
+        <p:txBody>
+          <a:bodyPr/>
+          <a:lstStyle/>
+          <a:p>
+            <a:r>
+              <a:rPr lang="en-US" dirty="0" smtClean="0"/>
+              <a:t>Demo</a:t>
+            </a:r>
+            <a:endParaRPr lang="ru-RU" dirty="0"/>
+          </a:p>
+        </p:txBody>
+      </p:sp>
+    </p:spTree>
+    <p:extLst>
+      <p:ext uri="{BB962C8B-B14F-4D97-AF65-F5344CB8AC3E}">
+        <p14:creationId xmlns:p14="http://schemas.microsoft.com/office/powerpoint/2010/main" val="193495667"/>
+      </p:ext>
+    </p:extLst>
+  </p:cSld>
+  <p:clrMapOvr>
+    <a:masterClrMapping/>
+  </p:clrMapOvr>
+  <p:timing>
+    <p:tnLst>
+      <p:par>
+        <p:cTn id="1" dur="indefinite" restart="never" nodeType="tmRoot"/>
+      </p:par>
+    </p:tnLst>
+  </p:timing>
+</p:sld>
+</file>
+
+<file path=ppt/slides/slide34.xml><?xml version="1.0" encoding="utf-8"?>
+<p:sld xmlns:a="http://schemas.openxmlformats.org/drawingml/2006/main" xmlns:r="http://schemas.openxmlformats.org/officeDocument/2006/relationships" xmlns:p="http://schemas.openxmlformats.org/presentationml/2006/main">
+  <p:cSld>
+    <p:spTree>
+      <p:nvGrpSpPr>
+        <p:cNvPr id="1" name=""/>
+        <p:cNvGrpSpPr/>
+        <p:nvPr/>
+      </p:nvGrpSpPr>
+      <p:grpSpPr>
+        <a:xfrm>
+          <a:off x="0" y="0"/>
+          <a:ext cx="0" cy="0"/>
+          <a:chOff x="0" y="0"/>
+          <a:chExt cx="0" cy="0"/>
+        </a:xfrm>
+      </p:grpSpPr>
+      <p:sp>
+        <p:nvSpPr>
+          <p:cNvPr id="3" name="Заголовок 2"/>
+          <p:cNvSpPr>
+            <a:spLocks noGrp="1"/>
+          </p:cNvSpPr>
+          <p:nvPr>
+            <p:ph type="title"/>
+          </p:nvPr>
+        </p:nvSpPr>
+        <p:spPr/>
+        <p:txBody>
+          <a:bodyPr/>
+          <a:lstStyle/>
+          <a:p>
+            <a:r>
+              <a:rPr lang="en-US" dirty="0" err="1" smtClean="0"/>
+              <a:t>Electron.Net</a:t>
+            </a:r>
+            <a:r>
+              <a:rPr lang="en-US" dirty="0" smtClean="0"/>
+              <a:t> Pros &amp; Cons</a:t>
+            </a:r>
+            <a:endParaRPr lang="ru-RU" dirty="0"/>
+          </a:p>
+        </p:txBody>
+      </p:sp>
+      <p:sp>
+        <p:nvSpPr>
+          <p:cNvPr id="4" name="Объект 3"/>
+          <p:cNvSpPr>
+            <a:spLocks noGrp="1"/>
+          </p:cNvSpPr>
+          <p:nvPr>
+            <p:ph sz="quarter" idx="10"/>
+          </p:nvPr>
+        </p:nvSpPr>
+        <p:spPr/>
+        <p:txBody>
+          <a:bodyPr/>
+          <a:lstStyle/>
+          <a:p>
+            <a:r>
+              <a:rPr lang="en-US" dirty="0" smtClean="0"/>
+              <a:t>Excellent dynamic (for Electron)</a:t>
+            </a:r>
+          </a:p>
+          <a:p>
+            <a:pPr lvl="1"/>
+            <a:r>
+              <a:rPr lang="en-US" dirty="0" smtClean="0"/>
+              <a:t>Atom</a:t>
+            </a:r>
+          </a:p>
+          <a:p>
+            <a:pPr lvl="1"/>
+            <a:r>
+              <a:rPr lang="en-US" dirty="0" smtClean="0"/>
+              <a:t>VS Code</a:t>
+            </a:r>
+          </a:p>
+          <a:p>
+            <a:pPr lvl="1"/>
+            <a:r>
+              <a:rPr lang="en-US" dirty="0" smtClean="0"/>
+              <a:t>…</a:t>
+            </a:r>
+          </a:p>
+          <a:p>
+            <a:r>
+              <a:rPr lang="en-US" dirty="0" smtClean="0"/>
+              <a:t>Sinergy of front and </a:t>
+            </a:r>
+            <a:r>
+              <a:rPr lang="en-US" dirty="0" err="1" smtClean="0"/>
+              <a:t>.Net</a:t>
+            </a:r>
+            <a:r>
+              <a:rPr lang="en-US" dirty="0" smtClean="0"/>
+              <a:t> back</a:t>
+            </a:r>
+          </a:p>
+          <a:p>
+            <a:r>
+              <a:rPr lang="en-US" dirty="0" smtClean="0"/>
+              <a:t>Easy migration for Web Apps</a:t>
+            </a:r>
+          </a:p>
+          <a:p>
+            <a:r>
+              <a:rPr lang="en-US" dirty="0" smtClean="0"/>
+              <a:t>Full development cycle for </a:t>
+            </a:r>
+            <a:r>
+              <a:rPr lang="en-US" dirty="0" err="1" smtClean="0"/>
+              <a:t>Electron.Net</a:t>
+            </a:r>
+            <a:r>
+              <a:rPr lang="en-US" dirty="0" smtClean="0"/>
+              <a:t> (from development to distributions)</a:t>
+            </a:r>
+            <a:endParaRPr lang="ru-RU" dirty="0"/>
+          </a:p>
+        </p:txBody>
+      </p:sp>
+      <p:sp>
+        <p:nvSpPr>
+          <p:cNvPr id="5" name="Текст 4"/>
+          <p:cNvSpPr>
+            <a:spLocks noGrp="1"/>
+          </p:cNvSpPr>
+          <p:nvPr>
+            <p:ph type="body" sz="quarter" idx="11"/>
+          </p:nvPr>
+        </p:nvSpPr>
+        <p:spPr/>
+        <p:txBody>
+          <a:bodyPr/>
+          <a:lstStyle/>
+          <a:p>
+            <a:r>
+              <a:rPr lang="en-US" dirty="0" smtClean="0"/>
+              <a:t>Pros</a:t>
+            </a:r>
+            <a:endParaRPr lang="ru-RU" dirty="0"/>
+          </a:p>
+        </p:txBody>
+      </p:sp>
+      <p:sp>
+        <p:nvSpPr>
+          <p:cNvPr id="6" name="Объект 5"/>
+          <p:cNvSpPr>
+            <a:spLocks noGrp="1"/>
+          </p:cNvSpPr>
+          <p:nvPr>
+            <p:ph sz="quarter" idx="12"/>
+          </p:nvPr>
+        </p:nvSpPr>
+        <p:spPr/>
+        <p:txBody>
+          <a:bodyPr/>
+          <a:lstStyle/>
+          <a:p>
+            <a:r>
+              <a:rPr lang="en-US" dirty="0" smtClean="0"/>
+              <a:t>Full-stack developer (or separated roles in development team: front and back)</a:t>
+            </a:r>
+          </a:p>
+          <a:p>
+            <a:r>
+              <a:rPr lang="en-US" dirty="0" smtClean="0"/>
+              <a:t>Big resource consumption (memory + CPU)</a:t>
+            </a:r>
+          </a:p>
+          <a:p>
+            <a:r>
+              <a:rPr lang="en-US" dirty="0" err="1" smtClean="0"/>
+              <a:t>Electron.Net</a:t>
+            </a:r>
+            <a:r>
+              <a:rPr lang="en-US" dirty="0" smtClean="0"/>
+              <a:t> slowly started in compare “pure” </a:t>
+            </a:r>
+            <a:r>
+              <a:rPr lang="en-US" dirty="0" err="1" smtClean="0"/>
+              <a:t>ElectronJS</a:t>
+            </a:r>
+            <a:endParaRPr lang="ru-RU" dirty="0"/>
+          </a:p>
+        </p:txBody>
+      </p:sp>
+      <p:sp>
+        <p:nvSpPr>
+          <p:cNvPr id="7" name="Текст 6"/>
+          <p:cNvSpPr>
+            <a:spLocks noGrp="1"/>
+          </p:cNvSpPr>
+          <p:nvPr>
+            <p:ph type="body" sz="quarter" idx="13"/>
+          </p:nvPr>
+        </p:nvSpPr>
+        <p:spPr/>
+        <p:txBody>
+          <a:bodyPr/>
+          <a:lstStyle/>
+          <a:p>
+            <a:r>
+              <a:rPr lang="en-US" dirty="0" smtClean="0"/>
+              <a:t>Cons</a:t>
+            </a:r>
+            <a:endParaRPr lang="ru-RU" dirty="0"/>
+          </a:p>
+        </p:txBody>
+      </p:sp>
+    </p:spTree>
+    <p:extLst>
+      <p:ext uri="{BB962C8B-B14F-4D97-AF65-F5344CB8AC3E}">
+        <p14:creationId xmlns:p14="http://schemas.microsoft.com/office/powerpoint/2010/main" val="1021680840"/>
+      </p:ext>
+    </p:extLst>
+  </p:cSld>
+  <p:clrMapOvr>
+    <a:masterClrMapping/>
+  </p:clrMapOvr>
+</p:sld>
+</file>
+
+<file path=ppt/slides/slide35.xml><?xml version="1.0" encoding="utf-8"?>
+<p:sld xmlns:a="http://schemas.openxmlformats.org/drawingml/2006/main" xmlns:r="http://schemas.openxmlformats.org/officeDocument/2006/relationships" xmlns:p="http://schemas.openxmlformats.org/presentationml/2006/main" show="0">
+  <p:cSld>
+    <p:spTree>
+      <p:nvGrpSpPr>
+        <p:cNvPr id="1" name=""/>
+        <p:cNvGrpSpPr/>
+        <p:nvPr/>
+      </p:nvGrpSpPr>
+      <p:grpSpPr>
+        <a:xfrm>
+          <a:off x="0" y="0"/>
+          <a:ext cx="0" cy="0"/>
+          <a:chOff x="0" y="0"/>
+          <a:chExt cx="0" cy="0"/>
+        </a:xfrm>
+      </p:grpSpPr>
+      <p:sp>
+        <p:nvSpPr>
+          <p:cNvPr id="2" name="Заголовок 1"/>
+          <p:cNvSpPr>
+            <a:spLocks noGrp="1"/>
+          </p:cNvSpPr>
+          <p:nvPr>
+            <p:ph type="title"/>
+          </p:nvPr>
+        </p:nvSpPr>
+        <p:spPr/>
+        <p:txBody>
+          <a:bodyPr/>
+          <a:lstStyle/>
+          <a:p>
+            <a:r>
+              <a:rPr lang="en-US" dirty="0" err="1" smtClean="0"/>
+              <a:t>Sciter</a:t>
+            </a:r>
+            <a:endParaRPr lang="ru-RU" dirty="0"/>
+          </a:p>
+        </p:txBody>
+      </p:sp>
+    </p:spTree>
+    <p:extLst>
+      <p:ext uri="{BB962C8B-B14F-4D97-AF65-F5344CB8AC3E}">
+        <p14:creationId xmlns:p14="http://schemas.microsoft.com/office/powerpoint/2010/main" val="1096656507"/>
+      </p:ext>
+    </p:extLst>
+  </p:cSld>
+  <p:clrMapOvr>
+    <a:masterClrMapping/>
+  </p:clrMapOvr>
+  <mc:AlternateContent xmlns:mc="http://schemas.openxmlformats.org/markup-compatibility/2006" xmlns:p14="http://schemas.microsoft.com/office/powerpoint/2010/main">
+    <mc:Choice Requires="p14">
+      <p:transition spd="slow" p14:dur="2000"/>
+    </mc:Choice>
+    <mc:Fallback xmlns="">
+      <p:transition spd="slow"/>
+    </mc:Fallback>
+  </mc:AlternateContent>
+</p:sld>
+</file>
+
+<file path=ppt/slides/slide36.xml><?xml version="1.0" encoding="utf-8"?>
+<p:sld xmlns:a="http://schemas.openxmlformats.org/drawingml/2006/main" xmlns:r="http://schemas.openxmlformats.org/officeDocument/2006/relationships" xmlns:p="http://schemas.openxmlformats.org/presentationml/2006/main" show="0">
+  <p:cSld>
+    <p:spTree>
+      <p:nvGrpSpPr>
+        <p:cNvPr id="1" name=""/>
+        <p:cNvGrpSpPr/>
+        <p:nvPr/>
+      </p:nvGrpSpPr>
+      <p:grpSpPr>
+        <a:xfrm>
+          <a:off x="0" y="0"/>
+          <a:ext cx="0" cy="0"/>
+          <a:chOff x="0" y="0"/>
+          <a:chExt cx="0" cy="0"/>
+        </a:xfrm>
+      </p:grpSpPr>
+      <p:sp>
+        <p:nvSpPr>
+          <p:cNvPr id="2" name="Заголовок 1"/>
+          <p:cNvSpPr>
+            <a:spLocks noGrp="1"/>
+          </p:cNvSpPr>
+          <p:nvPr>
+            <p:ph type="title"/>
+          </p:nvPr>
+        </p:nvSpPr>
+        <p:spPr/>
+        <p:txBody>
+          <a:bodyPr/>
+          <a:lstStyle/>
+          <a:p>
+            <a:r>
+              <a:rPr lang="en-US" dirty="0" err="1"/>
+              <a:t>SciterSharp</a:t>
+            </a:r>
+            <a:endParaRPr lang="ru-RU" dirty="0"/>
+          </a:p>
+        </p:txBody>
+      </p:sp>
+    </p:spTree>
+    <p:extLst>
+      <p:ext uri="{BB962C8B-B14F-4D97-AF65-F5344CB8AC3E}">
+        <p14:creationId xmlns:p14="http://schemas.microsoft.com/office/powerpoint/2010/main" val="2270255873"/>
+      </p:ext>
+    </p:extLst>
+  </p:cSld>
+  <p:clrMapOvr>
+    <a:masterClrMapping/>
+  </p:clrMapOvr>
+  <mc:AlternateContent xmlns:mc="http://schemas.openxmlformats.org/markup-compatibility/2006" xmlns:p14="http://schemas.microsoft.com/office/powerpoint/2010/main">
+    <mc:Choice Requires="p14">
+      <p:transition spd="slow" p14:dur="2000"/>
+    </mc:Choice>
+    <mc:Fallback xmlns="">
+      <p:transition spd="slow"/>
+    </mc:Fallback>
+  </mc:AlternateContent>
+</p:sld>
+</file>
+
+<file path=ppt/slides/slide37.xml><?xml version="1.0" encoding="utf-8"?>
+<p:sld xmlns:a="http://schemas.openxmlformats.org/drawingml/2006/main" xmlns:r="http://schemas.openxmlformats.org/officeDocument/2006/relationships" xmlns:p="http://schemas.openxmlformats.org/presentationml/2006/main">
+  <p:cSld>
+    <p:spTree>
+      <p:nvGrpSpPr>
+        <p:cNvPr id="1" name=""/>
+        <p:cNvGrpSpPr/>
+        <p:nvPr/>
+      </p:nvGrpSpPr>
+      <p:grpSpPr>
+        <a:xfrm>
+          <a:off x="0" y="0"/>
+          <a:ext cx="0" cy="0"/>
+          <a:chOff x="0" y="0"/>
+          <a:chExt cx="0" cy="0"/>
+        </a:xfrm>
+      </p:grpSpPr>
+      <p:sp>
+        <p:nvSpPr>
+          <p:cNvPr id="7" name="Title 6">
+            <a:extLst>
+              <a:ext uri="{FF2B5EF4-FFF2-40B4-BE49-F238E27FC236}">
+                <a16:creationId xmlns:a16="http://schemas.microsoft.com/office/drawing/2014/main" id="{3E0D6084-A18D-4C97-B4B5-7554ADD1DE4D}"/>
+              </a:ext>
+            </a:extLst>
+          </p:cNvPr>
+          <p:cNvSpPr>
+            <a:spLocks noGrp="1"/>
+          </p:cNvSpPr>
+          <p:nvPr>
+            <p:ph type="title"/>
+          </p:nvPr>
+        </p:nvSpPr>
+        <p:spPr/>
+        <p:txBody>
+          <a:bodyPr/>
+          <a:lstStyle/>
+          <a:p>
+            <a:r>
+              <a:rPr lang="en-US" dirty="0"/>
+              <a:t>Conclusions</a:t>
+            </a:r>
+          </a:p>
+        </p:txBody>
+      </p:sp>
+    </p:spTree>
+    <p:extLst>
+      <p:ext uri="{BB962C8B-B14F-4D97-AF65-F5344CB8AC3E}">
+        <p14:creationId xmlns:p14="http://schemas.microsoft.com/office/powerpoint/2010/main" val="1798980938"/>
+      </p:ext>
+    </p:extLst>
+  </p:cSld>
+  <p:clrMapOvr>
+    <a:masterClrMapping/>
+  </p:clrMapOvr>
+</p:sld>
+</file>
+
+<file path=ppt/slides/slide38.xml><?xml version="1.0" encoding="utf-8"?>
+<p:sld xmlns:a="http://schemas.openxmlformats.org/drawingml/2006/main" xmlns:r="http://schemas.openxmlformats.org/officeDocument/2006/relationships" xmlns:p="http://schemas.openxmlformats.org/presentationml/2006/main" show="0">
+  <p:cSld>
+    <p:spTree>
+      <p:nvGrpSpPr>
+        <p:cNvPr id="1" name=""/>
+        <p:cNvGrpSpPr/>
+        <p:nvPr/>
+      </p:nvGrpSpPr>
+      <p:grpSpPr>
+        <a:xfrm>
+          <a:off x="0" y="0"/>
+          <a:ext cx="0" cy="0"/>
+          <a:chOff x="0" y="0"/>
+          <a:chExt cx="0" cy="0"/>
+        </a:xfrm>
+      </p:grpSpPr>
+      <p:sp>
+        <p:nvSpPr>
+          <p:cNvPr id="3" name="Заголовок 2"/>
+          <p:cNvSpPr>
+            <a:spLocks noGrp="1"/>
+          </p:cNvSpPr>
+          <p:nvPr>
+            <p:ph type="title"/>
+          </p:nvPr>
+        </p:nvSpPr>
+        <p:spPr/>
+        <p:txBody>
+          <a:bodyPr/>
+          <a:lstStyle/>
+          <a:p>
+            <a:endParaRPr lang="ru-RU" dirty="0"/>
+          </a:p>
+        </p:txBody>
+      </p:sp>
+    </p:spTree>
+    <p:extLst>
+      <p:ext uri="{BB962C8B-B14F-4D97-AF65-F5344CB8AC3E}">
+        <p14:creationId xmlns:p14="http://schemas.microsoft.com/office/powerpoint/2010/main" val="3878214965"/>
+      </p:ext>
+    </p:extLst>
+  </p:cSld>
+  <p:clrMapOvr>
+    <a:masterClrMapping/>
+  </p:clrMapOvr>
+  <mc:AlternateContent xmlns:mc="http://schemas.openxmlformats.org/markup-compatibility/2006" xmlns:p14="http://schemas.microsoft.com/office/powerpoint/2010/main">
+    <mc:Choice Requires="p14">
+      <p:transition spd="slow" p14:dur="2000"/>
+    </mc:Choice>
+    <mc:Fallback xmlns="">
+      <p:transition spd="slow"/>
+    </mc:Fallback>
+  </mc:AlternateContent>
+</p:sld>
+</file>
+
+<file path=ppt/slides/slide39.xml><?xml version="1.0" encoding="utf-8"?>
+<p:sld xmlns:a="http://schemas.openxmlformats.org/drawingml/2006/main" xmlns:r="http://schemas.openxmlformats.org/officeDocument/2006/relationships" xmlns:p="http://schemas.openxmlformats.org/presentationml/2006/main">
+  <p:cSld>
+    <p:spTree>
+      <p:nvGrpSpPr>
+        <p:cNvPr id="1" name=""/>
+        <p:cNvGrpSpPr/>
+        <p:nvPr/>
+      </p:nvGrpSpPr>
+      <p:grpSpPr>
+        <a:xfrm>
+          <a:off x="0" y="0"/>
+          <a:ext cx="0" cy="0"/>
+          <a:chOff x="0" y="0"/>
+          <a:chExt cx="0" cy="0"/>
+        </a:xfrm>
+      </p:grpSpPr>
+      <p:sp>
+        <p:nvSpPr>
+          <p:cNvPr id="3" name="Заголовок 2"/>
+          <p:cNvSpPr>
+            <a:spLocks noGrp="1"/>
+          </p:cNvSpPr>
+          <p:nvPr>
+            <p:ph type="title"/>
+          </p:nvPr>
+        </p:nvSpPr>
+        <p:spPr/>
+        <p:txBody>
+          <a:bodyPr/>
+          <a:lstStyle/>
+          <a:p>
+            <a:r>
+              <a:rPr lang="en-US" dirty="0" smtClean="0"/>
+              <a:t>Your Questions…</a:t>
+            </a:r>
+            <a:endParaRPr lang="ru-RU" dirty="0"/>
+          </a:p>
+        </p:txBody>
+      </p:sp>
+    </p:spTree>
+    <p:extLst>
+      <p:ext uri="{BB962C8B-B14F-4D97-AF65-F5344CB8AC3E}">
+        <p14:creationId xmlns:p14="http://schemas.microsoft.com/office/powerpoint/2010/main" val="863776754"/>
+      </p:ext>
+    </p:extLst>
+  </p:cSld>
+  <p:clrMapOvr>
+    <a:masterClrMapping/>
+  </p:clrMapOvr>
+</p:sld>
+</file>
+
+<file path=ppt/slides/slide4.xml><?xml version="1.0" encoding="utf-8"?>
 <p:sld xmlns:a="http://schemas.openxmlformats.org/drawingml/2006/main" xmlns:r="http://schemas.openxmlformats.org/officeDocument/2006/relationships" xmlns:p="http://schemas.openxmlformats.org/presentationml/2006/main">
   <p:cSld>
     <p:spTree>
@@ -39531,773 +41417,7 @@
 </p:sld>
 </file>
 
-<file path=ppt/slides/slide30.xml><?xml version="1.0" encoding="utf-8"?>
-<p:sld xmlns:a="http://schemas.openxmlformats.org/drawingml/2006/main" xmlns:r="http://schemas.openxmlformats.org/officeDocument/2006/relationships" xmlns:p="http://schemas.openxmlformats.org/presentationml/2006/main">
-  <p:cSld>
-    <p:spTree>
-      <p:nvGrpSpPr>
-        <p:cNvPr id="1" name=""/>
-        <p:cNvGrpSpPr/>
-        <p:nvPr/>
-      </p:nvGrpSpPr>
-      <p:grpSpPr>
-        <a:xfrm>
-          <a:off x="0" y="0"/>
-          <a:ext cx="0" cy="0"/>
-          <a:chOff x="0" y="0"/>
-          <a:chExt cx="0" cy="0"/>
-        </a:xfrm>
-      </p:grpSpPr>
-      <p:sp>
-        <p:nvSpPr>
-          <p:cNvPr id="2" name="Заголовок 1"/>
-          <p:cNvSpPr>
-            <a:spLocks noGrp="1"/>
-          </p:cNvSpPr>
-          <p:nvPr>
-            <p:ph type="title"/>
-          </p:nvPr>
-        </p:nvSpPr>
-        <p:spPr/>
-        <p:txBody>
-          <a:bodyPr/>
-          <a:lstStyle/>
-          <a:p>
-            <a:r>
-              <a:rPr lang="en-US" dirty="0" smtClean="0"/>
-              <a:t>DEVELOPMENT</a:t>
-            </a:r>
-            <a:endParaRPr lang="ru-RU" dirty="0"/>
-          </a:p>
-        </p:txBody>
-      </p:sp>
-      <p:sp>
-        <p:nvSpPr>
-          <p:cNvPr id="3" name="Объект 2"/>
-          <p:cNvSpPr>
-            <a:spLocks noGrp="1"/>
-          </p:cNvSpPr>
-          <p:nvPr>
-            <p:ph sz="quarter" idx="10"/>
-          </p:nvPr>
-        </p:nvSpPr>
-        <p:spPr/>
-        <p:txBody>
-          <a:bodyPr/>
-          <a:lstStyle/>
-          <a:p>
-            <a:r>
-              <a:rPr lang="en-US" dirty="0" smtClean="0"/>
-              <a:t>Any frontend and </a:t>
-            </a:r>
-            <a:r>
-              <a:rPr lang="en-US" dirty="0" err="1" smtClean="0"/>
-              <a:t>NodeJS</a:t>
-            </a:r>
-            <a:r>
-              <a:rPr lang="en-US" dirty="0" smtClean="0"/>
-              <a:t> libraries</a:t>
-            </a:r>
-          </a:p>
-          <a:p>
-            <a:pPr lvl="1"/>
-            <a:r>
-              <a:rPr lang="en-US" dirty="0" smtClean="0"/>
-              <a:t>React</a:t>
-            </a:r>
-          </a:p>
-          <a:p>
-            <a:pPr lvl="1"/>
-            <a:r>
-              <a:rPr lang="en-US" dirty="0" smtClean="0"/>
-              <a:t>Angular</a:t>
-            </a:r>
-          </a:p>
-          <a:p>
-            <a:pPr lvl="1"/>
-            <a:r>
-              <a:rPr lang="en-US" dirty="0" smtClean="0"/>
-              <a:t>… </a:t>
-            </a:r>
-            <a:endParaRPr lang="ru-RU" dirty="0"/>
-          </a:p>
-        </p:txBody>
-      </p:sp>
-      <p:sp>
-        <p:nvSpPr>
-          <p:cNvPr id="4" name="Текст 3"/>
-          <p:cNvSpPr>
-            <a:spLocks noGrp="1"/>
-          </p:cNvSpPr>
-          <p:nvPr>
-            <p:ph type="body" sz="quarter" idx="11"/>
-          </p:nvPr>
-        </p:nvSpPr>
-        <p:spPr/>
-        <p:txBody>
-          <a:bodyPr/>
-          <a:lstStyle/>
-          <a:p>
-            <a:r>
-              <a:rPr lang="en-US" dirty="0" smtClean="0"/>
-              <a:t>“Frontend”</a:t>
-            </a:r>
-            <a:endParaRPr lang="ru-RU" dirty="0"/>
-          </a:p>
-        </p:txBody>
-      </p:sp>
-      <p:sp>
-        <p:nvSpPr>
-          <p:cNvPr id="5" name="Объект 4"/>
-          <p:cNvSpPr>
-            <a:spLocks noGrp="1"/>
-          </p:cNvSpPr>
-          <p:nvPr>
-            <p:ph sz="quarter" idx="12"/>
-          </p:nvPr>
-        </p:nvSpPr>
-        <p:spPr/>
-        <p:txBody>
-          <a:bodyPr/>
-          <a:lstStyle/>
-          <a:p>
-            <a:r>
-              <a:rPr lang="en-US" dirty="0" err="1" smtClean="0"/>
-              <a:t>.Net</a:t>
-            </a:r>
-            <a:r>
-              <a:rPr lang="en-US" dirty="0" smtClean="0"/>
-              <a:t> Core </a:t>
-            </a:r>
-          </a:p>
-          <a:p>
-            <a:pPr lvl="1"/>
-            <a:r>
-              <a:rPr lang="en-US" dirty="0" smtClean="0"/>
-              <a:t>MVC (API, Pages, … )</a:t>
-            </a:r>
-          </a:p>
-          <a:p>
-            <a:pPr lvl="1"/>
-            <a:r>
-              <a:rPr lang="en-US" dirty="0" smtClean="0"/>
-              <a:t>… </a:t>
-            </a:r>
-            <a:endParaRPr lang="ru-RU" dirty="0"/>
-          </a:p>
-        </p:txBody>
-      </p:sp>
-      <p:sp>
-        <p:nvSpPr>
-          <p:cNvPr id="6" name="Текст 5"/>
-          <p:cNvSpPr>
-            <a:spLocks noGrp="1"/>
-          </p:cNvSpPr>
-          <p:nvPr>
-            <p:ph type="body" sz="quarter" idx="13"/>
-          </p:nvPr>
-        </p:nvSpPr>
-        <p:spPr/>
-        <p:txBody>
-          <a:bodyPr/>
-          <a:lstStyle/>
-          <a:p>
-            <a:r>
-              <a:rPr lang="en-US" dirty="0" smtClean="0"/>
-              <a:t>“Backend”</a:t>
-            </a:r>
-            <a:endParaRPr lang="ru-RU" dirty="0"/>
-          </a:p>
-        </p:txBody>
-      </p:sp>
-    </p:spTree>
-    <p:extLst>
-      <p:ext uri="{BB962C8B-B14F-4D97-AF65-F5344CB8AC3E}">
-        <p14:creationId xmlns:p14="http://schemas.microsoft.com/office/powerpoint/2010/main" val="2718629126"/>
-      </p:ext>
-    </p:extLst>
-  </p:cSld>
-  <p:clrMapOvr>
-    <a:masterClrMapping/>
-  </p:clrMapOvr>
-</p:sld>
-</file>
-
-<file path=ppt/slides/slide31.xml><?xml version="1.0" encoding="utf-8"?>
-<p:sld xmlns:a="http://schemas.openxmlformats.org/drawingml/2006/main" xmlns:r="http://schemas.openxmlformats.org/officeDocument/2006/relationships" xmlns:p="http://schemas.openxmlformats.org/presentationml/2006/main">
-  <p:cSld>
-    <p:spTree>
-      <p:nvGrpSpPr>
-        <p:cNvPr id="1" name=""/>
-        <p:cNvGrpSpPr/>
-        <p:nvPr/>
-      </p:nvGrpSpPr>
-      <p:grpSpPr>
-        <a:xfrm>
-          <a:off x="0" y="0"/>
-          <a:ext cx="0" cy="0"/>
-          <a:chOff x="0" y="0"/>
-          <a:chExt cx="0" cy="0"/>
-        </a:xfrm>
-      </p:grpSpPr>
-      <p:sp>
-        <p:nvSpPr>
-          <p:cNvPr id="2" name="Заголовок 1"/>
-          <p:cNvSpPr>
-            <a:spLocks noGrp="1"/>
-          </p:cNvSpPr>
-          <p:nvPr>
-            <p:ph type="title"/>
-          </p:nvPr>
-        </p:nvSpPr>
-        <p:spPr/>
-        <p:txBody>
-          <a:bodyPr/>
-          <a:lstStyle/>
-          <a:p>
-            <a:r>
-              <a:rPr lang="en-US" dirty="0" smtClean="0"/>
-              <a:t>Demo</a:t>
-            </a:r>
-            <a:endParaRPr lang="ru-RU" dirty="0"/>
-          </a:p>
-        </p:txBody>
-      </p:sp>
-    </p:spTree>
-    <p:extLst>
-      <p:ext uri="{BB962C8B-B14F-4D97-AF65-F5344CB8AC3E}">
-        <p14:creationId xmlns:p14="http://schemas.microsoft.com/office/powerpoint/2010/main" val="193495667"/>
-      </p:ext>
-    </p:extLst>
-  </p:cSld>
-  <p:clrMapOvr>
-    <a:masterClrMapping/>
-  </p:clrMapOvr>
-  <p:timing>
-    <p:tnLst>
-      <p:par>
-        <p:cTn id="1" dur="indefinite" restart="never" nodeType="tmRoot"/>
-      </p:par>
-    </p:tnLst>
-  </p:timing>
-</p:sld>
-</file>
-
-<file path=ppt/slides/slide32.xml><?xml version="1.0" encoding="utf-8"?>
-<p:sld xmlns:a="http://schemas.openxmlformats.org/drawingml/2006/main" xmlns:r="http://schemas.openxmlformats.org/officeDocument/2006/relationships" xmlns:p="http://schemas.openxmlformats.org/presentationml/2006/main">
-  <p:cSld>
-    <p:spTree>
-      <p:nvGrpSpPr>
-        <p:cNvPr id="1" name=""/>
-        <p:cNvGrpSpPr/>
-        <p:nvPr/>
-      </p:nvGrpSpPr>
-      <p:grpSpPr>
-        <a:xfrm>
-          <a:off x="0" y="0"/>
-          <a:ext cx="0" cy="0"/>
-          <a:chOff x="0" y="0"/>
-          <a:chExt cx="0" cy="0"/>
-        </a:xfrm>
-      </p:grpSpPr>
-      <p:sp>
-        <p:nvSpPr>
-          <p:cNvPr id="3" name="Заголовок 2"/>
-          <p:cNvSpPr>
-            <a:spLocks noGrp="1"/>
-          </p:cNvSpPr>
-          <p:nvPr>
-            <p:ph type="title"/>
-          </p:nvPr>
-        </p:nvSpPr>
-        <p:spPr/>
-        <p:txBody>
-          <a:bodyPr/>
-          <a:lstStyle/>
-          <a:p>
-            <a:r>
-              <a:rPr lang="en-US" dirty="0" err="1" smtClean="0"/>
-              <a:t>Electron.Net</a:t>
-            </a:r>
-            <a:r>
-              <a:rPr lang="en-US" dirty="0" smtClean="0"/>
-              <a:t> Pros &amp; Cons</a:t>
-            </a:r>
-            <a:endParaRPr lang="ru-RU" dirty="0"/>
-          </a:p>
-        </p:txBody>
-      </p:sp>
-      <p:sp>
-        <p:nvSpPr>
-          <p:cNvPr id="4" name="Объект 3"/>
-          <p:cNvSpPr>
-            <a:spLocks noGrp="1"/>
-          </p:cNvSpPr>
-          <p:nvPr>
-            <p:ph sz="quarter" idx="10"/>
-          </p:nvPr>
-        </p:nvSpPr>
-        <p:spPr/>
-        <p:txBody>
-          <a:bodyPr/>
-          <a:lstStyle/>
-          <a:p>
-            <a:r>
-              <a:rPr lang="en-US" dirty="0" smtClean="0"/>
-              <a:t>Excellent dynamic (for Electron)</a:t>
-            </a:r>
-          </a:p>
-          <a:p>
-            <a:pPr lvl="1"/>
-            <a:r>
-              <a:rPr lang="en-US" dirty="0" smtClean="0"/>
-              <a:t>Atom</a:t>
-            </a:r>
-          </a:p>
-          <a:p>
-            <a:pPr lvl="1"/>
-            <a:r>
-              <a:rPr lang="en-US" dirty="0" smtClean="0"/>
-              <a:t>VS Code</a:t>
-            </a:r>
-          </a:p>
-          <a:p>
-            <a:pPr lvl="1"/>
-            <a:r>
-              <a:rPr lang="en-US" dirty="0" smtClean="0"/>
-              <a:t>…</a:t>
-            </a:r>
-          </a:p>
-          <a:p>
-            <a:r>
-              <a:rPr lang="en-US" dirty="0" smtClean="0"/>
-              <a:t>Sinergy of front and </a:t>
-            </a:r>
-            <a:r>
-              <a:rPr lang="en-US" dirty="0" err="1" smtClean="0"/>
-              <a:t>.Net</a:t>
-            </a:r>
-            <a:r>
-              <a:rPr lang="en-US" dirty="0" smtClean="0"/>
-              <a:t> back</a:t>
-            </a:r>
-          </a:p>
-          <a:p>
-            <a:r>
-              <a:rPr lang="en-US" dirty="0" smtClean="0"/>
-              <a:t>Easy migration for Web Apps</a:t>
-            </a:r>
-          </a:p>
-          <a:p>
-            <a:r>
-              <a:rPr lang="en-US" dirty="0" smtClean="0"/>
-              <a:t>Full development cycle for </a:t>
-            </a:r>
-            <a:r>
-              <a:rPr lang="en-US" dirty="0" err="1" smtClean="0"/>
-              <a:t>Electron.Net</a:t>
-            </a:r>
-            <a:r>
-              <a:rPr lang="en-US" dirty="0" smtClean="0"/>
-              <a:t> (from development to distributions)</a:t>
-            </a:r>
-            <a:endParaRPr lang="ru-RU" dirty="0"/>
-          </a:p>
-        </p:txBody>
-      </p:sp>
-      <p:sp>
-        <p:nvSpPr>
-          <p:cNvPr id="5" name="Текст 4"/>
-          <p:cNvSpPr>
-            <a:spLocks noGrp="1"/>
-          </p:cNvSpPr>
-          <p:nvPr>
-            <p:ph type="body" sz="quarter" idx="11"/>
-          </p:nvPr>
-        </p:nvSpPr>
-        <p:spPr/>
-        <p:txBody>
-          <a:bodyPr/>
-          <a:lstStyle/>
-          <a:p>
-            <a:r>
-              <a:rPr lang="en-US" dirty="0" smtClean="0"/>
-              <a:t>Pros</a:t>
-            </a:r>
-            <a:endParaRPr lang="ru-RU" dirty="0"/>
-          </a:p>
-        </p:txBody>
-      </p:sp>
-      <p:sp>
-        <p:nvSpPr>
-          <p:cNvPr id="6" name="Объект 5"/>
-          <p:cNvSpPr>
-            <a:spLocks noGrp="1"/>
-          </p:cNvSpPr>
-          <p:nvPr>
-            <p:ph sz="quarter" idx="12"/>
-          </p:nvPr>
-        </p:nvSpPr>
-        <p:spPr/>
-        <p:txBody>
-          <a:bodyPr/>
-          <a:lstStyle/>
-          <a:p>
-            <a:r>
-              <a:rPr lang="en-US" dirty="0" smtClean="0"/>
-              <a:t>Full-stack developer (or separated roles in development team: front and back)</a:t>
-            </a:r>
-          </a:p>
-          <a:p>
-            <a:r>
-              <a:rPr lang="en-US" dirty="0" smtClean="0"/>
-              <a:t>Big resource consumption (memory + CPU)</a:t>
-            </a:r>
-          </a:p>
-          <a:p>
-            <a:r>
-              <a:rPr lang="en-US" dirty="0" err="1" smtClean="0"/>
-              <a:t>Electron.Net</a:t>
-            </a:r>
-            <a:r>
-              <a:rPr lang="en-US" dirty="0" smtClean="0"/>
-              <a:t> slowly started in compare “pure” </a:t>
-            </a:r>
-            <a:r>
-              <a:rPr lang="en-US" dirty="0" err="1" smtClean="0"/>
-              <a:t>ElectronJS</a:t>
-            </a:r>
-            <a:endParaRPr lang="ru-RU" dirty="0"/>
-          </a:p>
-        </p:txBody>
-      </p:sp>
-      <p:sp>
-        <p:nvSpPr>
-          <p:cNvPr id="7" name="Текст 6"/>
-          <p:cNvSpPr>
-            <a:spLocks noGrp="1"/>
-          </p:cNvSpPr>
-          <p:nvPr>
-            <p:ph type="body" sz="quarter" idx="13"/>
-          </p:nvPr>
-        </p:nvSpPr>
-        <p:spPr/>
-        <p:txBody>
-          <a:bodyPr/>
-          <a:lstStyle/>
-          <a:p>
-            <a:r>
-              <a:rPr lang="en-US" dirty="0" smtClean="0"/>
-              <a:t>Cons</a:t>
-            </a:r>
-            <a:endParaRPr lang="ru-RU" dirty="0"/>
-          </a:p>
-        </p:txBody>
-      </p:sp>
-    </p:spTree>
-    <p:extLst>
-      <p:ext uri="{BB962C8B-B14F-4D97-AF65-F5344CB8AC3E}">
-        <p14:creationId xmlns:p14="http://schemas.microsoft.com/office/powerpoint/2010/main" val="1021680840"/>
-      </p:ext>
-    </p:extLst>
-  </p:cSld>
-  <p:clrMapOvr>
-    <a:masterClrMapping/>
-  </p:clrMapOvr>
-</p:sld>
-</file>
-
-<file path=ppt/slides/slide33.xml><?xml version="1.0" encoding="utf-8"?>
-<p:sld xmlns:a="http://schemas.openxmlformats.org/drawingml/2006/main" xmlns:r="http://schemas.openxmlformats.org/officeDocument/2006/relationships" xmlns:p="http://schemas.openxmlformats.org/presentationml/2006/main" show="0">
-  <p:cSld>
-    <p:spTree>
-      <p:nvGrpSpPr>
-        <p:cNvPr id="1" name=""/>
-        <p:cNvGrpSpPr/>
-        <p:nvPr/>
-      </p:nvGrpSpPr>
-      <p:grpSpPr>
-        <a:xfrm>
-          <a:off x="0" y="0"/>
-          <a:ext cx="0" cy="0"/>
-          <a:chOff x="0" y="0"/>
-          <a:chExt cx="0" cy="0"/>
-        </a:xfrm>
-      </p:grpSpPr>
-      <p:sp>
-        <p:nvSpPr>
-          <p:cNvPr id="2" name="Заголовок 1"/>
-          <p:cNvSpPr>
-            <a:spLocks noGrp="1"/>
-          </p:cNvSpPr>
-          <p:nvPr>
-            <p:ph type="title"/>
-          </p:nvPr>
-        </p:nvSpPr>
-        <p:spPr/>
-        <p:txBody>
-          <a:bodyPr/>
-          <a:lstStyle/>
-          <a:p>
-            <a:r>
-              <a:rPr lang="en-US" dirty="0" err="1" smtClean="0"/>
-              <a:t>Sciter</a:t>
-            </a:r>
-            <a:endParaRPr lang="ru-RU" dirty="0"/>
-          </a:p>
-        </p:txBody>
-      </p:sp>
-    </p:spTree>
-    <p:extLst>
-      <p:ext uri="{BB962C8B-B14F-4D97-AF65-F5344CB8AC3E}">
-        <p14:creationId xmlns:p14="http://schemas.microsoft.com/office/powerpoint/2010/main" val="1096656507"/>
-      </p:ext>
-    </p:extLst>
-  </p:cSld>
-  <p:clrMapOvr>
-    <a:masterClrMapping/>
-  </p:clrMapOvr>
-  <mc:AlternateContent xmlns:mc="http://schemas.openxmlformats.org/markup-compatibility/2006" xmlns:p14="http://schemas.microsoft.com/office/powerpoint/2010/main">
-    <mc:Choice Requires="p14">
-      <p:transition spd="slow" p14:dur="2000"/>
-    </mc:Choice>
-    <mc:Fallback xmlns="">
-      <p:transition spd="slow"/>
-    </mc:Fallback>
-  </mc:AlternateContent>
-</p:sld>
-</file>
-
-<file path=ppt/slides/slide34.xml><?xml version="1.0" encoding="utf-8"?>
-<p:sld xmlns:a="http://schemas.openxmlformats.org/drawingml/2006/main" xmlns:r="http://schemas.openxmlformats.org/officeDocument/2006/relationships" xmlns:p="http://schemas.openxmlformats.org/presentationml/2006/main" show="0">
-  <p:cSld>
-    <p:spTree>
-      <p:nvGrpSpPr>
-        <p:cNvPr id="1" name=""/>
-        <p:cNvGrpSpPr/>
-        <p:nvPr/>
-      </p:nvGrpSpPr>
-      <p:grpSpPr>
-        <a:xfrm>
-          <a:off x="0" y="0"/>
-          <a:ext cx="0" cy="0"/>
-          <a:chOff x="0" y="0"/>
-          <a:chExt cx="0" cy="0"/>
-        </a:xfrm>
-      </p:grpSpPr>
-      <p:sp>
-        <p:nvSpPr>
-          <p:cNvPr id="2" name="Заголовок 1"/>
-          <p:cNvSpPr>
-            <a:spLocks noGrp="1"/>
-          </p:cNvSpPr>
-          <p:nvPr>
-            <p:ph type="title"/>
-          </p:nvPr>
-        </p:nvSpPr>
-        <p:spPr/>
-        <p:txBody>
-          <a:bodyPr/>
-          <a:lstStyle/>
-          <a:p>
-            <a:r>
-              <a:rPr lang="en-US" dirty="0" err="1"/>
-              <a:t>SciterSharp</a:t>
-            </a:r>
-            <a:endParaRPr lang="ru-RU" dirty="0"/>
-          </a:p>
-        </p:txBody>
-      </p:sp>
-    </p:spTree>
-    <p:extLst>
-      <p:ext uri="{BB962C8B-B14F-4D97-AF65-F5344CB8AC3E}">
-        <p14:creationId xmlns:p14="http://schemas.microsoft.com/office/powerpoint/2010/main" val="2270255873"/>
-      </p:ext>
-    </p:extLst>
-  </p:cSld>
-  <p:clrMapOvr>
-    <a:masterClrMapping/>
-  </p:clrMapOvr>
-  <mc:AlternateContent xmlns:mc="http://schemas.openxmlformats.org/markup-compatibility/2006" xmlns:p14="http://schemas.microsoft.com/office/powerpoint/2010/main">
-    <mc:Choice Requires="p14">
-      <p:transition spd="slow" p14:dur="2000"/>
-    </mc:Choice>
-    <mc:Fallback xmlns="">
-      <p:transition spd="slow"/>
-    </mc:Fallback>
-  </mc:AlternateContent>
-</p:sld>
-</file>
-
-<file path=ppt/slides/slide35.xml><?xml version="1.0" encoding="utf-8"?>
-<p:sld xmlns:a="http://schemas.openxmlformats.org/drawingml/2006/main" xmlns:r="http://schemas.openxmlformats.org/officeDocument/2006/relationships" xmlns:p="http://schemas.openxmlformats.org/presentationml/2006/main">
-  <p:cSld>
-    <p:spTree>
-      <p:nvGrpSpPr>
-        <p:cNvPr id="1" name=""/>
-        <p:cNvGrpSpPr/>
-        <p:nvPr/>
-      </p:nvGrpSpPr>
-      <p:grpSpPr>
-        <a:xfrm>
-          <a:off x="0" y="0"/>
-          <a:ext cx="0" cy="0"/>
-          <a:chOff x="0" y="0"/>
-          <a:chExt cx="0" cy="0"/>
-        </a:xfrm>
-      </p:grpSpPr>
-      <p:sp>
-        <p:nvSpPr>
-          <p:cNvPr id="7" name="Title 6">
-            <a:extLst>
-              <a:ext uri="{FF2B5EF4-FFF2-40B4-BE49-F238E27FC236}">
-                <a16:creationId xmlns:a16="http://schemas.microsoft.com/office/drawing/2014/main" id="{3E0D6084-A18D-4C97-B4B5-7554ADD1DE4D}"/>
-              </a:ext>
-            </a:extLst>
-          </p:cNvPr>
-          <p:cNvSpPr>
-            <a:spLocks noGrp="1"/>
-          </p:cNvSpPr>
-          <p:nvPr>
-            <p:ph type="title"/>
-          </p:nvPr>
-        </p:nvSpPr>
-        <p:spPr/>
-        <p:txBody>
-          <a:bodyPr/>
-          <a:lstStyle/>
-          <a:p>
-            <a:r>
-              <a:rPr lang="en-US" dirty="0"/>
-              <a:t>Conclusions</a:t>
-            </a:r>
-          </a:p>
-        </p:txBody>
-      </p:sp>
-    </p:spTree>
-    <p:extLst>
-      <p:ext uri="{BB962C8B-B14F-4D97-AF65-F5344CB8AC3E}">
-        <p14:creationId xmlns:p14="http://schemas.microsoft.com/office/powerpoint/2010/main" val="1798980938"/>
-      </p:ext>
-    </p:extLst>
-  </p:cSld>
-  <p:clrMapOvr>
-    <a:masterClrMapping/>
-  </p:clrMapOvr>
-</p:sld>
-</file>
-
-<file path=ppt/slides/slide36.xml><?xml version="1.0" encoding="utf-8"?>
-<p:sld xmlns:a="http://schemas.openxmlformats.org/drawingml/2006/main" xmlns:r="http://schemas.openxmlformats.org/officeDocument/2006/relationships" xmlns:p="http://schemas.openxmlformats.org/presentationml/2006/main" show="0">
-  <p:cSld>
-    <p:spTree>
-      <p:nvGrpSpPr>
-        <p:cNvPr id="1" name=""/>
-        <p:cNvGrpSpPr/>
-        <p:nvPr/>
-      </p:nvGrpSpPr>
-      <p:grpSpPr>
-        <a:xfrm>
-          <a:off x="0" y="0"/>
-          <a:ext cx="0" cy="0"/>
-          <a:chOff x="0" y="0"/>
-          <a:chExt cx="0" cy="0"/>
-        </a:xfrm>
-      </p:grpSpPr>
-      <p:sp>
-        <p:nvSpPr>
-          <p:cNvPr id="3" name="Заголовок 2"/>
-          <p:cNvSpPr>
-            <a:spLocks noGrp="1"/>
-          </p:cNvSpPr>
-          <p:nvPr>
-            <p:ph type="title"/>
-          </p:nvPr>
-        </p:nvSpPr>
-        <p:spPr/>
-        <p:txBody>
-          <a:bodyPr/>
-          <a:lstStyle/>
-          <a:p>
-            <a:endParaRPr lang="ru-RU" dirty="0"/>
-          </a:p>
-        </p:txBody>
-      </p:sp>
-    </p:spTree>
-    <p:extLst>
-      <p:ext uri="{BB962C8B-B14F-4D97-AF65-F5344CB8AC3E}">
-        <p14:creationId xmlns:p14="http://schemas.microsoft.com/office/powerpoint/2010/main" val="3878214965"/>
-      </p:ext>
-    </p:extLst>
-  </p:cSld>
-  <p:clrMapOvr>
-    <a:masterClrMapping/>
-  </p:clrMapOvr>
-  <mc:AlternateContent xmlns:mc="http://schemas.openxmlformats.org/markup-compatibility/2006" xmlns:p14="http://schemas.microsoft.com/office/powerpoint/2010/main">
-    <mc:Choice Requires="p14">
-      <p:transition spd="slow" p14:dur="2000"/>
-    </mc:Choice>
-    <mc:Fallback xmlns="">
-      <p:transition spd="slow"/>
-    </mc:Fallback>
-  </mc:AlternateContent>
-</p:sld>
-</file>
-
-<file path=ppt/slides/slide37.xml><?xml version="1.0" encoding="utf-8"?>
-<p:sld xmlns:a="http://schemas.openxmlformats.org/drawingml/2006/main" xmlns:r="http://schemas.openxmlformats.org/officeDocument/2006/relationships" xmlns:p="http://schemas.openxmlformats.org/presentationml/2006/main">
-  <p:cSld>
-    <p:spTree>
-      <p:nvGrpSpPr>
-        <p:cNvPr id="1" name=""/>
-        <p:cNvGrpSpPr/>
-        <p:nvPr/>
-      </p:nvGrpSpPr>
-      <p:grpSpPr>
-        <a:xfrm>
-          <a:off x="0" y="0"/>
-          <a:ext cx="0" cy="0"/>
-          <a:chOff x="0" y="0"/>
-          <a:chExt cx="0" cy="0"/>
-        </a:xfrm>
-      </p:grpSpPr>
-      <p:sp>
-        <p:nvSpPr>
-          <p:cNvPr id="3" name="Заголовок 2"/>
-          <p:cNvSpPr>
-            <a:spLocks noGrp="1"/>
-          </p:cNvSpPr>
-          <p:nvPr>
-            <p:ph type="title"/>
-          </p:nvPr>
-        </p:nvSpPr>
-        <p:spPr/>
-        <p:txBody>
-          <a:bodyPr/>
-          <a:lstStyle/>
-          <a:p>
-            <a:r>
-              <a:rPr lang="en-US" dirty="0" smtClean="0"/>
-              <a:t>Your Questions…</a:t>
-            </a:r>
-            <a:endParaRPr lang="ru-RU" dirty="0"/>
-          </a:p>
-        </p:txBody>
-      </p:sp>
-    </p:spTree>
-    <p:extLst>
-      <p:ext uri="{BB962C8B-B14F-4D97-AF65-F5344CB8AC3E}">
-        <p14:creationId xmlns:p14="http://schemas.microsoft.com/office/powerpoint/2010/main" val="863776754"/>
-      </p:ext>
-    </p:extLst>
-  </p:cSld>
-  <p:clrMapOvr>
-    <a:masterClrMapping/>
-  </p:clrMapOvr>
-</p:sld>
-</file>
-
-<file path=ppt/slides/slide4.xml><?xml version="1.0" encoding="utf-8"?>
+<file path=ppt/slides/slide5.xml><?xml version="1.0" encoding="utf-8"?>
 <p:sld xmlns:a="http://schemas.openxmlformats.org/drawingml/2006/main" xmlns:r="http://schemas.openxmlformats.org/officeDocument/2006/relationships" xmlns:p="http://schemas.openxmlformats.org/presentationml/2006/main">
   <p:cSld>
     <p:spTree>
@@ -40869,7 +41989,79 @@
 </p:sld>
 </file>
 
-<file path=ppt/slides/slide5.xml><?xml version="1.0" encoding="utf-8"?>
+<file path=ppt/slides/slide6.xml><?xml version="1.0" encoding="utf-8"?>
+<p:sld xmlns:a="http://schemas.openxmlformats.org/drawingml/2006/main" xmlns:r="http://schemas.openxmlformats.org/officeDocument/2006/relationships" xmlns:p="http://schemas.openxmlformats.org/presentationml/2006/main">
+  <p:cSld>
+    <p:spTree>
+      <p:nvGrpSpPr>
+        <p:cNvPr id="1" name=""/>
+        <p:cNvGrpSpPr/>
+        <p:nvPr/>
+      </p:nvGrpSpPr>
+      <p:grpSpPr>
+        <a:xfrm>
+          <a:off x="0" y="0"/>
+          <a:ext cx="0" cy="0"/>
+          <a:chOff x="0" y="0"/>
+          <a:chExt cx="0" cy="0"/>
+        </a:xfrm>
+      </p:grpSpPr>
+      <p:sp>
+        <p:nvSpPr>
+          <p:cNvPr id="3" name="Заголовок 2"/>
+          <p:cNvSpPr>
+            <a:spLocks noGrp="1"/>
+          </p:cNvSpPr>
+          <p:nvPr>
+            <p:ph type="title"/>
+          </p:nvPr>
+        </p:nvSpPr>
+        <p:spPr/>
+        <p:txBody>
+          <a:bodyPr/>
+          <a:lstStyle/>
+          <a:p>
+            <a:r>
+              <a:rPr lang="en-US" dirty="0" smtClean="0"/>
+              <a:t>BUT</a:t>
+            </a:r>
+            <a:r>
+              <a:rPr lang="ru-RU" dirty="0" smtClean="0"/>
+              <a:t>… </a:t>
+            </a:r>
+            <a:r>
+              <a:rPr lang="en-US" dirty="0" err="1" smtClean="0"/>
+              <a:t>.Net</a:t>
+            </a:r>
+            <a:r>
+              <a:rPr lang="en-US" dirty="0" smtClean="0"/>
+              <a:t> Core 3</a:t>
+            </a:r>
+            <a:endParaRPr lang="ru-RU" dirty="0"/>
+          </a:p>
+        </p:txBody>
+      </p:sp>
+    </p:spTree>
+    <p:extLst>
+      <p:ext uri="{BB962C8B-B14F-4D97-AF65-F5344CB8AC3E}">
+        <p14:creationId xmlns:p14="http://schemas.microsoft.com/office/powerpoint/2010/main" val="1235520123"/>
+      </p:ext>
+    </p:extLst>
+  </p:cSld>
+  <p:clrMapOvr>
+    <a:masterClrMapping/>
+  </p:clrMapOvr>
+  <p:timing>
+    <p:tnLst>
+      <p:par>
+        <p:cTn id="1" dur="indefinite" restart="never" nodeType="tmRoot"/>
+      </p:par>
+    </p:tnLst>
+  </p:timing>
+</p:sld>
+</file>
+
+<file path=ppt/slides/slide7.xml><?xml version="1.0" encoding="utf-8"?>
 <p:sld xmlns:a="http://schemas.openxmlformats.org/drawingml/2006/main" xmlns:r="http://schemas.openxmlformats.org/officeDocument/2006/relationships" xmlns:p="http://schemas.openxmlformats.org/presentationml/2006/main">
   <p:cSld>
     <p:spTree>
@@ -40894,7 +42086,7 @@
         </p:nvSpPr>
         <p:spPr>
           <a:xfrm>
-            <a:off x="443072" y="2209800"/>
+            <a:off x="555786" y="2744724"/>
             <a:ext cx="3283108" cy="1539240"/>
           </a:xfrm>
           <a:prstGeom prst="rect">
@@ -40928,7 +42120,23 @@
                   <a:schemeClr val="tx1"/>
                 </a:solidFill>
               </a:rPr>
-              <a:t>User32 and GDI/GDI+</a:t>
+              <a:t>User32 </a:t>
+            </a:r>
+            <a:r>
+              <a:rPr lang="en-US" dirty="0" smtClean="0">
+                <a:solidFill>
+                  <a:schemeClr val="tx1"/>
+                </a:solidFill>
+              </a:rPr>
+              <a:t>+ </a:t>
+            </a:r>
+            <a:r>
+              <a:rPr lang="en-US" dirty="0" smtClean="0">
+                <a:solidFill>
+                  <a:schemeClr val="tx1"/>
+                </a:solidFill>
+              </a:rPr>
+              <a:t>GDI/GDI+</a:t>
             </a:r>
             <a:endParaRPr lang="ru-RU" dirty="0">
               <a:solidFill>
@@ -40973,7 +42181,7 @@
         </p:nvSpPr>
         <p:spPr>
           <a:xfrm>
-            <a:off x="443072" y="1287780"/>
+            <a:off x="555786" y="1822704"/>
             <a:ext cx="3283108" cy="548640"/>
           </a:xfrm>
           <a:prstGeom prst="roundRect">
@@ -41025,7 +42233,7 @@
         </p:nvSpPr>
         <p:spPr>
           <a:xfrm>
-            <a:off x="617220" y="2415540"/>
+            <a:off x="729934" y="2950464"/>
             <a:ext cx="868680" cy="396240"/>
           </a:xfrm>
           <a:prstGeom prst="roundRect">
@@ -41073,7 +42281,7 @@
         </p:nvSpPr>
         <p:spPr>
           <a:xfrm>
-            <a:off x="2060734" y="2956560"/>
+            <a:off x="2173448" y="3491484"/>
             <a:ext cx="1150620" cy="396240"/>
           </a:xfrm>
           <a:prstGeom prst="roundRect">
@@ -41117,7 +42325,7 @@
         </p:nvSpPr>
         <p:spPr>
           <a:xfrm>
-            <a:off x="803434" y="2956560"/>
+            <a:off x="916148" y="3491484"/>
             <a:ext cx="1150620" cy="396240"/>
           </a:xfrm>
           <a:prstGeom prst="roundRect">
@@ -41161,7 +42369,7 @@
         </p:nvSpPr>
         <p:spPr>
           <a:xfrm>
-            <a:off x="1584960" y="2415540"/>
+            <a:off x="1697674" y="2950464"/>
             <a:ext cx="868680" cy="396240"/>
           </a:xfrm>
           <a:prstGeom prst="roundRect">
@@ -41205,7 +42413,7 @@
         </p:nvSpPr>
         <p:spPr>
           <a:xfrm>
-            <a:off x="2552700" y="2415540"/>
+            <a:off x="2665414" y="2950464"/>
             <a:ext cx="868680" cy="396240"/>
           </a:xfrm>
           <a:prstGeom prst="roundRect">
@@ -41249,8 +42457,8 @@
         </p:nvSpPr>
         <p:spPr>
           <a:xfrm>
-            <a:off x="6149340" y="1127760"/>
-            <a:ext cx="2354580" cy="548640"/>
+            <a:off x="6149340" y="1508757"/>
+            <a:ext cx="2354580" cy="396241"/>
           </a:xfrm>
           <a:prstGeom prst="roundRect">
             <a:avLst/>
@@ -41301,8 +42509,8 @@
         </p:nvSpPr>
         <p:spPr>
           <a:xfrm>
-            <a:off x="6149340" y="1866900"/>
-            <a:ext cx="2354580" cy="548640"/>
+            <a:off x="6149340" y="2019298"/>
+            <a:ext cx="2354580" cy="396241"/>
           </a:xfrm>
           <a:prstGeom prst="roundRect">
             <a:avLst/>
@@ -41352,9 +42560,9 @@
           <p:nvPr/>
         </p:nvCxnSpPr>
         <p:spPr>
-          <a:xfrm>
-            <a:off x="76200" y="2019300"/>
-            <a:ext cx="4375468" cy="0"/>
+          <a:xfrm flipV="1">
+            <a:off x="188914" y="2575560"/>
+            <a:ext cx="4093526" cy="1524"/>
           </a:xfrm>
           <a:prstGeom prst="line">
             <a:avLst/>
@@ -41383,8 +42591,8 @@
         </p:nvCxnSpPr>
         <p:spPr>
           <a:xfrm>
-            <a:off x="5524500" y="2575560"/>
-            <a:ext cx="3262313" cy="0"/>
+            <a:off x="5090160" y="2575560"/>
+            <a:ext cx="3962400" cy="0"/>
           </a:xfrm>
           <a:prstGeom prst="line">
             <a:avLst/>
@@ -41509,7 +42717,7 @@
         </p:nvSpPr>
         <p:spPr>
           <a:xfrm>
-            <a:off x="7829550" y="3363468"/>
+            <a:off x="7928610" y="3352800"/>
             <a:ext cx="868680" cy="396240"/>
           </a:xfrm>
           <a:prstGeom prst="roundRect">
@@ -41685,8 +42893,8 @@
         </p:nvSpPr>
         <p:spPr>
           <a:xfrm>
-            <a:off x="6824266" y="3351276"/>
-            <a:ext cx="868680" cy="396240"/>
+            <a:off x="6758940" y="3352800"/>
+            <a:ext cx="1017826" cy="396240"/>
           </a:xfrm>
           <a:prstGeom prst="roundRect">
             <a:avLst/>
@@ -41715,9 +42923,69 @@
             <a:pPr algn="ctr"/>
             <a:r>
               <a:rPr lang="en-US" sz="1200" dirty="0" smtClean="0"/>
-              <a:t>User32.dll</a:t>
+              <a:t>AdvApi32.dll</a:t>
             </a:r>
             <a:endParaRPr lang="ru-RU" sz="1200" dirty="0"/>
+          </a:p>
+        </p:txBody>
+      </p:sp>
+      <p:sp>
+        <p:nvSpPr>
+          <p:cNvPr id="3" name="TextBox 2"/>
+          <p:cNvSpPr txBox="1"/>
+          <p:nvPr/>
+        </p:nvSpPr>
+        <p:spPr>
+          <a:xfrm>
+            <a:off x="1491458" y="848941"/>
+            <a:ext cx="1555875" cy="338554"/>
+          </a:xfrm>
+          <a:prstGeom prst="rect">
+            <a:avLst/>
+          </a:prstGeom>
+          <a:noFill/>
+        </p:spPr>
+        <p:txBody>
+          <a:bodyPr wrap="none" rtlCol="0">
+            <a:spAutoFit/>
+          </a:bodyPr>
+          <a:lstStyle/>
+          <a:p>
+            <a:r>
+              <a:rPr lang="en-US" sz="1600" b="1" dirty="0" smtClean="0"/>
+              <a:t>Windows Forms</a:t>
+            </a:r>
+            <a:endParaRPr lang="ru-RU" sz="1600" b="1" dirty="0"/>
+          </a:p>
+        </p:txBody>
+      </p:sp>
+      <p:sp>
+        <p:nvSpPr>
+          <p:cNvPr id="22" name="TextBox 21"/>
+          <p:cNvSpPr txBox="1"/>
+          <p:nvPr/>
+        </p:nvSpPr>
+        <p:spPr>
+          <a:xfrm>
+            <a:off x="6758940" y="848941"/>
+            <a:ext cx="574196" cy="338554"/>
+          </a:xfrm>
+          <a:prstGeom prst="rect">
+            <a:avLst/>
+          </a:prstGeom>
+          <a:noFill/>
+        </p:spPr>
+        <p:txBody>
+          <a:bodyPr wrap="none" rtlCol="0">
+            <a:spAutoFit/>
+          </a:bodyPr>
+          <a:lstStyle/>
+          <a:p>
+            <a:r>
+              <a:rPr lang="en-US" sz="1600" b="1" dirty="0" smtClean="0"/>
+              <a:t>WPF</a:t>
+            </a:r>
+            <a:endParaRPr lang="ru-RU" sz="1600" b="1" dirty="0"/>
           </a:p>
         </p:txBody>
       </p:sp>
@@ -41734,14 +43002,1000 @@
   <p:timing>
     <p:tnLst>
       <p:par>
-        <p:cTn id="1" dur="indefinite" restart="never" nodeType="tmRoot"/>
+        <p:cTn id="1" dur="indefinite" restart="never" nodeType="tmRoot">
+          <p:childTnLst>
+            <p:seq concurrent="1" nextAc="seek">
+              <p:cTn id="2" dur="indefinite" nodeType="mainSeq">
+                <p:childTnLst>
+                  <p:par>
+                    <p:cTn id="3" fill="hold">
+                      <p:stCondLst>
+                        <p:cond delay="indefinite"/>
+                      </p:stCondLst>
+                      <p:childTnLst>
+                        <p:par>
+                          <p:cTn id="4" fill="hold">
+                            <p:stCondLst>
+                              <p:cond delay="0"/>
+                            </p:stCondLst>
+                            <p:childTnLst>
+                              <p:par>
+                                <p:cTn id="5" presetID="10" presetClass="entr" presetSubtype="0" fill="hold" grpId="0" nodeType="clickEffect">
+                                  <p:stCondLst>
+                                    <p:cond delay="0"/>
+                                  </p:stCondLst>
+                                  <p:childTnLst>
+                                    <p:set>
+                                      <p:cBhvr>
+                                        <p:cTn id="6" dur="1" fill="hold">
+                                          <p:stCondLst>
+                                            <p:cond delay="0"/>
+                                          </p:stCondLst>
+                                        </p:cTn>
+                                        <p:tgtEl>
+                                          <p:spTgt spid="3"/>
+                                        </p:tgtEl>
+                                        <p:attrNameLst>
+                                          <p:attrName>style.visibility</p:attrName>
+                                        </p:attrNameLst>
+                                      </p:cBhvr>
+                                      <p:to>
+                                        <p:strVal val="visible"/>
+                                      </p:to>
+                                    </p:set>
+                                    <p:animEffect transition="in" filter="fade">
+                                      <p:cBhvr>
+                                        <p:cTn id="7" dur="500"/>
+                                        <p:tgtEl>
+                                          <p:spTgt spid="3"/>
+                                        </p:tgtEl>
+                                      </p:cBhvr>
+                                    </p:animEffect>
+                                  </p:childTnLst>
+                                </p:cTn>
+                              </p:par>
+                            </p:childTnLst>
+                          </p:cTn>
+                        </p:par>
+                      </p:childTnLst>
+                    </p:cTn>
+                  </p:par>
+                  <p:par>
+                    <p:cTn id="8" fill="hold">
+                      <p:stCondLst>
+                        <p:cond delay="indefinite"/>
+                      </p:stCondLst>
+                      <p:childTnLst>
+                        <p:par>
+                          <p:cTn id="9" fill="hold">
+                            <p:stCondLst>
+                              <p:cond delay="0"/>
+                            </p:stCondLst>
+                            <p:childTnLst>
+                              <p:par>
+                                <p:cTn id="10" presetID="10" presetClass="entr" presetSubtype="0" fill="hold" grpId="0" nodeType="clickEffect">
+                                  <p:stCondLst>
+                                    <p:cond delay="0"/>
+                                  </p:stCondLst>
+                                  <p:childTnLst>
+                                    <p:set>
+                                      <p:cBhvr>
+                                        <p:cTn id="11" dur="1" fill="hold">
+                                          <p:stCondLst>
+                                            <p:cond delay="0"/>
+                                          </p:stCondLst>
+                                        </p:cTn>
+                                        <p:tgtEl>
+                                          <p:spTgt spid="4"/>
+                                        </p:tgtEl>
+                                        <p:attrNameLst>
+                                          <p:attrName>style.visibility</p:attrName>
+                                        </p:attrNameLst>
+                                      </p:cBhvr>
+                                      <p:to>
+                                        <p:strVal val="visible"/>
+                                      </p:to>
+                                    </p:set>
+                                    <p:animEffect transition="in" filter="fade">
+                                      <p:cBhvr>
+                                        <p:cTn id="12" dur="500"/>
+                                        <p:tgtEl>
+                                          <p:spTgt spid="4"/>
+                                        </p:tgtEl>
+                                      </p:cBhvr>
+                                    </p:animEffect>
+                                  </p:childTnLst>
+                                </p:cTn>
+                              </p:par>
+                            </p:childTnLst>
+                          </p:cTn>
+                        </p:par>
+                        <p:par>
+                          <p:cTn id="13" fill="hold">
+                            <p:stCondLst>
+                              <p:cond delay="500"/>
+                            </p:stCondLst>
+                            <p:childTnLst>
+                              <p:par>
+                                <p:cTn id="14" presetID="10" presetClass="entr" presetSubtype="0" fill="hold" nodeType="afterEffect">
+                                  <p:stCondLst>
+                                    <p:cond delay="0"/>
+                                  </p:stCondLst>
+                                  <p:childTnLst>
+                                    <p:set>
+                                      <p:cBhvr>
+                                        <p:cTn id="15" dur="1" fill="hold">
+                                          <p:stCondLst>
+                                            <p:cond delay="0"/>
+                                          </p:stCondLst>
+                                        </p:cTn>
+                                        <p:tgtEl>
+                                          <p:spTgt spid="14"/>
+                                        </p:tgtEl>
+                                        <p:attrNameLst>
+                                          <p:attrName>style.visibility</p:attrName>
+                                        </p:attrNameLst>
+                                      </p:cBhvr>
+                                      <p:to>
+                                        <p:strVal val="visible"/>
+                                      </p:to>
+                                    </p:set>
+                                    <p:animEffect transition="in" filter="fade">
+                                      <p:cBhvr>
+                                        <p:cTn id="16" dur="500"/>
+                                        <p:tgtEl>
+                                          <p:spTgt spid="14"/>
+                                        </p:tgtEl>
+                                      </p:cBhvr>
+                                    </p:animEffect>
+                                  </p:childTnLst>
+                                </p:cTn>
+                              </p:par>
+                            </p:childTnLst>
+                          </p:cTn>
+                        </p:par>
+                      </p:childTnLst>
+                    </p:cTn>
+                  </p:par>
+                  <p:par>
+                    <p:cTn id="17" fill="hold">
+                      <p:stCondLst>
+                        <p:cond delay="indefinite"/>
+                      </p:stCondLst>
+                      <p:childTnLst>
+                        <p:par>
+                          <p:cTn id="18" fill="hold">
+                            <p:stCondLst>
+                              <p:cond delay="0"/>
+                            </p:stCondLst>
+                            <p:childTnLst>
+                              <p:par>
+                                <p:cTn id="19" presetID="10" presetClass="entr" presetSubtype="0" fill="hold" grpId="0" nodeType="clickEffect">
+                                  <p:stCondLst>
+                                    <p:cond delay="0"/>
+                                  </p:stCondLst>
+                                  <p:childTnLst>
+                                    <p:set>
+                                      <p:cBhvr>
+                                        <p:cTn id="20" dur="1" fill="hold">
+                                          <p:stCondLst>
+                                            <p:cond delay="0"/>
+                                          </p:stCondLst>
+                                        </p:cTn>
+                                        <p:tgtEl>
+                                          <p:spTgt spid="10"/>
+                                        </p:tgtEl>
+                                        <p:attrNameLst>
+                                          <p:attrName>style.visibility</p:attrName>
+                                        </p:attrNameLst>
+                                      </p:cBhvr>
+                                      <p:to>
+                                        <p:strVal val="visible"/>
+                                      </p:to>
+                                    </p:set>
+                                    <p:animEffect transition="in" filter="fade">
+                                      <p:cBhvr>
+                                        <p:cTn id="21" dur="500"/>
+                                        <p:tgtEl>
+                                          <p:spTgt spid="10"/>
+                                        </p:tgtEl>
+                                      </p:cBhvr>
+                                    </p:animEffect>
+                                  </p:childTnLst>
+                                </p:cTn>
+                              </p:par>
+                            </p:childTnLst>
+                          </p:cTn>
+                        </p:par>
+                        <p:par>
+                          <p:cTn id="22" fill="hold">
+                            <p:stCondLst>
+                              <p:cond delay="500"/>
+                            </p:stCondLst>
+                            <p:childTnLst>
+                              <p:par>
+                                <p:cTn id="23" presetID="10" presetClass="entr" presetSubtype="0" fill="hold" grpId="0" nodeType="afterEffect">
+                                  <p:stCondLst>
+                                    <p:cond delay="0"/>
+                                  </p:stCondLst>
+                                  <p:childTnLst>
+                                    <p:set>
+                                      <p:cBhvr>
+                                        <p:cTn id="24" dur="1" fill="hold">
+                                          <p:stCondLst>
+                                            <p:cond delay="0"/>
+                                          </p:stCondLst>
+                                        </p:cTn>
+                                        <p:tgtEl>
+                                          <p:spTgt spid="5"/>
+                                        </p:tgtEl>
+                                        <p:attrNameLst>
+                                          <p:attrName>style.visibility</p:attrName>
+                                        </p:attrNameLst>
+                                      </p:cBhvr>
+                                      <p:to>
+                                        <p:strVal val="visible"/>
+                                      </p:to>
+                                    </p:set>
+                                    <p:animEffect transition="in" filter="fade">
+                                      <p:cBhvr>
+                                        <p:cTn id="25" dur="250"/>
+                                        <p:tgtEl>
+                                          <p:spTgt spid="5"/>
+                                        </p:tgtEl>
+                                      </p:cBhvr>
+                                    </p:animEffect>
+                                  </p:childTnLst>
+                                </p:cTn>
+                              </p:par>
+                            </p:childTnLst>
+                          </p:cTn>
+                        </p:par>
+                        <p:par>
+                          <p:cTn id="26" fill="hold">
+                            <p:stCondLst>
+                              <p:cond delay="750"/>
+                            </p:stCondLst>
+                            <p:childTnLst>
+                              <p:par>
+                                <p:cTn id="27" presetID="10" presetClass="entr" presetSubtype="0" fill="hold" grpId="0" nodeType="afterEffect">
+                                  <p:stCondLst>
+                                    <p:cond delay="0"/>
+                                  </p:stCondLst>
+                                  <p:childTnLst>
+                                    <p:set>
+                                      <p:cBhvr>
+                                        <p:cTn id="28" dur="1" fill="hold">
+                                          <p:stCondLst>
+                                            <p:cond delay="0"/>
+                                          </p:stCondLst>
+                                        </p:cTn>
+                                        <p:tgtEl>
+                                          <p:spTgt spid="8"/>
+                                        </p:tgtEl>
+                                        <p:attrNameLst>
+                                          <p:attrName>style.visibility</p:attrName>
+                                        </p:attrNameLst>
+                                      </p:cBhvr>
+                                      <p:to>
+                                        <p:strVal val="visible"/>
+                                      </p:to>
+                                    </p:set>
+                                    <p:animEffect transition="in" filter="fade">
+                                      <p:cBhvr>
+                                        <p:cTn id="29" dur="250"/>
+                                        <p:tgtEl>
+                                          <p:spTgt spid="8"/>
+                                        </p:tgtEl>
+                                      </p:cBhvr>
+                                    </p:animEffect>
+                                  </p:childTnLst>
+                                </p:cTn>
+                              </p:par>
+                            </p:childTnLst>
+                          </p:cTn>
+                        </p:par>
+                        <p:par>
+                          <p:cTn id="30" fill="hold">
+                            <p:stCondLst>
+                              <p:cond delay="1000"/>
+                            </p:stCondLst>
+                            <p:childTnLst>
+                              <p:par>
+                                <p:cTn id="31" presetID="10" presetClass="entr" presetSubtype="0" fill="hold" grpId="0" nodeType="afterEffect">
+                                  <p:stCondLst>
+                                    <p:cond delay="0"/>
+                                  </p:stCondLst>
+                                  <p:childTnLst>
+                                    <p:set>
+                                      <p:cBhvr>
+                                        <p:cTn id="32" dur="1" fill="hold">
+                                          <p:stCondLst>
+                                            <p:cond delay="0"/>
+                                          </p:stCondLst>
+                                        </p:cTn>
+                                        <p:tgtEl>
+                                          <p:spTgt spid="9"/>
+                                        </p:tgtEl>
+                                        <p:attrNameLst>
+                                          <p:attrName>style.visibility</p:attrName>
+                                        </p:attrNameLst>
+                                      </p:cBhvr>
+                                      <p:to>
+                                        <p:strVal val="visible"/>
+                                      </p:to>
+                                    </p:set>
+                                    <p:animEffect transition="in" filter="fade">
+                                      <p:cBhvr>
+                                        <p:cTn id="33" dur="250"/>
+                                        <p:tgtEl>
+                                          <p:spTgt spid="9"/>
+                                        </p:tgtEl>
+                                      </p:cBhvr>
+                                    </p:animEffect>
+                                  </p:childTnLst>
+                                </p:cTn>
+                              </p:par>
+                            </p:childTnLst>
+                          </p:cTn>
+                        </p:par>
+                        <p:par>
+                          <p:cTn id="34" fill="hold">
+                            <p:stCondLst>
+                              <p:cond delay="1250"/>
+                            </p:stCondLst>
+                            <p:childTnLst>
+                              <p:par>
+                                <p:cTn id="35" presetID="10" presetClass="entr" presetSubtype="0" fill="hold" grpId="0" nodeType="afterEffect">
+                                  <p:stCondLst>
+                                    <p:cond delay="0"/>
+                                  </p:stCondLst>
+                                  <p:childTnLst>
+                                    <p:set>
+                                      <p:cBhvr>
+                                        <p:cTn id="36" dur="1" fill="hold">
+                                          <p:stCondLst>
+                                            <p:cond delay="0"/>
+                                          </p:stCondLst>
+                                        </p:cTn>
+                                        <p:tgtEl>
+                                          <p:spTgt spid="7"/>
+                                        </p:tgtEl>
+                                        <p:attrNameLst>
+                                          <p:attrName>style.visibility</p:attrName>
+                                        </p:attrNameLst>
+                                      </p:cBhvr>
+                                      <p:to>
+                                        <p:strVal val="visible"/>
+                                      </p:to>
+                                    </p:set>
+                                    <p:animEffect transition="in" filter="fade">
+                                      <p:cBhvr>
+                                        <p:cTn id="37" dur="250"/>
+                                        <p:tgtEl>
+                                          <p:spTgt spid="7"/>
+                                        </p:tgtEl>
+                                      </p:cBhvr>
+                                    </p:animEffect>
+                                  </p:childTnLst>
+                                </p:cTn>
+                              </p:par>
+                            </p:childTnLst>
+                          </p:cTn>
+                        </p:par>
+                        <p:par>
+                          <p:cTn id="38" fill="hold">
+                            <p:stCondLst>
+                              <p:cond delay="1500"/>
+                            </p:stCondLst>
+                            <p:childTnLst>
+                              <p:par>
+                                <p:cTn id="39" presetID="10" presetClass="entr" presetSubtype="0" fill="hold" grpId="0" nodeType="afterEffect">
+                                  <p:stCondLst>
+                                    <p:cond delay="0"/>
+                                  </p:stCondLst>
+                                  <p:childTnLst>
+                                    <p:set>
+                                      <p:cBhvr>
+                                        <p:cTn id="40" dur="1" fill="hold">
+                                          <p:stCondLst>
+                                            <p:cond delay="0"/>
+                                          </p:stCondLst>
+                                        </p:cTn>
+                                        <p:tgtEl>
+                                          <p:spTgt spid="6"/>
+                                        </p:tgtEl>
+                                        <p:attrNameLst>
+                                          <p:attrName>style.visibility</p:attrName>
+                                        </p:attrNameLst>
+                                      </p:cBhvr>
+                                      <p:to>
+                                        <p:strVal val="visible"/>
+                                      </p:to>
+                                    </p:set>
+                                    <p:animEffect transition="in" filter="fade">
+                                      <p:cBhvr>
+                                        <p:cTn id="41" dur="250"/>
+                                        <p:tgtEl>
+                                          <p:spTgt spid="6"/>
+                                        </p:tgtEl>
+                                      </p:cBhvr>
+                                    </p:animEffect>
+                                  </p:childTnLst>
+                                </p:cTn>
+                              </p:par>
+                            </p:childTnLst>
+                          </p:cTn>
+                        </p:par>
+                      </p:childTnLst>
+                    </p:cTn>
+                  </p:par>
+                  <p:par>
+                    <p:cTn id="42" fill="hold">
+                      <p:stCondLst>
+                        <p:cond delay="indefinite"/>
+                      </p:stCondLst>
+                      <p:childTnLst>
+                        <p:par>
+                          <p:cTn id="43" fill="hold">
+                            <p:stCondLst>
+                              <p:cond delay="0"/>
+                            </p:stCondLst>
+                            <p:childTnLst>
+                              <p:par>
+                                <p:cTn id="44" presetID="10" presetClass="entr" presetSubtype="0" fill="hold" grpId="0" nodeType="clickEffect">
+                                  <p:stCondLst>
+                                    <p:cond delay="0"/>
+                                  </p:stCondLst>
+                                  <p:childTnLst>
+                                    <p:set>
+                                      <p:cBhvr>
+                                        <p:cTn id="45" dur="1" fill="hold">
+                                          <p:stCondLst>
+                                            <p:cond delay="0"/>
+                                          </p:stCondLst>
+                                        </p:cTn>
+                                        <p:tgtEl>
+                                          <p:spTgt spid="22"/>
+                                        </p:tgtEl>
+                                        <p:attrNameLst>
+                                          <p:attrName>style.visibility</p:attrName>
+                                        </p:attrNameLst>
+                                      </p:cBhvr>
+                                      <p:to>
+                                        <p:strVal val="visible"/>
+                                      </p:to>
+                                    </p:set>
+                                    <p:animEffect transition="in" filter="fade">
+                                      <p:cBhvr>
+                                        <p:cTn id="46" dur="500"/>
+                                        <p:tgtEl>
+                                          <p:spTgt spid="22"/>
+                                        </p:tgtEl>
+                                      </p:cBhvr>
+                                    </p:animEffect>
+                                  </p:childTnLst>
+                                </p:cTn>
+                              </p:par>
+                            </p:childTnLst>
+                          </p:cTn>
+                        </p:par>
+                      </p:childTnLst>
+                    </p:cTn>
+                  </p:par>
+                  <p:par>
+                    <p:cTn id="47" fill="hold">
+                      <p:stCondLst>
+                        <p:cond delay="indefinite"/>
+                      </p:stCondLst>
+                      <p:childTnLst>
+                        <p:par>
+                          <p:cTn id="48" fill="hold">
+                            <p:stCondLst>
+                              <p:cond delay="0"/>
+                            </p:stCondLst>
+                            <p:childTnLst>
+                              <p:par>
+                                <p:cTn id="49" presetID="10" presetClass="entr" presetSubtype="0" fill="hold" grpId="0" nodeType="clickEffect">
+                                  <p:stCondLst>
+                                    <p:cond delay="0"/>
+                                  </p:stCondLst>
+                                  <p:childTnLst>
+                                    <p:set>
+                                      <p:cBhvr>
+                                        <p:cTn id="50" dur="1" fill="hold">
+                                          <p:stCondLst>
+                                            <p:cond delay="0"/>
+                                          </p:stCondLst>
+                                        </p:cTn>
+                                        <p:tgtEl>
+                                          <p:spTgt spid="11"/>
+                                        </p:tgtEl>
+                                        <p:attrNameLst>
+                                          <p:attrName>style.visibility</p:attrName>
+                                        </p:attrNameLst>
+                                      </p:cBhvr>
+                                      <p:to>
+                                        <p:strVal val="visible"/>
+                                      </p:to>
+                                    </p:set>
+                                    <p:animEffect transition="in" filter="fade">
+                                      <p:cBhvr>
+                                        <p:cTn id="51" dur="500"/>
+                                        <p:tgtEl>
+                                          <p:spTgt spid="11"/>
+                                        </p:tgtEl>
+                                      </p:cBhvr>
+                                    </p:animEffect>
+                                  </p:childTnLst>
+                                </p:cTn>
+                              </p:par>
+                            </p:childTnLst>
+                          </p:cTn>
+                        </p:par>
+                        <p:par>
+                          <p:cTn id="52" fill="hold">
+                            <p:stCondLst>
+                              <p:cond delay="500"/>
+                            </p:stCondLst>
+                            <p:childTnLst>
+                              <p:par>
+                                <p:cTn id="53" presetID="10" presetClass="entr" presetSubtype="0" fill="hold" grpId="0" nodeType="afterEffect">
+                                  <p:stCondLst>
+                                    <p:cond delay="0"/>
+                                  </p:stCondLst>
+                                  <p:childTnLst>
+                                    <p:set>
+                                      <p:cBhvr>
+                                        <p:cTn id="54" dur="1" fill="hold">
+                                          <p:stCondLst>
+                                            <p:cond delay="0"/>
+                                          </p:stCondLst>
+                                        </p:cTn>
+                                        <p:tgtEl>
+                                          <p:spTgt spid="12"/>
+                                        </p:tgtEl>
+                                        <p:attrNameLst>
+                                          <p:attrName>style.visibility</p:attrName>
+                                        </p:attrNameLst>
+                                      </p:cBhvr>
+                                      <p:to>
+                                        <p:strVal val="visible"/>
+                                      </p:to>
+                                    </p:set>
+                                    <p:animEffect transition="in" filter="fade">
+                                      <p:cBhvr>
+                                        <p:cTn id="55" dur="500"/>
+                                        <p:tgtEl>
+                                          <p:spTgt spid="12"/>
+                                        </p:tgtEl>
+                                      </p:cBhvr>
+                                    </p:animEffect>
+                                  </p:childTnLst>
+                                </p:cTn>
+                              </p:par>
+                            </p:childTnLst>
+                          </p:cTn>
+                        </p:par>
+                        <p:par>
+                          <p:cTn id="56" fill="hold">
+                            <p:stCondLst>
+                              <p:cond delay="1000"/>
+                            </p:stCondLst>
+                            <p:childTnLst>
+                              <p:par>
+                                <p:cTn id="57" presetID="10" presetClass="entr" presetSubtype="0" fill="hold" nodeType="afterEffect">
+                                  <p:stCondLst>
+                                    <p:cond delay="0"/>
+                                  </p:stCondLst>
+                                  <p:childTnLst>
+                                    <p:set>
+                                      <p:cBhvr>
+                                        <p:cTn id="58" dur="1" fill="hold">
+                                          <p:stCondLst>
+                                            <p:cond delay="0"/>
+                                          </p:stCondLst>
+                                        </p:cTn>
+                                        <p:tgtEl>
+                                          <p:spTgt spid="15"/>
+                                        </p:tgtEl>
+                                        <p:attrNameLst>
+                                          <p:attrName>style.visibility</p:attrName>
+                                        </p:attrNameLst>
+                                      </p:cBhvr>
+                                      <p:to>
+                                        <p:strVal val="visible"/>
+                                      </p:to>
+                                    </p:set>
+                                    <p:animEffect transition="in" filter="fade">
+                                      <p:cBhvr>
+                                        <p:cTn id="59" dur="500"/>
+                                        <p:tgtEl>
+                                          <p:spTgt spid="15"/>
+                                        </p:tgtEl>
+                                      </p:cBhvr>
+                                    </p:animEffect>
+                                  </p:childTnLst>
+                                </p:cTn>
+                              </p:par>
+                            </p:childTnLst>
+                          </p:cTn>
+                        </p:par>
+                      </p:childTnLst>
+                    </p:cTn>
+                  </p:par>
+                  <p:par>
+                    <p:cTn id="60" fill="hold">
+                      <p:stCondLst>
+                        <p:cond delay="indefinite"/>
+                      </p:stCondLst>
+                      <p:childTnLst>
+                        <p:par>
+                          <p:cTn id="61" fill="hold">
+                            <p:stCondLst>
+                              <p:cond delay="0"/>
+                            </p:stCondLst>
+                            <p:childTnLst>
+                              <p:par>
+                                <p:cTn id="62" presetID="10" presetClass="entr" presetSubtype="0" fill="hold" grpId="0" nodeType="clickEffect">
+                                  <p:stCondLst>
+                                    <p:cond delay="0"/>
+                                  </p:stCondLst>
+                                  <p:childTnLst>
+                                    <p:set>
+                                      <p:cBhvr>
+                                        <p:cTn id="63" dur="1" fill="hold">
+                                          <p:stCondLst>
+                                            <p:cond delay="0"/>
+                                          </p:stCondLst>
+                                        </p:cTn>
+                                        <p:tgtEl>
+                                          <p:spTgt spid="20"/>
+                                        </p:tgtEl>
+                                        <p:attrNameLst>
+                                          <p:attrName>style.visibility</p:attrName>
+                                        </p:attrNameLst>
+                                      </p:cBhvr>
+                                      <p:to>
+                                        <p:strVal val="visible"/>
+                                      </p:to>
+                                    </p:set>
+                                    <p:animEffect transition="in" filter="fade">
+                                      <p:cBhvr>
+                                        <p:cTn id="64" dur="500"/>
+                                        <p:tgtEl>
+                                          <p:spTgt spid="20"/>
+                                        </p:tgtEl>
+                                      </p:cBhvr>
+                                    </p:animEffect>
+                                  </p:childTnLst>
+                                </p:cTn>
+                              </p:par>
+                            </p:childTnLst>
+                          </p:cTn>
+                        </p:par>
+                        <p:par>
+                          <p:cTn id="65" fill="hold">
+                            <p:stCondLst>
+                              <p:cond delay="500"/>
+                            </p:stCondLst>
+                            <p:childTnLst>
+                              <p:par>
+                                <p:cTn id="66" presetID="10" presetClass="entr" presetSubtype="0" fill="hold" grpId="0" nodeType="afterEffect">
+                                  <p:stCondLst>
+                                    <p:cond delay="0"/>
+                                  </p:stCondLst>
+                                  <p:childTnLst>
+                                    <p:set>
+                                      <p:cBhvr>
+                                        <p:cTn id="67" dur="1" fill="hold">
+                                          <p:stCondLst>
+                                            <p:cond delay="0"/>
+                                          </p:stCondLst>
+                                        </p:cTn>
+                                        <p:tgtEl>
+                                          <p:spTgt spid="29"/>
+                                        </p:tgtEl>
+                                        <p:attrNameLst>
+                                          <p:attrName>style.visibility</p:attrName>
+                                        </p:attrNameLst>
+                                      </p:cBhvr>
+                                      <p:to>
+                                        <p:strVal val="visible"/>
+                                      </p:to>
+                                    </p:set>
+                                    <p:animEffect transition="in" filter="fade">
+                                      <p:cBhvr>
+                                        <p:cTn id="68" dur="250"/>
+                                        <p:tgtEl>
+                                          <p:spTgt spid="29"/>
+                                        </p:tgtEl>
+                                      </p:cBhvr>
+                                    </p:animEffect>
+                                  </p:childTnLst>
+                                </p:cTn>
+                              </p:par>
+                            </p:childTnLst>
+                          </p:cTn>
+                        </p:par>
+                        <p:par>
+                          <p:cTn id="69" fill="hold">
+                            <p:stCondLst>
+                              <p:cond delay="750"/>
+                            </p:stCondLst>
+                            <p:childTnLst>
+                              <p:par>
+                                <p:cTn id="70" presetID="10" presetClass="entr" presetSubtype="0" fill="hold" grpId="0" nodeType="afterEffect">
+                                  <p:stCondLst>
+                                    <p:cond delay="0"/>
+                                  </p:stCondLst>
+                                  <p:childTnLst>
+                                    <p:set>
+                                      <p:cBhvr>
+                                        <p:cTn id="71" dur="1" fill="hold">
+                                          <p:stCondLst>
+                                            <p:cond delay="0"/>
+                                          </p:stCondLst>
+                                        </p:cTn>
+                                        <p:tgtEl>
+                                          <p:spTgt spid="28"/>
+                                        </p:tgtEl>
+                                        <p:attrNameLst>
+                                          <p:attrName>style.visibility</p:attrName>
+                                        </p:attrNameLst>
+                                      </p:cBhvr>
+                                      <p:to>
+                                        <p:strVal val="visible"/>
+                                      </p:to>
+                                    </p:set>
+                                    <p:animEffect transition="in" filter="fade">
+                                      <p:cBhvr>
+                                        <p:cTn id="72" dur="250"/>
+                                        <p:tgtEl>
+                                          <p:spTgt spid="28"/>
+                                        </p:tgtEl>
+                                      </p:cBhvr>
+                                    </p:animEffect>
+                                  </p:childTnLst>
+                                </p:cTn>
+                              </p:par>
+                            </p:childTnLst>
+                          </p:cTn>
+                        </p:par>
+                        <p:par>
+                          <p:cTn id="73" fill="hold">
+                            <p:stCondLst>
+                              <p:cond delay="1000"/>
+                            </p:stCondLst>
+                            <p:childTnLst>
+                              <p:par>
+                                <p:cTn id="74" presetID="10" presetClass="entr" presetSubtype="0" fill="hold" grpId="0" nodeType="afterEffect">
+                                  <p:stCondLst>
+                                    <p:cond delay="0"/>
+                                  </p:stCondLst>
+                                  <p:childTnLst>
+                                    <p:set>
+                                      <p:cBhvr>
+                                        <p:cTn id="75" dur="1" fill="hold">
+                                          <p:stCondLst>
+                                            <p:cond delay="0"/>
+                                          </p:stCondLst>
+                                        </p:cTn>
+                                        <p:tgtEl>
+                                          <p:spTgt spid="21"/>
+                                        </p:tgtEl>
+                                        <p:attrNameLst>
+                                          <p:attrName>style.visibility</p:attrName>
+                                        </p:attrNameLst>
+                                      </p:cBhvr>
+                                      <p:to>
+                                        <p:strVal val="visible"/>
+                                      </p:to>
+                                    </p:set>
+                                    <p:animEffect transition="in" filter="fade">
+                                      <p:cBhvr>
+                                        <p:cTn id="76" dur="250"/>
+                                        <p:tgtEl>
+                                          <p:spTgt spid="21"/>
+                                        </p:tgtEl>
+                                      </p:cBhvr>
+                                    </p:animEffect>
+                                  </p:childTnLst>
+                                </p:cTn>
+                              </p:par>
+                            </p:childTnLst>
+                          </p:cTn>
+                        </p:par>
+                        <p:par>
+                          <p:cTn id="77" fill="hold">
+                            <p:stCondLst>
+                              <p:cond delay="1250"/>
+                            </p:stCondLst>
+                            <p:childTnLst>
+                              <p:par>
+                                <p:cTn id="78" presetID="10" presetClass="entr" presetSubtype="0" fill="hold" grpId="0" nodeType="afterEffect">
+                                  <p:stCondLst>
+                                    <p:cond delay="0"/>
+                                  </p:stCondLst>
+                                  <p:childTnLst>
+                                    <p:set>
+                                      <p:cBhvr>
+                                        <p:cTn id="79" dur="1" fill="hold">
+                                          <p:stCondLst>
+                                            <p:cond delay="0"/>
+                                          </p:stCondLst>
+                                        </p:cTn>
+                                        <p:tgtEl>
+                                          <p:spTgt spid="31"/>
+                                        </p:tgtEl>
+                                        <p:attrNameLst>
+                                          <p:attrName>style.visibility</p:attrName>
+                                        </p:attrNameLst>
+                                      </p:cBhvr>
+                                      <p:to>
+                                        <p:strVal val="visible"/>
+                                      </p:to>
+                                    </p:set>
+                                    <p:animEffect transition="in" filter="fade">
+                                      <p:cBhvr>
+                                        <p:cTn id="80" dur="250"/>
+                                        <p:tgtEl>
+                                          <p:spTgt spid="31"/>
+                                        </p:tgtEl>
+                                      </p:cBhvr>
+                                    </p:animEffect>
+                                  </p:childTnLst>
+                                </p:cTn>
+                              </p:par>
+                            </p:childTnLst>
+                          </p:cTn>
+                        </p:par>
+                        <p:par>
+                          <p:cTn id="81" fill="hold">
+                            <p:stCondLst>
+                              <p:cond delay="1500"/>
+                            </p:stCondLst>
+                            <p:childTnLst>
+                              <p:par>
+                                <p:cTn id="82" presetID="10" presetClass="entr" presetSubtype="0" fill="hold" grpId="0" nodeType="afterEffect">
+                                  <p:stCondLst>
+                                    <p:cond delay="0"/>
+                                  </p:stCondLst>
+                                  <p:childTnLst>
+                                    <p:set>
+                                      <p:cBhvr>
+                                        <p:cTn id="83" dur="1" fill="hold">
+                                          <p:stCondLst>
+                                            <p:cond delay="0"/>
+                                          </p:stCondLst>
+                                        </p:cTn>
+                                        <p:tgtEl>
+                                          <p:spTgt spid="25"/>
+                                        </p:tgtEl>
+                                        <p:attrNameLst>
+                                          <p:attrName>style.visibility</p:attrName>
+                                        </p:attrNameLst>
+                                      </p:cBhvr>
+                                      <p:to>
+                                        <p:strVal val="visible"/>
+                                      </p:to>
+                                    </p:set>
+                                    <p:animEffect transition="in" filter="fade">
+                                      <p:cBhvr>
+                                        <p:cTn id="84" dur="250"/>
+                                        <p:tgtEl>
+                                          <p:spTgt spid="25"/>
+                                        </p:tgtEl>
+                                      </p:cBhvr>
+                                    </p:animEffect>
+                                  </p:childTnLst>
+                                </p:cTn>
+                              </p:par>
+                            </p:childTnLst>
+                          </p:cTn>
+                        </p:par>
+                      </p:childTnLst>
+                    </p:cTn>
+                  </p:par>
+                  <p:par>
+                    <p:cTn id="85" fill="hold">
+                      <p:stCondLst>
+                        <p:cond delay="indefinite"/>
+                      </p:stCondLst>
+                      <p:childTnLst>
+                        <p:par>
+                          <p:cTn id="86" fill="hold">
+                            <p:stCondLst>
+                              <p:cond delay="0"/>
+                            </p:stCondLst>
+                            <p:childTnLst>
+                              <p:par>
+                                <p:cTn id="87" presetID="10" presetClass="entr" presetSubtype="0" fill="hold" grpId="0" nodeType="clickEffect">
+                                  <p:stCondLst>
+                                    <p:cond delay="0"/>
+                                  </p:stCondLst>
+                                  <p:childTnLst>
+                                    <p:set>
+                                      <p:cBhvr>
+                                        <p:cTn id="88" dur="1" fill="hold">
+                                          <p:stCondLst>
+                                            <p:cond delay="0"/>
+                                          </p:stCondLst>
+                                        </p:cTn>
+                                        <p:tgtEl>
+                                          <p:spTgt spid="30"/>
+                                        </p:tgtEl>
+                                        <p:attrNameLst>
+                                          <p:attrName>style.visibility</p:attrName>
+                                        </p:attrNameLst>
+                                      </p:cBhvr>
+                                      <p:to>
+                                        <p:strVal val="visible"/>
+                                      </p:to>
+                                    </p:set>
+                                    <p:animEffect transition="in" filter="fade">
+                                      <p:cBhvr>
+                                        <p:cTn id="89" dur="500"/>
+                                        <p:tgtEl>
+                                          <p:spTgt spid="30"/>
+                                        </p:tgtEl>
+                                      </p:cBhvr>
+                                    </p:animEffect>
+                                  </p:childTnLst>
+                                </p:cTn>
+                              </p:par>
+                            </p:childTnLst>
+                          </p:cTn>
+                        </p:par>
+                      </p:childTnLst>
+                    </p:cTn>
+                  </p:par>
+                </p:childTnLst>
+              </p:cTn>
+              <p:prevCondLst>
+                <p:cond evt="onPrev" delay="0">
+                  <p:tgtEl>
+                    <p:sldTgt/>
+                  </p:tgtEl>
+                </p:cond>
+              </p:prevCondLst>
+              <p:nextCondLst>
+                <p:cond evt="onNext" delay="0">
+                  <p:tgtEl>
+                    <p:sldTgt/>
+                  </p:tgtEl>
+                </p:cond>
+              </p:nextCondLst>
+            </p:seq>
+          </p:childTnLst>
+        </p:cTn>
       </p:par>
     </p:tnLst>
+    <p:bldLst>
+      <p:bldP spid="10" grpId="0" animBg="1"/>
+      <p:bldP spid="4" grpId="0" animBg="1"/>
+      <p:bldP spid="5" grpId="0" animBg="1"/>
+      <p:bldP spid="6" grpId="0" animBg="1"/>
+      <p:bldP spid="7" grpId="0" animBg="1"/>
+      <p:bldP spid="8" grpId="0" animBg="1"/>
+      <p:bldP spid="9" grpId="0" animBg="1"/>
+      <p:bldP spid="11" grpId="0" animBg="1"/>
+      <p:bldP spid="12" grpId="0" animBg="1"/>
+      <p:bldP spid="20" grpId="0" animBg="1"/>
+      <p:bldP spid="21" grpId="0" animBg="1"/>
+      <p:bldP spid="25" grpId="0" animBg="1"/>
+      <p:bldP spid="28" grpId="0" animBg="1"/>
+      <p:bldP spid="29" grpId="0" animBg="1"/>
+      <p:bldP spid="30" grpId="0" animBg="1"/>
+      <p:bldP spid="31" grpId="0" animBg="1"/>
+      <p:bldP spid="3" grpId="0"/>
+      <p:bldP spid="22" grpId="0"/>
+    </p:bldLst>
   </p:timing>
 </p:sld>
 </file>
 
-<file path=ppt/slides/slide6.xml><?xml version="1.0" encoding="utf-8"?>
+<file path=ppt/slides/slide8.xml><?xml version="1.0" encoding="utf-8"?>
 <p:sld xmlns:a="http://schemas.openxmlformats.org/drawingml/2006/main" xmlns:r="http://schemas.openxmlformats.org/officeDocument/2006/relationships" xmlns:p="http://schemas.openxmlformats.org/presentationml/2006/main">
   <p:cSld>
     <p:spTree>
@@ -42427,7 +44681,7 @@
 </p:sld>
 </file>
 
-<file path=ppt/slides/slide7.xml><?xml version="1.0" encoding="utf-8"?>
+<file path=ppt/slides/slide9.xml><?xml version="1.0" encoding="utf-8"?>
 <p:sld xmlns:a="http://schemas.openxmlformats.org/drawingml/2006/main" xmlns:r="http://schemas.openxmlformats.org/officeDocument/2006/relationships" xmlns:p="http://schemas.openxmlformats.org/presentationml/2006/main">
   <p:cSld>
     <p:spTree>
@@ -42465,7 +44719,11 @@
             </a:r>
             <a:r>
               <a:rPr lang="en-US" dirty="0"/>
-              <a:t>to cross platform </a:t>
+              <a:t>to </a:t>
+            </a:r>
+            <a:r>
+              <a:rPr lang="en-US" dirty="0" smtClean="0"/>
+              <a:t>cross platform </a:t>
             </a:r>
             <a:r>
               <a:rPr lang="en-US" dirty="0" smtClean="0"/>
@@ -42492,651 +44750,6 @@
       </p:par>
     </p:tnLst>
   </p:timing>
-</p:sld>
-</file>
-
-<file path=ppt/slides/slide8.xml><?xml version="1.0" encoding="utf-8"?>
-<p:sld xmlns:a="http://schemas.openxmlformats.org/drawingml/2006/main" xmlns:r="http://schemas.openxmlformats.org/officeDocument/2006/relationships" xmlns:p="http://schemas.openxmlformats.org/presentationml/2006/main">
-  <p:cSld>
-    <p:spTree>
-      <p:nvGrpSpPr>
-        <p:cNvPr id="1" name=""/>
-        <p:cNvGrpSpPr/>
-        <p:nvPr/>
-      </p:nvGrpSpPr>
-      <p:grpSpPr>
-        <a:xfrm>
-          <a:off x="0" y="0"/>
-          <a:ext cx="0" cy="0"/>
-          <a:chOff x="0" y="0"/>
-          <a:chExt cx="0" cy="0"/>
-        </a:xfrm>
-      </p:grpSpPr>
-      <p:graphicFrame>
-        <p:nvGraphicFramePr>
-          <p:cNvPr id="17" name="Таблица 16"/>
-          <p:cNvGraphicFramePr>
-            <a:graphicFrameLocks noGrp="1"/>
-          </p:cNvGraphicFramePr>
-          <p:nvPr>
-            <p:extLst>
-              <p:ext uri="{D42A27DB-BD31-4B8C-83A1-F6EECF244321}">
-                <p14:modId xmlns:p14="http://schemas.microsoft.com/office/powerpoint/2010/main" val="1720457916"/>
-              </p:ext>
-            </p:extLst>
-          </p:nvPr>
-        </p:nvGraphicFramePr>
-        <p:xfrm>
-          <a:off x="288670" y="875653"/>
-          <a:ext cx="8569836" cy="3543508"/>
-        </p:xfrm>
-        <a:graphic>
-          <a:graphicData uri="http://schemas.openxmlformats.org/drawingml/2006/table">
-            <a:tbl>
-              <a:tblPr firstRow="1">
-                <a:tableStyleId>{5C22544A-7EE6-4342-B048-85BDC9FD1C3A}</a:tableStyleId>
-              </a:tblPr>
-              <a:tblGrid>
-                <a:gridCol w="2332494">
-                  <a:extLst>
-                    <a:ext uri="{9D8B030D-6E8A-4147-A177-3AD203B41FA5}">
-                      <a16:colId xmlns:a16="http://schemas.microsoft.com/office/drawing/2014/main" val="2459031493"/>
-                    </a:ext>
-                  </a:extLst>
-                </a:gridCol>
-                <a:gridCol w="1416144">
-                  <a:extLst>
-                    <a:ext uri="{9D8B030D-6E8A-4147-A177-3AD203B41FA5}">
-                      <a16:colId xmlns:a16="http://schemas.microsoft.com/office/drawing/2014/main" val="2859956843"/>
-                    </a:ext>
-                  </a:extLst>
-                </a:gridCol>
-                <a:gridCol w="2678739">
-                  <a:extLst>
-                    <a:ext uri="{9D8B030D-6E8A-4147-A177-3AD203B41FA5}">
-                      <a16:colId xmlns:a16="http://schemas.microsoft.com/office/drawing/2014/main" val="1702188172"/>
-                    </a:ext>
-                  </a:extLst>
-                </a:gridCol>
-                <a:gridCol w="2142459">
-                  <a:extLst>
-                    <a:ext uri="{9D8B030D-6E8A-4147-A177-3AD203B41FA5}">
-                      <a16:colId xmlns:a16="http://schemas.microsoft.com/office/drawing/2014/main" val="1188113964"/>
-                    </a:ext>
-                  </a:extLst>
-                </a:gridCol>
-              </a:tblGrid>
-              <a:tr h="381513">
-                <a:tc gridSpan="2">
-                  <a:txBody>
-                    <a:bodyPr/>
-                    <a:lstStyle/>
-                    <a:p>
-                      <a:pPr marL="0" algn="ctr" defTabSz="914400" rtl="0" eaLnBrk="1" latinLnBrk="0" hangingPunct="1"/>
-                      <a:r>
-                        <a:rPr lang="en-US" sz="1800" b="1" kern="1200" dirty="0" smtClean="0">
-                          <a:solidFill>
-                            <a:schemeClr val="tx1"/>
-                          </a:solidFill>
-                          <a:latin typeface="+mn-lt"/>
-                          <a:ea typeface="+mn-ea"/>
-                          <a:cs typeface="+mn-cs"/>
-                        </a:rPr>
-                        <a:t>Library</a:t>
-                      </a:r>
-                      <a:endParaRPr lang="ru-RU" sz="1800" b="1" kern="1200" dirty="0">
-                        <a:solidFill>
-                          <a:schemeClr val="tx1"/>
-                        </a:solidFill>
-                        <a:latin typeface="+mn-lt"/>
-                        <a:ea typeface="+mn-ea"/>
-                        <a:cs typeface="+mn-cs"/>
-                      </a:endParaRPr>
-                    </a:p>
-                  </a:txBody>
-                  <a:tcPr>
-                    <a:solidFill>
-                      <a:schemeClr val="accent1"/>
-                    </a:solidFill>
-                  </a:tcPr>
-                </a:tc>
-                <a:tc hMerge="1">
-                  <a:txBody>
-                    <a:bodyPr/>
-                    <a:lstStyle/>
-                    <a:p>
-                      <a:pPr algn="ctr"/>
-                      <a:endParaRPr lang="ru-RU" dirty="0"/>
-                    </a:p>
-                  </a:txBody>
-                  <a:tcPr anchor="ctr"/>
-                </a:tc>
-                <a:tc>
-                  <a:txBody>
-                    <a:bodyPr/>
-                    <a:lstStyle/>
-                    <a:p>
-                      <a:pPr algn="ctr"/>
-                      <a:r>
-                        <a:rPr lang="en-US" dirty="0" smtClean="0">
-                          <a:solidFill>
-                            <a:schemeClr val="tx1"/>
-                          </a:solidFill>
-                        </a:rPr>
-                        <a:t>Language</a:t>
-                      </a:r>
-                      <a:endParaRPr lang="ru-RU" dirty="0">
-                        <a:solidFill>
-                          <a:schemeClr val="tx1"/>
-                        </a:solidFill>
-                      </a:endParaRPr>
-                    </a:p>
-                  </a:txBody>
-                  <a:tcPr anchor="ctr"/>
-                </a:tc>
-                <a:tc>
-                  <a:txBody>
-                    <a:bodyPr/>
-                    <a:lstStyle/>
-                    <a:p>
-                      <a:pPr algn="ctr"/>
-                      <a:r>
-                        <a:rPr lang="en-US" dirty="0" err="1" smtClean="0">
-                          <a:solidFill>
-                            <a:schemeClr val="tx1"/>
-                          </a:solidFill>
-                        </a:rPr>
-                        <a:t>.Net</a:t>
-                      </a:r>
-                      <a:r>
-                        <a:rPr lang="en-US" dirty="0" smtClean="0">
-                          <a:solidFill>
-                            <a:schemeClr val="tx1"/>
-                          </a:solidFill>
-                        </a:rPr>
-                        <a:t> wrappers</a:t>
-                      </a:r>
-                      <a:endParaRPr lang="ru-RU" dirty="0">
-                        <a:solidFill>
-                          <a:schemeClr val="tx1"/>
-                        </a:solidFill>
-                      </a:endParaRPr>
-                    </a:p>
-                  </a:txBody>
-                  <a:tcPr/>
-                </a:tc>
-                <a:extLst>
-                  <a:ext uri="{0D108BD9-81ED-4DB2-BD59-A6C34878D82A}">
-                    <a16:rowId xmlns:a16="http://schemas.microsoft.com/office/drawing/2014/main" val="1025612507"/>
-                  </a:ext>
-                </a:extLst>
-              </a:tr>
-              <a:tr h="632399">
-                <a:tc>
-                  <a:txBody>
-                    <a:bodyPr/>
-                    <a:lstStyle/>
-                    <a:p>
-                      <a:endParaRPr lang="ru-RU" dirty="0"/>
-                    </a:p>
-                  </a:txBody>
-                  <a:tcPr>
-                    <a:blipFill>
-                      <a:blip r:embed="rId3"/>
-                      <a:stretch>
-                        <a:fillRect/>
-                      </a:stretch>
-                    </a:blipFill>
-                  </a:tcPr>
-                </a:tc>
-                <a:tc>
-                  <a:txBody>
-                    <a:bodyPr/>
-                    <a:lstStyle/>
-                    <a:p>
-                      <a:pPr algn="ctr"/>
-                      <a:r>
-                        <a:rPr lang="en-US" smtClean="0"/>
-                        <a:t>GTK / GTK+</a:t>
-                      </a:r>
-                      <a:endParaRPr lang="ru-RU" dirty="0"/>
-                    </a:p>
-                  </a:txBody>
-                  <a:tcPr anchor="ctr"/>
-                </a:tc>
-                <a:tc>
-                  <a:txBody>
-                    <a:bodyPr/>
-                    <a:lstStyle/>
-                    <a:p>
-                      <a:pPr algn="ctr"/>
-                      <a:r>
-                        <a:rPr lang="en-US" dirty="0" smtClean="0"/>
-                        <a:t>C</a:t>
-                      </a:r>
-                      <a:endParaRPr lang="ru-RU" dirty="0"/>
-                    </a:p>
-                  </a:txBody>
-                  <a:tcPr anchor="ctr"/>
-                </a:tc>
-                <a:tc>
-                  <a:txBody>
-                    <a:bodyPr/>
-                    <a:lstStyle/>
-                    <a:p>
-                      <a:pPr algn="ctr"/>
-                      <a:r>
-                        <a:rPr lang="en-US" dirty="0" err="1" smtClean="0"/>
-                        <a:t>Gtk</a:t>
-                      </a:r>
-                      <a:r>
-                        <a:rPr lang="en-US" dirty="0" smtClean="0"/>
-                        <a:t>#, </a:t>
-                      </a:r>
-                      <a:r>
-                        <a:rPr lang="en-US" baseline="0" dirty="0" err="1" smtClean="0"/>
-                        <a:t>GtkSharp</a:t>
-                      </a:r>
-                      <a:endParaRPr lang="ru-RU" dirty="0"/>
-                    </a:p>
-                  </a:txBody>
-                  <a:tcPr anchor="ctr"/>
-                </a:tc>
-                <a:extLst>
-                  <a:ext uri="{0D108BD9-81ED-4DB2-BD59-A6C34878D82A}">
-                    <a16:rowId xmlns:a16="http://schemas.microsoft.com/office/drawing/2014/main" val="2632129284"/>
-                  </a:ext>
-                </a:extLst>
-              </a:tr>
-              <a:tr h="632399">
-                <a:tc>
-                  <a:txBody>
-                    <a:bodyPr/>
-                    <a:lstStyle/>
-                    <a:p>
-                      <a:endParaRPr lang="ru-RU" dirty="0"/>
-                    </a:p>
-                  </a:txBody>
-                  <a:tcPr>
-                    <a:blipFill>
-                      <a:blip r:embed="rId4"/>
-                      <a:stretch>
-                        <a:fillRect/>
-                      </a:stretch>
-                    </a:blipFill>
-                  </a:tcPr>
-                </a:tc>
-                <a:tc>
-                  <a:txBody>
-                    <a:bodyPr/>
-                    <a:lstStyle/>
-                    <a:p>
-                      <a:pPr algn="ctr"/>
-                      <a:r>
-                        <a:rPr lang="en-US" dirty="0" err="1" smtClean="0"/>
-                        <a:t>Qt</a:t>
-                      </a:r>
-                      <a:endParaRPr lang="ru-RU" dirty="0"/>
-                    </a:p>
-                  </a:txBody>
-                  <a:tcPr anchor="ctr"/>
-                </a:tc>
-                <a:tc>
-                  <a:txBody>
-                    <a:bodyPr/>
-                    <a:lstStyle/>
-                    <a:p>
-                      <a:pPr algn="ctr"/>
-                      <a:r>
-                        <a:rPr lang="en-US" dirty="0" smtClean="0"/>
-                        <a:t>C++</a:t>
-                      </a:r>
-                      <a:endParaRPr lang="ru-RU" dirty="0"/>
-                    </a:p>
-                  </a:txBody>
-                  <a:tcPr anchor="ctr"/>
-                </a:tc>
-                <a:tc>
-                  <a:txBody>
-                    <a:bodyPr/>
-                    <a:lstStyle/>
-                    <a:p>
-                      <a:pPr algn="ctr"/>
-                      <a:r>
-                        <a:rPr lang="en-US" dirty="0" err="1" smtClean="0"/>
-                        <a:t>QtSharp</a:t>
-                      </a:r>
-                      <a:r>
-                        <a:rPr lang="en-US" dirty="0" smtClean="0"/>
-                        <a:t>, </a:t>
-                      </a:r>
-                      <a:r>
-                        <a:rPr lang="en-US" dirty="0" err="1" smtClean="0"/>
-                        <a:t>QmlNet</a:t>
-                      </a:r>
-                      <a:endParaRPr lang="ru-RU" dirty="0"/>
-                    </a:p>
-                  </a:txBody>
-                  <a:tcPr anchor="ctr"/>
-                </a:tc>
-                <a:extLst>
-                  <a:ext uri="{0D108BD9-81ED-4DB2-BD59-A6C34878D82A}">
-                    <a16:rowId xmlns:a16="http://schemas.microsoft.com/office/drawing/2014/main" val="1978111912"/>
-                  </a:ext>
-                </a:extLst>
-              </a:tr>
-              <a:tr h="632399">
-                <a:tc>
-                  <a:txBody>
-                    <a:bodyPr/>
-                    <a:lstStyle/>
-                    <a:p>
-                      <a:endParaRPr lang="ru-RU" dirty="0"/>
-                    </a:p>
-                  </a:txBody>
-                  <a:tcPr>
-                    <a:blipFill>
-                      <a:blip r:embed="rId5"/>
-                      <a:stretch>
-                        <a:fillRect/>
-                      </a:stretch>
-                    </a:blipFill>
-                  </a:tcPr>
-                </a:tc>
-                <a:tc>
-                  <a:txBody>
-                    <a:bodyPr/>
-                    <a:lstStyle/>
-                    <a:p>
-                      <a:pPr algn="ctr"/>
-                      <a:r>
-                        <a:rPr lang="en-US" dirty="0" err="1" smtClean="0"/>
-                        <a:t>wxWidgets</a:t>
-                      </a:r>
-                      <a:endParaRPr lang="ru-RU" dirty="0"/>
-                    </a:p>
-                  </a:txBody>
-                  <a:tcPr anchor="ctr"/>
-                </a:tc>
-                <a:tc>
-                  <a:txBody>
-                    <a:bodyPr/>
-                    <a:lstStyle/>
-                    <a:p>
-                      <a:pPr algn="ctr"/>
-                      <a:r>
-                        <a:rPr lang="en-US" dirty="0" smtClean="0"/>
-                        <a:t>C++</a:t>
-                      </a:r>
-                      <a:endParaRPr lang="ru-RU" dirty="0"/>
-                    </a:p>
-                  </a:txBody>
-                  <a:tcPr anchor="ctr"/>
-                </a:tc>
-                <a:tc>
-                  <a:txBody>
-                    <a:bodyPr/>
-                    <a:lstStyle/>
-                    <a:p>
-                      <a:pPr algn="ctr"/>
-                      <a:r>
-                        <a:rPr lang="en-US" dirty="0" smtClean="0"/>
-                        <a:t>-</a:t>
-                      </a:r>
-                      <a:endParaRPr lang="ru-RU" dirty="0"/>
-                    </a:p>
-                  </a:txBody>
-                  <a:tcPr anchor="ctr"/>
-                </a:tc>
-                <a:extLst>
-                  <a:ext uri="{0D108BD9-81ED-4DB2-BD59-A6C34878D82A}">
-                    <a16:rowId xmlns:a16="http://schemas.microsoft.com/office/drawing/2014/main" val="4134570689"/>
-                  </a:ext>
-                </a:extLst>
-              </a:tr>
-              <a:tr h="632399">
-                <a:tc>
-                  <a:txBody>
-                    <a:bodyPr/>
-                    <a:lstStyle/>
-                    <a:p>
-                      <a:endParaRPr lang="ru-RU" dirty="0"/>
-                    </a:p>
-                  </a:txBody>
-                  <a:tcPr>
-                    <a:blipFill>
-                      <a:blip r:embed="rId6"/>
-                      <a:stretch>
-                        <a:fillRect/>
-                      </a:stretch>
-                    </a:blipFill>
-                  </a:tcPr>
-                </a:tc>
-                <a:tc>
-                  <a:txBody>
-                    <a:bodyPr/>
-                    <a:lstStyle/>
-                    <a:p>
-                      <a:pPr algn="ctr"/>
-                      <a:r>
-                        <a:rPr lang="en-US" dirty="0" smtClean="0"/>
-                        <a:t>Swing</a:t>
-                      </a:r>
-                      <a:endParaRPr lang="ru-RU" dirty="0"/>
-                    </a:p>
-                  </a:txBody>
-                  <a:tcPr anchor="ctr"/>
-                </a:tc>
-                <a:tc>
-                  <a:txBody>
-                    <a:bodyPr/>
-                    <a:lstStyle/>
-                    <a:p>
-                      <a:pPr algn="ctr"/>
-                      <a:r>
-                        <a:rPr lang="en-US" dirty="0" smtClean="0"/>
-                        <a:t>Java</a:t>
-                      </a:r>
-                      <a:endParaRPr lang="ru-RU" dirty="0"/>
-                    </a:p>
-                  </a:txBody>
-                  <a:tcPr anchor="ctr"/>
-                </a:tc>
-                <a:tc>
-                  <a:txBody>
-                    <a:bodyPr/>
-                    <a:lstStyle/>
-                    <a:p>
-                      <a:pPr algn="ctr"/>
-                      <a:r>
-                        <a:rPr lang="en-US" dirty="0" smtClean="0"/>
-                        <a:t>-</a:t>
-                      </a:r>
-                      <a:endParaRPr lang="ru-RU" dirty="0"/>
-                    </a:p>
-                  </a:txBody>
-                  <a:tcPr anchor="ctr"/>
-                </a:tc>
-                <a:extLst>
-                  <a:ext uri="{0D108BD9-81ED-4DB2-BD59-A6C34878D82A}">
-                    <a16:rowId xmlns:a16="http://schemas.microsoft.com/office/drawing/2014/main" val="1463979126"/>
-                  </a:ext>
-                </a:extLst>
-              </a:tr>
-              <a:tr h="632399">
-                <a:tc>
-                  <a:txBody>
-                    <a:bodyPr/>
-                    <a:lstStyle/>
-                    <a:p>
-                      <a:endParaRPr lang="ru-RU" dirty="0"/>
-                    </a:p>
-                  </a:txBody>
-                  <a:tcPr>
-                    <a:blipFill>
-                      <a:blip r:embed="rId7"/>
-                      <a:stretch>
-                        <a:fillRect/>
-                      </a:stretch>
-                    </a:blipFill>
-                  </a:tcPr>
-                </a:tc>
-                <a:tc>
-                  <a:txBody>
-                    <a:bodyPr/>
-                    <a:lstStyle/>
-                    <a:p>
-                      <a:pPr algn="ctr"/>
-                      <a:r>
-                        <a:rPr lang="en-US" dirty="0" smtClean="0"/>
-                        <a:t>SWT</a:t>
-                      </a:r>
-                      <a:endParaRPr lang="ru-RU" dirty="0"/>
-                    </a:p>
-                  </a:txBody>
-                  <a:tcPr anchor="ctr"/>
-                </a:tc>
-                <a:tc>
-                  <a:txBody>
-                    <a:bodyPr/>
-                    <a:lstStyle/>
-                    <a:p>
-                      <a:pPr algn="ctr"/>
-                      <a:r>
-                        <a:rPr lang="en-US" dirty="0" smtClean="0"/>
-                        <a:t>Java</a:t>
-                      </a:r>
-                      <a:endParaRPr lang="ru-RU" dirty="0"/>
-                    </a:p>
-                  </a:txBody>
-                  <a:tcPr anchor="ctr"/>
-                </a:tc>
-                <a:tc>
-                  <a:txBody>
-                    <a:bodyPr/>
-                    <a:lstStyle/>
-                    <a:p>
-                      <a:pPr algn="ctr"/>
-                      <a:r>
-                        <a:rPr lang="en-US" dirty="0" smtClean="0"/>
-                        <a:t>-</a:t>
-                      </a:r>
-                      <a:endParaRPr lang="ru-RU" dirty="0"/>
-                    </a:p>
-                  </a:txBody>
-                  <a:tcPr anchor="ctr"/>
-                </a:tc>
-                <a:extLst>
-                  <a:ext uri="{0D108BD9-81ED-4DB2-BD59-A6C34878D82A}">
-                    <a16:rowId xmlns:a16="http://schemas.microsoft.com/office/drawing/2014/main" val="2759806467"/>
-                  </a:ext>
-                </a:extLst>
-              </a:tr>
-            </a:tbl>
-          </a:graphicData>
-        </a:graphic>
-      </p:graphicFrame>
-      <p:sp>
-        <p:nvSpPr>
-          <p:cNvPr id="3" name="Заголовок 2"/>
-          <p:cNvSpPr>
-            <a:spLocks noGrp="1"/>
-          </p:cNvSpPr>
-          <p:nvPr>
-            <p:ph type="title"/>
-          </p:nvPr>
-        </p:nvSpPr>
-        <p:spPr/>
-        <p:txBody>
-          <a:bodyPr/>
-          <a:lstStyle/>
-          <a:p>
-            <a:r>
-              <a:rPr lang="en-US" dirty="0"/>
-              <a:t>Popular </a:t>
-            </a:r>
-            <a:r>
-              <a:rPr lang="en-US" dirty="0" smtClean="0"/>
-              <a:t>Cross-platform </a:t>
-            </a:r>
-            <a:r>
-              <a:rPr lang="en-US" dirty="0"/>
-              <a:t>GUI libraries</a:t>
-            </a:r>
-            <a:endParaRPr lang="ru-RU" dirty="0"/>
-          </a:p>
-        </p:txBody>
-      </p:sp>
-    </p:spTree>
-    <p:extLst>
-      <p:ext uri="{BB962C8B-B14F-4D97-AF65-F5344CB8AC3E}">
-        <p14:creationId xmlns:p14="http://schemas.microsoft.com/office/powerpoint/2010/main" val="3220400109"/>
-      </p:ext>
-    </p:extLst>
-  </p:cSld>
-  <p:clrMapOvr>
-    <a:masterClrMapping/>
-  </p:clrMapOvr>
-  <p:timing>
-    <p:tnLst>
-      <p:par>
-        <p:cTn id="1" dur="indefinite" restart="never" nodeType="tmRoot"/>
-      </p:par>
-    </p:tnLst>
-  </p:timing>
-</p:sld>
-</file>
-
-<file path=ppt/slides/slide9.xml><?xml version="1.0" encoding="utf-8"?>
-<p:sld xmlns:a="http://schemas.openxmlformats.org/drawingml/2006/main" xmlns:r="http://schemas.openxmlformats.org/officeDocument/2006/relationships" xmlns:p="http://schemas.openxmlformats.org/presentationml/2006/main">
-  <p:cSld>
-    <p:spTree>
-      <p:nvGrpSpPr>
-        <p:cNvPr id="1" name=""/>
-        <p:cNvGrpSpPr/>
-        <p:nvPr/>
-      </p:nvGrpSpPr>
-      <p:grpSpPr>
-        <a:xfrm>
-          <a:off x="0" y="0"/>
-          <a:ext cx="0" cy="0"/>
-          <a:chOff x="0" y="0"/>
-          <a:chExt cx="0" cy="0"/>
-        </a:xfrm>
-      </p:grpSpPr>
-      <p:sp>
-        <p:nvSpPr>
-          <p:cNvPr id="3" name="Заголовок 2"/>
-          <p:cNvSpPr>
-            <a:spLocks noGrp="1"/>
-          </p:cNvSpPr>
-          <p:nvPr>
-            <p:ph type="title"/>
-          </p:nvPr>
-        </p:nvSpPr>
-        <p:spPr/>
-        <p:txBody>
-          <a:bodyPr/>
-          <a:lstStyle/>
-          <a:p>
-            <a:r>
-              <a:rPr lang="en-US" dirty="0" smtClean="0"/>
-              <a:t>GTK</a:t>
-            </a:r>
-            <a:endParaRPr lang="ru-RU" dirty="0"/>
-          </a:p>
-        </p:txBody>
-      </p:sp>
-    </p:spTree>
-    <p:extLst>
-      <p:ext uri="{BB962C8B-B14F-4D97-AF65-F5344CB8AC3E}">
-        <p14:creationId xmlns:p14="http://schemas.microsoft.com/office/powerpoint/2010/main" val="3362138878"/>
-      </p:ext>
-    </p:extLst>
-  </p:cSld>
-  <p:clrMapOvr>
-    <a:masterClrMapping/>
-  </p:clrMapOvr>
 </p:sld>
 </file>
 

--- a/presentation.pptx
+++ b/presentation.pptx
@@ -7,10 +7,10 @@
     <p:sldMasterId id="2147483663" r:id="rId6"/>
   </p:sldMasterIdLst>
   <p:notesMasterIdLst>
-    <p:notesMasterId r:id="rId47"/>
+    <p:notesMasterId r:id="rId51"/>
   </p:notesMasterIdLst>
   <p:handoutMasterIdLst>
-    <p:handoutMasterId r:id="rId48"/>
+    <p:handoutMasterId r:id="rId52"/>
   </p:handoutMasterIdLst>
   <p:sldIdLst>
     <p:sldId id="270" r:id="rId7"/>
@@ -35,24 +35,28 @@
     <p:sldId id="300" r:id="rId26"/>
     <p:sldId id="279" r:id="rId27"/>
     <p:sldId id="280" r:id="rId28"/>
-    <p:sldId id="284" r:id="rId29"/>
-    <p:sldId id="297" r:id="rId30"/>
-    <p:sldId id="301" r:id="rId31"/>
-    <p:sldId id="305" r:id="rId32"/>
-    <p:sldId id="302" r:id="rId33"/>
-    <p:sldId id="281" r:id="rId34"/>
-    <p:sldId id="282" r:id="rId35"/>
-    <p:sldId id="283" r:id="rId36"/>
-    <p:sldId id="285" r:id="rId37"/>
-    <p:sldId id="303" r:id="rId38"/>
-    <p:sldId id="286" r:id="rId39"/>
-    <p:sldId id="306" r:id="rId40"/>
-    <p:sldId id="307" r:id="rId41"/>
-    <p:sldId id="287" r:id="rId42"/>
-    <p:sldId id="288" r:id="rId43"/>
-    <p:sldId id="268" r:id="rId44"/>
-    <p:sldId id="290" r:id="rId45"/>
-    <p:sldId id="289" r:id="rId46"/>
+    <p:sldId id="313" r:id="rId29"/>
+    <p:sldId id="284" r:id="rId30"/>
+    <p:sldId id="297" r:id="rId31"/>
+    <p:sldId id="301" r:id="rId32"/>
+    <p:sldId id="305" r:id="rId33"/>
+    <p:sldId id="302" r:id="rId34"/>
+    <p:sldId id="281" r:id="rId35"/>
+    <p:sldId id="314" r:id="rId36"/>
+    <p:sldId id="315" r:id="rId37"/>
+    <p:sldId id="316" r:id="rId38"/>
+    <p:sldId id="282" r:id="rId39"/>
+    <p:sldId id="283" r:id="rId40"/>
+    <p:sldId id="285" r:id="rId41"/>
+    <p:sldId id="303" r:id="rId42"/>
+    <p:sldId id="286" r:id="rId43"/>
+    <p:sldId id="306" r:id="rId44"/>
+    <p:sldId id="307" r:id="rId45"/>
+    <p:sldId id="287" r:id="rId46"/>
+    <p:sldId id="288" r:id="rId47"/>
+    <p:sldId id="268" r:id="rId48"/>
+    <p:sldId id="290" r:id="rId49"/>
+    <p:sldId id="289" r:id="rId50"/>
   </p:sldIdLst>
   <p:sldSz cx="9144000" cy="5143500" type="screen16x9"/>
   <p:notesSz cx="6858000" cy="9144000"/>
@@ -9909,7 +9913,7 @@
                 <a:tabLst/>
                 <a:defRPr/>
               </a:pPr>
-              <a:t>26</a:t>
+              <a:t>27</a:t>
             </a:fld>
             <a:endParaRPr kumimoji="0" lang="en-US" sz="1200" b="0" i="0" u="none" strike="noStrike" kern="1200" cap="none" spc="0" normalizeH="0" baseline="0" noProof="0">
               <a:ln>
@@ -10006,7 +10010,7 @@
           <a:p>
             <a:fld id="{A874FABB-6DBE-47C4-B626-20167906F475}" type="slidenum">
               <a:rPr lang="en-US" smtClean="0"/>
-              <a:t>30</a:t>
+              <a:t>34</a:t>
             </a:fld>
             <a:endParaRPr lang="en-US"/>
           </a:p>
@@ -10137,7 +10141,7 @@
                 <a:tabLst/>
                 <a:defRPr/>
               </a:pPr>
-              <a:t>34</a:t>
+              <a:t>38</a:t>
             </a:fld>
             <a:endParaRPr kumimoji="0" lang="en-US" sz="1200" b="0" i="0" u="none" strike="noStrike" kern="1200" cap="none" spc="0" normalizeH="0" baseline="0" noProof="0">
               <a:ln>
@@ -27337,8 +27341,8 @@
           <a:lstStyle/>
           <a:p>
             <a:r>
-              <a:rPr lang="en-US" dirty="0" smtClean="0"/>
-              <a:t>GTK</a:t>
+              <a:rPr lang="en-US" dirty="0"/>
+              <a:t>Architecture</a:t>
             </a:r>
             <a:endParaRPr lang="ru-RU" dirty="0"/>
           </a:p>
@@ -31531,6 +31535,66 @@
       </p:grpSpPr>
       <p:sp>
         <p:nvSpPr>
+          <p:cNvPr id="3" name="Заголовок 2"/>
+          <p:cNvSpPr>
+            <a:spLocks noGrp="1"/>
+          </p:cNvSpPr>
+          <p:nvPr>
+            <p:ph type="title"/>
+          </p:nvPr>
+        </p:nvSpPr>
+        <p:spPr/>
+        <p:txBody>
+          <a:bodyPr/>
+          <a:lstStyle/>
+          <a:p>
+            <a:r>
+              <a:rPr lang="en-US" dirty="0" err="1" smtClean="0"/>
+              <a:t>Eto.Forms</a:t>
+            </a:r>
+            <a:endParaRPr lang="ru-RU" dirty="0"/>
+          </a:p>
+        </p:txBody>
+      </p:sp>
+    </p:spTree>
+    <p:extLst>
+      <p:ext uri="{BB962C8B-B14F-4D97-AF65-F5344CB8AC3E}">
+        <p14:creationId xmlns:p14="http://schemas.microsoft.com/office/powerpoint/2010/main" val="4132122319"/>
+      </p:ext>
+    </p:extLst>
+  </p:cSld>
+  <p:clrMapOvr>
+    <a:masterClrMapping/>
+  </p:clrMapOvr>
+  <p:timing>
+    <p:tnLst>
+      <p:par>
+        <p:cTn id="1" dur="indefinite" restart="never" nodeType="tmRoot"/>
+      </p:par>
+    </p:tnLst>
+  </p:timing>
+</p:sld>
+</file>
+
+<file path=ppt/slides/slide24.xml><?xml version="1.0" encoding="utf-8"?>
+<p:sld xmlns:a="http://schemas.openxmlformats.org/drawingml/2006/main" xmlns:r="http://schemas.openxmlformats.org/officeDocument/2006/relationships" xmlns:p="http://schemas.openxmlformats.org/presentationml/2006/main">
+  <p:cSld>
+    <p:spTree>
+      <p:nvGrpSpPr>
+        <p:cNvPr id="1" name=""/>
+        <p:cNvGrpSpPr/>
+        <p:nvPr/>
+      </p:nvGrpSpPr>
+      <p:grpSpPr>
+        <a:xfrm>
+          <a:off x="0" y="0"/>
+          <a:ext cx="0" cy="0"/>
+          <a:chOff x="0" y="0"/>
+          <a:chExt cx="0" cy="0"/>
+        </a:xfrm>
+      </p:grpSpPr>
+      <p:sp>
+        <p:nvSpPr>
           <p:cNvPr id="2" name="Заголовок 1"/>
           <p:cNvSpPr>
             <a:spLocks noGrp="1"/>
@@ -31545,8 +31609,8 @@
           <a:lstStyle/>
           <a:p>
             <a:r>
-              <a:rPr lang="en-US" smtClean="0"/>
-              <a:t>Eto</a:t>
+              <a:rPr lang="en-US" dirty="0" smtClean="0"/>
+              <a:t>Architecture</a:t>
             </a:r>
             <a:endParaRPr lang="ru-RU" dirty="0"/>
           </a:p>
@@ -33115,7 +33179,7 @@
 </p:sld>
 </file>
 
-<file path=ppt/slides/slide24.xml><?xml version="1.0" encoding="utf-8"?>
+<file path=ppt/slides/slide25.xml><?xml version="1.0" encoding="utf-8"?>
 <p:sld xmlns:a="http://schemas.openxmlformats.org/drawingml/2006/main" xmlns:r="http://schemas.openxmlformats.org/officeDocument/2006/relationships" xmlns:p="http://schemas.openxmlformats.org/presentationml/2006/main">
   <p:cSld>
     <p:spTree>
@@ -40666,7 +40730,7 @@
 </p:sld>
 </file>
 
-<file path=ppt/slides/slide25.xml><?xml version="1.0" encoding="utf-8"?>
+<file path=ppt/slides/slide26.xml><?xml version="1.0" encoding="utf-8"?>
 <p:sld xmlns:a="http://schemas.openxmlformats.org/drawingml/2006/main" xmlns:r="http://schemas.openxmlformats.org/officeDocument/2006/relationships" xmlns:p="http://schemas.openxmlformats.org/presentationml/2006/main">
   <p:cSld>
     <p:spTree>
@@ -40824,7 +40888,7 @@
 </p:sld>
 </file>
 
-<file path=ppt/slides/slide26.xml><?xml version="1.0" encoding="utf-8"?>
+<file path=ppt/slides/slide27.xml><?xml version="1.0" encoding="utf-8"?>
 <p:sld xmlns:a="http://schemas.openxmlformats.org/drawingml/2006/main" xmlns:r="http://schemas.openxmlformats.org/officeDocument/2006/relationships" xmlns:p="http://schemas.openxmlformats.org/presentationml/2006/main">
   <p:cSld>
     <p:spTree>
@@ -40884,7 +40948,7 @@
 </p:sld>
 </file>
 
-<file path=ppt/slides/slide27.xml><?xml version="1.0" encoding="utf-8"?>
+<file path=ppt/slides/slide28.xml><?xml version="1.0" encoding="utf-8"?>
 <p:sld xmlns:a="http://schemas.openxmlformats.org/drawingml/2006/main" xmlns:r="http://schemas.openxmlformats.org/officeDocument/2006/relationships" xmlns:p="http://schemas.openxmlformats.org/presentationml/2006/main">
   <p:cSld>
     <p:spTree>
@@ -41105,11 +41169,18 @@
   <p:clrMapOvr>
     <a:masterClrMapping/>
   </p:clrMapOvr>
+  <p:timing>
+    <p:tnLst>
+      <p:par>
+        <p:cTn id="1" dur="indefinite" restart="never" nodeType="tmRoot"/>
+      </p:par>
+    </p:tnLst>
+  </p:timing>
 </p:sld>
 </file>
 
-<file path=ppt/slides/slide28.xml><?xml version="1.0" encoding="utf-8"?>
-<p:sld xmlns:a="http://schemas.openxmlformats.org/drawingml/2006/main" xmlns:r="http://schemas.openxmlformats.org/officeDocument/2006/relationships" xmlns:p="http://schemas.openxmlformats.org/presentationml/2006/main" show="0">
+<file path=ppt/slides/slide29.xml><?xml version="1.0" encoding="utf-8"?>
+<p:sld xmlns:a="http://schemas.openxmlformats.org/drawingml/2006/main" xmlns:r="http://schemas.openxmlformats.org/officeDocument/2006/relationships" xmlns:p="http://schemas.openxmlformats.org/presentationml/2006/main">
   <p:cSld>
     <p:spTree>
       <p:nvGrpSpPr>
@@ -41158,67 +41229,14 @@
   <p:clrMapOvr>
     <a:masterClrMapping/>
   </p:clrMapOvr>
-  <mc:AlternateContent xmlns:mc="http://schemas.openxmlformats.org/markup-compatibility/2006" xmlns:p14="http://schemas.microsoft.com/office/powerpoint/2010/main">
-    <mc:Choice Requires="p14">
+  <mc:AlternateContent xmlns:mc="http://schemas.openxmlformats.org/markup-compatibility/2006">
+    <mc:Choice xmlns:p14="http://schemas.microsoft.com/office/powerpoint/2010/main" Requires="p14">
       <p:transition spd="slow" p14:dur="2000"/>
     </mc:Choice>
-    <mc:Fallback xmlns="">
+    <mc:Fallback>
       <p:transition spd="slow"/>
     </mc:Fallback>
   </mc:AlternateContent>
-</p:sld>
-</file>
-
-<file path=ppt/slides/slide29.xml><?xml version="1.0" encoding="utf-8"?>
-<p:sld xmlns:a="http://schemas.openxmlformats.org/drawingml/2006/main" xmlns:r="http://schemas.openxmlformats.org/officeDocument/2006/relationships" xmlns:p="http://schemas.openxmlformats.org/presentationml/2006/main">
-  <p:cSld>
-    <p:spTree>
-      <p:nvGrpSpPr>
-        <p:cNvPr id="1" name=""/>
-        <p:cNvGrpSpPr/>
-        <p:nvPr/>
-      </p:nvGrpSpPr>
-      <p:grpSpPr>
-        <a:xfrm>
-          <a:off x="0" y="0"/>
-          <a:ext cx="0" cy="0"/>
-          <a:chOff x="0" y="0"/>
-          <a:chExt cx="0" cy="0"/>
-        </a:xfrm>
-      </p:grpSpPr>
-      <p:sp>
-        <p:nvSpPr>
-          <p:cNvPr id="3" name="Заголовок 2"/>
-          <p:cNvSpPr>
-            <a:spLocks noGrp="1"/>
-          </p:cNvSpPr>
-          <p:nvPr>
-            <p:ph type="title"/>
-          </p:nvPr>
-        </p:nvSpPr>
-        <p:spPr/>
-        <p:txBody>
-          <a:bodyPr/>
-          <a:lstStyle/>
-          <a:p>
-            <a:r>
-              <a:rPr lang="en-US" dirty="0" smtClean="0"/>
-              <a:t>HTML/CSS-based frameworks</a:t>
-            </a:r>
-            <a:endParaRPr lang="ru-RU" dirty="0"/>
-          </a:p>
-        </p:txBody>
-      </p:sp>
-    </p:spTree>
-    <p:extLst>
-      <p:ext uri="{BB962C8B-B14F-4D97-AF65-F5344CB8AC3E}">
-        <p14:creationId xmlns:p14="http://schemas.microsoft.com/office/powerpoint/2010/main" val="1456736141"/>
-      </p:ext>
-    </p:extLst>
-  </p:cSld>
-  <p:clrMapOvr>
-    <a:masterClrMapping/>
-  </p:clrMapOvr>
   <p:timing>
     <p:tnLst>
       <p:par>
@@ -41703,6 +41721,272 @@
           <a:p>
             <a:r>
               <a:rPr lang="en-US" dirty="0"/>
+              <a:t>Architecture</a:t>
+            </a:r>
+            <a:endParaRPr lang="ru-RU" dirty="0"/>
+          </a:p>
+        </p:txBody>
+      </p:sp>
+      <p:pic>
+        <p:nvPicPr>
+          <p:cNvPr id="4" name="Рисунок 3"/>
+          <p:cNvPicPr>
+            <a:picLocks noChangeAspect="1"/>
+          </p:cNvPicPr>
+          <p:nvPr/>
+        </p:nvPicPr>
+        <p:blipFill>
+          <a:blip r:embed="rId2" cstate="print">
+            <a:extLst>
+              <a:ext uri="{28A0092B-C50C-407E-A947-70E740481C1C}">
+                <a14:useLocalDpi xmlns:a14="http://schemas.microsoft.com/office/drawing/2010/main" val="0"/>
+              </a:ext>
+            </a:extLst>
+          </a:blip>
+          <a:stretch>
+            <a:fillRect/>
+          </a:stretch>
+        </p:blipFill>
+        <p:spPr>
+          <a:xfrm>
+            <a:off x="1196340" y="960120"/>
+            <a:ext cx="6224522" cy="3591890"/>
+          </a:xfrm>
+          <a:prstGeom prst="rect">
+            <a:avLst/>
+          </a:prstGeom>
+        </p:spPr>
+      </p:pic>
+    </p:spTree>
+    <p:extLst>
+      <p:ext uri="{BB962C8B-B14F-4D97-AF65-F5344CB8AC3E}">
+        <p14:creationId xmlns:p14="http://schemas.microsoft.com/office/powerpoint/2010/main" val="1445050922"/>
+      </p:ext>
+    </p:extLst>
+  </p:cSld>
+  <p:clrMapOvr>
+    <a:masterClrMapping/>
+  </p:clrMapOvr>
+  <p:timing>
+    <p:tnLst>
+      <p:par>
+        <p:cTn id="1" dur="indefinite" restart="never" nodeType="tmRoot"/>
+      </p:par>
+    </p:tnLst>
+  </p:timing>
+</p:sld>
+</file>
+
+<file path=ppt/slides/slide31.xml><?xml version="1.0" encoding="utf-8"?>
+<p:sld xmlns:a="http://schemas.openxmlformats.org/drawingml/2006/main" xmlns:r="http://schemas.openxmlformats.org/officeDocument/2006/relationships" xmlns:p="http://schemas.openxmlformats.org/presentationml/2006/main">
+  <p:cSld>
+    <p:spTree>
+      <p:nvGrpSpPr>
+        <p:cNvPr id="1" name=""/>
+        <p:cNvGrpSpPr/>
+        <p:nvPr/>
+      </p:nvGrpSpPr>
+      <p:grpSpPr>
+        <a:xfrm>
+          <a:off x="0" y="0"/>
+          <a:ext cx="0" cy="0"/>
+          <a:chOff x="0" y="0"/>
+          <a:chExt cx="0" cy="0"/>
+        </a:xfrm>
+      </p:grpSpPr>
+      <p:sp>
+        <p:nvSpPr>
+          <p:cNvPr id="2" name="Заголовок 1"/>
+          <p:cNvSpPr>
+            <a:spLocks noGrp="1"/>
+          </p:cNvSpPr>
+          <p:nvPr>
+            <p:ph type="title"/>
+          </p:nvPr>
+        </p:nvSpPr>
+        <p:spPr/>
+        <p:txBody>
+          <a:bodyPr/>
+          <a:lstStyle/>
+          <a:p>
+            <a:r>
+              <a:rPr lang="en-US" dirty="0" smtClean="0"/>
+              <a:t>Development</a:t>
+            </a:r>
+            <a:endParaRPr lang="ru-RU" dirty="0"/>
+          </a:p>
+        </p:txBody>
+      </p:sp>
+    </p:spTree>
+    <p:extLst>
+      <p:ext uri="{BB962C8B-B14F-4D97-AF65-F5344CB8AC3E}">
+        <p14:creationId xmlns:p14="http://schemas.microsoft.com/office/powerpoint/2010/main" val="4203435906"/>
+      </p:ext>
+    </p:extLst>
+  </p:cSld>
+  <p:clrMapOvr>
+    <a:masterClrMapping/>
+  </p:clrMapOvr>
+  <p:timing>
+    <p:tnLst>
+      <p:par>
+        <p:cTn id="1" dur="indefinite" restart="never" nodeType="tmRoot"/>
+      </p:par>
+    </p:tnLst>
+  </p:timing>
+</p:sld>
+</file>
+
+<file path=ppt/slides/slide32.xml><?xml version="1.0" encoding="utf-8"?>
+<p:sld xmlns:a="http://schemas.openxmlformats.org/drawingml/2006/main" xmlns:r="http://schemas.openxmlformats.org/officeDocument/2006/relationships" xmlns:p="http://schemas.openxmlformats.org/presentationml/2006/main">
+  <p:cSld>
+    <p:spTree>
+      <p:nvGrpSpPr>
+        <p:cNvPr id="1" name=""/>
+        <p:cNvGrpSpPr/>
+        <p:nvPr/>
+      </p:nvGrpSpPr>
+      <p:grpSpPr>
+        <a:xfrm>
+          <a:off x="0" y="0"/>
+          <a:ext cx="0" cy="0"/>
+          <a:chOff x="0" y="0"/>
+          <a:chExt cx="0" cy="0"/>
+        </a:xfrm>
+      </p:grpSpPr>
+      <p:sp>
+        <p:nvSpPr>
+          <p:cNvPr id="2" name="Заголовок 1"/>
+          <p:cNvSpPr>
+            <a:spLocks noGrp="1"/>
+          </p:cNvSpPr>
+          <p:nvPr>
+            <p:ph type="title"/>
+          </p:nvPr>
+        </p:nvSpPr>
+        <p:spPr/>
+        <p:txBody>
+          <a:bodyPr/>
+          <a:lstStyle/>
+          <a:p>
+            <a:endParaRPr lang="ru-RU"/>
+          </a:p>
+        </p:txBody>
+      </p:sp>
+    </p:spTree>
+    <p:extLst>
+      <p:ext uri="{BB962C8B-B14F-4D97-AF65-F5344CB8AC3E}">
+        <p14:creationId xmlns:p14="http://schemas.microsoft.com/office/powerpoint/2010/main" val="1985958054"/>
+      </p:ext>
+    </p:extLst>
+  </p:cSld>
+  <p:clrMapOvr>
+    <a:masterClrMapping/>
+  </p:clrMapOvr>
+  <p:timing>
+    <p:tnLst>
+      <p:par>
+        <p:cTn id="1" dur="indefinite" restart="never" nodeType="tmRoot"/>
+      </p:par>
+    </p:tnLst>
+  </p:timing>
+</p:sld>
+</file>
+
+<file path=ppt/slides/slide33.xml><?xml version="1.0" encoding="utf-8"?>
+<p:sld xmlns:a="http://schemas.openxmlformats.org/drawingml/2006/main" xmlns:r="http://schemas.openxmlformats.org/officeDocument/2006/relationships" xmlns:p="http://schemas.openxmlformats.org/presentationml/2006/main">
+  <p:cSld>
+    <p:spTree>
+      <p:nvGrpSpPr>
+        <p:cNvPr id="1" name=""/>
+        <p:cNvGrpSpPr/>
+        <p:nvPr/>
+      </p:nvGrpSpPr>
+      <p:grpSpPr>
+        <a:xfrm>
+          <a:off x="0" y="0"/>
+          <a:ext cx="0" cy="0"/>
+          <a:chOff x="0" y="0"/>
+          <a:chExt cx="0" cy="0"/>
+        </a:xfrm>
+      </p:grpSpPr>
+      <p:sp>
+        <p:nvSpPr>
+          <p:cNvPr id="3" name="Заголовок 2"/>
+          <p:cNvSpPr>
+            <a:spLocks noGrp="1"/>
+          </p:cNvSpPr>
+          <p:nvPr>
+            <p:ph type="title"/>
+          </p:nvPr>
+        </p:nvSpPr>
+        <p:spPr/>
+        <p:txBody>
+          <a:bodyPr/>
+          <a:lstStyle/>
+          <a:p>
+            <a:r>
+              <a:rPr lang="en-US" dirty="0" smtClean="0"/>
+              <a:t>HTML/CSS-based frameworks</a:t>
+            </a:r>
+            <a:endParaRPr lang="ru-RU" dirty="0"/>
+          </a:p>
+        </p:txBody>
+      </p:sp>
+    </p:spTree>
+    <p:extLst>
+      <p:ext uri="{BB962C8B-B14F-4D97-AF65-F5344CB8AC3E}">
+        <p14:creationId xmlns:p14="http://schemas.microsoft.com/office/powerpoint/2010/main" val="1456736141"/>
+      </p:ext>
+    </p:extLst>
+  </p:cSld>
+  <p:clrMapOvr>
+    <a:masterClrMapping/>
+  </p:clrMapOvr>
+  <p:timing>
+    <p:tnLst>
+      <p:par>
+        <p:cTn id="1" dur="indefinite" restart="never" nodeType="tmRoot"/>
+      </p:par>
+    </p:tnLst>
+  </p:timing>
+</p:sld>
+</file>
+
+<file path=ppt/slides/slide34.xml><?xml version="1.0" encoding="utf-8"?>
+<p:sld xmlns:a="http://schemas.openxmlformats.org/drawingml/2006/main" xmlns:r="http://schemas.openxmlformats.org/officeDocument/2006/relationships" xmlns:p="http://schemas.openxmlformats.org/presentationml/2006/main">
+  <p:cSld>
+    <p:spTree>
+      <p:nvGrpSpPr>
+        <p:cNvPr id="1" name=""/>
+        <p:cNvGrpSpPr/>
+        <p:nvPr/>
+      </p:nvGrpSpPr>
+      <p:grpSpPr>
+        <a:xfrm>
+          <a:off x="0" y="0"/>
+          <a:ext cx="0" cy="0"/>
+          <a:chOff x="0" y="0"/>
+          <a:chExt cx="0" cy="0"/>
+        </a:xfrm>
+      </p:grpSpPr>
+      <p:sp>
+        <p:nvSpPr>
+          <p:cNvPr id="3" name="Заголовок 2"/>
+          <p:cNvSpPr>
+            <a:spLocks noGrp="1"/>
+          </p:cNvSpPr>
+          <p:nvPr>
+            <p:ph type="title"/>
+          </p:nvPr>
+        </p:nvSpPr>
+        <p:spPr/>
+        <p:txBody>
+          <a:bodyPr/>
+          <a:lstStyle/>
+          <a:p>
+            <a:r>
+              <a:rPr lang="en-US" dirty="0"/>
               <a:t>HTML/CSS-based frameworks</a:t>
             </a:r>
             <a:endParaRPr lang="ru-RU" dirty="0"/>
@@ -42011,7 +42295,7 @@
 </p:sld>
 </file>
 
-<file path=ppt/slides/slide31.xml><?xml version="1.0" encoding="utf-8"?>
+<file path=ppt/slides/slide35.xml><?xml version="1.0" encoding="utf-8"?>
 <p:sld xmlns:a="http://schemas.openxmlformats.org/drawingml/2006/main" xmlns:r="http://schemas.openxmlformats.org/officeDocument/2006/relationships" xmlns:p="http://schemas.openxmlformats.org/presentationml/2006/main">
   <p:cSld>
     <p:spTree>
@@ -42318,7 +42602,7 @@
 </p:sld>
 </file>
 
-<file path=ppt/slides/slide32.xml><?xml version="1.0" encoding="utf-8"?>
+<file path=ppt/slides/slide36.xml><?xml version="1.0" encoding="utf-8"?>
 <p:sld xmlns:a="http://schemas.openxmlformats.org/drawingml/2006/main" xmlns:r="http://schemas.openxmlformats.org/officeDocument/2006/relationships" xmlns:p="http://schemas.openxmlformats.org/presentationml/2006/main">
   <p:cSld>
     <p:spTree>
@@ -42896,7 +43180,7 @@
 </p:sld>
 </file>
 
-<file path=ppt/slides/slide33.xml><?xml version="1.0" encoding="utf-8"?>
+<file path=ppt/slides/slide37.xml><?xml version="1.0" encoding="utf-8"?>
 <p:sld xmlns:a="http://schemas.openxmlformats.org/drawingml/2006/main" xmlns:r="http://schemas.openxmlformats.org/officeDocument/2006/relationships" xmlns:p="http://schemas.openxmlformats.org/presentationml/2006/main">
   <p:cSld>
     <p:spTree>
@@ -43088,7 +43372,7 @@
 </p:sld>
 </file>
 
-<file path=ppt/slides/slide34.xml><?xml version="1.0" encoding="utf-8"?>
+<file path=ppt/slides/slide38.xml><?xml version="1.0" encoding="utf-8"?>
 <p:sld xmlns:a="http://schemas.openxmlformats.org/drawingml/2006/main" xmlns:r="http://schemas.openxmlformats.org/officeDocument/2006/relationships" xmlns:p="http://schemas.openxmlformats.org/presentationml/2006/main">
   <p:cSld>
     <p:spTree>
@@ -43148,7 +43432,7 @@
 </p:sld>
 </file>
 
-<file path=ppt/slides/slide35.xml><?xml version="1.0" encoding="utf-8"?>
+<file path=ppt/slides/slide39.xml><?xml version="1.0" encoding="utf-8"?>
 <p:sld xmlns:a="http://schemas.openxmlformats.org/drawingml/2006/main" xmlns:r="http://schemas.openxmlformats.org/officeDocument/2006/relationships" xmlns:p="http://schemas.openxmlformats.org/presentationml/2006/main">
   <p:cSld>
     <p:spTree>
@@ -43369,250 +43653,6 @@
   <p:clrMapOvr>
     <a:masterClrMapping/>
   </p:clrMapOvr>
-</p:sld>
-</file>
-
-<file path=ppt/slides/slide36.xml><?xml version="1.0" encoding="utf-8"?>
-<p:sld xmlns:a="http://schemas.openxmlformats.org/drawingml/2006/main" xmlns:r="http://schemas.openxmlformats.org/officeDocument/2006/relationships" xmlns:p="http://schemas.openxmlformats.org/presentationml/2006/main" show="0">
-  <p:cSld>
-    <p:spTree>
-      <p:nvGrpSpPr>
-        <p:cNvPr id="1" name=""/>
-        <p:cNvGrpSpPr/>
-        <p:nvPr/>
-      </p:nvGrpSpPr>
-      <p:grpSpPr>
-        <a:xfrm>
-          <a:off x="0" y="0"/>
-          <a:ext cx="0" cy="0"/>
-          <a:chOff x="0" y="0"/>
-          <a:chExt cx="0" cy="0"/>
-        </a:xfrm>
-      </p:grpSpPr>
-      <p:sp>
-        <p:nvSpPr>
-          <p:cNvPr id="2" name="Заголовок 1"/>
-          <p:cNvSpPr>
-            <a:spLocks noGrp="1"/>
-          </p:cNvSpPr>
-          <p:nvPr>
-            <p:ph type="title"/>
-          </p:nvPr>
-        </p:nvSpPr>
-        <p:spPr/>
-        <p:txBody>
-          <a:bodyPr/>
-          <a:lstStyle/>
-          <a:p>
-            <a:r>
-              <a:rPr lang="en-US" dirty="0" err="1" smtClean="0"/>
-              <a:t>Sciter</a:t>
-            </a:r>
-            <a:endParaRPr lang="ru-RU" dirty="0"/>
-          </a:p>
-        </p:txBody>
-      </p:sp>
-    </p:spTree>
-    <p:extLst>
-      <p:ext uri="{BB962C8B-B14F-4D97-AF65-F5344CB8AC3E}">
-        <p14:creationId xmlns:p14="http://schemas.microsoft.com/office/powerpoint/2010/main" val="1096656507"/>
-      </p:ext>
-    </p:extLst>
-  </p:cSld>
-  <p:clrMapOvr>
-    <a:masterClrMapping/>
-  </p:clrMapOvr>
-  <mc:AlternateContent xmlns:mc="http://schemas.openxmlformats.org/markup-compatibility/2006" xmlns:p14="http://schemas.microsoft.com/office/powerpoint/2010/main">
-    <mc:Choice Requires="p14">
-      <p:transition spd="slow" p14:dur="2000"/>
-    </mc:Choice>
-    <mc:Fallback xmlns="">
-      <p:transition spd="slow"/>
-    </mc:Fallback>
-  </mc:AlternateContent>
-</p:sld>
-</file>
-
-<file path=ppt/slides/slide37.xml><?xml version="1.0" encoding="utf-8"?>
-<p:sld xmlns:a="http://schemas.openxmlformats.org/drawingml/2006/main" xmlns:r="http://schemas.openxmlformats.org/officeDocument/2006/relationships" xmlns:p="http://schemas.openxmlformats.org/presentationml/2006/main" show="0">
-  <p:cSld>
-    <p:spTree>
-      <p:nvGrpSpPr>
-        <p:cNvPr id="1" name=""/>
-        <p:cNvGrpSpPr/>
-        <p:nvPr/>
-      </p:nvGrpSpPr>
-      <p:grpSpPr>
-        <a:xfrm>
-          <a:off x="0" y="0"/>
-          <a:ext cx="0" cy="0"/>
-          <a:chOff x="0" y="0"/>
-          <a:chExt cx="0" cy="0"/>
-        </a:xfrm>
-      </p:grpSpPr>
-      <p:sp>
-        <p:nvSpPr>
-          <p:cNvPr id="2" name="Заголовок 1"/>
-          <p:cNvSpPr>
-            <a:spLocks noGrp="1"/>
-          </p:cNvSpPr>
-          <p:nvPr>
-            <p:ph type="title"/>
-          </p:nvPr>
-        </p:nvSpPr>
-        <p:spPr/>
-        <p:txBody>
-          <a:bodyPr/>
-          <a:lstStyle/>
-          <a:p>
-            <a:r>
-              <a:rPr lang="en-US" dirty="0" err="1"/>
-              <a:t>SciterSharp</a:t>
-            </a:r>
-            <a:endParaRPr lang="ru-RU" dirty="0"/>
-          </a:p>
-        </p:txBody>
-      </p:sp>
-    </p:spTree>
-    <p:extLst>
-      <p:ext uri="{BB962C8B-B14F-4D97-AF65-F5344CB8AC3E}">
-        <p14:creationId xmlns:p14="http://schemas.microsoft.com/office/powerpoint/2010/main" val="2270255873"/>
-      </p:ext>
-    </p:extLst>
-  </p:cSld>
-  <p:clrMapOvr>
-    <a:masterClrMapping/>
-  </p:clrMapOvr>
-  <mc:AlternateContent xmlns:mc="http://schemas.openxmlformats.org/markup-compatibility/2006" xmlns:p14="http://schemas.microsoft.com/office/powerpoint/2010/main">
-    <mc:Choice Requires="p14">
-      <p:transition spd="slow" p14:dur="2000"/>
-    </mc:Choice>
-    <mc:Fallback xmlns="">
-      <p:transition spd="slow"/>
-    </mc:Fallback>
-  </mc:AlternateContent>
-</p:sld>
-</file>
-
-<file path=ppt/slides/slide38.xml><?xml version="1.0" encoding="utf-8"?>
-<p:sld xmlns:a="http://schemas.openxmlformats.org/drawingml/2006/main" xmlns:r="http://schemas.openxmlformats.org/officeDocument/2006/relationships" xmlns:p="http://schemas.openxmlformats.org/presentationml/2006/main">
-  <p:cSld>
-    <p:spTree>
-      <p:nvGrpSpPr>
-        <p:cNvPr id="1" name=""/>
-        <p:cNvGrpSpPr/>
-        <p:nvPr/>
-      </p:nvGrpSpPr>
-      <p:grpSpPr>
-        <a:xfrm>
-          <a:off x="0" y="0"/>
-          <a:ext cx="0" cy="0"/>
-          <a:chOff x="0" y="0"/>
-          <a:chExt cx="0" cy="0"/>
-        </a:xfrm>
-      </p:grpSpPr>
-      <p:sp>
-        <p:nvSpPr>
-          <p:cNvPr id="7" name="Title 6">
-            <a:extLst>
-              <a:ext uri="{FF2B5EF4-FFF2-40B4-BE49-F238E27FC236}">
-                <a16:creationId xmlns:a16="http://schemas.microsoft.com/office/drawing/2014/main" id="{3E0D6084-A18D-4C97-B4B5-7554ADD1DE4D}"/>
-              </a:ext>
-            </a:extLst>
-          </p:cNvPr>
-          <p:cNvSpPr>
-            <a:spLocks noGrp="1"/>
-          </p:cNvSpPr>
-          <p:nvPr>
-            <p:ph type="title"/>
-          </p:nvPr>
-        </p:nvSpPr>
-        <p:spPr/>
-        <p:txBody>
-          <a:bodyPr/>
-          <a:lstStyle/>
-          <a:p>
-            <a:r>
-              <a:rPr lang="en-US" dirty="0"/>
-              <a:t>Conclusions</a:t>
-            </a:r>
-          </a:p>
-        </p:txBody>
-      </p:sp>
-    </p:spTree>
-    <p:extLst>
-      <p:ext uri="{BB962C8B-B14F-4D97-AF65-F5344CB8AC3E}">
-        <p14:creationId xmlns:p14="http://schemas.microsoft.com/office/powerpoint/2010/main" val="1798980938"/>
-      </p:ext>
-    </p:extLst>
-  </p:cSld>
-  <p:clrMapOvr>
-    <a:masterClrMapping/>
-  </p:clrMapOvr>
-  <p:timing>
-    <p:tnLst>
-      <p:par>
-        <p:cTn id="1" dur="indefinite" restart="never" nodeType="tmRoot"/>
-      </p:par>
-    </p:tnLst>
-  </p:timing>
-</p:sld>
-</file>
-
-<file path=ppt/slides/slide39.xml><?xml version="1.0" encoding="utf-8"?>
-<p:sld xmlns:a="http://schemas.openxmlformats.org/drawingml/2006/main" xmlns:r="http://schemas.openxmlformats.org/officeDocument/2006/relationships" xmlns:p="http://schemas.openxmlformats.org/presentationml/2006/main" show="0">
-  <p:cSld>
-    <p:spTree>
-      <p:nvGrpSpPr>
-        <p:cNvPr id="1" name=""/>
-        <p:cNvGrpSpPr/>
-        <p:nvPr/>
-      </p:nvGrpSpPr>
-      <p:grpSpPr>
-        <a:xfrm>
-          <a:off x="0" y="0"/>
-          <a:ext cx="0" cy="0"/>
-          <a:chOff x="0" y="0"/>
-          <a:chExt cx="0" cy="0"/>
-        </a:xfrm>
-      </p:grpSpPr>
-      <p:sp>
-        <p:nvSpPr>
-          <p:cNvPr id="3" name="Заголовок 2"/>
-          <p:cNvSpPr>
-            <a:spLocks noGrp="1"/>
-          </p:cNvSpPr>
-          <p:nvPr>
-            <p:ph type="title"/>
-          </p:nvPr>
-        </p:nvSpPr>
-        <p:spPr/>
-        <p:txBody>
-          <a:bodyPr/>
-          <a:lstStyle/>
-          <a:p>
-            <a:endParaRPr lang="ru-RU" dirty="0"/>
-          </a:p>
-        </p:txBody>
-      </p:sp>
-    </p:spTree>
-    <p:extLst>
-      <p:ext uri="{BB962C8B-B14F-4D97-AF65-F5344CB8AC3E}">
-        <p14:creationId xmlns:p14="http://schemas.microsoft.com/office/powerpoint/2010/main" val="3878214965"/>
-      </p:ext>
-    </p:extLst>
-  </p:cSld>
-  <p:clrMapOvr>
-    <a:masterClrMapping/>
-  </p:clrMapOvr>
-  <mc:AlternateContent xmlns:mc="http://schemas.openxmlformats.org/markup-compatibility/2006" xmlns:p14="http://schemas.microsoft.com/office/powerpoint/2010/main">
-    <mc:Choice Requires="p14">
-      <p:transition spd="slow" p14:dur="2000"/>
-    </mc:Choice>
-    <mc:Fallback xmlns="">
-      <p:transition spd="slow"/>
-    </mc:Fallback>
-  </mc:AlternateContent>
 </p:sld>
 </file>
 
@@ -44186,6 +44226,250 @@
 </file>
 
 <file path=ppt/slides/slide40.xml><?xml version="1.0" encoding="utf-8"?>
+<p:sld xmlns:a="http://schemas.openxmlformats.org/drawingml/2006/main" xmlns:r="http://schemas.openxmlformats.org/officeDocument/2006/relationships" xmlns:p="http://schemas.openxmlformats.org/presentationml/2006/main" show="0">
+  <p:cSld>
+    <p:spTree>
+      <p:nvGrpSpPr>
+        <p:cNvPr id="1" name=""/>
+        <p:cNvGrpSpPr/>
+        <p:nvPr/>
+      </p:nvGrpSpPr>
+      <p:grpSpPr>
+        <a:xfrm>
+          <a:off x="0" y="0"/>
+          <a:ext cx="0" cy="0"/>
+          <a:chOff x="0" y="0"/>
+          <a:chExt cx="0" cy="0"/>
+        </a:xfrm>
+      </p:grpSpPr>
+      <p:sp>
+        <p:nvSpPr>
+          <p:cNvPr id="2" name="Заголовок 1"/>
+          <p:cNvSpPr>
+            <a:spLocks noGrp="1"/>
+          </p:cNvSpPr>
+          <p:nvPr>
+            <p:ph type="title"/>
+          </p:nvPr>
+        </p:nvSpPr>
+        <p:spPr/>
+        <p:txBody>
+          <a:bodyPr/>
+          <a:lstStyle/>
+          <a:p>
+            <a:r>
+              <a:rPr lang="en-US" dirty="0" err="1" smtClean="0"/>
+              <a:t>Sciter</a:t>
+            </a:r>
+            <a:endParaRPr lang="ru-RU" dirty="0"/>
+          </a:p>
+        </p:txBody>
+      </p:sp>
+    </p:spTree>
+    <p:extLst>
+      <p:ext uri="{BB962C8B-B14F-4D97-AF65-F5344CB8AC3E}">
+        <p14:creationId xmlns:p14="http://schemas.microsoft.com/office/powerpoint/2010/main" val="1096656507"/>
+      </p:ext>
+    </p:extLst>
+  </p:cSld>
+  <p:clrMapOvr>
+    <a:masterClrMapping/>
+  </p:clrMapOvr>
+  <mc:AlternateContent xmlns:mc="http://schemas.openxmlformats.org/markup-compatibility/2006" xmlns:p14="http://schemas.microsoft.com/office/powerpoint/2010/main">
+    <mc:Choice Requires="p14">
+      <p:transition spd="slow" p14:dur="2000"/>
+    </mc:Choice>
+    <mc:Fallback xmlns="">
+      <p:transition spd="slow"/>
+    </mc:Fallback>
+  </mc:AlternateContent>
+</p:sld>
+</file>
+
+<file path=ppt/slides/slide41.xml><?xml version="1.0" encoding="utf-8"?>
+<p:sld xmlns:a="http://schemas.openxmlformats.org/drawingml/2006/main" xmlns:r="http://schemas.openxmlformats.org/officeDocument/2006/relationships" xmlns:p="http://schemas.openxmlformats.org/presentationml/2006/main" show="0">
+  <p:cSld>
+    <p:spTree>
+      <p:nvGrpSpPr>
+        <p:cNvPr id="1" name=""/>
+        <p:cNvGrpSpPr/>
+        <p:nvPr/>
+      </p:nvGrpSpPr>
+      <p:grpSpPr>
+        <a:xfrm>
+          <a:off x="0" y="0"/>
+          <a:ext cx="0" cy="0"/>
+          <a:chOff x="0" y="0"/>
+          <a:chExt cx="0" cy="0"/>
+        </a:xfrm>
+      </p:grpSpPr>
+      <p:sp>
+        <p:nvSpPr>
+          <p:cNvPr id="2" name="Заголовок 1"/>
+          <p:cNvSpPr>
+            <a:spLocks noGrp="1"/>
+          </p:cNvSpPr>
+          <p:nvPr>
+            <p:ph type="title"/>
+          </p:nvPr>
+        </p:nvSpPr>
+        <p:spPr/>
+        <p:txBody>
+          <a:bodyPr/>
+          <a:lstStyle/>
+          <a:p>
+            <a:r>
+              <a:rPr lang="en-US" dirty="0" err="1"/>
+              <a:t>SciterSharp</a:t>
+            </a:r>
+            <a:endParaRPr lang="ru-RU" dirty="0"/>
+          </a:p>
+        </p:txBody>
+      </p:sp>
+    </p:spTree>
+    <p:extLst>
+      <p:ext uri="{BB962C8B-B14F-4D97-AF65-F5344CB8AC3E}">
+        <p14:creationId xmlns:p14="http://schemas.microsoft.com/office/powerpoint/2010/main" val="2270255873"/>
+      </p:ext>
+    </p:extLst>
+  </p:cSld>
+  <p:clrMapOvr>
+    <a:masterClrMapping/>
+  </p:clrMapOvr>
+  <mc:AlternateContent xmlns:mc="http://schemas.openxmlformats.org/markup-compatibility/2006" xmlns:p14="http://schemas.microsoft.com/office/powerpoint/2010/main">
+    <mc:Choice Requires="p14">
+      <p:transition spd="slow" p14:dur="2000"/>
+    </mc:Choice>
+    <mc:Fallback xmlns="">
+      <p:transition spd="slow"/>
+    </mc:Fallback>
+  </mc:AlternateContent>
+</p:sld>
+</file>
+
+<file path=ppt/slides/slide42.xml><?xml version="1.0" encoding="utf-8"?>
+<p:sld xmlns:a="http://schemas.openxmlformats.org/drawingml/2006/main" xmlns:r="http://schemas.openxmlformats.org/officeDocument/2006/relationships" xmlns:p="http://schemas.openxmlformats.org/presentationml/2006/main">
+  <p:cSld>
+    <p:spTree>
+      <p:nvGrpSpPr>
+        <p:cNvPr id="1" name=""/>
+        <p:cNvGrpSpPr/>
+        <p:nvPr/>
+      </p:nvGrpSpPr>
+      <p:grpSpPr>
+        <a:xfrm>
+          <a:off x="0" y="0"/>
+          <a:ext cx="0" cy="0"/>
+          <a:chOff x="0" y="0"/>
+          <a:chExt cx="0" cy="0"/>
+        </a:xfrm>
+      </p:grpSpPr>
+      <p:sp>
+        <p:nvSpPr>
+          <p:cNvPr id="7" name="Title 6">
+            <a:extLst>
+              <a:ext uri="{FF2B5EF4-FFF2-40B4-BE49-F238E27FC236}">
+                <a16:creationId xmlns:a16="http://schemas.microsoft.com/office/drawing/2014/main" id="{3E0D6084-A18D-4C97-B4B5-7554ADD1DE4D}"/>
+              </a:ext>
+            </a:extLst>
+          </p:cNvPr>
+          <p:cNvSpPr>
+            <a:spLocks noGrp="1"/>
+          </p:cNvSpPr>
+          <p:nvPr>
+            <p:ph type="title"/>
+          </p:nvPr>
+        </p:nvSpPr>
+        <p:spPr/>
+        <p:txBody>
+          <a:bodyPr/>
+          <a:lstStyle/>
+          <a:p>
+            <a:r>
+              <a:rPr lang="en-US" dirty="0"/>
+              <a:t>Conclusions</a:t>
+            </a:r>
+          </a:p>
+        </p:txBody>
+      </p:sp>
+    </p:spTree>
+    <p:extLst>
+      <p:ext uri="{BB962C8B-B14F-4D97-AF65-F5344CB8AC3E}">
+        <p14:creationId xmlns:p14="http://schemas.microsoft.com/office/powerpoint/2010/main" val="1798980938"/>
+      </p:ext>
+    </p:extLst>
+  </p:cSld>
+  <p:clrMapOvr>
+    <a:masterClrMapping/>
+  </p:clrMapOvr>
+  <p:timing>
+    <p:tnLst>
+      <p:par>
+        <p:cTn id="1" dur="indefinite" restart="never" nodeType="tmRoot"/>
+      </p:par>
+    </p:tnLst>
+  </p:timing>
+</p:sld>
+</file>
+
+<file path=ppt/slides/slide43.xml><?xml version="1.0" encoding="utf-8"?>
+<p:sld xmlns:a="http://schemas.openxmlformats.org/drawingml/2006/main" xmlns:r="http://schemas.openxmlformats.org/officeDocument/2006/relationships" xmlns:p="http://schemas.openxmlformats.org/presentationml/2006/main" show="0">
+  <p:cSld>
+    <p:spTree>
+      <p:nvGrpSpPr>
+        <p:cNvPr id="1" name=""/>
+        <p:cNvGrpSpPr/>
+        <p:nvPr/>
+      </p:nvGrpSpPr>
+      <p:grpSpPr>
+        <a:xfrm>
+          <a:off x="0" y="0"/>
+          <a:ext cx="0" cy="0"/>
+          <a:chOff x="0" y="0"/>
+          <a:chExt cx="0" cy="0"/>
+        </a:xfrm>
+      </p:grpSpPr>
+      <p:sp>
+        <p:nvSpPr>
+          <p:cNvPr id="3" name="Заголовок 2"/>
+          <p:cNvSpPr>
+            <a:spLocks noGrp="1"/>
+          </p:cNvSpPr>
+          <p:nvPr>
+            <p:ph type="title"/>
+          </p:nvPr>
+        </p:nvSpPr>
+        <p:spPr/>
+        <p:txBody>
+          <a:bodyPr/>
+          <a:lstStyle/>
+          <a:p>
+            <a:endParaRPr lang="ru-RU" dirty="0"/>
+          </a:p>
+        </p:txBody>
+      </p:sp>
+    </p:spTree>
+    <p:extLst>
+      <p:ext uri="{BB962C8B-B14F-4D97-AF65-F5344CB8AC3E}">
+        <p14:creationId xmlns:p14="http://schemas.microsoft.com/office/powerpoint/2010/main" val="3878214965"/>
+      </p:ext>
+    </p:extLst>
+  </p:cSld>
+  <p:clrMapOvr>
+    <a:masterClrMapping/>
+  </p:clrMapOvr>
+  <mc:AlternateContent xmlns:mc="http://schemas.openxmlformats.org/markup-compatibility/2006" xmlns:p14="http://schemas.microsoft.com/office/powerpoint/2010/main">
+    <mc:Choice Requires="p14">
+      <p:transition spd="slow" p14:dur="2000"/>
+    </mc:Choice>
+    <mc:Fallback xmlns="">
+      <p:transition spd="slow"/>
+    </mc:Fallback>
+  </mc:AlternateContent>
+</p:sld>
+</file>
+
+<file path=ppt/slides/slide44.xml><?xml version="1.0" encoding="utf-8"?>
 <p:sld xmlns:a="http://schemas.openxmlformats.org/drawingml/2006/main" xmlns:r="http://schemas.openxmlformats.org/officeDocument/2006/relationships" xmlns:p="http://schemas.openxmlformats.org/presentationml/2006/main">
   <p:cSld>
     <p:spTree>

--- a/presentation.pptx
+++ b/presentation.pptx
@@ -7,10 +7,10 @@
     <p:sldMasterId id="2147483663" r:id="rId6"/>
   </p:sldMasterIdLst>
   <p:notesMasterIdLst>
-    <p:notesMasterId r:id="rId51"/>
+    <p:notesMasterId r:id="rId52"/>
   </p:notesMasterIdLst>
   <p:handoutMasterIdLst>
-    <p:handoutMasterId r:id="rId52"/>
+    <p:handoutMasterId r:id="rId53"/>
   </p:handoutMasterIdLst>
   <p:sldIdLst>
     <p:sldId id="270" r:id="rId7"/>
@@ -44,19 +44,20 @@
     <p:sldId id="281" r:id="rId35"/>
     <p:sldId id="314" r:id="rId36"/>
     <p:sldId id="315" r:id="rId37"/>
-    <p:sldId id="316" r:id="rId38"/>
-    <p:sldId id="282" r:id="rId39"/>
-    <p:sldId id="283" r:id="rId40"/>
-    <p:sldId id="285" r:id="rId41"/>
-    <p:sldId id="303" r:id="rId42"/>
-    <p:sldId id="286" r:id="rId43"/>
-    <p:sldId id="306" r:id="rId44"/>
-    <p:sldId id="307" r:id="rId45"/>
-    <p:sldId id="287" r:id="rId46"/>
-    <p:sldId id="288" r:id="rId47"/>
-    <p:sldId id="268" r:id="rId48"/>
-    <p:sldId id="290" r:id="rId49"/>
-    <p:sldId id="289" r:id="rId50"/>
+    <p:sldId id="317" r:id="rId38"/>
+    <p:sldId id="316" r:id="rId39"/>
+    <p:sldId id="318" r:id="rId40"/>
+    <p:sldId id="319" r:id="rId41"/>
+    <p:sldId id="282" r:id="rId42"/>
+    <p:sldId id="283" r:id="rId43"/>
+    <p:sldId id="285" r:id="rId44"/>
+    <p:sldId id="303" r:id="rId45"/>
+    <p:sldId id="286" r:id="rId46"/>
+    <p:sldId id="306" r:id="rId47"/>
+    <p:sldId id="307" r:id="rId48"/>
+    <p:sldId id="268" r:id="rId49"/>
+    <p:sldId id="290" r:id="rId50"/>
+    <p:sldId id="289" r:id="rId51"/>
   </p:sldIdLst>
   <p:sldSz cx="9144000" cy="5143500" type="screen16x9"/>
   <p:notesSz cx="6858000" cy="9144000"/>
@@ -9092,7 +9093,7 @@
           <a:p>
             <a:fld id="{3FDC14FC-A894-4869-A797-1EC82735D106}" type="datetimeFigureOut">
               <a:rPr lang="en-US" smtClean="0"/>
-              <a:t>11/12/2019</a:t>
+              <a:t>11/13/2019</a:t>
             </a:fld>
             <a:endParaRPr lang="en-US"/>
           </a:p>
@@ -9257,7 +9258,7 @@
           <a:p>
             <a:fld id="{B4F99C05-63F9-4248-8E20-3ACD9DF9DE7F}" type="datetimeFigureOut">
               <a:rPr lang="en-US" smtClean="0"/>
-              <a:t>11/12/2019</a:t>
+              <a:t>11/13/2019</a:t>
             </a:fld>
             <a:endParaRPr lang="en-US"/>
           </a:p>
@@ -10008,9 +10009,153 @@
           <a:bodyPr/>
           <a:lstStyle/>
           <a:p>
+            <a:pPr marL="0" marR="0" lvl="0" indent="0" algn="r" defTabSz="685800" rtl="0" eaLnBrk="1" fontAlgn="auto" latinLnBrk="0" hangingPunct="1">
+              <a:lnSpc>
+                <a:spcPct val="100000"/>
+              </a:lnSpc>
+              <a:spcBef>
+                <a:spcPts val="0"/>
+              </a:spcBef>
+              <a:spcAft>
+                <a:spcPts val="0"/>
+              </a:spcAft>
+              <a:buClrTx/>
+              <a:buSzTx/>
+              <a:buFontTx/>
+              <a:buNone/>
+              <a:tabLst/>
+              <a:defRPr/>
+            </a:pPr>
+            <a:fld id="{A874FABB-6DBE-47C4-B626-20167906F475}" type="slidenum">
+              <a:rPr kumimoji="0" lang="en-US" sz="1200" b="0" i="0" u="none" strike="noStrike" kern="1200" cap="none" spc="0" normalizeH="0" baseline="0" noProof="0" smtClean="0">
+                <a:ln>
+                  <a:noFill/>
+                </a:ln>
+                <a:solidFill>
+                  <a:prstClr val="black"/>
+                </a:solidFill>
+                <a:effectLst/>
+                <a:uLnTx/>
+                <a:uFillTx/>
+                <a:latin typeface="Calibri" panose="020F0502020204030204"/>
+                <a:ea typeface="+mn-ea"/>
+                <a:cs typeface="+mn-cs"/>
+              </a:rPr>
+              <a:pPr marL="0" marR="0" lvl="0" indent="0" algn="r" defTabSz="685800" rtl="0" eaLnBrk="1" fontAlgn="auto" latinLnBrk="0" hangingPunct="1">
+                <a:lnSpc>
+                  <a:spcPct val="100000"/>
+                </a:lnSpc>
+                <a:spcBef>
+                  <a:spcPts val="0"/>
+                </a:spcBef>
+                <a:spcAft>
+                  <a:spcPts val="0"/>
+                </a:spcAft>
+                <a:buClrTx/>
+                <a:buSzTx/>
+                <a:buFontTx/>
+                <a:buNone/>
+                <a:tabLst/>
+                <a:defRPr/>
+              </a:pPr>
+              <a:t>34</a:t>
+            </a:fld>
+            <a:endParaRPr kumimoji="0" lang="en-US" sz="1200" b="0" i="0" u="none" strike="noStrike" kern="1200" cap="none" spc="0" normalizeH="0" baseline="0" noProof="0">
+              <a:ln>
+                <a:noFill/>
+              </a:ln>
+              <a:solidFill>
+                <a:prstClr val="black"/>
+              </a:solidFill>
+              <a:effectLst/>
+              <a:uLnTx/>
+              <a:uFillTx/>
+              <a:latin typeface="Calibri" panose="020F0502020204030204"/>
+              <a:ea typeface="+mn-ea"/>
+              <a:cs typeface="+mn-cs"/>
+            </a:endParaRPr>
+          </a:p>
+        </p:txBody>
+      </p:sp>
+    </p:spTree>
+    <p:extLst>
+      <p:ext uri="{BB962C8B-B14F-4D97-AF65-F5344CB8AC3E}">
+        <p14:creationId xmlns:p14="http://schemas.microsoft.com/office/powerpoint/2010/main" val="4201286108"/>
+      </p:ext>
+    </p:extLst>
+  </p:cSld>
+  <p:clrMapOvr>
+    <a:masterClrMapping/>
+  </p:clrMapOvr>
+</p:notes>
+</file>
+
+<file path=ppt/notesSlides/notesSlide13.xml><?xml version="1.0" encoding="utf-8"?>
+<p:notes xmlns:a="http://schemas.openxmlformats.org/drawingml/2006/main" xmlns:r="http://schemas.openxmlformats.org/officeDocument/2006/relationships" xmlns:p="http://schemas.openxmlformats.org/presentationml/2006/main">
+  <p:cSld>
+    <p:spTree>
+      <p:nvGrpSpPr>
+        <p:cNvPr id="1" name=""/>
+        <p:cNvGrpSpPr/>
+        <p:nvPr/>
+      </p:nvGrpSpPr>
+      <p:grpSpPr>
+        <a:xfrm>
+          <a:off x="0" y="0"/>
+          <a:ext cx="0" cy="0"/>
+          <a:chOff x="0" y="0"/>
+          <a:chExt cx="0" cy="0"/>
+        </a:xfrm>
+      </p:grpSpPr>
+      <p:sp>
+        <p:nvSpPr>
+          <p:cNvPr id="2" name="Образ слайда 1"/>
+          <p:cNvSpPr>
+            <a:spLocks noGrp="1" noRot="1" noChangeAspect="1"/>
+          </p:cNvSpPr>
+          <p:nvPr>
+            <p:ph type="sldImg"/>
+          </p:nvPr>
+        </p:nvSpPr>
+        <p:spPr/>
+      </p:sp>
+      <p:sp>
+        <p:nvSpPr>
+          <p:cNvPr id="3" name="Заметки 2"/>
+          <p:cNvSpPr>
+            <a:spLocks noGrp="1"/>
+          </p:cNvSpPr>
+          <p:nvPr>
+            <p:ph type="body" idx="1"/>
+          </p:nvPr>
+        </p:nvSpPr>
+        <p:spPr/>
+        <p:txBody>
+          <a:bodyPr/>
+          <a:lstStyle/>
+          <a:p>
+            <a:endParaRPr lang="ru-RU" dirty="0"/>
+          </a:p>
+        </p:txBody>
+      </p:sp>
+      <p:sp>
+        <p:nvSpPr>
+          <p:cNvPr id="4" name="Номер слайда 3"/>
+          <p:cNvSpPr>
+            <a:spLocks noGrp="1"/>
+          </p:cNvSpPr>
+          <p:nvPr>
+            <p:ph type="sldNum" sz="quarter" idx="10"/>
+          </p:nvPr>
+        </p:nvSpPr>
+        <p:spPr/>
+        <p:txBody>
+          <a:bodyPr/>
+          <a:lstStyle/>
+          <a:p>
             <a:fld id="{A874FABB-6DBE-47C4-B626-20167906F475}" type="slidenum">
               <a:rPr lang="en-US" smtClean="0"/>
-              <a:t>34</a:t>
+              <a:t>37</a:t>
             </a:fld>
             <a:endParaRPr lang="en-US"/>
           </a:p>
@@ -10029,7 +10174,7 @@
 </p:notes>
 </file>
 
-<file path=ppt/notesSlides/notesSlide13.xml><?xml version="1.0" encoding="utf-8"?>
+<file path=ppt/notesSlides/notesSlide14.xml><?xml version="1.0" encoding="utf-8"?>
 <p:notes xmlns:a="http://schemas.openxmlformats.org/drawingml/2006/main" xmlns:r="http://schemas.openxmlformats.org/officeDocument/2006/relationships" xmlns:p="http://schemas.openxmlformats.org/presentationml/2006/main">
   <p:cSld>
     <p:spTree>
@@ -10141,7 +10286,7 @@
                 <a:tabLst/>
                 <a:defRPr/>
               </a:pPr>
-              <a:t>38</a:t>
+              <a:t>41</a:t>
             </a:fld>
             <a:endParaRPr kumimoji="0" lang="en-US" sz="1200" b="0" i="0" u="none" strike="noStrike" kern="1200" cap="none" spc="0" normalizeH="0" baseline="0" noProof="0">
               <a:ln>
@@ -17115,7 +17260,7 @@
           </a:ln>
           <a:extLst>
             <a:ext uri="{C572A759-6A51-4108-AA02-DFA0A04FC94B}">
-              <ma14:wrappingTextBoxFlag xmlns:ma14="http://schemas.microsoft.com/office/mac/drawingml/2011/main" xmlns="" val="1"/>
+              <ma14:wrappingTextBoxFlag xmlns="" xmlns:ma14="http://schemas.microsoft.com/office/mac/drawingml/2011/main" val="1"/>
             </a:ext>
           </a:extLst>
         </p:spPr>
@@ -17632,6 +17777,116 @@
 </file>
 
 <file path=ppt/slideLayouts/slideLayout18.xml><?xml version="1.0" encoding="utf-8"?>
+<p:sldLayout xmlns:a="http://schemas.openxmlformats.org/drawingml/2006/main" xmlns:r="http://schemas.openxmlformats.org/officeDocument/2006/relationships" xmlns:p="http://schemas.openxmlformats.org/presentationml/2006/main" userDrawn="1">
+  <p:cSld name="Breaker - Coral">
+    <p:bg>
+      <p:bgPr>
+        <a:blipFill dpi="0" rotWithShape="1">
+          <a:blip r:embed="rId2">
+            <a:lum/>
+          </a:blip>
+          <a:srcRect/>
+          <a:stretch>
+            <a:fillRect/>
+          </a:stretch>
+        </a:blipFill>
+        <a:effectLst/>
+      </p:bgPr>
+    </p:bg>
+    <p:spTree>
+      <p:nvGrpSpPr>
+        <p:cNvPr id="1" name=""/>
+        <p:cNvGrpSpPr/>
+        <p:nvPr/>
+      </p:nvGrpSpPr>
+      <p:grpSpPr>
+        <a:xfrm>
+          <a:off x="0" y="0"/>
+          <a:ext cx="0" cy="0"/>
+          <a:chOff x="0" y="0"/>
+          <a:chExt cx="0" cy="0"/>
+        </a:xfrm>
+      </p:grpSpPr>
+      <p:sp>
+        <p:nvSpPr>
+          <p:cNvPr id="2" name="Title 1"/>
+          <p:cNvSpPr>
+            <a:spLocks noGrp="1"/>
+          </p:cNvSpPr>
+          <p:nvPr>
+            <p:ph type="title" hasCustomPrompt="1"/>
+          </p:nvPr>
+        </p:nvSpPr>
+        <p:spPr>
+          <a:xfrm>
+            <a:off x="1780953" y="1817515"/>
+            <a:ext cx="5582093" cy="1220182"/>
+          </a:xfrm>
+          <a:ln/>
+        </p:spPr>
+        <p:style>
+          <a:lnRef idx="2">
+            <a:schemeClr val="accent5"/>
+          </a:lnRef>
+          <a:fillRef idx="1">
+            <a:schemeClr val="lt1"/>
+          </a:fillRef>
+          <a:effectRef idx="0">
+            <a:schemeClr val="accent5"/>
+          </a:effectRef>
+          <a:fontRef idx="minor">
+            <a:schemeClr val="dk1"/>
+          </a:fontRef>
+        </p:style>
+        <p:txBody>
+          <a:bodyPr/>
+          <a:lstStyle>
+            <a:lvl1pPr algn="ctr">
+              <a:lnSpc>
+                <a:spcPct val="100000"/>
+              </a:lnSpc>
+              <a:spcBef>
+                <a:spcPts val="380"/>
+              </a:spcBef>
+              <a:spcAft>
+                <a:spcPts val="300"/>
+              </a:spcAft>
+              <a:defRPr sz="1600" b="1" spc="200" baseline="0">
+                <a:solidFill>
+                  <a:schemeClr val="tx1"/>
+                </a:solidFill>
+              </a:defRPr>
+            </a:lvl1pPr>
+          </a:lstStyle>
+          <a:p>
+            <a:r>
+              <a:rPr lang="en-US" dirty="0"/>
+              <a:t>Please add BREAKER SLIDE TITLE HERE</a:t>
+            </a:r>
+            <a:br>
+              <a:rPr lang="en-US" dirty="0"/>
+            </a:br>
+            <a:r>
+              <a:rPr lang="en-US" dirty="0"/>
+              <a:t>Please add SECOND LINE OF TITLE HERE</a:t>
+            </a:r>
+          </a:p>
+        </p:txBody>
+      </p:sp>
+    </p:spTree>
+    <p:extLst>
+      <p:ext uri="{BB962C8B-B14F-4D97-AF65-F5344CB8AC3E}">
+        <p14:creationId xmlns:p14="http://schemas.microsoft.com/office/powerpoint/2010/main" val="2314035076"/>
+      </p:ext>
+    </p:extLst>
+  </p:cSld>
+  <p:clrMapOvr>
+    <a:masterClrMapping/>
+  </p:clrMapOvr>
+</p:sldLayout>
+</file>
+
+<file path=ppt/slideLayouts/slideLayout19.xml><?xml version="1.0" encoding="utf-8"?>
 <p:sldLayout xmlns:a="http://schemas.openxmlformats.org/drawingml/2006/main" xmlns:r="http://schemas.openxmlformats.org/officeDocument/2006/relationships" xmlns:p="http://schemas.openxmlformats.org/presentationml/2006/main" preserve="1" userDrawn="1">
   <p:cSld name="Breaker - EPAM Blue">
     <p:spTree>
@@ -17726,7 +17981,565 @@
 </p:sldLayout>
 </file>
 
-<file path=ppt/slideLayouts/slideLayout19.xml><?xml version="1.0" encoding="utf-8"?>
+<file path=ppt/slideLayouts/slideLayout2.xml><?xml version="1.0" encoding="utf-8"?>
+<p:sldLayout xmlns:a="http://schemas.openxmlformats.org/drawingml/2006/main" xmlns:r="http://schemas.openxmlformats.org/officeDocument/2006/relationships" xmlns:p="http://schemas.openxmlformats.org/presentationml/2006/main" preserve="1" userDrawn="1">
+  <p:cSld name="Title and Content">
+    <p:bg>
+      <p:bgPr>
+        <a:blipFill dpi="0" rotWithShape="1">
+          <a:blip r:embed="rId2">
+            <a:lum/>
+          </a:blip>
+          <a:srcRect/>
+          <a:stretch>
+            <a:fillRect/>
+          </a:stretch>
+        </a:blipFill>
+        <a:effectLst/>
+      </p:bgPr>
+    </p:bg>
+    <p:spTree>
+      <p:nvGrpSpPr>
+        <p:cNvPr id="1" name=""/>
+        <p:cNvGrpSpPr/>
+        <p:nvPr/>
+      </p:nvGrpSpPr>
+      <p:grpSpPr>
+        <a:xfrm>
+          <a:off x="0" y="0"/>
+          <a:ext cx="0" cy="0"/>
+          <a:chOff x="0" y="0"/>
+          <a:chExt cx="0" cy="0"/>
+        </a:xfrm>
+      </p:grpSpPr>
+      <p:sp>
+        <p:nvSpPr>
+          <p:cNvPr id="2" name="Title 1"/>
+          <p:cNvSpPr>
+            <a:spLocks noGrp="1"/>
+          </p:cNvSpPr>
+          <p:nvPr>
+            <p:ph type="title" hasCustomPrompt="1"/>
+          </p:nvPr>
+        </p:nvSpPr>
+        <p:spPr/>
+        <p:txBody>
+          <a:bodyPr/>
+          <a:lstStyle>
+            <a:lvl1pPr>
+              <a:defRPr>
+                <a:solidFill>
+                  <a:schemeClr val="bg1"/>
+                </a:solidFill>
+              </a:defRPr>
+            </a:lvl1pPr>
+          </a:lstStyle>
+          <a:p>
+            <a:r>
+              <a:rPr lang="en-US" dirty="0"/>
+              <a:t>Please Add Slide Headline Here</a:t>
+            </a:r>
+          </a:p>
+        </p:txBody>
+      </p:sp>
+      <p:sp>
+        <p:nvSpPr>
+          <p:cNvPr id="6" name="Content Placeholder 5"/>
+          <p:cNvSpPr>
+            <a:spLocks noGrp="1"/>
+          </p:cNvSpPr>
+          <p:nvPr>
+            <p:ph sz="quarter" idx="10" hasCustomPrompt="1"/>
+          </p:nvPr>
+        </p:nvSpPr>
+        <p:spPr>
+          <a:xfrm>
+            <a:off x="357188" y="1079500"/>
+            <a:ext cx="8429625" cy="3397250"/>
+          </a:xfrm>
+        </p:spPr>
+        <p:txBody>
+          <a:bodyPr/>
+          <a:lstStyle>
+            <a:lvl1pPr marL="171450" marR="0" indent="-171450" algn="l" defTabSz="914400" rtl="0" eaLnBrk="1" fontAlgn="auto" latinLnBrk="0" hangingPunct="1">
+              <a:lnSpc>
+                <a:spcPts val="1600"/>
+              </a:lnSpc>
+              <a:spcBef>
+                <a:spcPts val="264"/>
+              </a:spcBef>
+              <a:spcAft>
+                <a:spcPts val="300"/>
+              </a:spcAft>
+              <a:buClrTx/>
+              <a:buSzTx/>
+              <a:buFont typeface="Arial" panose="020B0604020202020204" pitchFamily="34" charset="0"/>
+              <a:buChar char="•"/>
+              <a:tabLst/>
+              <a:defRPr sz="1800">
+                <a:solidFill>
+                  <a:schemeClr val="bg1"/>
+                </a:solidFill>
+                <a:latin typeface="+mj-lt"/>
+              </a:defRPr>
+            </a:lvl1pPr>
+          </a:lstStyle>
+          <a:p>
+            <a:pPr lvl="0"/>
+            <a:r>
+              <a:rPr lang="en-US" dirty="0" err="1"/>
+              <a:t>Ldzorem</a:t>
+            </a:r>
+            <a:r>
+              <a:rPr lang="en-US" dirty="0"/>
+              <a:t> ipsum dolor sit </a:t>
+            </a:r>
+            <a:r>
+              <a:rPr lang="en-US" dirty="0" err="1"/>
+              <a:t>amet</a:t>
+            </a:r>
+            <a:r>
+              <a:rPr lang="en-US" dirty="0"/>
+              <a:t>, </a:t>
+            </a:r>
+            <a:r>
+              <a:rPr lang="en-US" dirty="0" err="1"/>
+              <a:t>consectetur</a:t>
+            </a:r>
+            <a:r>
+              <a:rPr lang="en-US" dirty="0"/>
+              <a:t> </a:t>
+            </a:r>
+            <a:r>
+              <a:rPr lang="en-US" dirty="0" err="1"/>
+              <a:t>adipiscing</a:t>
+            </a:r>
+            <a:r>
+              <a:rPr lang="en-US" dirty="0"/>
+              <a:t> </a:t>
+            </a:r>
+            <a:r>
+              <a:rPr lang="en-US" dirty="0" err="1"/>
+              <a:t>elit</a:t>
+            </a:r>
+            <a:r>
+              <a:rPr lang="en-US" dirty="0"/>
+              <a:t>. </a:t>
+            </a:r>
+            <a:r>
+              <a:rPr lang="en-US" dirty="0" err="1"/>
+              <a:t>Etiam</a:t>
+            </a:r>
+            <a:r>
+              <a:rPr lang="en-US" dirty="0"/>
+              <a:t> lacinia, diam </a:t>
+            </a:r>
+            <a:r>
+              <a:rPr lang="en-US" dirty="0" err="1"/>
+              <a:t>eget</a:t>
+            </a:r>
+            <a:r>
+              <a:rPr lang="en-US" dirty="0"/>
+              <a:t> </a:t>
+            </a:r>
+            <a:r>
+              <a:rPr lang="en-US" dirty="0" err="1"/>
+              <a:t>lobortis</a:t>
+            </a:r>
+            <a:r>
+              <a:rPr lang="en-US" dirty="0"/>
+              <a:t> </a:t>
+            </a:r>
+            <a:r>
+              <a:rPr lang="en-US" dirty="0" err="1"/>
+              <a:t>aliquet</a:t>
+            </a:r>
+            <a:r>
+              <a:rPr lang="en-US" dirty="0"/>
+              <a:t>, lacus lorem </a:t>
+            </a:r>
+            <a:r>
+              <a:rPr lang="en-US" dirty="0" err="1"/>
+              <a:t>placerat</a:t>
+            </a:r>
+            <a:r>
+              <a:rPr lang="en-US" dirty="0"/>
+              <a:t> libero, </a:t>
+            </a:r>
+            <a:r>
+              <a:rPr lang="en-US" dirty="0" err="1"/>
+              <a:t>nec</a:t>
+            </a:r>
+            <a:r>
+              <a:rPr lang="en-US" dirty="0"/>
+              <a:t> </a:t>
+            </a:r>
+            <a:r>
+              <a:rPr lang="en-US" dirty="0" err="1"/>
+              <a:t>vulputate</a:t>
+            </a:r>
+            <a:r>
+              <a:rPr lang="en-US" dirty="0"/>
+              <a:t> </a:t>
+            </a:r>
+            <a:br>
+              <a:rPr lang="en-US" dirty="0"/>
+            </a:br>
+            <a:r>
+              <a:rPr lang="en-US" dirty="0" err="1"/>
+              <a:t>est</a:t>
+            </a:r>
+            <a:r>
+              <a:rPr lang="en-US" dirty="0"/>
+              <a:t> </a:t>
+            </a:r>
+            <a:r>
+              <a:rPr lang="en-US" dirty="0" err="1"/>
+              <a:t>mauris</a:t>
+            </a:r>
+            <a:r>
+              <a:rPr lang="en-US" dirty="0"/>
+              <a:t> et </a:t>
+            </a:r>
+            <a:r>
+              <a:rPr lang="en-US" dirty="0" err="1"/>
+              <a:t>turpis</a:t>
+            </a:r>
+            <a:r>
+              <a:rPr lang="en-US" dirty="0"/>
+              <a:t>. </a:t>
+            </a:r>
+            <a:r>
+              <a:rPr lang="en-US" dirty="0" err="1"/>
+              <a:t>Suspendisse</a:t>
+            </a:r>
+            <a:r>
+              <a:rPr lang="en-US" dirty="0"/>
+              <a:t> </a:t>
+            </a:r>
+            <a:r>
+              <a:rPr lang="en-US" dirty="0" err="1"/>
+              <a:t>eleifend</a:t>
+            </a:r>
+            <a:r>
+              <a:rPr lang="en-US" dirty="0"/>
+              <a:t> </a:t>
+            </a:r>
+            <a:r>
+              <a:rPr lang="en-US" dirty="0" err="1"/>
+              <a:t>ornare</a:t>
+            </a:r>
+            <a:r>
+              <a:rPr lang="en-US" dirty="0"/>
+              <a:t> </a:t>
+            </a:r>
+            <a:r>
+              <a:rPr lang="en-US" dirty="0" err="1"/>
+              <a:t>diam</a:t>
+            </a:r>
+            <a:r>
+              <a:rPr lang="en-US" dirty="0"/>
+              <a:t> sit </a:t>
+            </a:r>
+            <a:r>
+              <a:rPr lang="en-US" dirty="0" err="1"/>
+              <a:t>amet</a:t>
+            </a:r>
+            <a:r>
+              <a:rPr lang="en-US" dirty="0"/>
+              <a:t> </a:t>
+            </a:r>
+            <a:r>
+              <a:rPr lang="en-US" dirty="0" err="1"/>
+              <a:t>facilisis</a:t>
+            </a:r>
+            <a:r>
+              <a:rPr lang="en-US" dirty="0"/>
+              <a:t>. Nunc </a:t>
+            </a:r>
+            <a:r>
+              <a:rPr lang="en-US" dirty="0" err="1"/>
+              <a:t>lacus</a:t>
+            </a:r>
+            <a:r>
+              <a:rPr lang="en-US" dirty="0"/>
+              <a:t> </a:t>
+            </a:r>
+            <a:endParaRPr lang="en-US" sz="1100" dirty="0">
+              <a:latin typeface="+mj-lt"/>
+            </a:endParaRPr>
+          </a:p>
+          <a:p>
+            <a:pPr lvl="0"/>
+            <a:r>
+              <a:rPr lang="en-US" sz="1100" dirty="0" err="1"/>
+              <a:t>Ldzorem</a:t>
+            </a:r>
+            <a:r>
+              <a:rPr lang="en-US" sz="1100" dirty="0"/>
+              <a:t> ipsum dolor sit </a:t>
+            </a:r>
+            <a:r>
+              <a:rPr lang="en-US" sz="1100" dirty="0" err="1"/>
+              <a:t>amet</a:t>
+            </a:r>
+            <a:r>
+              <a:rPr lang="en-US" sz="1100" dirty="0"/>
+              <a:t>, </a:t>
+            </a:r>
+            <a:r>
+              <a:rPr lang="en-US" sz="1100" dirty="0" err="1"/>
+              <a:t>consectetur</a:t>
+            </a:r>
+            <a:r>
+              <a:rPr lang="en-US" sz="1100" dirty="0"/>
+              <a:t> </a:t>
+            </a:r>
+            <a:r>
+              <a:rPr lang="en-US" sz="1100" dirty="0" err="1"/>
+              <a:t>adipiscing</a:t>
+            </a:r>
+            <a:r>
+              <a:rPr lang="en-US" sz="1100" dirty="0"/>
+              <a:t> </a:t>
+            </a:r>
+            <a:r>
+              <a:rPr lang="en-US" sz="1100" dirty="0" err="1"/>
+              <a:t>elit</a:t>
+            </a:r>
+            <a:r>
+              <a:rPr lang="en-US" sz="1100" dirty="0"/>
+              <a:t>. </a:t>
+            </a:r>
+            <a:r>
+              <a:rPr lang="en-US" sz="1100" dirty="0" err="1"/>
+              <a:t>Etiam</a:t>
+            </a:r>
+            <a:r>
+              <a:rPr lang="en-US" sz="1100" dirty="0"/>
+              <a:t> lacinia, diam </a:t>
+            </a:r>
+            <a:r>
+              <a:rPr lang="en-US" sz="1100" dirty="0" err="1"/>
+              <a:t>eget</a:t>
+            </a:r>
+            <a:r>
+              <a:rPr lang="en-US" sz="1100" dirty="0"/>
+              <a:t> </a:t>
+            </a:r>
+            <a:r>
+              <a:rPr lang="en-US" sz="1100" dirty="0" err="1"/>
+              <a:t>lobortis</a:t>
+            </a:r>
+            <a:r>
+              <a:rPr lang="en-US" sz="1100" dirty="0"/>
+              <a:t> </a:t>
+            </a:r>
+            <a:r>
+              <a:rPr lang="en-US" sz="1100" dirty="0" err="1"/>
+              <a:t>aliquet</a:t>
+            </a:r>
+            <a:r>
+              <a:rPr lang="en-US" sz="1100" dirty="0"/>
+              <a:t>, </a:t>
+            </a:r>
+            <a:r>
+              <a:rPr lang="en-US" sz="1100" dirty="0" err="1"/>
+              <a:t>lacus</a:t>
+            </a:r>
+            <a:r>
+              <a:rPr lang="en-US" sz="1100" dirty="0"/>
+              <a:t> lorem </a:t>
+            </a:r>
+            <a:r>
+              <a:rPr lang="en-US" sz="1100" dirty="0" err="1"/>
+              <a:t>placerat</a:t>
+            </a:r>
+            <a:r>
+              <a:rPr lang="en-US" sz="1100" dirty="0"/>
+              <a:t> libero, </a:t>
+            </a:r>
+            <a:r>
+              <a:rPr lang="en-US" sz="1100" dirty="0" err="1"/>
+              <a:t>nec</a:t>
+            </a:r>
+            <a:r>
+              <a:rPr lang="en-US" sz="1100" dirty="0"/>
+              <a:t> </a:t>
+            </a:r>
+            <a:r>
+              <a:rPr lang="en-US" sz="1100" dirty="0" err="1"/>
+              <a:t>vulputate</a:t>
+            </a:r>
+            <a:endParaRPr lang="en-US" sz="1100" dirty="0"/>
+          </a:p>
+          <a:p>
+            <a:pPr lvl="0"/>
+            <a:r>
+              <a:rPr lang="en-US" sz="1100" dirty="0" err="1"/>
+              <a:t>Ldzorem</a:t>
+            </a:r>
+            <a:r>
+              <a:rPr lang="en-US" sz="1100" dirty="0"/>
+              <a:t> ipsum dolor sit </a:t>
+            </a:r>
+            <a:r>
+              <a:rPr lang="en-US" sz="1100" dirty="0" err="1"/>
+              <a:t>amet</a:t>
+            </a:r>
+            <a:r>
+              <a:rPr lang="en-US" sz="1100" dirty="0"/>
+              <a:t>, </a:t>
+            </a:r>
+            <a:r>
+              <a:rPr lang="en-US" sz="1100" dirty="0" err="1"/>
+              <a:t>consectetur</a:t>
+            </a:r>
+            <a:r>
+              <a:rPr lang="en-US" sz="1100" dirty="0"/>
+              <a:t> </a:t>
+            </a:r>
+            <a:r>
+              <a:rPr lang="en-US" sz="1100" dirty="0" err="1"/>
+              <a:t>adipiscing</a:t>
+            </a:r>
+            <a:r>
+              <a:rPr lang="en-US" sz="1100" dirty="0"/>
+              <a:t> </a:t>
+            </a:r>
+            <a:r>
+              <a:rPr lang="en-US" sz="1100" dirty="0" err="1"/>
+              <a:t>elit</a:t>
+            </a:r>
+            <a:r>
+              <a:rPr lang="en-US" sz="1100" dirty="0"/>
+              <a:t>. </a:t>
+            </a:r>
+            <a:r>
+              <a:rPr lang="en-US" sz="1100" dirty="0" err="1"/>
+              <a:t>Etiam</a:t>
+            </a:r>
+            <a:r>
+              <a:rPr lang="en-US" sz="1100" dirty="0"/>
+              <a:t> lacinia, diam </a:t>
+            </a:r>
+            <a:r>
+              <a:rPr lang="en-US" sz="1100" dirty="0" err="1"/>
+              <a:t>eget</a:t>
+            </a:r>
+            <a:r>
+              <a:rPr lang="en-US" sz="1100" dirty="0"/>
+              <a:t> </a:t>
+            </a:r>
+            <a:r>
+              <a:rPr lang="en-US" sz="1100" dirty="0" err="1"/>
+              <a:t>lobortis</a:t>
+            </a:r>
+            <a:r>
+              <a:rPr lang="en-US" sz="1100" dirty="0"/>
+              <a:t> </a:t>
+            </a:r>
+            <a:r>
+              <a:rPr lang="en-US" sz="1100" dirty="0" err="1"/>
+              <a:t>aliquet</a:t>
+            </a:r>
+            <a:r>
+              <a:rPr lang="en-US" sz="1100" dirty="0"/>
+              <a:t>, </a:t>
+            </a:r>
+            <a:r>
+              <a:rPr lang="en-US" sz="1100" dirty="0" err="1"/>
+              <a:t>lacus</a:t>
+            </a:r>
+            <a:r>
+              <a:rPr lang="en-US" sz="1100" dirty="0"/>
+              <a:t> lorem </a:t>
+            </a:r>
+            <a:r>
+              <a:rPr lang="en-US" sz="1100" dirty="0" err="1"/>
+              <a:t>placerat</a:t>
+            </a:r>
+            <a:r>
+              <a:rPr lang="en-US" sz="1100" dirty="0"/>
+              <a:t> libero, </a:t>
+            </a:r>
+            <a:r>
+              <a:rPr lang="en-US" sz="1100" dirty="0" err="1"/>
+              <a:t>nec</a:t>
+            </a:r>
+            <a:r>
+              <a:rPr lang="en-US" sz="1100" dirty="0"/>
+              <a:t> </a:t>
+            </a:r>
+            <a:r>
+              <a:rPr lang="en-US" sz="1100" dirty="0" err="1"/>
+              <a:t>vulputate</a:t>
+            </a:r>
+            <a:endParaRPr lang="en-US" sz="1100" dirty="0">
+              <a:latin typeface="+mj-lt"/>
+            </a:endParaRPr>
+          </a:p>
+          <a:p>
+            <a:pPr lvl="0"/>
+            <a:endParaRPr lang="en-US" sz="1100" dirty="0">
+              <a:latin typeface="+mj-lt"/>
+            </a:endParaRPr>
+          </a:p>
+        </p:txBody>
+      </p:sp>
+      <p:cxnSp>
+        <p:nvCxnSpPr>
+          <p:cNvPr id="4" name="Straight Connector 3"/>
+          <p:cNvCxnSpPr/>
+          <p:nvPr userDrawn="1"/>
+        </p:nvCxnSpPr>
+        <p:spPr>
+          <a:xfrm>
+            <a:off x="294409" y="716437"/>
+            <a:ext cx="8555182" cy="0"/>
+          </a:xfrm>
+          <a:prstGeom prst="line">
+            <a:avLst/>
+          </a:prstGeom>
+          <a:ln w="19050" cmpd="sng">
+            <a:solidFill>
+              <a:schemeClr val="bg2">
+                <a:lumMod val="20000"/>
+                <a:lumOff val="80000"/>
+              </a:schemeClr>
+            </a:solidFill>
+          </a:ln>
+          <a:effectLst/>
+        </p:spPr>
+        <p:style>
+          <a:lnRef idx="2">
+            <a:schemeClr val="accent1"/>
+          </a:lnRef>
+          <a:fillRef idx="0">
+            <a:schemeClr val="accent1"/>
+          </a:fillRef>
+          <a:effectRef idx="1">
+            <a:schemeClr val="accent1"/>
+          </a:effectRef>
+          <a:fontRef idx="minor">
+            <a:schemeClr val="tx1"/>
+          </a:fontRef>
+        </p:style>
+      </p:cxnSp>
+    </p:spTree>
+    <p:extLst>
+      <p:ext uri="{BB962C8B-B14F-4D97-AF65-F5344CB8AC3E}">
+        <p14:creationId xmlns:p14="http://schemas.microsoft.com/office/powerpoint/2010/main" val="2779284293"/>
+      </p:ext>
+    </p:extLst>
+  </p:cSld>
+  <p:clrMapOvr>
+    <a:masterClrMapping/>
+  </p:clrMapOvr>
+</p:sldLayout>
+</file>
+
+<file path=ppt/slideLayouts/slideLayout20.xml><?xml version="1.0" encoding="utf-8"?>
 <p:sldLayout xmlns:a="http://schemas.openxmlformats.org/drawingml/2006/main" xmlns:r="http://schemas.openxmlformats.org/officeDocument/2006/relationships" xmlns:p="http://schemas.openxmlformats.org/presentationml/2006/main" preserve="1" userDrawn="1">
   <p:cSld name="Breaker - Coral">
     <p:bg>
@@ -17827,564 +18640,6 @@
     <p:extLst>
       <p:ext uri="{BB962C8B-B14F-4D97-AF65-F5344CB8AC3E}">
         <p14:creationId xmlns:p14="http://schemas.microsoft.com/office/powerpoint/2010/main" val="2165456793"/>
-      </p:ext>
-    </p:extLst>
-  </p:cSld>
-  <p:clrMapOvr>
-    <a:masterClrMapping/>
-  </p:clrMapOvr>
-</p:sldLayout>
-</file>
-
-<file path=ppt/slideLayouts/slideLayout2.xml><?xml version="1.0" encoding="utf-8"?>
-<p:sldLayout xmlns:a="http://schemas.openxmlformats.org/drawingml/2006/main" xmlns:r="http://schemas.openxmlformats.org/officeDocument/2006/relationships" xmlns:p="http://schemas.openxmlformats.org/presentationml/2006/main" preserve="1" userDrawn="1">
-  <p:cSld name="Title and Content">
-    <p:bg>
-      <p:bgPr>
-        <a:blipFill dpi="0" rotWithShape="1">
-          <a:blip r:embed="rId2">
-            <a:lum/>
-          </a:blip>
-          <a:srcRect/>
-          <a:stretch>
-            <a:fillRect/>
-          </a:stretch>
-        </a:blipFill>
-        <a:effectLst/>
-      </p:bgPr>
-    </p:bg>
-    <p:spTree>
-      <p:nvGrpSpPr>
-        <p:cNvPr id="1" name=""/>
-        <p:cNvGrpSpPr/>
-        <p:nvPr/>
-      </p:nvGrpSpPr>
-      <p:grpSpPr>
-        <a:xfrm>
-          <a:off x="0" y="0"/>
-          <a:ext cx="0" cy="0"/>
-          <a:chOff x="0" y="0"/>
-          <a:chExt cx="0" cy="0"/>
-        </a:xfrm>
-      </p:grpSpPr>
-      <p:sp>
-        <p:nvSpPr>
-          <p:cNvPr id="2" name="Title 1"/>
-          <p:cNvSpPr>
-            <a:spLocks noGrp="1"/>
-          </p:cNvSpPr>
-          <p:nvPr>
-            <p:ph type="title" hasCustomPrompt="1"/>
-          </p:nvPr>
-        </p:nvSpPr>
-        <p:spPr/>
-        <p:txBody>
-          <a:bodyPr/>
-          <a:lstStyle>
-            <a:lvl1pPr>
-              <a:defRPr>
-                <a:solidFill>
-                  <a:schemeClr val="bg1"/>
-                </a:solidFill>
-              </a:defRPr>
-            </a:lvl1pPr>
-          </a:lstStyle>
-          <a:p>
-            <a:r>
-              <a:rPr lang="en-US" dirty="0"/>
-              <a:t>Please Add Slide Headline Here</a:t>
-            </a:r>
-          </a:p>
-        </p:txBody>
-      </p:sp>
-      <p:sp>
-        <p:nvSpPr>
-          <p:cNvPr id="6" name="Content Placeholder 5"/>
-          <p:cNvSpPr>
-            <a:spLocks noGrp="1"/>
-          </p:cNvSpPr>
-          <p:nvPr>
-            <p:ph sz="quarter" idx="10" hasCustomPrompt="1"/>
-          </p:nvPr>
-        </p:nvSpPr>
-        <p:spPr>
-          <a:xfrm>
-            <a:off x="357188" y="1079500"/>
-            <a:ext cx="8429625" cy="3397250"/>
-          </a:xfrm>
-        </p:spPr>
-        <p:txBody>
-          <a:bodyPr/>
-          <a:lstStyle>
-            <a:lvl1pPr marL="171450" marR="0" indent="-171450" algn="l" defTabSz="914400" rtl="0" eaLnBrk="1" fontAlgn="auto" latinLnBrk="0" hangingPunct="1">
-              <a:lnSpc>
-                <a:spcPts val="1600"/>
-              </a:lnSpc>
-              <a:spcBef>
-                <a:spcPts val="264"/>
-              </a:spcBef>
-              <a:spcAft>
-                <a:spcPts val="300"/>
-              </a:spcAft>
-              <a:buClrTx/>
-              <a:buSzTx/>
-              <a:buFont typeface="Arial" panose="020B0604020202020204" pitchFamily="34" charset="0"/>
-              <a:buChar char="•"/>
-              <a:tabLst/>
-              <a:defRPr sz="1800">
-                <a:solidFill>
-                  <a:schemeClr val="bg1"/>
-                </a:solidFill>
-                <a:latin typeface="+mj-lt"/>
-              </a:defRPr>
-            </a:lvl1pPr>
-          </a:lstStyle>
-          <a:p>
-            <a:pPr lvl="0"/>
-            <a:r>
-              <a:rPr lang="en-US" dirty="0" err="1"/>
-              <a:t>Ldzorem</a:t>
-            </a:r>
-            <a:r>
-              <a:rPr lang="en-US" dirty="0"/>
-              <a:t> ipsum dolor sit </a:t>
-            </a:r>
-            <a:r>
-              <a:rPr lang="en-US" dirty="0" err="1"/>
-              <a:t>amet</a:t>
-            </a:r>
-            <a:r>
-              <a:rPr lang="en-US" dirty="0"/>
-              <a:t>, </a:t>
-            </a:r>
-            <a:r>
-              <a:rPr lang="en-US" dirty="0" err="1"/>
-              <a:t>consectetur</a:t>
-            </a:r>
-            <a:r>
-              <a:rPr lang="en-US" dirty="0"/>
-              <a:t> </a:t>
-            </a:r>
-            <a:r>
-              <a:rPr lang="en-US" dirty="0" err="1"/>
-              <a:t>adipiscing</a:t>
-            </a:r>
-            <a:r>
-              <a:rPr lang="en-US" dirty="0"/>
-              <a:t> </a:t>
-            </a:r>
-            <a:r>
-              <a:rPr lang="en-US" dirty="0" err="1"/>
-              <a:t>elit</a:t>
-            </a:r>
-            <a:r>
-              <a:rPr lang="en-US" dirty="0"/>
-              <a:t>. </a:t>
-            </a:r>
-            <a:r>
-              <a:rPr lang="en-US" dirty="0" err="1"/>
-              <a:t>Etiam</a:t>
-            </a:r>
-            <a:r>
-              <a:rPr lang="en-US" dirty="0"/>
-              <a:t> lacinia, diam </a:t>
-            </a:r>
-            <a:r>
-              <a:rPr lang="en-US" dirty="0" err="1"/>
-              <a:t>eget</a:t>
-            </a:r>
-            <a:r>
-              <a:rPr lang="en-US" dirty="0"/>
-              <a:t> </a:t>
-            </a:r>
-            <a:r>
-              <a:rPr lang="en-US" dirty="0" err="1"/>
-              <a:t>lobortis</a:t>
-            </a:r>
-            <a:r>
-              <a:rPr lang="en-US" dirty="0"/>
-              <a:t> </a:t>
-            </a:r>
-            <a:r>
-              <a:rPr lang="en-US" dirty="0" err="1"/>
-              <a:t>aliquet</a:t>
-            </a:r>
-            <a:r>
-              <a:rPr lang="en-US" dirty="0"/>
-              <a:t>, lacus lorem </a:t>
-            </a:r>
-            <a:r>
-              <a:rPr lang="en-US" dirty="0" err="1"/>
-              <a:t>placerat</a:t>
-            </a:r>
-            <a:r>
-              <a:rPr lang="en-US" dirty="0"/>
-              <a:t> libero, </a:t>
-            </a:r>
-            <a:r>
-              <a:rPr lang="en-US" dirty="0" err="1"/>
-              <a:t>nec</a:t>
-            </a:r>
-            <a:r>
-              <a:rPr lang="en-US" dirty="0"/>
-              <a:t> </a:t>
-            </a:r>
-            <a:r>
-              <a:rPr lang="en-US" dirty="0" err="1"/>
-              <a:t>vulputate</a:t>
-            </a:r>
-            <a:r>
-              <a:rPr lang="en-US" dirty="0"/>
-              <a:t> </a:t>
-            </a:r>
-            <a:br>
-              <a:rPr lang="en-US" dirty="0"/>
-            </a:br>
-            <a:r>
-              <a:rPr lang="en-US" dirty="0" err="1"/>
-              <a:t>est</a:t>
-            </a:r>
-            <a:r>
-              <a:rPr lang="en-US" dirty="0"/>
-              <a:t> </a:t>
-            </a:r>
-            <a:r>
-              <a:rPr lang="en-US" dirty="0" err="1"/>
-              <a:t>mauris</a:t>
-            </a:r>
-            <a:r>
-              <a:rPr lang="en-US" dirty="0"/>
-              <a:t> et </a:t>
-            </a:r>
-            <a:r>
-              <a:rPr lang="en-US" dirty="0" err="1"/>
-              <a:t>turpis</a:t>
-            </a:r>
-            <a:r>
-              <a:rPr lang="en-US" dirty="0"/>
-              <a:t>. </a:t>
-            </a:r>
-            <a:r>
-              <a:rPr lang="en-US" dirty="0" err="1"/>
-              <a:t>Suspendisse</a:t>
-            </a:r>
-            <a:r>
-              <a:rPr lang="en-US" dirty="0"/>
-              <a:t> </a:t>
-            </a:r>
-            <a:r>
-              <a:rPr lang="en-US" dirty="0" err="1"/>
-              <a:t>eleifend</a:t>
-            </a:r>
-            <a:r>
-              <a:rPr lang="en-US" dirty="0"/>
-              <a:t> </a:t>
-            </a:r>
-            <a:r>
-              <a:rPr lang="en-US" dirty="0" err="1"/>
-              <a:t>ornare</a:t>
-            </a:r>
-            <a:r>
-              <a:rPr lang="en-US" dirty="0"/>
-              <a:t> </a:t>
-            </a:r>
-            <a:r>
-              <a:rPr lang="en-US" dirty="0" err="1"/>
-              <a:t>diam</a:t>
-            </a:r>
-            <a:r>
-              <a:rPr lang="en-US" dirty="0"/>
-              <a:t> sit </a:t>
-            </a:r>
-            <a:r>
-              <a:rPr lang="en-US" dirty="0" err="1"/>
-              <a:t>amet</a:t>
-            </a:r>
-            <a:r>
-              <a:rPr lang="en-US" dirty="0"/>
-              <a:t> </a:t>
-            </a:r>
-            <a:r>
-              <a:rPr lang="en-US" dirty="0" err="1"/>
-              <a:t>facilisis</a:t>
-            </a:r>
-            <a:r>
-              <a:rPr lang="en-US" dirty="0"/>
-              <a:t>. Nunc </a:t>
-            </a:r>
-            <a:r>
-              <a:rPr lang="en-US" dirty="0" err="1"/>
-              <a:t>lacus</a:t>
-            </a:r>
-            <a:r>
-              <a:rPr lang="en-US" dirty="0"/>
-              <a:t> </a:t>
-            </a:r>
-            <a:endParaRPr lang="en-US" sz="1100" dirty="0">
-              <a:latin typeface="+mj-lt"/>
-            </a:endParaRPr>
-          </a:p>
-          <a:p>
-            <a:pPr lvl="0"/>
-            <a:r>
-              <a:rPr lang="en-US" sz="1100" dirty="0" err="1"/>
-              <a:t>Ldzorem</a:t>
-            </a:r>
-            <a:r>
-              <a:rPr lang="en-US" sz="1100" dirty="0"/>
-              <a:t> ipsum dolor sit </a:t>
-            </a:r>
-            <a:r>
-              <a:rPr lang="en-US" sz="1100" dirty="0" err="1"/>
-              <a:t>amet</a:t>
-            </a:r>
-            <a:r>
-              <a:rPr lang="en-US" sz="1100" dirty="0"/>
-              <a:t>, </a:t>
-            </a:r>
-            <a:r>
-              <a:rPr lang="en-US" sz="1100" dirty="0" err="1"/>
-              <a:t>consectetur</a:t>
-            </a:r>
-            <a:r>
-              <a:rPr lang="en-US" sz="1100" dirty="0"/>
-              <a:t> </a:t>
-            </a:r>
-            <a:r>
-              <a:rPr lang="en-US" sz="1100" dirty="0" err="1"/>
-              <a:t>adipiscing</a:t>
-            </a:r>
-            <a:r>
-              <a:rPr lang="en-US" sz="1100" dirty="0"/>
-              <a:t> </a:t>
-            </a:r>
-            <a:r>
-              <a:rPr lang="en-US" sz="1100" dirty="0" err="1"/>
-              <a:t>elit</a:t>
-            </a:r>
-            <a:r>
-              <a:rPr lang="en-US" sz="1100" dirty="0"/>
-              <a:t>. </a:t>
-            </a:r>
-            <a:r>
-              <a:rPr lang="en-US" sz="1100" dirty="0" err="1"/>
-              <a:t>Etiam</a:t>
-            </a:r>
-            <a:r>
-              <a:rPr lang="en-US" sz="1100" dirty="0"/>
-              <a:t> lacinia, diam </a:t>
-            </a:r>
-            <a:r>
-              <a:rPr lang="en-US" sz="1100" dirty="0" err="1"/>
-              <a:t>eget</a:t>
-            </a:r>
-            <a:r>
-              <a:rPr lang="en-US" sz="1100" dirty="0"/>
-              <a:t> </a:t>
-            </a:r>
-            <a:r>
-              <a:rPr lang="en-US" sz="1100" dirty="0" err="1"/>
-              <a:t>lobortis</a:t>
-            </a:r>
-            <a:r>
-              <a:rPr lang="en-US" sz="1100" dirty="0"/>
-              <a:t> </a:t>
-            </a:r>
-            <a:r>
-              <a:rPr lang="en-US" sz="1100" dirty="0" err="1"/>
-              <a:t>aliquet</a:t>
-            </a:r>
-            <a:r>
-              <a:rPr lang="en-US" sz="1100" dirty="0"/>
-              <a:t>, </a:t>
-            </a:r>
-            <a:r>
-              <a:rPr lang="en-US" sz="1100" dirty="0" err="1"/>
-              <a:t>lacus</a:t>
-            </a:r>
-            <a:r>
-              <a:rPr lang="en-US" sz="1100" dirty="0"/>
-              <a:t> lorem </a:t>
-            </a:r>
-            <a:r>
-              <a:rPr lang="en-US" sz="1100" dirty="0" err="1"/>
-              <a:t>placerat</a:t>
-            </a:r>
-            <a:r>
-              <a:rPr lang="en-US" sz="1100" dirty="0"/>
-              <a:t> libero, </a:t>
-            </a:r>
-            <a:r>
-              <a:rPr lang="en-US" sz="1100" dirty="0" err="1"/>
-              <a:t>nec</a:t>
-            </a:r>
-            <a:r>
-              <a:rPr lang="en-US" sz="1100" dirty="0"/>
-              <a:t> </a:t>
-            </a:r>
-            <a:r>
-              <a:rPr lang="en-US" sz="1100" dirty="0" err="1"/>
-              <a:t>vulputate</a:t>
-            </a:r>
-            <a:endParaRPr lang="en-US" sz="1100" dirty="0"/>
-          </a:p>
-          <a:p>
-            <a:pPr lvl="0"/>
-            <a:r>
-              <a:rPr lang="en-US" sz="1100" dirty="0" err="1"/>
-              <a:t>Ldzorem</a:t>
-            </a:r>
-            <a:r>
-              <a:rPr lang="en-US" sz="1100" dirty="0"/>
-              <a:t> ipsum dolor sit </a:t>
-            </a:r>
-            <a:r>
-              <a:rPr lang="en-US" sz="1100" dirty="0" err="1"/>
-              <a:t>amet</a:t>
-            </a:r>
-            <a:r>
-              <a:rPr lang="en-US" sz="1100" dirty="0"/>
-              <a:t>, </a:t>
-            </a:r>
-            <a:r>
-              <a:rPr lang="en-US" sz="1100" dirty="0" err="1"/>
-              <a:t>consectetur</a:t>
-            </a:r>
-            <a:r>
-              <a:rPr lang="en-US" sz="1100" dirty="0"/>
-              <a:t> </a:t>
-            </a:r>
-            <a:r>
-              <a:rPr lang="en-US" sz="1100" dirty="0" err="1"/>
-              <a:t>adipiscing</a:t>
-            </a:r>
-            <a:r>
-              <a:rPr lang="en-US" sz="1100" dirty="0"/>
-              <a:t> </a:t>
-            </a:r>
-            <a:r>
-              <a:rPr lang="en-US" sz="1100" dirty="0" err="1"/>
-              <a:t>elit</a:t>
-            </a:r>
-            <a:r>
-              <a:rPr lang="en-US" sz="1100" dirty="0"/>
-              <a:t>. </a:t>
-            </a:r>
-            <a:r>
-              <a:rPr lang="en-US" sz="1100" dirty="0" err="1"/>
-              <a:t>Etiam</a:t>
-            </a:r>
-            <a:r>
-              <a:rPr lang="en-US" sz="1100" dirty="0"/>
-              <a:t> lacinia, diam </a:t>
-            </a:r>
-            <a:r>
-              <a:rPr lang="en-US" sz="1100" dirty="0" err="1"/>
-              <a:t>eget</a:t>
-            </a:r>
-            <a:r>
-              <a:rPr lang="en-US" sz="1100" dirty="0"/>
-              <a:t> </a:t>
-            </a:r>
-            <a:r>
-              <a:rPr lang="en-US" sz="1100" dirty="0" err="1"/>
-              <a:t>lobortis</a:t>
-            </a:r>
-            <a:r>
-              <a:rPr lang="en-US" sz="1100" dirty="0"/>
-              <a:t> </a:t>
-            </a:r>
-            <a:r>
-              <a:rPr lang="en-US" sz="1100" dirty="0" err="1"/>
-              <a:t>aliquet</a:t>
-            </a:r>
-            <a:r>
-              <a:rPr lang="en-US" sz="1100" dirty="0"/>
-              <a:t>, </a:t>
-            </a:r>
-            <a:r>
-              <a:rPr lang="en-US" sz="1100" dirty="0" err="1"/>
-              <a:t>lacus</a:t>
-            </a:r>
-            <a:r>
-              <a:rPr lang="en-US" sz="1100" dirty="0"/>
-              <a:t> lorem </a:t>
-            </a:r>
-            <a:r>
-              <a:rPr lang="en-US" sz="1100" dirty="0" err="1"/>
-              <a:t>placerat</a:t>
-            </a:r>
-            <a:r>
-              <a:rPr lang="en-US" sz="1100" dirty="0"/>
-              <a:t> libero, </a:t>
-            </a:r>
-            <a:r>
-              <a:rPr lang="en-US" sz="1100" dirty="0" err="1"/>
-              <a:t>nec</a:t>
-            </a:r>
-            <a:r>
-              <a:rPr lang="en-US" sz="1100" dirty="0"/>
-              <a:t> </a:t>
-            </a:r>
-            <a:r>
-              <a:rPr lang="en-US" sz="1100" dirty="0" err="1"/>
-              <a:t>vulputate</a:t>
-            </a:r>
-            <a:endParaRPr lang="en-US" sz="1100" dirty="0">
-              <a:latin typeface="+mj-lt"/>
-            </a:endParaRPr>
-          </a:p>
-          <a:p>
-            <a:pPr lvl="0"/>
-            <a:endParaRPr lang="en-US" sz="1100" dirty="0">
-              <a:latin typeface="+mj-lt"/>
-            </a:endParaRPr>
-          </a:p>
-        </p:txBody>
-      </p:sp>
-      <p:cxnSp>
-        <p:nvCxnSpPr>
-          <p:cNvPr id="4" name="Straight Connector 3"/>
-          <p:cNvCxnSpPr/>
-          <p:nvPr userDrawn="1"/>
-        </p:nvCxnSpPr>
-        <p:spPr>
-          <a:xfrm>
-            <a:off x="294409" y="716437"/>
-            <a:ext cx="8555182" cy="0"/>
-          </a:xfrm>
-          <a:prstGeom prst="line">
-            <a:avLst/>
-          </a:prstGeom>
-          <a:ln w="19050" cmpd="sng">
-            <a:solidFill>
-              <a:schemeClr val="bg2">
-                <a:lumMod val="20000"/>
-                <a:lumOff val="80000"/>
-              </a:schemeClr>
-            </a:solidFill>
-          </a:ln>
-          <a:effectLst/>
-        </p:spPr>
-        <p:style>
-          <a:lnRef idx="2">
-            <a:schemeClr val="accent1"/>
-          </a:lnRef>
-          <a:fillRef idx="0">
-            <a:schemeClr val="accent1"/>
-          </a:fillRef>
-          <a:effectRef idx="1">
-            <a:schemeClr val="accent1"/>
-          </a:effectRef>
-          <a:fontRef idx="minor">
-            <a:schemeClr val="tx1"/>
-          </a:fontRef>
-        </p:style>
-      </p:cxnSp>
-    </p:spTree>
-    <p:extLst>
-      <p:ext uri="{BB962C8B-B14F-4D97-AF65-F5344CB8AC3E}">
-        <p14:creationId xmlns:p14="http://schemas.microsoft.com/office/powerpoint/2010/main" val="2779284293"/>
       </p:ext>
     </p:extLst>
   </p:cSld>
@@ -24361,7 +24616,7 @@
     <p:bg>
       <p:bgPr>
         <a:blipFill dpi="0" rotWithShape="1">
-          <a:blip r:embed="rId18">
+          <a:blip r:embed="rId19">
             <a:lum/>
           </a:blip>
           <a:srcRect/>
@@ -25085,6 +25340,7 @@
     <p:sldLayoutId id="2147483690" r:id="rId14"/>
     <p:sldLayoutId id="2147483697" r:id="rId15"/>
     <p:sldLayoutId id="2147483691" r:id="rId16"/>
+    <p:sldLayoutId id="2147483699" r:id="rId17"/>
   </p:sldLayoutIdLst>
   <p:hf hdr="0" ftr="0" dt="0"/>
   <p:txStyles>
@@ -27378,6 +27634,328 @@
           </a:prstGeom>
         </p:spPr>
       </p:pic>
+      <p:sp>
+        <p:nvSpPr>
+          <p:cNvPr id="4" name="Скругленная прямоугольная выноска 3"/>
+          <p:cNvSpPr/>
+          <p:nvPr/>
+        </p:nvSpPr>
+        <p:spPr>
+          <a:xfrm>
+            <a:off x="7985760" y="3672840"/>
+            <a:ext cx="1097280" cy="647700"/>
+          </a:xfrm>
+          <a:prstGeom prst="wedgeRoundRectCallout">
+            <a:avLst>
+              <a:gd name="adj1" fmla="val -106250"/>
+              <a:gd name="adj2" fmla="val 16618"/>
+              <a:gd name="adj3" fmla="val 16667"/>
+            </a:avLst>
+          </a:prstGeom>
+        </p:spPr>
+        <p:style>
+          <a:lnRef idx="2">
+            <a:schemeClr val="accent2"/>
+          </a:lnRef>
+          <a:fillRef idx="1">
+            <a:schemeClr val="lt1"/>
+          </a:fillRef>
+          <a:effectRef idx="0">
+            <a:schemeClr val="accent2"/>
+          </a:effectRef>
+          <a:fontRef idx="minor">
+            <a:schemeClr val="dk1"/>
+          </a:fontRef>
+        </p:style>
+        <p:txBody>
+          <a:bodyPr rtlCol="0" anchor="ctr"/>
+          <a:lstStyle/>
+          <a:p>
+            <a:pPr algn="ctr"/>
+            <a:r>
+              <a:rPr lang="en-US" dirty="0" smtClean="0"/>
+              <a:t>OOP for C</a:t>
+            </a:r>
+            <a:endParaRPr lang="ru-RU" dirty="0"/>
+          </a:p>
+        </p:txBody>
+      </p:sp>
+      <p:sp>
+        <p:nvSpPr>
+          <p:cNvPr id="5" name="Скругленная прямоугольная выноска 4"/>
+          <p:cNvSpPr/>
+          <p:nvPr/>
+        </p:nvSpPr>
+        <p:spPr>
+          <a:xfrm>
+            <a:off x="169862" y="4038600"/>
+            <a:ext cx="1097280" cy="647700"/>
+          </a:xfrm>
+          <a:prstGeom prst="wedgeRoundRectCallout">
+            <a:avLst>
+              <a:gd name="adj1" fmla="val 143056"/>
+              <a:gd name="adj2" fmla="val -58676"/>
+              <a:gd name="adj3" fmla="val 16667"/>
+            </a:avLst>
+          </a:prstGeom>
+        </p:spPr>
+        <p:style>
+          <a:lnRef idx="2">
+            <a:schemeClr val="accent2"/>
+          </a:lnRef>
+          <a:fillRef idx="1">
+            <a:schemeClr val="lt1"/>
+          </a:fillRef>
+          <a:effectRef idx="0">
+            <a:schemeClr val="accent2"/>
+          </a:effectRef>
+          <a:fontRef idx="minor">
+            <a:schemeClr val="dk1"/>
+          </a:fontRef>
+        </p:style>
+        <p:txBody>
+          <a:bodyPr rtlCol="0" anchor="ctr"/>
+          <a:lstStyle/>
+          <a:p>
+            <a:pPr algn="ctr"/>
+            <a:r>
+              <a:rPr lang="en-US" dirty="0" smtClean="0"/>
+              <a:t>Rendering</a:t>
+            </a:r>
+            <a:endParaRPr lang="ru-RU" dirty="0"/>
+          </a:p>
+        </p:txBody>
+      </p:sp>
+      <p:sp>
+        <p:nvSpPr>
+          <p:cNvPr id="6" name="Скругленная прямоугольная выноска 5"/>
+          <p:cNvSpPr/>
+          <p:nvPr/>
+        </p:nvSpPr>
+        <p:spPr>
+          <a:xfrm>
+            <a:off x="7985760" y="2834640"/>
+            <a:ext cx="1097280" cy="647700"/>
+          </a:xfrm>
+          <a:prstGeom prst="wedgeRoundRectCallout">
+            <a:avLst>
+              <a:gd name="adj1" fmla="val -146528"/>
+              <a:gd name="adj2" fmla="val 27206"/>
+              <a:gd name="adj3" fmla="val 16667"/>
+            </a:avLst>
+          </a:prstGeom>
+        </p:spPr>
+        <p:style>
+          <a:lnRef idx="2">
+            <a:schemeClr val="accent2"/>
+          </a:lnRef>
+          <a:fillRef idx="1">
+            <a:schemeClr val="lt1"/>
+          </a:fillRef>
+          <a:effectRef idx="0">
+            <a:schemeClr val="accent2"/>
+          </a:effectRef>
+          <a:fontRef idx="minor">
+            <a:schemeClr val="dk1"/>
+          </a:fontRef>
+        </p:style>
+        <p:txBody>
+          <a:bodyPr rtlCol="0" anchor="ctr"/>
+          <a:lstStyle/>
+          <a:p>
+            <a:pPr algn="ctr"/>
+            <a:r>
+              <a:rPr lang="en-US" dirty="0" smtClean="0"/>
+              <a:t>Cross-platform IO</a:t>
+            </a:r>
+            <a:endParaRPr lang="ru-RU" dirty="0"/>
+          </a:p>
+        </p:txBody>
+      </p:sp>
+      <p:sp>
+        <p:nvSpPr>
+          <p:cNvPr id="7" name="Скругленная прямоугольная выноска 6"/>
+          <p:cNvSpPr/>
+          <p:nvPr/>
+        </p:nvSpPr>
+        <p:spPr>
+          <a:xfrm>
+            <a:off x="8009573" y="1996440"/>
+            <a:ext cx="1097280" cy="647700"/>
+          </a:xfrm>
+          <a:prstGeom prst="wedgeRoundRectCallout">
+            <a:avLst>
+              <a:gd name="adj1" fmla="val -292361"/>
+              <a:gd name="adj2" fmla="val 120147"/>
+              <a:gd name="adj3" fmla="val 16667"/>
+            </a:avLst>
+          </a:prstGeom>
+        </p:spPr>
+        <p:style>
+          <a:lnRef idx="2">
+            <a:schemeClr val="accent2"/>
+          </a:lnRef>
+          <a:fillRef idx="1">
+            <a:schemeClr val="lt1"/>
+          </a:fillRef>
+          <a:effectRef idx="0">
+            <a:schemeClr val="accent2"/>
+          </a:effectRef>
+          <a:fontRef idx="minor">
+            <a:schemeClr val="dk1"/>
+          </a:fontRef>
+        </p:style>
+        <p:txBody>
+          <a:bodyPr rtlCol="0" anchor="ctr"/>
+          <a:lstStyle/>
+          <a:p>
+            <a:pPr algn="ctr"/>
+            <a:r>
+              <a:rPr lang="en-US" dirty="0" smtClean="0"/>
+              <a:t>Accessible</a:t>
+            </a:r>
+            <a:endParaRPr lang="ru-RU" dirty="0"/>
+          </a:p>
+        </p:txBody>
+      </p:sp>
+      <p:sp>
+        <p:nvSpPr>
+          <p:cNvPr id="8" name="Скругленная прямоугольная выноска 7"/>
+          <p:cNvSpPr/>
+          <p:nvPr/>
+        </p:nvSpPr>
+        <p:spPr>
+          <a:xfrm>
+            <a:off x="169862" y="3268980"/>
+            <a:ext cx="1097280" cy="647700"/>
+          </a:xfrm>
+          <a:prstGeom prst="wedgeRoundRectCallout">
+            <a:avLst>
+              <a:gd name="adj1" fmla="val 146528"/>
+              <a:gd name="adj2" fmla="val -15146"/>
+              <a:gd name="adj3" fmla="val 16667"/>
+            </a:avLst>
+          </a:prstGeom>
+        </p:spPr>
+        <p:style>
+          <a:lnRef idx="2">
+            <a:schemeClr val="accent2"/>
+          </a:lnRef>
+          <a:fillRef idx="1">
+            <a:schemeClr val="lt1"/>
+          </a:fillRef>
+          <a:effectRef idx="0">
+            <a:schemeClr val="accent2"/>
+          </a:effectRef>
+          <a:fontRef idx="minor">
+            <a:schemeClr val="dk1"/>
+          </a:fontRef>
+        </p:style>
+        <p:txBody>
+          <a:bodyPr rtlCol="0" anchor="ctr"/>
+          <a:lstStyle/>
+          <a:p>
+            <a:pPr algn="ctr"/>
+            <a:r>
+              <a:rPr lang="en-US" dirty="0" smtClean="0"/>
+              <a:t>Text &amp; Fonts</a:t>
+            </a:r>
+            <a:endParaRPr lang="ru-RU" dirty="0"/>
+          </a:p>
+        </p:txBody>
+      </p:sp>
+      <p:sp>
+        <p:nvSpPr>
+          <p:cNvPr id="9" name="Скругленная прямоугольная выноска 8"/>
+          <p:cNvSpPr/>
+          <p:nvPr/>
+        </p:nvSpPr>
+        <p:spPr>
+          <a:xfrm>
+            <a:off x="169862" y="2389806"/>
+            <a:ext cx="1097280" cy="647700"/>
+          </a:xfrm>
+          <a:prstGeom prst="wedgeRoundRectCallout">
+            <a:avLst>
+              <a:gd name="adj1" fmla="val 287501"/>
+              <a:gd name="adj2" fmla="val 44854"/>
+              <a:gd name="adj3" fmla="val 16667"/>
+            </a:avLst>
+          </a:prstGeom>
+        </p:spPr>
+        <p:style>
+          <a:lnRef idx="2">
+            <a:schemeClr val="accent2"/>
+          </a:lnRef>
+          <a:fillRef idx="1">
+            <a:schemeClr val="lt1"/>
+          </a:fillRef>
+          <a:effectRef idx="0">
+            <a:schemeClr val="accent2"/>
+          </a:effectRef>
+          <a:fontRef idx="minor">
+            <a:schemeClr val="dk1"/>
+          </a:fontRef>
+        </p:style>
+        <p:txBody>
+          <a:bodyPr rtlCol="0" anchor="ctr"/>
+          <a:lstStyle/>
+          <a:p>
+            <a:pPr algn="ctr"/>
+            <a:r>
+              <a:rPr lang="en-US" dirty="0" smtClean="0"/>
+              <a:t>Windowing</a:t>
+            </a:r>
+            <a:endParaRPr lang="ru-RU" dirty="0"/>
+          </a:p>
+        </p:txBody>
+      </p:sp>
+      <p:sp>
+        <p:nvSpPr>
+          <p:cNvPr id="10" name="Скругленная прямоугольная выноска 9"/>
+          <p:cNvSpPr/>
+          <p:nvPr/>
+        </p:nvSpPr>
+        <p:spPr>
+          <a:xfrm>
+            <a:off x="169862" y="1510632"/>
+            <a:ext cx="1097280" cy="647700"/>
+          </a:xfrm>
+          <a:prstGeom prst="wedgeRoundRectCallout">
+            <a:avLst>
+              <a:gd name="adj1" fmla="val 284723"/>
+              <a:gd name="adj2" fmla="val 104854"/>
+              <a:gd name="adj3" fmla="val 16667"/>
+            </a:avLst>
+          </a:prstGeom>
+        </p:spPr>
+        <p:style>
+          <a:lnRef idx="2">
+            <a:schemeClr val="accent2"/>
+          </a:lnRef>
+          <a:fillRef idx="1">
+            <a:schemeClr val="lt1"/>
+          </a:fillRef>
+          <a:effectRef idx="0">
+            <a:schemeClr val="accent2"/>
+          </a:effectRef>
+          <a:fontRef idx="minor">
+            <a:schemeClr val="dk1"/>
+          </a:fontRef>
+        </p:style>
+        <p:txBody>
+          <a:bodyPr rtlCol="0" anchor="ctr"/>
+          <a:lstStyle/>
+          <a:p>
+            <a:pPr algn="ctr"/>
+            <a:r>
+              <a:rPr lang="en-US" dirty="0" smtClean="0"/>
+              <a:t>UI / Controls</a:t>
+            </a:r>
+            <a:endParaRPr lang="ru-RU" dirty="0"/>
+          </a:p>
+        </p:txBody>
+      </p:sp>
     </p:spTree>
     <p:extLst>
       <p:ext uri="{BB962C8B-B14F-4D97-AF65-F5344CB8AC3E}">
@@ -27391,9 +27969,412 @@
   <p:timing>
     <p:tnLst>
       <p:par>
-        <p:cTn id="1" dur="indefinite" restart="never" nodeType="tmRoot"/>
+        <p:cTn id="1" dur="indefinite" restart="never" nodeType="tmRoot">
+          <p:childTnLst>
+            <p:seq concurrent="1" nextAc="seek">
+              <p:cTn id="2" dur="indefinite" nodeType="mainSeq">
+                <p:childTnLst>
+                  <p:par>
+                    <p:cTn id="3" fill="hold">
+                      <p:stCondLst>
+                        <p:cond delay="indefinite"/>
+                      </p:stCondLst>
+                      <p:childTnLst>
+                        <p:par>
+                          <p:cTn id="4" fill="hold">
+                            <p:stCondLst>
+                              <p:cond delay="0"/>
+                            </p:stCondLst>
+                            <p:childTnLst>
+                              <p:par>
+                                <p:cTn id="5" presetID="10" presetClass="entr" presetSubtype="0" fill="hold" grpId="0" nodeType="clickEffect">
+                                  <p:stCondLst>
+                                    <p:cond delay="0"/>
+                                  </p:stCondLst>
+                                  <p:childTnLst>
+                                    <p:set>
+                                      <p:cBhvr>
+                                        <p:cTn id="6" dur="1" fill="hold">
+                                          <p:stCondLst>
+                                            <p:cond delay="0"/>
+                                          </p:stCondLst>
+                                        </p:cTn>
+                                        <p:tgtEl>
+                                          <p:spTgt spid="4"/>
+                                        </p:tgtEl>
+                                        <p:attrNameLst>
+                                          <p:attrName>style.visibility</p:attrName>
+                                        </p:attrNameLst>
+                                      </p:cBhvr>
+                                      <p:to>
+                                        <p:strVal val="visible"/>
+                                      </p:to>
+                                    </p:set>
+                                    <p:animEffect transition="in" filter="fade">
+                                      <p:cBhvr>
+                                        <p:cTn id="7" dur="500"/>
+                                        <p:tgtEl>
+                                          <p:spTgt spid="4"/>
+                                        </p:tgtEl>
+                                      </p:cBhvr>
+                                    </p:animEffect>
+                                  </p:childTnLst>
+                                </p:cTn>
+                              </p:par>
+                            </p:childTnLst>
+                          </p:cTn>
+                        </p:par>
+                      </p:childTnLst>
+                    </p:cTn>
+                  </p:par>
+                  <p:par>
+                    <p:cTn id="8" fill="hold">
+                      <p:stCondLst>
+                        <p:cond delay="indefinite"/>
+                      </p:stCondLst>
+                      <p:childTnLst>
+                        <p:par>
+                          <p:cTn id="9" fill="hold">
+                            <p:stCondLst>
+                              <p:cond delay="0"/>
+                            </p:stCondLst>
+                            <p:childTnLst>
+                              <p:par>
+                                <p:cTn id="10" presetID="10" presetClass="entr" presetSubtype="0" fill="hold" grpId="0" nodeType="clickEffect">
+                                  <p:stCondLst>
+                                    <p:cond delay="0"/>
+                                  </p:stCondLst>
+                                  <p:childTnLst>
+                                    <p:set>
+                                      <p:cBhvr>
+                                        <p:cTn id="11" dur="1" fill="hold">
+                                          <p:stCondLst>
+                                            <p:cond delay="0"/>
+                                          </p:stCondLst>
+                                        </p:cTn>
+                                        <p:tgtEl>
+                                          <p:spTgt spid="5"/>
+                                        </p:tgtEl>
+                                        <p:attrNameLst>
+                                          <p:attrName>style.visibility</p:attrName>
+                                        </p:attrNameLst>
+                                      </p:cBhvr>
+                                      <p:to>
+                                        <p:strVal val="visible"/>
+                                      </p:to>
+                                    </p:set>
+                                    <p:animEffect transition="in" filter="fade">
+                                      <p:cBhvr>
+                                        <p:cTn id="12" dur="500"/>
+                                        <p:tgtEl>
+                                          <p:spTgt spid="5"/>
+                                        </p:tgtEl>
+                                      </p:cBhvr>
+                                    </p:animEffect>
+                                  </p:childTnLst>
+                                </p:cTn>
+                              </p:par>
+                            </p:childTnLst>
+                          </p:cTn>
+                        </p:par>
+                      </p:childTnLst>
+                    </p:cTn>
+                  </p:par>
+                  <p:par>
+                    <p:cTn id="13" fill="hold">
+                      <p:stCondLst>
+                        <p:cond delay="indefinite"/>
+                      </p:stCondLst>
+                      <p:childTnLst>
+                        <p:par>
+                          <p:cTn id="14" fill="hold">
+                            <p:stCondLst>
+                              <p:cond delay="0"/>
+                            </p:stCondLst>
+                            <p:childTnLst>
+                              <p:par>
+                                <p:cTn id="15" presetID="10" presetClass="entr" presetSubtype="0" fill="hold" grpId="0" nodeType="clickEffect">
+                                  <p:stCondLst>
+                                    <p:cond delay="0"/>
+                                  </p:stCondLst>
+                                  <p:childTnLst>
+                                    <p:set>
+                                      <p:cBhvr>
+                                        <p:cTn id="16" dur="1" fill="hold">
+                                          <p:stCondLst>
+                                            <p:cond delay="0"/>
+                                          </p:stCondLst>
+                                        </p:cTn>
+                                        <p:tgtEl>
+                                          <p:spTgt spid="6"/>
+                                        </p:tgtEl>
+                                        <p:attrNameLst>
+                                          <p:attrName>style.visibility</p:attrName>
+                                        </p:attrNameLst>
+                                      </p:cBhvr>
+                                      <p:to>
+                                        <p:strVal val="visible"/>
+                                      </p:to>
+                                    </p:set>
+                                    <p:animEffect transition="in" filter="fade">
+                                      <p:cBhvr>
+                                        <p:cTn id="17" dur="500"/>
+                                        <p:tgtEl>
+                                          <p:spTgt spid="6"/>
+                                        </p:tgtEl>
+                                      </p:cBhvr>
+                                    </p:animEffect>
+                                  </p:childTnLst>
+                                </p:cTn>
+                              </p:par>
+                            </p:childTnLst>
+                          </p:cTn>
+                        </p:par>
+                      </p:childTnLst>
+                    </p:cTn>
+                  </p:par>
+                  <p:par>
+                    <p:cTn id="18" fill="hold">
+                      <p:stCondLst>
+                        <p:cond delay="indefinite"/>
+                      </p:stCondLst>
+                      <p:childTnLst>
+                        <p:par>
+                          <p:cTn id="19" fill="hold">
+                            <p:stCondLst>
+                              <p:cond delay="0"/>
+                            </p:stCondLst>
+                            <p:childTnLst>
+                              <p:par>
+                                <p:cTn id="20" presetID="10" presetClass="entr" presetSubtype="0" fill="hold" grpId="0" nodeType="clickEffect">
+                                  <p:stCondLst>
+                                    <p:cond delay="0"/>
+                                  </p:stCondLst>
+                                  <p:childTnLst>
+                                    <p:set>
+                                      <p:cBhvr>
+                                        <p:cTn id="21" dur="1" fill="hold">
+                                          <p:stCondLst>
+                                            <p:cond delay="0"/>
+                                          </p:stCondLst>
+                                        </p:cTn>
+                                        <p:tgtEl>
+                                          <p:spTgt spid="8"/>
+                                        </p:tgtEl>
+                                        <p:attrNameLst>
+                                          <p:attrName>style.visibility</p:attrName>
+                                        </p:attrNameLst>
+                                      </p:cBhvr>
+                                      <p:to>
+                                        <p:strVal val="visible"/>
+                                      </p:to>
+                                    </p:set>
+                                    <p:animEffect transition="in" filter="fade">
+                                      <p:cBhvr>
+                                        <p:cTn id="22" dur="500"/>
+                                        <p:tgtEl>
+                                          <p:spTgt spid="8"/>
+                                        </p:tgtEl>
+                                      </p:cBhvr>
+                                    </p:animEffect>
+                                  </p:childTnLst>
+                                </p:cTn>
+                              </p:par>
+                            </p:childTnLst>
+                          </p:cTn>
+                        </p:par>
+                      </p:childTnLst>
+                    </p:cTn>
+                  </p:par>
+                  <p:par>
+                    <p:cTn id="23" fill="hold">
+                      <p:stCondLst>
+                        <p:cond delay="indefinite"/>
+                      </p:stCondLst>
+                      <p:childTnLst>
+                        <p:par>
+                          <p:cTn id="24" fill="hold">
+                            <p:stCondLst>
+                              <p:cond delay="0"/>
+                            </p:stCondLst>
+                            <p:childTnLst>
+                              <p:par>
+                                <p:cTn id="25" presetID="10" presetClass="entr" presetSubtype="0" fill="hold" grpId="0" nodeType="clickEffect">
+                                  <p:stCondLst>
+                                    <p:cond delay="0"/>
+                                  </p:stCondLst>
+                                  <p:childTnLst>
+                                    <p:set>
+                                      <p:cBhvr>
+                                        <p:cTn id="26" dur="1" fill="hold">
+                                          <p:stCondLst>
+                                            <p:cond delay="0"/>
+                                          </p:stCondLst>
+                                        </p:cTn>
+                                        <p:tgtEl>
+                                          <p:spTgt spid="9"/>
+                                        </p:tgtEl>
+                                        <p:attrNameLst>
+                                          <p:attrName>style.visibility</p:attrName>
+                                        </p:attrNameLst>
+                                      </p:cBhvr>
+                                      <p:to>
+                                        <p:strVal val="visible"/>
+                                      </p:to>
+                                    </p:set>
+                                    <p:animEffect transition="in" filter="fade">
+                                      <p:cBhvr>
+                                        <p:cTn id="27" dur="500"/>
+                                        <p:tgtEl>
+                                          <p:spTgt spid="9"/>
+                                        </p:tgtEl>
+                                      </p:cBhvr>
+                                    </p:animEffect>
+                                  </p:childTnLst>
+                                </p:cTn>
+                              </p:par>
+                            </p:childTnLst>
+                          </p:cTn>
+                        </p:par>
+                      </p:childTnLst>
+                    </p:cTn>
+                  </p:par>
+                  <p:par>
+                    <p:cTn id="28" fill="hold">
+                      <p:stCondLst>
+                        <p:cond delay="indefinite"/>
+                      </p:stCondLst>
+                      <p:childTnLst>
+                        <p:par>
+                          <p:cTn id="29" fill="hold">
+                            <p:stCondLst>
+                              <p:cond delay="0"/>
+                            </p:stCondLst>
+                            <p:childTnLst>
+                              <p:par>
+                                <p:cTn id="30" presetID="10" presetClass="entr" presetSubtype="0" fill="hold" grpId="0" nodeType="clickEffect">
+                                  <p:stCondLst>
+                                    <p:cond delay="0"/>
+                                  </p:stCondLst>
+                                  <p:childTnLst>
+                                    <p:set>
+                                      <p:cBhvr>
+                                        <p:cTn id="31" dur="1" fill="hold">
+                                          <p:stCondLst>
+                                            <p:cond delay="0"/>
+                                          </p:stCondLst>
+                                        </p:cTn>
+                                        <p:tgtEl>
+                                          <p:spTgt spid="7"/>
+                                        </p:tgtEl>
+                                        <p:attrNameLst>
+                                          <p:attrName>style.visibility</p:attrName>
+                                        </p:attrNameLst>
+                                      </p:cBhvr>
+                                      <p:to>
+                                        <p:strVal val="visible"/>
+                                      </p:to>
+                                    </p:set>
+                                    <p:animEffect transition="in" filter="fade">
+                                      <p:cBhvr>
+                                        <p:cTn id="32" dur="500"/>
+                                        <p:tgtEl>
+                                          <p:spTgt spid="7"/>
+                                        </p:tgtEl>
+                                      </p:cBhvr>
+                                    </p:animEffect>
+                                  </p:childTnLst>
+                                </p:cTn>
+                              </p:par>
+                            </p:childTnLst>
+                          </p:cTn>
+                        </p:par>
+                      </p:childTnLst>
+                    </p:cTn>
+                  </p:par>
+                  <p:par>
+                    <p:cTn id="33" fill="hold">
+                      <p:stCondLst>
+                        <p:cond delay="indefinite"/>
+                      </p:stCondLst>
+                      <p:childTnLst>
+                        <p:par>
+                          <p:cTn id="34" fill="hold">
+                            <p:stCondLst>
+                              <p:cond delay="0"/>
+                            </p:stCondLst>
+                            <p:childTnLst>
+                              <p:par>
+                                <p:cTn id="35" presetID="10" presetClass="entr" presetSubtype="0" fill="hold" grpId="0" nodeType="clickEffect">
+                                  <p:stCondLst>
+                                    <p:cond delay="0"/>
+                                  </p:stCondLst>
+                                  <p:childTnLst>
+                                    <p:set>
+                                      <p:cBhvr>
+                                        <p:cTn id="36" dur="1" fill="hold">
+                                          <p:stCondLst>
+                                            <p:cond delay="0"/>
+                                          </p:stCondLst>
+                                        </p:cTn>
+                                        <p:tgtEl>
+                                          <p:spTgt spid="10"/>
+                                        </p:tgtEl>
+                                        <p:attrNameLst>
+                                          <p:attrName>style.visibility</p:attrName>
+                                        </p:attrNameLst>
+                                      </p:cBhvr>
+                                      <p:to>
+                                        <p:strVal val="visible"/>
+                                      </p:to>
+                                    </p:set>
+                                    <p:animEffect transition="in" filter="fade">
+                                      <p:cBhvr>
+                                        <p:cTn id="37" dur="500"/>
+                                        <p:tgtEl>
+                                          <p:spTgt spid="10"/>
+                                        </p:tgtEl>
+                                      </p:cBhvr>
+                                    </p:animEffect>
+                                  </p:childTnLst>
+                                </p:cTn>
+                              </p:par>
+                            </p:childTnLst>
+                          </p:cTn>
+                        </p:par>
+                      </p:childTnLst>
+                    </p:cTn>
+                  </p:par>
+                </p:childTnLst>
+              </p:cTn>
+              <p:prevCondLst>
+                <p:cond evt="onPrev" delay="0">
+                  <p:tgtEl>
+                    <p:sldTgt/>
+                  </p:tgtEl>
+                </p:cond>
+              </p:prevCondLst>
+              <p:nextCondLst>
+                <p:cond evt="onNext" delay="0">
+                  <p:tgtEl>
+                    <p:sldTgt/>
+                  </p:tgtEl>
+                </p:cond>
+              </p:nextCondLst>
+            </p:seq>
+          </p:childTnLst>
+        </p:cTn>
       </p:par>
     </p:tnLst>
+    <p:bldLst>
+      <p:bldP spid="4" grpId="0" animBg="1"/>
+      <p:bldP spid="5" grpId="0" animBg="1"/>
+      <p:bldP spid="6" grpId="0" animBg="1"/>
+      <p:bldP spid="7" grpId="0" animBg="1"/>
+      <p:bldP spid="8" grpId="0" animBg="1"/>
+      <p:bldP spid="9" grpId="0" animBg="1"/>
+      <p:bldP spid="10" grpId="0" animBg="1"/>
+    </p:bldLst>
   </p:timing>
 </p:sld>
 </file>
@@ -41229,11 +42210,11 @@
   <p:clrMapOvr>
     <a:masterClrMapping/>
   </p:clrMapOvr>
-  <mc:AlternateContent xmlns:mc="http://schemas.openxmlformats.org/markup-compatibility/2006">
-    <mc:Choice xmlns:p14="http://schemas.microsoft.com/office/powerpoint/2010/main" Requires="p14">
+  <mc:AlternateContent xmlns:mc="http://schemas.openxmlformats.org/markup-compatibility/2006" xmlns:p14="http://schemas.microsoft.com/office/powerpoint/2010/main">
+    <mc:Choice Requires="p14">
       <p:transition spd="slow" p14:dur="2000"/>
     </mc:Choice>
-    <mc:Fallback>
+    <mc:Fallback xmlns="">
       <p:transition spd="slow"/>
     </mc:Fallback>
   </mc:AlternateContent>
@@ -41727,16 +42708,443 @@
           </a:p>
         </p:txBody>
       </p:sp>
+      <p:grpSp>
+        <p:nvGrpSpPr>
+          <p:cNvPr id="6" name="Группа 5"/>
+          <p:cNvGrpSpPr/>
+          <p:nvPr/>
+        </p:nvGrpSpPr>
+        <p:grpSpPr>
+          <a:xfrm>
+            <a:off x="426719" y="1600200"/>
+            <a:ext cx="3473203" cy="1790650"/>
+            <a:chOff x="2880360" y="1447800"/>
+            <a:chExt cx="3055620" cy="1623060"/>
+          </a:xfrm>
+        </p:grpSpPr>
+        <p:sp>
+          <p:nvSpPr>
+            <p:cNvPr id="2" name="Скругленный прямоугольник 1"/>
+            <p:cNvSpPr/>
+            <p:nvPr/>
+          </p:nvSpPr>
+          <p:spPr>
+            <a:xfrm>
+              <a:off x="2880360" y="1447800"/>
+              <a:ext cx="3055620" cy="1623060"/>
+            </a:xfrm>
+            <a:prstGeom prst="roundRect">
+              <a:avLst/>
+            </a:prstGeom>
+          </p:spPr>
+          <p:style>
+            <a:lnRef idx="2">
+              <a:schemeClr val="accent1">
+                <a:shade val="50000"/>
+              </a:schemeClr>
+            </a:lnRef>
+            <a:fillRef idx="1">
+              <a:schemeClr val="accent1"/>
+            </a:fillRef>
+            <a:effectRef idx="0">
+              <a:schemeClr val="accent1"/>
+            </a:effectRef>
+            <a:fontRef idx="minor">
+              <a:schemeClr val="lt1"/>
+            </a:fontRef>
+          </p:style>
+          <p:txBody>
+            <a:bodyPr numCol="2" spcCol="252000" rtlCol="0" anchor="ctr"/>
+            <a:lstStyle/>
+            <a:p>
+              <a:pPr marL="285750" indent="-285750">
+                <a:buFont typeface="Arial" panose="020B0604020202020204" pitchFamily="34" charset="0"/>
+                <a:buChar char="•"/>
+              </a:pPr>
+              <a:r>
+                <a:rPr lang="en-US" dirty="0" smtClean="0">
+                  <a:solidFill>
+                    <a:schemeClr val="tx1"/>
+                  </a:solidFill>
+                </a:rPr>
+                <a:t>Logical / visual tree</a:t>
+              </a:r>
+            </a:p>
+            <a:p>
+              <a:pPr marL="285750" indent="-285750">
+                <a:buFont typeface="Arial" panose="020B0604020202020204" pitchFamily="34" charset="0"/>
+                <a:buChar char="•"/>
+              </a:pPr>
+              <a:r>
+                <a:rPr lang="en-US" dirty="0" smtClean="0">
+                  <a:solidFill>
+                    <a:schemeClr val="tx1"/>
+                  </a:solidFill>
+                </a:rPr>
+                <a:t>Controls</a:t>
+              </a:r>
+            </a:p>
+            <a:p>
+              <a:pPr marL="285750" indent="-285750">
+                <a:buFont typeface="Arial" panose="020B0604020202020204" pitchFamily="34" charset="0"/>
+                <a:buChar char="•"/>
+              </a:pPr>
+              <a:r>
+                <a:rPr lang="en-US" dirty="0" smtClean="0">
+                  <a:solidFill>
+                    <a:schemeClr val="tx1"/>
+                  </a:solidFill>
+                </a:rPr>
+                <a:t>Layouts</a:t>
+              </a:r>
+            </a:p>
+            <a:p>
+              <a:pPr marL="285750" indent="-285750">
+                <a:buFont typeface="Arial" panose="020B0604020202020204" pitchFamily="34" charset="0"/>
+                <a:buChar char="•"/>
+              </a:pPr>
+              <a:r>
+                <a:rPr lang="en-US" dirty="0" smtClean="0">
+                  <a:solidFill>
+                    <a:schemeClr val="tx1"/>
+                  </a:solidFill>
+                </a:rPr>
+                <a:t>Styles</a:t>
+              </a:r>
+            </a:p>
+            <a:p>
+              <a:pPr marL="285750" indent="-285750">
+                <a:buFont typeface="Arial" panose="020B0604020202020204" pitchFamily="34" charset="0"/>
+                <a:buChar char="•"/>
+              </a:pPr>
+              <a:r>
+                <a:rPr lang="en-US" dirty="0" smtClean="0">
+                  <a:solidFill>
+                    <a:schemeClr val="tx1"/>
+                  </a:solidFill>
+                </a:rPr>
+                <a:t>Animation</a:t>
+              </a:r>
+            </a:p>
+            <a:p>
+              <a:pPr marL="285750" indent="-285750">
+                <a:buFont typeface="Arial" panose="020B0604020202020204" pitchFamily="34" charset="0"/>
+                <a:buChar char="•"/>
+              </a:pPr>
+              <a:r>
+                <a:rPr lang="en-US" dirty="0" smtClean="0">
+                  <a:solidFill>
+                    <a:schemeClr val="tx1"/>
+                  </a:solidFill>
+                </a:rPr>
+                <a:t>Input</a:t>
+              </a:r>
+            </a:p>
+            <a:p>
+              <a:pPr marL="285750" indent="-285750">
+                <a:buFont typeface="Arial" panose="020B0604020202020204" pitchFamily="34" charset="0"/>
+                <a:buChar char="•"/>
+              </a:pPr>
+              <a:r>
+                <a:rPr lang="en-US" dirty="0">
+                  <a:solidFill>
+                    <a:schemeClr val="tx1"/>
+                  </a:solidFill>
+                </a:rPr>
+                <a:t>Binding</a:t>
+              </a:r>
+            </a:p>
+            <a:p>
+              <a:pPr marL="285750" indent="-285750">
+                <a:buFont typeface="Arial" panose="020B0604020202020204" pitchFamily="34" charset="0"/>
+                <a:buChar char="•"/>
+              </a:pPr>
+              <a:endParaRPr lang="ru-RU" dirty="0">
+                <a:solidFill>
+                  <a:schemeClr val="tx1"/>
+                </a:solidFill>
+              </a:endParaRPr>
+            </a:p>
+          </p:txBody>
+        </p:sp>
+        <p:sp>
+          <p:nvSpPr>
+            <p:cNvPr id="5" name="TextBox 4"/>
+            <p:cNvSpPr txBox="1"/>
+            <p:nvPr/>
+          </p:nvSpPr>
+          <p:spPr>
+            <a:xfrm>
+              <a:off x="4648200" y="2331720"/>
+              <a:ext cx="971933" cy="584775"/>
+            </a:xfrm>
+            <a:prstGeom prst="rect">
+              <a:avLst/>
+            </a:prstGeom>
+            <a:noFill/>
+          </p:spPr>
+          <p:txBody>
+            <a:bodyPr wrap="none" rtlCol="0">
+              <a:spAutoFit/>
+            </a:bodyPr>
+            <a:lstStyle/>
+            <a:p>
+              <a:r>
+                <a:rPr lang="en-US" sz="3200" b="1" dirty="0" smtClean="0"/>
+                <a:t>Core</a:t>
+              </a:r>
+              <a:endParaRPr lang="ru-RU" sz="3200" b="1" dirty="0"/>
+            </a:p>
+          </p:txBody>
+        </p:sp>
+      </p:grpSp>
+      <p:sp>
+        <p:nvSpPr>
+          <p:cNvPr id="7" name="Скругленный прямоугольник 6"/>
+          <p:cNvSpPr/>
+          <p:nvPr/>
+        </p:nvSpPr>
+        <p:spPr>
+          <a:xfrm>
+            <a:off x="2436153" y="3565953"/>
+            <a:ext cx="1051560" cy="464820"/>
+          </a:xfrm>
+          <a:prstGeom prst="roundRect">
+            <a:avLst/>
+          </a:prstGeom>
+        </p:spPr>
+        <p:style>
+          <a:lnRef idx="2">
+            <a:schemeClr val="accent6">
+              <a:shade val="50000"/>
+            </a:schemeClr>
+          </a:lnRef>
+          <a:fillRef idx="1">
+            <a:schemeClr val="accent6"/>
+          </a:fillRef>
+          <a:effectRef idx="0">
+            <a:schemeClr val="accent6"/>
+          </a:effectRef>
+          <a:fontRef idx="minor">
+            <a:schemeClr val="lt1"/>
+          </a:fontRef>
+        </p:style>
+        <p:txBody>
+          <a:bodyPr rtlCol="0" anchor="ctr"/>
+          <a:lstStyle/>
+          <a:p>
+            <a:pPr algn="ctr"/>
+            <a:r>
+              <a:rPr lang="en-US" dirty="0" smtClean="0">
+                <a:solidFill>
+                  <a:schemeClr val="tx1"/>
+                </a:solidFill>
+              </a:rPr>
+              <a:t>XAML</a:t>
+            </a:r>
+            <a:endParaRPr lang="ru-RU" dirty="0">
+              <a:solidFill>
+                <a:schemeClr val="tx1"/>
+              </a:solidFill>
+            </a:endParaRPr>
+          </a:p>
+        </p:txBody>
+      </p:sp>
+      <p:sp>
+        <p:nvSpPr>
+          <p:cNvPr id="8" name="Скругленный прямоугольник 7"/>
+          <p:cNvSpPr/>
+          <p:nvPr/>
+        </p:nvSpPr>
+        <p:spPr>
+          <a:xfrm>
+            <a:off x="644273" y="3565953"/>
+            <a:ext cx="1051560" cy="464820"/>
+          </a:xfrm>
+          <a:prstGeom prst="roundRect">
+            <a:avLst/>
+          </a:prstGeom>
+        </p:spPr>
+        <p:style>
+          <a:lnRef idx="2">
+            <a:schemeClr val="accent6">
+              <a:shade val="50000"/>
+            </a:schemeClr>
+          </a:lnRef>
+          <a:fillRef idx="1">
+            <a:schemeClr val="accent6"/>
+          </a:fillRef>
+          <a:effectRef idx="0">
+            <a:schemeClr val="accent6"/>
+          </a:effectRef>
+          <a:fontRef idx="minor">
+            <a:schemeClr val="lt1"/>
+          </a:fontRef>
+        </p:style>
+        <p:txBody>
+          <a:bodyPr rtlCol="0" anchor="ctr"/>
+          <a:lstStyle/>
+          <a:p>
+            <a:pPr algn="ctr"/>
+            <a:r>
+              <a:rPr lang="en-US" dirty="0" smtClean="0">
+                <a:solidFill>
+                  <a:schemeClr val="tx1"/>
+                </a:solidFill>
+              </a:rPr>
+              <a:t>Themes</a:t>
+            </a:r>
+            <a:endParaRPr lang="ru-RU" dirty="0">
+              <a:solidFill>
+                <a:schemeClr val="tx1"/>
+              </a:solidFill>
+            </a:endParaRPr>
+          </a:p>
+        </p:txBody>
+      </p:sp>
+      <p:sp>
+        <p:nvSpPr>
+          <p:cNvPr id="9" name="Скругленный прямоугольник 8"/>
+          <p:cNvSpPr/>
+          <p:nvPr/>
+        </p:nvSpPr>
+        <p:spPr>
+          <a:xfrm>
+            <a:off x="4320421" y="1620564"/>
+            <a:ext cx="1653540" cy="701040"/>
+          </a:xfrm>
+          <a:prstGeom prst="roundRect">
+            <a:avLst/>
+          </a:prstGeom>
+        </p:spPr>
+        <p:style>
+          <a:lnRef idx="2">
+            <a:schemeClr val="accent6">
+              <a:shade val="50000"/>
+            </a:schemeClr>
+          </a:lnRef>
+          <a:fillRef idx="1">
+            <a:schemeClr val="accent6"/>
+          </a:fillRef>
+          <a:effectRef idx="0">
+            <a:schemeClr val="accent6"/>
+          </a:effectRef>
+          <a:fontRef idx="minor">
+            <a:schemeClr val="lt1"/>
+          </a:fontRef>
+        </p:style>
+        <p:txBody>
+          <a:bodyPr rtlCol="0" anchor="ctr"/>
+          <a:lstStyle/>
+          <a:p>
+            <a:pPr algn="ctr"/>
+            <a:r>
+              <a:rPr lang="en-US" dirty="0" smtClean="0">
+                <a:solidFill>
+                  <a:schemeClr val="tx1"/>
+                </a:solidFill>
+              </a:rPr>
+              <a:t>Windowing Subsystem</a:t>
+            </a:r>
+            <a:endParaRPr lang="ru-RU" dirty="0">
+              <a:solidFill>
+                <a:schemeClr val="tx1"/>
+              </a:solidFill>
+            </a:endParaRPr>
+          </a:p>
+        </p:txBody>
+      </p:sp>
+      <p:sp>
+        <p:nvSpPr>
+          <p:cNvPr id="10" name="Скругленный прямоугольник 9"/>
+          <p:cNvSpPr/>
+          <p:nvPr/>
+        </p:nvSpPr>
+        <p:spPr>
+          <a:xfrm>
+            <a:off x="4320421" y="2689810"/>
+            <a:ext cx="1653540" cy="701040"/>
+          </a:xfrm>
+          <a:prstGeom prst="roundRect">
+            <a:avLst/>
+          </a:prstGeom>
+        </p:spPr>
+        <p:style>
+          <a:lnRef idx="2">
+            <a:schemeClr val="accent6">
+              <a:shade val="50000"/>
+            </a:schemeClr>
+          </a:lnRef>
+          <a:fillRef idx="1">
+            <a:schemeClr val="accent6"/>
+          </a:fillRef>
+          <a:effectRef idx="0">
+            <a:schemeClr val="accent6"/>
+          </a:effectRef>
+          <a:fontRef idx="minor">
+            <a:schemeClr val="lt1"/>
+          </a:fontRef>
+        </p:style>
+        <p:txBody>
+          <a:bodyPr rtlCol="0" anchor="ctr"/>
+          <a:lstStyle/>
+          <a:p>
+            <a:pPr algn="ctr"/>
+            <a:r>
+              <a:rPr lang="en-US" dirty="0" smtClean="0">
+                <a:solidFill>
+                  <a:schemeClr val="tx1"/>
+                </a:solidFill>
+              </a:rPr>
+              <a:t>Rendering Subsystem</a:t>
+            </a:r>
+            <a:endParaRPr lang="ru-RU" dirty="0">
+              <a:solidFill>
+                <a:schemeClr val="tx1"/>
+              </a:solidFill>
+            </a:endParaRPr>
+          </a:p>
+        </p:txBody>
+      </p:sp>
       <p:pic>
         <p:nvPicPr>
-          <p:cNvPr id="4" name="Рисунок 3"/>
+          <p:cNvPr id="13" name="Рисунок 12"/>
+          <p:cNvPicPr>
+            <a:picLocks noChangeAspect="1"/>
+          </p:cNvPicPr>
+          <p:nvPr/>
+        </p:nvPicPr>
+        <p:blipFill rotWithShape="1">
+          <a:blip r:embed="rId2" cstate="print">
+            <a:extLst>
+              <a:ext uri="{28A0092B-C50C-407E-A947-70E740481C1C}">
+                <a14:useLocalDpi xmlns:a14="http://schemas.microsoft.com/office/drawing/2010/main" val="0"/>
+              </a:ext>
+            </a:extLst>
+          </a:blip>
+          <a:srcRect r="75083"/>
+          <a:stretch/>
+        </p:blipFill>
+        <p:spPr>
+          <a:xfrm>
+            <a:off x="7874594" y="3019088"/>
+            <a:ext cx="443103" cy="419577"/>
+          </a:xfrm>
+          <a:prstGeom prst="rect">
+            <a:avLst/>
+          </a:prstGeom>
+        </p:spPr>
+      </p:pic>
+      <p:pic>
+        <p:nvPicPr>
+          <p:cNvPr id="14" name="Рисунок 13"/>
           <p:cNvPicPr>
             <a:picLocks noChangeAspect="1"/>
           </p:cNvPicPr>
           <p:nvPr/>
         </p:nvPicPr>
         <p:blipFill>
-          <a:blip r:embed="rId2" cstate="print">
+          <a:blip r:embed="rId3" cstate="print">
             <a:extLst>
               <a:ext uri="{28A0092B-C50C-407E-A947-70E740481C1C}">
                 <a14:useLocalDpi xmlns:a14="http://schemas.microsoft.com/office/drawing/2010/main" val="0"/>
@@ -41749,14 +43157,740 @@
         </p:blipFill>
         <p:spPr>
           <a:xfrm>
-            <a:off x="1196340" y="960120"/>
-            <a:ext cx="6224522" cy="3591890"/>
+            <a:off x="7884691" y="2369808"/>
+            <a:ext cx="333123" cy="392669"/>
           </a:xfrm>
           <a:prstGeom prst="rect">
             <a:avLst/>
           </a:prstGeom>
         </p:spPr>
       </p:pic>
+      <p:pic>
+        <p:nvPicPr>
+          <p:cNvPr id="15" name="Рисунок 14"/>
+          <p:cNvPicPr>
+            <a:picLocks noChangeAspect="1"/>
+          </p:cNvPicPr>
+          <p:nvPr/>
+        </p:nvPicPr>
+        <p:blipFill>
+          <a:blip r:embed="rId4" cstate="print">
+            <a:extLst>
+              <a:ext uri="{28A0092B-C50C-407E-A947-70E740481C1C}">
+                <a14:useLocalDpi xmlns:a14="http://schemas.microsoft.com/office/drawing/2010/main" val="0"/>
+              </a:ext>
+            </a:extLst>
+          </a:blip>
+          <a:stretch>
+            <a:fillRect/>
+          </a:stretch>
+        </p:blipFill>
+        <p:spPr>
+          <a:xfrm>
+            <a:off x="7884691" y="1729780"/>
+            <a:ext cx="422910" cy="461357"/>
+          </a:xfrm>
+          <a:prstGeom prst="rect">
+            <a:avLst/>
+          </a:prstGeom>
+        </p:spPr>
+      </p:pic>
+      <p:sp>
+        <p:nvSpPr>
+          <p:cNvPr id="16" name="Прямоугольник 15"/>
+          <p:cNvSpPr/>
+          <p:nvPr/>
+        </p:nvSpPr>
+        <p:spPr>
+          <a:xfrm>
+            <a:off x="6489351" y="3063484"/>
+            <a:ext cx="690881" cy="259161"/>
+          </a:xfrm>
+          <a:prstGeom prst="rect">
+            <a:avLst/>
+          </a:prstGeom>
+        </p:spPr>
+        <p:style>
+          <a:lnRef idx="2">
+            <a:schemeClr val="accent3"/>
+          </a:lnRef>
+          <a:fillRef idx="1">
+            <a:schemeClr val="lt1"/>
+          </a:fillRef>
+          <a:effectRef idx="0">
+            <a:schemeClr val="accent3"/>
+          </a:effectRef>
+          <a:fontRef idx="minor">
+            <a:schemeClr val="dk1"/>
+          </a:fontRef>
+        </p:style>
+        <p:txBody>
+          <a:bodyPr rtlCol="0" anchor="ctr"/>
+          <a:lstStyle/>
+          <a:p>
+            <a:pPr algn="ctr"/>
+            <a:r>
+              <a:rPr lang="en-US" sz="1100" dirty="0" smtClean="0">
+                <a:solidFill>
+                  <a:schemeClr val="tx1"/>
+                </a:solidFill>
+              </a:rPr>
+              <a:t>Direct2D</a:t>
+            </a:r>
+            <a:endParaRPr lang="ru-RU" sz="1100" dirty="0">
+              <a:solidFill>
+                <a:schemeClr val="tx1"/>
+              </a:solidFill>
+            </a:endParaRPr>
+          </a:p>
+        </p:txBody>
+      </p:sp>
+      <p:sp>
+        <p:nvSpPr>
+          <p:cNvPr id="17" name="Прямоугольник 16"/>
+          <p:cNvSpPr/>
+          <p:nvPr/>
+        </p:nvSpPr>
+        <p:spPr>
+          <a:xfrm>
+            <a:off x="6489350" y="3358581"/>
+            <a:ext cx="690881" cy="259161"/>
+          </a:xfrm>
+          <a:prstGeom prst="rect">
+            <a:avLst/>
+          </a:prstGeom>
+        </p:spPr>
+        <p:style>
+          <a:lnRef idx="2">
+            <a:schemeClr val="accent3"/>
+          </a:lnRef>
+          <a:fillRef idx="1">
+            <a:schemeClr val="lt1"/>
+          </a:fillRef>
+          <a:effectRef idx="0">
+            <a:schemeClr val="accent3"/>
+          </a:effectRef>
+          <a:fontRef idx="minor">
+            <a:schemeClr val="dk1"/>
+          </a:fontRef>
+        </p:style>
+        <p:txBody>
+          <a:bodyPr rtlCol="0" anchor="ctr"/>
+          <a:lstStyle/>
+          <a:p>
+            <a:pPr algn="ctr"/>
+            <a:r>
+              <a:rPr lang="en-US" sz="1100" dirty="0" smtClean="0">
+                <a:solidFill>
+                  <a:schemeClr val="tx1"/>
+                </a:solidFill>
+              </a:rPr>
+              <a:t>Cairo</a:t>
+            </a:r>
+            <a:endParaRPr lang="ru-RU" sz="1100" dirty="0">
+              <a:solidFill>
+                <a:schemeClr val="tx1"/>
+              </a:solidFill>
+            </a:endParaRPr>
+          </a:p>
+        </p:txBody>
+      </p:sp>
+      <p:sp>
+        <p:nvSpPr>
+          <p:cNvPr id="18" name="Прямоугольник 17"/>
+          <p:cNvSpPr/>
+          <p:nvPr/>
+        </p:nvSpPr>
+        <p:spPr>
+          <a:xfrm>
+            <a:off x="6489351" y="2768387"/>
+            <a:ext cx="690881" cy="259161"/>
+          </a:xfrm>
+          <a:prstGeom prst="rect">
+            <a:avLst/>
+          </a:prstGeom>
+        </p:spPr>
+        <p:style>
+          <a:lnRef idx="2">
+            <a:schemeClr val="accent3"/>
+          </a:lnRef>
+          <a:fillRef idx="1">
+            <a:schemeClr val="lt1"/>
+          </a:fillRef>
+          <a:effectRef idx="0">
+            <a:schemeClr val="accent3"/>
+          </a:effectRef>
+          <a:fontRef idx="minor">
+            <a:schemeClr val="dk1"/>
+          </a:fontRef>
+        </p:style>
+        <p:txBody>
+          <a:bodyPr rtlCol="0" anchor="ctr"/>
+          <a:lstStyle/>
+          <a:p>
+            <a:pPr algn="ctr"/>
+            <a:r>
+              <a:rPr lang="en-US" sz="1100" dirty="0" err="1" smtClean="0">
+                <a:solidFill>
+                  <a:schemeClr val="tx1"/>
+                </a:solidFill>
+              </a:rPr>
+              <a:t>Skia</a:t>
+            </a:r>
+            <a:endParaRPr lang="ru-RU" sz="1100" dirty="0">
+              <a:solidFill>
+                <a:schemeClr val="tx1"/>
+              </a:solidFill>
+            </a:endParaRPr>
+          </a:p>
+        </p:txBody>
+      </p:sp>
+      <p:sp>
+        <p:nvSpPr>
+          <p:cNvPr id="22" name="Прямоугольник 21"/>
+          <p:cNvSpPr/>
+          <p:nvPr/>
+        </p:nvSpPr>
+        <p:spPr>
+          <a:xfrm>
+            <a:off x="6489352" y="1765716"/>
+            <a:ext cx="690881" cy="259161"/>
+          </a:xfrm>
+          <a:prstGeom prst="rect">
+            <a:avLst/>
+          </a:prstGeom>
+        </p:spPr>
+        <p:style>
+          <a:lnRef idx="2">
+            <a:schemeClr val="accent3"/>
+          </a:lnRef>
+          <a:fillRef idx="1">
+            <a:schemeClr val="lt1"/>
+          </a:fillRef>
+          <a:effectRef idx="0">
+            <a:schemeClr val="accent3"/>
+          </a:effectRef>
+          <a:fontRef idx="minor">
+            <a:schemeClr val="dk1"/>
+          </a:fontRef>
+        </p:style>
+        <p:txBody>
+          <a:bodyPr lIns="0" rIns="0" rtlCol="0" anchor="ctr"/>
+          <a:lstStyle/>
+          <a:p>
+            <a:pPr algn="ctr"/>
+            <a:r>
+              <a:rPr lang="en-US" sz="1100" dirty="0" smtClean="0">
+                <a:solidFill>
+                  <a:schemeClr val="tx1"/>
+                </a:solidFill>
+              </a:rPr>
+              <a:t>GTK/GDK</a:t>
+            </a:r>
+            <a:endParaRPr lang="ru-RU" sz="1100" dirty="0">
+              <a:solidFill>
+                <a:schemeClr val="tx1"/>
+              </a:solidFill>
+            </a:endParaRPr>
+          </a:p>
+        </p:txBody>
+      </p:sp>
+      <p:sp>
+        <p:nvSpPr>
+          <p:cNvPr id="23" name="Прямоугольник 22"/>
+          <p:cNvSpPr/>
+          <p:nvPr/>
+        </p:nvSpPr>
+        <p:spPr>
+          <a:xfrm>
+            <a:off x="6489350" y="2060813"/>
+            <a:ext cx="690881" cy="259161"/>
+          </a:xfrm>
+          <a:prstGeom prst="rect">
+            <a:avLst/>
+          </a:prstGeom>
+        </p:spPr>
+        <p:style>
+          <a:lnRef idx="2">
+            <a:schemeClr val="accent3"/>
+          </a:lnRef>
+          <a:fillRef idx="1">
+            <a:schemeClr val="lt1"/>
+          </a:fillRef>
+          <a:effectRef idx="0">
+            <a:schemeClr val="accent3"/>
+          </a:effectRef>
+          <a:fontRef idx="minor">
+            <a:schemeClr val="dk1"/>
+          </a:fontRef>
+        </p:style>
+        <p:txBody>
+          <a:bodyPr rtlCol="0" anchor="ctr"/>
+          <a:lstStyle/>
+          <a:p>
+            <a:pPr algn="ctr"/>
+            <a:r>
+              <a:rPr lang="en-US" sz="1100" dirty="0" smtClean="0">
+                <a:solidFill>
+                  <a:schemeClr val="tx1"/>
+                </a:solidFill>
+              </a:rPr>
+              <a:t>…</a:t>
+            </a:r>
+            <a:endParaRPr lang="ru-RU" sz="1100" dirty="0">
+              <a:solidFill>
+                <a:schemeClr val="tx1"/>
+              </a:solidFill>
+            </a:endParaRPr>
+          </a:p>
+        </p:txBody>
+      </p:sp>
+      <p:sp>
+        <p:nvSpPr>
+          <p:cNvPr id="24" name="Прямоугольник 23"/>
+          <p:cNvSpPr/>
+          <p:nvPr/>
+        </p:nvSpPr>
+        <p:spPr>
+          <a:xfrm>
+            <a:off x="6489351" y="1470619"/>
+            <a:ext cx="690881" cy="259161"/>
+          </a:xfrm>
+          <a:prstGeom prst="rect">
+            <a:avLst/>
+          </a:prstGeom>
+        </p:spPr>
+        <p:style>
+          <a:lnRef idx="2">
+            <a:schemeClr val="accent3"/>
+          </a:lnRef>
+          <a:fillRef idx="1">
+            <a:schemeClr val="lt1"/>
+          </a:fillRef>
+          <a:effectRef idx="0">
+            <a:schemeClr val="accent3"/>
+          </a:effectRef>
+          <a:fontRef idx="minor">
+            <a:schemeClr val="dk1"/>
+          </a:fontRef>
+        </p:style>
+        <p:txBody>
+          <a:bodyPr rtlCol="0" anchor="ctr"/>
+          <a:lstStyle/>
+          <a:p>
+            <a:pPr algn="ctr"/>
+            <a:r>
+              <a:rPr lang="en-US" sz="1100" dirty="0" smtClean="0">
+                <a:solidFill>
+                  <a:schemeClr val="tx1"/>
+                </a:solidFill>
+              </a:rPr>
+              <a:t>Win32</a:t>
+            </a:r>
+            <a:endParaRPr lang="ru-RU" sz="1100" dirty="0">
+              <a:solidFill>
+                <a:schemeClr val="tx1"/>
+              </a:solidFill>
+            </a:endParaRPr>
+          </a:p>
+        </p:txBody>
+      </p:sp>
+      <p:cxnSp>
+        <p:nvCxnSpPr>
+          <p:cNvPr id="28" name="Прямая со стрелкой 27"/>
+          <p:cNvCxnSpPr>
+            <a:stCxn id="2" idx="3"/>
+            <a:endCxn id="9" idx="1"/>
+          </p:cNvCxnSpPr>
+          <p:nvPr/>
+        </p:nvCxnSpPr>
+        <p:spPr>
+          <a:xfrm flipV="1">
+            <a:off x="3899922" y="1971084"/>
+            <a:ext cx="420499" cy="524441"/>
+          </a:xfrm>
+          <a:prstGeom prst="straightConnector1">
+            <a:avLst/>
+          </a:prstGeom>
+          <a:ln>
+            <a:tailEnd type="triangle"/>
+          </a:ln>
+        </p:spPr>
+        <p:style>
+          <a:lnRef idx="2">
+            <a:schemeClr val="accent2"/>
+          </a:lnRef>
+          <a:fillRef idx="0">
+            <a:schemeClr val="accent2"/>
+          </a:fillRef>
+          <a:effectRef idx="1">
+            <a:schemeClr val="accent2"/>
+          </a:effectRef>
+          <a:fontRef idx="minor">
+            <a:schemeClr val="tx1"/>
+          </a:fontRef>
+        </p:style>
+      </p:cxnSp>
+      <p:cxnSp>
+        <p:nvCxnSpPr>
+          <p:cNvPr id="30" name="Прямая со стрелкой 29"/>
+          <p:cNvCxnSpPr>
+            <a:stCxn id="2" idx="3"/>
+            <a:endCxn id="10" idx="1"/>
+          </p:cNvCxnSpPr>
+          <p:nvPr/>
+        </p:nvCxnSpPr>
+        <p:spPr>
+          <a:xfrm>
+            <a:off x="3899922" y="2495525"/>
+            <a:ext cx="420499" cy="544805"/>
+          </a:xfrm>
+          <a:prstGeom prst="straightConnector1">
+            <a:avLst/>
+          </a:prstGeom>
+          <a:ln>
+            <a:tailEnd type="triangle"/>
+          </a:ln>
+        </p:spPr>
+        <p:style>
+          <a:lnRef idx="2">
+            <a:schemeClr val="accent2"/>
+          </a:lnRef>
+          <a:fillRef idx="0">
+            <a:schemeClr val="accent2"/>
+          </a:fillRef>
+          <a:effectRef idx="1">
+            <a:schemeClr val="accent2"/>
+          </a:effectRef>
+          <a:fontRef idx="minor">
+            <a:schemeClr val="tx1"/>
+          </a:fontRef>
+        </p:style>
+      </p:cxnSp>
+      <p:cxnSp>
+        <p:nvCxnSpPr>
+          <p:cNvPr id="32" name="Прямая со стрелкой 31"/>
+          <p:cNvCxnSpPr>
+            <a:stCxn id="9" idx="3"/>
+            <a:endCxn id="24" idx="1"/>
+          </p:cNvCxnSpPr>
+          <p:nvPr/>
+        </p:nvCxnSpPr>
+        <p:spPr>
+          <a:xfrm flipV="1">
+            <a:off x="5973961" y="1600200"/>
+            <a:ext cx="515390" cy="370884"/>
+          </a:xfrm>
+          <a:prstGeom prst="straightConnector1">
+            <a:avLst/>
+          </a:prstGeom>
+          <a:ln>
+            <a:tailEnd type="triangle"/>
+          </a:ln>
+        </p:spPr>
+        <p:style>
+          <a:lnRef idx="2">
+            <a:schemeClr val="accent2"/>
+          </a:lnRef>
+          <a:fillRef idx="0">
+            <a:schemeClr val="accent2"/>
+          </a:fillRef>
+          <a:effectRef idx="1">
+            <a:schemeClr val="accent2"/>
+          </a:effectRef>
+          <a:fontRef idx="minor">
+            <a:schemeClr val="tx1"/>
+          </a:fontRef>
+        </p:style>
+      </p:cxnSp>
+      <p:cxnSp>
+        <p:nvCxnSpPr>
+          <p:cNvPr id="34" name="Прямая со стрелкой 33"/>
+          <p:cNvCxnSpPr>
+            <a:stCxn id="9" idx="3"/>
+            <a:endCxn id="22" idx="1"/>
+          </p:cNvCxnSpPr>
+          <p:nvPr/>
+        </p:nvCxnSpPr>
+        <p:spPr>
+          <a:xfrm flipV="1">
+            <a:off x="5973961" y="1895297"/>
+            <a:ext cx="515391" cy="75787"/>
+          </a:xfrm>
+          <a:prstGeom prst="straightConnector1">
+            <a:avLst/>
+          </a:prstGeom>
+          <a:ln>
+            <a:tailEnd type="triangle"/>
+          </a:ln>
+        </p:spPr>
+        <p:style>
+          <a:lnRef idx="2">
+            <a:schemeClr val="accent2"/>
+          </a:lnRef>
+          <a:fillRef idx="0">
+            <a:schemeClr val="accent2"/>
+          </a:fillRef>
+          <a:effectRef idx="1">
+            <a:schemeClr val="accent2"/>
+          </a:effectRef>
+          <a:fontRef idx="minor">
+            <a:schemeClr val="tx1"/>
+          </a:fontRef>
+        </p:style>
+      </p:cxnSp>
+      <p:cxnSp>
+        <p:nvCxnSpPr>
+          <p:cNvPr id="36" name="Прямая со стрелкой 35"/>
+          <p:cNvCxnSpPr>
+            <a:stCxn id="9" idx="3"/>
+            <a:endCxn id="23" idx="1"/>
+          </p:cNvCxnSpPr>
+          <p:nvPr/>
+        </p:nvCxnSpPr>
+        <p:spPr>
+          <a:xfrm>
+            <a:off x="5973961" y="1971084"/>
+            <a:ext cx="515389" cy="219310"/>
+          </a:xfrm>
+          <a:prstGeom prst="straightConnector1">
+            <a:avLst/>
+          </a:prstGeom>
+          <a:ln>
+            <a:tailEnd type="triangle"/>
+          </a:ln>
+        </p:spPr>
+        <p:style>
+          <a:lnRef idx="2">
+            <a:schemeClr val="accent2"/>
+          </a:lnRef>
+          <a:fillRef idx="0">
+            <a:schemeClr val="accent2"/>
+          </a:fillRef>
+          <a:effectRef idx="1">
+            <a:schemeClr val="accent2"/>
+          </a:effectRef>
+          <a:fontRef idx="minor">
+            <a:schemeClr val="tx1"/>
+          </a:fontRef>
+        </p:style>
+      </p:cxnSp>
+      <p:cxnSp>
+        <p:nvCxnSpPr>
+          <p:cNvPr id="38" name="Прямая со стрелкой 37"/>
+          <p:cNvCxnSpPr>
+            <a:stCxn id="10" idx="3"/>
+            <a:endCxn id="18" idx="1"/>
+          </p:cNvCxnSpPr>
+          <p:nvPr/>
+        </p:nvCxnSpPr>
+        <p:spPr>
+          <a:xfrm flipV="1">
+            <a:off x="5973961" y="2897968"/>
+            <a:ext cx="515390" cy="142362"/>
+          </a:xfrm>
+          <a:prstGeom prst="straightConnector1">
+            <a:avLst/>
+          </a:prstGeom>
+          <a:ln>
+            <a:tailEnd type="triangle"/>
+          </a:ln>
+        </p:spPr>
+        <p:style>
+          <a:lnRef idx="2">
+            <a:schemeClr val="accent2"/>
+          </a:lnRef>
+          <a:fillRef idx="0">
+            <a:schemeClr val="accent2"/>
+          </a:fillRef>
+          <a:effectRef idx="1">
+            <a:schemeClr val="accent2"/>
+          </a:effectRef>
+          <a:fontRef idx="minor">
+            <a:schemeClr val="tx1"/>
+          </a:fontRef>
+        </p:style>
+      </p:cxnSp>
+      <p:cxnSp>
+        <p:nvCxnSpPr>
+          <p:cNvPr id="40" name="Прямая со стрелкой 39"/>
+          <p:cNvCxnSpPr>
+            <a:stCxn id="10" idx="3"/>
+            <a:endCxn id="16" idx="1"/>
+          </p:cNvCxnSpPr>
+          <p:nvPr/>
+        </p:nvCxnSpPr>
+        <p:spPr>
+          <a:xfrm>
+            <a:off x="5973961" y="3040330"/>
+            <a:ext cx="515390" cy="152735"/>
+          </a:xfrm>
+          <a:prstGeom prst="straightConnector1">
+            <a:avLst/>
+          </a:prstGeom>
+          <a:ln>
+            <a:tailEnd type="triangle"/>
+          </a:ln>
+        </p:spPr>
+        <p:style>
+          <a:lnRef idx="2">
+            <a:schemeClr val="accent2"/>
+          </a:lnRef>
+          <a:fillRef idx="0">
+            <a:schemeClr val="accent2"/>
+          </a:fillRef>
+          <a:effectRef idx="1">
+            <a:schemeClr val="accent2"/>
+          </a:effectRef>
+          <a:fontRef idx="minor">
+            <a:schemeClr val="tx1"/>
+          </a:fontRef>
+        </p:style>
+      </p:cxnSp>
+      <p:cxnSp>
+        <p:nvCxnSpPr>
+          <p:cNvPr id="42" name="Прямая со стрелкой 41"/>
+          <p:cNvCxnSpPr>
+            <a:stCxn id="10" idx="3"/>
+            <a:endCxn id="17" idx="1"/>
+          </p:cNvCxnSpPr>
+          <p:nvPr/>
+        </p:nvCxnSpPr>
+        <p:spPr>
+          <a:xfrm>
+            <a:off x="5973961" y="3040330"/>
+            <a:ext cx="515389" cy="447832"/>
+          </a:xfrm>
+          <a:prstGeom prst="straightConnector1">
+            <a:avLst/>
+          </a:prstGeom>
+          <a:ln>
+            <a:tailEnd type="triangle"/>
+          </a:ln>
+        </p:spPr>
+        <p:style>
+          <a:lnRef idx="2">
+            <a:schemeClr val="accent2"/>
+          </a:lnRef>
+          <a:fillRef idx="0">
+            <a:schemeClr val="accent2"/>
+          </a:fillRef>
+          <a:effectRef idx="1">
+            <a:schemeClr val="accent2"/>
+          </a:effectRef>
+          <a:fontRef idx="minor">
+            <a:schemeClr val="tx1"/>
+          </a:fontRef>
+        </p:style>
+      </p:cxnSp>
+      <p:cxnSp>
+        <p:nvCxnSpPr>
+          <p:cNvPr id="44" name="Прямая со стрелкой 43"/>
+          <p:cNvCxnSpPr>
+            <a:stCxn id="2" idx="2"/>
+            <a:endCxn id="8" idx="0"/>
+          </p:cNvCxnSpPr>
+          <p:nvPr/>
+        </p:nvCxnSpPr>
+        <p:spPr>
+          <a:xfrm flipH="1">
+            <a:off x="1170053" y="3390850"/>
+            <a:ext cx="993268" cy="175103"/>
+          </a:xfrm>
+          <a:prstGeom prst="straightConnector1">
+            <a:avLst/>
+          </a:prstGeom>
+          <a:ln>
+            <a:tailEnd type="triangle"/>
+          </a:ln>
+        </p:spPr>
+        <p:style>
+          <a:lnRef idx="2">
+            <a:schemeClr val="accent2"/>
+          </a:lnRef>
+          <a:fillRef idx="0">
+            <a:schemeClr val="accent2"/>
+          </a:fillRef>
+          <a:effectRef idx="1">
+            <a:schemeClr val="accent2"/>
+          </a:effectRef>
+          <a:fontRef idx="minor">
+            <a:schemeClr val="tx1"/>
+          </a:fontRef>
+        </p:style>
+      </p:cxnSp>
+      <p:cxnSp>
+        <p:nvCxnSpPr>
+          <p:cNvPr id="46" name="Прямая со стрелкой 45"/>
+          <p:cNvCxnSpPr>
+            <a:stCxn id="2" idx="2"/>
+            <a:endCxn id="7" idx="0"/>
+          </p:cNvCxnSpPr>
+          <p:nvPr/>
+        </p:nvCxnSpPr>
+        <p:spPr>
+          <a:xfrm>
+            <a:off x="2163321" y="3390850"/>
+            <a:ext cx="798612" cy="175103"/>
+          </a:xfrm>
+          <a:prstGeom prst="straightConnector1">
+            <a:avLst/>
+          </a:prstGeom>
+          <a:ln>
+            <a:tailEnd type="triangle"/>
+          </a:ln>
+        </p:spPr>
+        <p:style>
+          <a:lnRef idx="2">
+            <a:schemeClr val="accent2"/>
+          </a:lnRef>
+          <a:fillRef idx="0">
+            <a:schemeClr val="accent2"/>
+          </a:fillRef>
+          <a:effectRef idx="1">
+            <a:schemeClr val="accent2"/>
+          </a:effectRef>
+          <a:fontRef idx="minor">
+            <a:schemeClr val="tx1"/>
+          </a:fontRef>
+        </p:style>
+      </p:cxnSp>
+      <p:cxnSp>
+        <p:nvCxnSpPr>
+          <p:cNvPr id="48" name="Прямая со стрелкой 47"/>
+          <p:cNvCxnSpPr>
+            <a:stCxn id="8" idx="3"/>
+            <a:endCxn id="7" idx="1"/>
+          </p:cNvCxnSpPr>
+          <p:nvPr/>
+        </p:nvCxnSpPr>
+        <p:spPr>
+          <a:xfrm>
+            <a:off x="1695833" y="3798363"/>
+            <a:ext cx="740320" cy="0"/>
+          </a:xfrm>
+          <a:prstGeom prst="straightConnector1">
+            <a:avLst/>
+          </a:prstGeom>
+          <a:ln>
+            <a:tailEnd type="triangle"/>
+          </a:ln>
+        </p:spPr>
+        <p:style>
+          <a:lnRef idx="2">
+            <a:schemeClr val="accent2"/>
+          </a:lnRef>
+          <a:fillRef idx="0">
+            <a:schemeClr val="accent2"/>
+          </a:fillRef>
+          <a:effectRef idx="1">
+            <a:schemeClr val="accent2"/>
+          </a:effectRef>
+          <a:fontRef idx="minor">
+            <a:schemeClr val="tx1"/>
+          </a:fontRef>
+        </p:style>
+      </p:cxnSp>
     </p:spTree>
     <p:extLst>
       <p:ext uri="{BB962C8B-B14F-4D97-AF65-F5344CB8AC3E}">
@@ -41770,9 +43904,1063 @@
   <p:timing>
     <p:tnLst>
       <p:par>
-        <p:cTn id="1" dur="indefinite" restart="never" nodeType="tmRoot"/>
+        <p:cTn id="1" dur="indefinite" restart="never" nodeType="tmRoot">
+          <p:childTnLst>
+            <p:seq concurrent="1" nextAc="seek">
+              <p:cTn id="2" dur="indefinite" nodeType="mainSeq">
+                <p:childTnLst>
+                  <p:par>
+                    <p:cTn id="3" fill="hold">
+                      <p:stCondLst>
+                        <p:cond delay="indefinite"/>
+                      </p:stCondLst>
+                      <p:childTnLst>
+                        <p:par>
+                          <p:cTn id="4" fill="hold">
+                            <p:stCondLst>
+                              <p:cond delay="0"/>
+                            </p:stCondLst>
+                            <p:childTnLst>
+                              <p:par>
+                                <p:cTn id="5" presetID="10" presetClass="entr" presetSubtype="0" fill="hold" nodeType="clickEffect">
+                                  <p:stCondLst>
+                                    <p:cond delay="0"/>
+                                  </p:stCondLst>
+                                  <p:childTnLst>
+                                    <p:set>
+                                      <p:cBhvr>
+                                        <p:cTn id="6" dur="1" fill="hold">
+                                          <p:stCondLst>
+                                            <p:cond delay="0"/>
+                                          </p:stCondLst>
+                                        </p:cTn>
+                                        <p:tgtEl>
+                                          <p:spTgt spid="6"/>
+                                        </p:tgtEl>
+                                        <p:attrNameLst>
+                                          <p:attrName>style.visibility</p:attrName>
+                                        </p:attrNameLst>
+                                      </p:cBhvr>
+                                      <p:to>
+                                        <p:strVal val="visible"/>
+                                      </p:to>
+                                    </p:set>
+                                    <p:animEffect transition="in" filter="fade">
+                                      <p:cBhvr>
+                                        <p:cTn id="7" dur="500"/>
+                                        <p:tgtEl>
+                                          <p:spTgt spid="6"/>
+                                        </p:tgtEl>
+                                      </p:cBhvr>
+                                    </p:animEffect>
+                                  </p:childTnLst>
+                                </p:cTn>
+                              </p:par>
+                            </p:childTnLst>
+                          </p:cTn>
+                        </p:par>
+                      </p:childTnLst>
+                    </p:cTn>
+                  </p:par>
+                  <p:par>
+                    <p:cTn id="8" fill="hold">
+                      <p:stCondLst>
+                        <p:cond delay="indefinite"/>
+                      </p:stCondLst>
+                      <p:childTnLst>
+                        <p:par>
+                          <p:cTn id="9" fill="hold">
+                            <p:stCondLst>
+                              <p:cond delay="0"/>
+                            </p:stCondLst>
+                            <p:childTnLst>
+                              <p:par>
+                                <p:cTn id="10" presetID="22" presetClass="entr" presetSubtype="1" fill="hold" nodeType="clickEffect">
+                                  <p:stCondLst>
+                                    <p:cond delay="0"/>
+                                  </p:stCondLst>
+                                  <p:childTnLst>
+                                    <p:set>
+                                      <p:cBhvr>
+                                        <p:cTn id="11" dur="1" fill="hold">
+                                          <p:stCondLst>
+                                            <p:cond delay="0"/>
+                                          </p:stCondLst>
+                                        </p:cTn>
+                                        <p:tgtEl>
+                                          <p:spTgt spid="44"/>
+                                        </p:tgtEl>
+                                        <p:attrNameLst>
+                                          <p:attrName>style.visibility</p:attrName>
+                                        </p:attrNameLst>
+                                      </p:cBhvr>
+                                      <p:to>
+                                        <p:strVal val="visible"/>
+                                      </p:to>
+                                    </p:set>
+                                    <p:animEffect transition="in" filter="wipe(up)">
+                                      <p:cBhvr>
+                                        <p:cTn id="12" dur="500"/>
+                                        <p:tgtEl>
+                                          <p:spTgt spid="44"/>
+                                        </p:tgtEl>
+                                      </p:cBhvr>
+                                    </p:animEffect>
+                                  </p:childTnLst>
+                                </p:cTn>
+                              </p:par>
+                              <p:par>
+                                <p:cTn id="13" presetID="22" presetClass="entr" presetSubtype="1" fill="hold" nodeType="withEffect">
+                                  <p:stCondLst>
+                                    <p:cond delay="0"/>
+                                  </p:stCondLst>
+                                  <p:childTnLst>
+                                    <p:set>
+                                      <p:cBhvr>
+                                        <p:cTn id="14" dur="1" fill="hold">
+                                          <p:stCondLst>
+                                            <p:cond delay="0"/>
+                                          </p:stCondLst>
+                                        </p:cTn>
+                                        <p:tgtEl>
+                                          <p:spTgt spid="46"/>
+                                        </p:tgtEl>
+                                        <p:attrNameLst>
+                                          <p:attrName>style.visibility</p:attrName>
+                                        </p:attrNameLst>
+                                      </p:cBhvr>
+                                      <p:to>
+                                        <p:strVal val="visible"/>
+                                      </p:to>
+                                    </p:set>
+                                    <p:animEffect transition="in" filter="wipe(up)">
+                                      <p:cBhvr>
+                                        <p:cTn id="15" dur="500"/>
+                                        <p:tgtEl>
+                                          <p:spTgt spid="46"/>
+                                        </p:tgtEl>
+                                      </p:cBhvr>
+                                    </p:animEffect>
+                                  </p:childTnLst>
+                                </p:cTn>
+                              </p:par>
+                            </p:childTnLst>
+                          </p:cTn>
+                        </p:par>
+                        <p:par>
+                          <p:cTn id="16" fill="hold">
+                            <p:stCondLst>
+                              <p:cond delay="500"/>
+                            </p:stCondLst>
+                            <p:childTnLst>
+                              <p:par>
+                                <p:cTn id="17" presetID="10" presetClass="entr" presetSubtype="0" fill="hold" grpId="0" nodeType="afterEffect">
+                                  <p:stCondLst>
+                                    <p:cond delay="0"/>
+                                  </p:stCondLst>
+                                  <p:childTnLst>
+                                    <p:set>
+                                      <p:cBhvr>
+                                        <p:cTn id="18" dur="1" fill="hold">
+                                          <p:stCondLst>
+                                            <p:cond delay="0"/>
+                                          </p:stCondLst>
+                                        </p:cTn>
+                                        <p:tgtEl>
+                                          <p:spTgt spid="8"/>
+                                        </p:tgtEl>
+                                        <p:attrNameLst>
+                                          <p:attrName>style.visibility</p:attrName>
+                                        </p:attrNameLst>
+                                      </p:cBhvr>
+                                      <p:to>
+                                        <p:strVal val="visible"/>
+                                      </p:to>
+                                    </p:set>
+                                    <p:animEffect transition="in" filter="fade">
+                                      <p:cBhvr>
+                                        <p:cTn id="19" dur="500"/>
+                                        <p:tgtEl>
+                                          <p:spTgt spid="8"/>
+                                        </p:tgtEl>
+                                      </p:cBhvr>
+                                    </p:animEffect>
+                                  </p:childTnLst>
+                                </p:cTn>
+                              </p:par>
+                              <p:par>
+                                <p:cTn id="20" presetID="10" presetClass="entr" presetSubtype="0" fill="hold" grpId="0" nodeType="withEffect">
+                                  <p:stCondLst>
+                                    <p:cond delay="0"/>
+                                  </p:stCondLst>
+                                  <p:childTnLst>
+                                    <p:set>
+                                      <p:cBhvr>
+                                        <p:cTn id="21" dur="1" fill="hold">
+                                          <p:stCondLst>
+                                            <p:cond delay="0"/>
+                                          </p:stCondLst>
+                                        </p:cTn>
+                                        <p:tgtEl>
+                                          <p:spTgt spid="7"/>
+                                        </p:tgtEl>
+                                        <p:attrNameLst>
+                                          <p:attrName>style.visibility</p:attrName>
+                                        </p:attrNameLst>
+                                      </p:cBhvr>
+                                      <p:to>
+                                        <p:strVal val="visible"/>
+                                      </p:to>
+                                    </p:set>
+                                    <p:animEffect transition="in" filter="fade">
+                                      <p:cBhvr>
+                                        <p:cTn id="22" dur="500"/>
+                                        <p:tgtEl>
+                                          <p:spTgt spid="7"/>
+                                        </p:tgtEl>
+                                      </p:cBhvr>
+                                    </p:animEffect>
+                                  </p:childTnLst>
+                                </p:cTn>
+                              </p:par>
+                            </p:childTnLst>
+                          </p:cTn>
+                        </p:par>
+                        <p:par>
+                          <p:cTn id="23" fill="hold">
+                            <p:stCondLst>
+                              <p:cond delay="1000"/>
+                            </p:stCondLst>
+                            <p:childTnLst>
+                              <p:par>
+                                <p:cTn id="24" presetID="22" presetClass="entr" presetSubtype="8" fill="hold" nodeType="afterEffect">
+                                  <p:stCondLst>
+                                    <p:cond delay="0"/>
+                                  </p:stCondLst>
+                                  <p:childTnLst>
+                                    <p:set>
+                                      <p:cBhvr>
+                                        <p:cTn id="25" dur="1" fill="hold">
+                                          <p:stCondLst>
+                                            <p:cond delay="0"/>
+                                          </p:stCondLst>
+                                        </p:cTn>
+                                        <p:tgtEl>
+                                          <p:spTgt spid="48"/>
+                                        </p:tgtEl>
+                                        <p:attrNameLst>
+                                          <p:attrName>style.visibility</p:attrName>
+                                        </p:attrNameLst>
+                                      </p:cBhvr>
+                                      <p:to>
+                                        <p:strVal val="visible"/>
+                                      </p:to>
+                                    </p:set>
+                                    <p:animEffect transition="in" filter="wipe(left)">
+                                      <p:cBhvr>
+                                        <p:cTn id="26" dur="500"/>
+                                        <p:tgtEl>
+                                          <p:spTgt spid="48"/>
+                                        </p:tgtEl>
+                                      </p:cBhvr>
+                                    </p:animEffect>
+                                  </p:childTnLst>
+                                </p:cTn>
+                              </p:par>
+                            </p:childTnLst>
+                          </p:cTn>
+                        </p:par>
+                      </p:childTnLst>
+                    </p:cTn>
+                  </p:par>
+                  <p:par>
+                    <p:cTn id="27" fill="hold">
+                      <p:stCondLst>
+                        <p:cond delay="indefinite"/>
+                      </p:stCondLst>
+                      <p:childTnLst>
+                        <p:par>
+                          <p:cTn id="28" fill="hold">
+                            <p:stCondLst>
+                              <p:cond delay="0"/>
+                            </p:stCondLst>
+                            <p:childTnLst>
+                              <p:par>
+                                <p:cTn id="29" presetID="22" presetClass="entr" presetSubtype="8" fill="hold" nodeType="clickEffect">
+                                  <p:stCondLst>
+                                    <p:cond delay="0"/>
+                                  </p:stCondLst>
+                                  <p:childTnLst>
+                                    <p:set>
+                                      <p:cBhvr>
+                                        <p:cTn id="30" dur="1" fill="hold">
+                                          <p:stCondLst>
+                                            <p:cond delay="0"/>
+                                          </p:stCondLst>
+                                        </p:cTn>
+                                        <p:tgtEl>
+                                          <p:spTgt spid="28"/>
+                                        </p:tgtEl>
+                                        <p:attrNameLst>
+                                          <p:attrName>style.visibility</p:attrName>
+                                        </p:attrNameLst>
+                                      </p:cBhvr>
+                                      <p:to>
+                                        <p:strVal val="visible"/>
+                                      </p:to>
+                                    </p:set>
+                                    <p:animEffect transition="in" filter="wipe(left)">
+                                      <p:cBhvr>
+                                        <p:cTn id="31" dur="500"/>
+                                        <p:tgtEl>
+                                          <p:spTgt spid="28"/>
+                                        </p:tgtEl>
+                                      </p:cBhvr>
+                                    </p:animEffect>
+                                  </p:childTnLst>
+                                </p:cTn>
+                              </p:par>
+                              <p:par>
+                                <p:cTn id="32" presetID="22" presetClass="entr" presetSubtype="8" fill="hold" nodeType="withEffect">
+                                  <p:stCondLst>
+                                    <p:cond delay="0"/>
+                                  </p:stCondLst>
+                                  <p:childTnLst>
+                                    <p:set>
+                                      <p:cBhvr>
+                                        <p:cTn id="33" dur="1" fill="hold">
+                                          <p:stCondLst>
+                                            <p:cond delay="0"/>
+                                          </p:stCondLst>
+                                        </p:cTn>
+                                        <p:tgtEl>
+                                          <p:spTgt spid="30"/>
+                                        </p:tgtEl>
+                                        <p:attrNameLst>
+                                          <p:attrName>style.visibility</p:attrName>
+                                        </p:attrNameLst>
+                                      </p:cBhvr>
+                                      <p:to>
+                                        <p:strVal val="visible"/>
+                                      </p:to>
+                                    </p:set>
+                                    <p:animEffect transition="in" filter="wipe(left)">
+                                      <p:cBhvr>
+                                        <p:cTn id="34" dur="500"/>
+                                        <p:tgtEl>
+                                          <p:spTgt spid="30"/>
+                                        </p:tgtEl>
+                                      </p:cBhvr>
+                                    </p:animEffect>
+                                  </p:childTnLst>
+                                </p:cTn>
+                              </p:par>
+                            </p:childTnLst>
+                          </p:cTn>
+                        </p:par>
+                        <p:par>
+                          <p:cTn id="35" fill="hold">
+                            <p:stCondLst>
+                              <p:cond delay="500"/>
+                            </p:stCondLst>
+                            <p:childTnLst>
+                              <p:par>
+                                <p:cTn id="36" presetID="10" presetClass="entr" presetSubtype="0" fill="hold" grpId="0" nodeType="afterEffect">
+                                  <p:stCondLst>
+                                    <p:cond delay="0"/>
+                                  </p:stCondLst>
+                                  <p:childTnLst>
+                                    <p:set>
+                                      <p:cBhvr>
+                                        <p:cTn id="37" dur="1" fill="hold">
+                                          <p:stCondLst>
+                                            <p:cond delay="0"/>
+                                          </p:stCondLst>
+                                        </p:cTn>
+                                        <p:tgtEl>
+                                          <p:spTgt spid="9"/>
+                                        </p:tgtEl>
+                                        <p:attrNameLst>
+                                          <p:attrName>style.visibility</p:attrName>
+                                        </p:attrNameLst>
+                                      </p:cBhvr>
+                                      <p:to>
+                                        <p:strVal val="visible"/>
+                                      </p:to>
+                                    </p:set>
+                                    <p:animEffect transition="in" filter="fade">
+                                      <p:cBhvr>
+                                        <p:cTn id="38" dur="500"/>
+                                        <p:tgtEl>
+                                          <p:spTgt spid="9"/>
+                                        </p:tgtEl>
+                                      </p:cBhvr>
+                                    </p:animEffect>
+                                  </p:childTnLst>
+                                </p:cTn>
+                              </p:par>
+                              <p:par>
+                                <p:cTn id="39" presetID="10" presetClass="entr" presetSubtype="0" fill="hold" grpId="0" nodeType="withEffect">
+                                  <p:stCondLst>
+                                    <p:cond delay="0"/>
+                                  </p:stCondLst>
+                                  <p:childTnLst>
+                                    <p:set>
+                                      <p:cBhvr>
+                                        <p:cTn id="40" dur="1" fill="hold">
+                                          <p:stCondLst>
+                                            <p:cond delay="0"/>
+                                          </p:stCondLst>
+                                        </p:cTn>
+                                        <p:tgtEl>
+                                          <p:spTgt spid="10"/>
+                                        </p:tgtEl>
+                                        <p:attrNameLst>
+                                          <p:attrName>style.visibility</p:attrName>
+                                        </p:attrNameLst>
+                                      </p:cBhvr>
+                                      <p:to>
+                                        <p:strVal val="visible"/>
+                                      </p:to>
+                                    </p:set>
+                                    <p:animEffect transition="in" filter="fade">
+                                      <p:cBhvr>
+                                        <p:cTn id="41" dur="500"/>
+                                        <p:tgtEl>
+                                          <p:spTgt spid="10"/>
+                                        </p:tgtEl>
+                                      </p:cBhvr>
+                                    </p:animEffect>
+                                  </p:childTnLst>
+                                </p:cTn>
+                              </p:par>
+                            </p:childTnLst>
+                          </p:cTn>
+                        </p:par>
+                      </p:childTnLst>
+                    </p:cTn>
+                  </p:par>
+                  <p:par>
+                    <p:cTn id="42" fill="hold">
+                      <p:stCondLst>
+                        <p:cond delay="indefinite"/>
+                      </p:stCondLst>
+                      <p:childTnLst>
+                        <p:par>
+                          <p:cTn id="43" fill="hold">
+                            <p:stCondLst>
+                              <p:cond delay="0"/>
+                            </p:stCondLst>
+                            <p:childTnLst>
+                              <p:par>
+                                <p:cTn id="44" presetID="22" presetClass="entr" presetSubtype="8" fill="hold" nodeType="clickEffect">
+                                  <p:stCondLst>
+                                    <p:cond delay="0"/>
+                                  </p:stCondLst>
+                                  <p:childTnLst>
+                                    <p:set>
+                                      <p:cBhvr>
+                                        <p:cTn id="45" dur="1" fill="hold">
+                                          <p:stCondLst>
+                                            <p:cond delay="0"/>
+                                          </p:stCondLst>
+                                        </p:cTn>
+                                        <p:tgtEl>
+                                          <p:spTgt spid="32"/>
+                                        </p:tgtEl>
+                                        <p:attrNameLst>
+                                          <p:attrName>style.visibility</p:attrName>
+                                        </p:attrNameLst>
+                                      </p:cBhvr>
+                                      <p:to>
+                                        <p:strVal val="visible"/>
+                                      </p:to>
+                                    </p:set>
+                                    <p:animEffect transition="in" filter="wipe(left)">
+                                      <p:cBhvr>
+                                        <p:cTn id="46" dur="500"/>
+                                        <p:tgtEl>
+                                          <p:spTgt spid="32"/>
+                                        </p:tgtEl>
+                                      </p:cBhvr>
+                                    </p:animEffect>
+                                  </p:childTnLst>
+                                </p:cTn>
+                              </p:par>
+                              <p:par>
+                                <p:cTn id="47" presetID="22" presetClass="entr" presetSubtype="8" fill="hold" nodeType="withEffect">
+                                  <p:stCondLst>
+                                    <p:cond delay="0"/>
+                                  </p:stCondLst>
+                                  <p:childTnLst>
+                                    <p:set>
+                                      <p:cBhvr>
+                                        <p:cTn id="48" dur="1" fill="hold">
+                                          <p:stCondLst>
+                                            <p:cond delay="0"/>
+                                          </p:stCondLst>
+                                        </p:cTn>
+                                        <p:tgtEl>
+                                          <p:spTgt spid="34"/>
+                                        </p:tgtEl>
+                                        <p:attrNameLst>
+                                          <p:attrName>style.visibility</p:attrName>
+                                        </p:attrNameLst>
+                                      </p:cBhvr>
+                                      <p:to>
+                                        <p:strVal val="visible"/>
+                                      </p:to>
+                                    </p:set>
+                                    <p:animEffect transition="in" filter="wipe(left)">
+                                      <p:cBhvr>
+                                        <p:cTn id="49" dur="500"/>
+                                        <p:tgtEl>
+                                          <p:spTgt spid="34"/>
+                                        </p:tgtEl>
+                                      </p:cBhvr>
+                                    </p:animEffect>
+                                  </p:childTnLst>
+                                </p:cTn>
+                              </p:par>
+                              <p:par>
+                                <p:cTn id="50" presetID="22" presetClass="entr" presetSubtype="8" fill="hold" nodeType="withEffect">
+                                  <p:stCondLst>
+                                    <p:cond delay="0"/>
+                                  </p:stCondLst>
+                                  <p:childTnLst>
+                                    <p:set>
+                                      <p:cBhvr>
+                                        <p:cTn id="51" dur="1" fill="hold">
+                                          <p:stCondLst>
+                                            <p:cond delay="0"/>
+                                          </p:stCondLst>
+                                        </p:cTn>
+                                        <p:tgtEl>
+                                          <p:spTgt spid="36"/>
+                                        </p:tgtEl>
+                                        <p:attrNameLst>
+                                          <p:attrName>style.visibility</p:attrName>
+                                        </p:attrNameLst>
+                                      </p:cBhvr>
+                                      <p:to>
+                                        <p:strVal val="visible"/>
+                                      </p:to>
+                                    </p:set>
+                                    <p:animEffect transition="in" filter="wipe(left)">
+                                      <p:cBhvr>
+                                        <p:cTn id="52" dur="500"/>
+                                        <p:tgtEl>
+                                          <p:spTgt spid="36"/>
+                                        </p:tgtEl>
+                                      </p:cBhvr>
+                                    </p:animEffect>
+                                  </p:childTnLst>
+                                </p:cTn>
+                              </p:par>
+                            </p:childTnLst>
+                          </p:cTn>
+                        </p:par>
+                        <p:par>
+                          <p:cTn id="53" fill="hold">
+                            <p:stCondLst>
+                              <p:cond delay="500"/>
+                            </p:stCondLst>
+                            <p:childTnLst>
+                              <p:par>
+                                <p:cTn id="54" presetID="10" presetClass="entr" presetSubtype="0" fill="hold" grpId="0" nodeType="afterEffect">
+                                  <p:stCondLst>
+                                    <p:cond delay="0"/>
+                                  </p:stCondLst>
+                                  <p:childTnLst>
+                                    <p:set>
+                                      <p:cBhvr>
+                                        <p:cTn id="55" dur="1" fill="hold">
+                                          <p:stCondLst>
+                                            <p:cond delay="0"/>
+                                          </p:stCondLst>
+                                        </p:cTn>
+                                        <p:tgtEl>
+                                          <p:spTgt spid="24"/>
+                                        </p:tgtEl>
+                                        <p:attrNameLst>
+                                          <p:attrName>style.visibility</p:attrName>
+                                        </p:attrNameLst>
+                                      </p:cBhvr>
+                                      <p:to>
+                                        <p:strVal val="visible"/>
+                                      </p:to>
+                                    </p:set>
+                                    <p:animEffect transition="in" filter="fade">
+                                      <p:cBhvr>
+                                        <p:cTn id="56" dur="500"/>
+                                        <p:tgtEl>
+                                          <p:spTgt spid="24"/>
+                                        </p:tgtEl>
+                                      </p:cBhvr>
+                                    </p:animEffect>
+                                  </p:childTnLst>
+                                </p:cTn>
+                              </p:par>
+                              <p:par>
+                                <p:cTn id="57" presetID="10" presetClass="entr" presetSubtype="0" fill="hold" grpId="0" nodeType="withEffect">
+                                  <p:stCondLst>
+                                    <p:cond delay="0"/>
+                                  </p:stCondLst>
+                                  <p:childTnLst>
+                                    <p:set>
+                                      <p:cBhvr>
+                                        <p:cTn id="58" dur="1" fill="hold">
+                                          <p:stCondLst>
+                                            <p:cond delay="0"/>
+                                          </p:stCondLst>
+                                        </p:cTn>
+                                        <p:tgtEl>
+                                          <p:spTgt spid="22"/>
+                                        </p:tgtEl>
+                                        <p:attrNameLst>
+                                          <p:attrName>style.visibility</p:attrName>
+                                        </p:attrNameLst>
+                                      </p:cBhvr>
+                                      <p:to>
+                                        <p:strVal val="visible"/>
+                                      </p:to>
+                                    </p:set>
+                                    <p:animEffect transition="in" filter="fade">
+                                      <p:cBhvr>
+                                        <p:cTn id="59" dur="500"/>
+                                        <p:tgtEl>
+                                          <p:spTgt spid="22"/>
+                                        </p:tgtEl>
+                                      </p:cBhvr>
+                                    </p:animEffect>
+                                  </p:childTnLst>
+                                </p:cTn>
+                              </p:par>
+                              <p:par>
+                                <p:cTn id="60" presetID="10" presetClass="entr" presetSubtype="0" fill="hold" grpId="0" nodeType="withEffect">
+                                  <p:stCondLst>
+                                    <p:cond delay="0"/>
+                                  </p:stCondLst>
+                                  <p:childTnLst>
+                                    <p:set>
+                                      <p:cBhvr>
+                                        <p:cTn id="61" dur="1" fill="hold">
+                                          <p:stCondLst>
+                                            <p:cond delay="0"/>
+                                          </p:stCondLst>
+                                        </p:cTn>
+                                        <p:tgtEl>
+                                          <p:spTgt spid="23"/>
+                                        </p:tgtEl>
+                                        <p:attrNameLst>
+                                          <p:attrName>style.visibility</p:attrName>
+                                        </p:attrNameLst>
+                                      </p:cBhvr>
+                                      <p:to>
+                                        <p:strVal val="visible"/>
+                                      </p:to>
+                                    </p:set>
+                                    <p:animEffect transition="in" filter="fade">
+                                      <p:cBhvr>
+                                        <p:cTn id="62" dur="500"/>
+                                        <p:tgtEl>
+                                          <p:spTgt spid="23"/>
+                                        </p:tgtEl>
+                                      </p:cBhvr>
+                                    </p:animEffect>
+                                  </p:childTnLst>
+                                </p:cTn>
+                              </p:par>
+                            </p:childTnLst>
+                          </p:cTn>
+                        </p:par>
+                        <p:par>
+                          <p:cTn id="63" fill="hold">
+                            <p:stCondLst>
+                              <p:cond delay="1000"/>
+                            </p:stCondLst>
+                            <p:childTnLst>
+                              <p:par>
+                                <p:cTn id="64" presetID="10" presetClass="entr" presetSubtype="0" fill="hold" nodeType="afterEffect">
+                                  <p:stCondLst>
+                                    <p:cond delay="0"/>
+                                  </p:stCondLst>
+                                  <p:childTnLst>
+                                    <p:set>
+                                      <p:cBhvr>
+                                        <p:cTn id="65" dur="1" fill="hold">
+                                          <p:stCondLst>
+                                            <p:cond delay="0"/>
+                                          </p:stCondLst>
+                                        </p:cTn>
+                                        <p:tgtEl>
+                                          <p:spTgt spid="13"/>
+                                        </p:tgtEl>
+                                        <p:attrNameLst>
+                                          <p:attrName>style.visibility</p:attrName>
+                                        </p:attrNameLst>
+                                      </p:cBhvr>
+                                      <p:to>
+                                        <p:strVal val="visible"/>
+                                      </p:to>
+                                    </p:set>
+                                    <p:animEffect transition="in" filter="fade">
+                                      <p:cBhvr>
+                                        <p:cTn id="66" dur="500"/>
+                                        <p:tgtEl>
+                                          <p:spTgt spid="13"/>
+                                        </p:tgtEl>
+                                      </p:cBhvr>
+                                    </p:animEffect>
+                                  </p:childTnLst>
+                                </p:cTn>
+                              </p:par>
+                              <p:par>
+                                <p:cTn id="67" presetID="10" presetClass="entr" presetSubtype="0" fill="hold" nodeType="withEffect">
+                                  <p:stCondLst>
+                                    <p:cond delay="0"/>
+                                  </p:stCondLst>
+                                  <p:childTnLst>
+                                    <p:set>
+                                      <p:cBhvr>
+                                        <p:cTn id="68" dur="1" fill="hold">
+                                          <p:stCondLst>
+                                            <p:cond delay="0"/>
+                                          </p:stCondLst>
+                                        </p:cTn>
+                                        <p:tgtEl>
+                                          <p:spTgt spid="14"/>
+                                        </p:tgtEl>
+                                        <p:attrNameLst>
+                                          <p:attrName>style.visibility</p:attrName>
+                                        </p:attrNameLst>
+                                      </p:cBhvr>
+                                      <p:to>
+                                        <p:strVal val="visible"/>
+                                      </p:to>
+                                    </p:set>
+                                    <p:animEffect transition="in" filter="fade">
+                                      <p:cBhvr>
+                                        <p:cTn id="69" dur="500"/>
+                                        <p:tgtEl>
+                                          <p:spTgt spid="14"/>
+                                        </p:tgtEl>
+                                      </p:cBhvr>
+                                    </p:animEffect>
+                                  </p:childTnLst>
+                                </p:cTn>
+                              </p:par>
+                              <p:par>
+                                <p:cTn id="70" presetID="10" presetClass="entr" presetSubtype="0" fill="hold" nodeType="withEffect">
+                                  <p:stCondLst>
+                                    <p:cond delay="0"/>
+                                  </p:stCondLst>
+                                  <p:childTnLst>
+                                    <p:set>
+                                      <p:cBhvr>
+                                        <p:cTn id="71" dur="1" fill="hold">
+                                          <p:stCondLst>
+                                            <p:cond delay="0"/>
+                                          </p:stCondLst>
+                                        </p:cTn>
+                                        <p:tgtEl>
+                                          <p:spTgt spid="15"/>
+                                        </p:tgtEl>
+                                        <p:attrNameLst>
+                                          <p:attrName>style.visibility</p:attrName>
+                                        </p:attrNameLst>
+                                      </p:cBhvr>
+                                      <p:to>
+                                        <p:strVal val="visible"/>
+                                      </p:to>
+                                    </p:set>
+                                    <p:animEffect transition="in" filter="fade">
+                                      <p:cBhvr>
+                                        <p:cTn id="72" dur="500"/>
+                                        <p:tgtEl>
+                                          <p:spTgt spid="15"/>
+                                        </p:tgtEl>
+                                      </p:cBhvr>
+                                    </p:animEffect>
+                                  </p:childTnLst>
+                                </p:cTn>
+                              </p:par>
+                            </p:childTnLst>
+                          </p:cTn>
+                        </p:par>
+                      </p:childTnLst>
+                    </p:cTn>
+                  </p:par>
+                  <p:par>
+                    <p:cTn id="73" fill="hold">
+                      <p:stCondLst>
+                        <p:cond delay="indefinite"/>
+                      </p:stCondLst>
+                      <p:childTnLst>
+                        <p:par>
+                          <p:cTn id="74" fill="hold">
+                            <p:stCondLst>
+                              <p:cond delay="0"/>
+                            </p:stCondLst>
+                            <p:childTnLst>
+                              <p:par>
+                                <p:cTn id="75" presetID="22" presetClass="entr" presetSubtype="8" fill="hold" nodeType="clickEffect">
+                                  <p:stCondLst>
+                                    <p:cond delay="0"/>
+                                  </p:stCondLst>
+                                  <p:childTnLst>
+                                    <p:set>
+                                      <p:cBhvr>
+                                        <p:cTn id="76" dur="1" fill="hold">
+                                          <p:stCondLst>
+                                            <p:cond delay="0"/>
+                                          </p:stCondLst>
+                                        </p:cTn>
+                                        <p:tgtEl>
+                                          <p:spTgt spid="38"/>
+                                        </p:tgtEl>
+                                        <p:attrNameLst>
+                                          <p:attrName>style.visibility</p:attrName>
+                                        </p:attrNameLst>
+                                      </p:cBhvr>
+                                      <p:to>
+                                        <p:strVal val="visible"/>
+                                      </p:to>
+                                    </p:set>
+                                    <p:animEffect transition="in" filter="wipe(left)">
+                                      <p:cBhvr>
+                                        <p:cTn id="77" dur="500"/>
+                                        <p:tgtEl>
+                                          <p:spTgt spid="38"/>
+                                        </p:tgtEl>
+                                      </p:cBhvr>
+                                    </p:animEffect>
+                                  </p:childTnLst>
+                                </p:cTn>
+                              </p:par>
+                              <p:par>
+                                <p:cTn id="78" presetID="22" presetClass="entr" presetSubtype="8" fill="hold" nodeType="withEffect">
+                                  <p:stCondLst>
+                                    <p:cond delay="0"/>
+                                  </p:stCondLst>
+                                  <p:childTnLst>
+                                    <p:set>
+                                      <p:cBhvr>
+                                        <p:cTn id="79" dur="1" fill="hold">
+                                          <p:stCondLst>
+                                            <p:cond delay="0"/>
+                                          </p:stCondLst>
+                                        </p:cTn>
+                                        <p:tgtEl>
+                                          <p:spTgt spid="40"/>
+                                        </p:tgtEl>
+                                        <p:attrNameLst>
+                                          <p:attrName>style.visibility</p:attrName>
+                                        </p:attrNameLst>
+                                      </p:cBhvr>
+                                      <p:to>
+                                        <p:strVal val="visible"/>
+                                      </p:to>
+                                    </p:set>
+                                    <p:animEffect transition="in" filter="wipe(left)">
+                                      <p:cBhvr>
+                                        <p:cTn id="80" dur="500"/>
+                                        <p:tgtEl>
+                                          <p:spTgt spid="40"/>
+                                        </p:tgtEl>
+                                      </p:cBhvr>
+                                    </p:animEffect>
+                                  </p:childTnLst>
+                                </p:cTn>
+                              </p:par>
+                              <p:par>
+                                <p:cTn id="81" presetID="22" presetClass="entr" presetSubtype="8" fill="hold" nodeType="withEffect">
+                                  <p:stCondLst>
+                                    <p:cond delay="0"/>
+                                  </p:stCondLst>
+                                  <p:childTnLst>
+                                    <p:set>
+                                      <p:cBhvr>
+                                        <p:cTn id="82" dur="1" fill="hold">
+                                          <p:stCondLst>
+                                            <p:cond delay="0"/>
+                                          </p:stCondLst>
+                                        </p:cTn>
+                                        <p:tgtEl>
+                                          <p:spTgt spid="42"/>
+                                        </p:tgtEl>
+                                        <p:attrNameLst>
+                                          <p:attrName>style.visibility</p:attrName>
+                                        </p:attrNameLst>
+                                      </p:cBhvr>
+                                      <p:to>
+                                        <p:strVal val="visible"/>
+                                      </p:to>
+                                    </p:set>
+                                    <p:animEffect transition="in" filter="wipe(left)">
+                                      <p:cBhvr>
+                                        <p:cTn id="83" dur="500"/>
+                                        <p:tgtEl>
+                                          <p:spTgt spid="42"/>
+                                        </p:tgtEl>
+                                      </p:cBhvr>
+                                    </p:animEffect>
+                                  </p:childTnLst>
+                                </p:cTn>
+                              </p:par>
+                            </p:childTnLst>
+                          </p:cTn>
+                        </p:par>
+                        <p:par>
+                          <p:cTn id="84" fill="hold">
+                            <p:stCondLst>
+                              <p:cond delay="500"/>
+                            </p:stCondLst>
+                            <p:childTnLst>
+                              <p:par>
+                                <p:cTn id="85" presetID="10" presetClass="entr" presetSubtype="0" fill="hold" grpId="0" nodeType="afterEffect">
+                                  <p:stCondLst>
+                                    <p:cond delay="0"/>
+                                  </p:stCondLst>
+                                  <p:childTnLst>
+                                    <p:set>
+                                      <p:cBhvr>
+                                        <p:cTn id="86" dur="1" fill="hold">
+                                          <p:stCondLst>
+                                            <p:cond delay="0"/>
+                                          </p:stCondLst>
+                                        </p:cTn>
+                                        <p:tgtEl>
+                                          <p:spTgt spid="18"/>
+                                        </p:tgtEl>
+                                        <p:attrNameLst>
+                                          <p:attrName>style.visibility</p:attrName>
+                                        </p:attrNameLst>
+                                      </p:cBhvr>
+                                      <p:to>
+                                        <p:strVal val="visible"/>
+                                      </p:to>
+                                    </p:set>
+                                    <p:animEffect transition="in" filter="fade">
+                                      <p:cBhvr>
+                                        <p:cTn id="87" dur="500"/>
+                                        <p:tgtEl>
+                                          <p:spTgt spid="18"/>
+                                        </p:tgtEl>
+                                      </p:cBhvr>
+                                    </p:animEffect>
+                                  </p:childTnLst>
+                                </p:cTn>
+                              </p:par>
+                              <p:par>
+                                <p:cTn id="88" presetID="10" presetClass="entr" presetSubtype="0" fill="hold" grpId="0" nodeType="withEffect">
+                                  <p:stCondLst>
+                                    <p:cond delay="0"/>
+                                  </p:stCondLst>
+                                  <p:childTnLst>
+                                    <p:set>
+                                      <p:cBhvr>
+                                        <p:cTn id="89" dur="1" fill="hold">
+                                          <p:stCondLst>
+                                            <p:cond delay="0"/>
+                                          </p:stCondLst>
+                                        </p:cTn>
+                                        <p:tgtEl>
+                                          <p:spTgt spid="16"/>
+                                        </p:tgtEl>
+                                        <p:attrNameLst>
+                                          <p:attrName>style.visibility</p:attrName>
+                                        </p:attrNameLst>
+                                      </p:cBhvr>
+                                      <p:to>
+                                        <p:strVal val="visible"/>
+                                      </p:to>
+                                    </p:set>
+                                    <p:animEffect transition="in" filter="fade">
+                                      <p:cBhvr>
+                                        <p:cTn id="90" dur="500"/>
+                                        <p:tgtEl>
+                                          <p:spTgt spid="16"/>
+                                        </p:tgtEl>
+                                      </p:cBhvr>
+                                    </p:animEffect>
+                                  </p:childTnLst>
+                                </p:cTn>
+                              </p:par>
+                              <p:par>
+                                <p:cTn id="91" presetID="10" presetClass="entr" presetSubtype="0" fill="hold" grpId="0" nodeType="withEffect">
+                                  <p:stCondLst>
+                                    <p:cond delay="0"/>
+                                  </p:stCondLst>
+                                  <p:childTnLst>
+                                    <p:set>
+                                      <p:cBhvr>
+                                        <p:cTn id="92" dur="1" fill="hold">
+                                          <p:stCondLst>
+                                            <p:cond delay="0"/>
+                                          </p:stCondLst>
+                                        </p:cTn>
+                                        <p:tgtEl>
+                                          <p:spTgt spid="17"/>
+                                        </p:tgtEl>
+                                        <p:attrNameLst>
+                                          <p:attrName>style.visibility</p:attrName>
+                                        </p:attrNameLst>
+                                      </p:cBhvr>
+                                      <p:to>
+                                        <p:strVal val="visible"/>
+                                      </p:to>
+                                    </p:set>
+                                    <p:animEffect transition="in" filter="fade">
+                                      <p:cBhvr>
+                                        <p:cTn id="93" dur="500"/>
+                                        <p:tgtEl>
+                                          <p:spTgt spid="17"/>
+                                        </p:tgtEl>
+                                      </p:cBhvr>
+                                    </p:animEffect>
+                                  </p:childTnLst>
+                                </p:cTn>
+                              </p:par>
+                            </p:childTnLst>
+                          </p:cTn>
+                        </p:par>
+                      </p:childTnLst>
+                    </p:cTn>
+                  </p:par>
+                </p:childTnLst>
+              </p:cTn>
+              <p:prevCondLst>
+                <p:cond evt="onPrev" delay="0">
+                  <p:tgtEl>
+                    <p:sldTgt/>
+                  </p:tgtEl>
+                </p:cond>
+              </p:prevCondLst>
+              <p:nextCondLst>
+                <p:cond evt="onNext" delay="0">
+                  <p:tgtEl>
+                    <p:sldTgt/>
+                  </p:tgtEl>
+                </p:cond>
+              </p:nextCondLst>
+            </p:seq>
+          </p:childTnLst>
+        </p:cTn>
       </p:par>
     </p:tnLst>
+    <p:bldLst>
+      <p:bldP spid="7" grpId="0" animBg="1"/>
+      <p:bldP spid="8" grpId="0" animBg="1"/>
+      <p:bldP spid="9" grpId="0" animBg="1"/>
+      <p:bldP spid="10" grpId="0" animBg="1"/>
+      <p:bldP spid="16" grpId="0" animBg="1"/>
+      <p:bldP spid="17" grpId="0" animBg="1"/>
+      <p:bldP spid="18" grpId="0" animBg="1"/>
+      <p:bldP spid="22" grpId="0" animBg="1"/>
+      <p:bldP spid="23" grpId="0" animBg="1"/>
+      <p:bldP spid="24" grpId="0" animBg="1"/>
+    </p:bldLst>
   </p:timing>
 </p:sld>
 </file>
@@ -41814,6 +45002,1340 @@
               <a:t>Development</a:t>
             </a:r>
             <a:endParaRPr lang="ru-RU" dirty="0"/>
+          </a:p>
+        </p:txBody>
+      </p:sp>
+      <p:sp>
+        <p:nvSpPr>
+          <p:cNvPr id="3" name="TextBox 2"/>
+          <p:cNvSpPr txBox="1"/>
+          <p:nvPr/>
+        </p:nvSpPr>
+        <p:spPr>
+          <a:xfrm>
+            <a:off x="5654040" y="738587"/>
+            <a:ext cx="2816733" cy="400110"/>
+          </a:xfrm>
+          <a:prstGeom prst="rect">
+            <a:avLst/>
+          </a:prstGeom>
+          <a:noFill/>
+        </p:spPr>
+        <p:txBody>
+          <a:bodyPr wrap="none" rtlCol="0">
+            <a:spAutoFit/>
+          </a:bodyPr>
+          <a:lstStyle/>
+          <a:p>
+            <a:r>
+              <a:rPr lang="en-US" sz="2000" b="1" dirty="0" smtClean="0"/>
+              <a:t>Like WPF, but … not WPF</a:t>
+            </a:r>
+            <a:endParaRPr lang="ru-RU" sz="2000" b="1" dirty="0"/>
+          </a:p>
+        </p:txBody>
+      </p:sp>
+      <p:sp>
+        <p:nvSpPr>
+          <p:cNvPr id="4" name="Rectangle 1"/>
+          <p:cNvSpPr>
+            <a:spLocks noChangeArrowheads="1"/>
+          </p:cNvSpPr>
+          <p:nvPr/>
+        </p:nvSpPr>
+        <p:spPr bwMode="auto">
+          <a:xfrm>
+            <a:off x="116524" y="1346933"/>
+            <a:ext cx="8783636" cy="3323987"/>
+          </a:xfrm>
+          <a:prstGeom prst="rect">
+            <a:avLst/>
+          </a:prstGeom>
+          <a:ln/>
+        </p:spPr>
+        <p:style>
+          <a:lnRef idx="2">
+            <a:schemeClr val="accent2"/>
+          </a:lnRef>
+          <a:fillRef idx="1">
+            <a:schemeClr val="lt1"/>
+          </a:fillRef>
+          <a:effectRef idx="0">
+            <a:schemeClr val="accent2"/>
+          </a:effectRef>
+          <a:fontRef idx="minor">
+            <a:schemeClr val="dk1"/>
+          </a:fontRef>
+        </p:style>
+        <p:txBody>
+          <a:bodyPr vert="horz" wrap="square" lIns="91440" tIns="45720" rIns="91440" bIns="45720" numCol="1" anchor="ctr" anchorCtr="0" compatLnSpc="1">
+            <a:prstTxWarp prst="textNoShape">
+              <a:avLst/>
+            </a:prstTxWarp>
+            <a:spAutoFit/>
+          </a:bodyPr>
+          <a:lstStyle/>
+          <a:p>
+            <a:pPr marL="0" marR="0" lvl="0" indent="0" algn="l" defTabSz="914400" rtl="0" eaLnBrk="0" fontAlgn="base" latinLnBrk="0" hangingPunct="0">
+              <a:lnSpc>
+                <a:spcPct val="100000"/>
+              </a:lnSpc>
+              <a:spcBef>
+                <a:spcPct val="0"/>
+              </a:spcBef>
+              <a:spcAft>
+                <a:spcPct val="0"/>
+              </a:spcAft>
+              <a:buClrTx/>
+              <a:buSzTx/>
+              <a:buFontTx/>
+              <a:buNone/>
+              <a:tabLst/>
+            </a:pPr>
+            <a:r>
+              <a:rPr kumimoji="0" lang="ru-RU" altLang="ru-RU" sz="1400" b="0" i="0" u="none" strike="noStrike" cap="none" normalizeH="0" baseline="0" dirty="0" err="1" smtClean="0">
+                <a:ln>
+                  <a:noFill/>
+                </a:ln>
+                <a:solidFill>
+                  <a:srgbClr val="0000FF"/>
+                </a:solidFill>
+                <a:effectLst/>
+                <a:latin typeface="Consolas" panose="020B0609020204030204" pitchFamily="49" charset="0"/>
+              </a:rPr>
+              <a:t>class</a:t>
+            </a:r>
+            <a:r>
+              <a:rPr kumimoji="0" lang="ru-RU" altLang="ru-RU" sz="1400" b="0" i="0" u="none" strike="noStrike" cap="none" normalizeH="0" baseline="0" dirty="0" smtClean="0">
+                <a:ln>
+                  <a:noFill/>
+                </a:ln>
+                <a:solidFill>
+                  <a:srgbClr val="000000"/>
+                </a:solidFill>
+                <a:effectLst/>
+                <a:latin typeface="Consolas" panose="020B0609020204030204" pitchFamily="49" charset="0"/>
+              </a:rPr>
+              <a:t> </a:t>
+            </a:r>
+            <a:r>
+              <a:rPr kumimoji="0" lang="ru-RU" altLang="ru-RU" sz="1400" b="0" i="0" u="none" strike="noStrike" cap="none" normalizeH="0" baseline="0" dirty="0" err="1" smtClean="0">
+                <a:ln>
+                  <a:noFill/>
+                </a:ln>
+                <a:solidFill>
+                  <a:srgbClr val="2B91AF"/>
+                </a:solidFill>
+                <a:effectLst/>
+                <a:latin typeface="Consolas" panose="020B0609020204030204" pitchFamily="49" charset="0"/>
+              </a:rPr>
+              <a:t>Program</a:t>
+            </a:r>
+            <a:r>
+              <a:rPr kumimoji="0" lang="ru-RU" altLang="ru-RU" sz="1400" b="0" i="0" u="none" strike="noStrike" cap="none" normalizeH="0" baseline="0" dirty="0" smtClean="0">
+                <a:ln>
+                  <a:noFill/>
+                </a:ln>
+                <a:solidFill>
+                  <a:srgbClr val="000000"/>
+                </a:solidFill>
+                <a:effectLst/>
+                <a:latin typeface="Consolas" panose="020B0609020204030204" pitchFamily="49" charset="0"/>
+              </a:rPr>
+              <a:t/>
+            </a:r>
+            <a:br>
+              <a:rPr kumimoji="0" lang="ru-RU" altLang="ru-RU" sz="1400" b="0" i="0" u="none" strike="noStrike" cap="none" normalizeH="0" baseline="0" dirty="0" smtClean="0">
+                <a:ln>
+                  <a:noFill/>
+                </a:ln>
+                <a:solidFill>
+                  <a:srgbClr val="000000"/>
+                </a:solidFill>
+                <a:effectLst/>
+                <a:latin typeface="Consolas" panose="020B0609020204030204" pitchFamily="49" charset="0"/>
+              </a:rPr>
+            </a:br>
+            <a:r>
+              <a:rPr kumimoji="0" lang="ru-RU" altLang="ru-RU" sz="1400" b="0" i="0" u="none" strike="noStrike" cap="none" normalizeH="0" baseline="0" dirty="0" smtClean="0">
+                <a:ln>
+                  <a:noFill/>
+                </a:ln>
+                <a:solidFill>
+                  <a:srgbClr val="000000"/>
+                </a:solidFill>
+                <a:effectLst/>
+                <a:latin typeface="Consolas" panose="020B0609020204030204" pitchFamily="49" charset="0"/>
+              </a:rPr>
+              <a:t>{</a:t>
+            </a:r>
+            <a:br>
+              <a:rPr kumimoji="0" lang="ru-RU" altLang="ru-RU" sz="1400" b="0" i="0" u="none" strike="noStrike" cap="none" normalizeH="0" baseline="0" dirty="0" smtClean="0">
+                <a:ln>
+                  <a:noFill/>
+                </a:ln>
+                <a:solidFill>
+                  <a:srgbClr val="000000"/>
+                </a:solidFill>
+                <a:effectLst/>
+                <a:latin typeface="Consolas" panose="020B0609020204030204" pitchFamily="49" charset="0"/>
+              </a:rPr>
+            </a:br>
+            <a:r>
+              <a:rPr kumimoji="0" lang="ru-RU" altLang="ru-RU" sz="1400" b="0" i="0" u="none" strike="noStrike" cap="none" normalizeH="0" baseline="0" dirty="0" smtClean="0">
+                <a:ln>
+                  <a:noFill/>
+                </a:ln>
+                <a:solidFill>
+                  <a:srgbClr val="000000"/>
+                </a:solidFill>
+                <a:effectLst/>
+                <a:latin typeface="Consolas" panose="020B0609020204030204" pitchFamily="49" charset="0"/>
+              </a:rPr>
+              <a:t>    </a:t>
+            </a:r>
+            <a:r>
+              <a:rPr kumimoji="0" lang="ru-RU" altLang="ru-RU" sz="1400" b="0" i="0" u="none" strike="noStrike" cap="none" normalizeH="0" baseline="0" dirty="0" err="1" smtClean="0">
+                <a:ln>
+                  <a:noFill/>
+                </a:ln>
+                <a:solidFill>
+                  <a:srgbClr val="0000FF"/>
+                </a:solidFill>
+                <a:effectLst/>
+                <a:latin typeface="Consolas" panose="020B0609020204030204" pitchFamily="49" charset="0"/>
+              </a:rPr>
+              <a:t>public</a:t>
+            </a:r>
+            <a:r>
+              <a:rPr kumimoji="0" lang="ru-RU" altLang="ru-RU" sz="1400" b="0" i="0" u="none" strike="noStrike" cap="none" normalizeH="0" baseline="0" dirty="0" smtClean="0">
+                <a:ln>
+                  <a:noFill/>
+                </a:ln>
+                <a:solidFill>
+                  <a:srgbClr val="000000"/>
+                </a:solidFill>
+                <a:effectLst/>
+                <a:latin typeface="Consolas" panose="020B0609020204030204" pitchFamily="49" charset="0"/>
+              </a:rPr>
+              <a:t> </a:t>
+            </a:r>
+            <a:r>
+              <a:rPr kumimoji="0" lang="ru-RU" altLang="ru-RU" sz="1400" b="0" i="0" u="none" strike="noStrike" cap="none" normalizeH="0" baseline="0" dirty="0" err="1" smtClean="0">
+                <a:ln>
+                  <a:noFill/>
+                </a:ln>
+                <a:solidFill>
+                  <a:srgbClr val="0000FF"/>
+                </a:solidFill>
+                <a:effectLst/>
+                <a:latin typeface="Consolas" panose="020B0609020204030204" pitchFamily="49" charset="0"/>
+              </a:rPr>
+              <a:t>static</a:t>
+            </a:r>
+            <a:r>
+              <a:rPr kumimoji="0" lang="ru-RU" altLang="ru-RU" sz="1400" b="0" i="0" u="none" strike="noStrike" cap="none" normalizeH="0" baseline="0" dirty="0" smtClean="0">
+                <a:ln>
+                  <a:noFill/>
+                </a:ln>
+                <a:solidFill>
+                  <a:srgbClr val="000000"/>
+                </a:solidFill>
+                <a:effectLst/>
+                <a:latin typeface="Consolas" panose="020B0609020204030204" pitchFamily="49" charset="0"/>
+              </a:rPr>
+              <a:t> </a:t>
+            </a:r>
+            <a:r>
+              <a:rPr kumimoji="0" lang="ru-RU" altLang="ru-RU" sz="1400" b="0" i="0" u="none" strike="noStrike" cap="none" normalizeH="0" baseline="0" dirty="0" err="1" smtClean="0">
+                <a:ln>
+                  <a:noFill/>
+                </a:ln>
+                <a:solidFill>
+                  <a:srgbClr val="0000FF"/>
+                </a:solidFill>
+                <a:effectLst/>
+                <a:latin typeface="Consolas" panose="020B0609020204030204" pitchFamily="49" charset="0"/>
+              </a:rPr>
+              <a:t>void</a:t>
+            </a:r>
+            <a:r>
+              <a:rPr kumimoji="0" lang="ru-RU" altLang="ru-RU" sz="1400" b="0" i="0" u="none" strike="noStrike" cap="none" normalizeH="0" baseline="0" dirty="0" smtClean="0">
+                <a:ln>
+                  <a:noFill/>
+                </a:ln>
+                <a:solidFill>
+                  <a:srgbClr val="000000"/>
+                </a:solidFill>
+                <a:effectLst/>
+                <a:latin typeface="Consolas" panose="020B0609020204030204" pitchFamily="49" charset="0"/>
+              </a:rPr>
+              <a:t> </a:t>
+            </a:r>
+            <a:r>
+              <a:rPr kumimoji="0" lang="ru-RU" altLang="ru-RU" sz="1400" b="0" i="0" u="none" strike="noStrike" cap="none" normalizeH="0" baseline="0" dirty="0" err="1" smtClean="0">
+                <a:ln>
+                  <a:noFill/>
+                </a:ln>
+                <a:solidFill>
+                  <a:srgbClr val="74531F"/>
+                </a:solidFill>
+                <a:effectLst/>
+                <a:latin typeface="Consolas" panose="020B0609020204030204" pitchFamily="49" charset="0"/>
+              </a:rPr>
+              <a:t>Main</a:t>
+            </a:r>
+            <a:r>
+              <a:rPr kumimoji="0" lang="ru-RU" altLang="ru-RU" sz="1400" b="0" i="0" u="none" strike="noStrike" cap="none" normalizeH="0" baseline="0" dirty="0" smtClean="0">
+                <a:ln>
+                  <a:noFill/>
+                </a:ln>
+                <a:solidFill>
+                  <a:srgbClr val="000000"/>
+                </a:solidFill>
+                <a:effectLst/>
+                <a:latin typeface="Consolas" panose="020B0609020204030204" pitchFamily="49" charset="0"/>
+              </a:rPr>
+              <a:t>(</a:t>
+            </a:r>
+            <a:r>
+              <a:rPr kumimoji="0" lang="ru-RU" altLang="ru-RU" sz="1400" b="0" i="0" u="none" strike="noStrike" cap="none" normalizeH="0" baseline="0" dirty="0" err="1" smtClean="0">
+                <a:ln>
+                  <a:noFill/>
+                </a:ln>
+                <a:solidFill>
+                  <a:srgbClr val="0000FF"/>
+                </a:solidFill>
+                <a:effectLst/>
+                <a:latin typeface="Consolas" panose="020B0609020204030204" pitchFamily="49" charset="0"/>
+              </a:rPr>
+              <a:t>string</a:t>
+            </a:r>
+            <a:r>
+              <a:rPr kumimoji="0" lang="ru-RU" altLang="ru-RU" sz="1400" b="0" i="0" u="none" strike="noStrike" cap="none" normalizeH="0" baseline="0" dirty="0" smtClean="0">
+                <a:ln>
+                  <a:noFill/>
+                </a:ln>
+                <a:solidFill>
+                  <a:srgbClr val="000000"/>
+                </a:solidFill>
+                <a:effectLst/>
+                <a:latin typeface="Consolas" panose="020B0609020204030204" pitchFamily="49" charset="0"/>
+              </a:rPr>
+              <a:t>[] </a:t>
+            </a:r>
+            <a:r>
+              <a:rPr kumimoji="0" lang="ru-RU" altLang="ru-RU" sz="1400" b="0" i="0" u="none" strike="noStrike" cap="none" normalizeH="0" baseline="0" dirty="0" err="1" smtClean="0">
+                <a:ln>
+                  <a:noFill/>
+                </a:ln>
+                <a:solidFill>
+                  <a:srgbClr val="1F377F"/>
+                </a:solidFill>
+                <a:effectLst/>
+                <a:latin typeface="Consolas" panose="020B0609020204030204" pitchFamily="49" charset="0"/>
+              </a:rPr>
+              <a:t>args</a:t>
+            </a:r>
+            <a:r>
+              <a:rPr kumimoji="0" lang="ru-RU" altLang="ru-RU" sz="1400" b="0" i="0" u="none" strike="noStrike" cap="none" normalizeH="0" baseline="0" dirty="0" smtClean="0">
+                <a:ln>
+                  <a:noFill/>
+                </a:ln>
+                <a:solidFill>
+                  <a:srgbClr val="000000"/>
+                </a:solidFill>
+                <a:effectLst/>
+                <a:latin typeface="Consolas" panose="020B0609020204030204" pitchFamily="49" charset="0"/>
+              </a:rPr>
+              <a:t>) =&gt; </a:t>
+            </a:r>
+            <a:r>
+              <a:rPr kumimoji="0" lang="ru-RU" altLang="ru-RU" sz="1400" b="0" i="0" u="none" strike="noStrike" cap="none" normalizeH="0" baseline="0" dirty="0" err="1" smtClean="0">
+                <a:ln>
+                  <a:noFill/>
+                </a:ln>
+                <a:solidFill>
+                  <a:srgbClr val="74531F"/>
+                </a:solidFill>
+                <a:effectLst/>
+                <a:latin typeface="Consolas" panose="020B0609020204030204" pitchFamily="49" charset="0"/>
+              </a:rPr>
+              <a:t>BuildAvaloniaApp</a:t>
+            </a:r>
+            <a:r>
+              <a:rPr kumimoji="0" lang="ru-RU" altLang="ru-RU" sz="1400" b="0" i="0" u="none" strike="noStrike" cap="none" normalizeH="0" baseline="0" dirty="0" smtClean="0">
+                <a:ln>
+                  <a:noFill/>
+                </a:ln>
+                <a:solidFill>
+                  <a:srgbClr val="000000"/>
+                </a:solidFill>
+                <a:effectLst/>
+                <a:latin typeface="Consolas" panose="020B0609020204030204" pitchFamily="49" charset="0"/>
+              </a:rPr>
+              <a:t>().</a:t>
+            </a:r>
+            <a:r>
+              <a:rPr kumimoji="0" lang="ru-RU" altLang="ru-RU" sz="1400" b="0" i="0" u="none" strike="noStrike" cap="none" normalizeH="0" baseline="0" dirty="0" err="1" smtClean="0">
+                <a:ln>
+                  <a:noFill/>
+                </a:ln>
+                <a:solidFill>
+                  <a:srgbClr val="74531F"/>
+                </a:solidFill>
+                <a:effectLst/>
+                <a:latin typeface="Consolas" panose="020B0609020204030204" pitchFamily="49" charset="0"/>
+              </a:rPr>
+              <a:t>Start</a:t>
+            </a:r>
+            <a:r>
+              <a:rPr kumimoji="0" lang="ru-RU" altLang="ru-RU" sz="1400" b="0" i="0" u="none" strike="noStrike" cap="none" normalizeH="0" baseline="0" dirty="0" smtClean="0">
+                <a:ln>
+                  <a:noFill/>
+                </a:ln>
+                <a:solidFill>
+                  <a:srgbClr val="000000"/>
+                </a:solidFill>
+                <a:effectLst/>
+                <a:latin typeface="Consolas" panose="020B0609020204030204" pitchFamily="49" charset="0"/>
+              </a:rPr>
+              <a:t>(</a:t>
+            </a:r>
+            <a:r>
+              <a:rPr kumimoji="0" lang="ru-RU" altLang="ru-RU" sz="1400" b="0" i="0" u="none" strike="noStrike" cap="none" normalizeH="0" baseline="0" dirty="0" err="1" smtClean="0">
+                <a:ln>
+                  <a:noFill/>
+                </a:ln>
+                <a:solidFill>
+                  <a:srgbClr val="74531F"/>
+                </a:solidFill>
+                <a:effectLst/>
+                <a:latin typeface="Consolas" panose="020B0609020204030204" pitchFamily="49" charset="0"/>
+              </a:rPr>
+              <a:t>AppMain</a:t>
+            </a:r>
+            <a:r>
+              <a:rPr kumimoji="0" lang="ru-RU" altLang="ru-RU" sz="1400" b="0" i="0" u="none" strike="noStrike" cap="none" normalizeH="0" baseline="0" dirty="0" smtClean="0">
+                <a:ln>
+                  <a:noFill/>
+                </a:ln>
+                <a:solidFill>
+                  <a:srgbClr val="000000"/>
+                </a:solidFill>
+                <a:effectLst/>
+                <a:latin typeface="Consolas" panose="020B0609020204030204" pitchFamily="49" charset="0"/>
+              </a:rPr>
+              <a:t>, </a:t>
+            </a:r>
+            <a:r>
+              <a:rPr kumimoji="0" lang="ru-RU" altLang="ru-RU" sz="1400" b="0" i="0" u="none" strike="noStrike" cap="none" normalizeH="0" baseline="0" dirty="0" err="1" smtClean="0">
+                <a:ln>
+                  <a:noFill/>
+                </a:ln>
+                <a:solidFill>
+                  <a:srgbClr val="1F377F"/>
+                </a:solidFill>
+                <a:effectLst/>
+                <a:latin typeface="Consolas" panose="020B0609020204030204" pitchFamily="49" charset="0"/>
+              </a:rPr>
+              <a:t>args</a:t>
+            </a:r>
+            <a:r>
+              <a:rPr kumimoji="0" lang="ru-RU" altLang="ru-RU" sz="1400" b="0" i="0" u="none" strike="noStrike" cap="none" normalizeH="0" baseline="0" dirty="0" smtClean="0">
+                <a:ln>
+                  <a:noFill/>
+                </a:ln>
+                <a:solidFill>
+                  <a:srgbClr val="000000"/>
+                </a:solidFill>
+                <a:effectLst/>
+                <a:latin typeface="Consolas" panose="020B0609020204030204" pitchFamily="49" charset="0"/>
+              </a:rPr>
+              <a:t>);</a:t>
+            </a:r>
+            <a:br>
+              <a:rPr kumimoji="0" lang="ru-RU" altLang="ru-RU" sz="1400" b="0" i="0" u="none" strike="noStrike" cap="none" normalizeH="0" baseline="0" dirty="0" smtClean="0">
+                <a:ln>
+                  <a:noFill/>
+                </a:ln>
+                <a:solidFill>
+                  <a:srgbClr val="000000"/>
+                </a:solidFill>
+                <a:effectLst/>
+                <a:latin typeface="Consolas" panose="020B0609020204030204" pitchFamily="49" charset="0"/>
+              </a:rPr>
+            </a:br>
+            <a:r>
+              <a:rPr kumimoji="0" lang="ru-RU" altLang="ru-RU" sz="1400" b="0" i="0" u="none" strike="noStrike" cap="none" normalizeH="0" baseline="0" dirty="0" smtClean="0">
+                <a:ln>
+                  <a:noFill/>
+                </a:ln>
+                <a:solidFill>
+                  <a:srgbClr val="000000"/>
+                </a:solidFill>
+                <a:effectLst/>
+                <a:latin typeface="Consolas" panose="020B0609020204030204" pitchFamily="49" charset="0"/>
+              </a:rPr>
+              <a:t/>
+            </a:r>
+            <a:br>
+              <a:rPr kumimoji="0" lang="ru-RU" altLang="ru-RU" sz="1400" b="0" i="0" u="none" strike="noStrike" cap="none" normalizeH="0" baseline="0" dirty="0" smtClean="0">
+                <a:ln>
+                  <a:noFill/>
+                </a:ln>
+                <a:solidFill>
+                  <a:srgbClr val="000000"/>
+                </a:solidFill>
+                <a:effectLst/>
+                <a:latin typeface="Consolas" panose="020B0609020204030204" pitchFamily="49" charset="0"/>
+              </a:rPr>
+            </a:br>
+            <a:r>
+              <a:rPr kumimoji="0" lang="ru-RU" altLang="ru-RU" sz="1400" b="0" i="0" u="none" strike="noStrike" cap="none" normalizeH="0" baseline="0" dirty="0" smtClean="0">
+                <a:ln>
+                  <a:noFill/>
+                </a:ln>
+                <a:solidFill>
+                  <a:srgbClr val="000000"/>
+                </a:solidFill>
+                <a:effectLst/>
+                <a:latin typeface="Consolas" panose="020B0609020204030204" pitchFamily="49" charset="0"/>
+              </a:rPr>
+              <a:t>    </a:t>
+            </a:r>
+            <a:r>
+              <a:rPr kumimoji="0" lang="ru-RU" altLang="ru-RU" sz="1400" b="0" i="0" u="none" strike="noStrike" cap="none" normalizeH="0" baseline="0" dirty="0" err="1" smtClean="0">
+                <a:ln>
+                  <a:noFill/>
+                </a:ln>
+                <a:solidFill>
+                  <a:srgbClr val="0000FF"/>
+                </a:solidFill>
+                <a:effectLst/>
+                <a:latin typeface="Consolas" panose="020B0609020204030204" pitchFamily="49" charset="0"/>
+              </a:rPr>
+              <a:t>public</a:t>
+            </a:r>
+            <a:r>
+              <a:rPr kumimoji="0" lang="ru-RU" altLang="ru-RU" sz="1400" b="0" i="0" u="none" strike="noStrike" cap="none" normalizeH="0" baseline="0" dirty="0" smtClean="0">
+                <a:ln>
+                  <a:noFill/>
+                </a:ln>
+                <a:solidFill>
+                  <a:srgbClr val="000000"/>
+                </a:solidFill>
+                <a:effectLst/>
+                <a:latin typeface="Consolas" panose="020B0609020204030204" pitchFamily="49" charset="0"/>
+              </a:rPr>
+              <a:t> </a:t>
+            </a:r>
+            <a:r>
+              <a:rPr kumimoji="0" lang="ru-RU" altLang="ru-RU" sz="1400" b="0" i="0" u="none" strike="noStrike" cap="none" normalizeH="0" baseline="0" dirty="0" err="1" smtClean="0">
+                <a:ln>
+                  <a:noFill/>
+                </a:ln>
+                <a:solidFill>
+                  <a:srgbClr val="0000FF"/>
+                </a:solidFill>
+                <a:effectLst/>
+                <a:latin typeface="Consolas" panose="020B0609020204030204" pitchFamily="49" charset="0"/>
+              </a:rPr>
+              <a:t>static</a:t>
+            </a:r>
+            <a:r>
+              <a:rPr kumimoji="0" lang="ru-RU" altLang="ru-RU" sz="1400" b="0" i="0" u="none" strike="noStrike" cap="none" normalizeH="0" baseline="0" dirty="0" smtClean="0">
+                <a:ln>
+                  <a:noFill/>
+                </a:ln>
+                <a:solidFill>
+                  <a:srgbClr val="000000"/>
+                </a:solidFill>
+                <a:effectLst/>
+                <a:latin typeface="Consolas" panose="020B0609020204030204" pitchFamily="49" charset="0"/>
+              </a:rPr>
+              <a:t> </a:t>
+            </a:r>
+            <a:r>
+              <a:rPr kumimoji="0" lang="ru-RU" altLang="ru-RU" sz="1400" b="0" i="0" u="none" strike="noStrike" cap="none" normalizeH="0" baseline="0" dirty="0" err="1" smtClean="0">
+                <a:ln>
+                  <a:noFill/>
+                </a:ln>
+                <a:solidFill>
+                  <a:srgbClr val="2B91AF"/>
+                </a:solidFill>
+                <a:effectLst/>
+                <a:latin typeface="Consolas" panose="020B0609020204030204" pitchFamily="49" charset="0"/>
+              </a:rPr>
+              <a:t>AppBuilder</a:t>
+            </a:r>
+            <a:r>
+              <a:rPr kumimoji="0" lang="ru-RU" altLang="ru-RU" sz="1400" b="0" i="0" u="none" strike="noStrike" cap="none" normalizeH="0" baseline="0" dirty="0" smtClean="0">
+                <a:ln>
+                  <a:noFill/>
+                </a:ln>
+                <a:solidFill>
+                  <a:srgbClr val="000000"/>
+                </a:solidFill>
+                <a:effectLst/>
+                <a:latin typeface="Consolas" panose="020B0609020204030204" pitchFamily="49" charset="0"/>
+              </a:rPr>
+              <a:t> </a:t>
+            </a:r>
+            <a:r>
+              <a:rPr kumimoji="0" lang="ru-RU" altLang="ru-RU" sz="1400" b="0" i="0" u="none" strike="noStrike" cap="none" normalizeH="0" baseline="0" dirty="0" err="1" smtClean="0">
+                <a:ln>
+                  <a:noFill/>
+                </a:ln>
+                <a:solidFill>
+                  <a:srgbClr val="74531F"/>
+                </a:solidFill>
+                <a:effectLst/>
+                <a:latin typeface="Consolas" panose="020B0609020204030204" pitchFamily="49" charset="0"/>
+              </a:rPr>
+              <a:t>BuildAvaloniaApp</a:t>
+            </a:r>
+            <a:r>
+              <a:rPr kumimoji="0" lang="ru-RU" altLang="ru-RU" sz="1400" b="0" i="0" u="none" strike="noStrike" cap="none" normalizeH="0" baseline="0" dirty="0" smtClean="0">
+                <a:ln>
+                  <a:noFill/>
+                </a:ln>
+                <a:solidFill>
+                  <a:srgbClr val="000000"/>
+                </a:solidFill>
+                <a:effectLst/>
+                <a:latin typeface="Consolas" panose="020B0609020204030204" pitchFamily="49" charset="0"/>
+              </a:rPr>
+              <a:t>()</a:t>
+            </a:r>
+            <a:br>
+              <a:rPr kumimoji="0" lang="ru-RU" altLang="ru-RU" sz="1400" b="0" i="0" u="none" strike="noStrike" cap="none" normalizeH="0" baseline="0" dirty="0" smtClean="0">
+                <a:ln>
+                  <a:noFill/>
+                </a:ln>
+                <a:solidFill>
+                  <a:srgbClr val="000000"/>
+                </a:solidFill>
+                <a:effectLst/>
+                <a:latin typeface="Consolas" panose="020B0609020204030204" pitchFamily="49" charset="0"/>
+              </a:rPr>
+            </a:br>
+            <a:r>
+              <a:rPr kumimoji="0" lang="ru-RU" altLang="ru-RU" sz="1400" b="0" i="0" u="none" strike="noStrike" cap="none" normalizeH="0" baseline="0" dirty="0" smtClean="0">
+                <a:ln>
+                  <a:noFill/>
+                </a:ln>
+                <a:solidFill>
+                  <a:srgbClr val="000000"/>
+                </a:solidFill>
+                <a:effectLst/>
+                <a:latin typeface="Consolas" panose="020B0609020204030204" pitchFamily="49" charset="0"/>
+              </a:rPr>
+              <a:t>        =&gt; </a:t>
+            </a:r>
+            <a:r>
+              <a:rPr kumimoji="0" lang="ru-RU" altLang="ru-RU" sz="1400" b="0" i="0" u="none" strike="noStrike" cap="none" normalizeH="0" baseline="0" dirty="0" err="1" smtClean="0">
+                <a:ln>
+                  <a:noFill/>
+                </a:ln>
+                <a:solidFill>
+                  <a:srgbClr val="2B91AF"/>
+                </a:solidFill>
+                <a:effectLst/>
+                <a:latin typeface="Consolas" panose="020B0609020204030204" pitchFamily="49" charset="0"/>
+              </a:rPr>
+              <a:t>AppBuilder</a:t>
+            </a:r>
+            <a:r>
+              <a:rPr kumimoji="0" lang="ru-RU" altLang="ru-RU" sz="1400" b="0" i="0" u="none" strike="noStrike" cap="none" normalizeH="0" baseline="0" dirty="0" err="1" smtClean="0">
+                <a:ln>
+                  <a:noFill/>
+                </a:ln>
+                <a:solidFill>
+                  <a:srgbClr val="000000"/>
+                </a:solidFill>
+                <a:effectLst/>
+                <a:latin typeface="Consolas" panose="020B0609020204030204" pitchFamily="49" charset="0"/>
+              </a:rPr>
+              <a:t>.</a:t>
+            </a:r>
+            <a:r>
+              <a:rPr kumimoji="0" lang="ru-RU" altLang="ru-RU" sz="1400" b="0" i="0" u="none" strike="noStrike" cap="none" normalizeH="0" baseline="0" dirty="0" err="1" smtClean="0">
+                <a:ln>
+                  <a:noFill/>
+                </a:ln>
+                <a:solidFill>
+                  <a:srgbClr val="74531F"/>
+                </a:solidFill>
+                <a:effectLst/>
+                <a:latin typeface="Consolas" panose="020B0609020204030204" pitchFamily="49" charset="0"/>
+              </a:rPr>
+              <a:t>Configure</a:t>
+            </a:r>
+            <a:r>
+              <a:rPr kumimoji="0" lang="ru-RU" altLang="ru-RU" sz="1400" b="0" i="0" u="none" strike="noStrike" cap="none" normalizeH="0" baseline="0" dirty="0" smtClean="0">
+                <a:ln>
+                  <a:noFill/>
+                </a:ln>
+                <a:solidFill>
+                  <a:srgbClr val="000000"/>
+                </a:solidFill>
+                <a:effectLst/>
+                <a:latin typeface="Consolas" panose="020B0609020204030204" pitchFamily="49" charset="0"/>
+              </a:rPr>
+              <a:t>&lt;</a:t>
+            </a:r>
+            <a:r>
+              <a:rPr kumimoji="0" lang="ru-RU" altLang="ru-RU" sz="1400" b="0" i="0" u="none" strike="noStrike" cap="none" normalizeH="0" baseline="0" dirty="0" err="1" smtClean="0">
+                <a:ln>
+                  <a:noFill/>
+                </a:ln>
+                <a:solidFill>
+                  <a:srgbClr val="2B91AF"/>
+                </a:solidFill>
+                <a:effectLst/>
+                <a:latin typeface="Consolas" panose="020B0609020204030204" pitchFamily="49" charset="0"/>
+              </a:rPr>
+              <a:t>App</a:t>
+            </a:r>
+            <a:r>
+              <a:rPr kumimoji="0" lang="ru-RU" altLang="ru-RU" sz="1400" b="0" i="0" u="none" strike="noStrike" cap="none" normalizeH="0" baseline="0" dirty="0" smtClean="0">
+                <a:ln>
+                  <a:noFill/>
+                </a:ln>
+                <a:solidFill>
+                  <a:srgbClr val="000000"/>
+                </a:solidFill>
+                <a:effectLst/>
+                <a:latin typeface="Consolas" panose="020B0609020204030204" pitchFamily="49" charset="0"/>
+              </a:rPr>
+              <a:t>&gt;()</a:t>
+            </a:r>
+            <a:br>
+              <a:rPr kumimoji="0" lang="ru-RU" altLang="ru-RU" sz="1400" b="0" i="0" u="none" strike="noStrike" cap="none" normalizeH="0" baseline="0" dirty="0" smtClean="0">
+                <a:ln>
+                  <a:noFill/>
+                </a:ln>
+                <a:solidFill>
+                  <a:srgbClr val="000000"/>
+                </a:solidFill>
+                <a:effectLst/>
+                <a:latin typeface="Consolas" panose="020B0609020204030204" pitchFamily="49" charset="0"/>
+              </a:rPr>
+            </a:br>
+            <a:r>
+              <a:rPr kumimoji="0" lang="ru-RU" altLang="ru-RU" sz="1400" b="0" i="0" u="none" strike="noStrike" cap="none" normalizeH="0" baseline="0" dirty="0" smtClean="0">
+                <a:ln>
+                  <a:noFill/>
+                </a:ln>
+                <a:solidFill>
+                  <a:srgbClr val="000000"/>
+                </a:solidFill>
+                <a:effectLst/>
+                <a:latin typeface="Consolas" panose="020B0609020204030204" pitchFamily="49" charset="0"/>
+              </a:rPr>
+              <a:t>            .</a:t>
+            </a:r>
+            <a:r>
+              <a:rPr kumimoji="0" lang="ru-RU" altLang="ru-RU" sz="1400" b="0" i="0" u="none" strike="noStrike" cap="none" normalizeH="0" baseline="0" dirty="0" err="1" smtClean="0">
+                <a:ln>
+                  <a:noFill/>
+                </a:ln>
+                <a:solidFill>
+                  <a:srgbClr val="74531F"/>
+                </a:solidFill>
+                <a:effectLst/>
+                <a:latin typeface="Consolas" panose="020B0609020204030204" pitchFamily="49" charset="0"/>
+              </a:rPr>
+              <a:t>UseDataGrid</a:t>
+            </a:r>
+            <a:r>
+              <a:rPr kumimoji="0" lang="ru-RU" altLang="ru-RU" sz="1400" b="0" i="0" u="none" strike="noStrike" cap="none" normalizeH="0" baseline="0" dirty="0" smtClean="0">
+                <a:ln>
+                  <a:noFill/>
+                </a:ln>
+                <a:solidFill>
+                  <a:srgbClr val="000000"/>
+                </a:solidFill>
+                <a:effectLst/>
+                <a:latin typeface="Consolas" panose="020B0609020204030204" pitchFamily="49" charset="0"/>
+              </a:rPr>
+              <a:t>()</a:t>
+            </a:r>
+            <a:br>
+              <a:rPr kumimoji="0" lang="ru-RU" altLang="ru-RU" sz="1400" b="0" i="0" u="none" strike="noStrike" cap="none" normalizeH="0" baseline="0" dirty="0" smtClean="0">
+                <a:ln>
+                  <a:noFill/>
+                </a:ln>
+                <a:solidFill>
+                  <a:srgbClr val="000000"/>
+                </a:solidFill>
+                <a:effectLst/>
+                <a:latin typeface="Consolas" panose="020B0609020204030204" pitchFamily="49" charset="0"/>
+              </a:rPr>
+            </a:br>
+            <a:r>
+              <a:rPr kumimoji="0" lang="ru-RU" altLang="ru-RU" sz="1400" b="0" i="0" u="none" strike="noStrike" cap="none" normalizeH="0" baseline="0" dirty="0" smtClean="0">
+                <a:ln>
+                  <a:noFill/>
+                </a:ln>
+                <a:solidFill>
+                  <a:srgbClr val="000000"/>
+                </a:solidFill>
+                <a:effectLst/>
+                <a:latin typeface="Consolas" panose="020B0609020204030204" pitchFamily="49" charset="0"/>
+              </a:rPr>
+              <a:t>            .</a:t>
+            </a:r>
+            <a:r>
+              <a:rPr kumimoji="0" lang="ru-RU" altLang="ru-RU" sz="1400" b="0" i="0" u="none" strike="noStrike" cap="none" normalizeH="0" baseline="0" dirty="0" err="1" smtClean="0">
+                <a:ln>
+                  <a:noFill/>
+                </a:ln>
+                <a:solidFill>
+                  <a:srgbClr val="74531F"/>
+                </a:solidFill>
+                <a:effectLst/>
+                <a:latin typeface="Consolas" panose="020B0609020204030204" pitchFamily="49" charset="0"/>
+              </a:rPr>
+              <a:t>UsePlatformDetect</a:t>
+            </a:r>
+            <a:r>
+              <a:rPr kumimoji="0" lang="ru-RU" altLang="ru-RU" sz="1400" b="0" i="0" u="none" strike="noStrike" cap="none" normalizeH="0" baseline="0" dirty="0" smtClean="0">
+                <a:ln>
+                  <a:noFill/>
+                </a:ln>
+                <a:solidFill>
+                  <a:srgbClr val="000000"/>
+                </a:solidFill>
+                <a:effectLst/>
+                <a:latin typeface="Consolas" panose="020B0609020204030204" pitchFamily="49" charset="0"/>
+              </a:rPr>
+              <a:t>()</a:t>
+            </a:r>
+            <a:br>
+              <a:rPr kumimoji="0" lang="ru-RU" altLang="ru-RU" sz="1400" b="0" i="0" u="none" strike="noStrike" cap="none" normalizeH="0" baseline="0" dirty="0" smtClean="0">
+                <a:ln>
+                  <a:noFill/>
+                </a:ln>
+                <a:solidFill>
+                  <a:srgbClr val="000000"/>
+                </a:solidFill>
+                <a:effectLst/>
+                <a:latin typeface="Consolas" panose="020B0609020204030204" pitchFamily="49" charset="0"/>
+              </a:rPr>
+            </a:br>
+            <a:r>
+              <a:rPr kumimoji="0" lang="ru-RU" altLang="ru-RU" sz="1400" b="0" i="0" u="none" strike="noStrike" cap="none" normalizeH="0" baseline="0" dirty="0" smtClean="0">
+                <a:ln>
+                  <a:noFill/>
+                </a:ln>
+                <a:solidFill>
+                  <a:srgbClr val="000000"/>
+                </a:solidFill>
+                <a:effectLst/>
+                <a:latin typeface="Consolas" panose="020B0609020204030204" pitchFamily="49" charset="0"/>
+              </a:rPr>
+              <a:t>            .</a:t>
+            </a:r>
+            <a:r>
+              <a:rPr kumimoji="0" lang="ru-RU" altLang="ru-RU" sz="1400" b="0" i="0" u="none" strike="noStrike" cap="none" normalizeH="0" baseline="0" dirty="0" err="1" smtClean="0">
+                <a:ln>
+                  <a:noFill/>
+                </a:ln>
+                <a:solidFill>
+                  <a:srgbClr val="74531F"/>
+                </a:solidFill>
+                <a:effectLst/>
+                <a:latin typeface="Consolas" panose="020B0609020204030204" pitchFamily="49" charset="0"/>
+              </a:rPr>
+              <a:t>LogToDebug</a:t>
+            </a:r>
+            <a:r>
+              <a:rPr kumimoji="0" lang="ru-RU" altLang="ru-RU" sz="1400" b="0" i="0" u="none" strike="noStrike" cap="none" normalizeH="0" baseline="0" dirty="0" smtClean="0">
+                <a:ln>
+                  <a:noFill/>
+                </a:ln>
+                <a:solidFill>
+                  <a:srgbClr val="000000"/>
+                </a:solidFill>
+                <a:effectLst/>
+                <a:latin typeface="Consolas" panose="020B0609020204030204" pitchFamily="49" charset="0"/>
+              </a:rPr>
+              <a:t>();</a:t>
+            </a:r>
+            <a:br>
+              <a:rPr kumimoji="0" lang="ru-RU" altLang="ru-RU" sz="1400" b="0" i="0" u="none" strike="noStrike" cap="none" normalizeH="0" baseline="0" dirty="0" smtClean="0">
+                <a:ln>
+                  <a:noFill/>
+                </a:ln>
+                <a:solidFill>
+                  <a:srgbClr val="000000"/>
+                </a:solidFill>
+                <a:effectLst/>
+                <a:latin typeface="Consolas" panose="020B0609020204030204" pitchFamily="49" charset="0"/>
+              </a:rPr>
+            </a:br>
+            <a:r>
+              <a:rPr kumimoji="0" lang="ru-RU" altLang="ru-RU" sz="1400" b="0" i="0" u="none" strike="noStrike" cap="none" normalizeH="0" baseline="0" dirty="0" smtClean="0">
+                <a:ln>
+                  <a:noFill/>
+                </a:ln>
+                <a:solidFill>
+                  <a:srgbClr val="000000"/>
+                </a:solidFill>
+                <a:effectLst/>
+                <a:latin typeface="Consolas" panose="020B0609020204030204" pitchFamily="49" charset="0"/>
+              </a:rPr>
+              <a:t/>
+            </a:r>
+            <a:br>
+              <a:rPr kumimoji="0" lang="ru-RU" altLang="ru-RU" sz="1400" b="0" i="0" u="none" strike="noStrike" cap="none" normalizeH="0" baseline="0" dirty="0" smtClean="0">
+                <a:ln>
+                  <a:noFill/>
+                </a:ln>
+                <a:solidFill>
+                  <a:srgbClr val="000000"/>
+                </a:solidFill>
+                <a:effectLst/>
+                <a:latin typeface="Consolas" panose="020B0609020204030204" pitchFamily="49" charset="0"/>
+              </a:rPr>
+            </a:br>
+            <a:r>
+              <a:rPr kumimoji="0" lang="ru-RU" altLang="ru-RU" sz="1400" b="0" i="0" u="none" strike="noStrike" cap="none" normalizeH="0" baseline="0" dirty="0" smtClean="0">
+                <a:ln>
+                  <a:noFill/>
+                </a:ln>
+                <a:solidFill>
+                  <a:srgbClr val="000000"/>
+                </a:solidFill>
+                <a:effectLst/>
+                <a:latin typeface="Consolas" panose="020B0609020204030204" pitchFamily="49" charset="0"/>
+              </a:rPr>
+              <a:t>    </a:t>
+            </a:r>
+            <a:r>
+              <a:rPr kumimoji="0" lang="ru-RU" altLang="ru-RU" sz="1400" b="0" i="0" u="none" strike="noStrike" cap="none" normalizeH="0" baseline="0" dirty="0" err="1" smtClean="0">
+                <a:ln>
+                  <a:noFill/>
+                </a:ln>
+                <a:solidFill>
+                  <a:srgbClr val="0000FF"/>
+                </a:solidFill>
+                <a:effectLst/>
+                <a:latin typeface="Consolas" panose="020B0609020204030204" pitchFamily="49" charset="0"/>
+              </a:rPr>
+              <a:t>private</a:t>
+            </a:r>
+            <a:r>
+              <a:rPr kumimoji="0" lang="ru-RU" altLang="ru-RU" sz="1400" b="0" i="0" u="none" strike="noStrike" cap="none" normalizeH="0" baseline="0" dirty="0" smtClean="0">
+                <a:ln>
+                  <a:noFill/>
+                </a:ln>
+                <a:solidFill>
+                  <a:srgbClr val="000000"/>
+                </a:solidFill>
+                <a:effectLst/>
+                <a:latin typeface="Consolas" panose="020B0609020204030204" pitchFamily="49" charset="0"/>
+              </a:rPr>
+              <a:t> </a:t>
+            </a:r>
+            <a:r>
+              <a:rPr kumimoji="0" lang="ru-RU" altLang="ru-RU" sz="1400" b="0" i="0" u="none" strike="noStrike" cap="none" normalizeH="0" baseline="0" dirty="0" err="1" smtClean="0">
+                <a:ln>
+                  <a:noFill/>
+                </a:ln>
+                <a:solidFill>
+                  <a:srgbClr val="0000FF"/>
+                </a:solidFill>
+                <a:effectLst/>
+                <a:latin typeface="Consolas" panose="020B0609020204030204" pitchFamily="49" charset="0"/>
+              </a:rPr>
+              <a:t>static</a:t>
+            </a:r>
+            <a:r>
+              <a:rPr kumimoji="0" lang="ru-RU" altLang="ru-RU" sz="1400" b="0" i="0" u="none" strike="noStrike" cap="none" normalizeH="0" baseline="0" dirty="0" smtClean="0">
+                <a:ln>
+                  <a:noFill/>
+                </a:ln>
+                <a:solidFill>
+                  <a:srgbClr val="000000"/>
+                </a:solidFill>
+                <a:effectLst/>
+                <a:latin typeface="Consolas" panose="020B0609020204030204" pitchFamily="49" charset="0"/>
+              </a:rPr>
+              <a:t> </a:t>
+            </a:r>
+            <a:r>
+              <a:rPr kumimoji="0" lang="ru-RU" altLang="ru-RU" sz="1400" b="0" i="0" u="none" strike="noStrike" cap="none" normalizeH="0" baseline="0" dirty="0" err="1" smtClean="0">
+                <a:ln>
+                  <a:noFill/>
+                </a:ln>
+                <a:solidFill>
+                  <a:srgbClr val="0000FF"/>
+                </a:solidFill>
+                <a:effectLst/>
+                <a:latin typeface="Consolas" panose="020B0609020204030204" pitchFamily="49" charset="0"/>
+              </a:rPr>
+              <a:t>void</a:t>
+            </a:r>
+            <a:r>
+              <a:rPr kumimoji="0" lang="ru-RU" altLang="ru-RU" sz="1400" b="0" i="0" u="none" strike="noStrike" cap="none" normalizeH="0" baseline="0" dirty="0" smtClean="0">
+                <a:ln>
+                  <a:noFill/>
+                </a:ln>
+                <a:solidFill>
+                  <a:srgbClr val="000000"/>
+                </a:solidFill>
+                <a:effectLst/>
+                <a:latin typeface="Consolas" panose="020B0609020204030204" pitchFamily="49" charset="0"/>
+              </a:rPr>
+              <a:t> </a:t>
+            </a:r>
+            <a:r>
+              <a:rPr kumimoji="0" lang="ru-RU" altLang="ru-RU" sz="1400" b="0" i="0" u="none" strike="noStrike" cap="none" normalizeH="0" baseline="0" dirty="0" err="1" smtClean="0">
+                <a:ln>
+                  <a:noFill/>
+                </a:ln>
+                <a:solidFill>
+                  <a:srgbClr val="74531F"/>
+                </a:solidFill>
+                <a:effectLst/>
+                <a:latin typeface="Consolas" panose="020B0609020204030204" pitchFamily="49" charset="0"/>
+              </a:rPr>
+              <a:t>AppMain</a:t>
+            </a:r>
+            <a:r>
+              <a:rPr kumimoji="0" lang="ru-RU" altLang="ru-RU" sz="1400" b="0" i="0" u="none" strike="noStrike" cap="none" normalizeH="0" baseline="0" dirty="0" smtClean="0">
+                <a:ln>
+                  <a:noFill/>
+                </a:ln>
+                <a:solidFill>
+                  <a:srgbClr val="000000"/>
+                </a:solidFill>
+                <a:effectLst/>
+                <a:latin typeface="Consolas" panose="020B0609020204030204" pitchFamily="49" charset="0"/>
+              </a:rPr>
+              <a:t>(</a:t>
+            </a:r>
+            <a:r>
+              <a:rPr kumimoji="0" lang="ru-RU" altLang="ru-RU" sz="1400" b="0" i="0" u="none" strike="noStrike" cap="none" normalizeH="0" baseline="0" dirty="0" err="1" smtClean="0">
+                <a:ln>
+                  <a:noFill/>
+                </a:ln>
+                <a:solidFill>
+                  <a:srgbClr val="2B91AF"/>
+                </a:solidFill>
+                <a:effectLst/>
+                <a:latin typeface="Consolas" panose="020B0609020204030204" pitchFamily="49" charset="0"/>
+              </a:rPr>
+              <a:t>Application</a:t>
+            </a:r>
+            <a:r>
+              <a:rPr kumimoji="0" lang="ru-RU" altLang="ru-RU" sz="1400" b="0" i="0" u="none" strike="noStrike" cap="none" normalizeH="0" baseline="0" dirty="0" smtClean="0">
+                <a:ln>
+                  <a:noFill/>
+                </a:ln>
+                <a:solidFill>
+                  <a:srgbClr val="000000"/>
+                </a:solidFill>
+                <a:effectLst/>
+                <a:latin typeface="Consolas" panose="020B0609020204030204" pitchFamily="49" charset="0"/>
+              </a:rPr>
+              <a:t> </a:t>
+            </a:r>
+            <a:r>
+              <a:rPr kumimoji="0" lang="ru-RU" altLang="ru-RU" sz="1400" b="0" i="0" u="none" strike="noStrike" cap="none" normalizeH="0" baseline="0" dirty="0" err="1" smtClean="0">
+                <a:ln>
+                  <a:noFill/>
+                </a:ln>
+                <a:solidFill>
+                  <a:srgbClr val="1F377F"/>
+                </a:solidFill>
+                <a:effectLst/>
+                <a:latin typeface="Consolas" panose="020B0609020204030204" pitchFamily="49" charset="0"/>
+              </a:rPr>
+              <a:t>app</a:t>
+            </a:r>
+            <a:r>
+              <a:rPr kumimoji="0" lang="ru-RU" altLang="ru-RU" sz="1400" b="0" i="0" u="none" strike="noStrike" cap="none" normalizeH="0" baseline="0" dirty="0" smtClean="0">
+                <a:ln>
+                  <a:noFill/>
+                </a:ln>
+                <a:solidFill>
+                  <a:srgbClr val="000000"/>
+                </a:solidFill>
+                <a:effectLst/>
+                <a:latin typeface="Consolas" panose="020B0609020204030204" pitchFamily="49" charset="0"/>
+              </a:rPr>
+              <a:t>, </a:t>
+            </a:r>
+            <a:r>
+              <a:rPr kumimoji="0" lang="ru-RU" altLang="ru-RU" sz="1400" b="0" i="0" u="none" strike="noStrike" cap="none" normalizeH="0" baseline="0" dirty="0" err="1" smtClean="0">
+                <a:ln>
+                  <a:noFill/>
+                </a:ln>
+                <a:solidFill>
+                  <a:srgbClr val="0000FF"/>
+                </a:solidFill>
+                <a:effectLst/>
+                <a:latin typeface="Consolas" panose="020B0609020204030204" pitchFamily="49" charset="0"/>
+              </a:rPr>
+              <a:t>string</a:t>
+            </a:r>
+            <a:r>
+              <a:rPr kumimoji="0" lang="ru-RU" altLang="ru-RU" sz="1400" b="0" i="0" u="none" strike="noStrike" cap="none" normalizeH="0" baseline="0" dirty="0" smtClean="0">
+                <a:ln>
+                  <a:noFill/>
+                </a:ln>
+                <a:solidFill>
+                  <a:srgbClr val="000000"/>
+                </a:solidFill>
+                <a:effectLst/>
+                <a:latin typeface="Consolas" panose="020B0609020204030204" pitchFamily="49" charset="0"/>
+              </a:rPr>
+              <a:t>[] </a:t>
+            </a:r>
+            <a:r>
+              <a:rPr kumimoji="0" lang="ru-RU" altLang="ru-RU" sz="1400" b="0" i="0" u="none" strike="noStrike" cap="none" normalizeH="0" baseline="0" dirty="0" err="1" smtClean="0">
+                <a:ln>
+                  <a:noFill/>
+                </a:ln>
+                <a:solidFill>
+                  <a:srgbClr val="1F377F"/>
+                </a:solidFill>
+                <a:effectLst/>
+                <a:latin typeface="Consolas" panose="020B0609020204030204" pitchFamily="49" charset="0"/>
+              </a:rPr>
+              <a:t>args</a:t>
+            </a:r>
+            <a:r>
+              <a:rPr kumimoji="0" lang="ru-RU" altLang="ru-RU" sz="1400" b="0" i="0" u="none" strike="noStrike" cap="none" normalizeH="0" baseline="0" dirty="0" smtClean="0">
+                <a:ln>
+                  <a:noFill/>
+                </a:ln>
+                <a:solidFill>
+                  <a:srgbClr val="000000"/>
+                </a:solidFill>
+                <a:effectLst/>
+                <a:latin typeface="Consolas" panose="020B0609020204030204" pitchFamily="49" charset="0"/>
+              </a:rPr>
+              <a:t>)</a:t>
+            </a:r>
+            <a:br>
+              <a:rPr kumimoji="0" lang="ru-RU" altLang="ru-RU" sz="1400" b="0" i="0" u="none" strike="noStrike" cap="none" normalizeH="0" baseline="0" dirty="0" smtClean="0">
+                <a:ln>
+                  <a:noFill/>
+                </a:ln>
+                <a:solidFill>
+                  <a:srgbClr val="000000"/>
+                </a:solidFill>
+                <a:effectLst/>
+                <a:latin typeface="Consolas" panose="020B0609020204030204" pitchFamily="49" charset="0"/>
+              </a:rPr>
+            </a:br>
+            <a:r>
+              <a:rPr kumimoji="0" lang="ru-RU" altLang="ru-RU" sz="1400" b="0" i="0" u="none" strike="noStrike" cap="none" normalizeH="0" baseline="0" dirty="0" smtClean="0">
+                <a:ln>
+                  <a:noFill/>
+                </a:ln>
+                <a:solidFill>
+                  <a:srgbClr val="000000"/>
+                </a:solidFill>
+                <a:effectLst/>
+                <a:latin typeface="Consolas" panose="020B0609020204030204" pitchFamily="49" charset="0"/>
+              </a:rPr>
+              <a:t>    {</a:t>
+            </a:r>
+            <a:br>
+              <a:rPr kumimoji="0" lang="ru-RU" altLang="ru-RU" sz="1400" b="0" i="0" u="none" strike="noStrike" cap="none" normalizeH="0" baseline="0" dirty="0" smtClean="0">
+                <a:ln>
+                  <a:noFill/>
+                </a:ln>
+                <a:solidFill>
+                  <a:srgbClr val="000000"/>
+                </a:solidFill>
+                <a:effectLst/>
+                <a:latin typeface="Consolas" panose="020B0609020204030204" pitchFamily="49" charset="0"/>
+              </a:rPr>
+            </a:br>
+            <a:r>
+              <a:rPr kumimoji="0" lang="ru-RU" altLang="ru-RU" sz="1400" b="0" i="0" u="none" strike="noStrike" cap="none" normalizeH="0" baseline="0" dirty="0" smtClean="0">
+                <a:ln>
+                  <a:noFill/>
+                </a:ln>
+                <a:solidFill>
+                  <a:srgbClr val="000000"/>
+                </a:solidFill>
+                <a:effectLst/>
+                <a:latin typeface="Consolas" panose="020B0609020204030204" pitchFamily="49" charset="0"/>
+              </a:rPr>
+              <a:t>        </a:t>
+            </a:r>
+            <a:r>
+              <a:rPr kumimoji="0" lang="ru-RU" altLang="ru-RU" sz="1400" b="0" i="0" u="none" strike="noStrike" cap="none" normalizeH="0" baseline="0" dirty="0" err="1" smtClean="0">
+                <a:ln>
+                  <a:noFill/>
+                </a:ln>
+                <a:solidFill>
+                  <a:srgbClr val="1F377F"/>
+                </a:solidFill>
+                <a:effectLst/>
+                <a:latin typeface="Consolas" panose="020B0609020204030204" pitchFamily="49" charset="0"/>
+              </a:rPr>
+              <a:t>app</a:t>
+            </a:r>
+            <a:r>
+              <a:rPr kumimoji="0" lang="ru-RU" altLang="ru-RU" sz="1400" b="0" i="0" u="none" strike="noStrike" cap="none" normalizeH="0" baseline="0" dirty="0" err="1" smtClean="0">
+                <a:ln>
+                  <a:noFill/>
+                </a:ln>
+                <a:solidFill>
+                  <a:srgbClr val="000000"/>
+                </a:solidFill>
+                <a:effectLst/>
+                <a:latin typeface="Consolas" panose="020B0609020204030204" pitchFamily="49" charset="0"/>
+              </a:rPr>
+              <a:t>.</a:t>
+            </a:r>
+            <a:r>
+              <a:rPr kumimoji="0" lang="ru-RU" altLang="ru-RU" sz="1400" b="0" i="0" u="none" strike="noStrike" cap="none" normalizeH="0" baseline="0" dirty="0" err="1" smtClean="0">
+                <a:ln>
+                  <a:noFill/>
+                </a:ln>
+                <a:solidFill>
+                  <a:srgbClr val="74531F"/>
+                </a:solidFill>
+                <a:effectLst/>
+                <a:latin typeface="Consolas" panose="020B0609020204030204" pitchFamily="49" charset="0"/>
+              </a:rPr>
+              <a:t>Run</a:t>
+            </a:r>
+            <a:r>
+              <a:rPr kumimoji="0" lang="ru-RU" altLang="ru-RU" sz="1400" b="0" i="0" u="none" strike="noStrike" cap="none" normalizeH="0" baseline="0" dirty="0" smtClean="0">
+                <a:ln>
+                  <a:noFill/>
+                </a:ln>
+                <a:solidFill>
+                  <a:srgbClr val="000000"/>
+                </a:solidFill>
+                <a:effectLst/>
+                <a:latin typeface="Consolas" panose="020B0609020204030204" pitchFamily="49" charset="0"/>
+              </a:rPr>
+              <a:t>(</a:t>
+            </a:r>
+            <a:r>
+              <a:rPr kumimoji="0" lang="ru-RU" altLang="ru-RU" sz="1400" b="0" i="0" u="none" strike="noStrike" cap="none" normalizeH="0" baseline="0" dirty="0" err="1" smtClean="0">
+                <a:ln>
+                  <a:noFill/>
+                </a:ln>
+                <a:solidFill>
+                  <a:srgbClr val="0000FF"/>
+                </a:solidFill>
+                <a:effectLst/>
+                <a:latin typeface="Consolas" panose="020B0609020204030204" pitchFamily="49" charset="0"/>
+              </a:rPr>
+              <a:t>new</a:t>
+            </a:r>
+            <a:r>
+              <a:rPr kumimoji="0" lang="ru-RU" altLang="ru-RU" sz="1400" b="0" i="0" u="none" strike="noStrike" cap="none" normalizeH="0" baseline="0" dirty="0" smtClean="0">
+                <a:ln>
+                  <a:noFill/>
+                </a:ln>
+                <a:solidFill>
+                  <a:srgbClr val="000000"/>
+                </a:solidFill>
+                <a:effectLst/>
+                <a:latin typeface="Consolas" panose="020B0609020204030204" pitchFamily="49" charset="0"/>
+              </a:rPr>
+              <a:t> </a:t>
+            </a:r>
+            <a:r>
+              <a:rPr kumimoji="0" lang="ru-RU" altLang="ru-RU" sz="1400" b="0" i="0" u="none" strike="noStrike" cap="none" normalizeH="0" baseline="0" dirty="0" err="1" smtClean="0">
+                <a:ln>
+                  <a:noFill/>
+                </a:ln>
+                <a:solidFill>
+                  <a:srgbClr val="2B91AF"/>
+                </a:solidFill>
+                <a:effectLst/>
+                <a:latin typeface="Consolas" panose="020B0609020204030204" pitchFamily="49" charset="0"/>
+              </a:rPr>
+              <a:t>MainWindow</a:t>
+            </a:r>
+            <a:r>
+              <a:rPr kumimoji="0" lang="ru-RU" altLang="ru-RU" sz="1400" b="0" i="0" u="none" strike="noStrike" cap="none" normalizeH="0" baseline="0" dirty="0" smtClean="0">
+                <a:ln>
+                  <a:noFill/>
+                </a:ln>
+                <a:solidFill>
+                  <a:srgbClr val="000000"/>
+                </a:solidFill>
+                <a:effectLst/>
+                <a:latin typeface="Consolas" panose="020B0609020204030204" pitchFamily="49" charset="0"/>
+              </a:rPr>
+              <a:t>());</a:t>
+            </a:r>
+            <a:br>
+              <a:rPr kumimoji="0" lang="ru-RU" altLang="ru-RU" sz="1400" b="0" i="0" u="none" strike="noStrike" cap="none" normalizeH="0" baseline="0" dirty="0" smtClean="0">
+                <a:ln>
+                  <a:noFill/>
+                </a:ln>
+                <a:solidFill>
+                  <a:srgbClr val="000000"/>
+                </a:solidFill>
+                <a:effectLst/>
+                <a:latin typeface="Consolas" panose="020B0609020204030204" pitchFamily="49" charset="0"/>
+              </a:rPr>
+            </a:br>
+            <a:r>
+              <a:rPr kumimoji="0" lang="ru-RU" altLang="ru-RU" sz="1400" b="0" i="0" u="none" strike="noStrike" cap="none" normalizeH="0" baseline="0" dirty="0" smtClean="0">
+                <a:ln>
+                  <a:noFill/>
+                </a:ln>
+                <a:solidFill>
+                  <a:srgbClr val="000000"/>
+                </a:solidFill>
+                <a:effectLst/>
+                <a:latin typeface="Consolas" panose="020B0609020204030204" pitchFamily="49" charset="0"/>
+              </a:rPr>
+              <a:t>    }</a:t>
+            </a:r>
+            <a:br>
+              <a:rPr kumimoji="0" lang="ru-RU" altLang="ru-RU" sz="1400" b="0" i="0" u="none" strike="noStrike" cap="none" normalizeH="0" baseline="0" dirty="0" smtClean="0">
+                <a:ln>
+                  <a:noFill/>
+                </a:ln>
+                <a:solidFill>
+                  <a:srgbClr val="000000"/>
+                </a:solidFill>
+                <a:effectLst/>
+                <a:latin typeface="Consolas" panose="020B0609020204030204" pitchFamily="49" charset="0"/>
+              </a:rPr>
+            </a:br>
+            <a:r>
+              <a:rPr kumimoji="0" lang="ru-RU" altLang="ru-RU" sz="1400" b="0" i="0" u="none" strike="noStrike" cap="none" normalizeH="0" baseline="0" dirty="0" smtClean="0">
+                <a:ln>
+                  <a:noFill/>
+                </a:ln>
+                <a:solidFill>
+                  <a:srgbClr val="000000"/>
+                </a:solidFill>
+                <a:effectLst/>
+                <a:latin typeface="Consolas" panose="020B0609020204030204" pitchFamily="49" charset="0"/>
+              </a:rPr>
+              <a:t>}</a:t>
+            </a:r>
+            <a:endParaRPr kumimoji="0" lang="ru-RU" altLang="ru-RU" sz="1800" b="0" i="0" u="none" strike="noStrike" cap="none" normalizeH="0" baseline="0" dirty="0" smtClean="0">
+              <a:ln>
+                <a:noFill/>
+              </a:ln>
+              <a:solidFill>
+                <a:schemeClr val="tx1"/>
+              </a:solidFill>
+              <a:effectLst/>
+              <a:latin typeface="Arial" panose="020B0604020202020204" pitchFamily="34" charset="0"/>
+            </a:endParaRPr>
           </a:p>
         </p:txBody>
       </p:sp>
@@ -41869,14 +46391,1672 @@
           <a:bodyPr/>
           <a:lstStyle/>
           <a:p>
-            <a:endParaRPr lang="ru-RU"/>
+            <a:r>
+              <a:rPr lang="en-US" dirty="0" smtClean="0"/>
+              <a:t>Development</a:t>
+            </a:r>
+            <a:endParaRPr lang="ru-RU" dirty="0"/>
           </a:p>
         </p:txBody>
       </p:sp>
+      <p:sp>
+        <p:nvSpPr>
+          <p:cNvPr id="3" name="TextBox 2"/>
+          <p:cNvSpPr txBox="1"/>
+          <p:nvPr/>
+        </p:nvSpPr>
+        <p:spPr>
+          <a:xfrm>
+            <a:off x="678180" y="800540"/>
+            <a:ext cx="2292615" cy="400110"/>
+          </a:xfrm>
+          <a:prstGeom prst="rect">
+            <a:avLst/>
+          </a:prstGeom>
+          <a:noFill/>
+        </p:spPr>
+        <p:txBody>
+          <a:bodyPr wrap="none" rtlCol="0">
+            <a:spAutoFit/>
+          </a:bodyPr>
+          <a:lstStyle/>
+          <a:p>
+            <a:r>
+              <a:rPr lang="en-US" sz="2000" b="1" dirty="0" smtClean="0"/>
+              <a:t>Styles == WPF + CSS</a:t>
+            </a:r>
+            <a:endParaRPr lang="ru-RU" sz="2000" b="1" dirty="0"/>
+          </a:p>
+        </p:txBody>
+      </p:sp>
+      <p:sp>
+        <p:nvSpPr>
+          <p:cNvPr id="5" name="Rectangle 2"/>
+          <p:cNvSpPr>
+            <a:spLocks noChangeArrowheads="1"/>
+          </p:cNvSpPr>
+          <p:nvPr/>
+        </p:nvSpPr>
+        <p:spPr bwMode="auto">
+          <a:xfrm>
+            <a:off x="131128" y="1345496"/>
+            <a:ext cx="4955203" cy="2246769"/>
+          </a:xfrm>
+          <a:prstGeom prst="rect">
+            <a:avLst/>
+          </a:prstGeom>
+          <a:ln/>
+        </p:spPr>
+        <p:style>
+          <a:lnRef idx="2">
+            <a:schemeClr val="accent2"/>
+          </a:lnRef>
+          <a:fillRef idx="1">
+            <a:schemeClr val="lt1"/>
+          </a:fillRef>
+          <a:effectRef idx="0">
+            <a:schemeClr val="accent2"/>
+          </a:effectRef>
+          <a:fontRef idx="minor">
+            <a:schemeClr val="dk1"/>
+          </a:fontRef>
+        </p:style>
+        <p:txBody>
+          <a:bodyPr vert="horz" wrap="none" lIns="91440" tIns="45720" rIns="91440" bIns="45720" numCol="1" anchor="ctr" anchorCtr="0" compatLnSpc="1">
+            <a:prstTxWarp prst="textNoShape">
+              <a:avLst/>
+            </a:prstTxWarp>
+            <a:spAutoFit/>
+          </a:bodyPr>
+          <a:lstStyle/>
+          <a:p>
+            <a:pPr marL="0" marR="0" lvl="0" indent="0" algn="l" defTabSz="914400" rtl="0" eaLnBrk="0" fontAlgn="base" latinLnBrk="0" hangingPunct="0">
+              <a:lnSpc>
+                <a:spcPct val="100000"/>
+              </a:lnSpc>
+              <a:spcBef>
+                <a:spcPct val="0"/>
+              </a:spcBef>
+              <a:spcAft>
+                <a:spcPct val="0"/>
+              </a:spcAft>
+              <a:buClrTx/>
+              <a:buSzTx/>
+              <a:buFontTx/>
+              <a:buNone/>
+              <a:tabLst/>
+            </a:pPr>
+            <a:r>
+              <a:rPr kumimoji="0" lang="ru-RU" altLang="ru-RU" sz="1400" b="0" i="0" u="none" strike="noStrike" cap="none" normalizeH="0" baseline="0" dirty="0" smtClean="0">
+                <a:ln>
+                  <a:noFill/>
+                </a:ln>
+                <a:solidFill>
+                  <a:srgbClr val="0000FF"/>
+                </a:solidFill>
+                <a:effectLst/>
+                <a:latin typeface="Consolas" panose="020B0609020204030204" pitchFamily="49" charset="0"/>
+              </a:rPr>
+              <a:t>&lt;</a:t>
+            </a:r>
+            <a:r>
+              <a:rPr kumimoji="0" lang="ru-RU" altLang="ru-RU" sz="1400" b="0" i="0" u="none" strike="noStrike" cap="none" normalizeH="0" baseline="0" dirty="0" err="1" smtClean="0">
+                <a:ln>
+                  <a:noFill/>
+                </a:ln>
+                <a:solidFill>
+                  <a:srgbClr val="A31515"/>
+                </a:solidFill>
+                <a:effectLst/>
+                <a:latin typeface="Consolas" panose="020B0609020204030204" pitchFamily="49" charset="0"/>
+              </a:rPr>
+              <a:t>Window.Styles</a:t>
+            </a:r>
+            <a:r>
+              <a:rPr kumimoji="0" lang="ru-RU" altLang="ru-RU" sz="1400" b="0" i="0" u="none" strike="noStrike" cap="none" normalizeH="0" baseline="0" dirty="0" smtClean="0">
+                <a:ln>
+                  <a:noFill/>
+                </a:ln>
+                <a:solidFill>
+                  <a:srgbClr val="0000FF"/>
+                </a:solidFill>
+                <a:effectLst/>
+                <a:latin typeface="Consolas" panose="020B0609020204030204" pitchFamily="49" charset="0"/>
+              </a:rPr>
+              <a:t>&gt;</a:t>
+            </a:r>
+            <a:r>
+              <a:rPr kumimoji="0" lang="ru-RU" altLang="ru-RU" sz="1400" b="0" i="0" u="none" strike="noStrike" cap="none" normalizeH="0" baseline="0" dirty="0" smtClean="0">
+                <a:ln>
+                  <a:noFill/>
+                </a:ln>
+                <a:solidFill>
+                  <a:srgbClr val="000000"/>
+                </a:solidFill>
+                <a:effectLst/>
+                <a:latin typeface="Consolas" panose="020B0609020204030204" pitchFamily="49" charset="0"/>
+              </a:rPr>
+              <a:t/>
+            </a:r>
+            <a:br>
+              <a:rPr kumimoji="0" lang="ru-RU" altLang="ru-RU" sz="1400" b="0" i="0" u="none" strike="noStrike" cap="none" normalizeH="0" baseline="0" dirty="0" smtClean="0">
+                <a:ln>
+                  <a:noFill/>
+                </a:ln>
+                <a:solidFill>
+                  <a:srgbClr val="000000"/>
+                </a:solidFill>
+                <a:effectLst/>
+                <a:latin typeface="Consolas" panose="020B0609020204030204" pitchFamily="49" charset="0"/>
+              </a:rPr>
+            </a:br>
+            <a:r>
+              <a:rPr kumimoji="0" lang="ru-RU" altLang="ru-RU" sz="1400" b="0" i="0" u="none" strike="noStrike" cap="none" normalizeH="0" baseline="0" dirty="0" smtClean="0">
+                <a:ln>
+                  <a:noFill/>
+                </a:ln>
+                <a:solidFill>
+                  <a:srgbClr val="0000FF"/>
+                </a:solidFill>
+                <a:effectLst/>
+                <a:latin typeface="Consolas" panose="020B0609020204030204" pitchFamily="49" charset="0"/>
+              </a:rPr>
+              <a:t>  &lt;</a:t>
+            </a:r>
+            <a:r>
+              <a:rPr kumimoji="0" lang="ru-RU" altLang="ru-RU" sz="1400" b="0" i="0" u="none" strike="noStrike" cap="none" normalizeH="0" baseline="0" dirty="0" err="1" smtClean="0">
+                <a:ln>
+                  <a:noFill/>
+                </a:ln>
+                <a:solidFill>
+                  <a:srgbClr val="A31515"/>
+                </a:solidFill>
+                <a:effectLst/>
+                <a:latin typeface="Consolas" panose="020B0609020204030204" pitchFamily="49" charset="0"/>
+              </a:rPr>
+              <a:t>Style</a:t>
+            </a:r>
+            <a:r>
+              <a:rPr kumimoji="0" lang="ru-RU" altLang="ru-RU" sz="1400" b="0" i="0" u="none" strike="noStrike" cap="none" normalizeH="0" baseline="0" dirty="0" smtClean="0">
+                <a:ln>
+                  <a:noFill/>
+                </a:ln>
+                <a:solidFill>
+                  <a:srgbClr val="0000FF"/>
+                </a:solidFill>
+                <a:effectLst/>
+                <a:latin typeface="Consolas" panose="020B0609020204030204" pitchFamily="49" charset="0"/>
+              </a:rPr>
+              <a:t> </a:t>
+            </a:r>
+            <a:r>
+              <a:rPr kumimoji="0" lang="ru-RU" altLang="ru-RU" sz="1400" b="0" i="0" u="none" strike="noStrike" cap="none" normalizeH="0" baseline="0" dirty="0" err="1" smtClean="0">
+                <a:ln>
+                  <a:noFill/>
+                </a:ln>
+                <a:solidFill>
+                  <a:srgbClr val="FF0000"/>
+                </a:solidFill>
+                <a:effectLst/>
+                <a:latin typeface="Consolas" panose="020B0609020204030204" pitchFamily="49" charset="0"/>
+              </a:rPr>
+              <a:t>Selector</a:t>
+            </a:r>
+            <a:r>
+              <a:rPr kumimoji="0" lang="ru-RU" altLang="ru-RU" sz="1400" b="0" i="0" u="none" strike="noStrike" cap="none" normalizeH="0" baseline="0" dirty="0" smtClean="0">
+                <a:ln>
+                  <a:noFill/>
+                </a:ln>
+                <a:solidFill>
+                  <a:srgbClr val="0000FF"/>
+                </a:solidFill>
+                <a:effectLst/>
+                <a:latin typeface="Consolas" panose="020B0609020204030204" pitchFamily="49" charset="0"/>
+              </a:rPr>
+              <a:t>=</a:t>
+            </a:r>
+            <a:r>
+              <a:rPr kumimoji="0" lang="ru-RU" altLang="ru-RU" sz="1400" b="0" i="0" u="none" strike="noStrike" cap="none" normalizeH="0" baseline="0" dirty="0" smtClean="0">
+                <a:ln>
+                  <a:noFill/>
+                </a:ln>
+                <a:solidFill>
+                  <a:srgbClr val="000000"/>
+                </a:solidFill>
+                <a:effectLst/>
+                <a:latin typeface="Consolas" panose="020B0609020204030204" pitchFamily="49" charset="0"/>
+              </a:rPr>
+              <a:t>"</a:t>
+            </a:r>
+            <a:r>
+              <a:rPr kumimoji="0" lang="ru-RU" altLang="ru-RU" sz="1400" b="0" i="0" u="none" strike="noStrike" cap="none" normalizeH="0" baseline="0" dirty="0" smtClean="0">
+                <a:ln>
+                  <a:noFill/>
+                </a:ln>
+                <a:solidFill>
+                  <a:srgbClr val="0000FF"/>
+                </a:solidFill>
+                <a:effectLst/>
+                <a:latin typeface="Consolas" panose="020B0609020204030204" pitchFamily="49" charset="0"/>
+              </a:rPr>
+              <a:t>TextBlock.h1</a:t>
+            </a:r>
+            <a:r>
+              <a:rPr kumimoji="0" lang="ru-RU" altLang="ru-RU" sz="1400" b="0" i="0" u="none" strike="noStrike" cap="none" normalizeH="0" baseline="0" dirty="0" smtClean="0">
+                <a:ln>
+                  <a:noFill/>
+                </a:ln>
+                <a:solidFill>
+                  <a:srgbClr val="000000"/>
+                </a:solidFill>
+                <a:effectLst/>
+                <a:latin typeface="Consolas" panose="020B0609020204030204" pitchFamily="49" charset="0"/>
+              </a:rPr>
+              <a:t>"</a:t>
+            </a:r>
+            <a:r>
+              <a:rPr kumimoji="0" lang="ru-RU" altLang="ru-RU" sz="1400" b="0" i="0" u="none" strike="noStrike" cap="none" normalizeH="0" baseline="0" dirty="0" smtClean="0">
+                <a:ln>
+                  <a:noFill/>
+                </a:ln>
+                <a:solidFill>
+                  <a:srgbClr val="0000FF"/>
+                </a:solidFill>
+                <a:effectLst/>
+                <a:latin typeface="Consolas" panose="020B0609020204030204" pitchFamily="49" charset="0"/>
+              </a:rPr>
+              <a:t>&gt;</a:t>
+            </a:r>
+            <a:r>
+              <a:rPr kumimoji="0" lang="ru-RU" altLang="ru-RU" sz="1400" b="0" i="0" u="none" strike="noStrike" cap="none" normalizeH="0" baseline="0" dirty="0" smtClean="0">
+                <a:ln>
+                  <a:noFill/>
+                </a:ln>
+                <a:solidFill>
+                  <a:srgbClr val="000000"/>
+                </a:solidFill>
+                <a:effectLst/>
+                <a:latin typeface="Consolas" panose="020B0609020204030204" pitchFamily="49" charset="0"/>
+              </a:rPr>
+              <a:t/>
+            </a:r>
+            <a:br>
+              <a:rPr kumimoji="0" lang="ru-RU" altLang="ru-RU" sz="1400" b="0" i="0" u="none" strike="noStrike" cap="none" normalizeH="0" baseline="0" dirty="0" smtClean="0">
+                <a:ln>
+                  <a:noFill/>
+                </a:ln>
+                <a:solidFill>
+                  <a:srgbClr val="000000"/>
+                </a:solidFill>
+                <a:effectLst/>
+                <a:latin typeface="Consolas" panose="020B0609020204030204" pitchFamily="49" charset="0"/>
+              </a:rPr>
+            </a:br>
+            <a:r>
+              <a:rPr kumimoji="0" lang="ru-RU" altLang="ru-RU" sz="1400" b="0" i="0" u="none" strike="noStrike" cap="none" normalizeH="0" baseline="0" dirty="0" smtClean="0">
+                <a:ln>
+                  <a:noFill/>
+                </a:ln>
+                <a:solidFill>
+                  <a:srgbClr val="0000FF"/>
+                </a:solidFill>
+                <a:effectLst/>
+                <a:latin typeface="Consolas" panose="020B0609020204030204" pitchFamily="49" charset="0"/>
+              </a:rPr>
+              <a:t>    &lt;</a:t>
+            </a:r>
+            <a:r>
+              <a:rPr kumimoji="0" lang="ru-RU" altLang="ru-RU" sz="1400" b="0" i="0" u="none" strike="noStrike" cap="none" normalizeH="0" baseline="0" dirty="0" err="1" smtClean="0">
+                <a:ln>
+                  <a:noFill/>
+                </a:ln>
+                <a:solidFill>
+                  <a:srgbClr val="A31515"/>
+                </a:solidFill>
+                <a:effectLst/>
+                <a:latin typeface="Consolas" panose="020B0609020204030204" pitchFamily="49" charset="0"/>
+              </a:rPr>
+              <a:t>Setter</a:t>
+            </a:r>
+            <a:r>
+              <a:rPr kumimoji="0" lang="ru-RU" altLang="ru-RU" sz="1400" b="0" i="0" u="none" strike="noStrike" cap="none" normalizeH="0" baseline="0" dirty="0" smtClean="0">
+                <a:ln>
+                  <a:noFill/>
+                </a:ln>
+                <a:solidFill>
+                  <a:srgbClr val="0000FF"/>
+                </a:solidFill>
+                <a:effectLst/>
+                <a:latin typeface="Consolas" panose="020B0609020204030204" pitchFamily="49" charset="0"/>
+              </a:rPr>
+              <a:t> </a:t>
+            </a:r>
+            <a:r>
+              <a:rPr kumimoji="0" lang="ru-RU" altLang="ru-RU" sz="1400" b="0" i="0" u="none" strike="noStrike" cap="none" normalizeH="0" baseline="0" dirty="0" err="1" smtClean="0">
+                <a:ln>
+                  <a:noFill/>
+                </a:ln>
+                <a:solidFill>
+                  <a:srgbClr val="FF0000"/>
+                </a:solidFill>
+                <a:effectLst/>
+                <a:latin typeface="Consolas" panose="020B0609020204030204" pitchFamily="49" charset="0"/>
+              </a:rPr>
+              <a:t>Property</a:t>
+            </a:r>
+            <a:r>
+              <a:rPr kumimoji="0" lang="ru-RU" altLang="ru-RU" sz="1400" b="0" i="0" u="none" strike="noStrike" cap="none" normalizeH="0" baseline="0" dirty="0" smtClean="0">
+                <a:ln>
+                  <a:noFill/>
+                </a:ln>
+                <a:solidFill>
+                  <a:srgbClr val="0000FF"/>
+                </a:solidFill>
+                <a:effectLst/>
+                <a:latin typeface="Consolas" panose="020B0609020204030204" pitchFamily="49" charset="0"/>
+              </a:rPr>
+              <a:t>=</a:t>
+            </a:r>
+            <a:r>
+              <a:rPr kumimoji="0" lang="ru-RU" altLang="ru-RU" sz="1400" b="0" i="0" u="none" strike="noStrike" cap="none" normalizeH="0" baseline="0" dirty="0" smtClean="0">
+                <a:ln>
+                  <a:noFill/>
+                </a:ln>
+                <a:solidFill>
+                  <a:srgbClr val="000000"/>
+                </a:solidFill>
+                <a:effectLst/>
+                <a:latin typeface="Consolas" panose="020B0609020204030204" pitchFamily="49" charset="0"/>
+              </a:rPr>
+              <a:t>"</a:t>
+            </a:r>
+            <a:r>
+              <a:rPr kumimoji="0" lang="ru-RU" altLang="ru-RU" sz="1400" b="0" i="0" u="none" strike="noStrike" cap="none" normalizeH="0" baseline="0" dirty="0" err="1" smtClean="0">
+                <a:ln>
+                  <a:noFill/>
+                </a:ln>
+                <a:solidFill>
+                  <a:srgbClr val="0000FF"/>
+                </a:solidFill>
+                <a:effectLst/>
+                <a:latin typeface="Consolas" panose="020B0609020204030204" pitchFamily="49" charset="0"/>
+              </a:rPr>
+              <a:t>FontSize</a:t>
+            </a:r>
+            <a:r>
+              <a:rPr kumimoji="0" lang="ru-RU" altLang="ru-RU" sz="1400" b="0" i="0" u="none" strike="noStrike" cap="none" normalizeH="0" baseline="0" dirty="0" smtClean="0">
+                <a:ln>
+                  <a:noFill/>
+                </a:ln>
+                <a:solidFill>
+                  <a:srgbClr val="000000"/>
+                </a:solidFill>
+                <a:effectLst/>
+                <a:latin typeface="Consolas" panose="020B0609020204030204" pitchFamily="49" charset="0"/>
+              </a:rPr>
+              <a:t>"</a:t>
+            </a:r>
+            <a:r>
+              <a:rPr kumimoji="0" lang="ru-RU" altLang="ru-RU" sz="1400" b="0" i="0" u="none" strike="noStrike" cap="none" normalizeH="0" baseline="0" dirty="0" smtClean="0">
+                <a:ln>
+                  <a:noFill/>
+                </a:ln>
+                <a:solidFill>
+                  <a:srgbClr val="0000FF"/>
+                </a:solidFill>
+                <a:effectLst/>
+                <a:latin typeface="Consolas" panose="020B0609020204030204" pitchFamily="49" charset="0"/>
+              </a:rPr>
+              <a:t> </a:t>
+            </a:r>
+            <a:r>
+              <a:rPr kumimoji="0" lang="ru-RU" altLang="ru-RU" sz="1400" b="0" i="0" u="none" strike="noStrike" cap="none" normalizeH="0" baseline="0" dirty="0" err="1" smtClean="0">
+                <a:ln>
+                  <a:noFill/>
+                </a:ln>
+                <a:solidFill>
+                  <a:srgbClr val="FF0000"/>
+                </a:solidFill>
+                <a:effectLst/>
+                <a:latin typeface="Consolas" panose="020B0609020204030204" pitchFamily="49" charset="0"/>
+              </a:rPr>
+              <a:t>Value</a:t>
+            </a:r>
+            <a:r>
+              <a:rPr kumimoji="0" lang="ru-RU" altLang="ru-RU" sz="1400" b="0" i="0" u="none" strike="noStrike" cap="none" normalizeH="0" baseline="0" dirty="0" smtClean="0">
+                <a:ln>
+                  <a:noFill/>
+                </a:ln>
+                <a:solidFill>
+                  <a:srgbClr val="0000FF"/>
+                </a:solidFill>
+                <a:effectLst/>
+                <a:latin typeface="Consolas" panose="020B0609020204030204" pitchFamily="49" charset="0"/>
+              </a:rPr>
+              <a:t>=</a:t>
+            </a:r>
+            <a:r>
+              <a:rPr kumimoji="0" lang="ru-RU" altLang="ru-RU" sz="1400" b="0" i="0" u="none" strike="noStrike" cap="none" normalizeH="0" baseline="0" dirty="0" smtClean="0">
+                <a:ln>
+                  <a:noFill/>
+                </a:ln>
+                <a:solidFill>
+                  <a:srgbClr val="000000"/>
+                </a:solidFill>
+                <a:effectLst/>
+                <a:latin typeface="Consolas" panose="020B0609020204030204" pitchFamily="49" charset="0"/>
+              </a:rPr>
+              <a:t>"</a:t>
+            </a:r>
+            <a:r>
+              <a:rPr kumimoji="0" lang="ru-RU" altLang="ru-RU" sz="1400" b="0" i="0" u="none" strike="noStrike" cap="none" normalizeH="0" baseline="0" dirty="0" smtClean="0">
+                <a:ln>
+                  <a:noFill/>
+                </a:ln>
+                <a:solidFill>
+                  <a:srgbClr val="0000FF"/>
+                </a:solidFill>
+                <a:effectLst/>
+                <a:latin typeface="Consolas" panose="020B0609020204030204" pitchFamily="49" charset="0"/>
+              </a:rPr>
+              <a:t>24</a:t>
+            </a:r>
+            <a:r>
+              <a:rPr kumimoji="0" lang="ru-RU" altLang="ru-RU" sz="1400" b="0" i="0" u="none" strike="noStrike" cap="none" normalizeH="0" baseline="0" dirty="0" smtClean="0">
+                <a:ln>
+                  <a:noFill/>
+                </a:ln>
+                <a:solidFill>
+                  <a:srgbClr val="000000"/>
+                </a:solidFill>
+                <a:effectLst/>
+                <a:latin typeface="Consolas" panose="020B0609020204030204" pitchFamily="49" charset="0"/>
+              </a:rPr>
+              <a:t>"</a:t>
+            </a:r>
+            <a:r>
+              <a:rPr kumimoji="0" lang="ru-RU" altLang="ru-RU" sz="1400" b="0" i="0" u="none" strike="noStrike" cap="none" normalizeH="0" baseline="0" dirty="0" smtClean="0">
+                <a:ln>
+                  <a:noFill/>
+                </a:ln>
+                <a:solidFill>
+                  <a:srgbClr val="0000FF"/>
+                </a:solidFill>
+                <a:effectLst/>
+                <a:latin typeface="Consolas" panose="020B0609020204030204" pitchFamily="49" charset="0"/>
+              </a:rPr>
+              <a:t>/&gt;</a:t>
+            </a:r>
+            <a:r>
+              <a:rPr kumimoji="0" lang="ru-RU" altLang="ru-RU" sz="1400" b="0" i="0" u="none" strike="noStrike" cap="none" normalizeH="0" baseline="0" dirty="0" smtClean="0">
+                <a:ln>
+                  <a:noFill/>
+                </a:ln>
+                <a:solidFill>
+                  <a:srgbClr val="000000"/>
+                </a:solidFill>
+                <a:effectLst/>
+                <a:latin typeface="Consolas" panose="020B0609020204030204" pitchFamily="49" charset="0"/>
+              </a:rPr>
+              <a:t/>
+            </a:r>
+            <a:br>
+              <a:rPr kumimoji="0" lang="ru-RU" altLang="ru-RU" sz="1400" b="0" i="0" u="none" strike="noStrike" cap="none" normalizeH="0" baseline="0" dirty="0" smtClean="0">
+                <a:ln>
+                  <a:noFill/>
+                </a:ln>
+                <a:solidFill>
+                  <a:srgbClr val="000000"/>
+                </a:solidFill>
+                <a:effectLst/>
+                <a:latin typeface="Consolas" panose="020B0609020204030204" pitchFamily="49" charset="0"/>
+              </a:rPr>
+            </a:br>
+            <a:r>
+              <a:rPr kumimoji="0" lang="ru-RU" altLang="ru-RU" sz="1400" b="0" i="0" u="none" strike="noStrike" cap="none" normalizeH="0" baseline="0" dirty="0" smtClean="0">
+                <a:ln>
+                  <a:noFill/>
+                </a:ln>
+                <a:solidFill>
+                  <a:srgbClr val="0000FF"/>
+                </a:solidFill>
+                <a:effectLst/>
+                <a:latin typeface="Consolas" panose="020B0609020204030204" pitchFamily="49" charset="0"/>
+              </a:rPr>
+              <a:t>    &lt;</a:t>
+            </a:r>
+            <a:r>
+              <a:rPr kumimoji="0" lang="ru-RU" altLang="ru-RU" sz="1400" b="0" i="0" u="none" strike="noStrike" cap="none" normalizeH="0" baseline="0" dirty="0" err="1" smtClean="0">
+                <a:ln>
+                  <a:noFill/>
+                </a:ln>
+                <a:solidFill>
+                  <a:srgbClr val="A31515"/>
+                </a:solidFill>
+                <a:effectLst/>
+                <a:latin typeface="Consolas" panose="020B0609020204030204" pitchFamily="49" charset="0"/>
+              </a:rPr>
+              <a:t>Setter</a:t>
+            </a:r>
+            <a:r>
+              <a:rPr kumimoji="0" lang="ru-RU" altLang="ru-RU" sz="1400" b="0" i="0" u="none" strike="noStrike" cap="none" normalizeH="0" baseline="0" dirty="0" smtClean="0">
+                <a:ln>
+                  <a:noFill/>
+                </a:ln>
+                <a:solidFill>
+                  <a:srgbClr val="0000FF"/>
+                </a:solidFill>
+                <a:effectLst/>
+                <a:latin typeface="Consolas" panose="020B0609020204030204" pitchFamily="49" charset="0"/>
+              </a:rPr>
+              <a:t> </a:t>
+            </a:r>
+            <a:r>
+              <a:rPr kumimoji="0" lang="ru-RU" altLang="ru-RU" sz="1400" b="0" i="0" u="none" strike="noStrike" cap="none" normalizeH="0" baseline="0" dirty="0" err="1" smtClean="0">
+                <a:ln>
+                  <a:noFill/>
+                </a:ln>
+                <a:solidFill>
+                  <a:srgbClr val="FF0000"/>
+                </a:solidFill>
+                <a:effectLst/>
+                <a:latin typeface="Consolas" panose="020B0609020204030204" pitchFamily="49" charset="0"/>
+              </a:rPr>
+              <a:t>Property</a:t>
+            </a:r>
+            <a:r>
+              <a:rPr kumimoji="0" lang="ru-RU" altLang="ru-RU" sz="1400" b="0" i="0" u="none" strike="noStrike" cap="none" normalizeH="0" baseline="0" dirty="0" smtClean="0">
+                <a:ln>
+                  <a:noFill/>
+                </a:ln>
+                <a:solidFill>
+                  <a:srgbClr val="0000FF"/>
+                </a:solidFill>
+                <a:effectLst/>
+                <a:latin typeface="Consolas" panose="020B0609020204030204" pitchFamily="49" charset="0"/>
+              </a:rPr>
+              <a:t>=</a:t>
+            </a:r>
+            <a:r>
+              <a:rPr kumimoji="0" lang="ru-RU" altLang="ru-RU" sz="1400" b="0" i="0" u="none" strike="noStrike" cap="none" normalizeH="0" baseline="0" dirty="0" smtClean="0">
+                <a:ln>
+                  <a:noFill/>
+                </a:ln>
+                <a:solidFill>
+                  <a:srgbClr val="000000"/>
+                </a:solidFill>
+                <a:effectLst/>
+                <a:latin typeface="Consolas" panose="020B0609020204030204" pitchFamily="49" charset="0"/>
+              </a:rPr>
+              <a:t>"</a:t>
+            </a:r>
+            <a:r>
+              <a:rPr kumimoji="0" lang="ru-RU" altLang="ru-RU" sz="1400" b="0" i="0" u="none" strike="noStrike" cap="none" normalizeH="0" baseline="0" dirty="0" err="1" smtClean="0">
+                <a:ln>
+                  <a:noFill/>
+                </a:ln>
+                <a:solidFill>
+                  <a:srgbClr val="0000FF"/>
+                </a:solidFill>
+                <a:effectLst/>
+                <a:latin typeface="Consolas" panose="020B0609020204030204" pitchFamily="49" charset="0"/>
+              </a:rPr>
+              <a:t>FontWeight</a:t>
+            </a:r>
+            <a:r>
+              <a:rPr kumimoji="0" lang="ru-RU" altLang="ru-RU" sz="1400" b="0" i="0" u="none" strike="noStrike" cap="none" normalizeH="0" baseline="0" dirty="0" smtClean="0">
+                <a:ln>
+                  <a:noFill/>
+                </a:ln>
+                <a:solidFill>
+                  <a:srgbClr val="000000"/>
+                </a:solidFill>
+                <a:effectLst/>
+                <a:latin typeface="Consolas" panose="020B0609020204030204" pitchFamily="49" charset="0"/>
+              </a:rPr>
+              <a:t>"</a:t>
+            </a:r>
+            <a:r>
+              <a:rPr kumimoji="0" lang="ru-RU" altLang="ru-RU" sz="1400" b="0" i="0" u="none" strike="noStrike" cap="none" normalizeH="0" baseline="0" dirty="0" smtClean="0">
+                <a:ln>
+                  <a:noFill/>
+                </a:ln>
+                <a:solidFill>
+                  <a:srgbClr val="0000FF"/>
+                </a:solidFill>
+                <a:effectLst/>
+                <a:latin typeface="Consolas" panose="020B0609020204030204" pitchFamily="49" charset="0"/>
+              </a:rPr>
+              <a:t> </a:t>
+            </a:r>
+            <a:r>
+              <a:rPr kumimoji="0" lang="ru-RU" altLang="ru-RU" sz="1400" b="0" i="0" u="none" strike="noStrike" cap="none" normalizeH="0" baseline="0" dirty="0" err="1" smtClean="0">
+                <a:ln>
+                  <a:noFill/>
+                </a:ln>
+                <a:solidFill>
+                  <a:srgbClr val="FF0000"/>
+                </a:solidFill>
+                <a:effectLst/>
+                <a:latin typeface="Consolas" panose="020B0609020204030204" pitchFamily="49" charset="0"/>
+              </a:rPr>
+              <a:t>Value</a:t>
+            </a:r>
+            <a:r>
+              <a:rPr kumimoji="0" lang="ru-RU" altLang="ru-RU" sz="1400" b="0" i="0" u="none" strike="noStrike" cap="none" normalizeH="0" baseline="0" dirty="0" smtClean="0">
+                <a:ln>
+                  <a:noFill/>
+                </a:ln>
+                <a:solidFill>
+                  <a:srgbClr val="0000FF"/>
+                </a:solidFill>
+                <a:effectLst/>
+                <a:latin typeface="Consolas" panose="020B0609020204030204" pitchFamily="49" charset="0"/>
+              </a:rPr>
+              <a:t>=</a:t>
+            </a:r>
+            <a:r>
+              <a:rPr kumimoji="0" lang="ru-RU" altLang="ru-RU" sz="1400" b="0" i="0" u="none" strike="noStrike" cap="none" normalizeH="0" baseline="0" dirty="0" smtClean="0">
+                <a:ln>
+                  <a:noFill/>
+                </a:ln>
+                <a:solidFill>
+                  <a:srgbClr val="000000"/>
+                </a:solidFill>
+                <a:effectLst/>
+                <a:latin typeface="Consolas" panose="020B0609020204030204" pitchFamily="49" charset="0"/>
+              </a:rPr>
+              <a:t>"</a:t>
+            </a:r>
+            <a:r>
+              <a:rPr kumimoji="0" lang="ru-RU" altLang="ru-RU" sz="1400" b="0" i="0" u="none" strike="noStrike" cap="none" normalizeH="0" baseline="0" dirty="0" err="1" smtClean="0">
+                <a:ln>
+                  <a:noFill/>
+                </a:ln>
+                <a:solidFill>
+                  <a:srgbClr val="0000FF"/>
+                </a:solidFill>
+                <a:effectLst/>
+                <a:latin typeface="Consolas" panose="020B0609020204030204" pitchFamily="49" charset="0"/>
+              </a:rPr>
+              <a:t>Bold</a:t>
+            </a:r>
+            <a:r>
+              <a:rPr kumimoji="0" lang="ru-RU" altLang="ru-RU" sz="1400" b="0" i="0" u="none" strike="noStrike" cap="none" normalizeH="0" baseline="0" dirty="0" smtClean="0">
+                <a:ln>
+                  <a:noFill/>
+                </a:ln>
+                <a:solidFill>
+                  <a:srgbClr val="000000"/>
+                </a:solidFill>
+                <a:effectLst/>
+                <a:latin typeface="Consolas" panose="020B0609020204030204" pitchFamily="49" charset="0"/>
+              </a:rPr>
+              <a:t>"</a:t>
+            </a:r>
+            <a:r>
+              <a:rPr kumimoji="0" lang="ru-RU" altLang="ru-RU" sz="1400" b="0" i="0" u="none" strike="noStrike" cap="none" normalizeH="0" baseline="0" dirty="0" smtClean="0">
+                <a:ln>
+                  <a:noFill/>
+                </a:ln>
+                <a:solidFill>
+                  <a:srgbClr val="0000FF"/>
+                </a:solidFill>
+                <a:effectLst/>
+                <a:latin typeface="Consolas" panose="020B0609020204030204" pitchFamily="49" charset="0"/>
+              </a:rPr>
+              <a:t>/&gt;</a:t>
+            </a:r>
+            <a:r>
+              <a:rPr kumimoji="0" lang="ru-RU" altLang="ru-RU" sz="1400" b="0" i="0" u="none" strike="noStrike" cap="none" normalizeH="0" baseline="0" dirty="0" smtClean="0">
+                <a:ln>
+                  <a:noFill/>
+                </a:ln>
+                <a:solidFill>
+                  <a:srgbClr val="000000"/>
+                </a:solidFill>
+                <a:effectLst/>
+                <a:latin typeface="Consolas" panose="020B0609020204030204" pitchFamily="49" charset="0"/>
+              </a:rPr>
+              <a:t/>
+            </a:r>
+            <a:br>
+              <a:rPr kumimoji="0" lang="ru-RU" altLang="ru-RU" sz="1400" b="0" i="0" u="none" strike="noStrike" cap="none" normalizeH="0" baseline="0" dirty="0" smtClean="0">
+                <a:ln>
+                  <a:noFill/>
+                </a:ln>
+                <a:solidFill>
+                  <a:srgbClr val="000000"/>
+                </a:solidFill>
+                <a:effectLst/>
+                <a:latin typeface="Consolas" panose="020B0609020204030204" pitchFamily="49" charset="0"/>
+              </a:rPr>
+            </a:br>
+            <a:r>
+              <a:rPr kumimoji="0" lang="ru-RU" altLang="ru-RU" sz="1400" b="0" i="0" u="none" strike="noStrike" cap="none" normalizeH="0" baseline="0" dirty="0" smtClean="0">
+                <a:ln>
+                  <a:noFill/>
+                </a:ln>
+                <a:solidFill>
+                  <a:srgbClr val="0000FF"/>
+                </a:solidFill>
+                <a:effectLst/>
+                <a:latin typeface="Consolas" panose="020B0609020204030204" pitchFamily="49" charset="0"/>
+              </a:rPr>
+              <a:t>  &lt;/</a:t>
+            </a:r>
+            <a:r>
+              <a:rPr kumimoji="0" lang="ru-RU" altLang="ru-RU" sz="1400" b="0" i="0" u="none" strike="noStrike" cap="none" normalizeH="0" baseline="0" dirty="0" err="1" smtClean="0">
+                <a:ln>
+                  <a:noFill/>
+                </a:ln>
+                <a:solidFill>
+                  <a:srgbClr val="A31515"/>
+                </a:solidFill>
+                <a:effectLst/>
+                <a:latin typeface="Consolas" panose="020B0609020204030204" pitchFamily="49" charset="0"/>
+              </a:rPr>
+              <a:t>Style</a:t>
+            </a:r>
+            <a:r>
+              <a:rPr kumimoji="0" lang="ru-RU" altLang="ru-RU" sz="1400" b="0" i="0" u="none" strike="noStrike" cap="none" normalizeH="0" baseline="0" dirty="0" smtClean="0">
+                <a:ln>
+                  <a:noFill/>
+                </a:ln>
+                <a:solidFill>
+                  <a:srgbClr val="0000FF"/>
+                </a:solidFill>
+                <a:effectLst/>
+                <a:latin typeface="Consolas" panose="020B0609020204030204" pitchFamily="49" charset="0"/>
+              </a:rPr>
+              <a:t>&gt;</a:t>
+            </a:r>
+            <a:endParaRPr kumimoji="0" lang="en-US" altLang="ru-RU" sz="1400" b="0" i="0" u="none" strike="noStrike" cap="none" normalizeH="0" baseline="0" dirty="0" smtClean="0">
+              <a:ln>
+                <a:noFill/>
+              </a:ln>
+              <a:solidFill>
+                <a:srgbClr val="0000FF"/>
+              </a:solidFill>
+              <a:effectLst/>
+              <a:latin typeface="Consolas" panose="020B0609020204030204" pitchFamily="49" charset="0"/>
+            </a:endParaRPr>
+          </a:p>
+          <a:p>
+            <a:pPr marL="0" marR="0" lvl="0" indent="0" algn="l" defTabSz="914400" rtl="0" eaLnBrk="0" fontAlgn="base" latinLnBrk="0" hangingPunct="0">
+              <a:lnSpc>
+                <a:spcPct val="100000"/>
+              </a:lnSpc>
+              <a:spcBef>
+                <a:spcPct val="0"/>
+              </a:spcBef>
+              <a:spcAft>
+                <a:spcPct val="0"/>
+              </a:spcAft>
+              <a:buClrTx/>
+              <a:buSzTx/>
+              <a:buFontTx/>
+              <a:buNone/>
+              <a:tabLst/>
+            </a:pPr>
+            <a:r>
+              <a:rPr kumimoji="0" lang="ru-RU" altLang="ru-RU" sz="1400" b="0" i="0" u="none" strike="noStrike" cap="none" normalizeH="0" baseline="0" dirty="0" smtClean="0">
+                <a:ln>
+                  <a:noFill/>
+                </a:ln>
+                <a:solidFill>
+                  <a:srgbClr val="000000"/>
+                </a:solidFill>
+                <a:effectLst/>
+                <a:latin typeface="Consolas" panose="020B0609020204030204" pitchFamily="49" charset="0"/>
+              </a:rPr>
+              <a:t/>
+            </a:r>
+            <a:br>
+              <a:rPr kumimoji="0" lang="ru-RU" altLang="ru-RU" sz="1400" b="0" i="0" u="none" strike="noStrike" cap="none" normalizeH="0" baseline="0" dirty="0" smtClean="0">
+                <a:ln>
+                  <a:noFill/>
+                </a:ln>
+                <a:solidFill>
+                  <a:srgbClr val="000000"/>
+                </a:solidFill>
+                <a:effectLst/>
+                <a:latin typeface="Consolas" panose="020B0609020204030204" pitchFamily="49" charset="0"/>
+              </a:rPr>
+            </a:br>
+            <a:r>
+              <a:rPr kumimoji="0" lang="ru-RU" altLang="ru-RU" sz="1400" b="0" i="0" u="none" strike="noStrike" cap="none" normalizeH="0" baseline="0" dirty="0" smtClean="0">
+                <a:ln>
+                  <a:noFill/>
+                </a:ln>
+                <a:solidFill>
+                  <a:srgbClr val="0000FF"/>
+                </a:solidFill>
+                <a:effectLst/>
+                <a:latin typeface="Consolas" panose="020B0609020204030204" pitchFamily="49" charset="0"/>
+              </a:rPr>
+              <a:t>  &lt;</a:t>
+            </a:r>
+            <a:r>
+              <a:rPr kumimoji="0" lang="ru-RU" altLang="ru-RU" sz="1400" b="0" i="0" u="none" strike="noStrike" cap="none" normalizeH="0" baseline="0" dirty="0" err="1" smtClean="0">
+                <a:ln>
+                  <a:noFill/>
+                </a:ln>
+                <a:solidFill>
+                  <a:srgbClr val="A31515"/>
+                </a:solidFill>
+                <a:effectLst/>
+                <a:latin typeface="Consolas" panose="020B0609020204030204" pitchFamily="49" charset="0"/>
+              </a:rPr>
+              <a:t>Style</a:t>
+            </a:r>
+            <a:r>
+              <a:rPr kumimoji="0" lang="ru-RU" altLang="ru-RU" sz="1400" b="0" i="0" u="none" strike="noStrike" cap="none" normalizeH="0" baseline="0" dirty="0" smtClean="0">
+                <a:ln>
+                  <a:noFill/>
+                </a:ln>
+                <a:solidFill>
+                  <a:srgbClr val="0000FF"/>
+                </a:solidFill>
+                <a:effectLst/>
+                <a:latin typeface="Consolas" panose="020B0609020204030204" pitchFamily="49" charset="0"/>
+              </a:rPr>
+              <a:t> </a:t>
+            </a:r>
+            <a:r>
+              <a:rPr kumimoji="0" lang="ru-RU" altLang="ru-RU" sz="1400" b="0" i="0" u="none" strike="noStrike" cap="none" normalizeH="0" baseline="0" dirty="0" err="1" smtClean="0">
+                <a:ln>
+                  <a:noFill/>
+                </a:ln>
+                <a:solidFill>
+                  <a:srgbClr val="FF0000"/>
+                </a:solidFill>
+                <a:effectLst/>
+                <a:latin typeface="Consolas" panose="020B0609020204030204" pitchFamily="49" charset="0"/>
+              </a:rPr>
+              <a:t>Selector</a:t>
+            </a:r>
+            <a:r>
+              <a:rPr kumimoji="0" lang="ru-RU" altLang="ru-RU" sz="1400" b="0" i="0" u="none" strike="noStrike" cap="none" normalizeH="0" baseline="0" dirty="0" smtClean="0">
+                <a:ln>
+                  <a:noFill/>
+                </a:ln>
+                <a:solidFill>
+                  <a:srgbClr val="0000FF"/>
+                </a:solidFill>
+                <a:effectLst/>
+                <a:latin typeface="Consolas" panose="020B0609020204030204" pitchFamily="49" charset="0"/>
+              </a:rPr>
+              <a:t>=</a:t>
+            </a:r>
+            <a:r>
+              <a:rPr kumimoji="0" lang="ru-RU" altLang="ru-RU" sz="1400" b="0" i="0" u="none" strike="noStrike" cap="none" normalizeH="0" baseline="0" dirty="0" smtClean="0">
+                <a:ln>
+                  <a:noFill/>
+                </a:ln>
+                <a:solidFill>
+                  <a:srgbClr val="000000"/>
+                </a:solidFill>
+                <a:effectLst/>
+                <a:latin typeface="Consolas" panose="020B0609020204030204" pitchFamily="49" charset="0"/>
+              </a:rPr>
+              <a:t>"</a:t>
+            </a:r>
+            <a:r>
+              <a:rPr kumimoji="0" lang="ru-RU" altLang="ru-RU" sz="1400" b="0" i="0" u="none" strike="noStrike" cap="none" normalizeH="0" baseline="0" dirty="0" err="1" smtClean="0">
+                <a:ln>
+                  <a:noFill/>
+                </a:ln>
+                <a:solidFill>
+                  <a:srgbClr val="0000FF"/>
+                </a:solidFill>
+                <a:effectLst/>
+                <a:latin typeface="Consolas" panose="020B0609020204030204" pitchFamily="49" charset="0"/>
+              </a:rPr>
+              <a:t>TextBlock.blue</a:t>
+            </a:r>
+            <a:r>
+              <a:rPr kumimoji="0" lang="ru-RU" altLang="ru-RU" sz="1400" b="0" i="0" u="none" strike="noStrike" cap="none" normalizeH="0" baseline="0" dirty="0" smtClean="0">
+                <a:ln>
+                  <a:noFill/>
+                </a:ln>
+                <a:solidFill>
+                  <a:srgbClr val="000000"/>
+                </a:solidFill>
+                <a:effectLst/>
+                <a:latin typeface="Consolas" panose="020B0609020204030204" pitchFamily="49" charset="0"/>
+              </a:rPr>
+              <a:t>"</a:t>
+            </a:r>
+            <a:r>
+              <a:rPr kumimoji="0" lang="ru-RU" altLang="ru-RU" sz="1400" b="0" i="0" u="none" strike="noStrike" cap="none" normalizeH="0" baseline="0" dirty="0" smtClean="0">
+                <a:ln>
+                  <a:noFill/>
+                </a:ln>
+                <a:solidFill>
+                  <a:srgbClr val="0000FF"/>
+                </a:solidFill>
+                <a:effectLst/>
+                <a:latin typeface="Consolas" panose="020B0609020204030204" pitchFamily="49" charset="0"/>
+              </a:rPr>
+              <a:t>&gt;</a:t>
+            </a:r>
+            <a:r>
+              <a:rPr kumimoji="0" lang="ru-RU" altLang="ru-RU" sz="1400" b="0" i="0" u="none" strike="noStrike" cap="none" normalizeH="0" baseline="0" dirty="0" smtClean="0">
+                <a:ln>
+                  <a:noFill/>
+                </a:ln>
+                <a:solidFill>
+                  <a:srgbClr val="000000"/>
+                </a:solidFill>
+                <a:effectLst/>
+                <a:latin typeface="Consolas" panose="020B0609020204030204" pitchFamily="49" charset="0"/>
+              </a:rPr>
+              <a:t/>
+            </a:r>
+            <a:br>
+              <a:rPr kumimoji="0" lang="ru-RU" altLang="ru-RU" sz="1400" b="0" i="0" u="none" strike="noStrike" cap="none" normalizeH="0" baseline="0" dirty="0" smtClean="0">
+                <a:ln>
+                  <a:noFill/>
+                </a:ln>
+                <a:solidFill>
+                  <a:srgbClr val="000000"/>
+                </a:solidFill>
+                <a:effectLst/>
+                <a:latin typeface="Consolas" panose="020B0609020204030204" pitchFamily="49" charset="0"/>
+              </a:rPr>
+            </a:br>
+            <a:r>
+              <a:rPr kumimoji="0" lang="ru-RU" altLang="ru-RU" sz="1400" b="0" i="0" u="none" strike="noStrike" cap="none" normalizeH="0" baseline="0" dirty="0" smtClean="0">
+                <a:ln>
+                  <a:noFill/>
+                </a:ln>
+                <a:solidFill>
+                  <a:srgbClr val="0000FF"/>
+                </a:solidFill>
+                <a:effectLst/>
+                <a:latin typeface="Consolas" panose="020B0609020204030204" pitchFamily="49" charset="0"/>
+              </a:rPr>
+              <a:t>    &lt;</a:t>
+            </a:r>
+            <a:r>
+              <a:rPr kumimoji="0" lang="ru-RU" altLang="ru-RU" sz="1400" b="0" i="0" u="none" strike="noStrike" cap="none" normalizeH="0" baseline="0" dirty="0" err="1" smtClean="0">
+                <a:ln>
+                  <a:noFill/>
+                </a:ln>
+                <a:solidFill>
+                  <a:srgbClr val="A31515"/>
+                </a:solidFill>
+                <a:effectLst/>
+                <a:latin typeface="Consolas" panose="020B0609020204030204" pitchFamily="49" charset="0"/>
+              </a:rPr>
+              <a:t>Setter</a:t>
+            </a:r>
+            <a:r>
+              <a:rPr kumimoji="0" lang="ru-RU" altLang="ru-RU" sz="1400" b="0" i="0" u="none" strike="noStrike" cap="none" normalizeH="0" baseline="0" dirty="0" smtClean="0">
+                <a:ln>
+                  <a:noFill/>
+                </a:ln>
+                <a:solidFill>
+                  <a:srgbClr val="0000FF"/>
+                </a:solidFill>
+                <a:effectLst/>
+                <a:latin typeface="Consolas" panose="020B0609020204030204" pitchFamily="49" charset="0"/>
+              </a:rPr>
+              <a:t> </a:t>
+            </a:r>
+            <a:r>
+              <a:rPr kumimoji="0" lang="ru-RU" altLang="ru-RU" sz="1400" b="0" i="0" u="none" strike="noStrike" cap="none" normalizeH="0" baseline="0" dirty="0" err="1" smtClean="0">
+                <a:ln>
+                  <a:noFill/>
+                </a:ln>
+                <a:solidFill>
+                  <a:srgbClr val="FF0000"/>
+                </a:solidFill>
+                <a:effectLst/>
+                <a:latin typeface="Consolas" panose="020B0609020204030204" pitchFamily="49" charset="0"/>
+              </a:rPr>
+              <a:t>Property</a:t>
+            </a:r>
+            <a:r>
+              <a:rPr kumimoji="0" lang="ru-RU" altLang="ru-RU" sz="1400" b="0" i="0" u="none" strike="noStrike" cap="none" normalizeH="0" baseline="0" dirty="0" smtClean="0">
+                <a:ln>
+                  <a:noFill/>
+                </a:ln>
+                <a:solidFill>
+                  <a:srgbClr val="0000FF"/>
+                </a:solidFill>
+                <a:effectLst/>
+                <a:latin typeface="Consolas" panose="020B0609020204030204" pitchFamily="49" charset="0"/>
+              </a:rPr>
+              <a:t>=</a:t>
+            </a:r>
+            <a:r>
+              <a:rPr kumimoji="0" lang="ru-RU" altLang="ru-RU" sz="1400" b="0" i="0" u="none" strike="noStrike" cap="none" normalizeH="0" baseline="0" dirty="0" smtClean="0">
+                <a:ln>
+                  <a:noFill/>
+                </a:ln>
+                <a:solidFill>
+                  <a:srgbClr val="000000"/>
+                </a:solidFill>
+                <a:effectLst/>
+                <a:latin typeface="Consolas" panose="020B0609020204030204" pitchFamily="49" charset="0"/>
+              </a:rPr>
+              <a:t>"</a:t>
+            </a:r>
+            <a:r>
+              <a:rPr kumimoji="0" lang="ru-RU" altLang="ru-RU" sz="1400" b="0" i="0" u="none" strike="noStrike" cap="none" normalizeH="0" baseline="0" dirty="0" err="1" smtClean="0">
+                <a:ln>
+                  <a:noFill/>
+                </a:ln>
+                <a:solidFill>
+                  <a:srgbClr val="0000FF"/>
+                </a:solidFill>
+                <a:effectLst/>
+                <a:latin typeface="Consolas" panose="020B0609020204030204" pitchFamily="49" charset="0"/>
+              </a:rPr>
+              <a:t>Foreground</a:t>
+            </a:r>
+            <a:r>
+              <a:rPr kumimoji="0" lang="ru-RU" altLang="ru-RU" sz="1400" b="0" i="0" u="none" strike="noStrike" cap="none" normalizeH="0" baseline="0" dirty="0" smtClean="0">
+                <a:ln>
+                  <a:noFill/>
+                </a:ln>
+                <a:solidFill>
+                  <a:srgbClr val="000000"/>
+                </a:solidFill>
+                <a:effectLst/>
+                <a:latin typeface="Consolas" panose="020B0609020204030204" pitchFamily="49" charset="0"/>
+              </a:rPr>
+              <a:t>"</a:t>
+            </a:r>
+            <a:r>
+              <a:rPr kumimoji="0" lang="ru-RU" altLang="ru-RU" sz="1400" b="0" i="0" u="none" strike="noStrike" cap="none" normalizeH="0" baseline="0" dirty="0" smtClean="0">
+                <a:ln>
+                  <a:noFill/>
+                </a:ln>
+                <a:solidFill>
+                  <a:srgbClr val="0000FF"/>
+                </a:solidFill>
+                <a:effectLst/>
+                <a:latin typeface="Consolas" panose="020B0609020204030204" pitchFamily="49" charset="0"/>
+              </a:rPr>
+              <a:t> </a:t>
+            </a:r>
+            <a:r>
+              <a:rPr kumimoji="0" lang="ru-RU" altLang="ru-RU" sz="1400" b="0" i="0" u="none" strike="noStrike" cap="none" normalizeH="0" baseline="0" dirty="0" err="1" smtClean="0">
+                <a:ln>
+                  <a:noFill/>
+                </a:ln>
+                <a:solidFill>
+                  <a:srgbClr val="FF0000"/>
+                </a:solidFill>
+                <a:effectLst/>
+                <a:latin typeface="Consolas" panose="020B0609020204030204" pitchFamily="49" charset="0"/>
+              </a:rPr>
+              <a:t>Value</a:t>
+            </a:r>
+            <a:r>
+              <a:rPr kumimoji="0" lang="ru-RU" altLang="ru-RU" sz="1400" b="0" i="0" u="none" strike="noStrike" cap="none" normalizeH="0" baseline="0" dirty="0" smtClean="0">
+                <a:ln>
+                  <a:noFill/>
+                </a:ln>
+                <a:solidFill>
+                  <a:srgbClr val="0000FF"/>
+                </a:solidFill>
+                <a:effectLst/>
+                <a:latin typeface="Consolas" panose="020B0609020204030204" pitchFamily="49" charset="0"/>
+              </a:rPr>
+              <a:t>=</a:t>
+            </a:r>
+            <a:r>
+              <a:rPr kumimoji="0" lang="ru-RU" altLang="ru-RU" sz="1400" b="0" i="0" u="none" strike="noStrike" cap="none" normalizeH="0" baseline="0" dirty="0" smtClean="0">
+                <a:ln>
+                  <a:noFill/>
+                </a:ln>
+                <a:solidFill>
+                  <a:srgbClr val="000000"/>
+                </a:solidFill>
+                <a:effectLst/>
+                <a:latin typeface="Consolas" panose="020B0609020204030204" pitchFamily="49" charset="0"/>
+              </a:rPr>
+              <a:t>"</a:t>
+            </a:r>
+            <a:r>
+              <a:rPr kumimoji="0" lang="ru-RU" altLang="ru-RU" sz="1400" b="0" i="0" u="none" strike="noStrike" cap="none" normalizeH="0" baseline="0" dirty="0" err="1" smtClean="0">
+                <a:ln>
+                  <a:noFill/>
+                </a:ln>
+                <a:solidFill>
+                  <a:srgbClr val="0000FF"/>
+                </a:solidFill>
+                <a:effectLst/>
+                <a:latin typeface="Consolas" panose="020B0609020204030204" pitchFamily="49" charset="0"/>
+              </a:rPr>
+              <a:t>Blue</a:t>
+            </a:r>
+            <a:r>
+              <a:rPr kumimoji="0" lang="ru-RU" altLang="ru-RU" sz="1400" b="0" i="0" u="none" strike="noStrike" cap="none" normalizeH="0" baseline="0" dirty="0" smtClean="0">
+                <a:ln>
+                  <a:noFill/>
+                </a:ln>
+                <a:solidFill>
+                  <a:srgbClr val="000000"/>
+                </a:solidFill>
+                <a:effectLst/>
+                <a:latin typeface="Consolas" panose="020B0609020204030204" pitchFamily="49" charset="0"/>
+              </a:rPr>
+              <a:t>"</a:t>
+            </a:r>
+            <a:r>
+              <a:rPr kumimoji="0" lang="ru-RU" altLang="ru-RU" sz="1400" b="0" i="0" u="none" strike="noStrike" cap="none" normalizeH="0" baseline="0" dirty="0" smtClean="0">
+                <a:ln>
+                  <a:noFill/>
+                </a:ln>
+                <a:solidFill>
+                  <a:srgbClr val="0000FF"/>
+                </a:solidFill>
+                <a:effectLst/>
+                <a:latin typeface="Consolas" panose="020B0609020204030204" pitchFamily="49" charset="0"/>
+              </a:rPr>
+              <a:t>/&gt;</a:t>
+            </a:r>
+            <a:r>
+              <a:rPr kumimoji="0" lang="ru-RU" altLang="ru-RU" sz="1400" b="0" i="0" u="none" strike="noStrike" cap="none" normalizeH="0" baseline="0" dirty="0" smtClean="0">
+                <a:ln>
+                  <a:noFill/>
+                </a:ln>
+                <a:solidFill>
+                  <a:srgbClr val="000000"/>
+                </a:solidFill>
+                <a:effectLst/>
+                <a:latin typeface="Consolas" panose="020B0609020204030204" pitchFamily="49" charset="0"/>
+              </a:rPr>
+              <a:t/>
+            </a:r>
+            <a:br>
+              <a:rPr kumimoji="0" lang="ru-RU" altLang="ru-RU" sz="1400" b="0" i="0" u="none" strike="noStrike" cap="none" normalizeH="0" baseline="0" dirty="0" smtClean="0">
+                <a:ln>
+                  <a:noFill/>
+                </a:ln>
+                <a:solidFill>
+                  <a:srgbClr val="000000"/>
+                </a:solidFill>
+                <a:effectLst/>
+                <a:latin typeface="Consolas" panose="020B0609020204030204" pitchFamily="49" charset="0"/>
+              </a:rPr>
+            </a:br>
+            <a:r>
+              <a:rPr kumimoji="0" lang="ru-RU" altLang="ru-RU" sz="1400" b="0" i="0" u="none" strike="noStrike" cap="none" normalizeH="0" baseline="0" dirty="0" smtClean="0">
+                <a:ln>
+                  <a:noFill/>
+                </a:ln>
+                <a:solidFill>
+                  <a:srgbClr val="0000FF"/>
+                </a:solidFill>
+                <a:effectLst/>
+                <a:latin typeface="Consolas" panose="020B0609020204030204" pitchFamily="49" charset="0"/>
+              </a:rPr>
+              <a:t>  &lt;/</a:t>
+            </a:r>
+            <a:r>
+              <a:rPr kumimoji="0" lang="ru-RU" altLang="ru-RU" sz="1400" b="0" i="0" u="none" strike="noStrike" cap="none" normalizeH="0" baseline="0" dirty="0" err="1" smtClean="0">
+                <a:ln>
+                  <a:noFill/>
+                </a:ln>
+                <a:solidFill>
+                  <a:srgbClr val="A31515"/>
+                </a:solidFill>
+                <a:effectLst/>
+                <a:latin typeface="Consolas" panose="020B0609020204030204" pitchFamily="49" charset="0"/>
+              </a:rPr>
+              <a:t>Style</a:t>
+            </a:r>
+            <a:r>
+              <a:rPr kumimoji="0" lang="ru-RU" altLang="ru-RU" sz="1400" b="0" i="0" u="none" strike="noStrike" cap="none" normalizeH="0" baseline="0" dirty="0" smtClean="0">
+                <a:ln>
+                  <a:noFill/>
+                </a:ln>
+                <a:solidFill>
+                  <a:srgbClr val="0000FF"/>
+                </a:solidFill>
+                <a:effectLst/>
+                <a:latin typeface="Consolas" panose="020B0609020204030204" pitchFamily="49" charset="0"/>
+              </a:rPr>
+              <a:t>&gt;</a:t>
+            </a:r>
+            <a:r>
+              <a:rPr kumimoji="0" lang="ru-RU" altLang="ru-RU" sz="1400" b="0" i="0" u="none" strike="noStrike" cap="none" normalizeH="0" baseline="0" dirty="0" smtClean="0">
+                <a:ln>
+                  <a:noFill/>
+                </a:ln>
+                <a:solidFill>
+                  <a:srgbClr val="000000"/>
+                </a:solidFill>
+                <a:effectLst/>
+                <a:latin typeface="Consolas" panose="020B0609020204030204" pitchFamily="49" charset="0"/>
+              </a:rPr>
+              <a:t/>
+            </a:r>
+            <a:br>
+              <a:rPr kumimoji="0" lang="ru-RU" altLang="ru-RU" sz="1400" b="0" i="0" u="none" strike="noStrike" cap="none" normalizeH="0" baseline="0" dirty="0" smtClean="0">
+                <a:ln>
+                  <a:noFill/>
+                </a:ln>
+                <a:solidFill>
+                  <a:srgbClr val="000000"/>
+                </a:solidFill>
+                <a:effectLst/>
+                <a:latin typeface="Consolas" panose="020B0609020204030204" pitchFamily="49" charset="0"/>
+              </a:rPr>
+            </a:br>
+            <a:r>
+              <a:rPr kumimoji="0" lang="ru-RU" altLang="ru-RU" sz="1400" b="0" i="0" u="none" strike="noStrike" cap="none" normalizeH="0" baseline="0" dirty="0" smtClean="0">
+                <a:ln>
+                  <a:noFill/>
+                </a:ln>
+                <a:solidFill>
+                  <a:srgbClr val="0000FF"/>
+                </a:solidFill>
+                <a:effectLst/>
+                <a:latin typeface="Consolas" panose="020B0609020204030204" pitchFamily="49" charset="0"/>
+              </a:rPr>
+              <a:t>&lt;/</a:t>
+            </a:r>
+            <a:r>
+              <a:rPr kumimoji="0" lang="ru-RU" altLang="ru-RU" sz="1400" b="0" i="0" u="none" strike="noStrike" cap="none" normalizeH="0" baseline="0" dirty="0" err="1" smtClean="0">
+                <a:ln>
+                  <a:noFill/>
+                </a:ln>
+                <a:solidFill>
+                  <a:srgbClr val="A31515"/>
+                </a:solidFill>
+                <a:effectLst/>
+                <a:latin typeface="Consolas" panose="020B0609020204030204" pitchFamily="49" charset="0"/>
+              </a:rPr>
+              <a:t>Window.Styles</a:t>
+            </a:r>
+            <a:r>
+              <a:rPr kumimoji="0" lang="ru-RU" altLang="ru-RU" sz="1400" b="0" i="0" u="none" strike="noStrike" cap="none" normalizeH="0" baseline="0" dirty="0" smtClean="0">
+                <a:ln>
+                  <a:noFill/>
+                </a:ln>
+                <a:solidFill>
+                  <a:srgbClr val="0000FF"/>
+                </a:solidFill>
+                <a:effectLst/>
+                <a:latin typeface="Consolas" panose="020B0609020204030204" pitchFamily="49" charset="0"/>
+              </a:rPr>
+              <a:t>&gt;</a:t>
+            </a:r>
+            <a:endParaRPr kumimoji="0" lang="ru-RU" altLang="ru-RU" sz="1800" b="0" i="0" u="none" strike="noStrike" cap="none" normalizeH="0" baseline="0" dirty="0" smtClean="0">
+              <a:ln>
+                <a:noFill/>
+              </a:ln>
+              <a:solidFill>
+                <a:schemeClr val="tx1"/>
+              </a:solidFill>
+              <a:effectLst/>
+              <a:latin typeface="Arial" panose="020B0604020202020204" pitchFamily="34" charset="0"/>
+            </a:endParaRPr>
+          </a:p>
+        </p:txBody>
+      </p:sp>
+      <p:sp>
+        <p:nvSpPr>
+          <p:cNvPr id="6" name="Rectangle 3"/>
+          <p:cNvSpPr>
+            <a:spLocks noChangeArrowheads="1"/>
+          </p:cNvSpPr>
+          <p:nvPr/>
+        </p:nvSpPr>
+        <p:spPr bwMode="auto">
+          <a:xfrm>
+            <a:off x="5498968" y="1870948"/>
+            <a:ext cx="3066865" cy="738664"/>
+          </a:xfrm>
+          <a:prstGeom prst="rect">
+            <a:avLst/>
+          </a:prstGeom>
+          <a:ln/>
+        </p:spPr>
+        <p:style>
+          <a:lnRef idx="2">
+            <a:schemeClr val="accent2"/>
+          </a:lnRef>
+          <a:fillRef idx="1">
+            <a:schemeClr val="lt1"/>
+          </a:fillRef>
+          <a:effectRef idx="0">
+            <a:schemeClr val="accent2"/>
+          </a:effectRef>
+          <a:fontRef idx="minor">
+            <a:schemeClr val="dk1"/>
+          </a:fontRef>
+        </p:style>
+        <p:txBody>
+          <a:bodyPr vert="horz" wrap="none" lIns="91440" tIns="45720" rIns="91440" bIns="45720" numCol="1" anchor="ctr" anchorCtr="0" compatLnSpc="1">
+            <a:prstTxWarp prst="textNoShape">
+              <a:avLst/>
+            </a:prstTxWarp>
+            <a:spAutoFit/>
+          </a:bodyPr>
+          <a:lstStyle/>
+          <a:p>
+            <a:pPr marL="0" marR="0" lvl="0" indent="0" algn="l" defTabSz="914400" rtl="0" eaLnBrk="0" fontAlgn="base" latinLnBrk="0" hangingPunct="0">
+              <a:lnSpc>
+                <a:spcPct val="100000"/>
+              </a:lnSpc>
+              <a:spcBef>
+                <a:spcPct val="0"/>
+              </a:spcBef>
+              <a:spcAft>
+                <a:spcPct val="0"/>
+              </a:spcAft>
+              <a:buClrTx/>
+              <a:buSzTx/>
+              <a:buFontTx/>
+              <a:buNone/>
+              <a:tabLst/>
+            </a:pPr>
+            <a:r>
+              <a:rPr kumimoji="0" lang="ru-RU" altLang="ru-RU" sz="1400" b="0" i="0" u="none" strike="noStrike" cap="none" normalizeH="0" baseline="0" dirty="0" smtClean="0">
+                <a:ln>
+                  <a:noFill/>
+                </a:ln>
+                <a:solidFill>
+                  <a:srgbClr val="0000FF"/>
+                </a:solidFill>
+                <a:effectLst/>
+                <a:latin typeface="Consolas" panose="020B0609020204030204" pitchFamily="49" charset="0"/>
+              </a:rPr>
+              <a:t>&lt;</a:t>
+            </a:r>
+            <a:r>
+              <a:rPr kumimoji="0" lang="ru-RU" altLang="ru-RU" sz="1400" b="0" i="0" u="none" strike="noStrike" cap="none" normalizeH="0" baseline="0" dirty="0" err="1" smtClean="0">
+                <a:ln>
+                  <a:noFill/>
+                </a:ln>
+                <a:solidFill>
+                  <a:srgbClr val="A31515"/>
+                </a:solidFill>
+                <a:effectLst/>
+                <a:latin typeface="Consolas" panose="020B0609020204030204" pitchFamily="49" charset="0"/>
+              </a:rPr>
+              <a:t>TextBlock</a:t>
+            </a:r>
+            <a:r>
+              <a:rPr kumimoji="0" lang="ru-RU" altLang="ru-RU" sz="1400" b="0" i="0" u="none" strike="noStrike" cap="none" normalizeH="0" baseline="0" dirty="0" smtClean="0">
+                <a:ln>
+                  <a:noFill/>
+                </a:ln>
+                <a:solidFill>
+                  <a:srgbClr val="0000FF"/>
+                </a:solidFill>
+                <a:effectLst/>
+                <a:latin typeface="Consolas" panose="020B0609020204030204" pitchFamily="49" charset="0"/>
+              </a:rPr>
+              <a:t> </a:t>
+            </a:r>
+            <a:r>
+              <a:rPr kumimoji="0" lang="ru-RU" altLang="ru-RU" sz="1400" b="0" i="0" u="none" strike="noStrike" cap="none" normalizeH="0" baseline="0" dirty="0" err="1" smtClean="0">
+                <a:ln>
+                  <a:noFill/>
+                </a:ln>
+                <a:solidFill>
+                  <a:srgbClr val="FF0000"/>
+                </a:solidFill>
+                <a:effectLst/>
+                <a:latin typeface="Consolas" panose="020B0609020204030204" pitchFamily="49" charset="0"/>
+              </a:rPr>
+              <a:t>Classes</a:t>
+            </a:r>
+            <a:r>
+              <a:rPr kumimoji="0" lang="ru-RU" altLang="ru-RU" sz="1400" b="0" i="0" u="none" strike="noStrike" cap="none" normalizeH="0" baseline="0" dirty="0" smtClean="0">
+                <a:ln>
+                  <a:noFill/>
+                </a:ln>
+                <a:solidFill>
+                  <a:srgbClr val="0000FF"/>
+                </a:solidFill>
+                <a:effectLst/>
+                <a:latin typeface="Consolas" panose="020B0609020204030204" pitchFamily="49" charset="0"/>
+              </a:rPr>
+              <a:t>=</a:t>
+            </a:r>
+            <a:r>
+              <a:rPr kumimoji="0" lang="ru-RU" altLang="ru-RU" sz="1400" b="0" i="0" u="none" strike="noStrike" cap="none" normalizeH="0" baseline="0" dirty="0" smtClean="0">
+                <a:ln>
+                  <a:noFill/>
+                </a:ln>
+                <a:solidFill>
+                  <a:srgbClr val="000000"/>
+                </a:solidFill>
+                <a:effectLst/>
+                <a:latin typeface="Consolas" panose="020B0609020204030204" pitchFamily="49" charset="0"/>
+              </a:rPr>
+              <a:t>"</a:t>
+            </a:r>
+            <a:r>
+              <a:rPr kumimoji="0" lang="ru-RU" altLang="ru-RU" sz="1400" b="0" i="0" u="none" strike="noStrike" cap="none" normalizeH="0" baseline="0" dirty="0" smtClean="0">
+                <a:ln>
+                  <a:noFill/>
+                </a:ln>
+                <a:solidFill>
+                  <a:srgbClr val="0000FF"/>
+                </a:solidFill>
+                <a:effectLst/>
+                <a:latin typeface="Consolas" panose="020B0609020204030204" pitchFamily="49" charset="0"/>
+              </a:rPr>
+              <a:t>h1 </a:t>
+            </a:r>
+            <a:r>
+              <a:rPr kumimoji="0" lang="ru-RU" altLang="ru-RU" sz="1400" b="0" i="0" u="none" strike="noStrike" cap="none" normalizeH="0" baseline="0" dirty="0" err="1" smtClean="0">
+                <a:ln>
+                  <a:noFill/>
+                </a:ln>
+                <a:solidFill>
+                  <a:srgbClr val="0000FF"/>
+                </a:solidFill>
+                <a:effectLst/>
+                <a:latin typeface="Consolas" panose="020B0609020204030204" pitchFamily="49" charset="0"/>
+              </a:rPr>
+              <a:t>blue</a:t>
+            </a:r>
+            <a:r>
+              <a:rPr kumimoji="0" lang="ru-RU" altLang="ru-RU" sz="1400" b="0" i="0" u="none" strike="noStrike" cap="none" normalizeH="0" baseline="0" dirty="0" smtClean="0">
+                <a:ln>
+                  <a:noFill/>
+                </a:ln>
+                <a:solidFill>
+                  <a:srgbClr val="000000"/>
+                </a:solidFill>
+                <a:effectLst/>
+                <a:latin typeface="Consolas" panose="020B0609020204030204" pitchFamily="49" charset="0"/>
+              </a:rPr>
+              <a:t>"</a:t>
+            </a:r>
+            <a:r>
+              <a:rPr kumimoji="0" lang="ru-RU" altLang="ru-RU" sz="1400" b="0" i="0" u="none" strike="noStrike" cap="none" normalizeH="0" baseline="0" dirty="0" smtClean="0">
+                <a:ln>
+                  <a:noFill/>
+                </a:ln>
+                <a:solidFill>
+                  <a:srgbClr val="0000FF"/>
+                </a:solidFill>
+                <a:effectLst/>
+                <a:latin typeface="Consolas" panose="020B0609020204030204" pitchFamily="49" charset="0"/>
+              </a:rPr>
+              <a:t>&gt;</a:t>
+            </a:r>
+            <a:endParaRPr kumimoji="0" lang="en-US" altLang="ru-RU" sz="1400" b="0" i="0" u="none" strike="noStrike" cap="none" normalizeH="0" baseline="0" dirty="0" smtClean="0">
+              <a:ln>
+                <a:noFill/>
+              </a:ln>
+              <a:solidFill>
+                <a:srgbClr val="0000FF"/>
+              </a:solidFill>
+              <a:effectLst/>
+              <a:latin typeface="Consolas" panose="020B0609020204030204" pitchFamily="49" charset="0"/>
+            </a:endParaRPr>
+          </a:p>
+          <a:p>
+            <a:pPr marL="0" marR="0" lvl="0" indent="0" algn="l" defTabSz="914400" rtl="0" eaLnBrk="0" fontAlgn="base" latinLnBrk="0" hangingPunct="0">
+              <a:lnSpc>
+                <a:spcPct val="100000"/>
+              </a:lnSpc>
+              <a:spcBef>
+                <a:spcPct val="0"/>
+              </a:spcBef>
+              <a:spcAft>
+                <a:spcPct val="0"/>
+              </a:spcAft>
+              <a:buClrTx/>
+              <a:buSzTx/>
+              <a:buFontTx/>
+              <a:buNone/>
+              <a:tabLst/>
+            </a:pPr>
+            <a:r>
+              <a:rPr lang="en-US" altLang="ru-RU" sz="1400" dirty="0" smtClean="0">
+                <a:solidFill>
+                  <a:srgbClr val="0000FF"/>
+                </a:solidFill>
+                <a:latin typeface="Consolas" panose="020B0609020204030204" pitchFamily="49" charset="0"/>
+              </a:rPr>
+              <a:t>   </a:t>
+            </a:r>
+            <a:r>
+              <a:rPr kumimoji="0" lang="ru-RU" altLang="ru-RU" sz="1400" b="0" i="0" u="none" strike="noStrike" cap="none" normalizeH="0" baseline="0" dirty="0" err="1" smtClean="0">
+                <a:ln>
+                  <a:noFill/>
+                </a:ln>
+                <a:solidFill>
+                  <a:srgbClr val="000000"/>
+                </a:solidFill>
+                <a:effectLst/>
+                <a:latin typeface="Consolas" panose="020B0609020204030204" pitchFamily="49" charset="0"/>
+              </a:rPr>
+              <a:t>Subject</a:t>
+            </a:r>
+            <a:endParaRPr kumimoji="0" lang="en-US" altLang="ru-RU" sz="1400" b="0" i="0" u="none" strike="noStrike" cap="none" normalizeH="0" baseline="0" dirty="0" smtClean="0">
+              <a:ln>
+                <a:noFill/>
+              </a:ln>
+              <a:solidFill>
+                <a:srgbClr val="000000"/>
+              </a:solidFill>
+              <a:effectLst/>
+              <a:latin typeface="Consolas" panose="020B0609020204030204" pitchFamily="49" charset="0"/>
+            </a:endParaRPr>
+          </a:p>
+          <a:p>
+            <a:pPr marL="0" marR="0" lvl="0" indent="0" algn="l" defTabSz="914400" rtl="0" eaLnBrk="0" fontAlgn="base" latinLnBrk="0" hangingPunct="0">
+              <a:lnSpc>
+                <a:spcPct val="100000"/>
+              </a:lnSpc>
+              <a:spcBef>
+                <a:spcPct val="0"/>
+              </a:spcBef>
+              <a:spcAft>
+                <a:spcPct val="0"/>
+              </a:spcAft>
+              <a:buClrTx/>
+              <a:buSzTx/>
+              <a:buFontTx/>
+              <a:buNone/>
+              <a:tabLst/>
+            </a:pPr>
+            <a:r>
+              <a:rPr kumimoji="0" lang="ru-RU" altLang="ru-RU" sz="1400" b="0" i="0" u="none" strike="noStrike" cap="none" normalizeH="0" baseline="0" dirty="0" smtClean="0">
+                <a:ln>
+                  <a:noFill/>
+                </a:ln>
+                <a:solidFill>
+                  <a:srgbClr val="0000FF"/>
+                </a:solidFill>
+                <a:effectLst/>
+                <a:latin typeface="Consolas" panose="020B0609020204030204" pitchFamily="49" charset="0"/>
+              </a:rPr>
+              <a:t>&lt;/</a:t>
+            </a:r>
+            <a:r>
+              <a:rPr kumimoji="0" lang="ru-RU" altLang="ru-RU" sz="1400" b="0" i="0" u="none" strike="noStrike" cap="none" normalizeH="0" baseline="0" dirty="0" err="1" smtClean="0">
+                <a:ln>
+                  <a:noFill/>
+                </a:ln>
+                <a:solidFill>
+                  <a:srgbClr val="A31515"/>
+                </a:solidFill>
+                <a:effectLst/>
+                <a:latin typeface="Consolas" panose="020B0609020204030204" pitchFamily="49" charset="0"/>
+              </a:rPr>
+              <a:t>TextBlock</a:t>
+            </a:r>
+            <a:r>
+              <a:rPr kumimoji="0" lang="ru-RU" altLang="ru-RU" sz="1400" b="0" i="0" u="none" strike="noStrike" cap="none" normalizeH="0" baseline="0" dirty="0" smtClean="0">
+                <a:ln>
+                  <a:noFill/>
+                </a:ln>
+                <a:solidFill>
+                  <a:srgbClr val="0000FF"/>
+                </a:solidFill>
+                <a:effectLst/>
+                <a:latin typeface="Consolas" panose="020B0609020204030204" pitchFamily="49" charset="0"/>
+              </a:rPr>
+              <a:t>&gt;</a:t>
+            </a:r>
+            <a:endParaRPr kumimoji="0" lang="ru-RU" altLang="ru-RU" sz="1800" b="0" i="0" u="none" strike="noStrike" cap="none" normalizeH="0" baseline="0" dirty="0" smtClean="0">
+              <a:ln>
+                <a:noFill/>
+              </a:ln>
+              <a:solidFill>
+                <a:schemeClr val="tx1"/>
+              </a:solidFill>
+              <a:effectLst/>
+              <a:latin typeface="Arial" panose="020B0604020202020204" pitchFamily="34" charset="0"/>
+            </a:endParaRPr>
+          </a:p>
+        </p:txBody>
+      </p:sp>
+      <p:pic>
+        <p:nvPicPr>
+          <p:cNvPr id="7" name="Рисунок 6"/>
+          <p:cNvPicPr>
+            <a:picLocks noChangeAspect="1"/>
+          </p:cNvPicPr>
+          <p:nvPr/>
+        </p:nvPicPr>
+        <p:blipFill>
+          <a:blip r:embed="rId2"/>
+          <a:stretch>
+            <a:fillRect/>
+          </a:stretch>
+        </p:blipFill>
+        <p:spPr>
+          <a:xfrm>
+            <a:off x="4200371" y="3742845"/>
+            <a:ext cx="4586442" cy="840693"/>
+          </a:xfrm>
+          <a:prstGeom prst="rect">
+            <a:avLst/>
+          </a:prstGeom>
+          <a:ln>
+            <a:noFill/>
+          </a:ln>
+          <a:effectLst>
+            <a:outerShdw blurRad="292100" dist="139700" dir="2700000" algn="tl" rotWithShape="0">
+              <a:srgbClr val="333333">
+                <a:alpha val="65000"/>
+              </a:srgbClr>
+            </a:outerShdw>
+          </a:effectLst>
+        </p:spPr>
+      </p:pic>
     </p:spTree>
     <p:extLst>
       <p:ext uri="{BB962C8B-B14F-4D97-AF65-F5344CB8AC3E}">
-        <p14:creationId xmlns:p14="http://schemas.microsoft.com/office/powerpoint/2010/main" val="1985958054"/>
+        <p14:creationId xmlns:p14="http://schemas.microsoft.com/office/powerpoint/2010/main" val="3912684312"/>
       </p:ext>
     </p:extLst>
   </p:cSld>
@@ -41912,6 +48092,308 @@
       </p:grpSpPr>
       <p:sp>
         <p:nvSpPr>
+          <p:cNvPr id="2" name="Заголовок 1"/>
+          <p:cNvSpPr>
+            <a:spLocks noGrp="1"/>
+          </p:cNvSpPr>
+          <p:nvPr>
+            <p:ph type="title"/>
+          </p:nvPr>
+        </p:nvSpPr>
+        <p:spPr/>
+        <p:txBody>
+          <a:bodyPr/>
+          <a:lstStyle/>
+          <a:p>
+            <a:r>
+              <a:rPr lang="en-US" dirty="0" smtClean="0"/>
+              <a:t>Development</a:t>
+            </a:r>
+            <a:endParaRPr lang="ru-RU" dirty="0"/>
+          </a:p>
+        </p:txBody>
+      </p:sp>
+      <p:pic>
+        <p:nvPicPr>
+          <p:cNvPr id="3" name="Рисунок 2"/>
+          <p:cNvPicPr>
+            <a:picLocks noChangeAspect="1"/>
+          </p:cNvPicPr>
+          <p:nvPr/>
+        </p:nvPicPr>
+        <p:blipFill>
+          <a:blip r:embed="rId2"/>
+          <a:stretch>
+            <a:fillRect/>
+          </a:stretch>
+        </p:blipFill>
+        <p:spPr>
+          <a:xfrm>
+            <a:off x="772462" y="765879"/>
+            <a:ext cx="6465958" cy="3998575"/>
+          </a:xfrm>
+          <a:prstGeom prst="rect">
+            <a:avLst/>
+          </a:prstGeom>
+          <a:ln>
+            <a:noFill/>
+          </a:ln>
+          <a:effectLst>
+            <a:outerShdw blurRad="292100" dist="139700" dir="2700000" algn="tl" rotWithShape="0">
+              <a:srgbClr val="333333">
+                <a:alpha val="65000"/>
+              </a:srgbClr>
+            </a:outerShdw>
+          </a:effectLst>
+        </p:spPr>
+      </p:pic>
+    </p:spTree>
+    <p:extLst>
+      <p:ext uri="{BB962C8B-B14F-4D97-AF65-F5344CB8AC3E}">
+        <p14:creationId xmlns:p14="http://schemas.microsoft.com/office/powerpoint/2010/main" val="1985958054"/>
+      </p:ext>
+    </p:extLst>
+  </p:cSld>
+  <p:clrMapOvr>
+    <a:masterClrMapping/>
+  </p:clrMapOvr>
+  <p:timing>
+    <p:tnLst>
+      <p:par>
+        <p:cTn id="1" dur="indefinite" restart="never" nodeType="tmRoot"/>
+      </p:par>
+    </p:tnLst>
+  </p:timing>
+</p:sld>
+</file>
+
+<file path=ppt/slides/slide34.xml><?xml version="1.0" encoding="utf-8"?>
+<p:sld xmlns:a="http://schemas.openxmlformats.org/drawingml/2006/main" xmlns:r="http://schemas.openxmlformats.org/officeDocument/2006/relationships" xmlns:p="http://schemas.openxmlformats.org/presentationml/2006/main">
+  <p:cSld>
+    <p:spTree>
+      <p:nvGrpSpPr>
+        <p:cNvPr id="1" name=""/>
+        <p:cNvGrpSpPr/>
+        <p:nvPr/>
+      </p:nvGrpSpPr>
+      <p:grpSpPr>
+        <a:xfrm>
+          <a:off x="0" y="0"/>
+          <a:ext cx="0" cy="0"/>
+          <a:chOff x="0" y="0"/>
+          <a:chExt cx="0" cy="0"/>
+        </a:xfrm>
+      </p:grpSpPr>
+      <p:sp>
+        <p:nvSpPr>
+          <p:cNvPr id="2" name="Заголовок 1"/>
+          <p:cNvSpPr>
+            <a:spLocks noGrp="1"/>
+          </p:cNvSpPr>
+          <p:nvPr>
+            <p:ph type="title"/>
+          </p:nvPr>
+        </p:nvSpPr>
+        <p:spPr/>
+        <p:txBody>
+          <a:bodyPr/>
+          <a:lstStyle/>
+          <a:p>
+            <a:r>
+              <a:rPr lang="en-US" dirty="0" smtClean="0"/>
+              <a:t>Demo</a:t>
+            </a:r>
+            <a:endParaRPr lang="ru-RU" dirty="0"/>
+          </a:p>
+        </p:txBody>
+      </p:sp>
+    </p:spTree>
+    <p:extLst>
+      <p:ext uri="{BB962C8B-B14F-4D97-AF65-F5344CB8AC3E}">
+        <p14:creationId xmlns:p14="http://schemas.microsoft.com/office/powerpoint/2010/main" val="1305730314"/>
+      </p:ext>
+    </p:extLst>
+  </p:cSld>
+  <p:clrMapOvr>
+    <a:masterClrMapping/>
+  </p:clrMapOvr>
+  <p:timing>
+    <p:tnLst>
+      <p:par>
+        <p:cTn id="1" dur="indefinite" restart="never" nodeType="tmRoot"/>
+      </p:par>
+    </p:tnLst>
+  </p:timing>
+</p:sld>
+</file>
+
+<file path=ppt/slides/slide35.xml><?xml version="1.0" encoding="utf-8"?>
+<p:sld xmlns:a="http://schemas.openxmlformats.org/drawingml/2006/main" xmlns:r="http://schemas.openxmlformats.org/officeDocument/2006/relationships" xmlns:p="http://schemas.openxmlformats.org/presentationml/2006/main">
+  <p:cSld>
+    <p:spTree>
+      <p:nvGrpSpPr>
+        <p:cNvPr id="1" name=""/>
+        <p:cNvGrpSpPr/>
+        <p:nvPr/>
+      </p:nvGrpSpPr>
+      <p:grpSpPr>
+        <a:xfrm>
+          <a:off x="0" y="0"/>
+          <a:ext cx="0" cy="0"/>
+          <a:chOff x="0" y="0"/>
+          <a:chExt cx="0" cy="0"/>
+        </a:xfrm>
+      </p:grpSpPr>
+      <p:sp>
+        <p:nvSpPr>
+          <p:cNvPr id="3" name="Заголовок 2"/>
+          <p:cNvSpPr>
+            <a:spLocks noGrp="1"/>
+          </p:cNvSpPr>
+          <p:nvPr>
+            <p:ph type="title"/>
+          </p:nvPr>
+        </p:nvSpPr>
+        <p:spPr/>
+        <p:txBody>
+          <a:bodyPr/>
+          <a:lstStyle/>
+          <a:p>
+            <a:r>
+              <a:rPr lang="en-US" dirty="0" smtClean="0"/>
+              <a:t>Avalonia Pros </a:t>
+            </a:r>
+            <a:r>
+              <a:rPr lang="en-US" dirty="0" smtClean="0"/>
+              <a:t>&amp; Cons</a:t>
+            </a:r>
+            <a:endParaRPr lang="ru-RU" dirty="0"/>
+          </a:p>
+        </p:txBody>
+      </p:sp>
+      <p:sp>
+        <p:nvSpPr>
+          <p:cNvPr id="4" name="Объект 3"/>
+          <p:cNvSpPr>
+            <a:spLocks noGrp="1"/>
+          </p:cNvSpPr>
+          <p:nvPr>
+            <p:ph sz="quarter" idx="10"/>
+          </p:nvPr>
+        </p:nvSpPr>
+        <p:spPr/>
+        <p:txBody>
+          <a:bodyPr/>
+          <a:lstStyle/>
+          <a:p>
+            <a:endParaRPr lang="ru-RU" dirty="0"/>
+          </a:p>
+        </p:txBody>
+      </p:sp>
+      <p:sp>
+        <p:nvSpPr>
+          <p:cNvPr id="5" name="Текст 4"/>
+          <p:cNvSpPr>
+            <a:spLocks noGrp="1"/>
+          </p:cNvSpPr>
+          <p:nvPr>
+            <p:ph type="body" sz="quarter" idx="11"/>
+          </p:nvPr>
+        </p:nvSpPr>
+        <p:spPr/>
+        <p:txBody>
+          <a:bodyPr/>
+          <a:lstStyle/>
+          <a:p>
+            <a:r>
+              <a:rPr lang="en-US" dirty="0" smtClean="0"/>
+              <a:t>Pros</a:t>
+            </a:r>
+            <a:endParaRPr lang="ru-RU" dirty="0"/>
+          </a:p>
+        </p:txBody>
+      </p:sp>
+      <p:sp>
+        <p:nvSpPr>
+          <p:cNvPr id="6" name="Объект 5"/>
+          <p:cNvSpPr>
+            <a:spLocks noGrp="1"/>
+          </p:cNvSpPr>
+          <p:nvPr>
+            <p:ph sz="quarter" idx="12"/>
+          </p:nvPr>
+        </p:nvSpPr>
+        <p:spPr/>
+        <p:txBody>
+          <a:bodyPr/>
+          <a:lstStyle/>
+          <a:p>
+            <a:endParaRPr lang="ru-RU" dirty="0"/>
+          </a:p>
+        </p:txBody>
+      </p:sp>
+      <p:sp>
+        <p:nvSpPr>
+          <p:cNvPr id="7" name="Текст 6"/>
+          <p:cNvSpPr>
+            <a:spLocks noGrp="1"/>
+          </p:cNvSpPr>
+          <p:nvPr>
+            <p:ph type="body" sz="quarter" idx="13"/>
+          </p:nvPr>
+        </p:nvSpPr>
+        <p:spPr/>
+        <p:txBody>
+          <a:bodyPr/>
+          <a:lstStyle/>
+          <a:p>
+            <a:r>
+              <a:rPr lang="en-US" dirty="0" smtClean="0"/>
+              <a:t>Cons</a:t>
+            </a:r>
+            <a:endParaRPr lang="ru-RU" dirty="0"/>
+          </a:p>
+        </p:txBody>
+      </p:sp>
+    </p:spTree>
+    <p:extLst>
+      <p:ext uri="{BB962C8B-B14F-4D97-AF65-F5344CB8AC3E}">
+        <p14:creationId xmlns:p14="http://schemas.microsoft.com/office/powerpoint/2010/main" val="2959875131"/>
+      </p:ext>
+    </p:extLst>
+  </p:cSld>
+  <p:clrMapOvr>
+    <a:masterClrMapping/>
+  </p:clrMapOvr>
+  <p:timing>
+    <p:tnLst>
+      <p:par>
+        <p:cTn id="1" dur="indefinite" restart="never" nodeType="tmRoot"/>
+      </p:par>
+    </p:tnLst>
+  </p:timing>
+</p:sld>
+</file>
+
+<file path=ppt/slides/slide36.xml><?xml version="1.0" encoding="utf-8"?>
+<p:sld xmlns:a="http://schemas.openxmlformats.org/drawingml/2006/main" xmlns:r="http://schemas.openxmlformats.org/officeDocument/2006/relationships" xmlns:p="http://schemas.openxmlformats.org/presentationml/2006/main">
+  <p:cSld>
+    <p:spTree>
+      <p:nvGrpSpPr>
+        <p:cNvPr id="1" name=""/>
+        <p:cNvGrpSpPr/>
+        <p:nvPr/>
+      </p:nvGrpSpPr>
+      <p:grpSpPr>
+        <a:xfrm>
+          <a:off x="0" y="0"/>
+          <a:ext cx="0" cy="0"/>
+          <a:chOff x="0" y="0"/>
+          <a:chExt cx="0" cy="0"/>
+        </a:xfrm>
+      </p:grpSpPr>
+      <p:sp>
+        <p:nvSpPr>
           <p:cNvPr id="3" name="Заголовок 2"/>
           <p:cNvSpPr>
             <a:spLocks noGrp="1"/>
@@ -41953,7 +48435,7 @@
 </p:sld>
 </file>
 
-<file path=ppt/slides/slide34.xml><?xml version="1.0" encoding="utf-8"?>
+<file path=ppt/slides/slide37.xml><?xml version="1.0" encoding="utf-8"?>
 <p:sld xmlns:a="http://schemas.openxmlformats.org/drawingml/2006/main" xmlns:r="http://schemas.openxmlformats.org/officeDocument/2006/relationships" xmlns:p="http://schemas.openxmlformats.org/presentationml/2006/main">
   <p:cSld>
     <p:spTree>
@@ -42295,7 +48777,7 @@
 </p:sld>
 </file>
 
-<file path=ppt/slides/slide35.xml><?xml version="1.0" encoding="utf-8"?>
+<file path=ppt/slides/slide38.xml><?xml version="1.0" encoding="utf-8"?>
 <p:sld xmlns:a="http://schemas.openxmlformats.org/drawingml/2006/main" xmlns:r="http://schemas.openxmlformats.org/officeDocument/2006/relationships" xmlns:p="http://schemas.openxmlformats.org/presentationml/2006/main">
   <p:cSld>
     <p:spTree>
@@ -42602,7 +49084,7 @@
 </p:sld>
 </file>
 
-<file path=ppt/slides/slide36.xml><?xml version="1.0" encoding="utf-8"?>
+<file path=ppt/slides/slide39.xml><?xml version="1.0" encoding="utf-8"?>
 <p:sld xmlns:a="http://schemas.openxmlformats.org/drawingml/2006/main" xmlns:r="http://schemas.openxmlformats.org/officeDocument/2006/relationships" xmlns:p="http://schemas.openxmlformats.org/presentationml/2006/main">
   <p:cSld>
     <p:spTree>
@@ -43171,482 +49653,6 @@
     <p:extLst>
       <p:ext uri="{BB962C8B-B14F-4D97-AF65-F5344CB8AC3E}">
         <p14:creationId xmlns:p14="http://schemas.microsoft.com/office/powerpoint/2010/main" val="2094030768"/>
-      </p:ext>
-    </p:extLst>
-  </p:cSld>
-  <p:clrMapOvr>
-    <a:masterClrMapping/>
-  </p:clrMapOvr>
-</p:sld>
-</file>
-
-<file path=ppt/slides/slide37.xml><?xml version="1.0" encoding="utf-8"?>
-<p:sld xmlns:a="http://schemas.openxmlformats.org/drawingml/2006/main" xmlns:r="http://schemas.openxmlformats.org/officeDocument/2006/relationships" xmlns:p="http://schemas.openxmlformats.org/presentationml/2006/main">
-  <p:cSld>
-    <p:spTree>
-      <p:nvGrpSpPr>
-        <p:cNvPr id="1" name=""/>
-        <p:cNvGrpSpPr/>
-        <p:nvPr/>
-      </p:nvGrpSpPr>
-      <p:grpSpPr>
-        <a:xfrm>
-          <a:off x="0" y="0"/>
-          <a:ext cx="0" cy="0"/>
-          <a:chOff x="0" y="0"/>
-          <a:chExt cx="0" cy="0"/>
-        </a:xfrm>
-      </p:grpSpPr>
-      <p:sp>
-        <p:nvSpPr>
-          <p:cNvPr id="2" name="Заголовок 1"/>
-          <p:cNvSpPr>
-            <a:spLocks noGrp="1"/>
-          </p:cNvSpPr>
-          <p:nvPr>
-            <p:ph type="title"/>
-          </p:nvPr>
-        </p:nvSpPr>
-        <p:spPr/>
-        <p:txBody>
-          <a:bodyPr/>
-          <a:lstStyle/>
-          <a:p>
-            <a:r>
-              <a:rPr lang="en-US" dirty="0" smtClean="0"/>
-              <a:t>DEVELOPMENT</a:t>
-            </a:r>
-            <a:endParaRPr lang="ru-RU" dirty="0"/>
-          </a:p>
-        </p:txBody>
-      </p:sp>
-      <p:sp>
-        <p:nvSpPr>
-          <p:cNvPr id="3" name="Объект 2"/>
-          <p:cNvSpPr>
-            <a:spLocks noGrp="1"/>
-          </p:cNvSpPr>
-          <p:nvPr>
-            <p:ph sz="quarter" idx="10"/>
-          </p:nvPr>
-        </p:nvSpPr>
-        <p:spPr/>
-        <p:txBody>
-          <a:bodyPr/>
-          <a:lstStyle/>
-          <a:p>
-            <a:r>
-              <a:rPr lang="en-US" dirty="0" smtClean="0"/>
-              <a:t>Any frontend and </a:t>
-            </a:r>
-            <a:r>
-              <a:rPr lang="en-US" dirty="0" err="1" smtClean="0"/>
-              <a:t>NodeJS</a:t>
-            </a:r>
-            <a:r>
-              <a:rPr lang="en-US" dirty="0" smtClean="0"/>
-              <a:t> libraries</a:t>
-            </a:r>
-          </a:p>
-          <a:p>
-            <a:pPr lvl="1"/>
-            <a:r>
-              <a:rPr lang="en-US" dirty="0" smtClean="0"/>
-              <a:t>React</a:t>
-            </a:r>
-          </a:p>
-          <a:p>
-            <a:pPr lvl="1"/>
-            <a:r>
-              <a:rPr lang="en-US" dirty="0" smtClean="0"/>
-              <a:t>Angular</a:t>
-            </a:r>
-          </a:p>
-          <a:p>
-            <a:pPr lvl="1"/>
-            <a:r>
-              <a:rPr lang="en-US" dirty="0" smtClean="0"/>
-              <a:t>… </a:t>
-            </a:r>
-            <a:endParaRPr lang="ru-RU" dirty="0"/>
-          </a:p>
-        </p:txBody>
-      </p:sp>
-      <p:sp>
-        <p:nvSpPr>
-          <p:cNvPr id="4" name="Текст 3"/>
-          <p:cNvSpPr>
-            <a:spLocks noGrp="1"/>
-          </p:cNvSpPr>
-          <p:nvPr>
-            <p:ph type="body" sz="quarter" idx="11"/>
-          </p:nvPr>
-        </p:nvSpPr>
-        <p:spPr/>
-        <p:txBody>
-          <a:bodyPr/>
-          <a:lstStyle/>
-          <a:p>
-            <a:r>
-              <a:rPr lang="en-US" dirty="0" smtClean="0"/>
-              <a:t>“Frontend”</a:t>
-            </a:r>
-            <a:endParaRPr lang="ru-RU" dirty="0"/>
-          </a:p>
-        </p:txBody>
-      </p:sp>
-      <p:sp>
-        <p:nvSpPr>
-          <p:cNvPr id="5" name="Объект 4"/>
-          <p:cNvSpPr>
-            <a:spLocks noGrp="1"/>
-          </p:cNvSpPr>
-          <p:nvPr>
-            <p:ph sz="quarter" idx="12"/>
-          </p:nvPr>
-        </p:nvSpPr>
-        <p:spPr/>
-        <p:txBody>
-          <a:bodyPr/>
-          <a:lstStyle/>
-          <a:p>
-            <a:r>
-              <a:rPr lang="en-US" dirty="0" err="1" smtClean="0"/>
-              <a:t>.Net</a:t>
-            </a:r>
-            <a:r>
-              <a:rPr lang="en-US" dirty="0" smtClean="0"/>
-              <a:t> Core </a:t>
-            </a:r>
-          </a:p>
-          <a:p>
-            <a:pPr lvl="1"/>
-            <a:r>
-              <a:rPr lang="en-US" dirty="0" smtClean="0"/>
-              <a:t>MVC (API, Pages, … )</a:t>
-            </a:r>
-          </a:p>
-          <a:p>
-            <a:pPr lvl="1"/>
-            <a:r>
-              <a:rPr lang="en-US" dirty="0" smtClean="0"/>
-              <a:t>… </a:t>
-            </a:r>
-            <a:endParaRPr lang="ru-RU" dirty="0"/>
-          </a:p>
-        </p:txBody>
-      </p:sp>
-      <p:sp>
-        <p:nvSpPr>
-          <p:cNvPr id="6" name="Текст 5"/>
-          <p:cNvSpPr>
-            <a:spLocks noGrp="1"/>
-          </p:cNvSpPr>
-          <p:nvPr>
-            <p:ph type="body" sz="quarter" idx="13"/>
-          </p:nvPr>
-        </p:nvSpPr>
-        <p:spPr/>
-        <p:txBody>
-          <a:bodyPr/>
-          <a:lstStyle/>
-          <a:p>
-            <a:r>
-              <a:rPr lang="en-US" dirty="0" smtClean="0"/>
-              <a:t>“Backend”</a:t>
-            </a:r>
-            <a:endParaRPr lang="ru-RU" dirty="0"/>
-          </a:p>
-        </p:txBody>
-      </p:sp>
-    </p:spTree>
-    <p:extLst>
-      <p:ext uri="{BB962C8B-B14F-4D97-AF65-F5344CB8AC3E}">
-        <p14:creationId xmlns:p14="http://schemas.microsoft.com/office/powerpoint/2010/main" val="2718629126"/>
-      </p:ext>
-    </p:extLst>
-  </p:cSld>
-  <p:clrMapOvr>
-    <a:masterClrMapping/>
-  </p:clrMapOvr>
-</p:sld>
-</file>
-
-<file path=ppt/slides/slide38.xml><?xml version="1.0" encoding="utf-8"?>
-<p:sld xmlns:a="http://schemas.openxmlformats.org/drawingml/2006/main" xmlns:r="http://schemas.openxmlformats.org/officeDocument/2006/relationships" xmlns:p="http://schemas.openxmlformats.org/presentationml/2006/main">
-  <p:cSld>
-    <p:spTree>
-      <p:nvGrpSpPr>
-        <p:cNvPr id="1" name=""/>
-        <p:cNvGrpSpPr/>
-        <p:nvPr/>
-      </p:nvGrpSpPr>
-      <p:grpSpPr>
-        <a:xfrm>
-          <a:off x="0" y="0"/>
-          <a:ext cx="0" cy="0"/>
-          <a:chOff x="0" y="0"/>
-          <a:chExt cx="0" cy="0"/>
-        </a:xfrm>
-      </p:grpSpPr>
-      <p:sp>
-        <p:nvSpPr>
-          <p:cNvPr id="2" name="Заголовок 1"/>
-          <p:cNvSpPr>
-            <a:spLocks noGrp="1"/>
-          </p:cNvSpPr>
-          <p:nvPr>
-            <p:ph type="title"/>
-          </p:nvPr>
-        </p:nvSpPr>
-        <p:spPr/>
-        <p:txBody>
-          <a:bodyPr/>
-          <a:lstStyle/>
-          <a:p>
-            <a:r>
-              <a:rPr lang="en-US" dirty="0" smtClean="0"/>
-              <a:t>Demo</a:t>
-            </a:r>
-            <a:endParaRPr lang="ru-RU" dirty="0"/>
-          </a:p>
-        </p:txBody>
-      </p:sp>
-    </p:spTree>
-    <p:extLst>
-      <p:ext uri="{BB962C8B-B14F-4D97-AF65-F5344CB8AC3E}">
-        <p14:creationId xmlns:p14="http://schemas.microsoft.com/office/powerpoint/2010/main" val="193495667"/>
-      </p:ext>
-    </p:extLst>
-  </p:cSld>
-  <p:clrMapOvr>
-    <a:masterClrMapping/>
-  </p:clrMapOvr>
-  <p:timing>
-    <p:tnLst>
-      <p:par>
-        <p:cTn id="1" dur="indefinite" restart="never" nodeType="tmRoot"/>
-      </p:par>
-    </p:tnLst>
-  </p:timing>
-</p:sld>
-</file>
-
-<file path=ppt/slides/slide39.xml><?xml version="1.0" encoding="utf-8"?>
-<p:sld xmlns:a="http://schemas.openxmlformats.org/drawingml/2006/main" xmlns:r="http://schemas.openxmlformats.org/officeDocument/2006/relationships" xmlns:p="http://schemas.openxmlformats.org/presentationml/2006/main">
-  <p:cSld>
-    <p:spTree>
-      <p:nvGrpSpPr>
-        <p:cNvPr id="1" name=""/>
-        <p:cNvGrpSpPr/>
-        <p:nvPr/>
-      </p:nvGrpSpPr>
-      <p:grpSpPr>
-        <a:xfrm>
-          <a:off x="0" y="0"/>
-          <a:ext cx="0" cy="0"/>
-          <a:chOff x="0" y="0"/>
-          <a:chExt cx="0" cy="0"/>
-        </a:xfrm>
-      </p:grpSpPr>
-      <p:sp>
-        <p:nvSpPr>
-          <p:cNvPr id="3" name="Заголовок 2"/>
-          <p:cNvSpPr>
-            <a:spLocks noGrp="1"/>
-          </p:cNvSpPr>
-          <p:nvPr>
-            <p:ph type="title"/>
-          </p:nvPr>
-        </p:nvSpPr>
-        <p:spPr/>
-        <p:txBody>
-          <a:bodyPr/>
-          <a:lstStyle/>
-          <a:p>
-            <a:r>
-              <a:rPr lang="en-US" dirty="0" err="1" smtClean="0"/>
-              <a:t>Electron.Net</a:t>
-            </a:r>
-            <a:r>
-              <a:rPr lang="en-US" dirty="0" smtClean="0"/>
-              <a:t> Pros &amp; Cons</a:t>
-            </a:r>
-            <a:endParaRPr lang="ru-RU" dirty="0"/>
-          </a:p>
-        </p:txBody>
-      </p:sp>
-      <p:sp>
-        <p:nvSpPr>
-          <p:cNvPr id="4" name="Объект 3"/>
-          <p:cNvSpPr>
-            <a:spLocks noGrp="1"/>
-          </p:cNvSpPr>
-          <p:nvPr>
-            <p:ph sz="quarter" idx="10"/>
-          </p:nvPr>
-        </p:nvSpPr>
-        <p:spPr/>
-        <p:txBody>
-          <a:bodyPr/>
-          <a:lstStyle/>
-          <a:p>
-            <a:r>
-              <a:rPr lang="en-US" dirty="0" smtClean="0"/>
-              <a:t>Excellent dynamic (for Electron)</a:t>
-            </a:r>
-          </a:p>
-          <a:p>
-            <a:pPr lvl="1"/>
-            <a:r>
-              <a:rPr lang="en-US" dirty="0" smtClean="0"/>
-              <a:t>Atom</a:t>
-            </a:r>
-          </a:p>
-          <a:p>
-            <a:pPr lvl="1"/>
-            <a:r>
-              <a:rPr lang="en-US" dirty="0" smtClean="0"/>
-              <a:t>VS Code</a:t>
-            </a:r>
-          </a:p>
-          <a:p>
-            <a:pPr lvl="1"/>
-            <a:r>
-              <a:rPr lang="en-US" dirty="0" smtClean="0"/>
-              <a:t>…</a:t>
-            </a:r>
-          </a:p>
-          <a:p>
-            <a:r>
-              <a:rPr lang="en-US" dirty="0" smtClean="0"/>
-              <a:t>Sinergy of front and </a:t>
-            </a:r>
-            <a:r>
-              <a:rPr lang="en-US" dirty="0" err="1" smtClean="0"/>
-              <a:t>.Net</a:t>
-            </a:r>
-            <a:r>
-              <a:rPr lang="en-US" dirty="0" smtClean="0"/>
-              <a:t> back</a:t>
-            </a:r>
-          </a:p>
-          <a:p>
-            <a:r>
-              <a:rPr lang="en-US" dirty="0" smtClean="0"/>
-              <a:t>Easy migration for Web Apps</a:t>
-            </a:r>
-          </a:p>
-          <a:p>
-            <a:r>
-              <a:rPr lang="en-US" dirty="0" smtClean="0"/>
-              <a:t>Full development cycle for </a:t>
-            </a:r>
-            <a:r>
-              <a:rPr lang="en-US" dirty="0" err="1" smtClean="0"/>
-              <a:t>Electron.Net</a:t>
-            </a:r>
-            <a:r>
-              <a:rPr lang="en-US" dirty="0" smtClean="0"/>
-              <a:t> (from development to distributions)</a:t>
-            </a:r>
-            <a:endParaRPr lang="ru-RU" dirty="0"/>
-          </a:p>
-        </p:txBody>
-      </p:sp>
-      <p:sp>
-        <p:nvSpPr>
-          <p:cNvPr id="5" name="Текст 4"/>
-          <p:cNvSpPr>
-            <a:spLocks noGrp="1"/>
-          </p:cNvSpPr>
-          <p:nvPr>
-            <p:ph type="body" sz="quarter" idx="11"/>
-          </p:nvPr>
-        </p:nvSpPr>
-        <p:spPr/>
-        <p:txBody>
-          <a:bodyPr/>
-          <a:lstStyle/>
-          <a:p>
-            <a:r>
-              <a:rPr lang="en-US" dirty="0" smtClean="0"/>
-              <a:t>Pros</a:t>
-            </a:r>
-            <a:endParaRPr lang="ru-RU" dirty="0"/>
-          </a:p>
-        </p:txBody>
-      </p:sp>
-      <p:sp>
-        <p:nvSpPr>
-          <p:cNvPr id="6" name="Объект 5"/>
-          <p:cNvSpPr>
-            <a:spLocks noGrp="1"/>
-          </p:cNvSpPr>
-          <p:nvPr>
-            <p:ph sz="quarter" idx="12"/>
-          </p:nvPr>
-        </p:nvSpPr>
-        <p:spPr/>
-        <p:txBody>
-          <a:bodyPr/>
-          <a:lstStyle/>
-          <a:p>
-            <a:r>
-              <a:rPr lang="en-US" dirty="0" smtClean="0"/>
-              <a:t>Full-stack developer (or separated roles in development team: front and back)</a:t>
-            </a:r>
-          </a:p>
-          <a:p>
-            <a:r>
-              <a:rPr lang="en-US" dirty="0" smtClean="0"/>
-              <a:t>Big resource consumption (memory + CPU)</a:t>
-            </a:r>
-          </a:p>
-          <a:p>
-            <a:r>
-              <a:rPr lang="en-US" dirty="0" err="1" smtClean="0"/>
-              <a:t>Electron.Net</a:t>
-            </a:r>
-            <a:r>
-              <a:rPr lang="en-US" dirty="0" smtClean="0"/>
-              <a:t> slowly started in compare “pure” </a:t>
-            </a:r>
-            <a:r>
-              <a:rPr lang="en-US" dirty="0" err="1" smtClean="0"/>
-              <a:t>ElectronJS</a:t>
-            </a:r>
-            <a:endParaRPr lang="ru-RU" dirty="0"/>
-          </a:p>
-        </p:txBody>
-      </p:sp>
-      <p:sp>
-        <p:nvSpPr>
-          <p:cNvPr id="7" name="Текст 6"/>
-          <p:cNvSpPr>
-            <a:spLocks noGrp="1"/>
-          </p:cNvSpPr>
-          <p:nvPr>
-            <p:ph type="body" sz="quarter" idx="13"/>
-          </p:nvPr>
-        </p:nvSpPr>
-        <p:spPr/>
-        <p:txBody>
-          <a:bodyPr/>
-          <a:lstStyle/>
-          <a:p>
-            <a:r>
-              <a:rPr lang="en-US" dirty="0" smtClean="0"/>
-              <a:t>Cons</a:t>
-            </a:r>
-            <a:endParaRPr lang="ru-RU" dirty="0"/>
-          </a:p>
-        </p:txBody>
-      </p:sp>
-    </p:spTree>
-    <p:extLst>
-      <p:ext uri="{BB962C8B-B14F-4D97-AF65-F5344CB8AC3E}">
-        <p14:creationId xmlns:p14="http://schemas.microsoft.com/office/powerpoint/2010/main" val="1021680840"/>
       </p:ext>
     </p:extLst>
   </p:cSld>
@@ -44226,7 +50232,7 @@
 </file>
 
 <file path=ppt/slides/slide40.xml><?xml version="1.0" encoding="utf-8"?>
-<p:sld xmlns:a="http://schemas.openxmlformats.org/drawingml/2006/main" xmlns:r="http://schemas.openxmlformats.org/officeDocument/2006/relationships" xmlns:p="http://schemas.openxmlformats.org/presentationml/2006/main" show="0">
+<p:sld xmlns:a="http://schemas.openxmlformats.org/drawingml/2006/main" xmlns:r="http://schemas.openxmlformats.org/officeDocument/2006/relationships" xmlns:p="http://schemas.openxmlformats.org/presentationml/2006/main">
   <p:cSld>
     <p:spTree>
       <p:nvGrpSpPr>
@@ -44258,8 +50264,147 @@
           <a:lstStyle/>
           <a:p>
             <a:r>
+              <a:rPr lang="en-US" dirty="0" smtClean="0"/>
+              <a:t>DEVELOPMENT</a:t>
+            </a:r>
+            <a:endParaRPr lang="ru-RU" dirty="0"/>
+          </a:p>
+        </p:txBody>
+      </p:sp>
+      <p:sp>
+        <p:nvSpPr>
+          <p:cNvPr id="3" name="Объект 2"/>
+          <p:cNvSpPr>
+            <a:spLocks noGrp="1"/>
+          </p:cNvSpPr>
+          <p:nvPr>
+            <p:ph sz="quarter" idx="10"/>
+          </p:nvPr>
+        </p:nvSpPr>
+        <p:spPr/>
+        <p:txBody>
+          <a:bodyPr/>
+          <a:lstStyle/>
+          <a:p>
+            <a:r>
+              <a:rPr lang="en-US" dirty="0" smtClean="0"/>
+              <a:t>Any frontend and </a:t>
+            </a:r>
+            <a:r>
               <a:rPr lang="en-US" dirty="0" err="1" smtClean="0"/>
-              <a:t>Sciter</a:t>
+              <a:t>NodeJS</a:t>
+            </a:r>
+            <a:r>
+              <a:rPr lang="en-US" dirty="0" smtClean="0"/>
+              <a:t> libraries</a:t>
+            </a:r>
+          </a:p>
+          <a:p>
+            <a:pPr lvl="1"/>
+            <a:r>
+              <a:rPr lang="en-US" dirty="0" smtClean="0"/>
+              <a:t>React</a:t>
+            </a:r>
+          </a:p>
+          <a:p>
+            <a:pPr lvl="1"/>
+            <a:r>
+              <a:rPr lang="en-US" dirty="0" smtClean="0"/>
+              <a:t>Angular</a:t>
+            </a:r>
+          </a:p>
+          <a:p>
+            <a:pPr lvl="1"/>
+            <a:r>
+              <a:rPr lang="en-US" dirty="0" smtClean="0"/>
+              <a:t>… </a:t>
+            </a:r>
+            <a:endParaRPr lang="ru-RU" dirty="0"/>
+          </a:p>
+        </p:txBody>
+      </p:sp>
+      <p:sp>
+        <p:nvSpPr>
+          <p:cNvPr id="4" name="Текст 3"/>
+          <p:cNvSpPr>
+            <a:spLocks noGrp="1"/>
+          </p:cNvSpPr>
+          <p:nvPr>
+            <p:ph type="body" sz="quarter" idx="11"/>
+          </p:nvPr>
+        </p:nvSpPr>
+        <p:spPr/>
+        <p:txBody>
+          <a:bodyPr/>
+          <a:lstStyle/>
+          <a:p>
+            <a:r>
+              <a:rPr lang="en-US" dirty="0" smtClean="0"/>
+              <a:t>“Frontend”</a:t>
+            </a:r>
+            <a:endParaRPr lang="ru-RU" dirty="0"/>
+          </a:p>
+        </p:txBody>
+      </p:sp>
+      <p:sp>
+        <p:nvSpPr>
+          <p:cNvPr id="5" name="Объект 4"/>
+          <p:cNvSpPr>
+            <a:spLocks noGrp="1"/>
+          </p:cNvSpPr>
+          <p:nvPr>
+            <p:ph sz="quarter" idx="12"/>
+          </p:nvPr>
+        </p:nvSpPr>
+        <p:spPr/>
+        <p:txBody>
+          <a:bodyPr/>
+          <a:lstStyle/>
+          <a:p>
+            <a:r>
+              <a:rPr lang="en-US" dirty="0" err="1" smtClean="0"/>
+              <a:t>.Net</a:t>
+            </a:r>
+            <a:r>
+              <a:rPr lang="en-US" dirty="0" smtClean="0"/>
+              <a:t> Core </a:t>
+            </a:r>
+          </a:p>
+          <a:p>
+            <a:pPr lvl="1"/>
+            <a:r>
+              <a:rPr lang="en-US" dirty="0" smtClean="0"/>
+              <a:t>MVC (API, Pages, … )</a:t>
+            </a:r>
+          </a:p>
+          <a:p>
+            <a:pPr lvl="1"/>
+            <a:r>
+              <a:rPr lang="en-US" dirty="0" smtClean="0"/>
+              <a:t>… </a:t>
+            </a:r>
+            <a:endParaRPr lang="ru-RU" dirty="0"/>
+          </a:p>
+        </p:txBody>
+      </p:sp>
+      <p:sp>
+        <p:nvSpPr>
+          <p:cNvPr id="6" name="Текст 5"/>
+          <p:cNvSpPr>
+            <a:spLocks noGrp="1"/>
+          </p:cNvSpPr>
+          <p:nvPr>
+            <p:ph type="body" sz="quarter" idx="13"/>
+          </p:nvPr>
+        </p:nvSpPr>
+        <p:spPr/>
+        <p:txBody>
+          <a:bodyPr/>
+          <a:lstStyle/>
+          <a:p>
+            <a:r>
+              <a:rPr lang="en-US" dirty="0" smtClean="0"/>
+              <a:t>“Backend”</a:t>
             </a:r>
             <a:endParaRPr lang="ru-RU" dirty="0"/>
           </a:p>
@@ -44268,26 +50413,18 @@
     </p:spTree>
     <p:extLst>
       <p:ext uri="{BB962C8B-B14F-4D97-AF65-F5344CB8AC3E}">
-        <p14:creationId xmlns:p14="http://schemas.microsoft.com/office/powerpoint/2010/main" val="1096656507"/>
+        <p14:creationId xmlns:p14="http://schemas.microsoft.com/office/powerpoint/2010/main" val="2718629126"/>
       </p:ext>
     </p:extLst>
   </p:cSld>
   <p:clrMapOvr>
     <a:masterClrMapping/>
   </p:clrMapOvr>
-  <mc:AlternateContent xmlns:mc="http://schemas.openxmlformats.org/markup-compatibility/2006" xmlns:p14="http://schemas.microsoft.com/office/powerpoint/2010/main">
-    <mc:Choice Requires="p14">
-      <p:transition spd="slow" p14:dur="2000"/>
-    </mc:Choice>
-    <mc:Fallback xmlns="">
-      <p:transition spd="slow"/>
-    </mc:Fallback>
-  </mc:AlternateContent>
 </p:sld>
 </file>
 
 <file path=ppt/slides/slide41.xml><?xml version="1.0" encoding="utf-8"?>
-<p:sld xmlns:a="http://schemas.openxmlformats.org/drawingml/2006/main" xmlns:r="http://schemas.openxmlformats.org/officeDocument/2006/relationships" xmlns:p="http://schemas.openxmlformats.org/presentationml/2006/main" show="0">
+<p:sld xmlns:a="http://schemas.openxmlformats.org/drawingml/2006/main" xmlns:r="http://schemas.openxmlformats.org/officeDocument/2006/relationships" xmlns:p="http://schemas.openxmlformats.org/presentationml/2006/main">
   <p:cSld>
     <p:spTree>
       <p:nvGrpSpPr>
@@ -44319,8 +50456,8 @@
           <a:lstStyle/>
           <a:p>
             <a:r>
-              <a:rPr lang="en-US" dirty="0" err="1"/>
-              <a:t>SciterSharp</a:t>
+              <a:rPr lang="en-US" dirty="0" smtClean="0"/>
+              <a:t>Demo</a:t>
             </a:r>
             <a:endParaRPr lang="ru-RU" dirty="0"/>
           </a:p>
@@ -44329,25 +50466,248 @@
     </p:spTree>
     <p:extLst>
       <p:ext uri="{BB962C8B-B14F-4D97-AF65-F5344CB8AC3E}">
-        <p14:creationId xmlns:p14="http://schemas.microsoft.com/office/powerpoint/2010/main" val="2270255873"/>
+        <p14:creationId xmlns:p14="http://schemas.microsoft.com/office/powerpoint/2010/main" val="193495667"/>
       </p:ext>
     </p:extLst>
   </p:cSld>
   <p:clrMapOvr>
     <a:masterClrMapping/>
   </p:clrMapOvr>
-  <mc:AlternateContent xmlns:mc="http://schemas.openxmlformats.org/markup-compatibility/2006" xmlns:p14="http://schemas.microsoft.com/office/powerpoint/2010/main">
-    <mc:Choice Requires="p14">
-      <p:transition spd="slow" p14:dur="2000"/>
-    </mc:Choice>
-    <mc:Fallback xmlns="">
-      <p:transition spd="slow"/>
-    </mc:Fallback>
-  </mc:AlternateContent>
+  <p:timing>
+    <p:tnLst>
+      <p:par>
+        <p:cTn id="1" dur="indefinite" restart="never" nodeType="tmRoot"/>
+      </p:par>
+    </p:tnLst>
+  </p:timing>
 </p:sld>
 </file>
 
 <file path=ppt/slides/slide42.xml><?xml version="1.0" encoding="utf-8"?>
+<p:sld xmlns:a="http://schemas.openxmlformats.org/drawingml/2006/main" xmlns:r="http://schemas.openxmlformats.org/officeDocument/2006/relationships" xmlns:p="http://schemas.openxmlformats.org/presentationml/2006/main">
+  <p:cSld>
+    <p:spTree>
+      <p:nvGrpSpPr>
+        <p:cNvPr id="1" name=""/>
+        <p:cNvGrpSpPr/>
+        <p:nvPr/>
+      </p:nvGrpSpPr>
+      <p:grpSpPr>
+        <a:xfrm>
+          <a:off x="0" y="0"/>
+          <a:ext cx="0" cy="0"/>
+          <a:chOff x="0" y="0"/>
+          <a:chExt cx="0" cy="0"/>
+        </a:xfrm>
+      </p:grpSpPr>
+      <p:sp>
+        <p:nvSpPr>
+          <p:cNvPr id="3" name="Заголовок 2"/>
+          <p:cNvSpPr>
+            <a:spLocks noGrp="1"/>
+          </p:cNvSpPr>
+          <p:nvPr>
+            <p:ph type="title"/>
+          </p:nvPr>
+        </p:nvSpPr>
+        <p:spPr/>
+        <p:txBody>
+          <a:bodyPr/>
+          <a:lstStyle/>
+          <a:p>
+            <a:r>
+              <a:rPr lang="en-US" dirty="0" err="1" smtClean="0"/>
+              <a:t>Electron.Net</a:t>
+            </a:r>
+            <a:r>
+              <a:rPr lang="en-US" dirty="0" smtClean="0"/>
+              <a:t> Pros &amp; Cons</a:t>
+            </a:r>
+            <a:endParaRPr lang="ru-RU" dirty="0"/>
+          </a:p>
+        </p:txBody>
+      </p:sp>
+      <p:sp>
+        <p:nvSpPr>
+          <p:cNvPr id="4" name="Объект 3"/>
+          <p:cNvSpPr>
+            <a:spLocks noGrp="1"/>
+          </p:cNvSpPr>
+          <p:nvPr>
+            <p:ph sz="quarter" idx="10"/>
+          </p:nvPr>
+        </p:nvSpPr>
+        <p:spPr/>
+        <p:txBody>
+          <a:bodyPr/>
+          <a:lstStyle/>
+          <a:p>
+            <a:r>
+              <a:rPr lang="en-US" dirty="0" smtClean="0"/>
+              <a:t>Excellent dynamic (for Electron)</a:t>
+            </a:r>
+          </a:p>
+          <a:p>
+            <a:pPr lvl="1"/>
+            <a:r>
+              <a:rPr lang="en-US" dirty="0" smtClean="0"/>
+              <a:t>Atom</a:t>
+            </a:r>
+          </a:p>
+          <a:p>
+            <a:pPr lvl="1"/>
+            <a:r>
+              <a:rPr lang="en-US" dirty="0" smtClean="0"/>
+              <a:t>VS Code</a:t>
+            </a:r>
+          </a:p>
+          <a:p>
+            <a:pPr lvl="1"/>
+            <a:r>
+              <a:rPr lang="en-US" dirty="0" smtClean="0"/>
+              <a:t>…</a:t>
+            </a:r>
+          </a:p>
+          <a:p>
+            <a:r>
+              <a:rPr lang="en-US" dirty="0" smtClean="0"/>
+              <a:t>Sinergy of front and </a:t>
+            </a:r>
+            <a:r>
+              <a:rPr lang="en-US" dirty="0" err="1" smtClean="0"/>
+              <a:t>.Net</a:t>
+            </a:r>
+            <a:r>
+              <a:rPr lang="en-US" dirty="0" smtClean="0"/>
+              <a:t> back</a:t>
+            </a:r>
+          </a:p>
+          <a:p>
+            <a:r>
+              <a:rPr lang="en-US" dirty="0" smtClean="0"/>
+              <a:t>Easy migration for Web Apps</a:t>
+            </a:r>
+          </a:p>
+          <a:p>
+            <a:r>
+              <a:rPr lang="en-US" dirty="0" smtClean="0"/>
+              <a:t>Full development cycle for </a:t>
+            </a:r>
+            <a:r>
+              <a:rPr lang="en-US" dirty="0" err="1" smtClean="0"/>
+              <a:t>Electron.Net</a:t>
+            </a:r>
+            <a:r>
+              <a:rPr lang="en-US" dirty="0" smtClean="0"/>
+              <a:t> (from development to distributions)</a:t>
+            </a:r>
+            <a:endParaRPr lang="ru-RU" dirty="0"/>
+          </a:p>
+        </p:txBody>
+      </p:sp>
+      <p:sp>
+        <p:nvSpPr>
+          <p:cNvPr id="5" name="Текст 4"/>
+          <p:cNvSpPr>
+            <a:spLocks noGrp="1"/>
+          </p:cNvSpPr>
+          <p:nvPr>
+            <p:ph type="body" sz="quarter" idx="11"/>
+          </p:nvPr>
+        </p:nvSpPr>
+        <p:spPr/>
+        <p:txBody>
+          <a:bodyPr/>
+          <a:lstStyle/>
+          <a:p>
+            <a:r>
+              <a:rPr lang="en-US" dirty="0" smtClean="0"/>
+              <a:t>Pros</a:t>
+            </a:r>
+            <a:endParaRPr lang="ru-RU" dirty="0"/>
+          </a:p>
+        </p:txBody>
+      </p:sp>
+      <p:sp>
+        <p:nvSpPr>
+          <p:cNvPr id="6" name="Объект 5"/>
+          <p:cNvSpPr>
+            <a:spLocks noGrp="1"/>
+          </p:cNvSpPr>
+          <p:nvPr>
+            <p:ph sz="quarter" idx="12"/>
+          </p:nvPr>
+        </p:nvSpPr>
+        <p:spPr/>
+        <p:txBody>
+          <a:bodyPr/>
+          <a:lstStyle/>
+          <a:p>
+            <a:r>
+              <a:rPr lang="en-US" dirty="0" smtClean="0"/>
+              <a:t>Full-stack developer (or separated roles in development team: front and back)</a:t>
+            </a:r>
+          </a:p>
+          <a:p>
+            <a:r>
+              <a:rPr lang="en-US" dirty="0" smtClean="0"/>
+              <a:t>Big resource consumption (memory + CPU)</a:t>
+            </a:r>
+          </a:p>
+          <a:p>
+            <a:r>
+              <a:rPr lang="en-US" dirty="0" err="1" smtClean="0"/>
+              <a:t>Electron.Net</a:t>
+            </a:r>
+            <a:r>
+              <a:rPr lang="en-US" dirty="0" smtClean="0"/>
+              <a:t> slowly started in compare “pure” </a:t>
+            </a:r>
+            <a:r>
+              <a:rPr lang="en-US" dirty="0" err="1" smtClean="0"/>
+              <a:t>ElectronJS</a:t>
+            </a:r>
+            <a:endParaRPr lang="ru-RU" dirty="0"/>
+          </a:p>
+        </p:txBody>
+      </p:sp>
+      <p:sp>
+        <p:nvSpPr>
+          <p:cNvPr id="7" name="Текст 6"/>
+          <p:cNvSpPr>
+            <a:spLocks noGrp="1"/>
+          </p:cNvSpPr>
+          <p:nvPr>
+            <p:ph type="body" sz="quarter" idx="13"/>
+          </p:nvPr>
+        </p:nvSpPr>
+        <p:spPr/>
+        <p:txBody>
+          <a:bodyPr/>
+          <a:lstStyle/>
+          <a:p>
+            <a:r>
+              <a:rPr lang="en-US" dirty="0" smtClean="0"/>
+              <a:t>Cons</a:t>
+            </a:r>
+            <a:endParaRPr lang="ru-RU" dirty="0"/>
+          </a:p>
+        </p:txBody>
+      </p:sp>
+    </p:spTree>
+    <p:extLst>
+      <p:ext uri="{BB962C8B-B14F-4D97-AF65-F5344CB8AC3E}">
+        <p14:creationId xmlns:p14="http://schemas.microsoft.com/office/powerpoint/2010/main" val="1021680840"/>
+      </p:ext>
+    </p:extLst>
+  </p:cSld>
+  <p:clrMapOvr>
+    <a:masterClrMapping/>
+  </p:clrMapOvr>
+</p:sld>
+</file>
+
+<file path=ppt/slides/slide43.xml><?xml version="1.0" encoding="utf-8"?>
 <p:sld xmlns:a="http://schemas.openxmlformats.org/drawingml/2006/main" xmlns:r="http://schemas.openxmlformats.org/officeDocument/2006/relationships" xmlns:p="http://schemas.openxmlformats.org/presentationml/2006/main">
   <p:cSld>
     <p:spTree>
@@ -44412,7 +50772,7 @@
 </p:sld>
 </file>
 
-<file path=ppt/slides/slide43.xml><?xml version="1.0" encoding="utf-8"?>
+<file path=ppt/slides/slide44.xml><?xml version="1.0" encoding="utf-8"?>
 <p:sld xmlns:a="http://schemas.openxmlformats.org/drawingml/2006/main" xmlns:r="http://schemas.openxmlformats.org/officeDocument/2006/relationships" xmlns:p="http://schemas.openxmlformats.org/presentationml/2006/main" show="0">
   <p:cSld>
     <p:spTree>
@@ -44466,10 +50826,17 @@
       <p:transition spd="slow"/>
     </mc:Fallback>
   </mc:AlternateContent>
+  <p:timing>
+    <p:tnLst>
+      <p:par>
+        <p:cTn id="1" dur="indefinite" restart="never" nodeType="tmRoot"/>
+      </p:par>
+    </p:tnLst>
+  </p:timing>
 </p:sld>
 </file>
 
-<file path=ppt/slides/slide44.xml><?xml version="1.0" encoding="utf-8"?>
+<file path=ppt/slides/slide45.xml><?xml version="1.0" encoding="utf-8"?>
 <p:sld xmlns:a="http://schemas.openxmlformats.org/drawingml/2006/main" xmlns:r="http://schemas.openxmlformats.org/officeDocument/2006/relationships" xmlns:p="http://schemas.openxmlformats.org/presentationml/2006/main">
   <p:cSld>
     <p:spTree>
@@ -50736,13 +57103,13 @@
 
 <file path=customXml/item1.xml><?xml version="1.0" encoding="utf-8"?>
 <Control xmlns="http://schemas.microsoft.com/VisualStudio/2011/storyboarding/control">
-  <Id Name="System.Storyboarding.WindowsDesktop.DialogBox" Revision="1" Stencil="System.Storyboarding.WindowsDesktop" StencilVersion="0.1"/>
+  <Id Name="System.Storyboarding.Common.Button" Revision="1" Stencil="System.Storyboarding.Common" StencilVersion="0.1"/>
 </Control>
 </file>
 
 <file path=customXml/item2.xml><?xml version="1.0" encoding="utf-8"?>
 <Control xmlns="http://schemas.microsoft.com/VisualStudio/2011/storyboarding/control">
-  <Id Name="System.Storyboarding.Common.Button" Revision="1" Stencil="System.Storyboarding.Common" StencilVersion="0.1"/>
+  <Id Name="System.Storyboarding.WindowsDesktop.DialogBox" Revision="1" Stencil="System.Storyboarding.WindowsDesktop" StencilVersion="0.1"/>
 </Control>
 </file>
 
@@ -50753,7 +57120,7 @@
 </file>
 
 <file path=customXml/itemProps1.xml><?xml version="1.0" encoding="utf-8"?>
-<ds:datastoreItem xmlns:ds="http://schemas.openxmlformats.org/officeDocument/2006/customXml" ds:itemID="{30927FF3-308C-457D-B5C9-4B82E295672D}">
+<ds:datastoreItem xmlns:ds="http://schemas.openxmlformats.org/officeDocument/2006/customXml" ds:itemID="{7202BEFF-68C7-42CF-9BAD-A43A36D50B91}">
   <ds:schemaRefs>
     <ds:schemaRef ds:uri="http://schemas.microsoft.com/VisualStudio/2011/storyboarding/control"/>
   </ds:schemaRefs>
@@ -50761,7 +57128,7 @@
 </file>
 
 <file path=customXml/itemProps2.xml><?xml version="1.0" encoding="utf-8"?>
-<ds:datastoreItem xmlns:ds="http://schemas.openxmlformats.org/officeDocument/2006/customXml" ds:itemID="{7202BEFF-68C7-42CF-9BAD-A43A36D50B91}">
+<ds:datastoreItem xmlns:ds="http://schemas.openxmlformats.org/officeDocument/2006/customXml" ds:itemID="{30927FF3-308C-457D-B5C9-4B82E295672D}">
   <ds:schemaRefs>
     <ds:schemaRef ds:uri="http://schemas.microsoft.com/VisualStudio/2011/storyboarding/control"/>
   </ds:schemaRefs>
